--- a/docs/diy-continuations.pptx
+++ b/docs/diy-continuations.pptx
@@ -5,19 +5,25 @@
     <p:sldMasterId id="2147483648" r:id="rId1"/>
   </p:sldMasterIdLst>
   <p:notesMasterIdLst>
-    <p:notesMasterId r:id="rId9"/>
+    <p:notesMasterId r:id="rId15"/>
   </p:notesMasterIdLst>
   <p:handoutMasterIdLst>
-    <p:handoutMasterId r:id="rId10"/>
+    <p:handoutMasterId r:id="rId16"/>
   </p:handoutMasterIdLst>
   <p:sldIdLst>
     <p:sldId id="259" r:id="rId2"/>
     <p:sldId id="282" r:id="rId3"/>
     <p:sldId id="307" r:id="rId4"/>
-    <p:sldId id="340" r:id="rId5"/>
-    <p:sldId id="339" r:id="rId6"/>
-    <p:sldId id="280" r:id="rId7"/>
-    <p:sldId id="341" r:id="rId8"/>
+    <p:sldId id="345" r:id="rId5"/>
+    <p:sldId id="346" r:id="rId6"/>
+    <p:sldId id="348" r:id="rId7"/>
+    <p:sldId id="349" r:id="rId8"/>
+    <p:sldId id="350" r:id="rId9"/>
+    <p:sldId id="351" r:id="rId10"/>
+    <p:sldId id="343" r:id="rId11"/>
+    <p:sldId id="339" r:id="rId12"/>
+    <p:sldId id="280" r:id="rId13"/>
+    <p:sldId id="341" r:id="rId14"/>
   </p:sldIdLst>
   <p:sldSz cx="11704638" cy="6583363"/>
   <p:notesSz cx="6797675" cy="9928225"/>
@@ -116,6 +122,11 @@
       </a:defRPr>
     </a:lvl9pPr>
   </p:defaultTextStyle>
+  <p:extLst>
+    <p:ext uri="{EFAFB233-063F-42B5-8137-9DF3F51BA10A}">
+      <p15:sldGuideLst xmlns:p15="http://schemas.microsoft.com/office/powerpoint/2012/main"/>
+    </p:ext>
+  </p:extLst>
 </p:presentation>
 </file>
 
@@ -149,7 +160,7 @@
           <p:cNvPr id="2" name="Header Placeholder 1">
             <a:extLst>
               <a:ext uri="{FF2B5EF4-FFF2-40B4-BE49-F238E27FC236}">
-                <a16:creationId xmlns:a16="http://schemas.microsoft.com/office/drawing/2014/main" xmlns="" id="{2307D236-EC24-49D4-9F92-5F62A454C349}"/>
+                <a16:creationId xmlns="" xmlns:a16="http://schemas.microsoft.com/office/drawing/2014/main" id="{2307D236-EC24-49D4-9F92-5F62A454C349}"/>
               </a:ext>
             </a:extLst>
           </p:cNvPr>
@@ -186,7 +197,7 @@
           <p:cNvPr id="3" name="Date Placeholder 2">
             <a:extLst>
               <a:ext uri="{FF2B5EF4-FFF2-40B4-BE49-F238E27FC236}">
-                <a16:creationId xmlns:a16="http://schemas.microsoft.com/office/drawing/2014/main" xmlns="" id="{C4A8361D-062B-4882-9622-898F34F418C6}"/>
+                <a16:creationId xmlns="" xmlns:a16="http://schemas.microsoft.com/office/drawing/2014/main" id="{C4A8361D-062B-4882-9622-898F34F418C6}"/>
               </a:ext>
             </a:extLst>
           </p:cNvPr>
@@ -216,7 +227,7 @@
           <a:p>
             <a:fld id="{B5239E4C-5DBC-4EE5-94B9-2B43250ABC54}" type="datetimeFigureOut">
               <a:rPr lang="en-US"/>
-              <a:t>1/21/19</a:t>
+              <a:t>1/28/19</a:t>
             </a:fld>
             <a:endParaRPr lang="en-US"/>
           </a:p>
@@ -227,7 +238,7 @@
           <p:cNvPr id="4" name="Footer Placeholder 3">
             <a:extLst>
               <a:ext uri="{FF2B5EF4-FFF2-40B4-BE49-F238E27FC236}">
-                <a16:creationId xmlns:a16="http://schemas.microsoft.com/office/drawing/2014/main" xmlns="" id="{18BBC38B-3F86-4712-96E2-845CD03C99AD}"/>
+                <a16:creationId xmlns="" xmlns:a16="http://schemas.microsoft.com/office/drawing/2014/main" id="{18BBC38B-3F86-4712-96E2-845CD03C99AD}"/>
               </a:ext>
             </a:extLst>
           </p:cNvPr>
@@ -264,7 +275,7 @@
           <p:cNvPr id="5" name="Slide Number Placeholder 4">
             <a:extLst>
               <a:ext uri="{FF2B5EF4-FFF2-40B4-BE49-F238E27FC236}">
-                <a16:creationId xmlns:a16="http://schemas.microsoft.com/office/drawing/2014/main" xmlns="" id="{A2B4E439-A684-4CF1-8B15-24CE3577A4ED}"/>
+                <a16:creationId xmlns="" xmlns:a16="http://schemas.microsoft.com/office/drawing/2014/main" id="{A2B4E439-A684-4CF1-8B15-24CE3577A4ED}"/>
               </a:ext>
             </a:extLst>
           </p:cNvPr>
@@ -304,7 +315,7 @@
           <p:cNvPr id="6" name="Header Placeholder 1">
             <a:extLst>
               <a:ext uri="{FF2B5EF4-FFF2-40B4-BE49-F238E27FC236}">
-                <a16:creationId xmlns:a16="http://schemas.microsoft.com/office/drawing/2014/main" xmlns="" id="{1652160D-6E4D-493F-A1B8-94436B8D302F}"/>
+                <a16:creationId xmlns="" xmlns:a16="http://schemas.microsoft.com/office/drawing/2014/main" id="{1652160D-6E4D-493F-A1B8-94436B8D302F}"/>
               </a:ext>
             </a:extLst>
           </p:cNvPr>
@@ -368,7 +379,7 @@
           <p:cNvPr id="7" name="Date Placeholder 2">
             <a:extLst>
               <a:ext uri="{FF2B5EF4-FFF2-40B4-BE49-F238E27FC236}">
-                <a16:creationId xmlns:a16="http://schemas.microsoft.com/office/drawing/2014/main" xmlns="" id="{003E91D0-8A5F-4EA7-944D-1242EC30F080}"/>
+                <a16:creationId xmlns="" xmlns:a16="http://schemas.microsoft.com/office/drawing/2014/main" id="{003E91D0-8A5F-4EA7-944D-1242EC30F080}"/>
               </a:ext>
             </a:extLst>
           </p:cNvPr>
@@ -444,7 +455,7 @@
                   <a:uFillTx/>
                 </a:defRPr>
               </a:pPr>
-              <a:t>21/01/2019</a:t>
+              <a:t>28/01/2019</a:t>
             </a:fld>
             <a:endParaRPr lang="en-GB" sz="1200" b="0" i="0" u="none" strike="noStrike" kern="1200" cap="none" spc="0" baseline="0">
               <a:solidFill>
@@ -461,7 +472,7 @@
           <p:cNvPr id="8" name="Footer Placeholder 3">
             <a:extLst>
               <a:ext uri="{FF2B5EF4-FFF2-40B4-BE49-F238E27FC236}">
-                <a16:creationId xmlns:a16="http://schemas.microsoft.com/office/drawing/2014/main" xmlns="" id="{2CECAB09-B1CA-488D-9468-1238D693C4A6}"/>
+                <a16:creationId xmlns="" xmlns:a16="http://schemas.microsoft.com/office/drawing/2014/main" id="{2CECAB09-B1CA-488D-9468-1238D693C4A6}"/>
               </a:ext>
             </a:extLst>
           </p:cNvPr>
@@ -525,7 +536,7 @@
           <p:cNvPr id="9" name="Slide Number Placeholder 4">
             <a:extLst>
               <a:ext uri="{FF2B5EF4-FFF2-40B4-BE49-F238E27FC236}">
-                <a16:creationId xmlns:a16="http://schemas.microsoft.com/office/drawing/2014/main" xmlns="" id="{DBEF0D69-B2F4-4FE0-A167-B7409C881861}"/>
+                <a16:creationId xmlns="" xmlns:a16="http://schemas.microsoft.com/office/drawing/2014/main" id="{DBEF0D69-B2F4-4FE0-A167-B7409C881861}"/>
               </a:ext>
             </a:extLst>
           </p:cNvPr>
@@ -628,7 +639,7 @@
           <p:cNvPr id="8" name="Header Placeholder 1">
             <a:extLst>
               <a:ext uri="{FF2B5EF4-FFF2-40B4-BE49-F238E27FC236}">
-                <a16:creationId xmlns:a16="http://schemas.microsoft.com/office/drawing/2014/main" xmlns="" id="{E3CA4944-91DB-419C-9B85-6B2E48A4C49C}"/>
+                <a16:creationId xmlns="" xmlns:a16="http://schemas.microsoft.com/office/drawing/2014/main" id="{E3CA4944-91DB-419C-9B85-6B2E48A4C49C}"/>
               </a:ext>
             </a:extLst>
           </p:cNvPr>
@@ -689,7 +700,7 @@
           <p:cNvPr id="9" name="Date Placeholder 2">
             <a:extLst>
               <a:ext uri="{FF2B5EF4-FFF2-40B4-BE49-F238E27FC236}">
-                <a16:creationId xmlns:a16="http://schemas.microsoft.com/office/drawing/2014/main" xmlns="" id="{FF35B9FD-E9C3-4A4E-A232-9C350D013696}"/>
+                <a16:creationId xmlns="" xmlns:a16="http://schemas.microsoft.com/office/drawing/2014/main" id="{FF35B9FD-E9C3-4A4E-A232-9C350D013696}"/>
               </a:ext>
             </a:extLst>
           </p:cNvPr>
@@ -744,7 +755,7 @@
             <a:fld id="{5C40661A-FF99-43E9-8625-B04CCA98DB49}" type="datetime1">
               <a:rPr lang="en-US"/>
               <a:pPr lvl="0"/>
-              <a:t>1/21/19</a:t>
+              <a:t>1/28/19</a:t>
             </a:fld>
             <a:endParaRPr lang="en-US"/>
           </a:p>
@@ -755,7 +766,7 @@
           <p:cNvPr id="10" name="Slide Image Placeholder 3">
             <a:extLst>
               <a:ext uri="{FF2B5EF4-FFF2-40B4-BE49-F238E27FC236}">
-                <a16:creationId xmlns:a16="http://schemas.microsoft.com/office/drawing/2014/main" xmlns="" id="{0F45E758-102C-4252-9457-BDC346B25C98}"/>
+                <a16:creationId xmlns="" xmlns:a16="http://schemas.microsoft.com/office/drawing/2014/main" id="{0F45E758-102C-4252-9457-BDC346B25C98}"/>
               </a:ext>
             </a:extLst>
           </p:cNvPr>
@@ -788,7 +799,7 @@
           <p:cNvPr id="11" name="Notes Placeholder 4">
             <a:extLst>
               <a:ext uri="{FF2B5EF4-FFF2-40B4-BE49-F238E27FC236}">
-                <a16:creationId xmlns:a16="http://schemas.microsoft.com/office/drawing/2014/main" xmlns="" id="{D3DF7A88-849E-422C-BEA7-E1BD76F24FDF}"/>
+                <a16:creationId xmlns="" xmlns:a16="http://schemas.microsoft.com/office/drawing/2014/main" id="{D3DF7A88-849E-422C-BEA7-E1BD76F24FDF}"/>
               </a:ext>
             </a:extLst>
           </p:cNvPr>
@@ -860,7 +871,7 @@
           <p:cNvPr id="12" name="Footer Placeholder 5">
             <a:extLst>
               <a:ext uri="{FF2B5EF4-FFF2-40B4-BE49-F238E27FC236}">
-                <a16:creationId xmlns:a16="http://schemas.microsoft.com/office/drawing/2014/main" xmlns="" id="{4FE82BAE-4F41-4154-A441-5B43502F6C33}"/>
+                <a16:creationId xmlns="" xmlns:a16="http://schemas.microsoft.com/office/drawing/2014/main" id="{4FE82BAE-4F41-4154-A441-5B43502F6C33}"/>
               </a:ext>
             </a:extLst>
           </p:cNvPr>
@@ -921,7 +932,7 @@
           <p:cNvPr id="13" name="Slide Number Placeholder 6">
             <a:extLst>
               <a:ext uri="{FF2B5EF4-FFF2-40B4-BE49-F238E27FC236}">
-                <a16:creationId xmlns:a16="http://schemas.microsoft.com/office/drawing/2014/main" xmlns="" id="{CED64587-65A8-466C-BB0B-B812D794A53D}"/>
+                <a16:creationId xmlns="" xmlns:a16="http://schemas.microsoft.com/office/drawing/2014/main" id="{CED64587-65A8-466C-BB0B-B812D794A53D}"/>
               </a:ext>
             </a:extLst>
           </p:cNvPr>
@@ -1040,7 +1051,7 @@
           <a:p>
             <a:fld id="{1387469C-9F68-4097-95C7-42011AAA5201}" type="datetimeFigureOut">
               <a:rPr lang="en-US"/>
-              <a:t>1/21/19</a:t>
+              <a:t>1/28/19</a:t>
             </a:fld>
             <a:endParaRPr lang="en-US"/>
           </a:p>
@@ -1378,7 +1389,7 @@
           <p:cNvPr id="2" name="Slide Image Placeholder 1">
             <a:extLst>
               <a:ext uri="{FF2B5EF4-FFF2-40B4-BE49-F238E27FC236}">
-                <a16:creationId xmlns:a16="http://schemas.microsoft.com/office/drawing/2014/main" xmlns="" id="{C9CBAAC4-33AD-4986-92DF-2C3148E7E13C}"/>
+                <a16:creationId xmlns="" xmlns:a16="http://schemas.microsoft.com/office/drawing/2014/main" id="{C9CBAAC4-33AD-4986-92DF-2C3148E7E13C}"/>
               </a:ext>
             </a:extLst>
           </p:cNvPr>
@@ -1408,7 +1419,7 @@
           <p:cNvPr id="3" name="Notes Placeholder 2">
             <a:extLst>
               <a:ext uri="{FF2B5EF4-FFF2-40B4-BE49-F238E27FC236}">
-                <a16:creationId xmlns:a16="http://schemas.microsoft.com/office/drawing/2014/main" xmlns="" id="{0A794444-6664-48A2-ADFA-6C7059D629F0}"/>
+                <a16:creationId xmlns="" xmlns:a16="http://schemas.microsoft.com/office/drawing/2014/main" id="{0A794444-6664-48A2-ADFA-6C7059D629F0}"/>
               </a:ext>
             </a:extLst>
           </p:cNvPr>
@@ -1444,7 +1455,7 @@
           <p:cNvPr id="4" name="Slide Number Placeholder 3">
             <a:extLst>
               <a:ext uri="{FF2B5EF4-FFF2-40B4-BE49-F238E27FC236}">
-                <a16:creationId xmlns:a16="http://schemas.microsoft.com/office/drawing/2014/main" xmlns="" id="{590AE690-482B-4756-ACDC-87FC96C8FC33}"/>
+                <a16:creationId xmlns="" xmlns:a16="http://schemas.microsoft.com/office/drawing/2014/main" id="{590AE690-482B-4756-ACDC-87FC96C8FC33}"/>
               </a:ext>
             </a:extLst>
           </p:cNvPr>
@@ -1565,10 +1576,797 @@
       </p:grpSpPr>
       <p:sp>
         <p:nvSpPr>
+          <p:cNvPr id="2" name="Slide Image Placeholder 1"/>
+          <p:cNvSpPr>
+            <a:spLocks noGrp="1" noRot="1" noChangeAspect="1"/>
+          </p:cNvSpPr>
+          <p:nvPr>
+            <p:ph type="sldImg"/>
+          </p:nvPr>
+        </p:nvSpPr>
+        <p:spPr>
+          <a:xfrm>
+            <a:off x="90488" y="744538"/>
+            <a:ext cx="6616700" cy="3722687"/>
+          </a:xfrm>
+        </p:spPr>
+      </p:sp>
+      <p:sp>
+        <p:nvSpPr>
+          <p:cNvPr id="3" name="Notes Placeholder 2"/>
+          <p:cNvSpPr>
+            <a:spLocks noGrp="1"/>
+          </p:cNvSpPr>
+          <p:nvPr>
+            <p:ph type="body" idx="1"/>
+          </p:nvPr>
+        </p:nvSpPr>
+        <p:spPr/>
+        <p:txBody>
+          <a:bodyPr/>
+          <a:lstStyle/>
+          <a:p>
+            <a:r>
+              <a:rPr lang="en-US" dirty="0" smtClean="0"/>
+              <a:t>How</a:t>
+            </a:r>
+            <a:r>
+              <a:rPr lang="en-US" baseline="0" dirty="0" smtClean="0"/>
+              <a:t> do you </a:t>
+            </a:r>
+            <a:r>
+              <a:rPr lang="en-US" baseline="0" dirty="0" err="1" smtClean="0"/>
+              <a:t>evaluete</a:t>
+            </a:r>
+            <a:r>
+              <a:rPr lang="en-US" baseline="0" dirty="0" smtClean="0"/>
+              <a:t> this expression?</a:t>
+            </a:r>
+            <a:endParaRPr lang="en-US" dirty="0" smtClean="0"/>
+          </a:p>
+          <a:p>
+            <a:endParaRPr lang="en-US" dirty="0"/>
+          </a:p>
+        </p:txBody>
+      </p:sp>
+      <p:sp>
+        <p:nvSpPr>
+          <p:cNvPr id="4" name="Slide Number Placeholder 3"/>
+          <p:cNvSpPr>
+            <a:spLocks noGrp="1"/>
+          </p:cNvSpPr>
+          <p:nvPr>
+            <p:ph type="sldNum" sz="quarter" idx="10"/>
+          </p:nvPr>
+        </p:nvSpPr>
+        <p:spPr/>
+        <p:txBody>
+          <a:bodyPr/>
+          <a:lstStyle/>
+          <a:p>
+            <a:fld id="{FC59884A-FAD0-DE4F-8C4F-A27A5B8B9F19}" type="slidenum">
+              <a:rPr lang="en-US" smtClean="0"/>
+              <a:t>4</a:t>
+            </a:fld>
+            <a:endParaRPr lang="en-US"/>
+          </a:p>
+        </p:txBody>
+      </p:sp>
+    </p:spTree>
+    <p:extLst>
+      <p:ext uri="{BB962C8B-B14F-4D97-AF65-F5344CB8AC3E}">
+        <p14:creationId xmlns:p14="http://schemas.microsoft.com/office/powerpoint/2010/main" val="1849615942"/>
+      </p:ext>
+    </p:extLst>
+  </p:cSld>
+  <p:clrMapOvr>
+    <a:masterClrMapping/>
+  </p:clrMapOvr>
+</p:notes>
+</file>
+
+<file path=ppt/notesSlides/notesSlide3.xml><?xml version="1.0" encoding="utf-8"?>
+<p:notes xmlns:a="http://schemas.openxmlformats.org/drawingml/2006/main" xmlns:r="http://schemas.openxmlformats.org/officeDocument/2006/relationships" xmlns:p="http://schemas.openxmlformats.org/presentationml/2006/main">
+  <p:cSld>
+    <p:spTree>
+      <p:nvGrpSpPr>
+        <p:cNvPr id="1" name=""/>
+        <p:cNvGrpSpPr/>
+        <p:nvPr/>
+      </p:nvGrpSpPr>
+      <p:grpSpPr>
+        <a:xfrm>
+          <a:off x="0" y="0"/>
+          <a:ext cx="0" cy="0"/>
+          <a:chOff x="0" y="0"/>
+          <a:chExt cx="0" cy="0"/>
+        </a:xfrm>
+      </p:grpSpPr>
+      <p:sp>
+        <p:nvSpPr>
+          <p:cNvPr id="2" name="Slide Image Placeholder 1"/>
+          <p:cNvSpPr>
+            <a:spLocks noGrp="1" noRot="1" noChangeAspect="1"/>
+          </p:cNvSpPr>
+          <p:nvPr>
+            <p:ph type="sldImg"/>
+          </p:nvPr>
+        </p:nvSpPr>
+        <p:spPr>
+          <a:xfrm>
+            <a:off x="90488" y="744538"/>
+            <a:ext cx="6616700" cy="3722687"/>
+          </a:xfrm>
+        </p:spPr>
+      </p:sp>
+      <p:sp>
+        <p:nvSpPr>
+          <p:cNvPr id="3" name="Notes Placeholder 2"/>
+          <p:cNvSpPr>
+            <a:spLocks noGrp="1"/>
+          </p:cNvSpPr>
+          <p:nvPr>
+            <p:ph type="body" idx="1"/>
+          </p:nvPr>
+        </p:nvSpPr>
+        <p:spPr/>
+        <p:txBody>
+          <a:bodyPr/>
+          <a:lstStyle/>
+          <a:p>
+            <a:r>
+              <a:rPr lang="en-US" dirty="0" smtClean="0"/>
+              <a:t>The</a:t>
+            </a:r>
+            <a:r>
+              <a:rPr lang="en-US" baseline="0" dirty="0" smtClean="0"/>
+              <a:t> green area is the continuation for 4</a:t>
+            </a:r>
+            <a:endParaRPr lang="en-US" dirty="0" smtClean="0"/>
+          </a:p>
+          <a:p>
+            <a:endParaRPr lang="en-US" dirty="0"/>
+          </a:p>
+        </p:txBody>
+      </p:sp>
+      <p:sp>
+        <p:nvSpPr>
+          <p:cNvPr id="4" name="Slide Number Placeholder 3"/>
+          <p:cNvSpPr>
+            <a:spLocks noGrp="1"/>
+          </p:cNvSpPr>
+          <p:nvPr>
+            <p:ph type="sldNum" sz="quarter" idx="10"/>
+          </p:nvPr>
+        </p:nvSpPr>
+        <p:spPr/>
+        <p:txBody>
+          <a:bodyPr/>
+          <a:lstStyle/>
+          <a:p>
+            <a:fld id="{FC59884A-FAD0-DE4F-8C4F-A27A5B8B9F19}" type="slidenum">
+              <a:rPr lang="en-US" smtClean="0"/>
+              <a:t>5</a:t>
+            </a:fld>
+            <a:endParaRPr lang="en-US"/>
+          </a:p>
+        </p:txBody>
+      </p:sp>
+    </p:spTree>
+    <p:extLst>
+      <p:ext uri="{BB962C8B-B14F-4D97-AF65-F5344CB8AC3E}">
+        <p14:creationId xmlns:p14="http://schemas.microsoft.com/office/powerpoint/2010/main" val="744069184"/>
+      </p:ext>
+    </p:extLst>
+  </p:cSld>
+  <p:clrMapOvr>
+    <a:masterClrMapping/>
+  </p:clrMapOvr>
+</p:notes>
+</file>
+
+<file path=ppt/notesSlides/notesSlide4.xml><?xml version="1.0" encoding="utf-8"?>
+<p:notes xmlns:a="http://schemas.openxmlformats.org/drawingml/2006/main" xmlns:r="http://schemas.openxmlformats.org/officeDocument/2006/relationships" xmlns:p="http://schemas.openxmlformats.org/presentationml/2006/main">
+  <p:cSld>
+    <p:spTree>
+      <p:nvGrpSpPr>
+        <p:cNvPr id="1" name=""/>
+        <p:cNvGrpSpPr/>
+        <p:nvPr/>
+      </p:nvGrpSpPr>
+      <p:grpSpPr>
+        <a:xfrm>
+          <a:off x="0" y="0"/>
+          <a:ext cx="0" cy="0"/>
+          <a:chOff x="0" y="0"/>
+          <a:chExt cx="0" cy="0"/>
+        </a:xfrm>
+      </p:grpSpPr>
+      <p:sp>
+        <p:nvSpPr>
+          <p:cNvPr id="2" name="Slide Image Placeholder 1"/>
+          <p:cNvSpPr>
+            <a:spLocks noGrp="1" noRot="1" noChangeAspect="1"/>
+          </p:cNvSpPr>
+          <p:nvPr>
+            <p:ph type="sldImg"/>
+          </p:nvPr>
+        </p:nvSpPr>
+        <p:spPr>
+          <a:xfrm>
+            <a:off x="90488" y="744538"/>
+            <a:ext cx="6616700" cy="3722687"/>
+          </a:xfrm>
+        </p:spPr>
+      </p:sp>
+      <p:sp>
+        <p:nvSpPr>
+          <p:cNvPr id="3" name="Notes Placeholder 2"/>
+          <p:cNvSpPr>
+            <a:spLocks noGrp="1"/>
+          </p:cNvSpPr>
+          <p:nvPr>
+            <p:ph type="body" idx="1"/>
+          </p:nvPr>
+        </p:nvSpPr>
+        <p:spPr/>
+        <p:txBody>
+          <a:bodyPr/>
+          <a:lstStyle/>
+          <a:p>
+            <a:pPr marL="0" marR="0" indent="0" algn="l" defTabSz="914400" rtl="0" eaLnBrk="1" fontAlgn="auto" latinLnBrk="0" hangingPunct="1">
+              <a:lnSpc>
+                <a:spcPct val="100000"/>
+              </a:lnSpc>
+              <a:spcBef>
+                <a:spcPts val="0"/>
+              </a:spcBef>
+              <a:spcAft>
+                <a:spcPts val="0"/>
+              </a:spcAft>
+              <a:buClrTx/>
+              <a:buSzTx/>
+              <a:buFontTx/>
+              <a:buNone/>
+              <a:tabLst/>
+              <a:defRPr/>
+            </a:pPr>
+            <a:r>
+              <a:rPr lang="en-US" dirty="0" smtClean="0"/>
+              <a:t>Green area is the continuation</a:t>
+            </a:r>
+            <a:endParaRPr lang="en-US" dirty="0" smtClean="0"/>
+          </a:p>
+          <a:p>
+            <a:endParaRPr lang="en-US" dirty="0" smtClean="0"/>
+          </a:p>
+          <a:p>
+            <a:endParaRPr lang="en-US" dirty="0"/>
+          </a:p>
+        </p:txBody>
+      </p:sp>
+      <p:sp>
+        <p:nvSpPr>
+          <p:cNvPr id="4" name="Slide Number Placeholder 3"/>
+          <p:cNvSpPr>
+            <a:spLocks noGrp="1"/>
+          </p:cNvSpPr>
+          <p:nvPr>
+            <p:ph type="sldNum" sz="quarter" idx="10"/>
+          </p:nvPr>
+        </p:nvSpPr>
+        <p:spPr/>
+        <p:txBody>
+          <a:bodyPr/>
+          <a:lstStyle/>
+          <a:p>
+            <a:fld id="{FC59884A-FAD0-DE4F-8C4F-A27A5B8B9F19}" type="slidenum">
+              <a:rPr lang="en-US" smtClean="0"/>
+              <a:t>6</a:t>
+            </a:fld>
+            <a:endParaRPr lang="en-US"/>
+          </a:p>
+        </p:txBody>
+      </p:sp>
+    </p:spTree>
+    <p:extLst>
+      <p:ext uri="{BB962C8B-B14F-4D97-AF65-F5344CB8AC3E}">
+        <p14:creationId xmlns:p14="http://schemas.microsoft.com/office/powerpoint/2010/main" val="192018670"/>
+      </p:ext>
+    </p:extLst>
+  </p:cSld>
+  <p:clrMapOvr>
+    <a:masterClrMapping/>
+  </p:clrMapOvr>
+</p:notes>
+</file>
+
+<file path=ppt/notesSlides/notesSlide5.xml><?xml version="1.0" encoding="utf-8"?>
+<p:notes xmlns:a="http://schemas.openxmlformats.org/drawingml/2006/main" xmlns:r="http://schemas.openxmlformats.org/officeDocument/2006/relationships" xmlns:p="http://schemas.openxmlformats.org/presentationml/2006/main">
+  <p:cSld>
+    <p:spTree>
+      <p:nvGrpSpPr>
+        <p:cNvPr id="1" name=""/>
+        <p:cNvGrpSpPr/>
+        <p:nvPr/>
+      </p:nvGrpSpPr>
+      <p:grpSpPr>
+        <a:xfrm>
+          <a:off x="0" y="0"/>
+          <a:ext cx="0" cy="0"/>
+          <a:chOff x="0" y="0"/>
+          <a:chExt cx="0" cy="0"/>
+        </a:xfrm>
+      </p:grpSpPr>
+      <p:sp>
+        <p:nvSpPr>
+          <p:cNvPr id="2" name="Slide Image Placeholder 1"/>
+          <p:cNvSpPr>
+            <a:spLocks noGrp="1" noRot="1" noChangeAspect="1"/>
+          </p:cNvSpPr>
+          <p:nvPr>
+            <p:ph type="sldImg"/>
+          </p:nvPr>
+        </p:nvSpPr>
+        <p:spPr>
+          <a:xfrm>
+            <a:off x="90488" y="744538"/>
+            <a:ext cx="6616700" cy="3722687"/>
+          </a:xfrm>
+        </p:spPr>
+      </p:sp>
+      <p:sp>
+        <p:nvSpPr>
+          <p:cNvPr id="3" name="Notes Placeholder 2"/>
+          <p:cNvSpPr>
+            <a:spLocks noGrp="1"/>
+          </p:cNvSpPr>
+          <p:nvPr>
+            <p:ph type="body" idx="1"/>
+          </p:nvPr>
+        </p:nvSpPr>
+        <p:spPr/>
+        <p:txBody>
+          <a:bodyPr/>
+          <a:lstStyle/>
+          <a:p>
+            <a:pPr marL="0" marR="0" indent="0" algn="l" defTabSz="914400" rtl="0" eaLnBrk="1" fontAlgn="auto" latinLnBrk="0" hangingPunct="1">
+              <a:lnSpc>
+                <a:spcPct val="100000"/>
+              </a:lnSpc>
+              <a:spcBef>
+                <a:spcPts val="0"/>
+              </a:spcBef>
+              <a:spcAft>
+                <a:spcPts val="0"/>
+              </a:spcAft>
+              <a:buClrTx/>
+              <a:buSzTx/>
+              <a:buFontTx/>
+              <a:buNone/>
+              <a:tabLst/>
+              <a:defRPr/>
+            </a:pPr>
+            <a:r>
+              <a:rPr lang="en-US" dirty="0" smtClean="0"/>
+              <a:t>Green area is the continuation</a:t>
+            </a:r>
+            <a:endParaRPr lang="en-US" dirty="0" smtClean="0"/>
+          </a:p>
+          <a:p>
+            <a:endParaRPr lang="en-US" dirty="0" smtClean="0"/>
+          </a:p>
+          <a:p>
+            <a:endParaRPr lang="en-US" dirty="0"/>
+          </a:p>
+        </p:txBody>
+      </p:sp>
+      <p:sp>
+        <p:nvSpPr>
+          <p:cNvPr id="4" name="Slide Number Placeholder 3"/>
+          <p:cNvSpPr>
+            <a:spLocks noGrp="1"/>
+          </p:cNvSpPr>
+          <p:nvPr>
+            <p:ph type="sldNum" sz="quarter" idx="10"/>
+          </p:nvPr>
+        </p:nvSpPr>
+        <p:spPr/>
+        <p:txBody>
+          <a:bodyPr/>
+          <a:lstStyle/>
+          <a:p>
+            <a:fld id="{FC59884A-FAD0-DE4F-8C4F-A27A5B8B9F19}" type="slidenum">
+              <a:rPr lang="en-US" smtClean="0"/>
+              <a:t>7</a:t>
+            </a:fld>
+            <a:endParaRPr lang="en-US"/>
+          </a:p>
+        </p:txBody>
+      </p:sp>
+    </p:spTree>
+    <p:extLst>
+      <p:ext uri="{BB962C8B-B14F-4D97-AF65-F5344CB8AC3E}">
+        <p14:creationId xmlns:p14="http://schemas.microsoft.com/office/powerpoint/2010/main" val="571324907"/>
+      </p:ext>
+    </p:extLst>
+  </p:cSld>
+  <p:clrMapOvr>
+    <a:masterClrMapping/>
+  </p:clrMapOvr>
+</p:notes>
+</file>
+
+<file path=ppt/notesSlides/notesSlide6.xml><?xml version="1.0" encoding="utf-8"?>
+<p:notes xmlns:a="http://schemas.openxmlformats.org/drawingml/2006/main" xmlns:r="http://schemas.openxmlformats.org/officeDocument/2006/relationships" xmlns:p="http://schemas.openxmlformats.org/presentationml/2006/main">
+  <p:cSld>
+    <p:spTree>
+      <p:nvGrpSpPr>
+        <p:cNvPr id="1" name=""/>
+        <p:cNvGrpSpPr/>
+        <p:nvPr/>
+      </p:nvGrpSpPr>
+      <p:grpSpPr>
+        <a:xfrm>
+          <a:off x="0" y="0"/>
+          <a:ext cx="0" cy="0"/>
+          <a:chOff x="0" y="0"/>
+          <a:chExt cx="0" cy="0"/>
+        </a:xfrm>
+      </p:grpSpPr>
+      <p:sp>
+        <p:nvSpPr>
+          <p:cNvPr id="2" name="Slide Image Placeholder 1"/>
+          <p:cNvSpPr>
+            <a:spLocks noGrp="1" noRot="1" noChangeAspect="1"/>
+          </p:cNvSpPr>
+          <p:nvPr>
+            <p:ph type="sldImg"/>
+          </p:nvPr>
+        </p:nvSpPr>
+        <p:spPr>
+          <a:xfrm>
+            <a:off x="90488" y="744538"/>
+            <a:ext cx="6616700" cy="3722687"/>
+          </a:xfrm>
+        </p:spPr>
+      </p:sp>
+      <p:sp>
+        <p:nvSpPr>
+          <p:cNvPr id="3" name="Notes Placeholder 2"/>
+          <p:cNvSpPr>
+            <a:spLocks noGrp="1"/>
+          </p:cNvSpPr>
+          <p:nvPr>
+            <p:ph type="body" idx="1"/>
+          </p:nvPr>
+        </p:nvSpPr>
+        <p:spPr/>
+        <p:txBody>
+          <a:bodyPr/>
+          <a:lstStyle/>
+          <a:p>
+            <a:pPr marL="0" marR="0" indent="0" algn="l" defTabSz="914400" rtl="0" eaLnBrk="1" fontAlgn="auto" latinLnBrk="0" hangingPunct="1">
+              <a:lnSpc>
+                <a:spcPct val="100000"/>
+              </a:lnSpc>
+              <a:spcBef>
+                <a:spcPts val="0"/>
+              </a:spcBef>
+              <a:spcAft>
+                <a:spcPts val="0"/>
+              </a:spcAft>
+              <a:buClrTx/>
+              <a:buSzTx/>
+              <a:buFontTx/>
+              <a:buNone/>
+              <a:tabLst/>
+              <a:defRPr/>
+            </a:pPr>
+            <a:r>
+              <a:rPr lang="en-US" dirty="0" smtClean="0"/>
+              <a:t>Green area is the continuation</a:t>
+            </a:r>
+            <a:endParaRPr lang="en-US" dirty="0" smtClean="0"/>
+          </a:p>
+          <a:p>
+            <a:endParaRPr lang="en-US" dirty="0" smtClean="0"/>
+          </a:p>
+          <a:p>
+            <a:endParaRPr lang="en-US" dirty="0"/>
+          </a:p>
+        </p:txBody>
+      </p:sp>
+      <p:sp>
+        <p:nvSpPr>
+          <p:cNvPr id="4" name="Slide Number Placeholder 3"/>
+          <p:cNvSpPr>
+            <a:spLocks noGrp="1"/>
+          </p:cNvSpPr>
+          <p:nvPr>
+            <p:ph type="sldNum" sz="quarter" idx="10"/>
+          </p:nvPr>
+        </p:nvSpPr>
+        <p:spPr/>
+        <p:txBody>
+          <a:bodyPr/>
+          <a:lstStyle/>
+          <a:p>
+            <a:fld id="{FC59884A-FAD0-DE4F-8C4F-A27A5B8B9F19}" type="slidenum">
+              <a:rPr lang="en-US" smtClean="0"/>
+              <a:t>8</a:t>
+            </a:fld>
+            <a:endParaRPr lang="en-US"/>
+          </a:p>
+        </p:txBody>
+      </p:sp>
+    </p:spTree>
+    <p:extLst>
+      <p:ext uri="{BB962C8B-B14F-4D97-AF65-F5344CB8AC3E}">
+        <p14:creationId xmlns:p14="http://schemas.microsoft.com/office/powerpoint/2010/main" val="581778521"/>
+      </p:ext>
+    </p:extLst>
+  </p:cSld>
+  <p:clrMapOvr>
+    <a:masterClrMapping/>
+  </p:clrMapOvr>
+</p:notes>
+</file>
+
+<file path=ppt/notesSlides/notesSlide7.xml><?xml version="1.0" encoding="utf-8"?>
+<p:notes xmlns:a="http://schemas.openxmlformats.org/drawingml/2006/main" xmlns:r="http://schemas.openxmlformats.org/officeDocument/2006/relationships" xmlns:p="http://schemas.openxmlformats.org/presentationml/2006/main">
+  <p:cSld>
+    <p:spTree>
+      <p:nvGrpSpPr>
+        <p:cNvPr id="1" name=""/>
+        <p:cNvGrpSpPr/>
+        <p:nvPr/>
+      </p:nvGrpSpPr>
+      <p:grpSpPr>
+        <a:xfrm>
+          <a:off x="0" y="0"/>
+          <a:ext cx="0" cy="0"/>
+          <a:chOff x="0" y="0"/>
+          <a:chExt cx="0" cy="0"/>
+        </a:xfrm>
+      </p:grpSpPr>
+      <p:sp>
+        <p:nvSpPr>
+          <p:cNvPr id="2" name="Slide Image Placeholder 1"/>
+          <p:cNvSpPr>
+            <a:spLocks noGrp="1" noRot="1" noChangeAspect="1"/>
+          </p:cNvSpPr>
+          <p:nvPr>
+            <p:ph type="sldImg"/>
+          </p:nvPr>
+        </p:nvSpPr>
+        <p:spPr>
+          <a:xfrm>
+            <a:off x="90488" y="744538"/>
+            <a:ext cx="6616700" cy="3722687"/>
+          </a:xfrm>
+        </p:spPr>
+      </p:sp>
+      <p:sp>
+        <p:nvSpPr>
+          <p:cNvPr id="3" name="Notes Placeholder 2"/>
+          <p:cNvSpPr>
+            <a:spLocks noGrp="1"/>
+          </p:cNvSpPr>
+          <p:nvPr>
+            <p:ph type="body" idx="1"/>
+          </p:nvPr>
+        </p:nvSpPr>
+        <p:spPr/>
+        <p:txBody>
+          <a:bodyPr/>
+          <a:lstStyle/>
+          <a:p>
+            <a:pPr marL="0" marR="0" indent="0" algn="l" defTabSz="914400" rtl="0" eaLnBrk="1" fontAlgn="auto" latinLnBrk="0" hangingPunct="1">
+              <a:lnSpc>
+                <a:spcPct val="100000"/>
+              </a:lnSpc>
+              <a:spcBef>
+                <a:spcPts val="0"/>
+              </a:spcBef>
+              <a:spcAft>
+                <a:spcPts val="0"/>
+              </a:spcAft>
+              <a:buClrTx/>
+              <a:buSzTx/>
+              <a:buFontTx/>
+              <a:buNone/>
+              <a:tabLst/>
+              <a:defRPr/>
+            </a:pPr>
+            <a:r>
+              <a:rPr lang="en-US" dirty="0" smtClean="0"/>
+              <a:t>Green area is the continuation</a:t>
+            </a:r>
+            <a:endParaRPr lang="en-US" dirty="0" smtClean="0"/>
+          </a:p>
+          <a:p>
+            <a:endParaRPr lang="en-US" dirty="0" smtClean="0"/>
+          </a:p>
+          <a:p>
+            <a:endParaRPr lang="en-US" dirty="0"/>
+          </a:p>
+        </p:txBody>
+      </p:sp>
+      <p:sp>
+        <p:nvSpPr>
+          <p:cNvPr id="4" name="Slide Number Placeholder 3"/>
+          <p:cNvSpPr>
+            <a:spLocks noGrp="1"/>
+          </p:cNvSpPr>
+          <p:nvPr>
+            <p:ph type="sldNum" sz="quarter" idx="10"/>
+          </p:nvPr>
+        </p:nvSpPr>
+        <p:spPr/>
+        <p:txBody>
+          <a:bodyPr/>
+          <a:lstStyle/>
+          <a:p>
+            <a:fld id="{FC59884A-FAD0-DE4F-8C4F-A27A5B8B9F19}" type="slidenum">
+              <a:rPr lang="en-US" smtClean="0"/>
+              <a:t>9</a:t>
+            </a:fld>
+            <a:endParaRPr lang="en-US"/>
+          </a:p>
+        </p:txBody>
+      </p:sp>
+    </p:spTree>
+    <p:extLst>
+      <p:ext uri="{BB962C8B-B14F-4D97-AF65-F5344CB8AC3E}">
+        <p14:creationId xmlns:p14="http://schemas.microsoft.com/office/powerpoint/2010/main" val="1504588864"/>
+      </p:ext>
+    </p:extLst>
+  </p:cSld>
+  <p:clrMapOvr>
+    <a:masterClrMapping/>
+  </p:clrMapOvr>
+</p:notes>
+</file>
+
+<file path=ppt/notesSlides/notesSlide8.xml><?xml version="1.0" encoding="utf-8"?>
+<p:notes xmlns:a="http://schemas.openxmlformats.org/drawingml/2006/main" xmlns:r="http://schemas.openxmlformats.org/officeDocument/2006/relationships" xmlns:p="http://schemas.openxmlformats.org/presentationml/2006/main">
+  <p:cSld>
+    <p:spTree>
+      <p:nvGrpSpPr>
+        <p:cNvPr id="1" name=""/>
+        <p:cNvGrpSpPr/>
+        <p:nvPr/>
+      </p:nvGrpSpPr>
+      <p:grpSpPr>
+        <a:xfrm>
+          <a:off x="0" y="0"/>
+          <a:ext cx="0" cy="0"/>
+          <a:chOff x="0" y="0"/>
+          <a:chExt cx="0" cy="0"/>
+        </a:xfrm>
+      </p:grpSpPr>
+      <p:sp>
+        <p:nvSpPr>
+          <p:cNvPr id="2" name="Slide Image Placeholder 1"/>
+          <p:cNvSpPr>
+            <a:spLocks noGrp="1" noRot="1" noChangeAspect="1"/>
+          </p:cNvSpPr>
+          <p:nvPr>
+            <p:ph type="sldImg"/>
+          </p:nvPr>
+        </p:nvSpPr>
+        <p:spPr>
+          <a:xfrm>
+            <a:off x="90488" y="744538"/>
+            <a:ext cx="6616700" cy="3722687"/>
+          </a:xfrm>
+        </p:spPr>
+      </p:sp>
+      <p:sp>
+        <p:nvSpPr>
+          <p:cNvPr id="3" name="Notes Placeholder 2"/>
+          <p:cNvSpPr>
+            <a:spLocks noGrp="1"/>
+          </p:cNvSpPr>
+          <p:nvPr>
+            <p:ph type="body" idx="1"/>
+          </p:nvPr>
+        </p:nvSpPr>
+        <p:spPr/>
+        <p:txBody>
+          <a:bodyPr/>
+          <a:lstStyle/>
+          <a:p>
+            <a:pPr marL="0" marR="0" indent="0" algn="l" defTabSz="914400" rtl="0" eaLnBrk="1" fontAlgn="auto" latinLnBrk="0" hangingPunct="1">
+              <a:lnSpc>
+                <a:spcPct val="100000"/>
+              </a:lnSpc>
+              <a:spcBef>
+                <a:spcPts val="0"/>
+              </a:spcBef>
+              <a:spcAft>
+                <a:spcPts val="0"/>
+              </a:spcAft>
+              <a:buClrTx/>
+              <a:buSzTx/>
+              <a:buFontTx/>
+              <a:buNone/>
+              <a:tabLst/>
+              <a:defRPr/>
+            </a:pPr>
+            <a:r>
+              <a:rPr lang="en-US" dirty="0" smtClean="0"/>
+              <a:t>mention default clear in constructor injection example</a:t>
+            </a:r>
+          </a:p>
+          <a:p>
+            <a:endParaRPr lang="en-US" dirty="0" smtClean="0"/>
+          </a:p>
+          <a:p>
+            <a:endParaRPr lang="en-US" dirty="0"/>
+          </a:p>
+        </p:txBody>
+      </p:sp>
+      <p:sp>
+        <p:nvSpPr>
+          <p:cNvPr id="4" name="Slide Number Placeholder 3"/>
+          <p:cNvSpPr>
+            <a:spLocks noGrp="1"/>
+          </p:cNvSpPr>
+          <p:nvPr>
+            <p:ph type="sldNum" sz="quarter" idx="10"/>
+          </p:nvPr>
+        </p:nvSpPr>
+        <p:spPr/>
+        <p:txBody>
+          <a:bodyPr/>
+          <a:lstStyle/>
+          <a:p>
+            <a:fld id="{FC59884A-FAD0-DE4F-8C4F-A27A5B8B9F19}" type="slidenum">
+              <a:rPr lang="en-US" smtClean="0"/>
+              <a:t>10</a:t>
+            </a:fld>
+            <a:endParaRPr lang="en-US"/>
+          </a:p>
+        </p:txBody>
+      </p:sp>
+    </p:spTree>
+    <p:extLst>
+      <p:ext uri="{BB962C8B-B14F-4D97-AF65-F5344CB8AC3E}">
+        <p14:creationId xmlns:p14="http://schemas.microsoft.com/office/powerpoint/2010/main" val="825034843"/>
+      </p:ext>
+    </p:extLst>
+  </p:cSld>
+  <p:clrMapOvr>
+    <a:masterClrMapping/>
+  </p:clrMapOvr>
+</p:notes>
+</file>
+
+<file path=ppt/notesSlides/notesSlide9.xml><?xml version="1.0" encoding="utf-8"?>
+<p:notes xmlns:a="http://schemas.openxmlformats.org/drawingml/2006/main" xmlns:r="http://schemas.openxmlformats.org/officeDocument/2006/relationships" xmlns:p="http://schemas.openxmlformats.org/presentationml/2006/main">
+  <p:cSld>
+    <p:spTree>
+      <p:nvGrpSpPr>
+        <p:cNvPr id="1" name=""/>
+        <p:cNvGrpSpPr/>
+        <p:nvPr/>
+      </p:nvGrpSpPr>
+      <p:grpSpPr>
+        <a:xfrm>
+          <a:off x="0" y="0"/>
+          <a:ext cx="0" cy="0"/>
+          <a:chOff x="0" y="0"/>
+          <a:chExt cx="0" cy="0"/>
+        </a:xfrm>
+      </p:grpSpPr>
+      <p:sp>
+        <p:nvSpPr>
           <p:cNvPr id="2" name="Slide Image Placeholder 1">
             <a:extLst>
               <a:ext uri="{FF2B5EF4-FFF2-40B4-BE49-F238E27FC236}">
-                <a16:creationId xmlns:a16="http://schemas.microsoft.com/office/drawing/2014/main" xmlns="" id="{46C272AF-405B-4A53-B2DC-4BB6F2F865FC}"/>
+                <a16:creationId xmlns="" xmlns:a16="http://schemas.microsoft.com/office/drawing/2014/main" id="{46C272AF-405B-4A53-B2DC-4BB6F2F865FC}"/>
               </a:ext>
             </a:extLst>
           </p:cNvPr>
@@ -1598,7 +2396,7 @@
           <p:cNvPr id="3" name="Notes Placeholder 2">
             <a:extLst>
               <a:ext uri="{FF2B5EF4-FFF2-40B4-BE49-F238E27FC236}">
-                <a16:creationId xmlns:a16="http://schemas.microsoft.com/office/drawing/2014/main" xmlns="" id="{20E471A3-2DC4-47C1-8171-FAD24340FC84}"/>
+                <a16:creationId xmlns="" xmlns:a16="http://schemas.microsoft.com/office/drawing/2014/main" id="{20E471A3-2DC4-47C1-8171-FAD24340FC84}"/>
               </a:ext>
             </a:extLst>
           </p:cNvPr>
@@ -1634,7 +2432,7 @@
           <p:cNvPr id="4" name="Slide Number Placeholder 3">
             <a:extLst>
               <a:ext uri="{FF2B5EF4-FFF2-40B4-BE49-F238E27FC236}">
-                <a16:creationId xmlns:a16="http://schemas.microsoft.com/office/drawing/2014/main" xmlns="" id="{EEB30ADB-B6E3-4FC0-9F1A-2842C9223A2F}"/>
+                <a16:creationId xmlns="" xmlns:a16="http://schemas.microsoft.com/office/drawing/2014/main" id="{EEB30ADB-B6E3-4FC0-9F1A-2842C9223A2F}"/>
               </a:ext>
             </a:extLst>
           </p:cNvPr>
@@ -1709,7 +2507,7 @@
                 <a:tabLst/>
                 <a:defRPr/>
               </a:pPr>
-              <a:t>5</a:t>
+              <a:t>11</a:t>
             </a:fld>
             <a:endParaRPr kumimoji="0" lang="en-US" sz="1200" b="0" i="0" u="none" strike="noStrike" kern="1200" cap="none" spc="0" normalizeH="0" baseline="0" noProof="0">
               <a:ln>
@@ -1758,7 +2556,7 @@
           <p:cNvPr id="2" name="Title 1">
             <a:extLst>
               <a:ext uri="{FF2B5EF4-FFF2-40B4-BE49-F238E27FC236}">
-                <a16:creationId xmlns:a16="http://schemas.microsoft.com/office/drawing/2014/main" xmlns="" id="{C224CFBF-8D11-468E-BBC8-4C90355576F3}"/>
+                <a16:creationId xmlns="" xmlns:a16="http://schemas.microsoft.com/office/drawing/2014/main" id="{C224CFBF-8D11-468E-BBC8-4C90355576F3}"/>
               </a:ext>
             </a:extLst>
           </p:cNvPr>
@@ -1797,7 +2595,7 @@
           <p:cNvPr id="3" name="Subtitle 2">
             <a:extLst>
               <a:ext uri="{FF2B5EF4-FFF2-40B4-BE49-F238E27FC236}">
-                <a16:creationId xmlns:a16="http://schemas.microsoft.com/office/drawing/2014/main" xmlns="" id="{730B18E8-D1BB-4220-BD5E-A3355BF002A2}"/>
+                <a16:creationId xmlns="" xmlns:a16="http://schemas.microsoft.com/office/drawing/2014/main" id="{730B18E8-D1BB-4220-BD5E-A3355BF002A2}"/>
               </a:ext>
             </a:extLst>
           </p:cNvPr>
@@ -1839,7 +2637,7 @@
           <p:cNvPr id="4" name="Picture 4">
             <a:extLst>
               <a:ext uri="{FF2B5EF4-FFF2-40B4-BE49-F238E27FC236}">
-                <a16:creationId xmlns:a16="http://schemas.microsoft.com/office/drawing/2014/main" xmlns="" id="{1F38BF83-9CAE-4C45-9EFD-A6BA12B190C9}"/>
+                <a16:creationId xmlns="" xmlns:a16="http://schemas.microsoft.com/office/drawing/2014/main" id="{1F38BF83-9CAE-4C45-9EFD-A6BA12B190C9}"/>
               </a:ext>
             </a:extLst>
           </p:cNvPr>
@@ -1904,7 +2702,7 @@
           <p:cNvPr id="2" name="Picture 3">
             <a:extLst>
               <a:ext uri="{FF2B5EF4-FFF2-40B4-BE49-F238E27FC236}">
-                <a16:creationId xmlns:a16="http://schemas.microsoft.com/office/drawing/2014/main" xmlns="" id="{7CFB1FD7-D423-4AA6-BC9F-CEE35A35C7A9}"/>
+                <a16:creationId xmlns="" xmlns:a16="http://schemas.microsoft.com/office/drawing/2014/main" id="{7CFB1FD7-D423-4AA6-BC9F-CEE35A35C7A9}"/>
               </a:ext>
             </a:extLst>
           </p:cNvPr>
@@ -1938,7 +2736,7 @@
           <p:cNvPr id="3" name="TextBox 5">
             <a:extLst>
               <a:ext uri="{FF2B5EF4-FFF2-40B4-BE49-F238E27FC236}">
-                <a16:creationId xmlns:a16="http://schemas.microsoft.com/office/drawing/2014/main" xmlns="" id="{2B5BA3C6-F5B9-4BA3-9D83-0648A80C37D0}"/>
+                <a16:creationId xmlns="" xmlns:a16="http://schemas.microsoft.com/office/drawing/2014/main" id="{2B5BA3C6-F5B9-4BA3-9D83-0648A80C37D0}"/>
               </a:ext>
             </a:extLst>
           </p:cNvPr>
@@ -2002,7 +2800,7 @@
           <p:cNvPr id="4" name="Title 1">
             <a:extLst>
               <a:ext uri="{FF2B5EF4-FFF2-40B4-BE49-F238E27FC236}">
-                <a16:creationId xmlns:a16="http://schemas.microsoft.com/office/drawing/2014/main" xmlns="" id="{2388E442-17E8-4F61-9A6A-C188E334C77C}"/>
+                <a16:creationId xmlns="" xmlns:a16="http://schemas.microsoft.com/office/drawing/2014/main" id="{2388E442-17E8-4F61-9A6A-C188E334C77C}"/>
               </a:ext>
             </a:extLst>
           </p:cNvPr>
@@ -2041,7 +2839,7 @@
           <p:cNvPr id="5" name="Content Placeholder 2">
             <a:extLst>
               <a:ext uri="{FF2B5EF4-FFF2-40B4-BE49-F238E27FC236}">
-                <a16:creationId xmlns:a16="http://schemas.microsoft.com/office/drawing/2014/main" xmlns="" id="{CB968BC8-66AB-472B-8797-AB0AB0FBF575}"/>
+                <a16:creationId xmlns="" xmlns:a16="http://schemas.microsoft.com/office/drawing/2014/main" id="{CB968BC8-66AB-472B-8797-AB0AB0FBF575}"/>
               </a:ext>
             </a:extLst>
           </p:cNvPr>
@@ -2109,7 +2907,7 @@
           <p:cNvPr id="6" name="Text Placeholder 4">
             <a:extLst>
               <a:ext uri="{FF2B5EF4-FFF2-40B4-BE49-F238E27FC236}">
-                <a16:creationId xmlns:a16="http://schemas.microsoft.com/office/drawing/2014/main" xmlns="" id="{710437BF-7B3C-4944-9438-F0E72485DA57}"/>
+                <a16:creationId xmlns="" xmlns:a16="http://schemas.microsoft.com/office/drawing/2014/main" id="{710437BF-7B3C-4944-9438-F0E72485DA57}"/>
               </a:ext>
             </a:extLst>
           </p:cNvPr>
@@ -2183,7 +2981,7 @@
           <p:cNvPr id="2" name="Title 1">
             <a:extLst>
               <a:ext uri="{FF2B5EF4-FFF2-40B4-BE49-F238E27FC236}">
-                <a16:creationId xmlns:a16="http://schemas.microsoft.com/office/drawing/2014/main" xmlns="" id="{8DA21D0E-6F86-42A8-AD0F-EAD1F500A7BE}"/>
+                <a16:creationId xmlns="" xmlns:a16="http://schemas.microsoft.com/office/drawing/2014/main" id="{8DA21D0E-6F86-42A8-AD0F-EAD1F500A7BE}"/>
               </a:ext>
             </a:extLst>
           </p:cNvPr>
@@ -2222,7 +3020,7 @@
           <p:cNvPr id="3" name="Content Placeholder 2">
             <a:extLst>
               <a:ext uri="{FF2B5EF4-FFF2-40B4-BE49-F238E27FC236}">
-                <a16:creationId xmlns:a16="http://schemas.microsoft.com/office/drawing/2014/main" xmlns="" id="{A41E4711-D31B-427D-B501-9EF6C1BEE633}"/>
+                <a16:creationId xmlns="" xmlns:a16="http://schemas.microsoft.com/office/drawing/2014/main" id="{A41E4711-D31B-427D-B501-9EF6C1BEE633}"/>
               </a:ext>
             </a:extLst>
           </p:cNvPr>
@@ -2290,7 +3088,7 @@
           <p:cNvPr id="4" name="Content Placeholder 3">
             <a:extLst>
               <a:ext uri="{FF2B5EF4-FFF2-40B4-BE49-F238E27FC236}">
-                <a16:creationId xmlns:a16="http://schemas.microsoft.com/office/drawing/2014/main" xmlns="" id="{9935EB66-D1B6-426D-AB4C-AE5AD7BF3FBD}"/>
+                <a16:creationId xmlns="" xmlns:a16="http://schemas.microsoft.com/office/drawing/2014/main" id="{9935EB66-D1B6-426D-AB4C-AE5AD7BF3FBD}"/>
               </a:ext>
             </a:extLst>
           </p:cNvPr>
@@ -2358,7 +3156,7 @@
           <p:cNvPr id="5" name="TextBox 7">
             <a:extLst>
               <a:ext uri="{FF2B5EF4-FFF2-40B4-BE49-F238E27FC236}">
-                <a16:creationId xmlns:a16="http://schemas.microsoft.com/office/drawing/2014/main" xmlns="" id="{31379DFD-2E96-489A-AFFA-0FACA2B04512}"/>
+                <a16:creationId xmlns="" xmlns:a16="http://schemas.microsoft.com/office/drawing/2014/main" id="{31379DFD-2E96-489A-AFFA-0FACA2B04512}"/>
               </a:ext>
             </a:extLst>
           </p:cNvPr>
@@ -2422,7 +3220,7 @@
           <p:cNvPr id="6" name="Text Placeholder 4">
             <a:extLst>
               <a:ext uri="{FF2B5EF4-FFF2-40B4-BE49-F238E27FC236}">
-                <a16:creationId xmlns:a16="http://schemas.microsoft.com/office/drawing/2014/main" xmlns="" id="{ECF1529D-7B77-4B9A-8DBA-249C98CB5320}"/>
+                <a16:creationId xmlns="" xmlns:a16="http://schemas.microsoft.com/office/drawing/2014/main" id="{ECF1529D-7B77-4B9A-8DBA-249C98CB5320}"/>
               </a:ext>
             </a:extLst>
           </p:cNvPr>
@@ -2465,7 +3263,7 @@
           <p:cNvPr id="7" name="Picture 9">
             <a:extLst>
               <a:ext uri="{FF2B5EF4-FFF2-40B4-BE49-F238E27FC236}">
-                <a16:creationId xmlns:a16="http://schemas.microsoft.com/office/drawing/2014/main" xmlns="" id="{9247F1E8-A1CE-4134-8393-70EBEBD08233}"/>
+                <a16:creationId xmlns="" xmlns:a16="http://schemas.microsoft.com/office/drawing/2014/main" id="{9247F1E8-A1CE-4134-8393-70EBEBD08233}"/>
               </a:ext>
             </a:extLst>
           </p:cNvPr>
@@ -2530,7 +3328,7 @@
           <p:cNvPr id="2" name="Title 1">
             <a:extLst>
               <a:ext uri="{FF2B5EF4-FFF2-40B4-BE49-F238E27FC236}">
-                <a16:creationId xmlns:a16="http://schemas.microsoft.com/office/drawing/2014/main" xmlns="" id="{5EDF7764-C8B7-4A0C-A362-F9A3AEAD5E62}"/>
+                <a16:creationId xmlns="" xmlns:a16="http://schemas.microsoft.com/office/drawing/2014/main" id="{5EDF7764-C8B7-4A0C-A362-F9A3AEAD5E62}"/>
               </a:ext>
             </a:extLst>
           </p:cNvPr>
@@ -2569,7 +3367,7 @@
           <p:cNvPr id="3" name="TextBox 5">
             <a:extLst>
               <a:ext uri="{FF2B5EF4-FFF2-40B4-BE49-F238E27FC236}">
-                <a16:creationId xmlns:a16="http://schemas.microsoft.com/office/drawing/2014/main" xmlns="" id="{1054F63D-6497-4C73-8EDA-4BDCB9B86FED}"/>
+                <a16:creationId xmlns="" xmlns:a16="http://schemas.microsoft.com/office/drawing/2014/main" id="{1054F63D-6497-4C73-8EDA-4BDCB9B86FED}"/>
               </a:ext>
             </a:extLst>
           </p:cNvPr>
@@ -2633,7 +3431,7 @@
           <p:cNvPr id="4" name="Text Placeholder 4">
             <a:extLst>
               <a:ext uri="{FF2B5EF4-FFF2-40B4-BE49-F238E27FC236}">
-                <a16:creationId xmlns:a16="http://schemas.microsoft.com/office/drawing/2014/main" xmlns="" id="{A35768B9-0CFF-4DE1-8FC7-6C6460CDD2E3}"/>
+                <a16:creationId xmlns="" xmlns:a16="http://schemas.microsoft.com/office/drawing/2014/main" id="{A35768B9-0CFF-4DE1-8FC7-6C6460CDD2E3}"/>
               </a:ext>
             </a:extLst>
           </p:cNvPr>
@@ -2676,7 +3474,7 @@
           <p:cNvPr id="5" name="Picture 6">
             <a:extLst>
               <a:ext uri="{FF2B5EF4-FFF2-40B4-BE49-F238E27FC236}">
-                <a16:creationId xmlns:a16="http://schemas.microsoft.com/office/drawing/2014/main" xmlns="" id="{9B53228E-179F-4E23-9F82-58F06247C891}"/>
+                <a16:creationId xmlns="" xmlns:a16="http://schemas.microsoft.com/office/drawing/2014/main" id="{9B53228E-179F-4E23-9F82-58F06247C891}"/>
               </a:ext>
             </a:extLst>
           </p:cNvPr>
@@ -2741,7 +3539,7 @@
           <p:cNvPr id="2" name="TextBox 3">
             <a:extLst>
               <a:ext uri="{FF2B5EF4-FFF2-40B4-BE49-F238E27FC236}">
-                <a16:creationId xmlns:a16="http://schemas.microsoft.com/office/drawing/2014/main" xmlns="" id="{B65F637C-89CC-408A-A6B7-5E62AC56BEBF}"/>
+                <a16:creationId xmlns="" xmlns:a16="http://schemas.microsoft.com/office/drawing/2014/main" id="{B65F637C-89CC-408A-A6B7-5E62AC56BEBF}"/>
               </a:ext>
             </a:extLst>
           </p:cNvPr>
@@ -2805,7 +3603,7 @@
           <p:cNvPr id="3" name="Picture 4">
             <a:extLst>
               <a:ext uri="{FF2B5EF4-FFF2-40B4-BE49-F238E27FC236}">
-                <a16:creationId xmlns:a16="http://schemas.microsoft.com/office/drawing/2014/main" xmlns="" id="{21196BCA-DFA4-465A-A2F2-ECBB1F3B1315}"/>
+                <a16:creationId xmlns="" xmlns:a16="http://schemas.microsoft.com/office/drawing/2014/main" id="{21196BCA-DFA4-465A-A2F2-ECBB1F3B1315}"/>
               </a:ext>
             </a:extLst>
           </p:cNvPr>
@@ -2886,7 +3684,7 @@
           <p:cNvPr id="2" name="Title 1">
             <a:extLst>
               <a:ext uri="{FF2B5EF4-FFF2-40B4-BE49-F238E27FC236}">
-                <a16:creationId xmlns:a16="http://schemas.microsoft.com/office/drawing/2014/main" xmlns="" id="{6311E8A6-A582-4771-9A94-FCDA8648B504}"/>
+                <a16:creationId xmlns="" xmlns:a16="http://schemas.microsoft.com/office/drawing/2014/main" id="{6311E8A6-A582-4771-9A94-FCDA8648B504}"/>
               </a:ext>
             </a:extLst>
           </p:cNvPr>
@@ -2968,7 +3766,7 @@
           <p:cNvPr id="2" name="Title Placeholder 1">
             <a:extLst>
               <a:ext uri="{FF2B5EF4-FFF2-40B4-BE49-F238E27FC236}">
-                <a16:creationId xmlns:a16="http://schemas.microsoft.com/office/drawing/2014/main" xmlns="" id="{1EC8E5B4-7946-4318-A239-806DA6EEF846}"/>
+                <a16:creationId xmlns="" xmlns:a16="http://schemas.microsoft.com/office/drawing/2014/main" id="{1EC8E5B4-7946-4318-A239-806DA6EEF846}"/>
               </a:ext>
             </a:extLst>
           </p:cNvPr>
@@ -3012,7 +3810,7 @@
           <p:cNvPr id="3" name="Text Placeholder 2">
             <a:extLst>
               <a:ext uri="{FF2B5EF4-FFF2-40B4-BE49-F238E27FC236}">
-                <a16:creationId xmlns:a16="http://schemas.microsoft.com/office/drawing/2014/main" xmlns="" id="{6F332652-3AB5-4321-83D8-6D63FC3AEFDD}"/>
+                <a16:creationId xmlns="" xmlns:a16="http://schemas.microsoft.com/office/drawing/2014/main" id="{6F332652-3AB5-4321-83D8-6D63FC3AEFDD}"/>
               </a:ext>
             </a:extLst>
           </p:cNvPr>
@@ -3418,7 +4216,7 @@
           <p:cNvPr id="2" name="Title 1">
             <a:extLst>
               <a:ext uri="{FF2B5EF4-FFF2-40B4-BE49-F238E27FC236}">
-                <a16:creationId xmlns:a16="http://schemas.microsoft.com/office/drawing/2014/main" xmlns="" id="{DB10B8D4-3832-41C7-B84A-ABB5BD1158E3}"/>
+                <a16:creationId xmlns="" xmlns:a16="http://schemas.microsoft.com/office/drawing/2014/main" id="{DB10B8D4-3832-41C7-B84A-ABB5BD1158E3}"/>
               </a:ext>
             </a:extLst>
           </p:cNvPr>
@@ -3453,7 +4251,7 @@
           <p:cNvPr id="3" name="Subtitle 2">
             <a:extLst>
               <a:ext uri="{FF2B5EF4-FFF2-40B4-BE49-F238E27FC236}">
-                <a16:creationId xmlns:a16="http://schemas.microsoft.com/office/drawing/2014/main" xmlns="" id="{5C97C450-884A-416F-8121-97A271368A81}"/>
+                <a16:creationId xmlns="" xmlns:a16="http://schemas.microsoft.com/office/drawing/2014/main" id="{5C97C450-884A-416F-8121-97A271368A81}"/>
               </a:ext>
             </a:extLst>
           </p:cNvPr>
@@ -3484,6 +4282,1659 @@
         </p:txBody>
       </p:sp>
     </p:spTree>
+  </p:cSld>
+  <p:clrMapOvr>
+    <a:masterClrMapping/>
+  </p:clrMapOvr>
+</p:sld>
+</file>
+
+<file path=ppt/slides/slide10.xml><?xml version="1.0" encoding="utf-8"?>
+<p:sld xmlns:a="http://schemas.openxmlformats.org/drawingml/2006/main" xmlns:r="http://schemas.openxmlformats.org/officeDocument/2006/relationships" xmlns:p="http://schemas.openxmlformats.org/presentationml/2006/main">
+  <p:cSld>
+    <p:spTree>
+      <p:nvGrpSpPr>
+        <p:cNvPr id="1" name=""/>
+        <p:cNvGrpSpPr/>
+        <p:nvPr/>
+      </p:nvGrpSpPr>
+      <p:grpSpPr>
+        <a:xfrm>
+          <a:off x="0" y="0"/>
+          <a:ext cx="0" cy="0"/>
+          <a:chOff x="0" y="0"/>
+          <a:chExt cx="0" cy="0"/>
+        </a:xfrm>
+      </p:grpSpPr>
+      <p:sp>
+        <p:nvSpPr>
+          <p:cNvPr id="2" name="Title 1"/>
+          <p:cNvSpPr>
+            <a:spLocks noGrp="1"/>
+          </p:cNvSpPr>
+          <p:nvPr>
+            <p:ph type="title"/>
+          </p:nvPr>
+        </p:nvSpPr>
+        <p:spPr>
+          <a:xfrm>
+            <a:off x="596901" y="506124"/>
+            <a:ext cx="10510838" cy="431515"/>
+          </a:xfrm>
+        </p:spPr>
+        <p:txBody>
+          <a:bodyPr/>
+          <a:lstStyle/>
+          <a:p>
+            <a:r>
+              <a:rPr lang="en-GB" dirty="0"/>
+              <a:t>What is a continuation?</a:t>
+            </a:r>
+            <a:br>
+              <a:rPr lang="en-GB" dirty="0"/>
+            </a:br>
+            <a:endParaRPr lang="en-US" dirty="0"/>
+          </a:p>
+        </p:txBody>
+      </p:sp>
+      <p:sp>
+        <p:nvSpPr>
+          <p:cNvPr id="4" name="Text Placeholder 3"/>
+          <p:cNvSpPr>
+            <a:spLocks noGrp="1"/>
+          </p:cNvSpPr>
+          <p:nvPr>
+            <p:ph type="body" sz="quarter" idx="4294967295"/>
+          </p:nvPr>
+        </p:nvSpPr>
+        <p:spPr>
+          <a:xfrm>
+            <a:off x="585788" y="5656262"/>
+            <a:ext cx="5151437" cy="333375"/>
+          </a:xfrm>
+          <a:prstGeom prst="rect">
+            <a:avLst/>
+          </a:prstGeom>
+        </p:spPr>
+        <p:txBody>
+          <a:bodyPr/>
+          <a:lstStyle/>
+          <a:p>
+            <a:endParaRPr lang="en-US"/>
+          </a:p>
+        </p:txBody>
+      </p:sp>
+      <p:sp>
+        <p:nvSpPr>
+          <p:cNvPr id="6" name="Rectangle 5"/>
+          <p:cNvSpPr/>
+          <p:nvPr/>
+        </p:nvSpPr>
+        <p:spPr>
+          <a:xfrm>
+            <a:off x="2925763" y="1900719"/>
+            <a:ext cx="6043576" cy="446276"/>
+          </a:xfrm>
+          <a:prstGeom prst="rect">
+            <a:avLst/>
+          </a:prstGeom>
+        </p:spPr>
+        <p:txBody>
+          <a:bodyPr wrap="square">
+            <a:spAutoFit/>
+          </a:bodyPr>
+          <a:lstStyle/>
+          <a:p>
+            <a:endParaRPr lang="en-US" dirty="0"/>
+          </a:p>
+        </p:txBody>
+      </p:sp>
+      <p:sp>
+        <p:nvSpPr>
+          <p:cNvPr id="10" name="TextBox 9"/>
+          <p:cNvSpPr txBox="1"/>
+          <p:nvPr/>
+        </p:nvSpPr>
+        <p:spPr>
+          <a:xfrm>
+            <a:off x="596901" y="1044000"/>
+            <a:ext cx="10510838" cy="5678478"/>
+          </a:xfrm>
+          <a:prstGeom prst="rect">
+            <a:avLst/>
+          </a:prstGeom>
+          <a:noFill/>
+        </p:spPr>
+        <p:txBody>
+          <a:bodyPr wrap="square" tIns="0" rtlCol="0">
+            <a:spAutoFit/>
+          </a:bodyPr>
+          <a:lstStyle/>
+          <a:p>
+            <a:r>
+              <a:rPr lang="en-US" sz="2000" b="1" dirty="0" smtClean="0">
+                <a:solidFill>
+                  <a:srgbClr val="CC7832"/>
+                </a:solidFill>
+                <a:latin typeface="Andale Mono" charset="0"/>
+                <a:ea typeface="Andale Mono" charset="0"/>
+                <a:cs typeface="Andale Mono" charset="0"/>
+              </a:rPr>
+              <a:t>trait </a:t>
+            </a:r>
+            <a:r>
+              <a:rPr lang="en-US" sz="2000" dirty="0" err="1" smtClean="0">
+                <a:latin typeface="Andale Mono" charset="0"/>
+                <a:ea typeface="Andale Mono" charset="0"/>
+                <a:cs typeface="Andale Mono" charset="0"/>
+              </a:rPr>
+              <a:t>WordDictionary</a:t>
+            </a:r>
+            <a:r>
+              <a:rPr lang="en-US" sz="2000" dirty="0" smtClean="0">
+                <a:latin typeface="Andale Mono" charset="0"/>
+                <a:ea typeface="Andale Mono" charset="0"/>
+                <a:cs typeface="Andale Mono" charset="0"/>
+              </a:rPr>
+              <a:t> {</a:t>
+            </a:r>
+            <a:br>
+              <a:rPr lang="en-US" sz="2000" dirty="0" smtClean="0">
+                <a:latin typeface="Andale Mono" charset="0"/>
+                <a:ea typeface="Andale Mono" charset="0"/>
+                <a:cs typeface="Andale Mono" charset="0"/>
+              </a:rPr>
+            </a:br>
+            <a:r>
+              <a:rPr lang="en-US" sz="2000" dirty="0" smtClean="0">
+                <a:latin typeface="Andale Mono" charset="0"/>
+                <a:ea typeface="Andale Mono" charset="0"/>
+                <a:cs typeface="Andale Mono" charset="0"/>
+              </a:rPr>
+              <a:t>  </a:t>
+            </a:r>
+            <a:r>
+              <a:rPr lang="en-US" sz="2000" b="1" dirty="0" err="1" smtClean="0">
+                <a:solidFill>
+                  <a:srgbClr val="CC7832"/>
+                </a:solidFill>
+                <a:latin typeface="Andale Mono" charset="0"/>
+                <a:ea typeface="Andale Mono" charset="0"/>
+                <a:cs typeface="Andale Mono" charset="0"/>
+              </a:rPr>
+              <a:t>def</a:t>
+            </a:r>
+            <a:r>
+              <a:rPr lang="en-US" sz="2000" b="1" dirty="0" smtClean="0">
+                <a:solidFill>
+                  <a:srgbClr val="CC7832"/>
+                </a:solidFill>
+                <a:latin typeface="Andale Mono" charset="0"/>
+                <a:ea typeface="Andale Mono" charset="0"/>
+                <a:cs typeface="Andale Mono" charset="0"/>
+              </a:rPr>
+              <a:t> </a:t>
+            </a:r>
+            <a:r>
+              <a:rPr lang="en-US" sz="2000" dirty="0" err="1" smtClean="0">
+                <a:solidFill>
+                  <a:srgbClr val="FFC66D"/>
+                </a:solidFill>
+                <a:latin typeface="Andale Mono" charset="0"/>
+                <a:ea typeface="Andale Mono" charset="0"/>
+                <a:cs typeface="Andale Mono" charset="0"/>
+              </a:rPr>
+              <a:t>lang</a:t>
+            </a:r>
+            <a:r>
+              <a:rPr lang="en-US" sz="2000" dirty="0" smtClean="0">
+                <a:latin typeface="Andale Mono" charset="0"/>
+                <a:ea typeface="Andale Mono" charset="0"/>
+                <a:cs typeface="Andale Mono" charset="0"/>
+              </a:rPr>
+              <a:t>: </a:t>
+            </a:r>
+            <a:r>
+              <a:rPr lang="en-US" sz="2000" dirty="0" smtClean="0">
+                <a:solidFill>
+                  <a:srgbClr val="4E807D"/>
+                </a:solidFill>
+                <a:latin typeface="Andale Mono" charset="0"/>
+                <a:ea typeface="Andale Mono" charset="0"/>
+                <a:cs typeface="Andale Mono" charset="0"/>
+              </a:rPr>
+              <a:t>Lang</a:t>
+            </a:r>
+            <a:br>
+              <a:rPr lang="en-US" sz="2000" dirty="0" smtClean="0">
+                <a:solidFill>
+                  <a:srgbClr val="4E807D"/>
+                </a:solidFill>
+                <a:latin typeface="Andale Mono" charset="0"/>
+                <a:ea typeface="Andale Mono" charset="0"/>
+                <a:cs typeface="Andale Mono" charset="0"/>
+              </a:rPr>
+            </a:br>
+            <a:r>
+              <a:rPr lang="en-US" sz="2000" dirty="0" smtClean="0">
+                <a:solidFill>
+                  <a:srgbClr val="4E807D"/>
+                </a:solidFill>
+                <a:latin typeface="Andale Mono" charset="0"/>
+                <a:ea typeface="Andale Mono" charset="0"/>
+                <a:cs typeface="Andale Mono" charset="0"/>
+              </a:rPr>
+              <a:t>  </a:t>
+            </a:r>
+            <a:r>
+              <a:rPr lang="en-US" sz="2000" b="1" dirty="0" err="1" smtClean="0">
+                <a:solidFill>
+                  <a:srgbClr val="CC7832"/>
+                </a:solidFill>
+                <a:latin typeface="Andale Mono" charset="0"/>
+                <a:ea typeface="Andale Mono" charset="0"/>
+                <a:cs typeface="Andale Mono" charset="0"/>
+              </a:rPr>
+              <a:t>def</a:t>
+            </a:r>
+            <a:r>
+              <a:rPr lang="en-US" sz="2000" b="1" dirty="0" smtClean="0">
+                <a:solidFill>
+                  <a:srgbClr val="CC7832"/>
+                </a:solidFill>
+                <a:latin typeface="Andale Mono" charset="0"/>
+                <a:ea typeface="Andale Mono" charset="0"/>
+                <a:cs typeface="Andale Mono" charset="0"/>
+              </a:rPr>
+              <a:t> </a:t>
+            </a:r>
+            <a:r>
+              <a:rPr lang="en-US" sz="2000" dirty="0" err="1" smtClean="0">
+                <a:solidFill>
+                  <a:srgbClr val="FFC66D"/>
+                </a:solidFill>
+                <a:latin typeface="Andale Mono" charset="0"/>
+                <a:ea typeface="Andale Mono" charset="0"/>
+                <a:cs typeface="Andale Mono" charset="0"/>
+              </a:rPr>
+              <a:t>hasWord</a:t>
+            </a:r>
+            <a:r>
+              <a:rPr lang="en-US" sz="2000" dirty="0" smtClean="0">
+                <a:latin typeface="Andale Mono" charset="0"/>
+                <a:ea typeface="Andale Mono" charset="0"/>
+                <a:cs typeface="Andale Mono" charset="0"/>
+              </a:rPr>
+              <a:t>(word: </a:t>
+            </a:r>
+            <a:r>
+              <a:rPr lang="en-US" sz="2000" dirty="0" smtClean="0">
+                <a:solidFill>
+                  <a:srgbClr val="4E807D"/>
+                </a:solidFill>
+                <a:latin typeface="Andale Mono" charset="0"/>
+                <a:ea typeface="Andale Mono" charset="0"/>
+                <a:cs typeface="Andale Mono" charset="0"/>
+              </a:rPr>
+              <a:t>Word</a:t>
+            </a:r>
+            <a:r>
+              <a:rPr lang="en-US" sz="2000" dirty="0" smtClean="0">
+                <a:latin typeface="Andale Mono" charset="0"/>
+                <a:ea typeface="Andale Mono" charset="0"/>
+                <a:cs typeface="Andale Mono" charset="0"/>
+              </a:rPr>
+              <a:t>): </a:t>
+            </a:r>
+            <a:r>
+              <a:rPr lang="en-US" sz="2000" dirty="0" smtClean="0">
+                <a:solidFill>
+                  <a:srgbClr val="CC7832"/>
+                </a:solidFill>
+                <a:latin typeface="Andale Mono" charset="0"/>
+                <a:ea typeface="Andale Mono" charset="0"/>
+                <a:cs typeface="Andale Mono" charset="0"/>
+              </a:rPr>
+              <a:t>Boolean</a:t>
+            </a:r>
+            <a:br>
+              <a:rPr lang="en-US" sz="2000" dirty="0" smtClean="0">
+                <a:solidFill>
+                  <a:srgbClr val="CC7832"/>
+                </a:solidFill>
+                <a:latin typeface="Andale Mono" charset="0"/>
+                <a:ea typeface="Andale Mono" charset="0"/>
+                <a:cs typeface="Andale Mono" charset="0"/>
+              </a:rPr>
+            </a:br>
+            <a:r>
+              <a:rPr lang="en-US" sz="2000" dirty="0" smtClean="0">
+                <a:solidFill>
+                  <a:srgbClr val="CC7832"/>
+                </a:solidFill>
+                <a:latin typeface="Andale Mono" charset="0"/>
+                <a:ea typeface="Andale Mono" charset="0"/>
+                <a:cs typeface="Andale Mono" charset="0"/>
+              </a:rPr>
+              <a:t>  </a:t>
+            </a:r>
+            <a:r>
+              <a:rPr lang="en-US" sz="2000" b="1" dirty="0" err="1" smtClean="0">
+                <a:solidFill>
+                  <a:srgbClr val="CC7832"/>
+                </a:solidFill>
+                <a:latin typeface="Andale Mono" charset="0"/>
+                <a:ea typeface="Andale Mono" charset="0"/>
+                <a:cs typeface="Andale Mono" charset="0"/>
+              </a:rPr>
+              <a:t>def</a:t>
+            </a:r>
+            <a:r>
+              <a:rPr lang="en-US" sz="2000" b="1" dirty="0" smtClean="0">
+                <a:solidFill>
+                  <a:srgbClr val="CC7832"/>
+                </a:solidFill>
+                <a:latin typeface="Andale Mono" charset="0"/>
+                <a:ea typeface="Andale Mono" charset="0"/>
+                <a:cs typeface="Andale Mono" charset="0"/>
+              </a:rPr>
+              <a:t> </a:t>
+            </a:r>
+            <a:r>
+              <a:rPr lang="en-US" sz="2000" dirty="0" smtClean="0">
+                <a:solidFill>
+                  <a:srgbClr val="FFC66D"/>
+                </a:solidFill>
+                <a:latin typeface="Andale Mono" charset="0"/>
+                <a:ea typeface="Andale Mono" charset="0"/>
+                <a:cs typeface="Andale Mono" charset="0"/>
+              </a:rPr>
+              <a:t>definition</a:t>
+            </a:r>
+            <a:r>
+              <a:rPr lang="en-US" sz="2000" dirty="0" smtClean="0">
+                <a:latin typeface="Andale Mono" charset="0"/>
+                <a:ea typeface="Andale Mono" charset="0"/>
+                <a:cs typeface="Andale Mono" charset="0"/>
+              </a:rPr>
+              <a:t>(word: </a:t>
+            </a:r>
+            <a:r>
+              <a:rPr lang="en-US" sz="2000" dirty="0" smtClean="0">
+                <a:solidFill>
+                  <a:srgbClr val="4E807D"/>
+                </a:solidFill>
+                <a:latin typeface="Andale Mono" charset="0"/>
+                <a:ea typeface="Andale Mono" charset="0"/>
+                <a:cs typeface="Andale Mono" charset="0"/>
+              </a:rPr>
+              <a:t>Word</a:t>
+            </a:r>
+            <a:r>
+              <a:rPr lang="en-US" sz="2000" dirty="0" smtClean="0">
+                <a:latin typeface="Andale Mono" charset="0"/>
+                <a:ea typeface="Andale Mono" charset="0"/>
+                <a:cs typeface="Andale Mono" charset="0"/>
+              </a:rPr>
+              <a:t>): Option[</a:t>
+            </a:r>
+            <a:r>
+              <a:rPr lang="en-US" sz="2000" dirty="0" smtClean="0">
+                <a:solidFill>
+                  <a:srgbClr val="4E807D"/>
+                </a:solidFill>
+                <a:latin typeface="Andale Mono" charset="0"/>
+                <a:ea typeface="Andale Mono" charset="0"/>
+                <a:cs typeface="Andale Mono" charset="0"/>
+              </a:rPr>
+              <a:t>Definition</a:t>
+            </a:r>
+            <a:r>
+              <a:rPr lang="en-US" sz="2000" dirty="0" smtClean="0">
+                <a:latin typeface="Andale Mono" charset="0"/>
+                <a:ea typeface="Andale Mono" charset="0"/>
+                <a:cs typeface="Andale Mono" charset="0"/>
+              </a:rPr>
+              <a:t>]</a:t>
+            </a:r>
+            <a:br>
+              <a:rPr lang="en-US" sz="2000" dirty="0" smtClean="0">
+                <a:latin typeface="Andale Mono" charset="0"/>
+                <a:ea typeface="Andale Mono" charset="0"/>
+                <a:cs typeface="Andale Mono" charset="0"/>
+              </a:rPr>
+            </a:br>
+            <a:r>
+              <a:rPr lang="en-US" sz="2000" dirty="0" smtClean="0">
+                <a:latin typeface="Andale Mono" charset="0"/>
+                <a:ea typeface="Andale Mono" charset="0"/>
+                <a:cs typeface="Andale Mono" charset="0"/>
+              </a:rPr>
+              <a:t>  </a:t>
+            </a:r>
+            <a:r>
+              <a:rPr lang="en-US" sz="2000" b="1" dirty="0" err="1" smtClean="0">
+                <a:solidFill>
+                  <a:srgbClr val="CC7832"/>
+                </a:solidFill>
+                <a:latin typeface="Andale Mono" charset="0"/>
+                <a:ea typeface="Andale Mono" charset="0"/>
+                <a:cs typeface="Andale Mono" charset="0"/>
+              </a:rPr>
+              <a:t>def</a:t>
+            </a:r>
+            <a:r>
+              <a:rPr lang="en-US" sz="2000" b="1" dirty="0" smtClean="0">
+                <a:solidFill>
+                  <a:srgbClr val="CC7832"/>
+                </a:solidFill>
+                <a:latin typeface="Andale Mono" charset="0"/>
+                <a:ea typeface="Andale Mono" charset="0"/>
+                <a:cs typeface="Andale Mono" charset="0"/>
+              </a:rPr>
+              <a:t> </a:t>
+            </a:r>
+            <a:r>
+              <a:rPr lang="en-US" sz="2000" dirty="0" err="1" smtClean="0">
+                <a:solidFill>
+                  <a:srgbClr val="FFC66D"/>
+                </a:solidFill>
+                <a:latin typeface="Andale Mono" charset="0"/>
+                <a:ea typeface="Andale Mono" charset="0"/>
+                <a:cs typeface="Andale Mono" charset="0"/>
+              </a:rPr>
+              <a:t>intoSyllables</a:t>
+            </a:r>
+            <a:r>
+              <a:rPr lang="en-US" sz="2000" dirty="0" smtClean="0">
+                <a:latin typeface="Andale Mono" charset="0"/>
+                <a:ea typeface="Andale Mono" charset="0"/>
+                <a:cs typeface="Andale Mono" charset="0"/>
+              </a:rPr>
+              <a:t>(word: </a:t>
+            </a:r>
+            <a:r>
+              <a:rPr lang="en-US" sz="2000" dirty="0" smtClean="0">
+                <a:solidFill>
+                  <a:srgbClr val="4E807D"/>
+                </a:solidFill>
+                <a:latin typeface="Andale Mono" charset="0"/>
+                <a:ea typeface="Andale Mono" charset="0"/>
+                <a:cs typeface="Andale Mono" charset="0"/>
+              </a:rPr>
+              <a:t>Word</a:t>
+            </a:r>
+            <a:r>
+              <a:rPr lang="en-US" sz="2000" dirty="0" smtClean="0">
+                <a:latin typeface="Andale Mono" charset="0"/>
+                <a:ea typeface="Andale Mono" charset="0"/>
+                <a:cs typeface="Andale Mono" charset="0"/>
+              </a:rPr>
+              <a:t>): </a:t>
+            </a:r>
+            <a:r>
+              <a:rPr lang="en-US" sz="2000" dirty="0" smtClean="0">
+                <a:solidFill>
+                  <a:srgbClr val="4E807D"/>
+                </a:solidFill>
+                <a:latin typeface="Andale Mono" charset="0"/>
+                <a:ea typeface="Andale Mono" charset="0"/>
+                <a:cs typeface="Andale Mono" charset="0"/>
+              </a:rPr>
+              <a:t>List</a:t>
+            </a:r>
+            <a:r>
+              <a:rPr lang="en-US" sz="2000" dirty="0" smtClean="0">
+                <a:latin typeface="Andale Mono" charset="0"/>
+                <a:ea typeface="Andale Mono" charset="0"/>
+                <a:cs typeface="Andale Mono" charset="0"/>
+              </a:rPr>
+              <a:t>[</a:t>
+            </a:r>
+            <a:r>
+              <a:rPr lang="en-US" sz="2000" dirty="0" smtClean="0">
+                <a:solidFill>
+                  <a:srgbClr val="4E807D"/>
+                </a:solidFill>
+                <a:latin typeface="Andale Mono" charset="0"/>
+                <a:ea typeface="Andale Mono" charset="0"/>
+                <a:cs typeface="Andale Mono" charset="0"/>
+              </a:rPr>
+              <a:t>Syllable</a:t>
+            </a:r>
+            <a:r>
+              <a:rPr lang="en-US" sz="2000" dirty="0" smtClean="0">
+                <a:latin typeface="Andale Mono" charset="0"/>
+                <a:ea typeface="Andale Mono" charset="0"/>
+                <a:cs typeface="Andale Mono" charset="0"/>
+              </a:rPr>
+              <a:t>]</a:t>
+            </a:r>
+            <a:br>
+              <a:rPr lang="en-US" sz="2000" dirty="0" smtClean="0">
+                <a:latin typeface="Andale Mono" charset="0"/>
+                <a:ea typeface="Andale Mono" charset="0"/>
+                <a:cs typeface="Andale Mono" charset="0"/>
+              </a:rPr>
+            </a:br>
+            <a:r>
+              <a:rPr lang="en-US" sz="2000" dirty="0" smtClean="0">
+                <a:latin typeface="Andale Mono" charset="0"/>
+                <a:ea typeface="Andale Mono" charset="0"/>
+                <a:cs typeface="Andale Mono" charset="0"/>
+              </a:rPr>
+              <a:t>}</a:t>
+            </a:r>
+          </a:p>
+          <a:p>
+            <a:endParaRPr lang="en-US" sz="2000" dirty="0" smtClean="0">
+              <a:latin typeface="Andale Mono" charset="0"/>
+              <a:ea typeface="Andale Mono" charset="0"/>
+              <a:cs typeface="Andale Mono" charset="0"/>
+            </a:endParaRPr>
+          </a:p>
+          <a:p>
+            <a:r>
+              <a:rPr lang="en-US" sz="2000" b="1" dirty="0" smtClean="0">
+                <a:solidFill>
+                  <a:srgbClr val="CC7832"/>
+                </a:solidFill>
+                <a:latin typeface="Andale Mono" charset="0"/>
+                <a:ea typeface="Andale Mono" charset="0"/>
+                <a:cs typeface="Andale Mono" charset="0"/>
+              </a:rPr>
+              <a:t>class </a:t>
+            </a:r>
+            <a:r>
+              <a:rPr lang="en-US" sz="2000" dirty="0" err="1" smtClean="0">
+                <a:latin typeface="Andale Mono" charset="0"/>
+                <a:ea typeface="Andale Mono" charset="0"/>
+                <a:cs typeface="Andale Mono" charset="0"/>
+              </a:rPr>
+              <a:t>DefaultWordDictionary</a:t>
+            </a:r>
+            <a:r>
+              <a:rPr lang="en-US" sz="2000" dirty="0" smtClean="0">
+                <a:latin typeface="Andale Mono" charset="0"/>
+                <a:ea typeface="Andale Mono" charset="0"/>
+                <a:cs typeface="Andale Mono" charset="0"/>
+              </a:rPr>
+              <a:t>(</a:t>
+            </a:r>
+          </a:p>
+          <a:p>
+            <a:r>
+              <a:rPr lang="en-US" sz="2000" dirty="0" smtClean="0">
+                <a:latin typeface="Andale Mono" charset="0"/>
+                <a:ea typeface="Andale Mono" charset="0"/>
+                <a:cs typeface="Andale Mono" charset="0"/>
+              </a:rPr>
+              <a:t>     </a:t>
+            </a:r>
+            <a:r>
+              <a:rPr lang="en-US" sz="2000" b="1" dirty="0" err="1" smtClean="0">
+                <a:solidFill>
+                  <a:srgbClr val="CC7832"/>
+                </a:solidFill>
+                <a:latin typeface="Andale Mono" charset="0"/>
+                <a:ea typeface="Andale Mono" charset="0"/>
+                <a:cs typeface="Andale Mono" charset="0"/>
+              </a:rPr>
+              <a:t>val</a:t>
+            </a:r>
+            <a:r>
+              <a:rPr lang="en-US" sz="2000" b="1" dirty="0" smtClean="0">
+                <a:solidFill>
+                  <a:srgbClr val="CC7832"/>
+                </a:solidFill>
+                <a:latin typeface="Andale Mono" charset="0"/>
+                <a:ea typeface="Andale Mono" charset="0"/>
+                <a:cs typeface="Andale Mono" charset="0"/>
+              </a:rPr>
+              <a:t> </a:t>
+            </a:r>
+            <a:r>
+              <a:rPr lang="en-US" sz="2000" dirty="0" err="1" smtClean="0">
+                <a:latin typeface="Andale Mono" charset="0"/>
+                <a:ea typeface="Andale Mono" charset="0"/>
+                <a:cs typeface="Andale Mono" charset="0"/>
+              </a:rPr>
+              <a:t>lang</a:t>
+            </a:r>
+            <a:r>
+              <a:rPr lang="en-US" sz="2000" dirty="0" smtClean="0">
+                <a:latin typeface="Andale Mono" charset="0"/>
+                <a:ea typeface="Andale Mono" charset="0"/>
+                <a:cs typeface="Andale Mono" charset="0"/>
+              </a:rPr>
+              <a:t>: </a:t>
+            </a:r>
+            <a:r>
+              <a:rPr lang="en-US" sz="2000" dirty="0" smtClean="0">
+                <a:solidFill>
+                  <a:srgbClr val="4E807D"/>
+                </a:solidFill>
+                <a:latin typeface="Andale Mono" charset="0"/>
+                <a:ea typeface="Andale Mono" charset="0"/>
+                <a:cs typeface="Andale Mono" charset="0"/>
+              </a:rPr>
+              <a:t>Lang</a:t>
+            </a:r>
+            <a:r>
+              <a:rPr lang="en-US" sz="2000" dirty="0" smtClean="0">
+                <a:solidFill>
+                  <a:srgbClr val="CC7832"/>
+                </a:solidFill>
+                <a:latin typeface="Andale Mono" charset="0"/>
+                <a:ea typeface="Andale Mono" charset="0"/>
+                <a:cs typeface="Andale Mono" charset="0"/>
+              </a:rPr>
+              <a:t>,</a:t>
+            </a:r>
+          </a:p>
+          <a:p>
+            <a:r>
+              <a:rPr lang="en-US" sz="2000" b="1" dirty="0" smtClean="0">
+                <a:solidFill>
+                  <a:srgbClr val="CC7832"/>
+                </a:solidFill>
+                <a:latin typeface="Andale Mono" charset="0"/>
+                <a:ea typeface="Andale Mono" charset="0"/>
+                <a:cs typeface="Andale Mono" charset="0"/>
+              </a:rPr>
+              <a:t>     private </a:t>
+            </a:r>
+            <a:r>
+              <a:rPr lang="en-US" sz="2000" b="1" dirty="0" err="1" smtClean="0">
+                <a:solidFill>
+                  <a:srgbClr val="CC7832"/>
+                </a:solidFill>
+                <a:latin typeface="Andale Mono" charset="0"/>
+                <a:ea typeface="Andale Mono" charset="0"/>
+                <a:cs typeface="Andale Mono" charset="0"/>
+              </a:rPr>
+              <a:t>val</a:t>
+            </a:r>
+            <a:r>
+              <a:rPr lang="en-US" sz="2000" b="1" dirty="0" smtClean="0">
+                <a:solidFill>
+                  <a:srgbClr val="CC7832"/>
+                </a:solidFill>
+                <a:latin typeface="Andale Mono" charset="0"/>
+                <a:ea typeface="Andale Mono" charset="0"/>
+                <a:cs typeface="Andale Mono" charset="0"/>
+              </a:rPr>
+              <a:t> </a:t>
+            </a:r>
+            <a:r>
+              <a:rPr lang="en-US" sz="2000" dirty="0" smtClean="0">
+                <a:latin typeface="Andale Mono" charset="0"/>
+                <a:ea typeface="Andale Mono" charset="0"/>
+                <a:cs typeface="Andale Mono" charset="0"/>
+              </a:rPr>
+              <a:t>definitions: </a:t>
+            </a:r>
+            <a:r>
+              <a:rPr lang="en-US" sz="2000" dirty="0" smtClean="0">
+                <a:solidFill>
+                  <a:srgbClr val="4E807D"/>
+                </a:solidFill>
+                <a:latin typeface="Andale Mono" charset="0"/>
+                <a:ea typeface="Andale Mono" charset="0"/>
+                <a:cs typeface="Andale Mono" charset="0"/>
+              </a:rPr>
+              <a:t>Map</a:t>
+            </a:r>
+            <a:r>
+              <a:rPr lang="en-US" sz="2000" dirty="0" smtClean="0">
+                <a:latin typeface="Andale Mono" charset="0"/>
+                <a:ea typeface="Andale Mono" charset="0"/>
+                <a:cs typeface="Andale Mono" charset="0"/>
+              </a:rPr>
+              <a:t>[</a:t>
+            </a:r>
+            <a:r>
+              <a:rPr lang="en-US" sz="2000" dirty="0" smtClean="0">
+                <a:solidFill>
+                  <a:srgbClr val="4E807D"/>
+                </a:solidFill>
+                <a:latin typeface="Andale Mono" charset="0"/>
+                <a:ea typeface="Andale Mono" charset="0"/>
+                <a:cs typeface="Andale Mono" charset="0"/>
+              </a:rPr>
+              <a:t>Word</a:t>
+            </a:r>
+            <a:r>
+              <a:rPr lang="en-US" sz="2000" dirty="0" smtClean="0">
+                <a:solidFill>
+                  <a:srgbClr val="CC7832"/>
+                </a:solidFill>
+                <a:latin typeface="Andale Mono" charset="0"/>
+                <a:ea typeface="Andale Mono" charset="0"/>
+                <a:cs typeface="Andale Mono" charset="0"/>
+              </a:rPr>
+              <a:t>, </a:t>
+            </a:r>
+            <a:r>
+              <a:rPr lang="en-US" sz="2000" dirty="0" smtClean="0">
+                <a:solidFill>
+                  <a:srgbClr val="4E807D"/>
+                </a:solidFill>
+                <a:latin typeface="Andale Mono" charset="0"/>
+                <a:ea typeface="Andale Mono" charset="0"/>
+                <a:cs typeface="Andale Mono" charset="0"/>
+              </a:rPr>
+              <a:t>Definition</a:t>
+            </a:r>
+            <a:r>
+              <a:rPr lang="en-US" sz="2000" dirty="0" smtClean="0">
+                <a:latin typeface="Andale Mono" charset="0"/>
+                <a:ea typeface="Andale Mono" charset="0"/>
+                <a:cs typeface="Andale Mono" charset="0"/>
+              </a:rPr>
+              <a:t>]</a:t>
+            </a:r>
+          </a:p>
+          <a:p>
+            <a:r>
+              <a:rPr lang="en-US" sz="2000" dirty="0" smtClean="0">
+                <a:latin typeface="Andale Mono" charset="0"/>
+                <a:ea typeface="Andale Mono" charset="0"/>
+                <a:cs typeface="Andale Mono" charset="0"/>
+              </a:rPr>
+              <a:t> ) </a:t>
+            </a:r>
+            <a:r>
+              <a:rPr lang="en-US" sz="2000" b="1" dirty="0" smtClean="0">
+                <a:solidFill>
+                  <a:srgbClr val="CC7832"/>
+                </a:solidFill>
+                <a:latin typeface="Andale Mono" charset="0"/>
+                <a:ea typeface="Andale Mono" charset="0"/>
+                <a:cs typeface="Andale Mono" charset="0"/>
+              </a:rPr>
+              <a:t>extends </a:t>
+            </a:r>
+            <a:r>
+              <a:rPr lang="en-US" sz="2000" dirty="0" err="1" smtClean="0">
+                <a:latin typeface="Andale Mono" charset="0"/>
+                <a:ea typeface="Andale Mono" charset="0"/>
+                <a:cs typeface="Andale Mono" charset="0"/>
+              </a:rPr>
+              <a:t>WordDictionary</a:t>
+            </a:r>
+            <a:r>
+              <a:rPr lang="en-US" sz="2000" dirty="0" smtClean="0">
+                <a:latin typeface="Andale Mono" charset="0"/>
+                <a:ea typeface="Andale Mono" charset="0"/>
+                <a:cs typeface="Andale Mono" charset="0"/>
+              </a:rPr>
+              <a:t> {</a:t>
+            </a:r>
+            <a:br>
+              <a:rPr lang="en-US" sz="2000" dirty="0" smtClean="0">
+                <a:latin typeface="Andale Mono" charset="0"/>
+                <a:ea typeface="Andale Mono" charset="0"/>
+                <a:cs typeface="Andale Mono" charset="0"/>
+              </a:rPr>
+            </a:br>
+            <a:r>
+              <a:rPr lang="en-US" dirty="0" smtClean="0">
+                <a:latin typeface="Andale Mono" charset="0"/>
+                <a:ea typeface="Andale Mono" charset="0"/>
+                <a:cs typeface="Andale Mono" charset="0"/>
+              </a:rPr>
+              <a:t/>
+            </a:r>
+            <a:br>
+              <a:rPr lang="en-US" dirty="0" smtClean="0">
+                <a:latin typeface="Andale Mono" charset="0"/>
+                <a:ea typeface="Andale Mono" charset="0"/>
+                <a:cs typeface="Andale Mono" charset="0"/>
+              </a:rPr>
+            </a:br>
+            <a:r>
+              <a:rPr lang="en-US" sz="1800" dirty="0" smtClean="0">
+                <a:latin typeface="Andale Mono" charset="0"/>
+                <a:ea typeface="Andale Mono" charset="0"/>
+                <a:cs typeface="Andale Mono" charset="0"/>
+              </a:rPr>
+              <a:t>  </a:t>
+            </a:r>
+            <a:r>
+              <a:rPr lang="en-US" sz="1800" b="1" dirty="0" err="1" smtClean="0">
+                <a:solidFill>
+                  <a:srgbClr val="CC7832"/>
+                </a:solidFill>
+                <a:latin typeface="Andale Mono" charset="0"/>
+                <a:ea typeface="Andale Mono" charset="0"/>
+                <a:cs typeface="Andale Mono" charset="0"/>
+              </a:rPr>
+              <a:t>def</a:t>
+            </a:r>
+            <a:r>
+              <a:rPr lang="en-US" sz="1800" b="1" dirty="0" smtClean="0">
+                <a:solidFill>
+                  <a:srgbClr val="CC7832"/>
+                </a:solidFill>
+                <a:latin typeface="Andale Mono" charset="0"/>
+                <a:ea typeface="Andale Mono" charset="0"/>
+                <a:cs typeface="Andale Mono" charset="0"/>
+              </a:rPr>
+              <a:t> </a:t>
+            </a:r>
+            <a:r>
+              <a:rPr lang="en-US" sz="1800" dirty="0" err="1" smtClean="0">
+                <a:solidFill>
+                  <a:srgbClr val="FFC66D"/>
+                </a:solidFill>
+                <a:latin typeface="Andale Mono" charset="0"/>
+                <a:ea typeface="Andale Mono" charset="0"/>
+                <a:cs typeface="Andale Mono" charset="0"/>
+              </a:rPr>
+              <a:t>hasWord</a:t>
+            </a:r>
+            <a:r>
+              <a:rPr lang="en-US" sz="1800" dirty="0" smtClean="0">
+                <a:latin typeface="Andale Mono" charset="0"/>
+                <a:ea typeface="Andale Mono" charset="0"/>
+                <a:cs typeface="Andale Mono" charset="0"/>
+              </a:rPr>
+              <a:t>(word: </a:t>
+            </a:r>
+            <a:r>
+              <a:rPr lang="en-US" sz="1800" dirty="0" smtClean="0">
+                <a:solidFill>
+                  <a:srgbClr val="4E807D"/>
+                </a:solidFill>
+                <a:latin typeface="Andale Mono" charset="0"/>
+                <a:ea typeface="Andale Mono" charset="0"/>
+                <a:cs typeface="Andale Mono" charset="0"/>
+              </a:rPr>
+              <a:t>Word</a:t>
+            </a:r>
+            <a:r>
+              <a:rPr lang="en-US" sz="1800" dirty="0" smtClean="0">
+                <a:latin typeface="Andale Mono" charset="0"/>
+                <a:ea typeface="Andale Mono" charset="0"/>
+                <a:cs typeface="Andale Mono" charset="0"/>
+              </a:rPr>
+              <a:t>): </a:t>
+            </a:r>
+            <a:r>
+              <a:rPr lang="en-US" sz="1800" dirty="0" smtClean="0">
+                <a:solidFill>
+                  <a:srgbClr val="CC7832"/>
+                </a:solidFill>
+                <a:latin typeface="Andale Mono" charset="0"/>
+                <a:ea typeface="Andale Mono" charset="0"/>
+                <a:cs typeface="Andale Mono" charset="0"/>
+              </a:rPr>
+              <a:t>Boolean </a:t>
+            </a:r>
+            <a:r>
+              <a:rPr lang="en-US" sz="1800" dirty="0" smtClean="0">
+                <a:latin typeface="Andale Mono" charset="0"/>
+                <a:ea typeface="Andale Mono" charset="0"/>
+                <a:cs typeface="Andale Mono" charset="0"/>
+              </a:rPr>
+              <a:t>= ???</a:t>
+            </a:r>
+            <a:br>
+              <a:rPr lang="en-US" sz="1800" dirty="0" smtClean="0">
+                <a:latin typeface="Andale Mono" charset="0"/>
+                <a:ea typeface="Andale Mono" charset="0"/>
+                <a:cs typeface="Andale Mono" charset="0"/>
+              </a:rPr>
+            </a:br>
+            <a:r>
+              <a:rPr lang="en-US" sz="1800" dirty="0" smtClean="0">
+                <a:latin typeface="Andale Mono" charset="0"/>
+                <a:ea typeface="Andale Mono" charset="0"/>
+                <a:cs typeface="Andale Mono" charset="0"/>
+              </a:rPr>
+              <a:t>  </a:t>
+            </a:r>
+            <a:r>
+              <a:rPr lang="en-US" sz="1800" b="1" dirty="0" err="1" smtClean="0">
+                <a:solidFill>
+                  <a:srgbClr val="CC7832"/>
+                </a:solidFill>
+                <a:latin typeface="Andale Mono" charset="0"/>
+                <a:ea typeface="Andale Mono" charset="0"/>
+                <a:cs typeface="Andale Mono" charset="0"/>
+              </a:rPr>
+              <a:t>def</a:t>
+            </a:r>
+            <a:r>
+              <a:rPr lang="en-US" sz="1800" b="1" dirty="0" smtClean="0">
+                <a:solidFill>
+                  <a:srgbClr val="CC7832"/>
+                </a:solidFill>
+                <a:latin typeface="Andale Mono" charset="0"/>
+                <a:ea typeface="Andale Mono" charset="0"/>
+                <a:cs typeface="Andale Mono" charset="0"/>
+              </a:rPr>
+              <a:t> </a:t>
+            </a:r>
+            <a:r>
+              <a:rPr lang="en-US" sz="1800" dirty="0" smtClean="0">
+                <a:solidFill>
+                  <a:srgbClr val="FFC66D"/>
+                </a:solidFill>
+                <a:latin typeface="Andale Mono" charset="0"/>
+                <a:ea typeface="Andale Mono" charset="0"/>
+                <a:cs typeface="Andale Mono" charset="0"/>
+              </a:rPr>
+              <a:t>definition</a:t>
+            </a:r>
+            <a:r>
+              <a:rPr lang="en-US" sz="1800" dirty="0" smtClean="0">
+                <a:latin typeface="Andale Mono" charset="0"/>
+                <a:ea typeface="Andale Mono" charset="0"/>
+                <a:cs typeface="Andale Mono" charset="0"/>
+              </a:rPr>
+              <a:t>(word: </a:t>
+            </a:r>
+            <a:r>
+              <a:rPr lang="en-US" sz="1800" dirty="0" smtClean="0">
+                <a:solidFill>
+                  <a:srgbClr val="4E807D"/>
+                </a:solidFill>
+                <a:latin typeface="Andale Mono" charset="0"/>
+                <a:ea typeface="Andale Mono" charset="0"/>
+                <a:cs typeface="Andale Mono" charset="0"/>
+              </a:rPr>
+              <a:t>Word</a:t>
+            </a:r>
+            <a:r>
+              <a:rPr lang="en-US" sz="1800" dirty="0" smtClean="0">
+                <a:latin typeface="Andale Mono" charset="0"/>
+                <a:ea typeface="Andale Mono" charset="0"/>
+                <a:cs typeface="Andale Mono" charset="0"/>
+              </a:rPr>
+              <a:t>): Option[</a:t>
+            </a:r>
+            <a:r>
+              <a:rPr lang="en-US" sz="1800" dirty="0" smtClean="0">
+                <a:solidFill>
+                  <a:srgbClr val="4E807D"/>
+                </a:solidFill>
+                <a:latin typeface="Andale Mono" charset="0"/>
+                <a:ea typeface="Andale Mono" charset="0"/>
+                <a:cs typeface="Andale Mono" charset="0"/>
+              </a:rPr>
+              <a:t>Definition</a:t>
+            </a:r>
+            <a:r>
+              <a:rPr lang="en-US" sz="1800" dirty="0" smtClean="0">
+                <a:latin typeface="Andale Mono" charset="0"/>
+                <a:ea typeface="Andale Mono" charset="0"/>
+                <a:cs typeface="Andale Mono" charset="0"/>
+              </a:rPr>
+              <a:t>] = ???</a:t>
+            </a:r>
+            <a:br>
+              <a:rPr lang="en-US" sz="1800" dirty="0" smtClean="0">
+                <a:latin typeface="Andale Mono" charset="0"/>
+                <a:ea typeface="Andale Mono" charset="0"/>
+                <a:cs typeface="Andale Mono" charset="0"/>
+              </a:rPr>
+            </a:br>
+            <a:r>
+              <a:rPr lang="en-US" sz="1800" dirty="0" smtClean="0">
+                <a:latin typeface="Andale Mono" charset="0"/>
+                <a:ea typeface="Andale Mono" charset="0"/>
+                <a:cs typeface="Andale Mono" charset="0"/>
+              </a:rPr>
+              <a:t>  </a:t>
+            </a:r>
+            <a:r>
+              <a:rPr lang="en-US" sz="1800" b="1" dirty="0" err="1" smtClean="0">
+                <a:solidFill>
+                  <a:srgbClr val="CC7832"/>
+                </a:solidFill>
+                <a:latin typeface="Andale Mono" charset="0"/>
+                <a:ea typeface="Andale Mono" charset="0"/>
+                <a:cs typeface="Andale Mono" charset="0"/>
+              </a:rPr>
+              <a:t>def</a:t>
+            </a:r>
+            <a:r>
+              <a:rPr lang="en-US" sz="1800" b="1" dirty="0" smtClean="0">
+                <a:solidFill>
+                  <a:srgbClr val="CC7832"/>
+                </a:solidFill>
+                <a:latin typeface="Andale Mono" charset="0"/>
+                <a:ea typeface="Andale Mono" charset="0"/>
+                <a:cs typeface="Andale Mono" charset="0"/>
+              </a:rPr>
+              <a:t> </a:t>
+            </a:r>
+            <a:r>
+              <a:rPr lang="en-US" sz="1800" dirty="0" err="1" smtClean="0">
+                <a:solidFill>
+                  <a:srgbClr val="FFC66D"/>
+                </a:solidFill>
+                <a:latin typeface="Andale Mono" charset="0"/>
+                <a:ea typeface="Andale Mono" charset="0"/>
+                <a:cs typeface="Andale Mono" charset="0"/>
+              </a:rPr>
+              <a:t>intoSyllables</a:t>
+            </a:r>
+            <a:r>
+              <a:rPr lang="en-US" sz="1800" dirty="0" smtClean="0">
+                <a:latin typeface="Andale Mono" charset="0"/>
+                <a:ea typeface="Andale Mono" charset="0"/>
+                <a:cs typeface="Andale Mono" charset="0"/>
+              </a:rPr>
+              <a:t>(word: </a:t>
+            </a:r>
+            <a:r>
+              <a:rPr lang="en-US" sz="1800" dirty="0" smtClean="0">
+                <a:solidFill>
+                  <a:srgbClr val="4E807D"/>
+                </a:solidFill>
+                <a:latin typeface="Andale Mono" charset="0"/>
+                <a:ea typeface="Andale Mono" charset="0"/>
+                <a:cs typeface="Andale Mono" charset="0"/>
+              </a:rPr>
+              <a:t>Word</a:t>
+            </a:r>
+            <a:r>
+              <a:rPr lang="en-US" sz="1800" dirty="0" smtClean="0">
+                <a:latin typeface="Andale Mono" charset="0"/>
+                <a:ea typeface="Andale Mono" charset="0"/>
+                <a:cs typeface="Andale Mono" charset="0"/>
+              </a:rPr>
+              <a:t>): </a:t>
+            </a:r>
+            <a:r>
+              <a:rPr lang="en-US" sz="1800" dirty="0" smtClean="0">
+                <a:solidFill>
+                  <a:srgbClr val="4E807D"/>
+                </a:solidFill>
+                <a:latin typeface="Andale Mono" charset="0"/>
+                <a:ea typeface="Andale Mono" charset="0"/>
+                <a:cs typeface="Andale Mono" charset="0"/>
+              </a:rPr>
+              <a:t>List</a:t>
+            </a:r>
+            <a:r>
+              <a:rPr lang="en-US" sz="1800" dirty="0" smtClean="0">
+                <a:latin typeface="Andale Mono" charset="0"/>
+                <a:ea typeface="Andale Mono" charset="0"/>
+                <a:cs typeface="Andale Mono" charset="0"/>
+              </a:rPr>
+              <a:t>[</a:t>
+            </a:r>
+            <a:r>
+              <a:rPr lang="en-US" sz="1800" dirty="0" smtClean="0">
+                <a:solidFill>
+                  <a:srgbClr val="4E807D"/>
+                </a:solidFill>
+                <a:latin typeface="Andale Mono" charset="0"/>
+                <a:ea typeface="Andale Mono" charset="0"/>
+                <a:cs typeface="Andale Mono" charset="0"/>
+              </a:rPr>
+              <a:t>Syllable</a:t>
+            </a:r>
+            <a:r>
+              <a:rPr lang="en-US" sz="1800" dirty="0" smtClean="0">
+                <a:latin typeface="Andale Mono" charset="0"/>
+                <a:ea typeface="Andale Mono" charset="0"/>
+                <a:cs typeface="Andale Mono" charset="0"/>
+              </a:rPr>
+              <a:t>] = ???</a:t>
+            </a:r>
+            <a:br>
+              <a:rPr lang="en-US" sz="1800" dirty="0" smtClean="0">
+                <a:latin typeface="Andale Mono" charset="0"/>
+                <a:ea typeface="Andale Mono" charset="0"/>
+                <a:cs typeface="Andale Mono" charset="0"/>
+              </a:rPr>
+            </a:br>
+            <a:r>
+              <a:rPr lang="en-US" dirty="0" smtClean="0">
+                <a:latin typeface="Andale Mono" charset="0"/>
+                <a:ea typeface="Andale Mono" charset="0"/>
+                <a:cs typeface="Andale Mono" charset="0"/>
+              </a:rPr>
+              <a:t>}</a:t>
+            </a:r>
+            <a:br>
+              <a:rPr lang="en-US" dirty="0" smtClean="0">
+                <a:latin typeface="Andale Mono" charset="0"/>
+                <a:ea typeface="Andale Mono" charset="0"/>
+                <a:cs typeface="Andale Mono" charset="0"/>
+              </a:rPr>
+            </a:br>
+            <a:r>
+              <a:rPr lang="en-US" dirty="0" smtClean="0">
+                <a:latin typeface="Andale Mono" charset="0"/>
+                <a:ea typeface="Andale Mono" charset="0"/>
+                <a:cs typeface="Andale Mono" charset="0"/>
+              </a:rPr>
+              <a:t/>
+            </a:r>
+            <a:br>
+              <a:rPr lang="en-US" dirty="0" smtClean="0">
+                <a:latin typeface="Andale Mono" charset="0"/>
+                <a:ea typeface="Andale Mono" charset="0"/>
+                <a:cs typeface="Andale Mono" charset="0"/>
+              </a:rPr>
+            </a:br>
+            <a:endParaRPr lang="en-US" dirty="0">
+              <a:latin typeface="Andale Mono" charset="0"/>
+              <a:ea typeface="Andale Mono" charset="0"/>
+              <a:cs typeface="Andale Mono" charset="0"/>
+            </a:endParaRPr>
+          </a:p>
+        </p:txBody>
+      </p:sp>
+    </p:spTree>
+    <p:extLst>
+      <p:ext uri="{BB962C8B-B14F-4D97-AF65-F5344CB8AC3E}">
+        <p14:creationId xmlns:p14="http://schemas.microsoft.com/office/powerpoint/2010/main" val="230424112"/>
+      </p:ext>
+    </p:extLst>
+  </p:cSld>
+  <p:clrMapOvr>
+    <a:masterClrMapping/>
+  </p:clrMapOvr>
+  <p:timing>
+    <p:tnLst>
+      <p:par>
+        <p:cTn id="1" dur="indefinite" restart="never" nodeType="tmRoot"/>
+      </p:par>
+    </p:tnLst>
+  </p:timing>
+</p:sld>
+</file>
+
+<file path=ppt/slides/slide11.xml><?xml version="1.0" encoding="utf-8"?>
+<p:sld xmlns:a="http://schemas.openxmlformats.org/drawingml/2006/main" xmlns:r="http://schemas.openxmlformats.org/officeDocument/2006/relationships" xmlns:p="http://schemas.openxmlformats.org/presentationml/2006/main">
+  <p:cSld name="Slide84">
+    <p:spTree>
+      <p:nvGrpSpPr>
+        <p:cNvPr id="1" name=""/>
+        <p:cNvGrpSpPr/>
+        <p:nvPr/>
+      </p:nvGrpSpPr>
+      <p:grpSpPr>
+        <a:xfrm>
+          <a:off x="0" y="0"/>
+          <a:ext cx="0" cy="0"/>
+          <a:chOff x="0" y="0"/>
+          <a:chExt cx="0" cy="0"/>
+        </a:xfrm>
+      </p:grpSpPr>
+      <p:sp>
+        <p:nvSpPr>
+          <p:cNvPr id="2" name="Title 5">
+            <a:extLst>
+              <a:ext uri="{FF2B5EF4-FFF2-40B4-BE49-F238E27FC236}">
+                <a16:creationId xmlns="" xmlns:a16="http://schemas.microsoft.com/office/drawing/2014/main" id="{3BC9B16F-E2BE-48B8-9923-22A13B9A6782}"/>
+              </a:ext>
+            </a:extLst>
+          </p:cNvPr>
+          <p:cNvSpPr txBox="1">
+            <a:spLocks noGrp="1"/>
+          </p:cNvSpPr>
+          <p:nvPr>
+            <p:ph type="title"/>
+          </p:nvPr>
+        </p:nvSpPr>
+        <p:spPr>
+          <a:xfrm>
+            <a:off x="596902" y="584201"/>
+            <a:ext cx="10510835" cy="1017590"/>
+          </a:xfrm>
+        </p:spPr>
+        <p:txBody>
+          <a:bodyPr/>
+          <a:lstStyle/>
+          <a:p>
+            <a:pPr lvl="0"/>
+            <a:r>
+              <a:rPr lang="en-GB"/>
+              <a:t>Heading Sky text medium 28pt</a:t>
+            </a:r>
+            <a:br>
+              <a:rPr lang="en-GB"/>
+            </a:br>
+            <a:r>
+              <a:rPr lang="en-GB" sz="2000">
+                <a:solidFill>
+                  <a:srgbClr val="000000"/>
+                </a:solidFill>
+              </a:rPr>
+              <a:t>Sub header Sky text medium 20pt</a:t>
+            </a:r>
+            <a:endParaRPr lang="en-US" sz="2000">
+              <a:solidFill>
+                <a:srgbClr val="000000"/>
+              </a:solidFill>
+            </a:endParaRPr>
+          </a:p>
+        </p:txBody>
+      </p:sp>
+      <p:sp>
+        <p:nvSpPr>
+          <p:cNvPr id="3" name="Content Placeholder 6">
+            <a:extLst>
+              <a:ext uri="{FF2B5EF4-FFF2-40B4-BE49-F238E27FC236}">
+                <a16:creationId xmlns="" xmlns:a16="http://schemas.microsoft.com/office/drawing/2014/main" id="{356BB5C8-5364-4FB9-A0B5-3A6FAF1CC5D7}"/>
+              </a:ext>
+            </a:extLst>
+          </p:cNvPr>
+          <p:cNvSpPr txBox="1">
+            <a:spLocks noGrp="1"/>
+          </p:cNvSpPr>
+          <p:nvPr>
+            <p:ph type="body" idx="4294967295"/>
+          </p:nvPr>
+        </p:nvSpPr>
+        <p:spPr>
+          <a:xfrm>
+            <a:off x="596902" y="1601791"/>
+            <a:ext cx="10510835" cy="4054477"/>
+          </a:xfrm>
+        </p:spPr>
+        <p:txBody>
+          <a:bodyPr/>
+          <a:lstStyle/>
+          <a:p>
+            <a:pPr marL="0" lvl="0" indent="0">
+              <a:buNone/>
+            </a:pPr>
+            <a:r>
+              <a:rPr lang="en-US">
+                <a:solidFill>
+                  <a:srgbClr val="009CDD"/>
+                </a:solidFill>
+                <a:latin typeface="Sky Text Medium"/>
+              </a:rPr>
+              <a:t>Subhead 1 Sky text medium 18pt</a:t>
+            </a:r>
+          </a:p>
+          <a:p>
+            <a:pPr marL="0" lvl="0" indent="0">
+              <a:buNone/>
+            </a:pPr>
+            <a:r>
+              <a:rPr lang="en-US"/>
+              <a:t>Body Sky text regular 18pt - Lorem ipsum dolor sit amet, consectetur adipiscing elit. Nunc vel purus sed justo sagittis dictum. Nunc tristique, neque sed malesuada suscipit, nulla lorem lobortis enim, nec posuere neque augue ac velit. Vivamus volutpat ultrices neque eu lobortis. Integer nec pretium sapien. </a:t>
+            </a:r>
+          </a:p>
+          <a:p>
+            <a:pPr lvl="0"/>
+            <a:r>
+              <a:rPr lang="en-US"/>
+              <a:t>Bullet point Sky text regular 18pt</a:t>
+            </a:r>
+          </a:p>
+          <a:p>
+            <a:pPr lvl="0"/>
+            <a:r>
+              <a:rPr lang="en-US"/>
+              <a:t>Bullet point Sky text regular 18pt</a:t>
+            </a:r>
+          </a:p>
+          <a:p>
+            <a:pPr lvl="0"/>
+            <a:r>
+              <a:rPr lang="en-US"/>
+              <a:t>Bullet point Sky text regular 18pt</a:t>
+            </a:r>
+          </a:p>
+          <a:p>
+            <a:pPr marL="0" lvl="0" indent="0">
+              <a:buNone/>
+            </a:pPr>
+            <a:r>
+              <a:rPr lang="en-US"/>
+              <a:t>Body Sky text regular 18pt - Lorem ipsum dolor sit amet, consectetur adipiscing elit. Nunc vel purus sed justo sagittis dictum. Nunc tristique, neque sed malesuada suscipit, nulla lorem lobortis enim, nec posuere neque augue ac velit. Vivamus volutpat ultrices neque eu lobortis. Integer nec pretium sapien. </a:t>
+            </a:r>
+          </a:p>
+          <a:p>
+            <a:pPr lvl="0"/>
+            <a:endParaRPr lang="en-US"/>
+          </a:p>
+        </p:txBody>
+      </p:sp>
+      <p:sp>
+        <p:nvSpPr>
+          <p:cNvPr id="4" name="Text Placeholder 1">
+            <a:extLst>
+              <a:ext uri="{FF2B5EF4-FFF2-40B4-BE49-F238E27FC236}">
+                <a16:creationId xmlns="" xmlns:a16="http://schemas.microsoft.com/office/drawing/2014/main" id="{AD200C66-4FD0-40D9-978A-EC271B267A15}"/>
+              </a:ext>
+            </a:extLst>
+          </p:cNvPr>
+          <p:cNvSpPr txBox="1">
+            <a:spLocks noGrp="1"/>
+          </p:cNvSpPr>
+          <p:nvPr>
+            <p:ph type="body" idx="4294967295"/>
+          </p:nvPr>
+        </p:nvSpPr>
+        <p:spPr>
+          <a:xfrm>
+            <a:off x="585792" y="5656258"/>
+            <a:ext cx="4677814" cy="333371"/>
+          </a:xfrm>
+        </p:spPr>
+        <p:txBody>
+          <a:bodyPr anchor="b"/>
+          <a:lstStyle/>
+          <a:p>
+            <a:pPr marL="0" lvl="0" indent="0">
+              <a:buNone/>
+            </a:pPr>
+            <a:r>
+              <a:rPr lang="en-US" sz="1000">
+                <a:solidFill>
+                  <a:srgbClr val="000000"/>
+                </a:solidFill>
+              </a:rPr>
+              <a:t>Source: Sky text regular 10pt</a:t>
+            </a:r>
+          </a:p>
+        </p:txBody>
+      </p:sp>
+    </p:spTree>
+  </p:cSld>
+  <p:clrMapOvr>
+    <a:masterClrMapping/>
+  </p:clrMapOvr>
+</p:sld>
+</file>
+
+<file path=ppt/slides/slide12.xml><?xml version="1.0" encoding="utf-8"?>
+<p:sld xmlns:a="http://schemas.openxmlformats.org/drawingml/2006/main" xmlns:r="http://schemas.openxmlformats.org/officeDocument/2006/relationships" xmlns:p="http://schemas.openxmlformats.org/presentationml/2006/main">
+  <p:cSld name="Slide25">
+    <p:spTree>
+      <p:nvGrpSpPr>
+        <p:cNvPr id="1" name=""/>
+        <p:cNvGrpSpPr/>
+        <p:nvPr/>
+      </p:nvGrpSpPr>
+      <p:grpSpPr>
+        <a:xfrm>
+          <a:off x="0" y="0"/>
+          <a:ext cx="0" cy="0"/>
+          <a:chOff x="0" y="0"/>
+          <a:chExt cx="0" cy="0"/>
+        </a:xfrm>
+      </p:grpSpPr>
+      <p:sp>
+        <p:nvSpPr>
+          <p:cNvPr id="2" name="Title 5">
+            <a:extLst>
+              <a:ext uri="{FF2B5EF4-FFF2-40B4-BE49-F238E27FC236}">
+                <a16:creationId xmlns="" xmlns:a16="http://schemas.microsoft.com/office/drawing/2014/main" id="{727F1B19-99A4-4BCA-A689-5D0744656C2E}"/>
+              </a:ext>
+            </a:extLst>
+          </p:cNvPr>
+          <p:cNvSpPr txBox="1">
+            <a:spLocks noGrp="1"/>
+          </p:cNvSpPr>
+          <p:nvPr>
+            <p:ph type="title"/>
+          </p:nvPr>
+        </p:nvSpPr>
+        <p:spPr>
+          <a:xfrm>
+            <a:off x="596902" y="584201"/>
+            <a:ext cx="10510835" cy="1017590"/>
+          </a:xfrm>
+        </p:spPr>
+        <p:txBody>
+          <a:bodyPr/>
+          <a:lstStyle/>
+          <a:p>
+            <a:pPr lvl="0"/>
+            <a:r>
+              <a:rPr lang="en-GB"/>
+              <a:t>Heading Sky text medium 28pt</a:t>
+            </a:r>
+            <a:br>
+              <a:rPr lang="en-GB"/>
+            </a:br>
+            <a:r>
+              <a:rPr lang="en-GB" sz="2000">
+                <a:solidFill>
+                  <a:srgbClr val="000000"/>
+                </a:solidFill>
+              </a:rPr>
+              <a:t>Sub header Sky text medium 20pt</a:t>
+            </a:r>
+            <a:endParaRPr lang="en-US" sz="2000">
+              <a:solidFill>
+                <a:srgbClr val="000000"/>
+              </a:solidFill>
+            </a:endParaRPr>
+          </a:p>
+        </p:txBody>
+      </p:sp>
+      <p:sp>
+        <p:nvSpPr>
+          <p:cNvPr id="3" name="Content Placeholder 6">
+            <a:extLst>
+              <a:ext uri="{FF2B5EF4-FFF2-40B4-BE49-F238E27FC236}">
+                <a16:creationId xmlns="" xmlns:a16="http://schemas.microsoft.com/office/drawing/2014/main" id="{F90994B4-8C03-4713-B379-AC294BDEC253}"/>
+              </a:ext>
+            </a:extLst>
+          </p:cNvPr>
+          <p:cNvSpPr txBox="1">
+            <a:spLocks noGrp="1"/>
+          </p:cNvSpPr>
+          <p:nvPr>
+            <p:ph type="body" idx="4294967295"/>
+          </p:nvPr>
+        </p:nvSpPr>
+        <p:spPr>
+          <a:xfrm>
+            <a:off x="596902" y="1601791"/>
+            <a:ext cx="5139595" cy="4054477"/>
+          </a:xfrm>
+        </p:spPr>
+        <p:txBody>
+          <a:bodyPr/>
+          <a:lstStyle/>
+          <a:p>
+            <a:pPr marL="0" lvl="0" indent="0">
+              <a:buNone/>
+            </a:pPr>
+            <a:r>
+              <a:rPr lang="en-US"/>
+              <a:t>Subhead 1 Sky text medium 18pt</a:t>
+            </a:r>
+          </a:p>
+          <a:p>
+            <a:pPr marL="0" lvl="0" indent="0">
+              <a:buNone/>
+            </a:pPr>
+            <a:r>
+              <a:rPr lang="en-US"/>
+              <a:t>Body Sky text regular 18pt - Lorem, consectetur adipiscing elit. Nunc vel purus sed justo sagittis dictum. Nunc tristique, neque sed malesuada suscipit, nulla lorem lobortis enim, nec posuere neque augue ac velit. Vivamus volutpat ultrices neque eu lobortis. Integer nec pretium sapien. Sed bibendum sodales nisi, quis sodales lectus gravida eu. Suspendisse quis enim magna, at malesuada mauris. Aenean mollis neque non metus pulvinar nec volutpat velit pharetra.</a:t>
+            </a:r>
+          </a:p>
+        </p:txBody>
+      </p:sp>
+      <p:sp>
+        <p:nvSpPr>
+          <p:cNvPr id="4" name="Content Placeholder 2">
+            <a:extLst>
+              <a:ext uri="{FF2B5EF4-FFF2-40B4-BE49-F238E27FC236}">
+                <a16:creationId xmlns="" xmlns:a16="http://schemas.microsoft.com/office/drawing/2014/main" id="{AA65BADF-8AA7-4853-9BDB-8596A08BA6FC}"/>
+              </a:ext>
+            </a:extLst>
+          </p:cNvPr>
+          <p:cNvSpPr txBox="1">
+            <a:spLocks noGrp="1"/>
+          </p:cNvSpPr>
+          <p:nvPr>
+            <p:ph type="body" idx="4294967295"/>
+          </p:nvPr>
+        </p:nvSpPr>
+        <p:spPr>
+          <a:xfrm>
+            <a:off x="5973766" y="1601791"/>
+            <a:ext cx="5133971" cy="4054477"/>
+          </a:xfrm>
+        </p:spPr>
+        <p:txBody>
+          <a:bodyPr/>
+          <a:lstStyle/>
+          <a:p>
+            <a:pPr marL="0" lvl="0" indent="0">
+              <a:buNone/>
+            </a:pPr>
+            <a:r>
+              <a:rPr lang="en-US"/>
+              <a:t>Subhead 1 Sky text medium 18pt</a:t>
+            </a:r>
+          </a:p>
+          <a:p>
+            <a:pPr marL="0" lvl="0" indent="0">
+              <a:buNone/>
+            </a:pPr>
+            <a:r>
+              <a:rPr lang="en-US"/>
+              <a:t>Body Sky text regular 18pt - Loremconsectetur adipiscing elit. Nunc vel purus sed justo sagittis dictum. Nunc tristique, neque sed malesuada suscipit, nulla lorem lobortis enim, nec posuere neque augue ac velit. Vivamus volutpat ultrices neque eu lobortis. Integer nec pretium sapien. Sed bibendum sodales nisi, quis sodales lectus gravida eu. Suspendisse quis enim magna, at malesuada mauris. Aenean mollis neque non metus pulvinar nec volutpat velit pharetra.</a:t>
+            </a:r>
+          </a:p>
+          <a:p>
+            <a:pPr marL="0" lvl="0" indent="0">
+              <a:buNone/>
+            </a:pPr>
+            <a:endParaRPr lang="en-US"/>
+          </a:p>
+        </p:txBody>
+      </p:sp>
+      <p:sp>
+        <p:nvSpPr>
+          <p:cNvPr id="5" name="Text Placeholder 1">
+            <a:extLst>
+              <a:ext uri="{FF2B5EF4-FFF2-40B4-BE49-F238E27FC236}">
+                <a16:creationId xmlns="" xmlns:a16="http://schemas.microsoft.com/office/drawing/2014/main" id="{2B5B7BA6-E957-4B32-B370-611541E9491B}"/>
+              </a:ext>
+            </a:extLst>
+          </p:cNvPr>
+          <p:cNvSpPr txBox="1">
+            <a:spLocks noGrp="1"/>
+          </p:cNvSpPr>
+          <p:nvPr>
+            <p:ph type="body" idx="4294967295"/>
+          </p:nvPr>
+        </p:nvSpPr>
+        <p:spPr>
+          <a:xfrm>
+            <a:off x="585792" y="5656258"/>
+            <a:ext cx="4677814" cy="333371"/>
+          </a:xfrm>
+        </p:spPr>
+        <p:txBody>
+          <a:bodyPr anchor="b"/>
+          <a:lstStyle/>
+          <a:p>
+            <a:pPr marL="0" lvl="0" indent="0">
+              <a:buNone/>
+            </a:pPr>
+            <a:r>
+              <a:rPr lang="en-US" sz="1000">
+                <a:solidFill>
+                  <a:srgbClr val="000000"/>
+                </a:solidFill>
+              </a:rPr>
+              <a:t>Source: Sky text regular 10pt</a:t>
+            </a:r>
+          </a:p>
+        </p:txBody>
+      </p:sp>
+    </p:spTree>
+  </p:cSld>
+  <p:clrMapOvr>
+    <a:masterClrMapping/>
+  </p:clrMapOvr>
+</p:sld>
+</file>
+
+<file path=ppt/slides/slide13.xml><?xml version="1.0" encoding="utf-8"?>
+<p:sld xmlns:a="http://schemas.openxmlformats.org/drawingml/2006/main" xmlns:r="http://schemas.openxmlformats.org/officeDocument/2006/relationships" xmlns:p="http://schemas.openxmlformats.org/presentationml/2006/main">
+  <p:cSld>
+    <p:spTree>
+      <p:nvGrpSpPr>
+        <p:cNvPr id="1" name=""/>
+        <p:cNvGrpSpPr/>
+        <p:nvPr/>
+      </p:nvGrpSpPr>
+      <p:grpSpPr>
+        <a:xfrm>
+          <a:off x="0" y="0"/>
+          <a:ext cx="0" cy="0"/>
+          <a:chOff x="0" y="0"/>
+          <a:chExt cx="0" cy="0"/>
+        </a:xfrm>
+      </p:grpSpPr>
+      <p:sp>
+        <p:nvSpPr>
+          <p:cNvPr id="2" name="Title 5">
+            <a:extLst>
+              <a:ext uri="{FF2B5EF4-FFF2-40B4-BE49-F238E27FC236}">
+                <a16:creationId xmlns="" xmlns:a16="http://schemas.microsoft.com/office/drawing/2014/main" id="{7900ACDE-C559-44BB-A95E-7492D895082D}"/>
+              </a:ext>
+            </a:extLst>
+          </p:cNvPr>
+          <p:cNvSpPr txBox="1">
+            <a:spLocks noGrp="1"/>
+          </p:cNvSpPr>
+          <p:nvPr>
+            <p:ph type="title"/>
+          </p:nvPr>
+        </p:nvSpPr>
+        <p:spPr>
+          <a:xfrm>
+            <a:off x="596902" y="584201"/>
+            <a:ext cx="10510835" cy="1017590"/>
+          </a:xfrm>
+        </p:spPr>
+        <p:txBody>
+          <a:bodyPr/>
+          <a:lstStyle/>
+          <a:p>
+            <a:pPr lvl="0"/>
+            <a:r>
+              <a:rPr lang="en-GB" dirty="0"/>
+              <a:t>Heading Sky text medium 28pt </a:t>
+            </a:r>
+            <a:br>
+              <a:rPr lang="en-GB" dirty="0"/>
+            </a:br>
+            <a:r>
+              <a:rPr lang="en-GB" sz="2000" dirty="0">
+                <a:solidFill>
+                  <a:srgbClr val="000000"/>
+                </a:solidFill>
+              </a:rPr>
+              <a:t>Sub header Sky text medium 20pt</a:t>
+            </a:r>
+            <a:endParaRPr lang="en-US" sz="2000" dirty="0">
+              <a:solidFill>
+                <a:srgbClr val="000000"/>
+              </a:solidFill>
+            </a:endParaRPr>
+          </a:p>
+        </p:txBody>
+      </p:sp>
+    </p:spTree>
+    <p:extLst>
+      <p:ext uri="{BB962C8B-B14F-4D97-AF65-F5344CB8AC3E}">
+        <p14:creationId xmlns:p14="http://schemas.microsoft.com/office/powerpoint/2010/main" val="390491024"/>
+      </p:ext>
+    </p:extLst>
   </p:cSld>
   <p:clrMapOvr>
     <a:masterClrMapping/>
@@ -3513,7 +5964,7 @@
           <p:cNvPr id="2" name="Title 1">
             <a:extLst>
               <a:ext uri="{FF2B5EF4-FFF2-40B4-BE49-F238E27FC236}">
-                <a16:creationId xmlns:a16="http://schemas.microsoft.com/office/drawing/2014/main" xmlns="" id="{76F90B01-370B-4350-9BFD-4E55240D90A6}"/>
+                <a16:creationId xmlns="" xmlns:a16="http://schemas.microsoft.com/office/drawing/2014/main" id="{76F90B01-370B-4350-9BFD-4E55240D90A6}"/>
               </a:ext>
             </a:extLst>
           </p:cNvPr>
@@ -3628,7 +6079,7 @@
           <p:cNvPr id="2" name="Title 1">
             <a:extLst>
               <a:ext uri="{FF2B5EF4-FFF2-40B4-BE49-F238E27FC236}">
-                <a16:creationId xmlns:a16="http://schemas.microsoft.com/office/drawing/2014/main" xmlns="" id="{2EE8C7BA-FED5-4928-BEC3-33D09F746945}"/>
+                <a16:creationId xmlns="" xmlns:a16="http://schemas.microsoft.com/office/drawing/2014/main" id="{2EE8C7BA-FED5-4928-BEC3-33D09F746945}"/>
               </a:ext>
             </a:extLst>
           </p:cNvPr>
@@ -3685,14 +6136,8 @@
       </p:grpSpPr>
       <p:sp>
         <p:nvSpPr>
-          <p:cNvPr id="2" name="Title 5">
-            <a:extLst>
-              <a:ext uri="{FF2B5EF4-FFF2-40B4-BE49-F238E27FC236}">
-                <a16:creationId xmlns:a16="http://schemas.microsoft.com/office/drawing/2014/main" xmlns="" id="{7900ACDE-C559-44BB-A95E-7492D895082D}"/>
-              </a:ext>
-            </a:extLst>
-          </p:cNvPr>
-          <p:cNvSpPr txBox="1">
+          <p:cNvPr id="2" name="Title 1"/>
+          <p:cNvSpPr>
             <a:spLocks noGrp="1"/>
           </p:cNvSpPr>
           <p:nvPr>
@@ -3701,40 +6146,306 @@
         </p:nvSpPr>
         <p:spPr>
           <a:xfrm>
-            <a:off x="596902" y="584201"/>
-            <a:ext cx="10510835" cy="1017590"/>
+            <a:off x="596901" y="506124"/>
+            <a:ext cx="10510838" cy="431515"/>
           </a:xfrm>
         </p:spPr>
         <p:txBody>
           <a:bodyPr/>
           <a:lstStyle/>
           <a:p>
-            <a:pPr lvl="0"/>
-            <a:r>
-              <a:rPr lang="en-GB" dirty="0" smtClean="0"/>
+            <a:r>
+              <a:rPr lang="en-GB" dirty="0"/>
               <a:t>What is a continuation?</a:t>
             </a:r>
             <a:br>
-              <a:rPr lang="en-GB" dirty="0" smtClean="0"/>
+              <a:rPr lang="en-GB" dirty="0"/>
             </a:br>
-            <a:endParaRPr lang="en-US" sz="2000" dirty="0">
-              <a:solidFill>
-                <a:srgbClr val="000000"/>
-              </a:solidFill>
-            </a:endParaRPr>
+            <a:endParaRPr lang="en-US" dirty="0"/>
           </a:p>
         </p:txBody>
       </p:sp>
       <p:sp>
         <p:nvSpPr>
-          <p:cNvPr id="6" name="TextBox 5"/>
+          <p:cNvPr id="6" name="Rectangle 5"/>
+          <p:cNvSpPr/>
+          <p:nvPr/>
+        </p:nvSpPr>
+        <p:spPr>
+          <a:xfrm>
+            <a:off x="2925763" y="1900719"/>
+            <a:ext cx="6043576" cy="446276"/>
+          </a:xfrm>
+          <a:prstGeom prst="rect">
+            <a:avLst/>
+          </a:prstGeom>
+        </p:spPr>
+        <p:txBody>
+          <a:bodyPr wrap="square">
+            <a:spAutoFit/>
+          </a:bodyPr>
+          <a:lstStyle/>
+          <a:p>
+            <a:endParaRPr lang="en-US" dirty="0"/>
+          </a:p>
+        </p:txBody>
+      </p:sp>
+      <p:sp>
+        <p:nvSpPr>
+          <p:cNvPr id="10" name="TextBox 9"/>
           <p:cNvSpPr txBox="1"/>
           <p:nvPr/>
         </p:nvSpPr>
         <p:spPr>
           <a:xfrm>
-            <a:off x="596902" y="2161309"/>
-            <a:ext cx="5325369" cy="369332"/>
+            <a:off x="648000" y="1872000"/>
+            <a:ext cx="10510838" cy="3893374"/>
+          </a:xfrm>
+          <a:prstGeom prst="rect">
+            <a:avLst/>
+          </a:prstGeom>
+          <a:noFill/>
+        </p:spPr>
+        <p:txBody>
+          <a:bodyPr wrap="square" tIns="0" rtlCol="0">
+            <a:spAutoFit/>
+          </a:bodyPr>
+          <a:lstStyle/>
+          <a:p>
+            <a:endParaRPr lang="en-US" dirty="0" smtClean="0">
+              <a:latin typeface="Andale Mono" charset="0"/>
+              <a:ea typeface="Andale Mono" charset="0"/>
+              <a:cs typeface="Andale Mono" charset="0"/>
+            </a:endParaRPr>
+          </a:p>
+          <a:p>
+            <a:endParaRPr lang="en-US" dirty="0" smtClean="0">
+              <a:latin typeface="Courier" charset="0"/>
+              <a:ea typeface="Courier" charset="0"/>
+              <a:cs typeface="Courier" charset="0"/>
+            </a:endParaRPr>
+          </a:p>
+          <a:p>
+            <a:r>
+              <a:rPr lang="mr-IN" sz="2000" dirty="0" smtClean="0">
+                <a:latin typeface="Courier" charset="0"/>
+                <a:ea typeface="Courier" charset="0"/>
+                <a:cs typeface="Courier" charset="0"/>
+              </a:rPr>
+              <a:t>(</a:t>
+            </a:r>
+            <a:r>
+              <a:rPr lang="mr-IN" sz="2000" dirty="0">
+                <a:solidFill>
+                  <a:srgbClr val="0000FF"/>
+                </a:solidFill>
+                <a:latin typeface="Courier" charset="0"/>
+                <a:ea typeface="Courier" charset="0"/>
+                <a:cs typeface="Courier" charset="0"/>
+              </a:rPr>
+              <a:t>10 </a:t>
+            </a:r>
+            <a:r>
+              <a:rPr lang="mr-IN" sz="2000" dirty="0">
+                <a:latin typeface="Courier" charset="0"/>
+                <a:ea typeface="Courier" charset="0"/>
+                <a:cs typeface="Courier" charset="0"/>
+              </a:rPr>
+              <a:t>- </a:t>
+            </a:r>
+            <a:r>
+              <a:rPr lang="mr-IN" sz="2000" dirty="0" smtClean="0">
+                <a:latin typeface="Courier" charset="0"/>
+                <a:ea typeface="Courier" charset="0"/>
+                <a:cs typeface="Courier" charset="0"/>
+              </a:rPr>
+              <a:t>((</a:t>
+            </a:r>
+            <a:r>
+              <a:rPr lang="mr-IN" sz="2000" dirty="0" smtClean="0">
+                <a:solidFill>
+                  <a:srgbClr val="0000FF"/>
+                </a:solidFill>
+                <a:latin typeface="Courier" charset="0"/>
+                <a:ea typeface="Courier" charset="0"/>
+                <a:cs typeface="Courier" charset="0"/>
+              </a:rPr>
+              <a:t>4</a:t>
+            </a:r>
+            <a:r>
+              <a:rPr lang="mr-IN" sz="2000" dirty="0">
+                <a:latin typeface="Courier" charset="0"/>
+                <a:ea typeface="Courier" charset="0"/>
+                <a:cs typeface="Courier" charset="0"/>
+              </a:rPr>
+              <a:t>)</a:t>
+            </a:r>
+            <a:r>
+              <a:rPr lang="mr-IN" sz="2000" dirty="0" smtClean="0">
+                <a:solidFill>
+                  <a:srgbClr val="0000FF"/>
+                </a:solidFill>
+                <a:latin typeface="Courier" charset="0"/>
+                <a:ea typeface="Courier" charset="0"/>
+                <a:cs typeface="Courier" charset="0"/>
+              </a:rPr>
+              <a:t> </a:t>
+            </a:r>
+            <a:r>
+              <a:rPr lang="mr-IN" sz="2000" dirty="0">
+                <a:latin typeface="Courier" charset="0"/>
+                <a:ea typeface="Courier" charset="0"/>
+                <a:cs typeface="Courier" charset="0"/>
+              </a:rPr>
+              <a:t>* </a:t>
+            </a:r>
+            <a:r>
+              <a:rPr lang="mr-IN" sz="2000" dirty="0" smtClean="0">
+                <a:solidFill>
+                  <a:srgbClr val="0000FF"/>
+                </a:solidFill>
+                <a:latin typeface="Courier" charset="0"/>
+                <a:ea typeface="Courier" charset="0"/>
+                <a:cs typeface="Courier" charset="0"/>
+              </a:rPr>
+              <a:t>2</a:t>
+            </a:r>
+            <a:r>
+              <a:rPr lang="mr-IN" sz="2000" dirty="0" smtClean="0">
+                <a:latin typeface="Courier" charset="0"/>
+                <a:ea typeface="Courier" charset="0"/>
+                <a:cs typeface="Courier" charset="0"/>
+              </a:rPr>
+              <a:t>)) </a:t>
+            </a:r>
+            <a:r>
+              <a:rPr lang="mr-IN" sz="2000" dirty="0">
+                <a:latin typeface="Courier" charset="0"/>
+                <a:ea typeface="Courier" charset="0"/>
+                <a:cs typeface="Courier" charset="0"/>
+              </a:rPr>
+              <a:t>+ </a:t>
+            </a:r>
+            <a:r>
+              <a:rPr lang="mr-IN" sz="2000" dirty="0" smtClean="0">
+                <a:solidFill>
+                  <a:srgbClr val="0000FF"/>
+                </a:solidFill>
+                <a:latin typeface="Courier" charset="0"/>
+                <a:ea typeface="Courier" charset="0"/>
+                <a:cs typeface="Courier" charset="0"/>
+              </a:rPr>
+              <a:t>1</a:t>
+            </a:r>
+            <a:endParaRPr lang="en-US" sz="2000" dirty="0" smtClean="0">
+              <a:solidFill>
+                <a:srgbClr val="0000FF"/>
+              </a:solidFill>
+              <a:latin typeface="Courier" charset="0"/>
+              <a:ea typeface="Courier" charset="0"/>
+              <a:cs typeface="Courier" charset="0"/>
+            </a:endParaRPr>
+          </a:p>
+          <a:p>
+            <a:endParaRPr lang="en-US" sz="2000" dirty="0">
+              <a:solidFill>
+                <a:srgbClr val="0000FF"/>
+              </a:solidFill>
+              <a:latin typeface="Andale Mono" charset="0"/>
+              <a:ea typeface="Andale Mono" charset="0"/>
+              <a:cs typeface="Andale Mono" charset="0"/>
+            </a:endParaRPr>
+          </a:p>
+          <a:p>
+            <a:endParaRPr lang="en-US" sz="2000" dirty="0" smtClean="0">
+              <a:solidFill>
+                <a:srgbClr val="0000FF"/>
+              </a:solidFill>
+              <a:latin typeface="Andale Mono" charset="0"/>
+              <a:ea typeface="Andale Mono" charset="0"/>
+              <a:cs typeface="Andale Mono" charset="0"/>
+            </a:endParaRPr>
+          </a:p>
+          <a:p>
+            <a:endParaRPr lang="en-US" sz="2000" dirty="0">
+              <a:solidFill>
+                <a:srgbClr val="0000FF"/>
+              </a:solidFill>
+              <a:latin typeface="Andale Mono" charset="0"/>
+              <a:ea typeface="Andale Mono" charset="0"/>
+              <a:cs typeface="Andale Mono" charset="0"/>
+            </a:endParaRPr>
+          </a:p>
+          <a:p>
+            <a:endParaRPr lang="en-US" sz="2000" dirty="0" smtClean="0">
+              <a:solidFill>
+                <a:srgbClr val="0000FF"/>
+              </a:solidFill>
+              <a:latin typeface="Andale Mono" charset="0"/>
+              <a:ea typeface="Andale Mono" charset="0"/>
+              <a:cs typeface="Andale Mono" charset="0"/>
+            </a:endParaRPr>
+          </a:p>
+          <a:p>
+            <a:endParaRPr lang="en-US" sz="2000" dirty="0">
+              <a:solidFill>
+                <a:srgbClr val="0000FF"/>
+              </a:solidFill>
+              <a:latin typeface="Andale Mono" charset="0"/>
+              <a:ea typeface="Andale Mono" charset="0"/>
+              <a:cs typeface="Andale Mono" charset="0"/>
+            </a:endParaRPr>
+          </a:p>
+          <a:p>
+            <a:endParaRPr lang="en-US" sz="2000" dirty="0" smtClean="0">
+              <a:solidFill>
+                <a:srgbClr val="0000FF"/>
+              </a:solidFill>
+              <a:latin typeface="Andale Mono" charset="0"/>
+              <a:ea typeface="Andale Mono" charset="0"/>
+              <a:cs typeface="Andale Mono" charset="0"/>
+            </a:endParaRPr>
+          </a:p>
+          <a:p>
+            <a:endParaRPr lang="en-US" sz="2000" dirty="0">
+              <a:latin typeface="Andale Mono" charset="0"/>
+              <a:ea typeface="Andale Mono" charset="0"/>
+              <a:cs typeface="Andale Mono" charset="0"/>
+            </a:endParaRPr>
+          </a:p>
+          <a:p>
+            <a:endParaRPr lang="en-US" dirty="0" smtClean="0">
+              <a:latin typeface="Andale Mono" charset="0"/>
+              <a:ea typeface="Andale Mono" charset="0"/>
+              <a:cs typeface="Andale Mono" charset="0"/>
+            </a:endParaRPr>
+          </a:p>
+          <a:p>
+            <a:endParaRPr lang="en-US" dirty="0" smtClean="0">
+              <a:latin typeface="Andale Mono" charset="0"/>
+              <a:ea typeface="Andale Mono" charset="0"/>
+              <a:cs typeface="Andale Mono" charset="0"/>
+            </a:endParaRPr>
+          </a:p>
+          <a:p>
+            <a:endParaRPr lang="en-US" dirty="0">
+              <a:latin typeface="Andale Mono" charset="0"/>
+              <a:ea typeface="Andale Mono" charset="0"/>
+              <a:cs typeface="Andale Mono" charset="0"/>
+            </a:endParaRPr>
+          </a:p>
+        </p:txBody>
+      </p:sp>
+      <p:sp>
+        <p:nvSpPr>
+          <p:cNvPr id="9" name="TextBox 8"/>
+          <p:cNvSpPr txBox="1"/>
+          <p:nvPr/>
+        </p:nvSpPr>
+        <p:spPr>
+          <a:xfrm>
+            <a:off x="596902" y="1260000"/>
+            <a:ext cx="6053901" cy="400110"/>
           </a:xfrm>
           <a:prstGeom prst="rect">
             <a:avLst/>
@@ -3748,37 +6459,47 @@
           <a:lstStyle/>
           <a:p>
             <a:r>
-              <a:rPr lang="en-US" dirty="0" smtClean="0"/>
-              <a:t>A continuation is the </a:t>
-            </a:r>
-            <a:r>
-              <a:rPr lang="en-US" dirty="0" err="1" smtClean="0"/>
-              <a:t>contiguos</a:t>
-            </a:r>
-            <a:r>
-              <a:rPr lang="en-US" dirty="0" smtClean="0"/>
-              <a:t> region of an expression</a:t>
-            </a:r>
-            <a:endParaRPr lang="en-US" dirty="0"/>
+              <a:rPr lang="en-US" sz="2000" dirty="0" smtClean="0"/>
+              <a:t>A continuation is </a:t>
+            </a:r>
+            <a:r>
+              <a:rPr lang="en-US" sz="2000" dirty="0" smtClean="0"/>
+              <a:t>the context surrounding </a:t>
+            </a:r>
+            <a:r>
+              <a:rPr lang="en-US" sz="2000" dirty="0" smtClean="0"/>
+              <a:t>an </a:t>
+            </a:r>
+            <a:r>
+              <a:rPr lang="en-US" sz="2000" dirty="0" smtClean="0"/>
+              <a:t>expression.</a:t>
+            </a:r>
           </a:p>
         </p:txBody>
       </p:sp>
     </p:spTree>
     <p:extLst>
       <p:ext uri="{BB962C8B-B14F-4D97-AF65-F5344CB8AC3E}">
-        <p14:creationId xmlns:p14="http://schemas.microsoft.com/office/powerpoint/2010/main" val="385737605"/>
+        <p14:creationId xmlns:p14="http://schemas.microsoft.com/office/powerpoint/2010/main" val="1202327795"/>
       </p:ext>
     </p:extLst>
   </p:cSld>
   <p:clrMapOvr>
     <a:masterClrMapping/>
   </p:clrMapOvr>
+  <p:timing>
+    <p:tnLst>
+      <p:par>
+        <p:cTn id="1" dur="indefinite" restart="never" nodeType="tmRoot"/>
+      </p:par>
+    </p:tnLst>
+  </p:timing>
 </p:sld>
 </file>
 
 <file path=ppt/slides/slide5.xml><?xml version="1.0" encoding="utf-8"?>
 <p:sld xmlns:a="http://schemas.openxmlformats.org/drawingml/2006/main" xmlns:r="http://schemas.openxmlformats.org/officeDocument/2006/relationships" xmlns:p="http://schemas.openxmlformats.org/presentationml/2006/main">
-  <p:cSld name="Slide84">
+  <p:cSld>
     <p:spTree>
       <p:nvGrpSpPr>
         <p:cNvPr id="1" name=""/>
@@ -3795,14 +6516,8 @@
       </p:grpSpPr>
       <p:sp>
         <p:nvSpPr>
-          <p:cNvPr id="2" name="Title 5">
-            <a:extLst>
-              <a:ext uri="{FF2B5EF4-FFF2-40B4-BE49-F238E27FC236}">
-                <a16:creationId xmlns:a16="http://schemas.microsoft.com/office/drawing/2014/main" xmlns="" id="{3BC9B16F-E2BE-48B8-9923-22A13B9A6782}"/>
-              </a:ext>
-            </a:extLst>
-          </p:cNvPr>
-          <p:cNvSpPr txBox="1">
+          <p:cNvPr id="2" name="Title 1"/>
+          <p:cNvSpPr>
             <a:spLocks noGrp="1"/>
           </p:cNvSpPr>
           <p:nvPr>
@@ -3811,173 +6526,589 @@
         </p:nvSpPr>
         <p:spPr>
           <a:xfrm>
-            <a:off x="596902" y="584201"/>
-            <a:ext cx="10510835" cy="1017590"/>
+            <a:off x="596901" y="506124"/>
+            <a:ext cx="10510838" cy="431515"/>
           </a:xfrm>
         </p:spPr>
         <p:txBody>
           <a:bodyPr/>
           <a:lstStyle/>
           <a:p>
-            <a:pPr lvl="0"/>
-            <a:r>
-              <a:rPr lang="en-GB"/>
-              <a:t>Heading Sky text medium 28pt</a:t>
+            <a:r>
+              <a:rPr lang="en-GB" dirty="0"/>
+              <a:t>What is a continuation?</a:t>
             </a:r>
             <a:br>
-              <a:rPr lang="en-GB"/>
+              <a:rPr lang="en-GB" dirty="0"/>
             </a:br>
-            <a:r>
-              <a:rPr lang="en-GB" sz="2000">
-                <a:solidFill>
-                  <a:srgbClr val="000000"/>
-                </a:solidFill>
-              </a:rPr>
-              <a:t>Sub header Sky text medium 20pt</a:t>
-            </a:r>
-            <a:endParaRPr lang="en-US" sz="2000">
-              <a:solidFill>
-                <a:srgbClr val="000000"/>
-              </a:solidFill>
-            </a:endParaRPr>
+            <a:endParaRPr lang="en-US" dirty="0"/>
           </a:p>
         </p:txBody>
       </p:sp>
       <p:sp>
         <p:nvSpPr>
-          <p:cNvPr id="3" name="Content Placeholder 6">
-            <a:extLst>
-              <a:ext uri="{FF2B5EF4-FFF2-40B4-BE49-F238E27FC236}">
-                <a16:creationId xmlns:a16="http://schemas.microsoft.com/office/drawing/2014/main" xmlns="" id="{356BB5C8-5364-4FB9-A0B5-3A6FAF1CC5D7}"/>
-              </a:ext>
-            </a:extLst>
-          </p:cNvPr>
-          <p:cNvSpPr txBox="1">
-            <a:spLocks noGrp="1"/>
-          </p:cNvSpPr>
-          <p:nvPr>
-            <p:ph type="body" idx="4294967295"/>
-          </p:nvPr>
+          <p:cNvPr id="6" name="Rectangle 5"/>
+          <p:cNvSpPr/>
+          <p:nvPr/>
         </p:nvSpPr>
         <p:spPr>
           <a:xfrm>
-            <a:off x="596902" y="1601791"/>
-            <a:ext cx="10510835" cy="4054477"/>
+            <a:off x="2925763" y="1900719"/>
+            <a:ext cx="6043576" cy="446276"/>
           </a:xfrm>
+          <a:prstGeom prst="rect">
+            <a:avLst/>
+          </a:prstGeom>
         </p:spPr>
         <p:txBody>
-          <a:bodyPr/>
+          <a:bodyPr wrap="square">
+            <a:spAutoFit/>
+          </a:bodyPr>
           <a:lstStyle/>
           <a:p>
-            <a:pPr marL="0" lvl="0" indent="0">
-              <a:buNone/>
-            </a:pPr>
-            <a:r>
-              <a:rPr lang="en-US">
-                <a:solidFill>
-                  <a:srgbClr val="009CDD"/>
-                </a:solidFill>
-                <a:latin typeface="Sky Text Medium"/>
-              </a:rPr>
-              <a:t>Subhead 1 Sky text medium 18pt</a:t>
-            </a:r>
-          </a:p>
-          <a:p>
-            <a:pPr marL="0" lvl="0" indent="0">
-              <a:buNone/>
-            </a:pPr>
-            <a:r>
-              <a:rPr lang="en-US"/>
-              <a:t>Body Sky text regular 18pt - Lorem ipsum dolor sit amet, consectetur adipiscing elit. Nunc vel purus sed justo sagittis dictum. Nunc tristique, neque sed malesuada suscipit, nulla lorem lobortis enim, nec posuere neque augue ac velit. Vivamus volutpat ultrices neque eu lobortis. Integer nec pretium sapien. </a:t>
-            </a:r>
-          </a:p>
-          <a:p>
-            <a:pPr lvl="0"/>
-            <a:r>
-              <a:rPr lang="en-US"/>
-              <a:t>Bullet point Sky text regular 18pt</a:t>
-            </a:r>
-          </a:p>
-          <a:p>
-            <a:pPr lvl="0"/>
-            <a:r>
-              <a:rPr lang="en-US"/>
-              <a:t>Bullet point Sky text regular 18pt</a:t>
-            </a:r>
-          </a:p>
-          <a:p>
-            <a:pPr lvl="0"/>
-            <a:r>
-              <a:rPr lang="en-US"/>
-              <a:t>Bullet point Sky text regular 18pt</a:t>
-            </a:r>
-          </a:p>
-          <a:p>
-            <a:pPr marL="0" lvl="0" indent="0">
-              <a:buNone/>
-            </a:pPr>
-            <a:r>
-              <a:rPr lang="en-US"/>
-              <a:t>Body Sky text regular 18pt - Lorem ipsum dolor sit amet, consectetur adipiscing elit. Nunc vel purus sed justo sagittis dictum. Nunc tristique, neque sed malesuada suscipit, nulla lorem lobortis enim, nec posuere neque augue ac velit. Vivamus volutpat ultrices neque eu lobortis. Integer nec pretium sapien. </a:t>
-            </a:r>
-          </a:p>
-          <a:p>
-            <a:pPr lvl="0"/>
-            <a:endParaRPr lang="en-US"/>
+            <a:endParaRPr lang="en-US" dirty="0"/>
           </a:p>
         </p:txBody>
       </p:sp>
       <p:sp>
         <p:nvSpPr>
-          <p:cNvPr id="4" name="Text Placeholder 1">
-            <a:extLst>
-              <a:ext uri="{FF2B5EF4-FFF2-40B4-BE49-F238E27FC236}">
-                <a16:creationId xmlns:a16="http://schemas.microsoft.com/office/drawing/2014/main" xmlns="" id="{AD200C66-4FD0-40D9-978A-EC271B267A15}"/>
-              </a:ext>
-            </a:extLst>
-          </p:cNvPr>
-          <p:cNvSpPr txBox="1">
-            <a:spLocks noGrp="1"/>
-          </p:cNvSpPr>
-          <p:nvPr>
-            <p:ph type="body" idx="4294967295"/>
-          </p:nvPr>
+          <p:cNvPr id="10" name="TextBox 9"/>
+          <p:cNvSpPr txBox="1"/>
+          <p:nvPr/>
         </p:nvSpPr>
         <p:spPr>
           <a:xfrm>
-            <a:off x="585792" y="5656258"/>
-            <a:ext cx="4677814" cy="333371"/>
+            <a:off x="648000" y="1872000"/>
+            <a:ext cx="10510838" cy="4201150"/>
           </a:xfrm>
+          <a:prstGeom prst="rect">
+            <a:avLst/>
+          </a:prstGeom>
+          <a:noFill/>
         </p:spPr>
         <p:txBody>
-          <a:bodyPr anchor="b"/>
+          <a:bodyPr wrap="square" tIns="0" rtlCol="0">
+            <a:spAutoFit/>
+          </a:bodyPr>
           <a:lstStyle/>
           <a:p>
-            <a:pPr marL="0" lvl="0" indent="0">
-              <a:buNone/>
-            </a:pPr>
-            <a:r>
-              <a:rPr lang="en-US" sz="1000">
-                <a:solidFill>
-                  <a:srgbClr val="000000"/>
-                </a:solidFill>
-              </a:rPr>
-              <a:t>Source: Sky text regular 10pt</a:t>
-            </a:r>
+            <a:endParaRPr lang="en-US" dirty="0" smtClean="0">
+              <a:latin typeface="Courier" charset="0"/>
+              <a:ea typeface="Courier" charset="0"/>
+              <a:cs typeface="Courier" charset="0"/>
+            </a:endParaRPr>
+          </a:p>
+          <a:p>
+            <a:endParaRPr lang="en-US" dirty="0" smtClean="0">
+              <a:latin typeface="Courier" charset="0"/>
+              <a:ea typeface="Courier" charset="0"/>
+              <a:cs typeface="Courier" charset="0"/>
+            </a:endParaRPr>
+          </a:p>
+          <a:p>
+            <a:r>
+              <a:rPr lang="mr-IN" sz="2000" dirty="0">
+                <a:latin typeface="Courier" charset="0"/>
+                <a:ea typeface="Courier" charset="0"/>
+                <a:cs typeface="Courier" charset="0"/>
+              </a:rPr>
+              <a:t>(</a:t>
+            </a:r>
+            <a:r>
+              <a:rPr lang="mr-IN" sz="2000" dirty="0">
+                <a:solidFill>
+                  <a:srgbClr val="0000FF"/>
+                </a:solidFill>
+                <a:latin typeface="Courier" charset="0"/>
+                <a:ea typeface="Courier" charset="0"/>
+                <a:cs typeface="Courier" charset="0"/>
+              </a:rPr>
+              <a:t>10 </a:t>
+            </a:r>
+            <a:r>
+              <a:rPr lang="mr-IN" sz="2000" dirty="0">
+                <a:latin typeface="Courier" charset="0"/>
+                <a:ea typeface="Courier" charset="0"/>
+                <a:cs typeface="Courier" charset="0"/>
+              </a:rPr>
+              <a:t>- </a:t>
+            </a:r>
+            <a:r>
+              <a:rPr lang="mr-IN" sz="2000" dirty="0" smtClean="0">
+                <a:latin typeface="Courier" charset="0"/>
+                <a:ea typeface="Courier" charset="0"/>
+                <a:cs typeface="Courier" charset="0"/>
+              </a:rPr>
+              <a:t>((</a:t>
+            </a:r>
+            <a:r>
+              <a:rPr lang="mr-IN" sz="2000" dirty="0" smtClean="0">
+                <a:solidFill>
+                  <a:srgbClr val="0000FF"/>
+                </a:solidFill>
+                <a:latin typeface="Courier" charset="0"/>
+                <a:ea typeface="Courier" charset="0"/>
+                <a:cs typeface="Courier" charset="0"/>
+              </a:rPr>
+              <a:t>4</a:t>
+            </a:r>
+            <a:r>
+              <a:rPr lang="mr-IN" sz="2000" dirty="0">
+                <a:latin typeface="Courier" charset="0"/>
+                <a:ea typeface="Courier" charset="0"/>
+                <a:cs typeface="Courier" charset="0"/>
+              </a:rPr>
+              <a:t>)</a:t>
+            </a:r>
+            <a:r>
+              <a:rPr lang="mr-IN" sz="2000" dirty="0" smtClean="0">
+                <a:solidFill>
+                  <a:srgbClr val="0000FF"/>
+                </a:solidFill>
+                <a:latin typeface="Courier" charset="0"/>
+                <a:ea typeface="Courier" charset="0"/>
+                <a:cs typeface="Courier" charset="0"/>
+              </a:rPr>
+              <a:t> </a:t>
+            </a:r>
+            <a:r>
+              <a:rPr lang="mr-IN" sz="2000" dirty="0">
+                <a:latin typeface="Courier" charset="0"/>
+                <a:ea typeface="Courier" charset="0"/>
+                <a:cs typeface="Courier" charset="0"/>
+              </a:rPr>
+              <a:t>* </a:t>
+            </a:r>
+            <a:r>
+              <a:rPr lang="mr-IN" sz="2000" dirty="0" smtClean="0">
+                <a:solidFill>
+                  <a:srgbClr val="0000FF"/>
+                </a:solidFill>
+                <a:latin typeface="Courier" charset="0"/>
+                <a:ea typeface="Courier" charset="0"/>
+                <a:cs typeface="Courier" charset="0"/>
+              </a:rPr>
+              <a:t>2</a:t>
+            </a:r>
+            <a:r>
+              <a:rPr lang="mr-IN" sz="2000" dirty="0" smtClean="0">
+                <a:latin typeface="Courier" charset="0"/>
+                <a:ea typeface="Courier" charset="0"/>
+                <a:cs typeface="Courier" charset="0"/>
+              </a:rPr>
+              <a:t>)) </a:t>
+            </a:r>
+            <a:r>
+              <a:rPr lang="mr-IN" sz="2000" dirty="0">
+                <a:latin typeface="Courier" charset="0"/>
+                <a:ea typeface="Courier" charset="0"/>
+                <a:cs typeface="Courier" charset="0"/>
+              </a:rPr>
+              <a:t>+ </a:t>
+            </a:r>
+            <a:r>
+              <a:rPr lang="mr-IN" sz="2000" dirty="0" smtClean="0">
+                <a:solidFill>
+                  <a:srgbClr val="0000FF"/>
+                </a:solidFill>
+                <a:latin typeface="Courier" charset="0"/>
+                <a:ea typeface="Courier" charset="0"/>
+                <a:cs typeface="Courier" charset="0"/>
+              </a:rPr>
+              <a:t>1</a:t>
+            </a:r>
+            <a:endParaRPr lang="en-US" sz="2000" dirty="0" smtClean="0">
+              <a:solidFill>
+                <a:srgbClr val="0000FF"/>
+              </a:solidFill>
+              <a:latin typeface="Courier" charset="0"/>
+              <a:ea typeface="Courier" charset="0"/>
+              <a:cs typeface="Courier" charset="0"/>
+            </a:endParaRPr>
+          </a:p>
+          <a:p>
+            <a:endParaRPr lang="en-US" sz="2000" dirty="0">
+              <a:solidFill>
+                <a:srgbClr val="0000FF"/>
+              </a:solidFill>
+              <a:latin typeface="Courier" charset="0"/>
+              <a:ea typeface="Courier" charset="0"/>
+              <a:cs typeface="Courier" charset="0"/>
+            </a:endParaRPr>
+          </a:p>
+          <a:p>
+            <a:endParaRPr lang="en-US" sz="2000" dirty="0" smtClean="0">
+              <a:solidFill>
+                <a:srgbClr val="0000FF"/>
+              </a:solidFill>
+              <a:latin typeface="Courier" charset="0"/>
+              <a:ea typeface="Courier" charset="0"/>
+              <a:cs typeface="Courier" charset="0"/>
+            </a:endParaRPr>
+          </a:p>
+          <a:p>
+            <a:r>
+              <a:rPr lang="mr-IN" sz="2000" b="1" dirty="0" err="1">
+                <a:solidFill>
+                  <a:srgbClr val="000080"/>
+                </a:solidFill>
+                <a:latin typeface="Courier" charset="0"/>
+                <a:ea typeface="Courier" charset="0"/>
+                <a:cs typeface="Courier" charset="0"/>
+              </a:rPr>
+              <a:t>val</a:t>
+            </a:r>
+            <a:r>
+              <a:rPr lang="mr-IN" sz="2000" b="1" dirty="0">
+                <a:solidFill>
+                  <a:srgbClr val="000080"/>
+                </a:solidFill>
+                <a:latin typeface="Courier" charset="0"/>
+                <a:ea typeface="Courier" charset="0"/>
+                <a:cs typeface="Courier" charset="0"/>
+              </a:rPr>
+              <a:t> </a:t>
+            </a:r>
+            <a:r>
+              <a:rPr lang="mr-IN" sz="2000" i="1" dirty="0" err="1">
+                <a:solidFill>
+                  <a:srgbClr val="660E7A"/>
+                </a:solidFill>
+                <a:latin typeface="Courier" charset="0"/>
+                <a:ea typeface="Courier" charset="0"/>
+                <a:cs typeface="Courier" charset="0"/>
+              </a:rPr>
+              <a:t>a</a:t>
+            </a:r>
+            <a:r>
+              <a:rPr lang="mr-IN" sz="2000" i="1" dirty="0">
+                <a:solidFill>
+                  <a:srgbClr val="660E7A"/>
+                </a:solidFill>
+                <a:latin typeface="Courier" charset="0"/>
+                <a:ea typeface="Courier" charset="0"/>
+                <a:cs typeface="Courier" charset="0"/>
+              </a:rPr>
+              <a:t> </a:t>
+            </a:r>
+            <a:r>
+              <a:rPr lang="en-US" sz="2000" i="1" dirty="0" smtClean="0">
+                <a:solidFill>
+                  <a:srgbClr val="660E7A"/>
+                </a:solidFill>
+                <a:latin typeface="Courier" charset="0"/>
+                <a:ea typeface="Courier" charset="0"/>
+                <a:cs typeface="Courier" charset="0"/>
+              </a:rPr>
+              <a:t> </a:t>
+            </a:r>
+            <a:r>
+              <a:rPr lang="mr-IN" sz="2000" dirty="0" smtClean="0">
+                <a:latin typeface="Courier" charset="0"/>
+                <a:ea typeface="Courier" charset="0"/>
+                <a:cs typeface="Courier" charset="0"/>
+              </a:rPr>
+              <a:t>= </a:t>
+            </a:r>
+            <a:r>
+              <a:rPr lang="mr-IN" sz="2000" dirty="0">
+                <a:solidFill>
+                  <a:srgbClr val="0000FF"/>
+                </a:solidFill>
+                <a:latin typeface="Courier" charset="0"/>
+                <a:ea typeface="Courier" charset="0"/>
+                <a:cs typeface="Courier" charset="0"/>
+              </a:rPr>
+              <a:t>4</a:t>
+            </a:r>
+            <a:br>
+              <a:rPr lang="mr-IN" sz="2000" dirty="0">
+                <a:solidFill>
+                  <a:srgbClr val="0000FF"/>
+                </a:solidFill>
+                <a:latin typeface="Courier" charset="0"/>
+                <a:ea typeface="Courier" charset="0"/>
+                <a:cs typeface="Courier" charset="0"/>
+              </a:rPr>
+            </a:br>
+            <a:r>
+              <a:rPr lang="mr-IN" sz="2000" b="1" dirty="0" err="1">
+                <a:solidFill>
+                  <a:srgbClr val="000080"/>
+                </a:solidFill>
+                <a:latin typeface="Courier" charset="0"/>
+                <a:ea typeface="Courier" charset="0"/>
+                <a:cs typeface="Courier" charset="0"/>
+              </a:rPr>
+              <a:t>val</a:t>
+            </a:r>
+            <a:r>
+              <a:rPr lang="mr-IN" sz="2000" b="1" dirty="0">
+                <a:solidFill>
+                  <a:srgbClr val="000080"/>
+                </a:solidFill>
+                <a:latin typeface="Courier" charset="0"/>
+                <a:ea typeface="Courier" charset="0"/>
+                <a:cs typeface="Courier" charset="0"/>
+              </a:rPr>
+              <a:t> </a:t>
+            </a:r>
+            <a:r>
+              <a:rPr lang="mr-IN" sz="2000" i="1" dirty="0">
+                <a:solidFill>
+                  <a:srgbClr val="660E7A"/>
+                </a:solidFill>
+                <a:latin typeface="Courier" charset="0"/>
+                <a:ea typeface="Courier" charset="0"/>
+                <a:cs typeface="Courier" charset="0"/>
+              </a:rPr>
+              <a:t>k1 </a:t>
+            </a:r>
+            <a:r>
+              <a:rPr lang="mr-IN" sz="2000" dirty="0">
+                <a:latin typeface="Courier" charset="0"/>
+                <a:ea typeface="Courier" charset="0"/>
+                <a:cs typeface="Courier" charset="0"/>
+              </a:rPr>
+              <a:t>= (</a:t>
+            </a:r>
+            <a:r>
+              <a:rPr lang="mr-IN" sz="2000" dirty="0" err="1">
+                <a:latin typeface="Courier" charset="0"/>
+                <a:ea typeface="Courier" charset="0"/>
+                <a:cs typeface="Courier" charset="0"/>
+              </a:rPr>
+              <a:t>x</a:t>
+            </a:r>
+            <a:r>
+              <a:rPr lang="mr-IN" sz="2000" dirty="0">
+                <a:latin typeface="Courier" charset="0"/>
+                <a:ea typeface="Courier" charset="0"/>
+                <a:cs typeface="Courier" charset="0"/>
+              </a:rPr>
+              <a:t>: </a:t>
+            </a:r>
+            <a:r>
+              <a:rPr lang="mr-IN" sz="2000" dirty="0" err="1">
+                <a:latin typeface="Courier" charset="0"/>
+                <a:ea typeface="Courier" charset="0"/>
+                <a:cs typeface="Courier" charset="0"/>
+              </a:rPr>
+              <a:t>Int</a:t>
+            </a:r>
+            <a:r>
+              <a:rPr lang="mr-IN" sz="2000" dirty="0">
+                <a:latin typeface="Courier" charset="0"/>
+                <a:ea typeface="Courier" charset="0"/>
+                <a:cs typeface="Courier" charset="0"/>
+              </a:rPr>
+              <a:t>) =&gt; </a:t>
+            </a:r>
+            <a:r>
+              <a:rPr lang="mr-IN" sz="2000" dirty="0" err="1">
+                <a:latin typeface="Courier" charset="0"/>
+                <a:ea typeface="Courier" charset="0"/>
+                <a:cs typeface="Courier" charset="0"/>
+              </a:rPr>
+              <a:t>x</a:t>
+            </a:r>
+            <a:r>
+              <a:rPr lang="mr-IN" sz="2000" dirty="0">
+                <a:latin typeface="Courier" charset="0"/>
+                <a:ea typeface="Courier" charset="0"/>
+                <a:cs typeface="Courier" charset="0"/>
+              </a:rPr>
+              <a:t> * </a:t>
+            </a:r>
+            <a:r>
+              <a:rPr lang="mr-IN" sz="2000" dirty="0">
+                <a:solidFill>
+                  <a:srgbClr val="0000FF"/>
+                </a:solidFill>
+                <a:latin typeface="Courier" charset="0"/>
+                <a:ea typeface="Courier" charset="0"/>
+                <a:cs typeface="Courier" charset="0"/>
+              </a:rPr>
+              <a:t>2</a:t>
+            </a:r>
+            <a:endParaRPr lang="en-US" sz="2000" dirty="0">
+              <a:solidFill>
+                <a:srgbClr val="0000FF"/>
+              </a:solidFill>
+              <a:latin typeface="Courier" charset="0"/>
+              <a:ea typeface="Courier" charset="0"/>
+              <a:cs typeface="Courier" charset="0"/>
+            </a:endParaRPr>
+          </a:p>
+          <a:p>
+            <a:endParaRPr lang="en-US" sz="2000" dirty="0" smtClean="0">
+              <a:solidFill>
+                <a:srgbClr val="0000FF"/>
+              </a:solidFill>
+              <a:latin typeface="Courier" charset="0"/>
+              <a:ea typeface="Courier" charset="0"/>
+              <a:cs typeface="Courier" charset="0"/>
+            </a:endParaRPr>
+          </a:p>
+          <a:p>
+            <a:endParaRPr lang="en-US" sz="2000" dirty="0">
+              <a:solidFill>
+                <a:srgbClr val="0000FF"/>
+              </a:solidFill>
+              <a:latin typeface="Courier" charset="0"/>
+              <a:ea typeface="Courier" charset="0"/>
+              <a:cs typeface="Courier" charset="0"/>
+            </a:endParaRPr>
+          </a:p>
+          <a:p>
+            <a:endParaRPr lang="en-US" sz="2000" dirty="0" smtClean="0">
+              <a:solidFill>
+                <a:srgbClr val="0000FF"/>
+              </a:solidFill>
+              <a:latin typeface="Courier" charset="0"/>
+              <a:ea typeface="Courier" charset="0"/>
+              <a:cs typeface="Courier" charset="0"/>
+            </a:endParaRPr>
+          </a:p>
+          <a:p>
+            <a:endParaRPr lang="en-US" sz="2000" dirty="0">
+              <a:latin typeface="Courier" charset="0"/>
+              <a:ea typeface="Courier" charset="0"/>
+              <a:cs typeface="Courier" charset="0"/>
+            </a:endParaRPr>
+          </a:p>
+          <a:p>
+            <a:endParaRPr lang="en-US" dirty="0" smtClean="0">
+              <a:latin typeface="Courier" charset="0"/>
+              <a:ea typeface="Courier" charset="0"/>
+              <a:cs typeface="Courier" charset="0"/>
+            </a:endParaRPr>
+          </a:p>
+          <a:p>
+            <a:endParaRPr lang="en-US" dirty="0" smtClean="0">
+              <a:latin typeface="Courier" charset="0"/>
+              <a:ea typeface="Courier" charset="0"/>
+              <a:cs typeface="Courier" charset="0"/>
+            </a:endParaRPr>
+          </a:p>
+          <a:p>
+            <a:endParaRPr lang="en-US" dirty="0">
+              <a:latin typeface="Courier" charset="0"/>
+              <a:ea typeface="Courier" charset="0"/>
+              <a:cs typeface="Courier" charset="0"/>
+            </a:endParaRPr>
+          </a:p>
+        </p:txBody>
+      </p:sp>
+      <p:sp>
+        <p:nvSpPr>
+          <p:cNvPr id="9" name="TextBox 8"/>
+          <p:cNvSpPr txBox="1"/>
+          <p:nvPr/>
+        </p:nvSpPr>
+        <p:spPr>
+          <a:xfrm>
+            <a:off x="596902" y="1260000"/>
+            <a:ext cx="6053901" cy="400110"/>
+          </a:xfrm>
+          <a:prstGeom prst="rect">
+            <a:avLst/>
+          </a:prstGeom>
+          <a:noFill/>
+        </p:spPr>
+        <p:txBody>
+          <a:bodyPr wrap="none" rtlCol="0">
+            <a:spAutoFit/>
+          </a:bodyPr>
+          <a:lstStyle/>
+          <a:p>
+            <a:r>
+              <a:rPr lang="en-US" sz="2000" dirty="0" smtClean="0"/>
+              <a:t>A continuation is </a:t>
+            </a:r>
+            <a:r>
+              <a:rPr lang="en-US" sz="2000" dirty="0" smtClean="0"/>
+              <a:t>the context surrounding </a:t>
+            </a:r>
+            <a:r>
+              <a:rPr lang="en-US" sz="2000" dirty="0" smtClean="0"/>
+              <a:t>an </a:t>
+            </a:r>
+            <a:r>
+              <a:rPr lang="en-US" sz="2000" dirty="0" smtClean="0"/>
+              <a:t>expression.</a:t>
+            </a:r>
+          </a:p>
+        </p:txBody>
+      </p:sp>
+      <p:sp>
+        <p:nvSpPr>
+          <p:cNvPr id="7" name="Rectangle 6"/>
+          <p:cNvSpPr/>
+          <p:nvPr/>
+        </p:nvSpPr>
+        <p:spPr>
+          <a:xfrm>
+            <a:off x="2313763" y="2389441"/>
+            <a:ext cx="612000" cy="410059"/>
+          </a:xfrm>
+          <a:prstGeom prst="rect">
+            <a:avLst/>
+          </a:prstGeom>
+          <a:solidFill>
+            <a:srgbClr val="00B050">
+              <a:alpha val="49000"/>
+            </a:srgbClr>
+          </a:solidFill>
+        </p:spPr>
+        <p:style>
+          <a:lnRef idx="2">
+            <a:schemeClr val="accent1">
+              <a:shade val="50000"/>
+            </a:schemeClr>
+          </a:lnRef>
+          <a:fillRef idx="1">
+            <a:schemeClr val="accent1"/>
+          </a:fillRef>
+          <a:effectRef idx="0">
+            <a:schemeClr val="accent1"/>
+          </a:effectRef>
+          <a:fontRef idx="minor">
+            <a:schemeClr val="lt1"/>
+          </a:fontRef>
+        </p:style>
+        <p:txBody>
+          <a:bodyPr lIns="36000" rtlCol="0" anchor="ctr"/>
+          <a:lstStyle/>
+          <a:p>
+            <a:pPr algn="ctr"/>
+            <a:endParaRPr lang="en-US"/>
           </a:p>
         </p:txBody>
       </p:sp>
     </p:spTree>
+    <p:extLst>
+      <p:ext uri="{BB962C8B-B14F-4D97-AF65-F5344CB8AC3E}">
+        <p14:creationId xmlns:p14="http://schemas.microsoft.com/office/powerpoint/2010/main" val="500276227"/>
+      </p:ext>
+    </p:extLst>
   </p:cSld>
   <p:clrMapOvr>
     <a:masterClrMapping/>
   </p:clrMapOvr>
+  <p:timing>
+    <p:tnLst>
+      <p:par>
+        <p:cTn id="1" dur="indefinite" restart="never" nodeType="tmRoot"/>
+      </p:par>
+    </p:tnLst>
+  </p:timing>
 </p:sld>
 </file>
 
 <file path=ppt/slides/slide6.xml><?xml version="1.0" encoding="utf-8"?>
 <p:sld xmlns:a="http://schemas.openxmlformats.org/drawingml/2006/main" xmlns:r="http://schemas.openxmlformats.org/officeDocument/2006/relationships" xmlns:p="http://schemas.openxmlformats.org/presentationml/2006/main">
-  <p:cSld name="Slide25">
+  <p:cSld>
     <p:spTree>
       <p:nvGrpSpPr>
         <p:cNvPr id="1" name=""/>
@@ -3994,14 +7125,8 @@
       </p:grpSpPr>
       <p:sp>
         <p:nvSpPr>
-          <p:cNvPr id="2" name="Title 5">
-            <a:extLst>
-              <a:ext uri="{FF2B5EF4-FFF2-40B4-BE49-F238E27FC236}">
-                <a16:creationId xmlns:a16="http://schemas.microsoft.com/office/drawing/2014/main" xmlns="" id="{727F1B19-99A4-4BCA-A689-5D0744656C2E}"/>
-              </a:ext>
-            </a:extLst>
-          </p:cNvPr>
-          <p:cNvSpPr txBox="1">
+          <p:cNvPr id="2" name="Title 1"/>
+          <p:cNvSpPr>
             <a:spLocks noGrp="1"/>
           </p:cNvSpPr>
           <p:nvPr>
@@ -4010,179 +7135,715 @@
         </p:nvSpPr>
         <p:spPr>
           <a:xfrm>
-            <a:off x="596902" y="584201"/>
-            <a:ext cx="10510835" cy="1017590"/>
+            <a:off x="596901" y="506124"/>
+            <a:ext cx="10510838" cy="431515"/>
           </a:xfrm>
         </p:spPr>
         <p:txBody>
           <a:bodyPr/>
           <a:lstStyle/>
           <a:p>
-            <a:pPr lvl="0"/>
-            <a:r>
-              <a:rPr lang="en-GB"/>
-              <a:t>Heading Sky text medium 28pt</a:t>
+            <a:r>
+              <a:rPr lang="en-GB" dirty="0"/>
+              <a:t>What is a continuation?</a:t>
             </a:r>
             <a:br>
-              <a:rPr lang="en-GB"/>
+              <a:rPr lang="en-GB" dirty="0"/>
             </a:br>
-            <a:r>
-              <a:rPr lang="en-GB" sz="2000">
-                <a:solidFill>
-                  <a:srgbClr val="000000"/>
-                </a:solidFill>
-              </a:rPr>
-              <a:t>Sub header Sky text medium 20pt</a:t>
-            </a:r>
-            <a:endParaRPr lang="en-US" sz="2000">
-              <a:solidFill>
-                <a:srgbClr val="000000"/>
-              </a:solidFill>
-            </a:endParaRPr>
+            <a:endParaRPr lang="en-US" dirty="0"/>
           </a:p>
         </p:txBody>
       </p:sp>
       <p:sp>
         <p:nvSpPr>
-          <p:cNvPr id="3" name="Content Placeholder 6">
-            <a:extLst>
-              <a:ext uri="{FF2B5EF4-FFF2-40B4-BE49-F238E27FC236}">
-                <a16:creationId xmlns:a16="http://schemas.microsoft.com/office/drawing/2014/main" xmlns="" id="{F90994B4-8C03-4713-B379-AC294BDEC253}"/>
-              </a:ext>
-            </a:extLst>
-          </p:cNvPr>
-          <p:cNvSpPr txBox="1">
-            <a:spLocks noGrp="1"/>
-          </p:cNvSpPr>
-          <p:nvPr>
-            <p:ph type="body" idx="4294967295"/>
-          </p:nvPr>
+          <p:cNvPr id="6" name="Rectangle 5"/>
+          <p:cNvSpPr/>
+          <p:nvPr/>
         </p:nvSpPr>
         <p:spPr>
           <a:xfrm>
-            <a:off x="596902" y="1601791"/>
-            <a:ext cx="5139595" cy="4054477"/>
+            <a:off x="2925763" y="1900719"/>
+            <a:ext cx="6043576" cy="446276"/>
           </a:xfrm>
+          <a:prstGeom prst="rect">
+            <a:avLst/>
+          </a:prstGeom>
         </p:spPr>
         <p:txBody>
-          <a:bodyPr/>
+          <a:bodyPr wrap="square">
+            <a:spAutoFit/>
+          </a:bodyPr>
           <a:lstStyle/>
           <a:p>
-            <a:pPr marL="0" lvl="0" indent="0">
-              <a:buNone/>
-            </a:pPr>
-            <a:r>
-              <a:rPr lang="en-US"/>
-              <a:t>Subhead 1 Sky text medium 18pt</a:t>
-            </a:r>
-          </a:p>
-          <a:p>
-            <a:pPr marL="0" lvl="0" indent="0">
-              <a:buNone/>
-            </a:pPr>
-            <a:r>
-              <a:rPr lang="en-US"/>
-              <a:t>Body Sky text regular 18pt - Lorem, consectetur adipiscing elit. Nunc vel purus sed justo sagittis dictum. Nunc tristique, neque sed malesuada suscipit, nulla lorem lobortis enim, nec posuere neque augue ac velit. Vivamus volutpat ultrices neque eu lobortis. Integer nec pretium sapien. Sed bibendum sodales nisi, quis sodales lectus gravida eu. Suspendisse quis enim magna, at malesuada mauris. Aenean mollis neque non metus pulvinar nec volutpat velit pharetra.</a:t>
-            </a:r>
+            <a:endParaRPr lang="en-US" dirty="0"/>
           </a:p>
         </p:txBody>
       </p:sp>
       <p:sp>
         <p:nvSpPr>
-          <p:cNvPr id="4" name="Content Placeholder 2">
-            <a:extLst>
-              <a:ext uri="{FF2B5EF4-FFF2-40B4-BE49-F238E27FC236}">
-                <a16:creationId xmlns:a16="http://schemas.microsoft.com/office/drawing/2014/main" xmlns="" id="{AA65BADF-8AA7-4853-9BDB-8596A08BA6FC}"/>
-              </a:ext>
-            </a:extLst>
-          </p:cNvPr>
-          <p:cNvSpPr txBox="1">
-            <a:spLocks noGrp="1"/>
-          </p:cNvSpPr>
-          <p:nvPr>
-            <p:ph type="body" idx="4294967295"/>
-          </p:nvPr>
+          <p:cNvPr id="10" name="TextBox 9"/>
+          <p:cNvSpPr txBox="1"/>
+          <p:nvPr/>
         </p:nvSpPr>
         <p:spPr>
           <a:xfrm>
-            <a:off x="5973766" y="1601791"/>
-            <a:ext cx="5133971" cy="4054477"/>
+            <a:off x="648000" y="1872000"/>
+            <a:ext cx="10510838" cy="5093702"/>
           </a:xfrm>
+          <a:prstGeom prst="rect">
+            <a:avLst/>
+          </a:prstGeom>
+          <a:noFill/>
         </p:spPr>
         <p:txBody>
-          <a:bodyPr/>
+          <a:bodyPr wrap="square" tIns="0" rtlCol="0">
+            <a:spAutoFit/>
+          </a:bodyPr>
           <a:lstStyle/>
           <a:p>
-            <a:pPr marL="0" lvl="0" indent="0">
-              <a:buNone/>
-            </a:pPr>
-            <a:r>
-              <a:rPr lang="en-US"/>
-              <a:t>Subhead 1 Sky text medium 18pt</a:t>
-            </a:r>
-          </a:p>
-          <a:p>
-            <a:pPr marL="0" lvl="0" indent="0">
-              <a:buNone/>
-            </a:pPr>
-            <a:r>
-              <a:rPr lang="en-US"/>
-              <a:t>Body Sky text regular 18pt - Loremconsectetur adipiscing elit. Nunc vel purus sed justo sagittis dictum. Nunc tristique, neque sed malesuada suscipit, nulla lorem lobortis enim, nec posuere neque augue ac velit. Vivamus volutpat ultrices neque eu lobortis. Integer nec pretium sapien. Sed bibendum sodales nisi, quis sodales lectus gravida eu. Suspendisse quis enim magna, at malesuada mauris. Aenean mollis neque non metus pulvinar nec volutpat velit pharetra.</a:t>
-            </a:r>
-          </a:p>
-          <a:p>
-            <a:pPr marL="0" lvl="0" indent="0">
-              <a:buNone/>
-            </a:pPr>
-            <a:endParaRPr lang="en-US"/>
+            <a:endParaRPr lang="en-US" dirty="0" smtClean="0">
+              <a:latin typeface="Courier" charset="0"/>
+              <a:ea typeface="Courier" charset="0"/>
+              <a:cs typeface="Courier" charset="0"/>
+            </a:endParaRPr>
+          </a:p>
+          <a:p>
+            <a:endParaRPr lang="en-US" dirty="0" smtClean="0">
+              <a:latin typeface="Courier" charset="0"/>
+              <a:ea typeface="Courier" charset="0"/>
+              <a:cs typeface="Courier" charset="0"/>
+            </a:endParaRPr>
+          </a:p>
+          <a:p>
+            <a:r>
+              <a:rPr lang="mr-IN" sz="2000" dirty="0">
+                <a:latin typeface="Courier" charset="0"/>
+                <a:ea typeface="Courier" charset="0"/>
+                <a:cs typeface="Courier" charset="0"/>
+              </a:rPr>
+              <a:t>(</a:t>
+            </a:r>
+            <a:r>
+              <a:rPr lang="mr-IN" sz="2000" dirty="0">
+                <a:solidFill>
+                  <a:srgbClr val="0000FF"/>
+                </a:solidFill>
+                <a:latin typeface="Courier" charset="0"/>
+                <a:ea typeface="Courier" charset="0"/>
+                <a:cs typeface="Courier" charset="0"/>
+              </a:rPr>
+              <a:t>10 </a:t>
+            </a:r>
+            <a:r>
+              <a:rPr lang="mr-IN" sz="2000" dirty="0" smtClean="0">
+                <a:latin typeface="Courier" charset="0"/>
+                <a:ea typeface="Courier" charset="0"/>
+                <a:cs typeface="Courier" charset="0"/>
+              </a:rPr>
+              <a:t>– </a:t>
+            </a:r>
+            <a:r>
+              <a:rPr lang="en-US" sz="2000" dirty="0" smtClean="0">
+                <a:latin typeface="Courier" charset="0"/>
+                <a:ea typeface="Courier" charset="0"/>
+                <a:cs typeface="Courier" charset="0"/>
+              </a:rPr>
+              <a:t>(</a:t>
+            </a:r>
+            <a:r>
+              <a:rPr lang="mr-IN" sz="2000" i="1" dirty="0" smtClean="0">
+                <a:solidFill>
+                  <a:srgbClr val="660E7A"/>
+                </a:solidFill>
+                <a:latin typeface="Courier" charset="0"/>
+                <a:ea typeface="Courier" charset="0"/>
+                <a:cs typeface="Courier" charset="0"/>
+              </a:rPr>
+              <a:t>k1</a:t>
+            </a:r>
+            <a:r>
+              <a:rPr lang="mr-IN" sz="2000" dirty="0" smtClean="0">
+                <a:latin typeface="Courier" charset="0"/>
+                <a:ea typeface="Courier" charset="0"/>
+                <a:cs typeface="Courier" charset="0"/>
+              </a:rPr>
+              <a:t>(</a:t>
+            </a:r>
+            <a:r>
+              <a:rPr lang="mr-IN" sz="2000" i="1" dirty="0" err="1" smtClean="0">
+                <a:solidFill>
+                  <a:srgbClr val="660E7A"/>
+                </a:solidFill>
+                <a:latin typeface="Courier" charset="0"/>
+                <a:ea typeface="Courier" charset="0"/>
+                <a:cs typeface="Courier" charset="0"/>
+              </a:rPr>
+              <a:t>a</a:t>
+            </a:r>
+            <a:r>
+              <a:rPr lang="mr-IN" sz="2000" dirty="0" smtClean="0">
+                <a:latin typeface="Courier" charset="0"/>
+                <a:ea typeface="Courier" charset="0"/>
+                <a:cs typeface="Courier" charset="0"/>
+              </a:rPr>
+              <a:t>)</a:t>
+            </a:r>
+            <a:r>
+              <a:rPr lang="en-US" sz="2000" dirty="0" smtClean="0">
+                <a:latin typeface="Courier" charset="0"/>
+                <a:ea typeface="Courier" charset="0"/>
+                <a:cs typeface="Courier" charset="0"/>
+              </a:rPr>
+              <a:t>)</a:t>
+            </a:r>
+            <a:r>
+              <a:rPr lang="mr-IN" sz="2000" dirty="0" smtClean="0">
+                <a:latin typeface="Courier" charset="0"/>
+                <a:ea typeface="Courier" charset="0"/>
+                <a:cs typeface="Courier" charset="0"/>
+              </a:rPr>
+              <a:t>) </a:t>
+            </a:r>
+            <a:r>
+              <a:rPr lang="mr-IN" sz="2000" dirty="0">
+                <a:latin typeface="Courier" charset="0"/>
+                <a:ea typeface="Courier" charset="0"/>
+                <a:cs typeface="Courier" charset="0"/>
+              </a:rPr>
+              <a:t>+ </a:t>
+            </a:r>
+            <a:r>
+              <a:rPr lang="mr-IN" sz="2000" dirty="0" smtClean="0">
+                <a:solidFill>
+                  <a:srgbClr val="0000FF"/>
+                </a:solidFill>
+                <a:latin typeface="Courier" charset="0"/>
+                <a:ea typeface="Courier" charset="0"/>
+                <a:cs typeface="Courier" charset="0"/>
+              </a:rPr>
+              <a:t>1</a:t>
+            </a:r>
+            <a:endParaRPr lang="en-US" sz="2000" dirty="0" smtClean="0">
+              <a:solidFill>
+                <a:srgbClr val="0000FF"/>
+              </a:solidFill>
+              <a:latin typeface="Courier" charset="0"/>
+              <a:ea typeface="Courier" charset="0"/>
+              <a:cs typeface="Courier" charset="0"/>
+            </a:endParaRPr>
+          </a:p>
+          <a:p>
+            <a:endParaRPr lang="en-US" sz="2000" dirty="0">
+              <a:solidFill>
+                <a:srgbClr val="0000FF"/>
+              </a:solidFill>
+              <a:latin typeface="Courier" charset="0"/>
+              <a:ea typeface="Courier" charset="0"/>
+              <a:cs typeface="Courier" charset="0"/>
+            </a:endParaRPr>
+          </a:p>
+          <a:p>
+            <a:endParaRPr lang="en-US" sz="2000" dirty="0" smtClean="0">
+              <a:solidFill>
+                <a:srgbClr val="0000FF"/>
+              </a:solidFill>
+              <a:latin typeface="Courier" charset="0"/>
+              <a:ea typeface="Courier" charset="0"/>
+              <a:cs typeface="Courier" charset="0"/>
+            </a:endParaRPr>
+          </a:p>
+          <a:p>
+            <a:r>
+              <a:rPr lang="mr-IN" sz="2000" b="1" dirty="0" err="1">
+                <a:solidFill>
+                  <a:srgbClr val="000080"/>
+                </a:solidFill>
+                <a:latin typeface="Courier" charset="0"/>
+                <a:ea typeface="Courier" charset="0"/>
+                <a:cs typeface="Courier" charset="0"/>
+              </a:rPr>
+              <a:t>val</a:t>
+            </a:r>
+            <a:r>
+              <a:rPr lang="mr-IN" sz="2000" b="1" dirty="0">
+                <a:solidFill>
+                  <a:srgbClr val="000080"/>
+                </a:solidFill>
+                <a:latin typeface="Courier" charset="0"/>
+                <a:ea typeface="Courier" charset="0"/>
+                <a:cs typeface="Courier" charset="0"/>
+              </a:rPr>
+              <a:t> </a:t>
+            </a:r>
+            <a:r>
+              <a:rPr lang="mr-IN" sz="2000" i="1" dirty="0" err="1">
+                <a:solidFill>
+                  <a:srgbClr val="660E7A"/>
+                </a:solidFill>
+                <a:latin typeface="Courier" charset="0"/>
+                <a:ea typeface="Courier" charset="0"/>
+                <a:cs typeface="Courier" charset="0"/>
+              </a:rPr>
+              <a:t>a</a:t>
+            </a:r>
+            <a:r>
+              <a:rPr lang="mr-IN" sz="2000" i="1" dirty="0">
+                <a:solidFill>
+                  <a:srgbClr val="660E7A"/>
+                </a:solidFill>
+                <a:latin typeface="Courier" charset="0"/>
+                <a:ea typeface="Courier" charset="0"/>
+                <a:cs typeface="Courier" charset="0"/>
+              </a:rPr>
+              <a:t> </a:t>
+            </a:r>
+            <a:r>
+              <a:rPr lang="en-US" sz="2000" i="1" dirty="0" smtClean="0">
+                <a:solidFill>
+                  <a:srgbClr val="660E7A"/>
+                </a:solidFill>
+                <a:latin typeface="Courier" charset="0"/>
+                <a:ea typeface="Courier" charset="0"/>
+                <a:cs typeface="Courier" charset="0"/>
+              </a:rPr>
+              <a:t> </a:t>
+            </a:r>
+            <a:r>
+              <a:rPr lang="mr-IN" sz="2000" dirty="0" smtClean="0">
+                <a:latin typeface="Courier" charset="0"/>
+                <a:ea typeface="Courier" charset="0"/>
+                <a:cs typeface="Courier" charset="0"/>
+              </a:rPr>
+              <a:t>= </a:t>
+            </a:r>
+            <a:r>
+              <a:rPr lang="mr-IN" sz="2000" dirty="0">
+                <a:solidFill>
+                  <a:srgbClr val="0000FF"/>
+                </a:solidFill>
+                <a:latin typeface="Courier" charset="0"/>
+                <a:ea typeface="Courier" charset="0"/>
+                <a:cs typeface="Courier" charset="0"/>
+              </a:rPr>
+              <a:t>4</a:t>
+            </a:r>
+            <a:br>
+              <a:rPr lang="mr-IN" sz="2000" dirty="0">
+                <a:solidFill>
+                  <a:srgbClr val="0000FF"/>
+                </a:solidFill>
+                <a:latin typeface="Courier" charset="0"/>
+                <a:ea typeface="Courier" charset="0"/>
+                <a:cs typeface="Courier" charset="0"/>
+              </a:rPr>
+            </a:br>
+            <a:r>
+              <a:rPr lang="mr-IN" sz="2000" b="1" dirty="0" err="1">
+                <a:solidFill>
+                  <a:srgbClr val="000080"/>
+                </a:solidFill>
+                <a:latin typeface="Courier" charset="0"/>
+                <a:ea typeface="Courier" charset="0"/>
+                <a:cs typeface="Courier" charset="0"/>
+              </a:rPr>
+              <a:t>val</a:t>
+            </a:r>
+            <a:r>
+              <a:rPr lang="mr-IN" sz="2000" b="1" dirty="0">
+                <a:solidFill>
+                  <a:srgbClr val="000080"/>
+                </a:solidFill>
+                <a:latin typeface="Courier" charset="0"/>
+                <a:ea typeface="Courier" charset="0"/>
+                <a:cs typeface="Courier" charset="0"/>
+              </a:rPr>
+              <a:t> </a:t>
+            </a:r>
+            <a:r>
+              <a:rPr lang="mr-IN" sz="2000" i="1" dirty="0">
+                <a:solidFill>
+                  <a:srgbClr val="660E7A"/>
+                </a:solidFill>
+                <a:latin typeface="Courier" charset="0"/>
+                <a:ea typeface="Courier" charset="0"/>
+                <a:cs typeface="Courier" charset="0"/>
+              </a:rPr>
+              <a:t>k1 </a:t>
+            </a:r>
+            <a:r>
+              <a:rPr lang="mr-IN" sz="2000" dirty="0">
+                <a:latin typeface="Courier" charset="0"/>
+                <a:ea typeface="Courier" charset="0"/>
+                <a:cs typeface="Courier" charset="0"/>
+              </a:rPr>
+              <a:t>= (</a:t>
+            </a:r>
+            <a:r>
+              <a:rPr lang="mr-IN" sz="2000" dirty="0" err="1">
+                <a:latin typeface="Courier" charset="0"/>
+                <a:ea typeface="Courier" charset="0"/>
+                <a:cs typeface="Courier" charset="0"/>
+              </a:rPr>
+              <a:t>x</a:t>
+            </a:r>
+            <a:r>
+              <a:rPr lang="mr-IN" sz="2000" dirty="0">
+                <a:latin typeface="Courier" charset="0"/>
+                <a:ea typeface="Courier" charset="0"/>
+                <a:cs typeface="Courier" charset="0"/>
+              </a:rPr>
+              <a:t>: </a:t>
+            </a:r>
+            <a:r>
+              <a:rPr lang="mr-IN" sz="2000" dirty="0" err="1">
+                <a:latin typeface="Courier" charset="0"/>
+                <a:ea typeface="Courier" charset="0"/>
+                <a:cs typeface="Courier" charset="0"/>
+              </a:rPr>
+              <a:t>Int</a:t>
+            </a:r>
+            <a:r>
+              <a:rPr lang="mr-IN" sz="2000" dirty="0">
+                <a:latin typeface="Courier" charset="0"/>
+                <a:ea typeface="Courier" charset="0"/>
+                <a:cs typeface="Courier" charset="0"/>
+              </a:rPr>
+              <a:t>) =&gt; </a:t>
+            </a:r>
+            <a:r>
+              <a:rPr lang="mr-IN" sz="2000" dirty="0" err="1">
+                <a:latin typeface="Courier" charset="0"/>
+                <a:ea typeface="Courier" charset="0"/>
+                <a:cs typeface="Courier" charset="0"/>
+              </a:rPr>
+              <a:t>x</a:t>
+            </a:r>
+            <a:r>
+              <a:rPr lang="mr-IN" sz="2000" dirty="0">
+                <a:latin typeface="Courier" charset="0"/>
+                <a:ea typeface="Courier" charset="0"/>
+                <a:cs typeface="Courier" charset="0"/>
+              </a:rPr>
+              <a:t> * </a:t>
+            </a:r>
+            <a:r>
+              <a:rPr lang="mr-IN" sz="2000" dirty="0" smtClean="0">
+                <a:solidFill>
+                  <a:srgbClr val="0000FF"/>
+                </a:solidFill>
+                <a:latin typeface="Courier" charset="0"/>
+                <a:ea typeface="Courier" charset="0"/>
+                <a:cs typeface="Courier" charset="0"/>
+              </a:rPr>
+              <a:t>2</a:t>
+            </a:r>
+            <a:endParaRPr lang="en-US" sz="2000" dirty="0" smtClean="0">
+              <a:solidFill>
+                <a:srgbClr val="0000FF"/>
+              </a:solidFill>
+              <a:latin typeface="Courier" charset="0"/>
+              <a:ea typeface="Courier" charset="0"/>
+              <a:cs typeface="Courier" charset="0"/>
+            </a:endParaRPr>
+          </a:p>
+          <a:p>
+            <a:endParaRPr lang="en-US" sz="2000" dirty="0">
+              <a:solidFill>
+                <a:srgbClr val="0000FF"/>
+              </a:solidFill>
+              <a:latin typeface="Courier" charset="0"/>
+              <a:ea typeface="Courier" charset="0"/>
+              <a:cs typeface="Courier" charset="0"/>
+            </a:endParaRPr>
+          </a:p>
+          <a:p>
+            <a:r>
+              <a:rPr lang="mr-IN" sz="2000" b="1" dirty="0" err="1">
+                <a:solidFill>
+                  <a:srgbClr val="000080"/>
+                </a:solidFill>
+                <a:latin typeface="Courier" charset="0"/>
+                <a:ea typeface="Courier" charset="0"/>
+                <a:cs typeface="Courier" charset="0"/>
+              </a:rPr>
+              <a:t>val</a:t>
+            </a:r>
+            <a:r>
+              <a:rPr lang="mr-IN" sz="2000" b="1" dirty="0">
+                <a:solidFill>
+                  <a:srgbClr val="000080"/>
+                </a:solidFill>
+                <a:latin typeface="Courier" charset="0"/>
+                <a:ea typeface="Courier" charset="0"/>
+                <a:cs typeface="Courier" charset="0"/>
+              </a:rPr>
+              <a:t> </a:t>
+            </a:r>
+            <a:r>
+              <a:rPr lang="mr-IN" sz="2000" i="1" dirty="0">
+                <a:solidFill>
+                  <a:srgbClr val="660E7A"/>
+                </a:solidFill>
+                <a:latin typeface="Courier" charset="0"/>
+                <a:ea typeface="Courier" charset="0"/>
+                <a:cs typeface="Courier" charset="0"/>
+              </a:rPr>
+              <a:t>k2 </a:t>
+            </a:r>
+            <a:r>
+              <a:rPr lang="mr-IN" sz="2000" dirty="0">
+                <a:latin typeface="Courier" charset="0"/>
+                <a:ea typeface="Courier" charset="0"/>
+                <a:cs typeface="Courier" charset="0"/>
+              </a:rPr>
+              <a:t>= (</a:t>
+            </a:r>
+            <a:r>
+              <a:rPr lang="mr-IN" sz="2000" dirty="0" err="1">
+                <a:latin typeface="Courier" charset="0"/>
+                <a:ea typeface="Courier" charset="0"/>
+                <a:cs typeface="Courier" charset="0"/>
+              </a:rPr>
+              <a:t>x</a:t>
+            </a:r>
+            <a:r>
+              <a:rPr lang="mr-IN" sz="2000" dirty="0">
+                <a:latin typeface="Courier" charset="0"/>
+                <a:ea typeface="Courier" charset="0"/>
+                <a:cs typeface="Courier" charset="0"/>
+              </a:rPr>
+              <a:t>: </a:t>
+            </a:r>
+            <a:r>
+              <a:rPr lang="mr-IN" sz="2000" dirty="0" err="1">
+                <a:latin typeface="Courier" charset="0"/>
+                <a:ea typeface="Courier" charset="0"/>
+                <a:cs typeface="Courier" charset="0"/>
+              </a:rPr>
+              <a:t>Int</a:t>
+            </a:r>
+            <a:r>
+              <a:rPr lang="mr-IN" sz="2000" dirty="0">
+                <a:latin typeface="Courier" charset="0"/>
+                <a:ea typeface="Courier" charset="0"/>
+                <a:cs typeface="Courier" charset="0"/>
+              </a:rPr>
+              <a:t>) =&gt; </a:t>
+            </a:r>
+            <a:r>
+              <a:rPr lang="mr-IN" sz="2000" dirty="0">
+                <a:solidFill>
+                  <a:srgbClr val="0000FF"/>
+                </a:solidFill>
+                <a:latin typeface="Courier" charset="0"/>
+                <a:ea typeface="Courier" charset="0"/>
+                <a:cs typeface="Courier" charset="0"/>
+              </a:rPr>
+              <a:t>10 </a:t>
+            </a:r>
+            <a:r>
+              <a:rPr lang="mr-IN" sz="2000" dirty="0">
+                <a:latin typeface="Courier" charset="0"/>
+                <a:ea typeface="Courier" charset="0"/>
+                <a:cs typeface="Courier" charset="0"/>
+              </a:rPr>
+              <a:t>- </a:t>
+            </a:r>
+            <a:r>
+              <a:rPr lang="mr-IN" sz="2000" dirty="0" err="1">
+                <a:latin typeface="Courier" charset="0"/>
+                <a:ea typeface="Courier" charset="0"/>
+                <a:cs typeface="Courier" charset="0"/>
+              </a:rPr>
+              <a:t>x</a:t>
+            </a:r>
+            <a:r>
+              <a:rPr lang="mr-IN" sz="2000" dirty="0">
+                <a:latin typeface="Courier" charset="0"/>
+                <a:ea typeface="Courier" charset="0"/>
+                <a:cs typeface="Courier" charset="0"/>
+              </a:rPr>
+              <a:t> </a:t>
+            </a:r>
+            <a:br>
+              <a:rPr lang="mr-IN" sz="2000" dirty="0">
+                <a:latin typeface="Courier" charset="0"/>
+                <a:ea typeface="Courier" charset="0"/>
+                <a:cs typeface="Courier" charset="0"/>
+              </a:rPr>
+            </a:br>
+            <a:endParaRPr lang="en-US" sz="2000" dirty="0">
+              <a:solidFill>
+                <a:srgbClr val="0000FF"/>
+              </a:solidFill>
+              <a:latin typeface="Courier" charset="0"/>
+              <a:ea typeface="Courier" charset="0"/>
+              <a:cs typeface="Courier" charset="0"/>
+            </a:endParaRPr>
+          </a:p>
+          <a:p>
+            <a:endParaRPr lang="en-US" sz="2000" dirty="0" smtClean="0">
+              <a:solidFill>
+                <a:srgbClr val="0000FF"/>
+              </a:solidFill>
+              <a:latin typeface="Courier" charset="0"/>
+              <a:ea typeface="Courier" charset="0"/>
+              <a:cs typeface="Courier" charset="0"/>
+            </a:endParaRPr>
+          </a:p>
+          <a:p>
+            <a:endParaRPr lang="en-US" sz="2000" dirty="0">
+              <a:solidFill>
+                <a:srgbClr val="0000FF"/>
+              </a:solidFill>
+              <a:latin typeface="Courier" charset="0"/>
+              <a:ea typeface="Courier" charset="0"/>
+              <a:cs typeface="Courier" charset="0"/>
+            </a:endParaRPr>
+          </a:p>
+          <a:p>
+            <a:endParaRPr lang="en-US" sz="2000" dirty="0" smtClean="0">
+              <a:solidFill>
+                <a:srgbClr val="0000FF"/>
+              </a:solidFill>
+              <a:latin typeface="Courier" charset="0"/>
+              <a:ea typeface="Courier" charset="0"/>
+              <a:cs typeface="Courier" charset="0"/>
+            </a:endParaRPr>
+          </a:p>
+          <a:p>
+            <a:endParaRPr lang="en-US" sz="2000" dirty="0">
+              <a:latin typeface="Courier" charset="0"/>
+              <a:ea typeface="Courier" charset="0"/>
+              <a:cs typeface="Courier" charset="0"/>
+            </a:endParaRPr>
+          </a:p>
+          <a:p>
+            <a:endParaRPr lang="en-US" dirty="0" smtClean="0">
+              <a:latin typeface="Courier" charset="0"/>
+              <a:ea typeface="Courier" charset="0"/>
+              <a:cs typeface="Courier" charset="0"/>
+            </a:endParaRPr>
+          </a:p>
+          <a:p>
+            <a:endParaRPr lang="en-US" dirty="0" smtClean="0">
+              <a:latin typeface="Courier" charset="0"/>
+              <a:ea typeface="Courier" charset="0"/>
+              <a:cs typeface="Courier" charset="0"/>
+            </a:endParaRPr>
+          </a:p>
+          <a:p>
+            <a:endParaRPr lang="en-US" dirty="0">
+              <a:latin typeface="Courier" charset="0"/>
+              <a:ea typeface="Courier" charset="0"/>
+              <a:cs typeface="Courier" charset="0"/>
+            </a:endParaRPr>
           </a:p>
         </p:txBody>
       </p:sp>
       <p:sp>
         <p:nvSpPr>
-          <p:cNvPr id="5" name="Text Placeholder 1">
-            <a:extLst>
-              <a:ext uri="{FF2B5EF4-FFF2-40B4-BE49-F238E27FC236}">
-                <a16:creationId xmlns:a16="http://schemas.microsoft.com/office/drawing/2014/main" xmlns="" id="{2B5B7BA6-E957-4B32-B370-611541E9491B}"/>
-              </a:ext>
-            </a:extLst>
-          </p:cNvPr>
-          <p:cNvSpPr txBox="1">
-            <a:spLocks noGrp="1"/>
-          </p:cNvSpPr>
-          <p:nvPr>
-            <p:ph type="body" idx="4294967295"/>
-          </p:nvPr>
+          <p:cNvPr id="9" name="TextBox 8"/>
+          <p:cNvSpPr txBox="1"/>
+          <p:nvPr/>
         </p:nvSpPr>
         <p:spPr>
           <a:xfrm>
-            <a:off x="585792" y="5656258"/>
-            <a:ext cx="4677814" cy="333371"/>
+            <a:off x="596902" y="1260000"/>
+            <a:ext cx="6053901" cy="400110"/>
           </a:xfrm>
+          <a:prstGeom prst="rect">
+            <a:avLst/>
+          </a:prstGeom>
+          <a:noFill/>
         </p:spPr>
         <p:txBody>
-          <a:bodyPr anchor="b"/>
+          <a:bodyPr wrap="none" rtlCol="0">
+            <a:spAutoFit/>
+          </a:bodyPr>
           <a:lstStyle/>
           <a:p>
-            <a:pPr marL="0" lvl="0" indent="0">
-              <a:buNone/>
-            </a:pPr>
-            <a:r>
-              <a:rPr lang="en-US" sz="1000">
-                <a:solidFill>
-                  <a:srgbClr val="000000"/>
-                </a:solidFill>
-              </a:rPr>
-              <a:t>Source: Sky text regular 10pt</a:t>
-            </a:r>
+            <a:r>
+              <a:rPr lang="en-US" sz="2000" dirty="0" smtClean="0"/>
+              <a:t>A continuation is </a:t>
+            </a:r>
+            <a:r>
+              <a:rPr lang="en-US" sz="2000" dirty="0" smtClean="0"/>
+              <a:t>the context surrounding </a:t>
+            </a:r>
+            <a:r>
+              <a:rPr lang="en-US" sz="2000" dirty="0" smtClean="0"/>
+              <a:t>an </a:t>
+            </a:r>
+            <a:r>
+              <a:rPr lang="en-US" sz="2000" dirty="0" smtClean="0"/>
+              <a:t>expression.</a:t>
+            </a:r>
+          </a:p>
+        </p:txBody>
+      </p:sp>
+      <p:sp>
+        <p:nvSpPr>
+          <p:cNvPr id="7" name="Rectangle 6"/>
+          <p:cNvSpPr/>
+          <p:nvPr/>
+        </p:nvSpPr>
+        <p:spPr>
+          <a:xfrm>
+            <a:off x="886689" y="2353855"/>
+            <a:ext cx="612000" cy="410059"/>
+          </a:xfrm>
+          <a:prstGeom prst="rect">
+            <a:avLst/>
+          </a:prstGeom>
+          <a:solidFill>
+            <a:srgbClr val="00B050">
+              <a:alpha val="49000"/>
+            </a:srgbClr>
+          </a:solidFill>
+        </p:spPr>
+        <p:style>
+          <a:lnRef idx="2">
+            <a:schemeClr val="accent1">
+              <a:shade val="50000"/>
+            </a:schemeClr>
+          </a:lnRef>
+          <a:fillRef idx="1">
+            <a:schemeClr val="accent1"/>
+          </a:fillRef>
+          <a:effectRef idx="0">
+            <a:schemeClr val="accent1"/>
+          </a:effectRef>
+          <a:fontRef idx="minor">
+            <a:schemeClr val="lt1"/>
+          </a:fontRef>
+        </p:style>
+        <p:txBody>
+          <a:bodyPr lIns="36000" rtlCol="0" anchor="ctr"/>
+          <a:lstStyle/>
+          <a:p>
+            <a:pPr algn="ctr"/>
+            <a:endParaRPr lang="en-US"/>
           </a:p>
         </p:txBody>
       </p:sp>
     </p:spTree>
+    <p:extLst>
+      <p:ext uri="{BB962C8B-B14F-4D97-AF65-F5344CB8AC3E}">
+        <p14:creationId xmlns:p14="http://schemas.microsoft.com/office/powerpoint/2010/main" val="1227528257"/>
+      </p:ext>
+    </p:extLst>
   </p:cSld>
   <p:clrMapOvr>
     <a:masterClrMapping/>
   </p:clrMapOvr>
+  <p:timing>
+    <p:tnLst>
+      <p:par>
+        <p:cTn id="1" dur="indefinite" restart="never" nodeType="tmRoot"/>
+      </p:par>
+    </p:tnLst>
+  </p:timing>
 </p:sld>
 </file>
 
@@ -4205,14 +7866,8 @@
       </p:grpSpPr>
       <p:sp>
         <p:nvSpPr>
-          <p:cNvPr id="2" name="Title 5">
-            <a:extLst>
-              <a:ext uri="{FF2B5EF4-FFF2-40B4-BE49-F238E27FC236}">
-                <a16:creationId xmlns:a16="http://schemas.microsoft.com/office/drawing/2014/main" xmlns="" id="{7900ACDE-C559-44BB-A95E-7492D895082D}"/>
-              </a:ext>
-            </a:extLst>
-          </p:cNvPr>
-          <p:cNvSpPr txBox="1">
+          <p:cNvPr id="2" name="Title 1"/>
+          <p:cNvSpPr>
             <a:spLocks noGrp="1"/>
           </p:cNvSpPr>
           <p:nvPr>
@@ -4221,56 +7876,2774 @@
         </p:nvSpPr>
         <p:spPr>
           <a:xfrm>
-            <a:off x="596902" y="584201"/>
-            <a:ext cx="10510835" cy="1017590"/>
+            <a:off x="596901" y="506124"/>
+            <a:ext cx="10510838" cy="431515"/>
           </a:xfrm>
         </p:spPr>
         <p:txBody>
           <a:bodyPr/>
           <a:lstStyle/>
           <a:p>
-            <a:pPr lvl="0"/>
             <a:r>
               <a:rPr lang="en-GB" dirty="0"/>
-              <a:t>Heading Sky text medium </a:t>
-            </a:r>
-            <a:r>
-              <a:rPr lang="en-GB" dirty="0"/>
-              <a:t>28pt </a:t>
-            </a:r>
-            <a:r>
-              <a:rPr lang="en-GB" dirty="0"/>
-              <a:t/>
+              <a:t>What is a continuation?</a:t>
             </a:r>
             <a:br>
               <a:rPr lang="en-GB" dirty="0"/>
             </a:br>
-            <a:r>
-              <a:rPr lang="en-GB" sz="2000" dirty="0">
-                <a:solidFill>
-                  <a:srgbClr val="000000"/>
-                </a:solidFill>
-              </a:rPr>
-              <a:t>Sub header Sky text medium 20pt</a:t>
-            </a:r>
+            <a:endParaRPr lang="en-US" dirty="0"/>
+          </a:p>
+        </p:txBody>
+      </p:sp>
+      <p:sp>
+        <p:nvSpPr>
+          <p:cNvPr id="6" name="Rectangle 5"/>
+          <p:cNvSpPr/>
+          <p:nvPr/>
+        </p:nvSpPr>
+        <p:spPr>
+          <a:xfrm>
+            <a:off x="2925763" y="1900719"/>
+            <a:ext cx="6043576" cy="446276"/>
+          </a:xfrm>
+          <a:prstGeom prst="rect">
+            <a:avLst/>
+          </a:prstGeom>
+        </p:spPr>
+        <p:txBody>
+          <a:bodyPr wrap="square">
+            <a:spAutoFit/>
+          </a:bodyPr>
+          <a:lstStyle/>
+          <a:p>
+            <a:endParaRPr lang="en-US" dirty="0"/>
+          </a:p>
+        </p:txBody>
+      </p:sp>
+      <p:sp>
+        <p:nvSpPr>
+          <p:cNvPr id="10" name="TextBox 9"/>
+          <p:cNvSpPr txBox="1"/>
+          <p:nvPr/>
+        </p:nvSpPr>
+        <p:spPr>
+          <a:xfrm>
+            <a:off x="648000" y="1872000"/>
+            <a:ext cx="10510838" cy="5432256"/>
+          </a:xfrm>
+          <a:prstGeom prst="rect">
+            <a:avLst/>
+          </a:prstGeom>
+          <a:noFill/>
+        </p:spPr>
+        <p:txBody>
+          <a:bodyPr wrap="square" tIns="0" rtlCol="0">
+            <a:spAutoFit/>
+          </a:bodyPr>
+          <a:lstStyle/>
+          <a:p>
+            <a:endParaRPr lang="en-US" dirty="0" smtClean="0">
+              <a:latin typeface="Courier" charset="0"/>
+              <a:ea typeface="Courier" charset="0"/>
+              <a:cs typeface="Courier" charset="0"/>
+            </a:endParaRPr>
+          </a:p>
+          <a:p>
+            <a:endParaRPr lang="en-US" dirty="0" smtClean="0">
+              <a:latin typeface="Courier" charset="0"/>
+              <a:ea typeface="Courier" charset="0"/>
+              <a:cs typeface="Courier" charset="0"/>
+            </a:endParaRPr>
+          </a:p>
+          <a:p>
+            <a:r>
+              <a:rPr lang="en-US" sz="2000" dirty="0">
+                <a:latin typeface="Courier" charset="0"/>
+                <a:ea typeface="Courier" charset="0"/>
+                <a:cs typeface="Courier" charset="0"/>
+              </a:rPr>
+              <a:t> </a:t>
+            </a:r>
+            <a:r>
+              <a:rPr lang="en-US" sz="2000" dirty="0" smtClean="0">
+                <a:latin typeface="Courier" charset="0"/>
+                <a:ea typeface="Courier" charset="0"/>
+                <a:cs typeface="Courier" charset="0"/>
+              </a:rPr>
+              <a:t>(</a:t>
+            </a:r>
+            <a:r>
+              <a:rPr lang="mr-IN" sz="2000" i="1" dirty="0" err="1" smtClean="0">
+                <a:solidFill>
+                  <a:srgbClr val="660E7A"/>
+                </a:solidFill>
+                <a:latin typeface="Courier" charset="0"/>
+                <a:ea typeface="Courier" charset="0"/>
+                <a:cs typeface="Courier" charset="0"/>
+              </a:rPr>
+              <a:t>k</a:t>
+            </a:r>
+            <a:r>
+              <a:rPr lang="en-US" sz="2000" i="1" dirty="0" smtClean="0">
+                <a:solidFill>
+                  <a:srgbClr val="660E7A"/>
+                </a:solidFill>
+                <a:latin typeface="Courier" charset="0"/>
+                <a:ea typeface="Courier" charset="0"/>
+                <a:cs typeface="Courier" charset="0"/>
+              </a:rPr>
+              <a:t>2</a:t>
+            </a:r>
+            <a:r>
+              <a:rPr lang="mr-IN" sz="2000" dirty="0" smtClean="0">
+                <a:latin typeface="Courier" charset="0"/>
+                <a:ea typeface="Courier" charset="0"/>
+                <a:cs typeface="Courier" charset="0"/>
+              </a:rPr>
+              <a:t>(</a:t>
+            </a:r>
+            <a:r>
+              <a:rPr lang="mr-IN" sz="2000" i="1" dirty="0" smtClean="0">
+                <a:solidFill>
+                  <a:srgbClr val="660E7A"/>
+                </a:solidFill>
+                <a:latin typeface="Courier" charset="0"/>
+                <a:ea typeface="Courier" charset="0"/>
+                <a:cs typeface="Courier" charset="0"/>
+              </a:rPr>
+              <a:t>k1</a:t>
+            </a:r>
+            <a:r>
+              <a:rPr lang="mr-IN" sz="2000" dirty="0" smtClean="0">
+                <a:latin typeface="Courier" charset="0"/>
+                <a:ea typeface="Courier" charset="0"/>
+                <a:cs typeface="Courier" charset="0"/>
+              </a:rPr>
+              <a:t>(</a:t>
+            </a:r>
+            <a:r>
+              <a:rPr lang="mr-IN" sz="2000" i="1" dirty="0" err="1" smtClean="0">
+                <a:solidFill>
+                  <a:srgbClr val="660E7A"/>
+                </a:solidFill>
+                <a:latin typeface="Courier" charset="0"/>
+                <a:ea typeface="Courier" charset="0"/>
+                <a:cs typeface="Courier" charset="0"/>
+              </a:rPr>
+              <a:t>a</a:t>
+            </a:r>
+            <a:r>
+              <a:rPr lang="mr-IN" sz="2000" dirty="0" smtClean="0">
+                <a:latin typeface="Courier" charset="0"/>
+                <a:ea typeface="Courier" charset="0"/>
+                <a:cs typeface="Courier" charset="0"/>
+              </a:rPr>
+              <a:t>))</a:t>
+            </a:r>
+            <a:r>
+              <a:rPr lang="en-US" sz="2000" dirty="0" smtClean="0">
+                <a:latin typeface="Courier" charset="0"/>
+                <a:ea typeface="Courier" charset="0"/>
+                <a:cs typeface="Courier" charset="0"/>
+              </a:rPr>
+              <a:t>) </a:t>
+            </a:r>
+            <a:r>
+              <a:rPr lang="mr-IN" sz="2000" dirty="0" smtClean="0">
+                <a:latin typeface="Courier" charset="0"/>
+                <a:ea typeface="Courier" charset="0"/>
+                <a:cs typeface="Courier" charset="0"/>
+              </a:rPr>
+              <a:t> </a:t>
+            </a:r>
+            <a:r>
+              <a:rPr lang="mr-IN" sz="2000" dirty="0">
+                <a:latin typeface="Courier" charset="0"/>
+                <a:ea typeface="Courier" charset="0"/>
+                <a:cs typeface="Courier" charset="0"/>
+              </a:rPr>
+              <a:t>+ </a:t>
+            </a:r>
+            <a:r>
+              <a:rPr lang="mr-IN" sz="2000" dirty="0" smtClean="0">
+                <a:solidFill>
+                  <a:srgbClr val="0000FF"/>
+                </a:solidFill>
+                <a:latin typeface="Courier" charset="0"/>
+                <a:ea typeface="Courier" charset="0"/>
+                <a:cs typeface="Courier" charset="0"/>
+              </a:rPr>
+              <a:t>1</a:t>
+            </a:r>
+            <a:endParaRPr lang="en-US" sz="2000" dirty="0" smtClean="0">
+              <a:solidFill>
+                <a:srgbClr val="0000FF"/>
+              </a:solidFill>
+              <a:latin typeface="Courier" charset="0"/>
+              <a:ea typeface="Courier" charset="0"/>
+              <a:cs typeface="Courier" charset="0"/>
+            </a:endParaRPr>
+          </a:p>
+          <a:p>
             <a:endParaRPr lang="en-US" sz="2000" dirty="0">
               <a:solidFill>
-                <a:srgbClr val="000000"/>
+                <a:srgbClr val="0000FF"/>
               </a:solidFill>
+              <a:latin typeface="Courier" charset="0"/>
+              <a:ea typeface="Courier" charset="0"/>
+              <a:cs typeface="Courier" charset="0"/>
             </a:endParaRPr>
+          </a:p>
+          <a:p>
+            <a:endParaRPr lang="en-US" sz="2000" dirty="0" smtClean="0">
+              <a:solidFill>
+                <a:srgbClr val="0000FF"/>
+              </a:solidFill>
+              <a:latin typeface="Courier" charset="0"/>
+              <a:ea typeface="Courier" charset="0"/>
+              <a:cs typeface="Courier" charset="0"/>
+            </a:endParaRPr>
+          </a:p>
+          <a:p>
+            <a:r>
+              <a:rPr lang="mr-IN" sz="2000" b="1" dirty="0" err="1">
+                <a:solidFill>
+                  <a:srgbClr val="000080"/>
+                </a:solidFill>
+                <a:latin typeface="Courier" charset="0"/>
+                <a:ea typeface="Courier" charset="0"/>
+                <a:cs typeface="Courier" charset="0"/>
+              </a:rPr>
+              <a:t>val</a:t>
+            </a:r>
+            <a:r>
+              <a:rPr lang="mr-IN" sz="2000" b="1" dirty="0">
+                <a:solidFill>
+                  <a:srgbClr val="000080"/>
+                </a:solidFill>
+                <a:latin typeface="Courier" charset="0"/>
+                <a:ea typeface="Courier" charset="0"/>
+                <a:cs typeface="Courier" charset="0"/>
+              </a:rPr>
+              <a:t> </a:t>
+            </a:r>
+            <a:r>
+              <a:rPr lang="mr-IN" sz="2000" i="1" dirty="0" err="1">
+                <a:solidFill>
+                  <a:srgbClr val="660E7A"/>
+                </a:solidFill>
+                <a:latin typeface="Courier" charset="0"/>
+                <a:ea typeface="Courier" charset="0"/>
+                <a:cs typeface="Courier" charset="0"/>
+              </a:rPr>
+              <a:t>a</a:t>
+            </a:r>
+            <a:r>
+              <a:rPr lang="mr-IN" sz="2000" i="1" dirty="0">
+                <a:solidFill>
+                  <a:srgbClr val="660E7A"/>
+                </a:solidFill>
+                <a:latin typeface="Courier" charset="0"/>
+                <a:ea typeface="Courier" charset="0"/>
+                <a:cs typeface="Courier" charset="0"/>
+              </a:rPr>
+              <a:t> </a:t>
+            </a:r>
+            <a:r>
+              <a:rPr lang="en-US" sz="2000" i="1" dirty="0" smtClean="0">
+                <a:solidFill>
+                  <a:srgbClr val="660E7A"/>
+                </a:solidFill>
+                <a:latin typeface="Courier" charset="0"/>
+                <a:ea typeface="Courier" charset="0"/>
+                <a:cs typeface="Courier" charset="0"/>
+              </a:rPr>
+              <a:t> </a:t>
+            </a:r>
+            <a:r>
+              <a:rPr lang="mr-IN" sz="2000" dirty="0" smtClean="0">
+                <a:latin typeface="Courier" charset="0"/>
+                <a:ea typeface="Courier" charset="0"/>
+                <a:cs typeface="Courier" charset="0"/>
+              </a:rPr>
+              <a:t>= </a:t>
+            </a:r>
+            <a:r>
+              <a:rPr lang="mr-IN" sz="2000" dirty="0">
+                <a:solidFill>
+                  <a:srgbClr val="0000FF"/>
+                </a:solidFill>
+                <a:latin typeface="Courier" charset="0"/>
+                <a:ea typeface="Courier" charset="0"/>
+                <a:cs typeface="Courier" charset="0"/>
+              </a:rPr>
+              <a:t>4</a:t>
+            </a:r>
+            <a:br>
+              <a:rPr lang="mr-IN" sz="2000" dirty="0">
+                <a:solidFill>
+                  <a:srgbClr val="0000FF"/>
+                </a:solidFill>
+                <a:latin typeface="Courier" charset="0"/>
+                <a:ea typeface="Courier" charset="0"/>
+                <a:cs typeface="Courier" charset="0"/>
+              </a:rPr>
+            </a:br>
+            <a:r>
+              <a:rPr lang="mr-IN" sz="2000" b="1" dirty="0" err="1">
+                <a:solidFill>
+                  <a:srgbClr val="000080"/>
+                </a:solidFill>
+                <a:latin typeface="Courier" charset="0"/>
+                <a:ea typeface="Courier" charset="0"/>
+                <a:cs typeface="Courier" charset="0"/>
+              </a:rPr>
+              <a:t>val</a:t>
+            </a:r>
+            <a:r>
+              <a:rPr lang="mr-IN" sz="2000" b="1" dirty="0">
+                <a:solidFill>
+                  <a:srgbClr val="000080"/>
+                </a:solidFill>
+                <a:latin typeface="Courier" charset="0"/>
+                <a:ea typeface="Courier" charset="0"/>
+                <a:cs typeface="Courier" charset="0"/>
+              </a:rPr>
+              <a:t> </a:t>
+            </a:r>
+            <a:r>
+              <a:rPr lang="mr-IN" sz="2000" i="1" dirty="0">
+                <a:solidFill>
+                  <a:srgbClr val="660E7A"/>
+                </a:solidFill>
+                <a:latin typeface="Courier" charset="0"/>
+                <a:ea typeface="Courier" charset="0"/>
+                <a:cs typeface="Courier" charset="0"/>
+              </a:rPr>
+              <a:t>k1 </a:t>
+            </a:r>
+            <a:r>
+              <a:rPr lang="mr-IN" sz="2000" dirty="0">
+                <a:latin typeface="Courier" charset="0"/>
+                <a:ea typeface="Courier" charset="0"/>
+                <a:cs typeface="Courier" charset="0"/>
+              </a:rPr>
+              <a:t>= (</a:t>
+            </a:r>
+            <a:r>
+              <a:rPr lang="mr-IN" sz="2000" dirty="0" err="1">
+                <a:latin typeface="Courier" charset="0"/>
+                <a:ea typeface="Courier" charset="0"/>
+                <a:cs typeface="Courier" charset="0"/>
+              </a:rPr>
+              <a:t>x</a:t>
+            </a:r>
+            <a:r>
+              <a:rPr lang="mr-IN" sz="2000" dirty="0">
+                <a:latin typeface="Courier" charset="0"/>
+                <a:ea typeface="Courier" charset="0"/>
+                <a:cs typeface="Courier" charset="0"/>
+              </a:rPr>
+              <a:t>: </a:t>
+            </a:r>
+            <a:r>
+              <a:rPr lang="mr-IN" sz="2000" dirty="0" err="1">
+                <a:latin typeface="Courier" charset="0"/>
+                <a:ea typeface="Courier" charset="0"/>
+                <a:cs typeface="Courier" charset="0"/>
+              </a:rPr>
+              <a:t>Int</a:t>
+            </a:r>
+            <a:r>
+              <a:rPr lang="mr-IN" sz="2000" dirty="0">
+                <a:latin typeface="Courier" charset="0"/>
+                <a:ea typeface="Courier" charset="0"/>
+                <a:cs typeface="Courier" charset="0"/>
+              </a:rPr>
+              <a:t>) =&gt; </a:t>
+            </a:r>
+            <a:r>
+              <a:rPr lang="mr-IN" sz="2000" dirty="0" err="1">
+                <a:latin typeface="Courier" charset="0"/>
+                <a:ea typeface="Courier" charset="0"/>
+                <a:cs typeface="Courier" charset="0"/>
+              </a:rPr>
+              <a:t>x</a:t>
+            </a:r>
+            <a:r>
+              <a:rPr lang="mr-IN" sz="2000" dirty="0">
+                <a:latin typeface="Courier" charset="0"/>
+                <a:ea typeface="Courier" charset="0"/>
+                <a:cs typeface="Courier" charset="0"/>
+              </a:rPr>
+              <a:t> * </a:t>
+            </a:r>
+            <a:r>
+              <a:rPr lang="mr-IN" sz="2000" dirty="0" smtClean="0">
+                <a:solidFill>
+                  <a:srgbClr val="0000FF"/>
+                </a:solidFill>
+                <a:latin typeface="Courier" charset="0"/>
+                <a:ea typeface="Courier" charset="0"/>
+                <a:cs typeface="Courier" charset="0"/>
+              </a:rPr>
+              <a:t>2</a:t>
+            </a:r>
+            <a:endParaRPr lang="en-US" sz="2000" dirty="0" smtClean="0">
+              <a:solidFill>
+                <a:srgbClr val="0000FF"/>
+              </a:solidFill>
+              <a:latin typeface="Courier" charset="0"/>
+              <a:ea typeface="Courier" charset="0"/>
+              <a:cs typeface="Courier" charset="0"/>
+            </a:endParaRPr>
+          </a:p>
+          <a:p>
+            <a:endParaRPr lang="en-US" sz="2000" dirty="0">
+              <a:solidFill>
+                <a:srgbClr val="0000FF"/>
+              </a:solidFill>
+              <a:latin typeface="Courier" charset="0"/>
+              <a:ea typeface="Courier" charset="0"/>
+              <a:cs typeface="Courier" charset="0"/>
+            </a:endParaRPr>
+          </a:p>
+          <a:p>
+            <a:r>
+              <a:rPr lang="mr-IN" sz="2000" b="1" dirty="0" err="1">
+                <a:solidFill>
+                  <a:srgbClr val="000080"/>
+                </a:solidFill>
+                <a:latin typeface="Courier" charset="0"/>
+                <a:ea typeface="Courier" charset="0"/>
+                <a:cs typeface="Courier" charset="0"/>
+              </a:rPr>
+              <a:t>val</a:t>
+            </a:r>
+            <a:r>
+              <a:rPr lang="mr-IN" sz="2000" b="1" dirty="0">
+                <a:solidFill>
+                  <a:srgbClr val="000080"/>
+                </a:solidFill>
+                <a:latin typeface="Courier" charset="0"/>
+                <a:ea typeface="Courier" charset="0"/>
+                <a:cs typeface="Courier" charset="0"/>
+              </a:rPr>
+              <a:t> </a:t>
+            </a:r>
+            <a:r>
+              <a:rPr lang="mr-IN" sz="2000" i="1" dirty="0">
+                <a:solidFill>
+                  <a:srgbClr val="660E7A"/>
+                </a:solidFill>
+                <a:latin typeface="Courier" charset="0"/>
+                <a:ea typeface="Courier" charset="0"/>
+                <a:cs typeface="Courier" charset="0"/>
+              </a:rPr>
+              <a:t>k2 </a:t>
+            </a:r>
+            <a:r>
+              <a:rPr lang="mr-IN" sz="2000" dirty="0">
+                <a:latin typeface="Courier" charset="0"/>
+                <a:ea typeface="Courier" charset="0"/>
+                <a:cs typeface="Courier" charset="0"/>
+              </a:rPr>
+              <a:t>= (</a:t>
+            </a:r>
+            <a:r>
+              <a:rPr lang="mr-IN" sz="2000" dirty="0" err="1">
+                <a:latin typeface="Courier" charset="0"/>
+                <a:ea typeface="Courier" charset="0"/>
+                <a:cs typeface="Courier" charset="0"/>
+              </a:rPr>
+              <a:t>x</a:t>
+            </a:r>
+            <a:r>
+              <a:rPr lang="mr-IN" sz="2000" dirty="0">
+                <a:latin typeface="Courier" charset="0"/>
+                <a:ea typeface="Courier" charset="0"/>
+                <a:cs typeface="Courier" charset="0"/>
+              </a:rPr>
+              <a:t>: </a:t>
+            </a:r>
+            <a:r>
+              <a:rPr lang="mr-IN" sz="2000" dirty="0" err="1">
+                <a:latin typeface="Courier" charset="0"/>
+                <a:ea typeface="Courier" charset="0"/>
+                <a:cs typeface="Courier" charset="0"/>
+              </a:rPr>
+              <a:t>Int</a:t>
+            </a:r>
+            <a:r>
+              <a:rPr lang="mr-IN" sz="2000" dirty="0">
+                <a:latin typeface="Courier" charset="0"/>
+                <a:ea typeface="Courier" charset="0"/>
+                <a:cs typeface="Courier" charset="0"/>
+              </a:rPr>
+              <a:t>) =&gt; </a:t>
+            </a:r>
+            <a:r>
+              <a:rPr lang="mr-IN" sz="2000" dirty="0">
+                <a:solidFill>
+                  <a:srgbClr val="0000FF"/>
+                </a:solidFill>
+                <a:latin typeface="Courier" charset="0"/>
+                <a:ea typeface="Courier" charset="0"/>
+                <a:cs typeface="Courier" charset="0"/>
+              </a:rPr>
+              <a:t>10 </a:t>
+            </a:r>
+            <a:r>
+              <a:rPr lang="mr-IN" sz="2000" dirty="0" smtClean="0">
+                <a:latin typeface="Courier" charset="0"/>
+                <a:ea typeface="Courier" charset="0"/>
+                <a:cs typeface="Courier" charset="0"/>
+              </a:rPr>
+              <a:t>- </a:t>
+            </a:r>
+            <a:r>
+              <a:rPr lang="mr-IN" sz="2000" dirty="0" err="1" smtClean="0">
+                <a:latin typeface="Courier" charset="0"/>
+                <a:ea typeface="Courier" charset="0"/>
+                <a:cs typeface="Courier" charset="0"/>
+              </a:rPr>
+              <a:t>x</a:t>
+            </a:r>
+            <a:r>
+              <a:rPr lang="mr-IN" sz="2000" dirty="0" smtClean="0">
+                <a:latin typeface="Courier" charset="0"/>
+                <a:ea typeface="Courier" charset="0"/>
+                <a:cs typeface="Courier" charset="0"/>
+              </a:rPr>
+              <a:t> </a:t>
+            </a:r>
+            <a:r>
+              <a:rPr lang="mr-IN" sz="2000" dirty="0">
+                <a:latin typeface="Courier" charset="0"/>
+                <a:ea typeface="Courier" charset="0"/>
+                <a:cs typeface="Courier" charset="0"/>
+              </a:rPr>
+              <a:t/>
+            </a:r>
+            <a:br>
+              <a:rPr lang="mr-IN" sz="2000" dirty="0">
+                <a:latin typeface="Courier" charset="0"/>
+                <a:ea typeface="Courier" charset="0"/>
+                <a:cs typeface="Courier" charset="0"/>
+              </a:rPr>
+            </a:br>
+            <a:endParaRPr lang="en-US" sz="2000" dirty="0" smtClean="0">
+              <a:latin typeface="Courier" charset="0"/>
+              <a:ea typeface="Courier" charset="0"/>
+              <a:cs typeface="Courier" charset="0"/>
+            </a:endParaRPr>
+          </a:p>
+          <a:p>
+            <a:r>
+              <a:rPr lang="mr-IN" sz="2000" b="1" dirty="0" err="1">
+                <a:solidFill>
+                  <a:srgbClr val="000080"/>
+                </a:solidFill>
+                <a:latin typeface="Courier" charset="0"/>
+                <a:ea typeface="Courier" charset="0"/>
+                <a:cs typeface="Courier" charset="0"/>
+              </a:rPr>
+              <a:t>val</a:t>
+            </a:r>
+            <a:r>
+              <a:rPr lang="mr-IN" sz="2000" b="1" dirty="0">
+                <a:solidFill>
+                  <a:srgbClr val="000080"/>
+                </a:solidFill>
+                <a:latin typeface="Courier" charset="0"/>
+                <a:ea typeface="Courier" charset="0"/>
+                <a:cs typeface="Courier" charset="0"/>
+              </a:rPr>
+              <a:t> </a:t>
+            </a:r>
+            <a:r>
+              <a:rPr lang="mr-IN" sz="2000" i="1" dirty="0">
+                <a:solidFill>
+                  <a:srgbClr val="660E7A"/>
+                </a:solidFill>
+                <a:latin typeface="Courier" charset="0"/>
+                <a:ea typeface="Courier" charset="0"/>
+                <a:cs typeface="Courier" charset="0"/>
+              </a:rPr>
+              <a:t>k3 </a:t>
+            </a:r>
+            <a:r>
+              <a:rPr lang="mr-IN" sz="2000" dirty="0">
+                <a:latin typeface="Courier" charset="0"/>
+                <a:ea typeface="Courier" charset="0"/>
+                <a:cs typeface="Courier" charset="0"/>
+              </a:rPr>
+              <a:t>= (</a:t>
+            </a:r>
+            <a:r>
+              <a:rPr lang="mr-IN" sz="2000" dirty="0" err="1">
+                <a:latin typeface="Courier" charset="0"/>
+                <a:ea typeface="Courier" charset="0"/>
+                <a:cs typeface="Courier" charset="0"/>
+              </a:rPr>
+              <a:t>x</a:t>
+            </a:r>
+            <a:r>
+              <a:rPr lang="mr-IN" sz="2000" dirty="0">
+                <a:latin typeface="Courier" charset="0"/>
+                <a:ea typeface="Courier" charset="0"/>
+                <a:cs typeface="Courier" charset="0"/>
+              </a:rPr>
+              <a:t>: </a:t>
+            </a:r>
+            <a:r>
+              <a:rPr lang="mr-IN" sz="2000" dirty="0" err="1">
+                <a:latin typeface="Courier" charset="0"/>
+                <a:ea typeface="Courier" charset="0"/>
+                <a:cs typeface="Courier" charset="0"/>
+              </a:rPr>
+              <a:t>Int</a:t>
+            </a:r>
+            <a:r>
+              <a:rPr lang="mr-IN" sz="2000" dirty="0">
+                <a:latin typeface="Courier" charset="0"/>
+                <a:ea typeface="Courier" charset="0"/>
+                <a:cs typeface="Courier" charset="0"/>
+              </a:rPr>
+              <a:t>) =&gt; </a:t>
+            </a:r>
+            <a:r>
+              <a:rPr lang="mr-IN" sz="2000" dirty="0" err="1">
+                <a:latin typeface="Courier" charset="0"/>
+                <a:ea typeface="Courier" charset="0"/>
+                <a:cs typeface="Courier" charset="0"/>
+              </a:rPr>
+              <a:t>x</a:t>
+            </a:r>
+            <a:r>
+              <a:rPr lang="mr-IN" sz="2000" dirty="0">
+                <a:latin typeface="Courier" charset="0"/>
+                <a:ea typeface="Courier" charset="0"/>
+                <a:cs typeface="Courier" charset="0"/>
+              </a:rPr>
+              <a:t> + </a:t>
+            </a:r>
+            <a:r>
+              <a:rPr lang="mr-IN" sz="2000" dirty="0">
+                <a:solidFill>
+                  <a:srgbClr val="0000FF"/>
+                </a:solidFill>
+                <a:latin typeface="Courier" charset="0"/>
+                <a:ea typeface="Courier" charset="0"/>
+                <a:cs typeface="Courier" charset="0"/>
+              </a:rPr>
+              <a:t>1</a:t>
+            </a:r>
+            <a:endParaRPr lang="en-US" sz="2000" dirty="0">
+              <a:solidFill>
+                <a:srgbClr val="0000FF"/>
+              </a:solidFill>
+              <a:latin typeface="Courier" charset="0"/>
+              <a:ea typeface="Courier" charset="0"/>
+              <a:cs typeface="Courier" charset="0"/>
+            </a:endParaRPr>
+          </a:p>
+          <a:p>
+            <a:endParaRPr lang="en-US" sz="2000" dirty="0" smtClean="0">
+              <a:solidFill>
+                <a:srgbClr val="0000FF"/>
+              </a:solidFill>
+              <a:latin typeface="Courier" charset="0"/>
+              <a:ea typeface="Courier" charset="0"/>
+              <a:cs typeface="Courier" charset="0"/>
+            </a:endParaRPr>
+          </a:p>
+          <a:p>
+            <a:endParaRPr lang="en-US" sz="2000" dirty="0">
+              <a:solidFill>
+                <a:srgbClr val="0000FF"/>
+              </a:solidFill>
+              <a:latin typeface="Courier" charset="0"/>
+              <a:ea typeface="Courier" charset="0"/>
+              <a:cs typeface="Courier" charset="0"/>
+            </a:endParaRPr>
+          </a:p>
+          <a:p>
+            <a:endParaRPr lang="en-US" sz="2000" dirty="0" smtClean="0">
+              <a:solidFill>
+                <a:srgbClr val="0000FF"/>
+              </a:solidFill>
+              <a:latin typeface="Courier" charset="0"/>
+              <a:ea typeface="Courier" charset="0"/>
+              <a:cs typeface="Courier" charset="0"/>
+            </a:endParaRPr>
+          </a:p>
+          <a:p>
+            <a:endParaRPr lang="en-US" sz="2000" dirty="0">
+              <a:latin typeface="Courier" charset="0"/>
+              <a:ea typeface="Courier" charset="0"/>
+              <a:cs typeface="Courier" charset="0"/>
+            </a:endParaRPr>
+          </a:p>
+          <a:p>
+            <a:endParaRPr lang="en-US" dirty="0" smtClean="0">
+              <a:latin typeface="Courier" charset="0"/>
+              <a:ea typeface="Courier" charset="0"/>
+              <a:cs typeface="Courier" charset="0"/>
+            </a:endParaRPr>
+          </a:p>
+          <a:p>
+            <a:endParaRPr lang="en-US" dirty="0" smtClean="0">
+              <a:latin typeface="Courier" charset="0"/>
+              <a:ea typeface="Courier" charset="0"/>
+              <a:cs typeface="Courier" charset="0"/>
+            </a:endParaRPr>
+          </a:p>
+          <a:p>
+            <a:endParaRPr lang="en-US" dirty="0">
+              <a:latin typeface="Courier" charset="0"/>
+              <a:ea typeface="Courier" charset="0"/>
+              <a:cs typeface="Courier" charset="0"/>
+            </a:endParaRPr>
+          </a:p>
+        </p:txBody>
+      </p:sp>
+      <p:sp>
+        <p:nvSpPr>
+          <p:cNvPr id="9" name="TextBox 8"/>
+          <p:cNvSpPr txBox="1"/>
+          <p:nvPr/>
+        </p:nvSpPr>
+        <p:spPr>
+          <a:xfrm>
+            <a:off x="596902" y="1260000"/>
+            <a:ext cx="6053901" cy="400110"/>
+          </a:xfrm>
+          <a:prstGeom prst="rect">
+            <a:avLst/>
+          </a:prstGeom>
+          <a:noFill/>
+        </p:spPr>
+        <p:txBody>
+          <a:bodyPr wrap="none" rtlCol="0">
+            <a:spAutoFit/>
+          </a:bodyPr>
+          <a:lstStyle/>
+          <a:p>
+            <a:r>
+              <a:rPr lang="en-US" sz="2000" dirty="0" smtClean="0"/>
+              <a:t>A continuation is </a:t>
+            </a:r>
+            <a:r>
+              <a:rPr lang="en-US" sz="2000" dirty="0" smtClean="0"/>
+              <a:t>the context surrounding </a:t>
+            </a:r>
+            <a:r>
+              <a:rPr lang="en-US" sz="2000" dirty="0" smtClean="0"/>
+              <a:t>an </a:t>
+            </a:r>
+            <a:r>
+              <a:rPr lang="en-US" sz="2000" dirty="0" smtClean="0"/>
+              <a:t>expression.</a:t>
+            </a:r>
+          </a:p>
+        </p:txBody>
+      </p:sp>
+      <p:sp>
+        <p:nvSpPr>
+          <p:cNvPr id="7" name="Rectangle 6"/>
+          <p:cNvSpPr/>
+          <p:nvPr/>
+        </p:nvSpPr>
+        <p:spPr>
+          <a:xfrm>
+            <a:off x="2784827" y="2346995"/>
+            <a:ext cx="612000" cy="410059"/>
+          </a:xfrm>
+          <a:prstGeom prst="rect">
+            <a:avLst/>
+          </a:prstGeom>
+          <a:solidFill>
+            <a:srgbClr val="00B050">
+              <a:alpha val="49000"/>
+            </a:srgbClr>
+          </a:solidFill>
+        </p:spPr>
+        <p:style>
+          <a:lnRef idx="2">
+            <a:schemeClr val="accent1">
+              <a:shade val="50000"/>
+            </a:schemeClr>
+          </a:lnRef>
+          <a:fillRef idx="1">
+            <a:schemeClr val="accent1"/>
+          </a:fillRef>
+          <a:effectRef idx="0">
+            <a:schemeClr val="accent1"/>
+          </a:effectRef>
+          <a:fontRef idx="minor">
+            <a:schemeClr val="lt1"/>
+          </a:fontRef>
+        </p:style>
+        <p:txBody>
+          <a:bodyPr lIns="36000" rtlCol="0" anchor="ctr"/>
+          <a:lstStyle/>
+          <a:p>
+            <a:pPr algn="ctr"/>
+            <a:r>
+              <a:rPr lang="en-US" smtClean="0"/>
+              <a:t> </a:t>
+            </a:r>
+            <a:endParaRPr lang="en-US"/>
           </a:p>
         </p:txBody>
       </p:sp>
     </p:spTree>
     <p:extLst>
       <p:ext uri="{BB962C8B-B14F-4D97-AF65-F5344CB8AC3E}">
-        <p14:creationId xmlns:p14="http://schemas.microsoft.com/office/powerpoint/2010/main" val="390491024"/>
+        <p14:creationId xmlns:p14="http://schemas.microsoft.com/office/powerpoint/2010/main" val="990276051"/>
       </p:ext>
     </p:extLst>
   </p:cSld>
   <p:clrMapOvr>
     <a:masterClrMapping/>
   </p:clrMapOvr>
+  <p:timing>
+    <p:tnLst>
+      <p:par>
+        <p:cTn id="1" dur="indefinite" restart="never" nodeType="tmRoot"/>
+      </p:par>
+    </p:tnLst>
+  </p:timing>
+</p:sld>
+</file>
+
+<file path=ppt/slides/slide8.xml><?xml version="1.0" encoding="utf-8"?>
+<p:sld xmlns:a="http://schemas.openxmlformats.org/drawingml/2006/main" xmlns:r="http://schemas.openxmlformats.org/officeDocument/2006/relationships" xmlns:p="http://schemas.openxmlformats.org/presentationml/2006/main">
+  <p:cSld>
+    <p:spTree>
+      <p:nvGrpSpPr>
+        <p:cNvPr id="1" name=""/>
+        <p:cNvGrpSpPr/>
+        <p:nvPr/>
+      </p:nvGrpSpPr>
+      <p:grpSpPr>
+        <a:xfrm>
+          <a:off x="0" y="0"/>
+          <a:ext cx="0" cy="0"/>
+          <a:chOff x="0" y="0"/>
+          <a:chExt cx="0" cy="0"/>
+        </a:xfrm>
+      </p:grpSpPr>
+      <p:sp>
+        <p:nvSpPr>
+          <p:cNvPr id="2" name="Title 1"/>
+          <p:cNvSpPr>
+            <a:spLocks noGrp="1"/>
+          </p:cNvSpPr>
+          <p:nvPr>
+            <p:ph type="title"/>
+          </p:nvPr>
+        </p:nvSpPr>
+        <p:spPr>
+          <a:xfrm>
+            <a:off x="596901" y="506124"/>
+            <a:ext cx="10510838" cy="431515"/>
+          </a:xfrm>
+        </p:spPr>
+        <p:txBody>
+          <a:bodyPr/>
+          <a:lstStyle/>
+          <a:p>
+            <a:r>
+              <a:rPr lang="en-GB" dirty="0"/>
+              <a:t>What is a continuation?</a:t>
+            </a:r>
+            <a:br>
+              <a:rPr lang="en-GB" dirty="0"/>
+            </a:br>
+            <a:endParaRPr lang="en-US" dirty="0"/>
+          </a:p>
+        </p:txBody>
+      </p:sp>
+      <p:sp>
+        <p:nvSpPr>
+          <p:cNvPr id="6" name="Rectangle 5"/>
+          <p:cNvSpPr/>
+          <p:nvPr/>
+        </p:nvSpPr>
+        <p:spPr>
+          <a:xfrm>
+            <a:off x="2925763" y="1900719"/>
+            <a:ext cx="6043576" cy="446276"/>
+          </a:xfrm>
+          <a:prstGeom prst="rect">
+            <a:avLst/>
+          </a:prstGeom>
+        </p:spPr>
+        <p:txBody>
+          <a:bodyPr wrap="square">
+            <a:spAutoFit/>
+          </a:bodyPr>
+          <a:lstStyle/>
+          <a:p>
+            <a:endParaRPr lang="en-US" dirty="0"/>
+          </a:p>
+        </p:txBody>
+      </p:sp>
+      <p:sp>
+        <p:nvSpPr>
+          <p:cNvPr id="10" name="TextBox 9"/>
+          <p:cNvSpPr txBox="1"/>
+          <p:nvPr/>
+        </p:nvSpPr>
+        <p:spPr>
+          <a:xfrm>
+            <a:off x="648000" y="1872000"/>
+            <a:ext cx="10510838" cy="5709255"/>
+          </a:xfrm>
+          <a:prstGeom prst="rect">
+            <a:avLst/>
+          </a:prstGeom>
+          <a:noFill/>
+        </p:spPr>
+        <p:txBody>
+          <a:bodyPr wrap="square" tIns="0" rtlCol="0">
+            <a:spAutoFit/>
+          </a:bodyPr>
+          <a:lstStyle/>
+          <a:p>
+            <a:endParaRPr lang="en-US" dirty="0" smtClean="0">
+              <a:latin typeface="Courier" charset="0"/>
+              <a:ea typeface="Courier" charset="0"/>
+              <a:cs typeface="Courier" charset="0"/>
+            </a:endParaRPr>
+          </a:p>
+          <a:p>
+            <a:endParaRPr lang="en-US" dirty="0" smtClean="0">
+              <a:latin typeface="Courier" charset="0"/>
+              <a:ea typeface="Courier" charset="0"/>
+              <a:cs typeface="Courier" charset="0"/>
+            </a:endParaRPr>
+          </a:p>
+          <a:p>
+            <a:r>
+              <a:rPr lang="en-US" sz="2000" dirty="0">
+                <a:latin typeface="Courier" charset="0"/>
+                <a:ea typeface="Courier" charset="0"/>
+                <a:cs typeface="Courier" charset="0"/>
+              </a:rPr>
+              <a:t> </a:t>
+            </a:r>
+            <a:r>
+              <a:rPr lang="en-US" sz="2000" dirty="0" smtClean="0">
+                <a:latin typeface="Courier" charset="0"/>
+                <a:ea typeface="Courier" charset="0"/>
+                <a:cs typeface="Courier" charset="0"/>
+              </a:rPr>
+              <a:t>      </a:t>
+            </a:r>
+            <a:r>
+              <a:rPr lang="mr-IN" sz="2000" i="1" dirty="0" err="1" smtClean="0">
+                <a:solidFill>
+                  <a:srgbClr val="660E7A"/>
+                </a:solidFill>
+                <a:latin typeface="Courier" charset="0"/>
+                <a:ea typeface="Courier" charset="0"/>
+                <a:cs typeface="Courier" charset="0"/>
+              </a:rPr>
+              <a:t>k</a:t>
+            </a:r>
+            <a:r>
+              <a:rPr lang="mr-IN" sz="2000" dirty="0" smtClean="0">
+                <a:latin typeface="Courier" charset="0"/>
+                <a:ea typeface="Courier" charset="0"/>
+                <a:cs typeface="Courier" charset="0"/>
+              </a:rPr>
+              <a:t>(</a:t>
+            </a:r>
+            <a:r>
+              <a:rPr lang="mr-IN" sz="2000" i="1" dirty="0" err="1" smtClean="0">
+                <a:solidFill>
+                  <a:srgbClr val="660E7A"/>
+                </a:solidFill>
+                <a:latin typeface="Courier" charset="0"/>
+                <a:ea typeface="Courier" charset="0"/>
+                <a:cs typeface="Courier" charset="0"/>
+              </a:rPr>
+              <a:t>a</a:t>
+            </a:r>
+            <a:r>
+              <a:rPr lang="en-US" sz="2000" i="1" dirty="0" smtClean="0">
+                <a:solidFill>
+                  <a:srgbClr val="660E7A"/>
+                </a:solidFill>
+                <a:latin typeface="Courier" charset="0"/>
+                <a:ea typeface="Courier" charset="0"/>
+                <a:cs typeface="Courier" charset="0"/>
+              </a:rPr>
+              <a:t>)</a:t>
+            </a:r>
+            <a:r>
+              <a:rPr lang="en-US" sz="2000" dirty="0" smtClean="0">
+                <a:latin typeface="Courier" charset="0"/>
+                <a:ea typeface="Courier" charset="0"/>
+                <a:cs typeface="Courier" charset="0"/>
+              </a:rPr>
+              <a:t> </a:t>
+            </a:r>
+            <a:endParaRPr lang="en-US" sz="2000" dirty="0" smtClean="0">
+              <a:solidFill>
+                <a:srgbClr val="0000FF"/>
+              </a:solidFill>
+              <a:latin typeface="Courier" charset="0"/>
+              <a:ea typeface="Courier" charset="0"/>
+              <a:cs typeface="Courier" charset="0"/>
+            </a:endParaRPr>
+          </a:p>
+          <a:p>
+            <a:endParaRPr lang="en-US" sz="2000" dirty="0">
+              <a:solidFill>
+                <a:srgbClr val="0000FF"/>
+              </a:solidFill>
+              <a:latin typeface="Courier" charset="0"/>
+              <a:ea typeface="Courier" charset="0"/>
+              <a:cs typeface="Courier" charset="0"/>
+            </a:endParaRPr>
+          </a:p>
+          <a:p>
+            <a:endParaRPr lang="en-US" sz="2000" dirty="0" smtClean="0">
+              <a:solidFill>
+                <a:srgbClr val="0000FF"/>
+              </a:solidFill>
+              <a:latin typeface="Courier" charset="0"/>
+              <a:ea typeface="Courier" charset="0"/>
+              <a:cs typeface="Courier" charset="0"/>
+            </a:endParaRPr>
+          </a:p>
+          <a:p>
+            <a:r>
+              <a:rPr lang="mr-IN" sz="2000" b="1" dirty="0" err="1">
+                <a:solidFill>
+                  <a:srgbClr val="000080"/>
+                </a:solidFill>
+                <a:latin typeface="Courier" charset="0"/>
+                <a:ea typeface="Courier" charset="0"/>
+                <a:cs typeface="Courier" charset="0"/>
+              </a:rPr>
+              <a:t>val</a:t>
+            </a:r>
+            <a:r>
+              <a:rPr lang="mr-IN" sz="2000" b="1" dirty="0">
+                <a:solidFill>
+                  <a:srgbClr val="000080"/>
+                </a:solidFill>
+                <a:latin typeface="Courier" charset="0"/>
+                <a:ea typeface="Courier" charset="0"/>
+                <a:cs typeface="Courier" charset="0"/>
+              </a:rPr>
+              <a:t> </a:t>
+            </a:r>
+            <a:r>
+              <a:rPr lang="mr-IN" sz="2000" i="1" dirty="0" err="1">
+                <a:solidFill>
+                  <a:srgbClr val="660E7A"/>
+                </a:solidFill>
+                <a:latin typeface="Courier" charset="0"/>
+                <a:ea typeface="Courier" charset="0"/>
+                <a:cs typeface="Courier" charset="0"/>
+              </a:rPr>
+              <a:t>a</a:t>
+            </a:r>
+            <a:r>
+              <a:rPr lang="mr-IN" sz="2000" i="1" dirty="0">
+                <a:solidFill>
+                  <a:srgbClr val="660E7A"/>
+                </a:solidFill>
+                <a:latin typeface="Courier" charset="0"/>
+                <a:ea typeface="Courier" charset="0"/>
+                <a:cs typeface="Courier" charset="0"/>
+              </a:rPr>
+              <a:t> </a:t>
+            </a:r>
+            <a:r>
+              <a:rPr lang="en-US" sz="2000" i="1" dirty="0" smtClean="0">
+                <a:solidFill>
+                  <a:srgbClr val="660E7A"/>
+                </a:solidFill>
+                <a:latin typeface="Courier" charset="0"/>
+                <a:ea typeface="Courier" charset="0"/>
+                <a:cs typeface="Courier" charset="0"/>
+              </a:rPr>
+              <a:t> </a:t>
+            </a:r>
+            <a:r>
+              <a:rPr lang="mr-IN" sz="2000" dirty="0" smtClean="0">
+                <a:latin typeface="Courier" charset="0"/>
+                <a:ea typeface="Courier" charset="0"/>
+                <a:cs typeface="Courier" charset="0"/>
+              </a:rPr>
+              <a:t>= </a:t>
+            </a:r>
+            <a:r>
+              <a:rPr lang="mr-IN" sz="2000" dirty="0">
+                <a:solidFill>
+                  <a:srgbClr val="0000FF"/>
+                </a:solidFill>
+                <a:latin typeface="Courier" charset="0"/>
+                <a:ea typeface="Courier" charset="0"/>
+                <a:cs typeface="Courier" charset="0"/>
+              </a:rPr>
+              <a:t>4</a:t>
+            </a:r>
+            <a:br>
+              <a:rPr lang="mr-IN" sz="2000" dirty="0">
+                <a:solidFill>
+                  <a:srgbClr val="0000FF"/>
+                </a:solidFill>
+                <a:latin typeface="Courier" charset="0"/>
+                <a:ea typeface="Courier" charset="0"/>
+                <a:cs typeface="Courier" charset="0"/>
+              </a:rPr>
+            </a:br>
+            <a:r>
+              <a:rPr lang="mr-IN" sz="2000" b="1" dirty="0" err="1">
+                <a:solidFill>
+                  <a:srgbClr val="000080"/>
+                </a:solidFill>
+                <a:latin typeface="Courier" charset="0"/>
+                <a:ea typeface="Courier" charset="0"/>
+                <a:cs typeface="Courier" charset="0"/>
+              </a:rPr>
+              <a:t>val</a:t>
+            </a:r>
+            <a:r>
+              <a:rPr lang="mr-IN" sz="2000" b="1" dirty="0">
+                <a:solidFill>
+                  <a:srgbClr val="000080"/>
+                </a:solidFill>
+                <a:latin typeface="Courier" charset="0"/>
+                <a:ea typeface="Courier" charset="0"/>
+                <a:cs typeface="Courier" charset="0"/>
+              </a:rPr>
+              <a:t> </a:t>
+            </a:r>
+            <a:r>
+              <a:rPr lang="mr-IN" sz="2000" i="1" dirty="0">
+                <a:solidFill>
+                  <a:srgbClr val="660E7A"/>
+                </a:solidFill>
+                <a:latin typeface="Courier" charset="0"/>
+                <a:ea typeface="Courier" charset="0"/>
+                <a:cs typeface="Courier" charset="0"/>
+              </a:rPr>
+              <a:t>k1 </a:t>
+            </a:r>
+            <a:r>
+              <a:rPr lang="mr-IN" sz="2000" dirty="0">
+                <a:latin typeface="Courier" charset="0"/>
+                <a:ea typeface="Courier" charset="0"/>
+                <a:cs typeface="Courier" charset="0"/>
+              </a:rPr>
+              <a:t>= (</a:t>
+            </a:r>
+            <a:r>
+              <a:rPr lang="mr-IN" sz="2000" dirty="0" err="1">
+                <a:latin typeface="Courier" charset="0"/>
+                <a:ea typeface="Courier" charset="0"/>
+                <a:cs typeface="Courier" charset="0"/>
+              </a:rPr>
+              <a:t>x</a:t>
+            </a:r>
+            <a:r>
+              <a:rPr lang="mr-IN" sz="2000" dirty="0">
+                <a:latin typeface="Courier" charset="0"/>
+                <a:ea typeface="Courier" charset="0"/>
+                <a:cs typeface="Courier" charset="0"/>
+              </a:rPr>
+              <a:t>: </a:t>
+            </a:r>
+            <a:r>
+              <a:rPr lang="mr-IN" sz="2000" dirty="0" err="1">
+                <a:latin typeface="Courier" charset="0"/>
+                <a:ea typeface="Courier" charset="0"/>
+                <a:cs typeface="Courier" charset="0"/>
+              </a:rPr>
+              <a:t>Int</a:t>
+            </a:r>
+            <a:r>
+              <a:rPr lang="mr-IN" sz="2000" dirty="0">
+                <a:latin typeface="Courier" charset="0"/>
+                <a:ea typeface="Courier" charset="0"/>
+                <a:cs typeface="Courier" charset="0"/>
+              </a:rPr>
+              <a:t>) =&gt; </a:t>
+            </a:r>
+            <a:r>
+              <a:rPr lang="mr-IN" sz="2000" dirty="0" err="1">
+                <a:latin typeface="Courier" charset="0"/>
+                <a:ea typeface="Courier" charset="0"/>
+                <a:cs typeface="Courier" charset="0"/>
+              </a:rPr>
+              <a:t>x</a:t>
+            </a:r>
+            <a:r>
+              <a:rPr lang="mr-IN" sz="2000" dirty="0">
+                <a:latin typeface="Courier" charset="0"/>
+                <a:ea typeface="Courier" charset="0"/>
+                <a:cs typeface="Courier" charset="0"/>
+              </a:rPr>
+              <a:t> * </a:t>
+            </a:r>
+            <a:r>
+              <a:rPr lang="mr-IN" sz="2000" dirty="0" smtClean="0">
+                <a:solidFill>
+                  <a:srgbClr val="0000FF"/>
+                </a:solidFill>
+                <a:latin typeface="Courier" charset="0"/>
+                <a:ea typeface="Courier" charset="0"/>
+                <a:cs typeface="Courier" charset="0"/>
+              </a:rPr>
+              <a:t>2</a:t>
+            </a:r>
+            <a:endParaRPr lang="en-US" sz="2000" dirty="0" smtClean="0">
+              <a:solidFill>
+                <a:srgbClr val="0000FF"/>
+              </a:solidFill>
+              <a:latin typeface="Courier" charset="0"/>
+              <a:ea typeface="Courier" charset="0"/>
+              <a:cs typeface="Courier" charset="0"/>
+            </a:endParaRPr>
+          </a:p>
+          <a:p>
+            <a:endParaRPr lang="en-US" sz="2000" dirty="0">
+              <a:solidFill>
+                <a:srgbClr val="0000FF"/>
+              </a:solidFill>
+              <a:latin typeface="Courier" charset="0"/>
+              <a:ea typeface="Courier" charset="0"/>
+              <a:cs typeface="Courier" charset="0"/>
+            </a:endParaRPr>
+          </a:p>
+          <a:p>
+            <a:r>
+              <a:rPr lang="mr-IN" sz="2000" b="1" dirty="0" err="1">
+                <a:solidFill>
+                  <a:srgbClr val="000080"/>
+                </a:solidFill>
+                <a:latin typeface="Courier" charset="0"/>
+                <a:ea typeface="Courier" charset="0"/>
+                <a:cs typeface="Courier" charset="0"/>
+              </a:rPr>
+              <a:t>val</a:t>
+            </a:r>
+            <a:r>
+              <a:rPr lang="mr-IN" sz="2000" b="1" dirty="0">
+                <a:solidFill>
+                  <a:srgbClr val="000080"/>
+                </a:solidFill>
+                <a:latin typeface="Courier" charset="0"/>
+                <a:ea typeface="Courier" charset="0"/>
+                <a:cs typeface="Courier" charset="0"/>
+              </a:rPr>
+              <a:t> </a:t>
+            </a:r>
+            <a:r>
+              <a:rPr lang="mr-IN" sz="2000" i="1" dirty="0">
+                <a:solidFill>
+                  <a:srgbClr val="660E7A"/>
+                </a:solidFill>
+                <a:latin typeface="Courier" charset="0"/>
+                <a:ea typeface="Courier" charset="0"/>
+                <a:cs typeface="Courier" charset="0"/>
+              </a:rPr>
+              <a:t>k2 </a:t>
+            </a:r>
+            <a:r>
+              <a:rPr lang="mr-IN" sz="2000" dirty="0">
+                <a:latin typeface="Courier" charset="0"/>
+                <a:ea typeface="Courier" charset="0"/>
+                <a:cs typeface="Courier" charset="0"/>
+              </a:rPr>
+              <a:t>= (</a:t>
+            </a:r>
+            <a:r>
+              <a:rPr lang="mr-IN" sz="2000" dirty="0" err="1">
+                <a:latin typeface="Courier" charset="0"/>
+                <a:ea typeface="Courier" charset="0"/>
+                <a:cs typeface="Courier" charset="0"/>
+              </a:rPr>
+              <a:t>x</a:t>
+            </a:r>
+            <a:r>
+              <a:rPr lang="mr-IN" sz="2000" dirty="0">
+                <a:latin typeface="Courier" charset="0"/>
+                <a:ea typeface="Courier" charset="0"/>
+                <a:cs typeface="Courier" charset="0"/>
+              </a:rPr>
+              <a:t>: </a:t>
+            </a:r>
+            <a:r>
+              <a:rPr lang="mr-IN" sz="2000" dirty="0" err="1">
+                <a:latin typeface="Courier" charset="0"/>
+                <a:ea typeface="Courier" charset="0"/>
+                <a:cs typeface="Courier" charset="0"/>
+              </a:rPr>
+              <a:t>Int</a:t>
+            </a:r>
+            <a:r>
+              <a:rPr lang="mr-IN" sz="2000" dirty="0">
+                <a:latin typeface="Courier" charset="0"/>
+                <a:ea typeface="Courier" charset="0"/>
+                <a:cs typeface="Courier" charset="0"/>
+              </a:rPr>
+              <a:t>) =&gt; </a:t>
+            </a:r>
+            <a:r>
+              <a:rPr lang="mr-IN" sz="2000" dirty="0">
+                <a:solidFill>
+                  <a:srgbClr val="0000FF"/>
+                </a:solidFill>
+                <a:latin typeface="Courier" charset="0"/>
+                <a:ea typeface="Courier" charset="0"/>
+                <a:cs typeface="Courier" charset="0"/>
+              </a:rPr>
+              <a:t>10 </a:t>
+            </a:r>
+            <a:r>
+              <a:rPr lang="mr-IN" sz="2000" dirty="0" smtClean="0">
+                <a:latin typeface="Courier" charset="0"/>
+                <a:ea typeface="Courier" charset="0"/>
+                <a:cs typeface="Courier" charset="0"/>
+              </a:rPr>
+              <a:t>- </a:t>
+            </a:r>
+            <a:r>
+              <a:rPr lang="mr-IN" sz="2000" dirty="0" err="1" smtClean="0">
+                <a:latin typeface="Courier" charset="0"/>
+                <a:ea typeface="Courier" charset="0"/>
+                <a:cs typeface="Courier" charset="0"/>
+              </a:rPr>
+              <a:t>x</a:t>
+            </a:r>
+            <a:r>
+              <a:rPr lang="mr-IN" sz="2000" dirty="0" smtClean="0">
+                <a:latin typeface="Courier" charset="0"/>
+                <a:ea typeface="Courier" charset="0"/>
+                <a:cs typeface="Courier" charset="0"/>
+              </a:rPr>
+              <a:t> </a:t>
+            </a:r>
+            <a:r>
+              <a:rPr lang="mr-IN" sz="2000" dirty="0">
+                <a:latin typeface="Courier" charset="0"/>
+                <a:ea typeface="Courier" charset="0"/>
+                <a:cs typeface="Courier" charset="0"/>
+              </a:rPr>
+              <a:t/>
+            </a:r>
+            <a:br>
+              <a:rPr lang="mr-IN" sz="2000" dirty="0">
+                <a:latin typeface="Courier" charset="0"/>
+                <a:ea typeface="Courier" charset="0"/>
+                <a:cs typeface="Courier" charset="0"/>
+              </a:rPr>
+            </a:br>
+            <a:endParaRPr lang="en-US" sz="2000" dirty="0" smtClean="0">
+              <a:latin typeface="Courier" charset="0"/>
+              <a:ea typeface="Courier" charset="0"/>
+              <a:cs typeface="Courier" charset="0"/>
+            </a:endParaRPr>
+          </a:p>
+          <a:p>
+            <a:r>
+              <a:rPr lang="mr-IN" sz="2000" b="1" dirty="0" err="1">
+                <a:solidFill>
+                  <a:srgbClr val="000080"/>
+                </a:solidFill>
+                <a:latin typeface="Courier" charset="0"/>
+                <a:ea typeface="Courier" charset="0"/>
+                <a:cs typeface="Courier" charset="0"/>
+              </a:rPr>
+              <a:t>val</a:t>
+            </a:r>
+            <a:r>
+              <a:rPr lang="mr-IN" sz="2000" b="1" dirty="0">
+                <a:solidFill>
+                  <a:srgbClr val="000080"/>
+                </a:solidFill>
+                <a:latin typeface="Courier" charset="0"/>
+                <a:ea typeface="Courier" charset="0"/>
+                <a:cs typeface="Courier" charset="0"/>
+              </a:rPr>
+              <a:t> </a:t>
+            </a:r>
+            <a:r>
+              <a:rPr lang="mr-IN" sz="2000" i="1" dirty="0">
+                <a:solidFill>
+                  <a:srgbClr val="660E7A"/>
+                </a:solidFill>
+                <a:latin typeface="Courier" charset="0"/>
+                <a:ea typeface="Courier" charset="0"/>
+                <a:cs typeface="Courier" charset="0"/>
+              </a:rPr>
+              <a:t>k3 </a:t>
+            </a:r>
+            <a:r>
+              <a:rPr lang="mr-IN" sz="2000" dirty="0">
+                <a:latin typeface="Courier" charset="0"/>
+                <a:ea typeface="Courier" charset="0"/>
+                <a:cs typeface="Courier" charset="0"/>
+              </a:rPr>
+              <a:t>= (</a:t>
+            </a:r>
+            <a:r>
+              <a:rPr lang="mr-IN" sz="2000" dirty="0" err="1">
+                <a:latin typeface="Courier" charset="0"/>
+                <a:ea typeface="Courier" charset="0"/>
+                <a:cs typeface="Courier" charset="0"/>
+              </a:rPr>
+              <a:t>x</a:t>
+            </a:r>
+            <a:r>
+              <a:rPr lang="mr-IN" sz="2000" dirty="0">
+                <a:latin typeface="Courier" charset="0"/>
+                <a:ea typeface="Courier" charset="0"/>
+                <a:cs typeface="Courier" charset="0"/>
+              </a:rPr>
+              <a:t>: </a:t>
+            </a:r>
+            <a:r>
+              <a:rPr lang="mr-IN" sz="2000" dirty="0" err="1">
+                <a:latin typeface="Courier" charset="0"/>
+                <a:ea typeface="Courier" charset="0"/>
+                <a:cs typeface="Courier" charset="0"/>
+              </a:rPr>
+              <a:t>Int</a:t>
+            </a:r>
+            <a:r>
+              <a:rPr lang="mr-IN" sz="2000" dirty="0">
+                <a:latin typeface="Courier" charset="0"/>
+                <a:ea typeface="Courier" charset="0"/>
+                <a:cs typeface="Courier" charset="0"/>
+              </a:rPr>
+              <a:t>) =&gt; </a:t>
+            </a:r>
+            <a:r>
+              <a:rPr lang="mr-IN" sz="2000" dirty="0" err="1">
+                <a:latin typeface="Courier" charset="0"/>
+                <a:ea typeface="Courier" charset="0"/>
+                <a:cs typeface="Courier" charset="0"/>
+              </a:rPr>
+              <a:t>x</a:t>
+            </a:r>
+            <a:r>
+              <a:rPr lang="mr-IN" sz="2000" dirty="0">
+                <a:latin typeface="Courier" charset="0"/>
+                <a:ea typeface="Courier" charset="0"/>
+                <a:cs typeface="Courier" charset="0"/>
+              </a:rPr>
+              <a:t> + </a:t>
+            </a:r>
+            <a:r>
+              <a:rPr lang="mr-IN" sz="2000" dirty="0">
+                <a:solidFill>
+                  <a:srgbClr val="0000FF"/>
+                </a:solidFill>
+                <a:latin typeface="Courier" charset="0"/>
+                <a:ea typeface="Courier" charset="0"/>
+                <a:cs typeface="Courier" charset="0"/>
+              </a:rPr>
+              <a:t>1</a:t>
+            </a:r>
+            <a:endParaRPr lang="en-US" sz="2000" dirty="0">
+              <a:solidFill>
+                <a:srgbClr val="0000FF"/>
+              </a:solidFill>
+              <a:latin typeface="Courier" charset="0"/>
+              <a:ea typeface="Courier" charset="0"/>
+              <a:cs typeface="Courier" charset="0"/>
+            </a:endParaRPr>
+          </a:p>
+          <a:p>
+            <a:endParaRPr lang="en-US" sz="2000" dirty="0" smtClean="0">
+              <a:solidFill>
+                <a:srgbClr val="0000FF"/>
+              </a:solidFill>
+              <a:latin typeface="Courier" charset="0"/>
+              <a:ea typeface="Courier" charset="0"/>
+              <a:cs typeface="Courier" charset="0"/>
+            </a:endParaRPr>
+          </a:p>
+          <a:p>
+            <a:r>
+              <a:rPr lang="en-US" sz="2000" b="1" dirty="0" err="1">
+                <a:solidFill>
+                  <a:srgbClr val="000080"/>
+                </a:solidFill>
+                <a:latin typeface="Courier" charset="0"/>
+                <a:ea typeface="Courier" charset="0"/>
+                <a:cs typeface="Courier" charset="0"/>
+              </a:rPr>
+              <a:t>val</a:t>
+            </a:r>
+            <a:r>
+              <a:rPr lang="en-US" sz="2000" b="1" dirty="0">
+                <a:solidFill>
+                  <a:srgbClr val="000080"/>
+                </a:solidFill>
+                <a:latin typeface="Courier" charset="0"/>
+                <a:ea typeface="Courier" charset="0"/>
+                <a:cs typeface="Courier" charset="0"/>
+              </a:rPr>
+              <a:t> </a:t>
+            </a:r>
+            <a:r>
+              <a:rPr lang="en-US" sz="2000" i="1" dirty="0">
+                <a:solidFill>
+                  <a:srgbClr val="660E7A"/>
+                </a:solidFill>
+                <a:latin typeface="Courier" charset="0"/>
+                <a:ea typeface="Courier" charset="0"/>
+                <a:cs typeface="Courier" charset="0"/>
+              </a:rPr>
+              <a:t>k </a:t>
+            </a:r>
+            <a:r>
+              <a:rPr lang="en-US" sz="2000" dirty="0">
+                <a:latin typeface="Courier" charset="0"/>
+                <a:ea typeface="Courier" charset="0"/>
+                <a:cs typeface="Courier" charset="0"/>
+              </a:rPr>
+              <a:t>= </a:t>
+            </a:r>
+            <a:r>
+              <a:rPr lang="en-US" sz="2000" i="1" dirty="0">
+                <a:solidFill>
+                  <a:srgbClr val="660E7A"/>
+                </a:solidFill>
+                <a:latin typeface="Courier" charset="0"/>
+                <a:ea typeface="Courier" charset="0"/>
+                <a:cs typeface="Courier" charset="0"/>
+              </a:rPr>
+              <a:t>k3 </a:t>
+            </a:r>
+            <a:r>
+              <a:rPr lang="en-US" sz="2000" dirty="0">
+                <a:latin typeface="Courier" charset="0"/>
+                <a:ea typeface="Courier" charset="0"/>
+                <a:cs typeface="Courier" charset="0"/>
+              </a:rPr>
+              <a:t>compose </a:t>
+            </a:r>
+            <a:r>
+              <a:rPr lang="en-US" sz="2000" i="1" dirty="0">
+                <a:solidFill>
+                  <a:srgbClr val="660E7A"/>
+                </a:solidFill>
+                <a:latin typeface="Courier" charset="0"/>
+                <a:ea typeface="Courier" charset="0"/>
+                <a:cs typeface="Courier" charset="0"/>
+              </a:rPr>
+              <a:t>k2 </a:t>
+            </a:r>
+            <a:r>
+              <a:rPr lang="en-US" sz="2000" dirty="0">
+                <a:latin typeface="Courier" charset="0"/>
+                <a:ea typeface="Courier" charset="0"/>
+                <a:cs typeface="Courier" charset="0"/>
+              </a:rPr>
+              <a:t>compose </a:t>
+            </a:r>
+            <a:r>
+              <a:rPr lang="en-US" sz="2000" i="1" dirty="0">
+                <a:solidFill>
+                  <a:srgbClr val="660E7A"/>
+                </a:solidFill>
+                <a:latin typeface="Courier" charset="0"/>
+                <a:ea typeface="Courier" charset="0"/>
+                <a:cs typeface="Courier" charset="0"/>
+              </a:rPr>
+              <a:t>k1</a:t>
+            </a:r>
+            <a:br>
+              <a:rPr lang="en-US" sz="2000" i="1" dirty="0">
+                <a:solidFill>
+                  <a:srgbClr val="660E7A"/>
+                </a:solidFill>
+                <a:latin typeface="Courier" charset="0"/>
+                <a:ea typeface="Courier" charset="0"/>
+                <a:cs typeface="Courier" charset="0"/>
+              </a:rPr>
+            </a:br>
+            <a:endParaRPr lang="en-US" sz="2000" dirty="0">
+              <a:solidFill>
+                <a:srgbClr val="0000FF"/>
+              </a:solidFill>
+              <a:latin typeface="Courier" charset="0"/>
+              <a:ea typeface="Courier" charset="0"/>
+              <a:cs typeface="Courier" charset="0"/>
+            </a:endParaRPr>
+          </a:p>
+          <a:p>
+            <a:endParaRPr lang="en-US" sz="2000" dirty="0" smtClean="0">
+              <a:solidFill>
+                <a:srgbClr val="0000FF"/>
+              </a:solidFill>
+              <a:latin typeface="Courier" charset="0"/>
+              <a:ea typeface="Courier" charset="0"/>
+              <a:cs typeface="Courier" charset="0"/>
+            </a:endParaRPr>
+          </a:p>
+          <a:p>
+            <a:endParaRPr lang="en-US" sz="2000" dirty="0">
+              <a:latin typeface="Courier" charset="0"/>
+              <a:ea typeface="Courier" charset="0"/>
+              <a:cs typeface="Courier" charset="0"/>
+            </a:endParaRPr>
+          </a:p>
+          <a:p>
+            <a:endParaRPr lang="en-US" dirty="0" smtClean="0">
+              <a:latin typeface="Courier" charset="0"/>
+              <a:ea typeface="Courier" charset="0"/>
+              <a:cs typeface="Courier" charset="0"/>
+            </a:endParaRPr>
+          </a:p>
+          <a:p>
+            <a:endParaRPr lang="en-US" dirty="0" smtClean="0">
+              <a:latin typeface="Courier" charset="0"/>
+              <a:ea typeface="Courier" charset="0"/>
+              <a:cs typeface="Courier" charset="0"/>
+            </a:endParaRPr>
+          </a:p>
+          <a:p>
+            <a:endParaRPr lang="en-US" dirty="0">
+              <a:latin typeface="Courier" charset="0"/>
+              <a:ea typeface="Courier" charset="0"/>
+              <a:cs typeface="Courier" charset="0"/>
+            </a:endParaRPr>
+          </a:p>
+        </p:txBody>
+      </p:sp>
+      <p:sp>
+        <p:nvSpPr>
+          <p:cNvPr id="9" name="TextBox 8"/>
+          <p:cNvSpPr txBox="1"/>
+          <p:nvPr/>
+        </p:nvSpPr>
+        <p:spPr>
+          <a:xfrm>
+            <a:off x="596902" y="1260000"/>
+            <a:ext cx="6053901" cy="400110"/>
+          </a:xfrm>
+          <a:prstGeom prst="rect">
+            <a:avLst/>
+          </a:prstGeom>
+          <a:noFill/>
+        </p:spPr>
+        <p:txBody>
+          <a:bodyPr wrap="none" rtlCol="0">
+            <a:spAutoFit/>
+          </a:bodyPr>
+          <a:lstStyle/>
+          <a:p>
+            <a:r>
+              <a:rPr lang="en-US" sz="2000" dirty="0" smtClean="0"/>
+              <a:t>A continuation is </a:t>
+            </a:r>
+            <a:r>
+              <a:rPr lang="en-US" sz="2000" dirty="0" smtClean="0"/>
+              <a:t>the context surrounding </a:t>
+            </a:r>
+            <a:r>
+              <a:rPr lang="en-US" sz="2000" dirty="0" smtClean="0"/>
+              <a:t>an </a:t>
+            </a:r>
+            <a:r>
+              <a:rPr lang="en-US" sz="2000" dirty="0" smtClean="0"/>
+              <a:t>expression.</a:t>
+            </a:r>
+          </a:p>
+        </p:txBody>
+      </p:sp>
+      <p:sp>
+        <p:nvSpPr>
+          <p:cNvPr id="7" name="Rectangle 6"/>
+          <p:cNvSpPr/>
+          <p:nvPr/>
+        </p:nvSpPr>
+        <p:spPr>
+          <a:xfrm>
+            <a:off x="2464386" y="2346992"/>
+            <a:ext cx="612000" cy="410059"/>
+          </a:xfrm>
+          <a:prstGeom prst="rect">
+            <a:avLst/>
+          </a:prstGeom>
+          <a:solidFill>
+            <a:srgbClr val="00B050">
+              <a:alpha val="49000"/>
+            </a:srgbClr>
+          </a:solidFill>
+        </p:spPr>
+        <p:style>
+          <a:lnRef idx="2">
+            <a:schemeClr val="accent1">
+              <a:shade val="50000"/>
+            </a:schemeClr>
+          </a:lnRef>
+          <a:fillRef idx="1">
+            <a:schemeClr val="accent1"/>
+          </a:fillRef>
+          <a:effectRef idx="0">
+            <a:schemeClr val="accent1"/>
+          </a:effectRef>
+          <a:fontRef idx="minor">
+            <a:schemeClr val="lt1"/>
+          </a:fontRef>
+        </p:style>
+        <p:txBody>
+          <a:bodyPr lIns="36000" rtlCol="0" anchor="ctr"/>
+          <a:lstStyle/>
+          <a:p>
+            <a:pPr algn="ctr"/>
+            <a:r>
+              <a:rPr lang="en-US" smtClean="0"/>
+              <a:t> </a:t>
+            </a:r>
+            <a:endParaRPr lang="en-US"/>
+          </a:p>
+        </p:txBody>
+      </p:sp>
+      <p:sp>
+        <p:nvSpPr>
+          <p:cNvPr id="8" name="Rectangle 7"/>
+          <p:cNvSpPr/>
+          <p:nvPr/>
+        </p:nvSpPr>
+        <p:spPr>
+          <a:xfrm>
+            <a:off x="1063637" y="2346993"/>
+            <a:ext cx="612000" cy="410059"/>
+          </a:xfrm>
+          <a:prstGeom prst="rect">
+            <a:avLst/>
+          </a:prstGeom>
+          <a:solidFill>
+            <a:srgbClr val="00B050">
+              <a:alpha val="49000"/>
+            </a:srgbClr>
+          </a:solidFill>
+        </p:spPr>
+        <p:style>
+          <a:lnRef idx="2">
+            <a:schemeClr val="accent1">
+              <a:shade val="50000"/>
+            </a:schemeClr>
+          </a:lnRef>
+          <a:fillRef idx="1">
+            <a:schemeClr val="accent1"/>
+          </a:fillRef>
+          <a:effectRef idx="0">
+            <a:schemeClr val="accent1"/>
+          </a:effectRef>
+          <a:fontRef idx="minor">
+            <a:schemeClr val="lt1"/>
+          </a:fontRef>
+        </p:style>
+        <p:txBody>
+          <a:bodyPr lIns="36000" rtlCol="0" anchor="ctr"/>
+          <a:lstStyle/>
+          <a:p>
+            <a:pPr algn="ctr"/>
+            <a:r>
+              <a:rPr lang="en-US" smtClean="0"/>
+              <a:t> </a:t>
+            </a:r>
+            <a:endParaRPr lang="en-US"/>
+          </a:p>
+        </p:txBody>
+      </p:sp>
+    </p:spTree>
+    <p:extLst>
+      <p:ext uri="{BB962C8B-B14F-4D97-AF65-F5344CB8AC3E}">
+        <p14:creationId xmlns:p14="http://schemas.microsoft.com/office/powerpoint/2010/main" val="1268949954"/>
+      </p:ext>
+    </p:extLst>
+  </p:cSld>
+  <p:clrMapOvr>
+    <a:masterClrMapping/>
+  </p:clrMapOvr>
+  <p:timing>
+    <p:tnLst>
+      <p:par>
+        <p:cTn id="1" dur="indefinite" restart="never" nodeType="tmRoot"/>
+      </p:par>
+    </p:tnLst>
+  </p:timing>
+</p:sld>
+</file>
+
+<file path=ppt/slides/slide9.xml><?xml version="1.0" encoding="utf-8"?>
+<p:sld xmlns:a="http://schemas.openxmlformats.org/drawingml/2006/main" xmlns:r="http://schemas.openxmlformats.org/officeDocument/2006/relationships" xmlns:p="http://schemas.openxmlformats.org/presentationml/2006/main">
+  <p:cSld>
+    <p:spTree>
+      <p:nvGrpSpPr>
+        <p:cNvPr id="1" name=""/>
+        <p:cNvGrpSpPr/>
+        <p:nvPr/>
+      </p:nvGrpSpPr>
+      <p:grpSpPr>
+        <a:xfrm>
+          <a:off x="0" y="0"/>
+          <a:ext cx="0" cy="0"/>
+          <a:chOff x="0" y="0"/>
+          <a:chExt cx="0" cy="0"/>
+        </a:xfrm>
+      </p:grpSpPr>
+      <p:sp>
+        <p:nvSpPr>
+          <p:cNvPr id="2" name="Title 1"/>
+          <p:cNvSpPr>
+            <a:spLocks noGrp="1"/>
+          </p:cNvSpPr>
+          <p:nvPr>
+            <p:ph type="title"/>
+          </p:nvPr>
+        </p:nvSpPr>
+        <p:spPr>
+          <a:xfrm>
+            <a:off x="596901" y="506124"/>
+            <a:ext cx="10510838" cy="431515"/>
+          </a:xfrm>
+        </p:spPr>
+        <p:txBody>
+          <a:bodyPr/>
+          <a:lstStyle/>
+          <a:p>
+            <a:r>
+              <a:rPr lang="en-US" dirty="0" smtClean="0"/>
+              <a:t>CPS: Continuation Passing Style.</a:t>
+            </a:r>
+            <a:endParaRPr lang="en-US" dirty="0"/>
+          </a:p>
+        </p:txBody>
+      </p:sp>
+      <p:sp>
+        <p:nvSpPr>
+          <p:cNvPr id="6" name="Rectangle 5"/>
+          <p:cNvSpPr/>
+          <p:nvPr/>
+        </p:nvSpPr>
+        <p:spPr>
+          <a:xfrm>
+            <a:off x="2925763" y="1900719"/>
+            <a:ext cx="6043576" cy="446276"/>
+          </a:xfrm>
+          <a:prstGeom prst="rect">
+            <a:avLst/>
+          </a:prstGeom>
+        </p:spPr>
+        <p:txBody>
+          <a:bodyPr wrap="square">
+            <a:spAutoFit/>
+          </a:bodyPr>
+          <a:lstStyle/>
+          <a:p>
+            <a:endParaRPr lang="en-US" dirty="0"/>
+          </a:p>
+        </p:txBody>
+      </p:sp>
+      <p:sp>
+        <p:nvSpPr>
+          <p:cNvPr id="10" name="TextBox 9"/>
+          <p:cNvSpPr txBox="1"/>
+          <p:nvPr/>
+        </p:nvSpPr>
+        <p:spPr>
+          <a:xfrm>
+            <a:off x="648000" y="1872000"/>
+            <a:ext cx="10510838" cy="5709255"/>
+          </a:xfrm>
+          <a:prstGeom prst="rect">
+            <a:avLst/>
+          </a:prstGeom>
+          <a:noFill/>
+        </p:spPr>
+        <p:txBody>
+          <a:bodyPr wrap="square" tIns="0" rtlCol="0">
+            <a:spAutoFit/>
+          </a:bodyPr>
+          <a:lstStyle/>
+          <a:p>
+            <a:endParaRPr lang="en-US" dirty="0" smtClean="0">
+              <a:latin typeface="Courier" charset="0"/>
+              <a:ea typeface="Courier" charset="0"/>
+              <a:cs typeface="Courier" charset="0"/>
+            </a:endParaRPr>
+          </a:p>
+          <a:p>
+            <a:endParaRPr lang="en-US" dirty="0" smtClean="0">
+              <a:latin typeface="Courier" charset="0"/>
+              <a:ea typeface="Courier" charset="0"/>
+              <a:cs typeface="Courier" charset="0"/>
+            </a:endParaRPr>
+          </a:p>
+          <a:p>
+            <a:r>
+              <a:rPr lang="en-US" sz="2000" dirty="0">
+                <a:latin typeface="Courier" charset="0"/>
+                <a:ea typeface="Courier" charset="0"/>
+                <a:cs typeface="Courier" charset="0"/>
+              </a:rPr>
+              <a:t> </a:t>
+            </a:r>
+            <a:r>
+              <a:rPr lang="en-US" sz="2000" dirty="0" smtClean="0">
+                <a:latin typeface="Courier" charset="0"/>
+                <a:ea typeface="Courier" charset="0"/>
+                <a:cs typeface="Courier" charset="0"/>
+              </a:rPr>
+              <a:t>      </a:t>
+            </a:r>
+            <a:r>
+              <a:rPr lang="mr-IN" sz="2000" i="1" dirty="0" err="1" smtClean="0">
+                <a:solidFill>
+                  <a:srgbClr val="660E7A"/>
+                </a:solidFill>
+                <a:latin typeface="Courier" charset="0"/>
+                <a:ea typeface="Courier" charset="0"/>
+                <a:cs typeface="Courier" charset="0"/>
+              </a:rPr>
+              <a:t>k</a:t>
+            </a:r>
+            <a:r>
+              <a:rPr lang="mr-IN" sz="2000" dirty="0" smtClean="0">
+                <a:latin typeface="Courier" charset="0"/>
+                <a:ea typeface="Courier" charset="0"/>
+                <a:cs typeface="Courier" charset="0"/>
+              </a:rPr>
+              <a:t>(</a:t>
+            </a:r>
+            <a:r>
+              <a:rPr lang="mr-IN" sz="2000" i="1" dirty="0" err="1" smtClean="0">
+                <a:solidFill>
+                  <a:srgbClr val="660E7A"/>
+                </a:solidFill>
+                <a:latin typeface="Courier" charset="0"/>
+                <a:ea typeface="Courier" charset="0"/>
+                <a:cs typeface="Courier" charset="0"/>
+              </a:rPr>
+              <a:t>a</a:t>
+            </a:r>
+            <a:r>
+              <a:rPr lang="en-US" sz="2000" i="1" dirty="0" smtClean="0">
+                <a:solidFill>
+                  <a:srgbClr val="660E7A"/>
+                </a:solidFill>
+                <a:latin typeface="Courier" charset="0"/>
+                <a:ea typeface="Courier" charset="0"/>
+                <a:cs typeface="Courier" charset="0"/>
+              </a:rPr>
+              <a:t>)</a:t>
+            </a:r>
+            <a:r>
+              <a:rPr lang="en-US" sz="2000" dirty="0" smtClean="0">
+                <a:latin typeface="Courier" charset="0"/>
+                <a:ea typeface="Courier" charset="0"/>
+                <a:cs typeface="Courier" charset="0"/>
+              </a:rPr>
+              <a:t> </a:t>
+            </a:r>
+            <a:endParaRPr lang="en-US" sz="2000" dirty="0" smtClean="0">
+              <a:solidFill>
+                <a:srgbClr val="0000FF"/>
+              </a:solidFill>
+              <a:latin typeface="Courier" charset="0"/>
+              <a:ea typeface="Courier" charset="0"/>
+              <a:cs typeface="Courier" charset="0"/>
+            </a:endParaRPr>
+          </a:p>
+          <a:p>
+            <a:endParaRPr lang="en-US" sz="2000" dirty="0">
+              <a:solidFill>
+                <a:srgbClr val="0000FF"/>
+              </a:solidFill>
+              <a:latin typeface="Courier" charset="0"/>
+              <a:ea typeface="Courier" charset="0"/>
+              <a:cs typeface="Courier" charset="0"/>
+            </a:endParaRPr>
+          </a:p>
+          <a:p>
+            <a:endParaRPr lang="en-US" sz="2000" dirty="0" smtClean="0">
+              <a:solidFill>
+                <a:srgbClr val="0000FF"/>
+              </a:solidFill>
+              <a:latin typeface="Courier" charset="0"/>
+              <a:ea typeface="Courier" charset="0"/>
+              <a:cs typeface="Courier" charset="0"/>
+            </a:endParaRPr>
+          </a:p>
+          <a:p>
+            <a:r>
+              <a:rPr lang="mr-IN" sz="2000" b="1" dirty="0" err="1">
+                <a:solidFill>
+                  <a:srgbClr val="000080"/>
+                </a:solidFill>
+                <a:latin typeface="Courier" charset="0"/>
+                <a:ea typeface="Courier" charset="0"/>
+                <a:cs typeface="Courier" charset="0"/>
+              </a:rPr>
+              <a:t>val</a:t>
+            </a:r>
+            <a:r>
+              <a:rPr lang="mr-IN" sz="2000" b="1" dirty="0">
+                <a:solidFill>
+                  <a:srgbClr val="000080"/>
+                </a:solidFill>
+                <a:latin typeface="Courier" charset="0"/>
+                <a:ea typeface="Courier" charset="0"/>
+                <a:cs typeface="Courier" charset="0"/>
+              </a:rPr>
+              <a:t> </a:t>
+            </a:r>
+            <a:r>
+              <a:rPr lang="mr-IN" sz="2000" i="1" dirty="0" err="1">
+                <a:solidFill>
+                  <a:srgbClr val="660E7A"/>
+                </a:solidFill>
+                <a:latin typeface="Courier" charset="0"/>
+                <a:ea typeface="Courier" charset="0"/>
+                <a:cs typeface="Courier" charset="0"/>
+              </a:rPr>
+              <a:t>a</a:t>
+            </a:r>
+            <a:r>
+              <a:rPr lang="mr-IN" sz="2000" i="1" dirty="0">
+                <a:solidFill>
+                  <a:srgbClr val="660E7A"/>
+                </a:solidFill>
+                <a:latin typeface="Courier" charset="0"/>
+                <a:ea typeface="Courier" charset="0"/>
+                <a:cs typeface="Courier" charset="0"/>
+              </a:rPr>
+              <a:t> </a:t>
+            </a:r>
+            <a:r>
+              <a:rPr lang="en-US" sz="2000" i="1" dirty="0" smtClean="0">
+                <a:solidFill>
+                  <a:srgbClr val="660E7A"/>
+                </a:solidFill>
+                <a:latin typeface="Courier" charset="0"/>
+                <a:ea typeface="Courier" charset="0"/>
+                <a:cs typeface="Courier" charset="0"/>
+              </a:rPr>
+              <a:t> </a:t>
+            </a:r>
+            <a:r>
+              <a:rPr lang="mr-IN" sz="2000" dirty="0" smtClean="0">
+                <a:latin typeface="Courier" charset="0"/>
+                <a:ea typeface="Courier" charset="0"/>
+                <a:cs typeface="Courier" charset="0"/>
+              </a:rPr>
+              <a:t>= </a:t>
+            </a:r>
+            <a:r>
+              <a:rPr lang="mr-IN" sz="2000" dirty="0">
+                <a:solidFill>
+                  <a:srgbClr val="0000FF"/>
+                </a:solidFill>
+                <a:latin typeface="Courier" charset="0"/>
+                <a:ea typeface="Courier" charset="0"/>
+                <a:cs typeface="Courier" charset="0"/>
+              </a:rPr>
+              <a:t>4</a:t>
+            </a:r>
+            <a:br>
+              <a:rPr lang="mr-IN" sz="2000" dirty="0">
+                <a:solidFill>
+                  <a:srgbClr val="0000FF"/>
+                </a:solidFill>
+                <a:latin typeface="Courier" charset="0"/>
+                <a:ea typeface="Courier" charset="0"/>
+                <a:cs typeface="Courier" charset="0"/>
+              </a:rPr>
+            </a:br>
+            <a:r>
+              <a:rPr lang="mr-IN" sz="2000" b="1" dirty="0" err="1">
+                <a:solidFill>
+                  <a:srgbClr val="000080"/>
+                </a:solidFill>
+                <a:latin typeface="Courier" charset="0"/>
+                <a:ea typeface="Courier" charset="0"/>
+                <a:cs typeface="Courier" charset="0"/>
+              </a:rPr>
+              <a:t>val</a:t>
+            </a:r>
+            <a:r>
+              <a:rPr lang="mr-IN" sz="2000" b="1" dirty="0">
+                <a:solidFill>
+                  <a:srgbClr val="000080"/>
+                </a:solidFill>
+                <a:latin typeface="Courier" charset="0"/>
+                <a:ea typeface="Courier" charset="0"/>
+                <a:cs typeface="Courier" charset="0"/>
+              </a:rPr>
+              <a:t> </a:t>
+            </a:r>
+            <a:r>
+              <a:rPr lang="mr-IN" sz="2000" i="1" dirty="0">
+                <a:solidFill>
+                  <a:srgbClr val="660E7A"/>
+                </a:solidFill>
+                <a:latin typeface="Courier" charset="0"/>
+                <a:ea typeface="Courier" charset="0"/>
+                <a:cs typeface="Courier" charset="0"/>
+              </a:rPr>
+              <a:t>k1 </a:t>
+            </a:r>
+            <a:r>
+              <a:rPr lang="mr-IN" sz="2000" dirty="0">
+                <a:latin typeface="Courier" charset="0"/>
+                <a:ea typeface="Courier" charset="0"/>
+                <a:cs typeface="Courier" charset="0"/>
+              </a:rPr>
+              <a:t>= (</a:t>
+            </a:r>
+            <a:r>
+              <a:rPr lang="mr-IN" sz="2000" dirty="0" err="1">
+                <a:latin typeface="Courier" charset="0"/>
+                <a:ea typeface="Courier" charset="0"/>
+                <a:cs typeface="Courier" charset="0"/>
+              </a:rPr>
+              <a:t>x</a:t>
+            </a:r>
+            <a:r>
+              <a:rPr lang="mr-IN" sz="2000" dirty="0">
+                <a:latin typeface="Courier" charset="0"/>
+                <a:ea typeface="Courier" charset="0"/>
+                <a:cs typeface="Courier" charset="0"/>
+              </a:rPr>
+              <a:t>: </a:t>
+            </a:r>
+            <a:r>
+              <a:rPr lang="mr-IN" sz="2000" dirty="0" err="1">
+                <a:latin typeface="Courier" charset="0"/>
+                <a:ea typeface="Courier" charset="0"/>
+                <a:cs typeface="Courier" charset="0"/>
+              </a:rPr>
+              <a:t>Int</a:t>
+            </a:r>
+            <a:r>
+              <a:rPr lang="mr-IN" sz="2000" dirty="0">
+                <a:latin typeface="Courier" charset="0"/>
+                <a:ea typeface="Courier" charset="0"/>
+                <a:cs typeface="Courier" charset="0"/>
+              </a:rPr>
+              <a:t>) =&gt; </a:t>
+            </a:r>
+            <a:r>
+              <a:rPr lang="mr-IN" sz="2000" dirty="0" err="1">
+                <a:latin typeface="Courier" charset="0"/>
+                <a:ea typeface="Courier" charset="0"/>
+                <a:cs typeface="Courier" charset="0"/>
+              </a:rPr>
+              <a:t>x</a:t>
+            </a:r>
+            <a:r>
+              <a:rPr lang="mr-IN" sz="2000" dirty="0">
+                <a:latin typeface="Courier" charset="0"/>
+                <a:ea typeface="Courier" charset="0"/>
+                <a:cs typeface="Courier" charset="0"/>
+              </a:rPr>
+              <a:t> * </a:t>
+            </a:r>
+            <a:r>
+              <a:rPr lang="mr-IN" sz="2000" dirty="0" smtClean="0">
+                <a:solidFill>
+                  <a:srgbClr val="0000FF"/>
+                </a:solidFill>
+                <a:latin typeface="Courier" charset="0"/>
+                <a:ea typeface="Courier" charset="0"/>
+                <a:cs typeface="Courier" charset="0"/>
+              </a:rPr>
+              <a:t>2</a:t>
+            </a:r>
+            <a:endParaRPr lang="en-US" sz="2000" dirty="0" smtClean="0">
+              <a:solidFill>
+                <a:srgbClr val="0000FF"/>
+              </a:solidFill>
+              <a:latin typeface="Courier" charset="0"/>
+              <a:ea typeface="Courier" charset="0"/>
+              <a:cs typeface="Courier" charset="0"/>
+            </a:endParaRPr>
+          </a:p>
+          <a:p>
+            <a:endParaRPr lang="en-US" sz="2000" dirty="0">
+              <a:solidFill>
+                <a:srgbClr val="0000FF"/>
+              </a:solidFill>
+              <a:latin typeface="Courier" charset="0"/>
+              <a:ea typeface="Courier" charset="0"/>
+              <a:cs typeface="Courier" charset="0"/>
+            </a:endParaRPr>
+          </a:p>
+          <a:p>
+            <a:r>
+              <a:rPr lang="mr-IN" sz="2000" b="1" dirty="0" err="1">
+                <a:solidFill>
+                  <a:srgbClr val="000080"/>
+                </a:solidFill>
+                <a:latin typeface="Courier" charset="0"/>
+                <a:ea typeface="Courier" charset="0"/>
+                <a:cs typeface="Courier" charset="0"/>
+              </a:rPr>
+              <a:t>val</a:t>
+            </a:r>
+            <a:r>
+              <a:rPr lang="mr-IN" sz="2000" b="1" dirty="0">
+                <a:solidFill>
+                  <a:srgbClr val="000080"/>
+                </a:solidFill>
+                <a:latin typeface="Courier" charset="0"/>
+                <a:ea typeface="Courier" charset="0"/>
+                <a:cs typeface="Courier" charset="0"/>
+              </a:rPr>
+              <a:t> </a:t>
+            </a:r>
+            <a:r>
+              <a:rPr lang="mr-IN" sz="2000" i="1" dirty="0">
+                <a:solidFill>
+                  <a:srgbClr val="660E7A"/>
+                </a:solidFill>
+                <a:latin typeface="Courier" charset="0"/>
+                <a:ea typeface="Courier" charset="0"/>
+                <a:cs typeface="Courier" charset="0"/>
+              </a:rPr>
+              <a:t>k2 </a:t>
+            </a:r>
+            <a:r>
+              <a:rPr lang="mr-IN" sz="2000" dirty="0">
+                <a:latin typeface="Courier" charset="0"/>
+                <a:ea typeface="Courier" charset="0"/>
+                <a:cs typeface="Courier" charset="0"/>
+              </a:rPr>
+              <a:t>= (</a:t>
+            </a:r>
+            <a:r>
+              <a:rPr lang="mr-IN" sz="2000" dirty="0" err="1">
+                <a:latin typeface="Courier" charset="0"/>
+                <a:ea typeface="Courier" charset="0"/>
+                <a:cs typeface="Courier" charset="0"/>
+              </a:rPr>
+              <a:t>x</a:t>
+            </a:r>
+            <a:r>
+              <a:rPr lang="mr-IN" sz="2000" dirty="0">
+                <a:latin typeface="Courier" charset="0"/>
+                <a:ea typeface="Courier" charset="0"/>
+                <a:cs typeface="Courier" charset="0"/>
+              </a:rPr>
+              <a:t>: </a:t>
+            </a:r>
+            <a:r>
+              <a:rPr lang="mr-IN" sz="2000" dirty="0" err="1">
+                <a:latin typeface="Courier" charset="0"/>
+                <a:ea typeface="Courier" charset="0"/>
+                <a:cs typeface="Courier" charset="0"/>
+              </a:rPr>
+              <a:t>Int</a:t>
+            </a:r>
+            <a:r>
+              <a:rPr lang="mr-IN" sz="2000" dirty="0">
+                <a:latin typeface="Courier" charset="0"/>
+                <a:ea typeface="Courier" charset="0"/>
+                <a:cs typeface="Courier" charset="0"/>
+              </a:rPr>
+              <a:t>) =&gt; </a:t>
+            </a:r>
+            <a:r>
+              <a:rPr lang="mr-IN" sz="2000" dirty="0">
+                <a:solidFill>
+                  <a:srgbClr val="0000FF"/>
+                </a:solidFill>
+                <a:latin typeface="Courier" charset="0"/>
+                <a:ea typeface="Courier" charset="0"/>
+                <a:cs typeface="Courier" charset="0"/>
+              </a:rPr>
+              <a:t>10 </a:t>
+            </a:r>
+            <a:r>
+              <a:rPr lang="mr-IN" sz="2000" dirty="0" smtClean="0">
+                <a:latin typeface="Courier" charset="0"/>
+                <a:ea typeface="Courier" charset="0"/>
+                <a:cs typeface="Courier" charset="0"/>
+              </a:rPr>
+              <a:t>- </a:t>
+            </a:r>
+            <a:r>
+              <a:rPr lang="mr-IN" sz="2000" dirty="0" err="1" smtClean="0">
+                <a:latin typeface="Courier" charset="0"/>
+                <a:ea typeface="Courier" charset="0"/>
+                <a:cs typeface="Courier" charset="0"/>
+              </a:rPr>
+              <a:t>x</a:t>
+            </a:r>
+            <a:r>
+              <a:rPr lang="mr-IN" sz="2000" dirty="0" smtClean="0">
+                <a:latin typeface="Courier" charset="0"/>
+                <a:ea typeface="Courier" charset="0"/>
+                <a:cs typeface="Courier" charset="0"/>
+              </a:rPr>
+              <a:t> </a:t>
+            </a:r>
+            <a:r>
+              <a:rPr lang="mr-IN" sz="2000" dirty="0">
+                <a:latin typeface="Courier" charset="0"/>
+                <a:ea typeface="Courier" charset="0"/>
+                <a:cs typeface="Courier" charset="0"/>
+              </a:rPr>
+              <a:t/>
+            </a:r>
+            <a:br>
+              <a:rPr lang="mr-IN" sz="2000" dirty="0">
+                <a:latin typeface="Courier" charset="0"/>
+                <a:ea typeface="Courier" charset="0"/>
+                <a:cs typeface="Courier" charset="0"/>
+              </a:rPr>
+            </a:br>
+            <a:endParaRPr lang="en-US" sz="2000" dirty="0" smtClean="0">
+              <a:latin typeface="Courier" charset="0"/>
+              <a:ea typeface="Courier" charset="0"/>
+              <a:cs typeface="Courier" charset="0"/>
+            </a:endParaRPr>
+          </a:p>
+          <a:p>
+            <a:r>
+              <a:rPr lang="mr-IN" sz="2000" b="1" dirty="0" err="1">
+                <a:solidFill>
+                  <a:srgbClr val="000080"/>
+                </a:solidFill>
+                <a:latin typeface="Courier" charset="0"/>
+                <a:ea typeface="Courier" charset="0"/>
+                <a:cs typeface="Courier" charset="0"/>
+              </a:rPr>
+              <a:t>val</a:t>
+            </a:r>
+            <a:r>
+              <a:rPr lang="mr-IN" sz="2000" b="1" dirty="0">
+                <a:solidFill>
+                  <a:srgbClr val="000080"/>
+                </a:solidFill>
+                <a:latin typeface="Courier" charset="0"/>
+                <a:ea typeface="Courier" charset="0"/>
+                <a:cs typeface="Courier" charset="0"/>
+              </a:rPr>
+              <a:t> </a:t>
+            </a:r>
+            <a:r>
+              <a:rPr lang="mr-IN" sz="2000" i="1" dirty="0">
+                <a:solidFill>
+                  <a:srgbClr val="660E7A"/>
+                </a:solidFill>
+                <a:latin typeface="Courier" charset="0"/>
+                <a:ea typeface="Courier" charset="0"/>
+                <a:cs typeface="Courier" charset="0"/>
+              </a:rPr>
+              <a:t>k3 </a:t>
+            </a:r>
+            <a:r>
+              <a:rPr lang="mr-IN" sz="2000" dirty="0">
+                <a:latin typeface="Courier" charset="0"/>
+                <a:ea typeface="Courier" charset="0"/>
+                <a:cs typeface="Courier" charset="0"/>
+              </a:rPr>
+              <a:t>= (</a:t>
+            </a:r>
+            <a:r>
+              <a:rPr lang="mr-IN" sz="2000" dirty="0" err="1">
+                <a:latin typeface="Courier" charset="0"/>
+                <a:ea typeface="Courier" charset="0"/>
+                <a:cs typeface="Courier" charset="0"/>
+              </a:rPr>
+              <a:t>x</a:t>
+            </a:r>
+            <a:r>
+              <a:rPr lang="mr-IN" sz="2000" dirty="0">
+                <a:latin typeface="Courier" charset="0"/>
+                <a:ea typeface="Courier" charset="0"/>
+                <a:cs typeface="Courier" charset="0"/>
+              </a:rPr>
+              <a:t>: </a:t>
+            </a:r>
+            <a:r>
+              <a:rPr lang="mr-IN" sz="2000" dirty="0" err="1">
+                <a:latin typeface="Courier" charset="0"/>
+                <a:ea typeface="Courier" charset="0"/>
+                <a:cs typeface="Courier" charset="0"/>
+              </a:rPr>
+              <a:t>Int</a:t>
+            </a:r>
+            <a:r>
+              <a:rPr lang="mr-IN" sz="2000" dirty="0">
+                <a:latin typeface="Courier" charset="0"/>
+                <a:ea typeface="Courier" charset="0"/>
+                <a:cs typeface="Courier" charset="0"/>
+              </a:rPr>
+              <a:t>) =&gt; </a:t>
+            </a:r>
+            <a:r>
+              <a:rPr lang="mr-IN" sz="2000" dirty="0" err="1">
+                <a:latin typeface="Courier" charset="0"/>
+                <a:ea typeface="Courier" charset="0"/>
+                <a:cs typeface="Courier" charset="0"/>
+              </a:rPr>
+              <a:t>x</a:t>
+            </a:r>
+            <a:r>
+              <a:rPr lang="mr-IN" sz="2000" dirty="0">
+                <a:latin typeface="Courier" charset="0"/>
+                <a:ea typeface="Courier" charset="0"/>
+                <a:cs typeface="Courier" charset="0"/>
+              </a:rPr>
+              <a:t> + </a:t>
+            </a:r>
+            <a:r>
+              <a:rPr lang="mr-IN" sz="2000" dirty="0">
+                <a:solidFill>
+                  <a:srgbClr val="0000FF"/>
+                </a:solidFill>
+                <a:latin typeface="Courier" charset="0"/>
+                <a:ea typeface="Courier" charset="0"/>
+                <a:cs typeface="Courier" charset="0"/>
+              </a:rPr>
+              <a:t>1</a:t>
+            </a:r>
+            <a:endParaRPr lang="en-US" sz="2000" dirty="0">
+              <a:solidFill>
+                <a:srgbClr val="0000FF"/>
+              </a:solidFill>
+              <a:latin typeface="Courier" charset="0"/>
+              <a:ea typeface="Courier" charset="0"/>
+              <a:cs typeface="Courier" charset="0"/>
+            </a:endParaRPr>
+          </a:p>
+          <a:p>
+            <a:endParaRPr lang="en-US" sz="2000" dirty="0" smtClean="0">
+              <a:solidFill>
+                <a:srgbClr val="0000FF"/>
+              </a:solidFill>
+              <a:latin typeface="Courier" charset="0"/>
+              <a:ea typeface="Courier" charset="0"/>
+              <a:cs typeface="Courier" charset="0"/>
+            </a:endParaRPr>
+          </a:p>
+          <a:p>
+            <a:r>
+              <a:rPr lang="en-US" sz="2000" b="1" dirty="0" err="1">
+                <a:solidFill>
+                  <a:srgbClr val="000080"/>
+                </a:solidFill>
+                <a:latin typeface="Courier" charset="0"/>
+                <a:ea typeface="Courier" charset="0"/>
+                <a:cs typeface="Courier" charset="0"/>
+              </a:rPr>
+              <a:t>val</a:t>
+            </a:r>
+            <a:r>
+              <a:rPr lang="en-US" sz="2000" b="1" dirty="0">
+                <a:solidFill>
+                  <a:srgbClr val="000080"/>
+                </a:solidFill>
+                <a:latin typeface="Courier" charset="0"/>
+                <a:ea typeface="Courier" charset="0"/>
+                <a:cs typeface="Courier" charset="0"/>
+              </a:rPr>
+              <a:t> </a:t>
+            </a:r>
+            <a:r>
+              <a:rPr lang="en-US" sz="2000" i="1" dirty="0">
+                <a:solidFill>
+                  <a:srgbClr val="660E7A"/>
+                </a:solidFill>
+                <a:latin typeface="Courier" charset="0"/>
+                <a:ea typeface="Courier" charset="0"/>
+                <a:cs typeface="Courier" charset="0"/>
+              </a:rPr>
+              <a:t>k </a:t>
+            </a:r>
+            <a:r>
+              <a:rPr lang="en-US" sz="2000" dirty="0">
+                <a:latin typeface="Courier" charset="0"/>
+                <a:ea typeface="Courier" charset="0"/>
+                <a:cs typeface="Courier" charset="0"/>
+              </a:rPr>
+              <a:t>= </a:t>
+            </a:r>
+            <a:r>
+              <a:rPr lang="en-US" sz="2000" i="1" dirty="0">
+                <a:solidFill>
+                  <a:srgbClr val="660E7A"/>
+                </a:solidFill>
+                <a:latin typeface="Courier" charset="0"/>
+                <a:ea typeface="Courier" charset="0"/>
+                <a:cs typeface="Courier" charset="0"/>
+              </a:rPr>
+              <a:t>k3 </a:t>
+            </a:r>
+            <a:r>
+              <a:rPr lang="en-US" sz="2000" dirty="0">
+                <a:latin typeface="Courier" charset="0"/>
+                <a:ea typeface="Courier" charset="0"/>
+                <a:cs typeface="Courier" charset="0"/>
+              </a:rPr>
+              <a:t>compose </a:t>
+            </a:r>
+            <a:r>
+              <a:rPr lang="en-US" sz="2000" i="1" dirty="0">
+                <a:solidFill>
+                  <a:srgbClr val="660E7A"/>
+                </a:solidFill>
+                <a:latin typeface="Courier" charset="0"/>
+                <a:ea typeface="Courier" charset="0"/>
+                <a:cs typeface="Courier" charset="0"/>
+              </a:rPr>
+              <a:t>k2 </a:t>
+            </a:r>
+            <a:r>
+              <a:rPr lang="en-US" sz="2000" dirty="0">
+                <a:latin typeface="Courier" charset="0"/>
+                <a:ea typeface="Courier" charset="0"/>
+                <a:cs typeface="Courier" charset="0"/>
+              </a:rPr>
+              <a:t>compose </a:t>
+            </a:r>
+            <a:r>
+              <a:rPr lang="en-US" sz="2000" i="1" dirty="0">
+                <a:solidFill>
+                  <a:srgbClr val="660E7A"/>
+                </a:solidFill>
+                <a:latin typeface="Courier" charset="0"/>
+                <a:ea typeface="Courier" charset="0"/>
+                <a:cs typeface="Courier" charset="0"/>
+              </a:rPr>
+              <a:t>k1</a:t>
+            </a:r>
+            <a:br>
+              <a:rPr lang="en-US" sz="2000" i="1" dirty="0">
+                <a:solidFill>
+                  <a:srgbClr val="660E7A"/>
+                </a:solidFill>
+                <a:latin typeface="Courier" charset="0"/>
+                <a:ea typeface="Courier" charset="0"/>
+                <a:cs typeface="Courier" charset="0"/>
+              </a:rPr>
+            </a:br>
+            <a:endParaRPr lang="en-US" sz="2000" dirty="0">
+              <a:solidFill>
+                <a:srgbClr val="0000FF"/>
+              </a:solidFill>
+              <a:latin typeface="Courier" charset="0"/>
+              <a:ea typeface="Courier" charset="0"/>
+              <a:cs typeface="Courier" charset="0"/>
+            </a:endParaRPr>
+          </a:p>
+          <a:p>
+            <a:endParaRPr lang="en-US" sz="2000" dirty="0" smtClean="0">
+              <a:solidFill>
+                <a:srgbClr val="0000FF"/>
+              </a:solidFill>
+              <a:latin typeface="Courier" charset="0"/>
+              <a:ea typeface="Courier" charset="0"/>
+              <a:cs typeface="Courier" charset="0"/>
+            </a:endParaRPr>
+          </a:p>
+          <a:p>
+            <a:endParaRPr lang="en-US" sz="2000" dirty="0">
+              <a:latin typeface="Courier" charset="0"/>
+              <a:ea typeface="Courier" charset="0"/>
+              <a:cs typeface="Courier" charset="0"/>
+            </a:endParaRPr>
+          </a:p>
+          <a:p>
+            <a:endParaRPr lang="en-US" dirty="0" smtClean="0">
+              <a:latin typeface="Courier" charset="0"/>
+              <a:ea typeface="Courier" charset="0"/>
+              <a:cs typeface="Courier" charset="0"/>
+            </a:endParaRPr>
+          </a:p>
+          <a:p>
+            <a:endParaRPr lang="en-US" dirty="0" smtClean="0">
+              <a:latin typeface="Courier" charset="0"/>
+              <a:ea typeface="Courier" charset="0"/>
+              <a:cs typeface="Courier" charset="0"/>
+            </a:endParaRPr>
+          </a:p>
+          <a:p>
+            <a:endParaRPr lang="en-US" dirty="0">
+              <a:latin typeface="Courier" charset="0"/>
+              <a:ea typeface="Courier" charset="0"/>
+              <a:cs typeface="Courier" charset="0"/>
+            </a:endParaRPr>
+          </a:p>
+        </p:txBody>
+      </p:sp>
+      <p:sp>
+        <p:nvSpPr>
+          <p:cNvPr id="9" name="TextBox 8"/>
+          <p:cNvSpPr txBox="1"/>
+          <p:nvPr/>
+        </p:nvSpPr>
+        <p:spPr>
+          <a:xfrm>
+            <a:off x="596902" y="1260000"/>
+            <a:ext cx="6053901" cy="400110"/>
+          </a:xfrm>
+          <a:prstGeom prst="rect">
+            <a:avLst/>
+          </a:prstGeom>
+          <a:noFill/>
+        </p:spPr>
+        <p:txBody>
+          <a:bodyPr wrap="none" rtlCol="0">
+            <a:spAutoFit/>
+          </a:bodyPr>
+          <a:lstStyle/>
+          <a:p>
+            <a:r>
+              <a:rPr lang="en-US" sz="2000" dirty="0" smtClean="0"/>
+              <a:t>A continuation is </a:t>
+            </a:r>
+            <a:r>
+              <a:rPr lang="en-US" sz="2000" dirty="0" smtClean="0"/>
+              <a:t>the context surrounding </a:t>
+            </a:r>
+            <a:r>
+              <a:rPr lang="en-US" sz="2000" dirty="0" smtClean="0"/>
+              <a:t>an </a:t>
+            </a:r>
+            <a:r>
+              <a:rPr lang="en-US" sz="2000" dirty="0" smtClean="0"/>
+              <a:t>expression.</a:t>
+            </a:r>
+          </a:p>
+        </p:txBody>
+      </p:sp>
+      <p:sp>
+        <p:nvSpPr>
+          <p:cNvPr id="7" name="Rectangle 6"/>
+          <p:cNvSpPr/>
+          <p:nvPr/>
+        </p:nvSpPr>
+        <p:spPr>
+          <a:xfrm>
+            <a:off x="2464386" y="2346992"/>
+            <a:ext cx="612000" cy="410059"/>
+          </a:xfrm>
+          <a:prstGeom prst="rect">
+            <a:avLst/>
+          </a:prstGeom>
+          <a:solidFill>
+            <a:srgbClr val="00B050">
+              <a:alpha val="49000"/>
+            </a:srgbClr>
+          </a:solidFill>
+        </p:spPr>
+        <p:style>
+          <a:lnRef idx="2">
+            <a:schemeClr val="accent1">
+              <a:shade val="50000"/>
+            </a:schemeClr>
+          </a:lnRef>
+          <a:fillRef idx="1">
+            <a:schemeClr val="accent1"/>
+          </a:fillRef>
+          <a:effectRef idx="0">
+            <a:schemeClr val="accent1"/>
+          </a:effectRef>
+          <a:fontRef idx="minor">
+            <a:schemeClr val="lt1"/>
+          </a:fontRef>
+        </p:style>
+        <p:txBody>
+          <a:bodyPr lIns="36000" rtlCol="0" anchor="ctr"/>
+          <a:lstStyle/>
+          <a:p>
+            <a:pPr algn="ctr"/>
+            <a:r>
+              <a:rPr lang="en-US" smtClean="0"/>
+              <a:t> </a:t>
+            </a:r>
+            <a:endParaRPr lang="en-US"/>
+          </a:p>
+        </p:txBody>
+      </p:sp>
+      <p:sp>
+        <p:nvSpPr>
+          <p:cNvPr id="8" name="Rectangle 7"/>
+          <p:cNvSpPr/>
+          <p:nvPr/>
+        </p:nvSpPr>
+        <p:spPr>
+          <a:xfrm>
+            <a:off x="1063637" y="2346993"/>
+            <a:ext cx="612000" cy="410059"/>
+          </a:xfrm>
+          <a:prstGeom prst="rect">
+            <a:avLst/>
+          </a:prstGeom>
+          <a:solidFill>
+            <a:srgbClr val="00B050">
+              <a:alpha val="49000"/>
+            </a:srgbClr>
+          </a:solidFill>
+        </p:spPr>
+        <p:style>
+          <a:lnRef idx="2">
+            <a:schemeClr val="accent1">
+              <a:shade val="50000"/>
+            </a:schemeClr>
+          </a:lnRef>
+          <a:fillRef idx="1">
+            <a:schemeClr val="accent1"/>
+          </a:fillRef>
+          <a:effectRef idx="0">
+            <a:schemeClr val="accent1"/>
+          </a:effectRef>
+          <a:fontRef idx="minor">
+            <a:schemeClr val="lt1"/>
+          </a:fontRef>
+        </p:style>
+        <p:txBody>
+          <a:bodyPr lIns="36000" rtlCol="0" anchor="ctr"/>
+          <a:lstStyle/>
+          <a:p>
+            <a:pPr algn="ctr"/>
+            <a:r>
+              <a:rPr lang="en-US" smtClean="0"/>
+              <a:t> </a:t>
+            </a:r>
+            <a:endParaRPr lang="en-US"/>
+          </a:p>
+        </p:txBody>
+      </p:sp>
+    </p:spTree>
+    <p:extLst>
+      <p:ext uri="{BB962C8B-B14F-4D97-AF65-F5344CB8AC3E}">
+        <p14:creationId xmlns:p14="http://schemas.microsoft.com/office/powerpoint/2010/main" val="1825329237"/>
+      </p:ext>
+    </p:extLst>
+  </p:cSld>
+  <p:clrMapOvr>
+    <a:masterClrMapping/>
+  </p:clrMapOvr>
+  <p:timing>
+    <p:tnLst>
+      <p:par>
+        <p:cTn id="1" dur="indefinite" restart="never" nodeType="tmRoot"/>
+      </p:par>
+    </p:tnLst>
+  </p:timing>
 </p:sld>
 </file>
 

--- a/docs/diy-continuations.pptx
+++ b/docs/diy-continuations.pptx
@@ -5,10 +5,10 @@
     <p:sldMasterId id="2147483648" r:id="rId1"/>
   </p:sldMasterIdLst>
   <p:notesMasterIdLst>
-    <p:notesMasterId r:id="rId15"/>
+    <p:notesMasterId r:id="rId16"/>
   </p:notesMasterIdLst>
   <p:handoutMasterIdLst>
-    <p:handoutMasterId r:id="rId16"/>
+    <p:handoutMasterId r:id="rId17"/>
   </p:handoutMasterIdLst>
   <p:sldIdLst>
     <p:sldId id="259" r:id="rId2"/>
@@ -20,10 +20,11 @@
     <p:sldId id="349" r:id="rId8"/>
     <p:sldId id="350" r:id="rId9"/>
     <p:sldId id="351" r:id="rId10"/>
-    <p:sldId id="343" r:id="rId11"/>
-    <p:sldId id="339" r:id="rId12"/>
-    <p:sldId id="280" r:id="rId13"/>
-    <p:sldId id="341" r:id="rId14"/>
+    <p:sldId id="353" r:id="rId11"/>
+    <p:sldId id="343" r:id="rId12"/>
+    <p:sldId id="339" r:id="rId13"/>
+    <p:sldId id="280" r:id="rId14"/>
+    <p:sldId id="341" r:id="rId15"/>
   </p:sldIdLst>
   <p:sldSz cx="11704638" cy="6583363"/>
   <p:notesSz cx="6797675" cy="9928225"/>
@@ -1557,794 +1558,7 @@
 </p:notes>
 </file>
 
-<file path=ppt/notesSlides/notesSlide2.xml><?xml version="1.0" encoding="utf-8"?>
-<p:notes xmlns:a="http://schemas.openxmlformats.org/drawingml/2006/main" xmlns:r="http://schemas.openxmlformats.org/officeDocument/2006/relationships" xmlns:p="http://schemas.openxmlformats.org/presentationml/2006/main">
-  <p:cSld>
-    <p:spTree>
-      <p:nvGrpSpPr>
-        <p:cNvPr id="1" name=""/>
-        <p:cNvGrpSpPr/>
-        <p:nvPr/>
-      </p:nvGrpSpPr>
-      <p:grpSpPr>
-        <a:xfrm>
-          <a:off x="0" y="0"/>
-          <a:ext cx="0" cy="0"/>
-          <a:chOff x="0" y="0"/>
-          <a:chExt cx="0" cy="0"/>
-        </a:xfrm>
-      </p:grpSpPr>
-      <p:sp>
-        <p:nvSpPr>
-          <p:cNvPr id="2" name="Slide Image Placeholder 1"/>
-          <p:cNvSpPr>
-            <a:spLocks noGrp="1" noRot="1" noChangeAspect="1"/>
-          </p:cNvSpPr>
-          <p:nvPr>
-            <p:ph type="sldImg"/>
-          </p:nvPr>
-        </p:nvSpPr>
-        <p:spPr>
-          <a:xfrm>
-            <a:off x="90488" y="744538"/>
-            <a:ext cx="6616700" cy="3722687"/>
-          </a:xfrm>
-        </p:spPr>
-      </p:sp>
-      <p:sp>
-        <p:nvSpPr>
-          <p:cNvPr id="3" name="Notes Placeholder 2"/>
-          <p:cNvSpPr>
-            <a:spLocks noGrp="1"/>
-          </p:cNvSpPr>
-          <p:nvPr>
-            <p:ph type="body" idx="1"/>
-          </p:nvPr>
-        </p:nvSpPr>
-        <p:spPr/>
-        <p:txBody>
-          <a:bodyPr/>
-          <a:lstStyle/>
-          <a:p>
-            <a:r>
-              <a:rPr lang="en-US" dirty="0" smtClean="0"/>
-              <a:t>How</a:t>
-            </a:r>
-            <a:r>
-              <a:rPr lang="en-US" baseline="0" dirty="0" smtClean="0"/>
-              <a:t> do you </a:t>
-            </a:r>
-            <a:r>
-              <a:rPr lang="en-US" baseline="0" dirty="0" err="1" smtClean="0"/>
-              <a:t>evaluete</a:t>
-            </a:r>
-            <a:r>
-              <a:rPr lang="en-US" baseline="0" dirty="0" smtClean="0"/>
-              <a:t> this expression?</a:t>
-            </a:r>
-            <a:endParaRPr lang="en-US" dirty="0" smtClean="0"/>
-          </a:p>
-          <a:p>
-            <a:endParaRPr lang="en-US" dirty="0"/>
-          </a:p>
-        </p:txBody>
-      </p:sp>
-      <p:sp>
-        <p:nvSpPr>
-          <p:cNvPr id="4" name="Slide Number Placeholder 3"/>
-          <p:cNvSpPr>
-            <a:spLocks noGrp="1"/>
-          </p:cNvSpPr>
-          <p:nvPr>
-            <p:ph type="sldNum" sz="quarter" idx="10"/>
-          </p:nvPr>
-        </p:nvSpPr>
-        <p:spPr/>
-        <p:txBody>
-          <a:bodyPr/>
-          <a:lstStyle/>
-          <a:p>
-            <a:fld id="{FC59884A-FAD0-DE4F-8C4F-A27A5B8B9F19}" type="slidenum">
-              <a:rPr lang="en-US" smtClean="0"/>
-              <a:t>4</a:t>
-            </a:fld>
-            <a:endParaRPr lang="en-US"/>
-          </a:p>
-        </p:txBody>
-      </p:sp>
-    </p:spTree>
-    <p:extLst>
-      <p:ext uri="{BB962C8B-B14F-4D97-AF65-F5344CB8AC3E}">
-        <p14:creationId xmlns:p14="http://schemas.microsoft.com/office/powerpoint/2010/main" val="1849615942"/>
-      </p:ext>
-    </p:extLst>
-  </p:cSld>
-  <p:clrMapOvr>
-    <a:masterClrMapping/>
-  </p:clrMapOvr>
-</p:notes>
-</file>
-
-<file path=ppt/notesSlides/notesSlide3.xml><?xml version="1.0" encoding="utf-8"?>
-<p:notes xmlns:a="http://schemas.openxmlformats.org/drawingml/2006/main" xmlns:r="http://schemas.openxmlformats.org/officeDocument/2006/relationships" xmlns:p="http://schemas.openxmlformats.org/presentationml/2006/main">
-  <p:cSld>
-    <p:spTree>
-      <p:nvGrpSpPr>
-        <p:cNvPr id="1" name=""/>
-        <p:cNvGrpSpPr/>
-        <p:nvPr/>
-      </p:nvGrpSpPr>
-      <p:grpSpPr>
-        <a:xfrm>
-          <a:off x="0" y="0"/>
-          <a:ext cx="0" cy="0"/>
-          <a:chOff x="0" y="0"/>
-          <a:chExt cx="0" cy="0"/>
-        </a:xfrm>
-      </p:grpSpPr>
-      <p:sp>
-        <p:nvSpPr>
-          <p:cNvPr id="2" name="Slide Image Placeholder 1"/>
-          <p:cNvSpPr>
-            <a:spLocks noGrp="1" noRot="1" noChangeAspect="1"/>
-          </p:cNvSpPr>
-          <p:nvPr>
-            <p:ph type="sldImg"/>
-          </p:nvPr>
-        </p:nvSpPr>
-        <p:spPr>
-          <a:xfrm>
-            <a:off x="90488" y="744538"/>
-            <a:ext cx="6616700" cy="3722687"/>
-          </a:xfrm>
-        </p:spPr>
-      </p:sp>
-      <p:sp>
-        <p:nvSpPr>
-          <p:cNvPr id="3" name="Notes Placeholder 2"/>
-          <p:cNvSpPr>
-            <a:spLocks noGrp="1"/>
-          </p:cNvSpPr>
-          <p:nvPr>
-            <p:ph type="body" idx="1"/>
-          </p:nvPr>
-        </p:nvSpPr>
-        <p:spPr/>
-        <p:txBody>
-          <a:bodyPr/>
-          <a:lstStyle/>
-          <a:p>
-            <a:r>
-              <a:rPr lang="en-US" dirty="0" smtClean="0"/>
-              <a:t>The</a:t>
-            </a:r>
-            <a:r>
-              <a:rPr lang="en-US" baseline="0" dirty="0" smtClean="0"/>
-              <a:t> green area is the continuation for 4</a:t>
-            </a:r>
-            <a:endParaRPr lang="en-US" dirty="0" smtClean="0"/>
-          </a:p>
-          <a:p>
-            <a:endParaRPr lang="en-US" dirty="0"/>
-          </a:p>
-        </p:txBody>
-      </p:sp>
-      <p:sp>
-        <p:nvSpPr>
-          <p:cNvPr id="4" name="Slide Number Placeholder 3"/>
-          <p:cNvSpPr>
-            <a:spLocks noGrp="1"/>
-          </p:cNvSpPr>
-          <p:nvPr>
-            <p:ph type="sldNum" sz="quarter" idx="10"/>
-          </p:nvPr>
-        </p:nvSpPr>
-        <p:spPr/>
-        <p:txBody>
-          <a:bodyPr/>
-          <a:lstStyle/>
-          <a:p>
-            <a:fld id="{FC59884A-FAD0-DE4F-8C4F-A27A5B8B9F19}" type="slidenum">
-              <a:rPr lang="en-US" smtClean="0"/>
-              <a:t>5</a:t>
-            </a:fld>
-            <a:endParaRPr lang="en-US"/>
-          </a:p>
-        </p:txBody>
-      </p:sp>
-    </p:spTree>
-    <p:extLst>
-      <p:ext uri="{BB962C8B-B14F-4D97-AF65-F5344CB8AC3E}">
-        <p14:creationId xmlns:p14="http://schemas.microsoft.com/office/powerpoint/2010/main" val="744069184"/>
-      </p:ext>
-    </p:extLst>
-  </p:cSld>
-  <p:clrMapOvr>
-    <a:masterClrMapping/>
-  </p:clrMapOvr>
-</p:notes>
-</file>
-
-<file path=ppt/notesSlides/notesSlide4.xml><?xml version="1.0" encoding="utf-8"?>
-<p:notes xmlns:a="http://schemas.openxmlformats.org/drawingml/2006/main" xmlns:r="http://schemas.openxmlformats.org/officeDocument/2006/relationships" xmlns:p="http://schemas.openxmlformats.org/presentationml/2006/main">
-  <p:cSld>
-    <p:spTree>
-      <p:nvGrpSpPr>
-        <p:cNvPr id="1" name=""/>
-        <p:cNvGrpSpPr/>
-        <p:nvPr/>
-      </p:nvGrpSpPr>
-      <p:grpSpPr>
-        <a:xfrm>
-          <a:off x="0" y="0"/>
-          <a:ext cx="0" cy="0"/>
-          <a:chOff x="0" y="0"/>
-          <a:chExt cx="0" cy="0"/>
-        </a:xfrm>
-      </p:grpSpPr>
-      <p:sp>
-        <p:nvSpPr>
-          <p:cNvPr id="2" name="Slide Image Placeholder 1"/>
-          <p:cNvSpPr>
-            <a:spLocks noGrp="1" noRot="1" noChangeAspect="1"/>
-          </p:cNvSpPr>
-          <p:nvPr>
-            <p:ph type="sldImg"/>
-          </p:nvPr>
-        </p:nvSpPr>
-        <p:spPr>
-          <a:xfrm>
-            <a:off x="90488" y="744538"/>
-            <a:ext cx="6616700" cy="3722687"/>
-          </a:xfrm>
-        </p:spPr>
-      </p:sp>
-      <p:sp>
-        <p:nvSpPr>
-          <p:cNvPr id="3" name="Notes Placeholder 2"/>
-          <p:cNvSpPr>
-            <a:spLocks noGrp="1"/>
-          </p:cNvSpPr>
-          <p:nvPr>
-            <p:ph type="body" idx="1"/>
-          </p:nvPr>
-        </p:nvSpPr>
-        <p:spPr/>
-        <p:txBody>
-          <a:bodyPr/>
-          <a:lstStyle/>
-          <a:p>
-            <a:pPr marL="0" marR="0" indent="0" algn="l" defTabSz="914400" rtl="0" eaLnBrk="1" fontAlgn="auto" latinLnBrk="0" hangingPunct="1">
-              <a:lnSpc>
-                <a:spcPct val="100000"/>
-              </a:lnSpc>
-              <a:spcBef>
-                <a:spcPts val="0"/>
-              </a:spcBef>
-              <a:spcAft>
-                <a:spcPts val="0"/>
-              </a:spcAft>
-              <a:buClrTx/>
-              <a:buSzTx/>
-              <a:buFontTx/>
-              <a:buNone/>
-              <a:tabLst/>
-              <a:defRPr/>
-            </a:pPr>
-            <a:r>
-              <a:rPr lang="en-US" dirty="0" smtClean="0"/>
-              <a:t>Green area is the continuation</a:t>
-            </a:r>
-            <a:endParaRPr lang="en-US" dirty="0" smtClean="0"/>
-          </a:p>
-          <a:p>
-            <a:endParaRPr lang="en-US" dirty="0" smtClean="0"/>
-          </a:p>
-          <a:p>
-            <a:endParaRPr lang="en-US" dirty="0"/>
-          </a:p>
-        </p:txBody>
-      </p:sp>
-      <p:sp>
-        <p:nvSpPr>
-          <p:cNvPr id="4" name="Slide Number Placeholder 3"/>
-          <p:cNvSpPr>
-            <a:spLocks noGrp="1"/>
-          </p:cNvSpPr>
-          <p:nvPr>
-            <p:ph type="sldNum" sz="quarter" idx="10"/>
-          </p:nvPr>
-        </p:nvSpPr>
-        <p:spPr/>
-        <p:txBody>
-          <a:bodyPr/>
-          <a:lstStyle/>
-          <a:p>
-            <a:fld id="{FC59884A-FAD0-DE4F-8C4F-A27A5B8B9F19}" type="slidenum">
-              <a:rPr lang="en-US" smtClean="0"/>
-              <a:t>6</a:t>
-            </a:fld>
-            <a:endParaRPr lang="en-US"/>
-          </a:p>
-        </p:txBody>
-      </p:sp>
-    </p:spTree>
-    <p:extLst>
-      <p:ext uri="{BB962C8B-B14F-4D97-AF65-F5344CB8AC3E}">
-        <p14:creationId xmlns:p14="http://schemas.microsoft.com/office/powerpoint/2010/main" val="192018670"/>
-      </p:ext>
-    </p:extLst>
-  </p:cSld>
-  <p:clrMapOvr>
-    <a:masterClrMapping/>
-  </p:clrMapOvr>
-</p:notes>
-</file>
-
-<file path=ppt/notesSlides/notesSlide5.xml><?xml version="1.0" encoding="utf-8"?>
-<p:notes xmlns:a="http://schemas.openxmlformats.org/drawingml/2006/main" xmlns:r="http://schemas.openxmlformats.org/officeDocument/2006/relationships" xmlns:p="http://schemas.openxmlformats.org/presentationml/2006/main">
-  <p:cSld>
-    <p:spTree>
-      <p:nvGrpSpPr>
-        <p:cNvPr id="1" name=""/>
-        <p:cNvGrpSpPr/>
-        <p:nvPr/>
-      </p:nvGrpSpPr>
-      <p:grpSpPr>
-        <a:xfrm>
-          <a:off x="0" y="0"/>
-          <a:ext cx="0" cy="0"/>
-          <a:chOff x="0" y="0"/>
-          <a:chExt cx="0" cy="0"/>
-        </a:xfrm>
-      </p:grpSpPr>
-      <p:sp>
-        <p:nvSpPr>
-          <p:cNvPr id="2" name="Slide Image Placeholder 1"/>
-          <p:cNvSpPr>
-            <a:spLocks noGrp="1" noRot="1" noChangeAspect="1"/>
-          </p:cNvSpPr>
-          <p:nvPr>
-            <p:ph type="sldImg"/>
-          </p:nvPr>
-        </p:nvSpPr>
-        <p:spPr>
-          <a:xfrm>
-            <a:off x="90488" y="744538"/>
-            <a:ext cx="6616700" cy="3722687"/>
-          </a:xfrm>
-        </p:spPr>
-      </p:sp>
-      <p:sp>
-        <p:nvSpPr>
-          <p:cNvPr id="3" name="Notes Placeholder 2"/>
-          <p:cNvSpPr>
-            <a:spLocks noGrp="1"/>
-          </p:cNvSpPr>
-          <p:nvPr>
-            <p:ph type="body" idx="1"/>
-          </p:nvPr>
-        </p:nvSpPr>
-        <p:spPr/>
-        <p:txBody>
-          <a:bodyPr/>
-          <a:lstStyle/>
-          <a:p>
-            <a:pPr marL="0" marR="0" indent="0" algn="l" defTabSz="914400" rtl="0" eaLnBrk="1" fontAlgn="auto" latinLnBrk="0" hangingPunct="1">
-              <a:lnSpc>
-                <a:spcPct val="100000"/>
-              </a:lnSpc>
-              <a:spcBef>
-                <a:spcPts val="0"/>
-              </a:spcBef>
-              <a:spcAft>
-                <a:spcPts val="0"/>
-              </a:spcAft>
-              <a:buClrTx/>
-              <a:buSzTx/>
-              <a:buFontTx/>
-              <a:buNone/>
-              <a:tabLst/>
-              <a:defRPr/>
-            </a:pPr>
-            <a:r>
-              <a:rPr lang="en-US" dirty="0" smtClean="0"/>
-              <a:t>Green area is the continuation</a:t>
-            </a:r>
-            <a:endParaRPr lang="en-US" dirty="0" smtClean="0"/>
-          </a:p>
-          <a:p>
-            <a:endParaRPr lang="en-US" dirty="0" smtClean="0"/>
-          </a:p>
-          <a:p>
-            <a:endParaRPr lang="en-US" dirty="0"/>
-          </a:p>
-        </p:txBody>
-      </p:sp>
-      <p:sp>
-        <p:nvSpPr>
-          <p:cNvPr id="4" name="Slide Number Placeholder 3"/>
-          <p:cNvSpPr>
-            <a:spLocks noGrp="1"/>
-          </p:cNvSpPr>
-          <p:nvPr>
-            <p:ph type="sldNum" sz="quarter" idx="10"/>
-          </p:nvPr>
-        </p:nvSpPr>
-        <p:spPr/>
-        <p:txBody>
-          <a:bodyPr/>
-          <a:lstStyle/>
-          <a:p>
-            <a:fld id="{FC59884A-FAD0-DE4F-8C4F-A27A5B8B9F19}" type="slidenum">
-              <a:rPr lang="en-US" smtClean="0"/>
-              <a:t>7</a:t>
-            </a:fld>
-            <a:endParaRPr lang="en-US"/>
-          </a:p>
-        </p:txBody>
-      </p:sp>
-    </p:spTree>
-    <p:extLst>
-      <p:ext uri="{BB962C8B-B14F-4D97-AF65-F5344CB8AC3E}">
-        <p14:creationId xmlns:p14="http://schemas.microsoft.com/office/powerpoint/2010/main" val="571324907"/>
-      </p:ext>
-    </p:extLst>
-  </p:cSld>
-  <p:clrMapOvr>
-    <a:masterClrMapping/>
-  </p:clrMapOvr>
-</p:notes>
-</file>
-
-<file path=ppt/notesSlides/notesSlide6.xml><?xml version="1.0" encoding="utf-8"?>
-<p:notes xmlns:a="http://schemas.openxmlformats.org/drawingml/2006/main" xmlns:r="http://schemas.openxmlformats.org/officeDocument/2006/relationships" xmlns:p="http://schemas.openxmlformats.org/presentationml/2006/main">
-  <p:cSld>
-    <p:spTree>
-      <p:nvGrpSpPr>
-        <p:cNvPr id="1" name=""/>
-        <p:cNvGrpSpPr/>
-        <p:nvPr/>
-      </p:nvGrpSpPr>
-      <p:grpSpPr>
-        <a:xfrm>
-          <a:off x="0" y="0"/>
-          <a:ext cx="0" cy="0"/>
-          <a:chOff x="0" y="0"/>
-          <a:chExt cx="0" cy="0"/>
-        </a:xfrm>
-      </p:grpSpPr>
-      <p:sp>
-        <p:nvSpPr>
-          <p:cNvPr id="2" name="Slide Image Placeholder 1"/>
-          <p:cNvSpPr>
-            <a:spLocks noGrp="1" noRot="1" noChangeAspect="1"/>
-          </p:cNvSpPr>
-          <p:nvPr>
-            <p:ph type="sldImg"/>
-          </p:nvPr>
-        </p:nvSpPr>
-        <p:spPr>
-          <a:xfrm>
-            <a:off x="90488" y="744538"/>
-            <a:ext cx="6616700" cy="3722687"/>
-          </a:xfrm>
-        </p:spPr>
-      </p:sp>
-      <p:sp>
-        <p:nvSpPr>
-          <p:cNvPr id="3" name="Notes Placeholder 2"/>
-          <p:cNvSpPr>
-            <a:spLocks noGrp="1"/>
-          </p:cNvSpPr>
-          <p:nvPr>
-            <p:ph type="body" idx="1"/>
-          </p:nvPr>
-        </p:nvSpPr>
-        <p:spPr/>
-        <p:txBody>
-          <a:bodyPr/>
-          <a:lstStyle/>
-          <a:p>
-            <a:pPr marL="0" marR="0" indent="0" algn="l" defTabSz="914400" rtl="0" eaLnBrk="1" fontAlgn="auto" latinLnBrk="0" hangingPunct="1">
-              <a:lnSpc>
-                <a:spcPct val="100000"/>
-              </a:lnSpc>
-              <a:spcBef>
-                <a:spcPts val="0"/>
-              </a:spcBef>
-              <a:spcAft>
-                <a:spcPts val="0"/>
-              </a:spcAft>
-              <a:buClrTx/>
-              <a:buSzTx/>
-              <a:buFontTx/>
-              <a:buNone/>
-              <a:tabLst/>
-              <a:defRPr/>
-            </a:pPr>
-            <a:r>
-              <a:rPr lang="en-US" dirty="0" smtClean="0"/>
-              <a:t>Green area is the continuation</a:t>
-            </a:r>
-            <a:endParaRPr lang="en-US" dirty="0" smtClean="0"/>
-          </a:p>
-          <a:p>
-            <a:endParaRPr lang="en-US" dirty="0" smtClean="0"/>
-          </a:p>
-          <a:p>
-            <a:endParaRPr lang="en-US" dirty="0"/>
-          </a:p>
-        </p:txBody>
-      </p:sp>
-      <p:sp>
-        <p:nvSpPr>
-          <p:cNvPr id="4" name="Slide Number Placeholder 3"/>
-          <p:cNvSpPr>
-            <a:spLocks noGrp="1"/>
-          </p:cNvSpPr>
-          <p:nvPr>
-            <p:ph type="sldNum" sz="quarter" idx="10"/>
-          </p:nvPr>
-        </p:nvSpPr>
-        <p:spPr/>
-        <p:txBody>
-          <a:bodyPr/>
-          <a:lstStyle/>
-          <a:p>
-            <a:fld id="{FC59884A-FAD0-DE4F-8C4F-A27A5B8B9F19}" type="slidenum">
-              <a:rPr lang="en-US" smtClean="0"/>
-              <a:t>8</a:t>
-            </a:fld>
-            <a:endParaRPr lang="en-US"/>
-          </a:p>
-        </p:txBody>
-      </p:sp>
-    </p:spTree>
-    <p:extLst>
-      <p:ext uri="{BB962C8B-B14F-4D97-AF65-F5344CB8AC3E}">
-        <p14:creationId xmlns:p14="http://schemas.microsoft.com/office/powerpoint/2010/main" val="581778521"/>
-      </p:ext>
-    </p:extLst>
-  </p:cSld>
-  <p:clrMapOvr>
-    <a:masterClrMapping/>
-  </p:clrMapOvr>
-</p:notes>
-</file>
-
-<file path=ppt/notesSlides/notesSlide7.xml><?xml version="1.0" encoding="utf-8"?>
-<p:notes xmlns:a="http://schemas.openxmlformats.org/drawingml/2006/main" xmlns:r="http://schemas.openxmlformats.org/officeDocument/2006/relationships" xmlns:p="http://schemas.openxmlformats.org/presentationml/2006/main">
-  <p:cSld>
-    <p:spTree>
-      <p:nvGrpSpPr>
-        <p:cNvPr id="1" name=""/>
-        <p:cNvGrpSpPr/>
-        <p:nvPr/>
-      </p:nvGrpSpPr>
-      <p:grpSpPr>
-        <a:xfrm>
-          <a:off x="0" y="0"/>
-          <a:ext cx="0" cy="0"/>
-          <a:chOff x="0" y="0"/>
-          <a:chExt cx="0" cy="0"/>
-        </a:xfrm>
-      </p:grpSpPr>
-      <p:sp>
-        <p:nvSpPr>
-          <p:cNvPr id="2" name="Slide Image Placeholder 1"/>
-          <p:cNvSpPr>
-            <a:spLocks noGrp="1" noRot="1" noChangeAspect="1"/>
-          </p:cNvSpPr>
-          <p:nvPr>
-            <p:ph type="sldImg"/>
-          </p:nvPr>
-        </p:nvSpPr>
-        <p:spPr>
-          <a:xfrm>
-            <a:off x="90488" y="744538"/>
-            <a:ext cx="6616700" cy="3722687"/>
-          </a:xfrm>
-        </p:spPr>
-      </p:sp>
-      <p:sp>
-        <p:nvSpPr>
-          <p:cNvPr id="3" name="Notes Placeholder 2"/>
-          <p:cNvSpPr>
-            <a:spLocks noGrp="1"/>
-          </p:cNvSpPr>
-          <p:nvPr>
-            <p:ph type="body" idx="1"/>
-          </p:nvPr>
-        </p:nvSpPr>
-        <p:spPr/>
-        <p:txBody>
-          <a:bodyPr/>
-          <a:lstStyle/>
-          <a:p>
-            <a:pPr marL="0" marR="0" indent="0" algn="l" defTabSz="914400" rtl="0" eaLnBrk="1" fontAlgn="auto" latinLnBrk="0" hangingPunct="1">
-              <a:lnSpc>
-                <a:spcPct val="100000"/>
-              </a:lnSpc>
-              <a:spcBef>
-                <a:spcPts val="0"/>
-              </a:spcBef>
-              <a:spcAft>
-                <a:spcPts val="0"/>
-              </a:spcAft>
-              <a:buClrTx/>
-              <a:buSzTx/>
-              <a:buFontTx/>
-              <a:buNone/>
-              <a:tabLst/>
-              <a:defRPr/>
-            </a:pPr>
-            <a:r>
-              <a:rPr lang="en-US" dirty="0" smtClean="0"/>
-              <a:t>Green area is the continuation</a:t>
-            </a:r>
-            <a:endParaRPr lang="en-US" dirty="0" smtClean="0"/>
-          </a:p>
-          <a:p>
-            <a:endParaRPr lang="en-US" dirty="0" smtClean="0"/>
-          </a:p>
-          <a:p>
-            <a:endParaRPr lang="en-US" dirty="0"/>
-          </a:p>
-        </p:txBody>
-      </p:sp>
-      <p:sp>
-        <p:nvSpPr>
-          <p:cNvPr id="4" name="Slide Number Placeholder 3"/>
-          <p:cNvSpPr>
-            <a:spLocks noGrp="1"/>
-          </p:cNvSpPr>
-          <p:nvPr>
-            <p:ph type="sldNum" sz="quarter" idx="10"/>
-          </p:nvPr>
-        </p:nvSpPr>
-        <p:spPr/>
-        <p:txBody>
-          <a:bodyPr/>
-          <a:lstStyle/>
-          <a:p>
-            <a:fld id="{FC59884A-FAD0-DE4F-8C4F-A27A5B8B9F19}" type="slidenum">
-              <a:rPr lang="en-US" smtClean="0"/>
-              <a:t>9</a:t>
-            </a:fld>
-            <a:endParaRPr lang="en-US"/>
-          </a:p>
-        </p:txBody>
-      </p:sp>
-    </p:spTree>
-    <p:extLst>
-      <p:ext uri="{BB962C8B-B14F-4D97-AF65-F5344CB8AC3E}">
-        <p14:creationId xmlns:p14="http://schemas.microsoft.com/office/powerpoint/2010/main" val="1504588864"/>
-      </p:ext>
-    </p:extLst>
-  </p:cSld>
-  <p:clrMapOvr>
-    <a:masterClrMapping/>
-  </p:clrMapOvr>
-</p:notes>
-</file>
-
-<file path=ppt/notesSlides/notesSlide8.xml><?xml version="1.0" encoding="utf-8"?>
-<p:notes xmlns:a="http://schemas.openxmlformats.org/drawingml/2006/main" xmlns:r="http://schemas.openxmlformats.org/officeDocument/2006/relationships" xmlns:p="http://schemas.openxmlformats.org/presentationml/2006/main">
-  <p:cSld>
-    <p:spTree>
-      <p:nvGrpSpPr>
-        <p:cNvPr id="1" name=""/>
-        <p:cNvGrpSpPr/>
-        <p:nvPr/>
-      </p:nvGrpSpPr>
-      <p:grpSpPr>
-        <a:xfrm>
-          <a:off x="0" y="0"/>
-          <a:ext cx="0" cy="0"/>
-          <a:chOff x="0" y="0"/>
-          <a:chExt cx="0" cy="0"/>
-        </a:xfrm>
-      </p:grpSpPr>
-      <p:sp>
-        <p:nvSpPr>
-          <p:cNvPr id="2" name="Slide Image Placeholder 1"/>
-          <p:cNvSpPr>
-            <a:spLocks noGrp="1" noRot="1" noChangeAspect="1"/>
-          </p:cNvSpPr>
-          <p:nvPr>
-            <p:ph type="sldImg"/>
-          </p:nvPr>
-        </p:nvSpPr>
-        <p:spPr>
-          <a:xfrm>
-            <a:off x="90488" y="744538"/>
-            <a:ext cx="6616700" cy="3722687"/>
-          </a:xfrm>
-        </p:spPr>
-      </p:sp>
-      <p:sp>
-        <p:nvSpPr>
-          <p:cNvPr id="3" name="Notes Placeholder 2"/>
-          <p:cNvSpPr>
-            <a:spLocks noGrp="1"/>
-          </p:cNvSpPr>
-          <p:nvPr>
-            <p:ph type="body" idx="1"/>
-          </p:nvPr>
-        </p:nvSpPr>
-        <p:spPr/>
-        <p:txBody>
-          <a:bodyPr/>
-          <a:lstStyle/>
-          <a:p>
-            <a:pPr marL="0" marR="0" indent="0" algn="l" defTabSz="914400" rtl="0" eaLnBrk="1" fontAlgn="auto" latinLnBrk="0" hangingPunct="1">
-              <a:lnSpc>
-                <a:spcPct val="100000"/>
-              </a:lnSpc>
-              <a:spcBef>
-                <a:spcPts val="0"/>
-              </a:spcBef>
-              <a:spcAft>
-                <a:spcPts val="0"/>
-              </a:spcAft>
-              <a:buClrTx/>
-              <a:buSzTx/>
-              <a:buFontTx/>
-              <a:buNone/>
-              <a:tabLst/>
-              <a:defRPr/>
-            </a:pPr>
-            <a:r>
-              <a:rPr lang="en-US" dirty="0" smtClean="0"/>
-              <a:t>mention default clear in constructor injection example</a:t>
-            </a:r>
-          </a:p>
-          <a:p>
-            <a:endParaRPr lang="en-US" dirty="0" smtClean="0"/>
-          </a:p>
-          <a:p>
-            <a:endParaRPr lang="en-US" dirty="0"/>
-          </a:p>
-        </p:txBody>
-      </p:sp>
-      <p:sp>
-        <p:nvSpPr>
-          <p:cNvPr id="4" name="Slide Number Placeholder 3"/>
-          <p:cNvSpPr>
-            <a:spLocks noGrp="1"/>
-          </p:cNvSpPr>
-          <p:nvPr>
-            <p:ph type="sldNum" sz="quarter" idx="10"/>
-          </p:nvPr>
-        </p:nvSpPr>
-        <p:spPr/>
-        <p:txBody>
-          <a:bodyPr/>
-          <a:lstStyle/>
-          <a:p>
-            <a:fld id="{FC59884A-FAD0-DE4F-8C4F-A27A5B8B9F19}" type="slidenum">
-              <a:rPr lang="en-US" smtClean="0"/>
-              <a:t>10</a:t>
-            </a:fld>
-            <a:endParaRPr lang="en-US"/>
-          </a:p>
-        </p:txBody>
-      </p:sp>
-    </p:spTree>
-    <p:extLst>
-      <p:ext uri="{BB962C8B-B14F-4D97-AF65-F5344CB8AC3E}">
-        <p14:creationId xmlns:p14="http://schemas.microsoft.com/office/powerpoint/2010/main" val="825034843"/>
-      </p:ext>
-    </p:extLst>
-  </p:cSld>
-  <p:clrMapOvr>
-    <a:masterClrMapping/>
-  </p:clrMapOvr>
-</p:notes>
-</file>
-
-<file path=ppt/notesSlides/notesSlide9.xml><?xml version="1.0" encoding="utf-8"?>
+<file path=ppt/notesSlides/notesSlide10.xml><?xml version="1.0" encoding="utf-8"?>
 <p:notes xmlns:a="http://schemas.openxmlformats.org/drawingml/2006/main" xmlns:r="http://schemas.openxmlformats.org/officeDocument/2006/relationships" xmlns:p="http://schemas.openxmlformats.org/presentationml/2006/main">
   <p:cSld>
     <p:spTree>
@@ -2507,7 +1721,7 @@
                 <a:tabLst/>
                 <a:defRPr/>
               </a:pPr>
-              <a:t>11</a:t>
+              <a:t>12</a:t>
             </a:fld>
             <a:endParaRPr kumimoji="0" lang="en-US" sz="1200" b="0" i="0" u="none" strike="noStrike" kern="1200" cap="none" spc="0" normalizeH="0" baseline="0" noProof="0">
               <a:ln>
@@ -2527,6 +1741,948 @@
         </p:txBody>
       </p:sp>
     </p:spTree>
+  </p:cSld>
+  <p:clrMapOvr>
+    <a:masterClrMapping/>
+  </p:clrMapOvr>
+</p:notes>
+</file>
+
+<file path=ppt/notesSlides/notesSlide2.xml><?xml version="1.0" encoding="utf-8"?>
+<p:notes xmlns:a="http://schemas.openxmlformats.org/drawingml/2006/main" xmlns:r="http://schemas.openxmlformats.org/officeDocument/2006/relationships" xmlns:p="http://schemas.openxmlformats.org/presentationml/2006/main">
+  <p:cSld>
+    <p:spTree>
+      <p:nvGrpSpPr>
+        <p:cNvPr id="1" name=""/>
+        <p:cNvGrpSpPr/>
+        <p:nvPr/>
+      </p:nvGrpSpPr>
+      <p:grpSpPr>
+        <a:xfrm>
+          <a:off x="0" y="0"/>
+          <a:ext cx="0" cy="0"/>
+          <a:chOff x="0" y="0"/>
+          <a:chExt cx="0" cy="0"/>
+        </a:xfrm>
+      </p:grpSpPr>
+      <p:sp>
+        <p:nvSpPr>
+          <p:cNvPr id="2" name="Slide Image Placeholder 1"/>
+          <p:cNvSpPr>
+            <a:spLocks noGrp="1" noRot="1" noChangeAspect="1"/>
+          </p:cNvSpPr>
+          <p:nvPr>
+            <p:ph type="sldImg"/>
+          </p:nvPr>
+        </p:nvSpPr>
+        <p:spPr>
+          <a:xfrm>
+            <a:off x="90488" y="744538"/>
+            <a:ext cx="6616700" cy="3722687"/>
+          </a:xfrm>
+        </p:spPr>
+      </p:sp>
+      <p:sp>
+        <p:nvSpPr>
+          <p:cNvPr id="3" name="Notes Placeholder 2"/>
+          <p:cNvSpPr>
+            <a:spLocks noGrp="1"/>
+          </p:cNvSpPr>
+          <p:nvPr>
+            <p:ph type="body" idx="1"/>
+          </p:nvPr>
+        </p:nvSpPr>
+        <p:spPr/>
+        <p:txBody>
+          <a:bodyPr/>
+          <a:lstStyle/>
+          <a:p>
+            <a:r>
+              <a:rPr lang="en-US" dirty="0" smtClean="0"/>
+              <a:t>How</a:t>
+            </a:r>
+            <a:r>
+              <a:rPr lang="en-US" baseline="0" dirty="0" smtClean="0"/>
+              <a:t> do you </a:t>
+            </a:r>
+            <a:r>
+              <a:rPr lang="en-US" baseline="0" dirty="0" err="1" smtClean="0"/>
+              <a:t>evaluete</a:t>
+            </a:r>
+            <a:r>
+              <a:rPr lang="en-US" baseline="0" dirty="0" smtClean="0"/>
+              <a:t> this expression?</a:t>
+            </a:r>
+            <a:endParaRPr lang="en-US" dirty="0" smtClean="0"/>
+          </a:p>
+          <a:p>
+            <a:endParaRPr lang="en-US" dirty="0"/>
+          </a:p>
+        </p:txBody>
+      </p:sp>
+      <p:sp>
+        <p:nvSpPr>
+          <p:cNvPr id="4" name="Slide Number Placeholder 3"/>
+          <p:cNvSpPr>
+            <a:spLocks noGrp="1"/>
+          </p:cNvSpPr>
+          <p:nvPr>
+            <p:ph type="sldNum" sz="quarter" idx="10"/>
+          </p:nvPr>
+        </p:nvSpPr>
+        <p:spPr/>
+        <p:txBody>
+          <a:bodyPr/>
+          <a:lstStyle/>
+          <a:p>
+            <a:fld id="{FC59884A-FAD0-DE4F-8C4F-A27A5B8B9F19}" type="slidenum">
+              <a:rPr lang="en-US" smtClean="0"/>
+              <a:t>4</a:t>
+            </a:fld>
+            <a:endParaRPr lang="en-US"/>
+          </a:p>
+        </p:txBody>
+      </p:sp>
+    </p:spTree>
+    <p:extLst>
+      <p:ext uri="{BB962C8B-B14F-4D97-AF65-F5344CB8AC3E}">
+        <p14:creationId xmlns:p14="http://schemas.microsoft.com/office/powerpoint/2010/main" val="1849615942"/>
+      </p:ext>
+    </p:extLst>
+  </p:cSld>
+  <p:clrMapOvr>
+    <a:masterClrMapping/>
+  </p:clrMapOvr>
+</p:notes>
+</file>
+
+<file path=ppt/notesSlides/notesSlide3.xml><?xml version="1.0" encoding="utf-8"?>
+<p:notes xmlns:a="http://schemas.openxmlformats.org/drawingml/2006/main" xmlns:r="http://schemas.openxmlformats.org/officeDocument/2006/relationships" xmlns:p="http://schemas.openxmlformats.org/presentationml/2006/main">
+  <p:cSld>
+    <p:spTree>
+      <p:nvGrpSpPr>
+        <p:cNvPr id="1" name=""/>
+        <p:cNvGrpSpPr/>
+        <p:nvPr/>
+      </p:nvGrpSpPr>
+      <p:grpSpPr>
+        <a:xfrm>
+          <a:off x="0" y="0"/>
+          <a:ext cx="0" cy="0"/>
+          <a:chOff x="0" y="0"/>
+          <a:chExt cx="0" cy="0"/>
+        </a:xfrm>
+      </p:grpSpPr>
+      <p:sp>
+        <p:nvSpPr>
+          <p:cNvPr id="2" name="Slide Image Placeholder 1"/>
+          <p:cNvSpPr>
+            <a:spLocks noGrp="1" noRot="1" noChangeAspect="1"/>
+          </p:cNvSpPr>
+          <p:nvPr>
+            <p:ph type="sldImg"/>
+          </p:nvPr>
+        </p:nvSpPr>
+        <p:spPr>
+          <a:xfrm>
+            <a:off x="90488" y="744538"/>
+            <a:ext cx="6616700" cy="3722687"/>
+          </a:xfrm>
+        </p:spPr>
+      </p:sp>
+      <p:sp>
+        <p:nvSpPr>
+          <p:cNvPr id="3" name="Notes Placeholder 2"/>
+          <p:cNvSpPr>
+            <a:spLocks noGrp="1"/>
+          </p:cNvSpPr>
+          <p:nvPr>
+            <p:ph type="body" idx="1"/>
+          </p:nvPr>
+        </p:nvSpPr>
+        <p:spPr/>
+        <p:txBody>
+          <a:bodyPr/>
+          <a:lstStyle/>
+          <a:p>
+            <a:r>
+              <a:rPr lang="en-US" dirty="0" smtClean="0"/>
+              <a:t>The</a:t>
+            </a:r>
+            <a:r>
+              <a:rPr lang="en-US" baseline="0" dirty="0" smtClean="0"/>
+              <a:t> green area is the continuation for 4</a:t>
+            </a:r>
+            <a:endParaRPr lang="en-US" dirty="0" smtClean="0"/>
+          </a:p>
+          <a:p>
+            <a:endParaRPr lang="en-US" dirty="0"/>
+          </a:p>
+        </p:txBody>
+      </p:sp>
+      <p:sp>
+        <p:nvSpPr>
+          <p:cNvPr id="4" name="Slide Number Placeholder 3"/>
+          <p:cNvSpPr>
+            <a:spLocks noGrp="1"/>
+          </p:cNvSpPr>
+          <p:nvPr>
+            <p:ph type="sldNum" sz="quarter" idx="10"/>
+          </p:nvPr>
+        </p:nvSpPr>
+        <p:spPr/>
+        <p:txBody>
+          <a:bodyPr/>
+          <a:lstStyle/>
+          <a:p>
+            <a:fld id="{FC59884A-FAD0-DE4F-8C4F-A27A5B8B9F19}" type="slidenum">
+              <a:rPr lang="en-US" smtClean="0"/>
+              <a:t>5</a:t>
+            </a:fld>
+            <a:endParaRPr lang="en-US"/>
+          </a:p>
+        </p:txBody>
+      </p:sp>
+    </p:spTree>
+    <p:extLst>
+      <p:ext uri="{BB962C8B-B14F-4D97-AF65-F5344CB8AC3E}">
+        <p14:creationId xmlns:p14="http://schemas.microsoft.com/office/powerpoint/2010/main" val="744069184"/>
+      </p:ext>
+    </p:extLst>
+  </p:cSld>
+  <p:clrMapOvr>
+    <a:masterClrMapping/>
+  </p:clrMapOvr>
+</p:notes>
+</file>
+
+<file path=ppt/notesSlides/notesSlide4.xml><?xml version="1.0" encoding="utf-8"?>
+<p:notes xmlns:a="http://schemas.openxmlformats.org/drawingml/2006/main" xmlns:r="http://schemas.openxmlformats.org/officeDocument/2006/relationships" xmlns:p="http://schemas.openxmlformats.org/presentationml/2006/main">
+  <p:cSld>
+    <p:spTree>
+      <p:nvGrpSpPr>
+        <p:cNvPr id="1" name=""/>
+        <p:cNvGrpSpPr/>
+        <p:nvPr/>
+      </p:nvGrpSpPr>
+      <p:grpSpPr>
+        <a:xfrm>
+          <a:off x="0" y="0"/>
+          <a:ext cx="0" cy="0"/>
+          <a:chOff x="0" y="0"/>
+          <a:chExt cx="0" cy="0"/>
+        </a:xfrm>
+      </p:grpSpPr>
+      <p:sp>
+        <p:nvSpPr>
+          <p:cNvPr id="2" name="Slide Image Placeholder 1"/>
+          <p:cNvSpPr>
+            <a:spLocks noGrp="1" noRot="1" noChangeAspect="1"/>
+          </p:cNvSpPr>
+          <p:nvPr>
+            <p:ph type="sldImg"/>
+          </p:nvPr>
+        </p:nvSpPr>
+        <p:spPr>
+          <a:xfrm>
+            <a:off x="90488" y="744538"/>
+            <a:ext cx="6616700" cy="3722687"/>
+          </a:xfrm>
+        </p:spPr>
+      </p:sp>
+      <p:sp>
+        <p:nvSpPr>
+          <p:cNvPr id="3" name="Notes Placeholder 2"/>
+          <p:cNvSpPr>
+            <a:spLocks noGrp="1"/>
+          </p:cNvSpPr>
+          <p:nvPr>
+            <p:ph type="body" idx="1"/>
+          </p:nvPr>
+        </p:nvSpPr>
+        <p:spPr/>
+        <p:txBody>
+          <a:bodyPr/>
+          <a:lstStyle/>
+          <a:p>
+            <a:pPr marL="0" marR="0" indent="0" algn="l" defTabSz="914400" rtl="0" eaLnBrk="1" fontAlgn="auto" latinLnBrk="0" hangingPunct="1">
+              <a:lnSpc>
+                <a:spcPct val="100000"/>
+              </a:lnSpc>
+              <a:spcBef>
+                <a:spcPts val="0"/>
+              </a:spcBef>
+              <a:spcAft>
+                <a:spcPts val="0"/>
+              </a:spcAft>
+              <a:buClrTx/>
+              <a:buSzTx/>
+              <a:buFontTx/>
+              <a:buNone/>
+              <a:tabLst/>
+              <a:defRPr/>
+            </a:pPr>
+            <a:r>
+              <a:rPr lang="en-US" dirty="0" smtClean="0"/>
+              <a:t>Green area is the continuation</a:t>
+            </a:r>
+            <a:endParaRPr lang="en-US" dirty="0" smtClean="0"/>
+          </a:p>
+          <a:p>
+            <a:endParaRPr lang="en-US" dirty="0" smtClean="0"/>
+          </a:p>
+          <a:p>
+            <a:endParaRPr lang="en-US" dirty="0"/>
+          </a:p>
+        </p:txBody>
+      </p:sp>
+      <p:sp>
+        <p:nvSpPr>
+          <p:cNvPr id="4" name="Slide Number Placeholder 3"/>
+          <p:cNvSpPr>
+            <a:spLocks noGrp="1"/>
+          </p:cNvSpPr>
+          <p:nvPr>
+            <p:ph type="sldNum" sz="quarter" idx="10"/>
+          </p:nvPr>
+        </p:nvSpPr>
+        <p:spPr/>
+        <p:txBody>
+          <a:bodyPr/>
+          <a:lstStyle/>
+          <a:p>
+            <a:fld id="{FC59884A-FAD0-DE4F-8C4F-A27A5B8B9F19}" type="slidenum">
+              <a:rPr lang="en-US" smtClean="0"/>
+              <a:t>6</a:t>
+            </a:fld>
+            <a:endParaRPr lang="en-US"/>
+          </a:p>
+        </p:txBody>
+      </p:sp>
+    </p:spTree>
+    <p:extLst>
+      <p:ext uri="{BB962C8B-B14F-4D97-AF65-F5344CB8AC3E}">
+        <p14:creationId xmlns:p14="http://schemas.microsoft.com/office/powerpoint/2010/main" val="192018670"/>
+      </p:ext>
+    </p:extLst>
+  </p:cSld>
+  <p:clrMapOvr>
+    <a:masterClrMapping/>
+  </p:clrMapOvr>
+</p:notes>
+</file>
+
+<file path=ppt/notesSlides/notesSlide5.xml><?xml version="1.0" encoding="utf-8"?>
+<p:notes xmlns:a="http://schemas.openxmlformats.org/drawingml/2006/main" xmlns:r="http://schemas.openxmlformats.org/officeDocument/2006/relationships" xmlns:p="http://schemas.openxmlformats.org/presentationml/2006/main">
+  <p:cSld>
+    <p:spTree>
+      <p:nvGrpSpPr>
+        <p:cNvPr id="1" name=""/>
+        <p:cNvGrpSpPr/>
+        <p:nvPr/>
+      </p:nvGrpSpPr>
+      <p:grpSpPr>
+        <a:xfrm>
+          <a:off x="0" y="0"/>
+          <a:ext cx="0" cy="0"/>
+          <a:chOff x="0" y="0"/>
+          <a:chExt cx="0" cy="0"/>
+        </a:xfrm>
+      </p:grpSpPr>
+      <p:sp>
+        <p:nvSpPr>
+          <p:cNvPr id="2" name="Slide Image Placeholder 1"/>
+          <p:cNvSpPr>
+            <a:spLocks noGrp="1" noRot="1" noChangeAspect="1"/>
+          </p:cNvSpPr>
+          <p:nvPr>
+            <p:ph type="sldImg"/>
+          </p:nvPr>
+        </p:nvSpPr>
+        <p:spPr>
+          <a:xfrm>
+            <a:off x="90488" y="744538"/>
+            <a:ext cx="6616700" cy="3722687"/>
+          </a:xfrm>
+        </p:spPr>
+      </p:sp>
+      <p:sp>
+        <p:nvSpPr>
+          <p:cNvPr id="3" name="Notes Placeholder 2"/>
+          <p:cNvSpPr>
+            <a:spLocks noGrp="1"/>
+          </p:cNvSpPr>
+          <p:nvPr>
+            <p:ph type="body" idx="1"/>
+          </p:nvPr>
+        </p:nvSpPr>
+        <p:spPr/>
+        <p:txBody>
+          <a:bodyPr/>
+          <a:lstStyle/>
+          <a:p>
+            <a:pPr marL="0" marR="0" indent="0" algn="l" defTabSz="914400" rtl="0" eaLnBrk="1" fontAlgn="auto" latinLnBrk="0" hangingPunct="1">
+              <a:lnSpc>
+                <a:spcPct val="100000"/>
+              </a:lnSpc>
+              <a:spcBef>
+                <a:spcPts val="0"/>
+              </a:spcBef>
+              <a:spcAft>
+                <a:spcPts val="0"/>
+              </a:spcAft>
+              <a:buClrTx/>
+              <a:buSzTx/>
+              <a:buFontTx/>
+              <a:buNone/>
+              <a:tabLst/>
+              <a:defRPr/>
+            </a:pPr>
+            <a:r>
+              <a:rPr lang="en-US" dirty="0" smtClean="0"/>
+              <a:t>Green area is the continuation</a:t>
+            </a:r>
+            <a:endParaRPr lang="en-US" dirty="0" smtClean="0"/>
+          </a:p>
+          <a:p>
+            <a:endParaRPr lang="en-US" dirty="0" smtClean="0"/>
+          </a:p>
+          <a:p>
+            <a:endParaRPr lang="en-US" dirty="0"/>
+          </a:p>
+        </p:txBody>
+      </p:sp>
+      <p:sp>
+        <p:nvSpPr>
+          <p:cNvPr id="4" name="Slide Number Placeholder 3"/>
+          <p:cNvSpPr>
+            <a:spLocks noGrp="1"/>
+          </p:cNvSpPr>
+          <p:nvPr>
+            <p:ph type="sldNum" sz="quarter" idx="10"/>
+          </p:nvPr>
+        </p:nvSpPr>
+        <p:spPr/>
+        <p:txBody>
+          <a:bodyPr/>
+          <a:lstStyle/>
+          <a:p>
+            <a:fld id="{FC59884A-FAD0-DE4F-8C4F-A27A5B8B9F19}" type="slidenum">
+              <a:rPr lang="en-US" smtClean="0"/>
+              <a:t>7</a:t>
+            </a:fld>
+            <a:endParaRPr lang="en-US"/>
+          </a:p>
+        </p:txBody>
+      </p:sp>
+    </p:spTree>
+    <p:extLst>
+      <p:ext uri="{BB962C8B-B14F-4D97-AF65-F5344CB8AC3E}">
+        <p14:creationId xmlns:p14="http://schemas.microsoft.com/office/powerpoint/2010/main" val="571324907"/>
+      </p:ext>
+    </p:extLst>
+  </p:cSld>
+  <p:clrMapOvr>
+    <a:masterClrMapping/>
+  </p:clrMapOvr>
+</p:notes>
+</file>
+
+<file path=ppt/notesSlides/notesSlide6.xml><?xml version="1.0" encoding="utf-8"?>
+<p:notes xmlns:a="http://schemas.openxmlformats.org/drawingml/2006/main" xmlns:r="http://schemas.openxmlformats.org/officeDocument/2006/relationships" xmlns:p="http://schemas.openxmlformats.org/presentationml/2006/main">
+  <p:cSld>
+    <p:spTree>
+      <p:nvGrpSpPr>
+        <p:cNvPr id="1" name=""/>
+        <p:cNvGrpSpPr/>
+        <p:nvPr/>
+      </p:nvGrpSpPr>
+      <p:grpSpPr>
+        <a:xfrm>
+          <a:off x="0" y="0"/>
+          <a:ext cx="0" cy="0"/>
+          <a:chOff x="0" y="0"/>
+          <a:chExt cx="0" cy="0"/>
+        </a:xfrm>
+      </p:grpSpPr>
+      <p:sp>
+        <p:nvSpPr>
+          <p:cNvPr id="2" name="Slide Image Placeholder 1"/>
+          <p:cNvSpPr>
+            <a:spLocks noGrp="1" noRot="1" noChangeAspect="1"/>
+          </p:cNvSpPr>
+          <p:nvPr>
+            <p:ph type="sldImg"/>
+          </p:nvPr>
+        </p:nvSpPr>
+        <p:spPr>
+          <a:xfrm>
+            <a:off x="90488" y="744538"/>
+            <a:ext cx="6616700" cy="3722687"/>
+          </a:xfrm>
+        </p:spPr>
+      </p:sp>
+      <p:sp>
+        <p:nvSpPr>
+          <p:cNvPr id="3" name="Notes Placeholder 2"/>
+          <p:cNvSpPr>
+            <a:spLocks noGrp="1"/>
+          </p:cNvSpPr>
+          <p:nvPr>
+            <p:ph type="body" idx="1"/>
+          </p:nvPr>
+        </p:nvSpPr>
+        <p:spPr/>
+        <p:txBody>
+          <a:bodyPr/>
+          <a:lstStyle/>
+          <a:p>
+            <a:pPr marL="0" marR="0" indent="0" algn="l" defTabSz="914400" rtl="0" eaLnBrk="1" fontAlgn="auto" latinLnBrk="0" hangingPunct="1">
+              <a:lnSpc>
+                <a:spcPct val="100000"/>
+              </a:lnSpc>
+              <a:spcBef>
+                <a:spcPts val="0"/>
+              </a:spcBef>
+              <a:spcAft>
+                <a:spcPts val="0"/>
+              </a:spcAft>
+              <a:buClrTx/>
+              <a:buSzTx/>
+              <a:buFontTx/>
+              <a:buNone/>
+              <a:tabLst/>
+              <a:defRPr/>
+            </a:pPr>
+            <a:r>
+              <a:rPr lang="en-US" dirty="0" smtClean="0"/>
+              <a:t>Green area is the continuation</a:t>
+            </a:r>
+            <a:endParaRPr lang="en-US" dirty="0" smtClean="0"/>
+          </a:p>
+          <a:p>
+            <a:endParaRPr lang="en-US" dirty="0" smtClean="0"/>
+          </a:p>
+          <a:p>
+            <a:endParaRPr lang="en-US" dirty="0"/>
+          </a:p>
+        </p:txBody>
+      </p:sp>
+      <p:sp>
+        <p:nvSpPr>
+          <p:cNvPr id="4" name="Slide Number Placeholder 3"/>
+          <p:cNvSpPr>
+            <a:spLocks noGrp="1"/>
+          </p:cNvSpPr>
+          <p:nvPr>
+            <p:ph type="sldNum" sz="quarter" idx="10"/>
+          </p:nvPr>
+        </p:nvSpPr>
+        <p:spPr/>
+        <p:txBody>
+          <a:bodyPr/>
+          <a:lstStyle/>
+          <a:p>
+            <a:fld id="{FC59884A-FAD0-DE4F-8C4F-A27A5B8B9F19}" type="slidenum">
+              <a:rPr lang="en-US" smtClean="0"/>
+              <a:t>8</a:t>
+            </a:fld>
+            <a:endParaRPr lang="en-US"/>
+          </a:p>
+        </p:txBody>
+      </p:sp>
+    </p:spTree>
+    <p:extLst>
+      <p:ext uri="{BB962C8B-B14F-4D97-AF65-F5344CB8AC3E}">
+        <p14:creationId xmlns:p14="http://schemas.microsoft.com/office/powerpoint/2010/main" val="581778521"/>
+      </p:ext>
+    </p:extLst>
+  </p:cSld>
+  <p:clrMapOvr>
+    <a:masterClrMapping/>
+  </p:clrMapOvr>
+</p:notes>
+</file>
+
+<file path=ppt/notesSlides/notesSlide7.xml><?xml version="1.0" encoding="utf-8"?>
+<p:notes xmlns:a="http://schemas.openxmlformats.org/drawingml/2006/main" xmlns:r="http://schemas.openxmlformats.org/officeDocument/2006/relationships" xmlns:p="http://schemas.openxmlformats.org/presentationml/2006/main">
+  <p:cSld>
+    <p:spTree>
+      <p:nvGrpSpPr>
+        <p:cNvPr id="1" name=""/>
+        <p:cNvGrpSpPr/>
+        <p:nvPr/>
+      </p:nvGrpSpPr>
+      <p:grpSpPr>
+        <a:xfrm>
+          <a:off x="0" y="0"/>
+          <a:ext cx="0" cy="0"/>
+          <a:chOff x="0" y="0"/>
+          <a:chExt cx="0" cy="0"/>
+        </a:xfrm>
+      </p:grpSpPr>
+      <p:sp>
+        <p:nvSpPr>
+          <p:cNvPr id="2" name="Slide Image Placeholder 1"/>
+          <p:cNvSpPr>
+            <a:spLocks noGrp="1" noRot="1" noChangeAspect="1"/>
+          </p:cNvSpPr>
+          <p:nvPr>
+            <p:ph type="sldImg"/>
+          </p:nvPr>
+        </p:nvSpPr>
+        <p:spPr>
+          <a:xfrm>
+            <a:off x="90488" y="744538"/>
+            <a:ext cx="6616700" cy="3722687"/>
+          </a:xfrm>
+        </p:spPr>
+      </p:sp>
+      <p:sp>
+        <p:nvSpPr>
+          <p:cNvPr id="3" name="Notes Placeholder 2"/>
+          <p:cNvSpPr>
+            <a:spLocks noGrp="1"/>
+          </p:cNvSpPr>
+          <p:nvPr>
+            <p:ph type="body" idx="1"/>
+          </p:nvPr>
+        </p:nvSpPr>
+        <p:spPr/>
+        <p:txBody>
+          <a:bodyPr/>
+          <a:lstStyle/>
+          <a:p>
+            <a:pPr marL="0" marR="0" indent="0" algn="l" defTabSz="914400" rtl="0" eaLnBrk="1" fontAlgn="auto" latinLnBrk="0" hangingPunct="1">
+              <a:lnSpc>
+                <a:spcPct val="100000"/>
+              </a:lnSpc>
+              <a:spcBef>
+                <a:spcPts val="0"/>
+              </a:spcBef>
+              <a:spcAft>
+                <a:spcPts val="0"/>
+              </a:spcAft>
+              <a:buClrTx/>
+              <a:buSzTx/>
+              <a:buFontTx/>
+              <a:buNone/>
+              <a:tabLst/>
+              <a:defRPr/>
+            </a:pPr>
+            <a:r>
+              <a:rPr lang="en-US" dirty="0" smtClean="0"/>
+              <a:t>The</a:t>
+            </a:r>
+            <a:r>
+              <a:rPr lang="en-US" baseline="0" dirty="0" smtClean="0"/>
+              <a:t> style</a:t>
+            </a:r>
+            <a:r>
+              <a:rPr lang="en-US" dirty="0" smtClean="0"/>
+              <a:t> you</a:t>
+            </a:r>
+            <a:r>
+              <a:rPr lang="en-US" baseline="0" dirty="0" smtClean="0"/>
+              <a:t> use every day. </a:t>
+            </a:r>
+            <a:endParaRPr lang="en-US" dirty="0" smtClean="0"/>
+          </a:p>
+          <a:p>
+            <a:endParaRPr lang="en-US" dirty="0" smtClean="0"/>
+          </a:p>
+          <a:p>
+            <a:endParaRPr lang="en-US" dirty="0"/>
+          </a:p>
+        </p:txBody>
+      </p:sp>
+      <p:sp>
+        <p:nvSpPr>
+          <p:cNvPr id="4" name="Slide Number Placeholder 3"/>
+          <p:cNvSpPr>
+            <a:spLocks noGrp="1"/>
+          </p:cNvSpPr>
+          <p:nvPr>
+            <p:ph type="sldNum" sz="quarter" idx="10"/>
+          </p:nvPr>
+        </p:nvSpPr>
+        <p:spPr/>
+        <p:txBody>
+          <a:bodyPr/>
+          <a:lstStyle/>
+          <a:p>
+            <a:fld id="{FC59884A-FAD0-DE4F-8C4F-A27A5B8B9F19}" type="slidenum">
+              <a:rPr lang="en-US" smtClean="0"/>
+              <a:t>9</a:t>
+            </a:fld>
+            <a:endParaRPr lang="en-US"/>
+          </a:p>
+        </p:txBody>
+      </p:sp>
+    </p:spTree>
+    <p:extLst>
+      <p:ext uri="{BB962C8B-B14F-4D97-AF65-F5344CB8AC3E}">
+        <p14:creationId xmlns:p14="http://schemas.microsoft.com/office/powerpoint/2010/main" val="1504588864"/>
+      </p:ext>
+    </p:extLst>
+  </p:cSld>
+  <p:clrMapOvr>
+    <a:masterClrMapping/>
+  </p:clrMapOvr>
+</p:notes>
+</file>
+
+<file path=ppt/notesSlides/notesSlide8.xml><?xml version="1.0" encoding="utf-8"?>
+<p:notes xmlns:a="http://schemas.openxmlformats.org/drawingml/2006/main" xmlns:r="http://schemas.openxmlformats.org/officeDocument/2006/relationships" xmlns:p="http://schemas.openxmlformats.org/presentationml/2006/main">
+  <p:cSld>
+    <p:spTree>
+      <p:nvGrpSpPr>
+        <p:cNvPr id="1" name=""/>
+        <p:cNvGrpSpPr/>
+        <p:nvPr/>
+      </p:nvGrpSpPr>
+      <p:grpSpPr>
+        <a:xfrm>
+          <a:off x="0" y="0"/>
+          <a:ext cx="0" cy="0"/>
+          <a:chOff x="0" y="0"/>
+          <a:chExt cx="0" cy="0"/>
+        </a:xfrm>
+      </p:grpSpPr>
+      <p:sp>
+        <p:nvSpPr>
+          <p:cNvPr id="2" name="Slide Image Placeholder 1"/>
+          <p:cNvSpPr>
+            <a:spLocks noGrp="1" noRot="1" noChangeAspect="1"/>
+          </p:cNvSpPr>
+          <p:nvPr>
+            <p:ph type="sldImg"/>
+          </p:nvPr>
+        </p:nvSpPr>
+        <p:spPr>
+          <a:xfrm>
+            <a:off x="90488" y="744538"/>
+            <a:ext cx="6616700" cy="3722687"/>
+          </a:xfrm>
+        </p:spPr>
+      </p:sp>
+      <p:sp>
+        <p:nvSpPr>
+          <p:cNvPr id="3" name="Notes Placeholder 2"/>
+          <p:cNvSpPr>
+            <a:spLocks noGrp="1"/>
+          </p:cNvSpPr>
+          <p:nvPr>
+            <p:ph type="body" idx="1"/>
+          </p:nvPr>
+        </p:nvSpPr>
+        <p:spPr/>
+        <p:txBody>
+          <a:bodyPr/>
+          <a:lstStyle/>
+          <a:p>
+            <a:pPr marL="0" marR="0" indent="0" algn="l" defTabSz="914400" rtl="0" eaLnBrk="1" fontAlgn="auto" latinLnBrk="0" hangingPunct="1">
+              <a:lnSpc>
+                <a:spcPct val="100000"/>
+              </a:lnSpc>
+              <a:spcBef>
+                <a:spcPts val="0"/>
+              </a:spcBef>
+              <a:spcAft>
+                <a:spcPts val="0"/>
+              </a:spcAft>
+              <a:buClrTx/>
+              <a:buSzTx/>
+              <a:buFontTx/>
+              <a:buNone/>
+              <a:tabLst/>
+              <a:defRPr/>
+            </a:pPr>
+            <a:r>
+              <a:rPr lang="en-US" dirty="0" smtClean="0"/>
+              <a:t>every</a:t>
+            </a:r>
+            <a:r>
+              <a:rPr lang="en-US" baseline="0" dirty="0" smtClean="0"/>
+              <a:t> function takes an extra argument in respect of their direct style, this argument is the continuation.</a:t>
+            </a:r>
+          </a:p>
+          <a:p>
+            <a:pPr marL="0" marR="0" indent="0" algn="l" defTabSz="914400" rtl="0" eaLnBrk="1" fontAlgn="auto" latinLnBrk="0" hangingPunct="1">
+              <a:lnSpc>
+                <a:spcPct val="100000"/>
+              </a:lnSpc>
+              <a:spcBef>
+                <a:spcPts val="0"/>
+              </a:spcBef>
+              <a:spcAft>
+                <a:spcPts val="0"/>
+              </a:spcAft>
+              <a:buClrTx/>
+              <a:buSzTx/>
+              <a:buFontTx/>
+              <a:buNone/>
+              <a:tabLst/>
+              <a:defRPr/>
+            </a:pPr>
+            <a:r>
+              <a:rPr lang="en-US" baseline="0" dirty="0" smtClean="0"/>
+              <a:t>Every function doesn’t return a value explicitly but rather call the continuation.</a:t>
+            </a:r>
+            <a:endParaRPr lang="en-US" dirty="0" smtClean="0"/>
+          </a:p>
+          <a:p>
+            <a:endParaRPr lang="en-US" dirty="0" smtClean="0"/>
+          </a:p>
+          <a:p>
+            <a:endParaRPr lang="en-US" dirty="0"/>
+          </a:p>
+        </p:txBody>
+      </p:sp>
+      <p:sp>
+        <p:nvSpPr>
+          <p:cNvPr id="4" name="Slide Number Placeholder 3"/>
+          <p:cNvSpPr>
+            <a:spLocks noGrp="1"/>
+          </p:cNvSpPr>
+          <p:nvPr>
+            <p:ph type="sldNum" sz="quarter" idx="10"/>
+          </p:nvPr>
+        </p:nvSpPr>
+        <p:spPr/>
+        <p:txBody>
+          <a:bodyPr/>
+          <a:lstStyle/>
+          <a:p>
+            <a:fld id="{FC59884A-FAD0-DE4F-8C4F-A27A5B8B9F19}" type="slidenum">
+              <a:rPr lang="en-US" smtClean="0"/>
+              <a:t>10</a:t>
+            </a:fld>
+            <a:endParaRPr lang="en-US"/>
+          </a:p>
+        </p:txBody>
+      </p:sp>
+    </p:spTree>
+    <p:extLst>
+      <p:ext uri="{BB962C8B-B14F-4D97-AF65-F5344CB8AC3E}">
+        <p14:creationId xmlns:p14="http://schemas.microsoft.com/office/powerpoint/2010/main" val="1090531464"/>
+      </p:ext>
+    </p:extLst>
+  </p:cSld>
+  <p:clrMapOvr>
+    <a:masterClrMapping/>
+  </p:clrMapOvr>
+</p:notes>
+</file>
+
+<file path=ppt/notesSlides/notesSlide9.xml><?xml version="1.0" encoding="utf-8"?>
+<p:notes xmlns:a="http://schemas.openxmlformats.org/drawingml/2006/main" xmlns:r="http://schemas.openxmlformats.org/officeDocument/2006/relationships" xmlns:p="http://schemas.openxmlformats.org/presentationml/2006/main">
+  <p:cSld>
+    <p:spTree>
+      <p:nvGrpSpPr>
+        <p:cNvPr id="1" name=""/>
+        <p:cNvGrpSpPr/>
+        <p:nvPr/>
+      </p:nvGrpSpPr>
+      <p:grpSpPr>
+        <a:xfrm>
+          <a:off x="0" y="0"/>
+          <a:ext cx="0" cy="0"/>
+          <a:chOff x="0" y="0"/>
+          <a:chExt cx="0" cy="0"/>
+        </a:xfrm>
+      </p:grpSpPr>
+      <p:sp>
+        <p:nvSpPr>
+          <p:cNvPr id="2" name="Slide Image Placeholder 1"/>
+          <p:cNvSpPr>
+            <a:spLocks noGrp="1" noRot="1" noChangeAspect="1"/>
+          </p:cNvSpPr>
+          <p:nvPr>
+            <p:ph type="sldImg"/>
+          </p:nvPr>
+        </p:nvSpPr>
+        <p:spPr>
+          <a:xfrm>
+            <a:off x="90488" y="744538"/>
+            <a:ext cx="6616700" cy="3722687"/>
+          </a:xfrm>
+        </p:spPr>
+      </p:sp>
+      <p:sp>
+        <p:nvSpPr>
+          <p:cNvPr id="3" name="Notes Placeholder 2"/>
+          <p:cNvSpPr>
+            <a:spLocks noGrp="1"/>
+          </p:cNvSpPr>
+          <p:nvPr>
+            <p:ph type="body" idx="1"/>
+          </p:nvPr>
+        </p:nvSpPr>
+        <p:spPr/>
+        <p:txBody>
+          <a:bodyPr/>
+          <a:lstStyle/>
+          <a:p>
+            <a:pPr marL="0" marR="0" indent="0" algn="l" defTabSz="914400" rtl="0" eaLnBrk="1" fontAlgn="auto" latinLnBrk="0" hangingPunct="1">
+              <a:lnSpc>
+                <a:spcPct val="100000"/>
+              </a:lnSpc>
+              <a:spcBef>
+                <a:spcPts val="0"/>
+              </a:spcBef>
+              <a:spcAft>
+                <a:spcPts val="0"/>
+              </a:spcAft>
+              <a:buClrTx/>
+              <a:buSzTx/>
+              <a:buFontTx/>
+              <a:buNone/>
+              <a:tabLst/>
+              <a:defRPr/>
+            </a:pPr>
+            <a:r>
+              <a:rPr lang="en-US" dirty="0" smtClean="0"/>
+              <a:t>mention default clear in constructor injection example</a:t>
+            </a:r>
+          </a:p>
+          <a:p>
+            <a:endParaRPr lang="en-US" dirty="0" smtClean="0"/>
+          </a:p>
+          <a:p>
+            <a:endParaRPr lang="en-US" dirty="0"/>
+          </a:p>
+        </p:txBody>
+      </p:sp>
+      <p:sp>
+        <p:nvSpPr>
+          <p:cNvPr id="4" name="Slide Number Placeholder 3"/>
+          <p:cNvSpPr>
+            <a:spLocks noGrp="1"/>
+          </p:cNvSpPr>
+          <p:nvPr>
+            <p:ph type="sldNum" sz="quarter" idx="10"/>
+          </p:nvPr>
+        </p:nvSpPr>
+        <p:spPr/>
+        <p:txBody>
+          <a:bodyPr/>
+          <a:lstStyle/>
+          <a:p>
+            <a:fld id="{FC59884A-FAD0-DE4F-8C4F-A27A5B8B9F19}" type="slidenum">
+              <a:rPr lang="en-US" smtClean="0"/>
+              <a:t>11</a:t>
+            </a:fld>
+            <a:endParaRPr lang="en-US"/>
+          </a:p>
+        </p:txBody>
+      </p:sp>
+    </p:spTree>
+    <p:extLst>
+      <p:ext uri="{BB962C8B-B14F-4D97-AF65-F5344CB8AC3E}">
+        <p14:creationId xmlns:p14="http://schemas.microsoft.com/office/powerpoint/2010/main" val="825034843"/>
+      </p:ext>
+    </p:extLst>
   </p:cSld>
   <p:clrMapOvr>
     <a:masterClrMapping/>
@@ -4286,6 +4442,13 @@
   <p:clrMapOvr>
     <a:masterClrMapping/>
   </p:clrMapOvr>
+  <p:timing>
+    <p:tnLst>
+      <p:par>
+        <p:cTn id="1" dur="indefinite" restart="never" nodeType="tmRoot"/>
+      </p:par>
+    </p:tnLst>
+  </p:timing>
 </p:sld>
 </file>
 
@@ -4327,6 +4490,1074 @@
           <a:lstStyle/>
           <a:p>
             <a:r>
+              <a:rPr lang="en-US" dirty="0" smtClean="0"/>
+              <a:t>Continuation Passing Style  (CPS)</a:t>
+            </a:r>
+            <a:endParaRPr lang="en-US" dirty="0"/>
+          </a:p>
+        </p:txBody>
+      </p:sp>
+      <p:sp>
+        <p:nvSpPr>
+          <p:cNvPr id="6" name="Rectangle 5"/>
+          <p:cNvSpPr/>
+          <p:nvPr/>
+        </p:nvSpPr>
+        <p:spPr>
+          <a:xfrm>
+            <a:off x="2925763" y="1900719"/>
+            <a:ext cx="6043576" cy="446276"/>
+          </a:xfrm>
+          <a:prstGeom prst="rect">
+            <a:avLst/>
+          </a:prstGeom>
+        </p:spPr>
+        <p:txBody>
+          <a:bodyPr wrap="square">
+            <a:spAutoFit/>
+          </a:bodyPr>
+          <a:lstStyle/>
+          <a:p>
+            <a:endParaRPr lang="en-US" dirty="0"/>
+          </a:p>
+        </p:txBody>
+      </p:sp>
+      <p:pic>
+        <p:nvPicPr>
+          <p:cNvPr id="3" name="Picture 2"/>
+          <p:cNvPicPr>
+            <a:picLocks noChangeAspect="1"/>
+          </p:cNvPicPr>
+          <p:nvPr/>
+        </p:nvPicPr>
+        <p:blipFill>
+          <a:blip r:embed="rId3">
+            <a:extLst>
+              <a:ext uri="{28A0092B-C50C-407E-A947-70E740481C1C}">
+                <a14:useLocalDpi xmlns:a14="http://schemas.microsoft.com/office/drawing/2010/main" val="0"/>
+              </a:ext>
+            </a:extLst>
+          </a:blip>
+          <a:stretch>
+            <a:fillRect/>
+          </a:stretch>
+        </p:blipFill>
+        <p:spPr>
+          <a:xfrm>
+            <a:off x="8580438" y="139130"/>
+            <a:ext cx="3124200" cy="2524125"/>
+          </a:xfrm>
+          <a:prstGeom prst="rect">
+            <a:avLst/>
+          </a:prstGeom>
+        </p:spPr>
+      </p:pic>
+      <p:sp>
+        <p:nvSpPr>
+          <p:cNvPr id="5" name="TextBox 4"/>
+          <p:cNvSpPr txBox="1"/>
+          <p:nvPr/>
+        </p:nvSpPr>
+        <p:spPr>
+          <a:xfrm>
+            <a:off x="596901" y="1900719"/>
+            <a:ext cx="9212117" cy="4093428"/>
+          </a:xfrm>
+          <a:prstGeom prst="rect">
+            <a:avLst/>
+          </a:prstGeom>
+          <a:noFill/>
+        </p:spPr>
+        <p:txBody>
+          <a:bodyPr wrap="square" rtlCol="0">
+            <a:spAutoFit/>
+          </a:bodyPr>
+          <a:lstStyle/>
+          <a:p>
+            <a:r>
+              <a:rPr lang="mr-IN" sz="2000" b="1" dirty="0" err="1" smtClean="0">
+                <a:solidFill>
+                  <a:srgbClr val="000080"/>
+                </a:solidFill>
+                <a:latin typeface="Courier" charset="0"/>
+                <a:ea typeface="Courier" charset="0"/>
+                <a:cs typeface="Courier" charset="0"/>
+              </a:rPr>
+              <a:t>def</a:t>
+            </a:r>
+            <a:r>
+              <a:rPr lang="mr-IN" sz="2000" b="1" dirty="0" smtClean="0">
+                <a:solidFill>
+                  <a:srgbClr val="000080"/>
+                </a:solidFill>
+                <a:latin typeface="Courier" charset="0"/>
+                <a:ea typeface="Courier" charset="0"/>
+                <a:cs typeface="Courier" charset="0"/>
+              </a:rPr>
+              <a:t> </a:t>
+            </a:r>
+            <a:r>
+              <a:rPr lang="mr-IN" sz="2000" dirty="0" err="1">
+                <a:latin typeface="Courier" charset="0"/>
+                <a:ea typeface="Courier" charset="0"/>
+                <a:cs typeface="Courier" charset="0"/>
+              </a:rPr>
+              <a:t>square</a:t>
+            </a:r>
+            <a:r>
+              <a:rPr lang="mr-IN" sz="2000" dirty="0">
+                <a:latin typeface="Courier" charset="0"/>
+                <a:ea typeface="Courier" charset="0"/>
+                <a:cs typeface="Courier" charset="0"/>
+              </a:rPr>
+              <a:t>(</a:t>
+            </a:r>
+            <a:r>
+              <a:rPr lang="mr-IN" sz="2000" dirty="0" err="1">
+                <a:latin typeface="Courier" charset="0"/>
+                <a:ea typeface="Courier" charset="0"/>
+                <a:cs typeface="Courier" charset="0"/>
+              </a:rPr>
+              <a:t>x</a:t>
+            </a:r>
+            <a:r>
+              <a:rPr lang="mr-IN" sz="2000" dirty="0">
+                <a:latin typeface="Courier" charset="0"/>
+                <a:ea typeface="Courier" charset="0"/>
+                <a:cs typeface="Courier" charset="0"/>
+              </a:rPr>
+              <a:t>: </a:t>
+            </a:r>
+            <a:r>
+              <a:rPr lang="mr-IN" sz="2000" dirty="0" err="1">
+                <a:latin typeface="Courier" charset="0"/>
+                <a:ea typeface="Courier" charset="0"/>
+                <a:cs typeface="Courier" charset="0"/>
+              </a:rPr>
+              <a:t>Int</a:t>
+            </a:r>
+            <a:r>
+              <a:rPr lang="mr-IN" sz="2000" dirty="0">
+                <a:latin typeface="Courier" charset="0"/>
+                <a:ea typeface="Courier" charset="0"/>
+                <a:cs typeface="Courier" charset="0"/>
+              </a:rPr>
+              <a:t>, </a:t>
+            </a:r>
+            <a:r>
+              <a:rPr lang="mr-IN" sz="2000" dirty="0" err="1">
+                <a:latin typeface="Courier" charset="0"/>
+                <a:ea typeface="Courier" charset="0"/>
+                <a:cs typeface="Courier" charset="0"/>
+              </a:rPr>
+              <a:t>k</a:t>
+            </a:r>
+            <a:r>
+              <a:rPr lang="mr-IN" sz="2000" dirty="0">
+                <a:latin typeface="Courier" charset="0"/>
+                <a:ea typeface="Courier" charset="0"/>
+                <a:cs typeface="Courier" charset="0"/>
+              </a:rPr>
+              <a:t>: </a:t>
+            </a:r>
+            <a:r>
+              <a:rPr lang="mr-IN" sz="2000" dirty="0" err="1">
+                <a:latin typeface="Courier" charset="0"/>
+                <a:ea typeface="Courier" charset="0"/>
+                <a:cs typeface="Courier" charset="0"/>
+              </a:rPr>
+              <a:t>Int</a:t>
+            </a:r>
+            <a:r>
+              <a:rPr lang="mr-IN" sz="2000" dirty="0">
+                <a:latin typeface="Courier" charset="0"/>
+                <a:ea typeface="Courier" charset="0"/>
+                <a:cs typeface="Courier" charset="0"/>
+              </a:rPr>
+              <a:t> =&gt; </a:t>
+            </a:r>
+            <a:r>
+              <a:rPr lang="mr-IN" sz="2000" dirty="0" err="1">
+                <a:latin typeface="Courier" charset="0"/>
+                <a:ea typeface="Courier" charset="0"/>
+                <a:cs typeface="Courier" charset="0"/>
+              </a:rPr>
+              <a:t>Int</a:t>
+            </a:r>
+            <a:r>
+              <a:rPr lang="mr-IN" sz="2000" dirty="0">
+                <a:latin typeface="Courier" charset="0"/>
+                <a:ea typeface="Courier" charset="0"/>
+                <a:cs typeface="Courier" charset="0"/>
+              </a:rPr>
+              <a:t>): </a:t>
+            </a:r>
+            <a:r>
+              <a:rPr lang="mr-IN" sz="2000" dirty="0" err="1">
+                <a:latin typeface="Courier" charset="0"/>
+                <a:ea typeface="Courier" charset="0"/>
+                <a:cs typeface="Courier" charset="0"/>
+              </a:rPr>
+              <a:t>Int</a:t>
+            </a:r>
+            <a:r>
+              <a:rPr lang="mr-IN" sz="2000" dirty="0">
+                <a:latin typeface="Courier" charset="0"/>
+                <a:ea typeface="Courier" charset="0"/>
+                <a:cs typeface="Courier" charset="0"/>
+              </a:rPr>
+              <a:t> = </a:t>
+            </a:r>
+            <a:endParaRPr lang="en-US" sz="2000" dirty="0" smtClean="0">
+              <a:latin typeface="Courier" charset="0"/>
+              <a:ea typeface="Courier" charset="0"/>
+              <a:cs typeface="Courier" charset="0"/>
+            </a:endParaRPr>
+          </a:p>
+          <a:p>
+            <a:r>
+              <a:rPr lang="en-US" sz="2000" dirty="0">
+                <a:latin typeface="Courier" charset="0"/>
+                <a:ea typeface="Courier" charset="0"/>
+                <a:cs typeface="Courier" charset="0"/>
+              </a:rPr>
+              <a:t> </a:t>
+            </a:r>
+            <a:r>
+              <a:rPr lang="en-US" sz="2000" dirty="0" smtClean="0">
+                <a:latin typeface="Courier" charset="0"/>
+                <a:ea typeface="Courier" charset="0"/>
+                <a:cs typeface="Courier" charset="0"/>
+              </a:rPr>
+              <a:t> </a:t>
+            </a:r>
+            <a:r>
+              <a:rPr lang="mr-IN" sz="2000" dirty="0" err="1" smtClean="0">
+                <a:latin typeface="Courier" charset="0"/>
+                <a:ea typeface="Courier" charset="0"/>
+                <a:cs typeface="Courier" charset="0"/>
+              </a:rPr>
+              <a:t>k</a:t>
+            </a:r>
+            <a:r>
+              <a:rPr lang="mr-IN" sz="2000" dirty="0" smtClean="0">
+                <a:latin typeface="Courier" charset="0"/>
+                <a:ea typeface="Courier" charset="0"/>
+                <a:cs typeface="Courier" charset="0"/>
+              </a:rPr>
+              <a:t>(</a:t>
+            </a:r>
+            <a:r>
+              <a:rPr lang="mr-IN" sz="2000" dirty="0" err="1" smtClean="0">
+                <a:latin typeface="Courier" charset="0"/>
+                <a:ea typeface="Courier" charset="0"/>
+                <a:cs typeface="Courier" charset="0"/>
+              </a:rPr>
+              <a:t>x</a:t>
+            </a:r>
+            <a:r>
+              <a:rPr lang="mr-IN" sz="2000" dirty="0" smtClean="0">
+                <a:latin typeface="Courier" charset="0"/>
+                <a:ea typeface="Courier" charset="0"/>
+                <a:cs typeface="Courier" charset="0"/>
+              </a:rPr>
+              <a:t> </a:t>
+            </a:r>
+            <a:r>
+              <a:rPr lang="mr-IN" sz="2000" dirty="0">
+                <a:latin typeface="Courier" charset="0"/>
+                <a:ea typeface="Courier" charset="0"/>
+                <a:cs typeface="Courier" charset="0"/>
+              </a:rPr>
+              <a:t>* </a:t>
+            </a:r>
+            <a:r>
+              <a:rPr lang="mr-IN" sz="2000" dirty="0" err="1">
+                <a:latin typeface="Courier" charset="0"/>
+                <a:ea typeface="Courier" charset="0"/>
+                <a:cs typeface="Courier" charset="0"/>
+              </a:rPr>
+              <a:t>x</a:t>
+            </a:r>
+            <a:r>
+              <a:rPr lang="mr-IN" sz="2000" dirty="0">
+                <a:latin typeface="Courier" charset="0"/>
+                <a:ea typeface="Courier" charset="0"/>
+                <a:cs typeface="Courier" charset="0"/>
+              </a:rPr>
+              <a:t>)</a:t>
+            </a:r>
+            <a:br>
+              <a:rPr lang="mr-IN" sz="2000" dirty="0">
+                <a:latin typeface="Courier" charset="0"/>
+                <a:ea typeface="Courier" charset="0"/>
+                <a:cs typeface="Courier" charset="0"/>
+              </a:rPr>
+            </a:br>
+            <a:r>
+              <a:rPr lang="mr-IN" sz="2000" dirty="0">
+                <a:latin typeface="Courier" charset="0"/>
+                <a:ea typeface="Courier" charset="0"/>
+                <a:cs typeface="Courier" charset="0"/>
+              </a:rPr>
+              <a:t/>
+            </a:r>
+            <a:br>
+              <a:rPr lang="mr-IN" sz="2000" dirty="0">
+                <a:latin typeface="Courier" charset="0"/>
+                <a:ea typeface="Courier" charset="0"/>
+                <a:cs typeface="Courier" charset="0"/>
+              </a:rPr>
+            </a:br>
+            <a:r>
+              <a:rPr lang="mr-IN" sz="2000" b="1" dirty="0" err="1">
+                <a:solidFill>
+                  <a:srgbClr val="000080"/>
+                </a:solidFill>
+                <a:latin typeface="Courier" charset="0"/>
+                <a:ea typeface="Courier" charset="0"/>
+                <a:cs typeface="Courier" charset="0"/>
+              </a:rPr>
+              <a:t>def</a:t>
+            </a:r>
+            <a:r>
+              <a:rPr lang="mr-IN" sz="2000" b="1" dirty="0">
+                <a:solidFill>
+                  <a:srgbClr val="000080"/>
+                </a:solidFill>
+                <a:latin typeface="Courier" charset="0"/>
+                <a:ea typeface="Courier" charset="0"/>
+                <a:cs typeface="Courier" charset="0"/>
+              </a:rPr>
+              <a:t> </a:t>
+            </a:r>
+            <a:r>
+              <a:rPr lang="mr-IN" sz="2000" dirty="0" err="1">
+                <a:latin typeface="Courier" charset="0"/>
+                <a:ea typeface="Courier" charset="0"/>
+                <a:cs typeface="Courier" charset="0"/>
+              </a:rPr>
+              <a:t>sum</a:t>
+            </a:r>
+            <a:r>
+              <a:rPr lang="mr-IN" sz="2000" dirty="0">
+                <a:latin typeface="Courier" charset="0"/>
+                <a:ea typeface="Courier" charset="0"/>
+                <a:cs typeface="Courier" charset="0"/>
+              </a:rPr>
+              <a:t>(</a:t>
+            </a:r>
+            <a:r>
+              <a:rPr lang="mr-IN" sz="2000" dirty="0" err="1">
+                <a:latin typeface="Courier" charset="0"/>
+                <a:ea typeface="Courier" charset="0"/>
+                <a:cs typeface="Courier" charset="0"/>
+              </a:rPr>
+              <a:t>x</a:t>
+            </a:r>
+            <a:r>
+              <a:rPr lang="mr-IN" sz="2000" dirty="0">
+                <a:latin typeface="Courier" charset="0"/>
+                <a:ea typeface="Courier" charset="0"/>
+                <a:cs typeface="Courier" charset="0"/>
+              </a:rPr>
+              <a:t>: </a:t>
+            </a:r>
+            <a:r>
+              <a:rPr lang="mr-IN" sz="2000" dirty="0" err="1">
+                <a:latin typeface="Courier" charset="0"/>
+                <a:ea typeface="Courier" charset="0"/>
+                <a:cs typeface="Courier" charset="0"/>
+              </a:rPr>
+              <a:t>Int</a:t>
+            </a:r>
+            <a:r>
+              <a:rPr lang="mr-IN" sz="2000" dirty="0">
+                <a:latin typeface="Courier" charset="0"/>
+                <a:ea typeface="Courier" charset="0"/>
+                <a:cs typeface="Courier" charset="0"/>
+              </a:rPr>
+              <a:t>, </a:t>
+            </a:r>
+            <a:r>
+              <a:rPr lang="mr-IN" sz="2000" dirty="0" err="1">
+                <a:latin typeface="Courier" charset="0"/>
+                <a:ea typeface="Courier" charset="0"/>
+                <a:cs typeface="Courier" charset="0"/>
+              </a:rPr>
+              <a:t>y</a:t>
+            </a:r>
+            <a:r>
+              <a:rPr lang="mr-IN" sz="2000" dirty="0">
+                <a:latin typeface="Courier" charset="0"/>
+                <a:ea typeface="Courier" charset="0"/>
+                <a:cs typeface="Courier" charset="0"/>
+              </a:rPr>
+              <a:t>: </a:t>
+            </a:r>
+            <a:r>
+              <a:rPr lang="mr-IN" sz="2000" dirty="0" err="1">
+                <a:latin typeface="Courier" charset="0"/>
+                <a:ea typeface="Courier" charset="0"/>
+                <a:cs typeface="Courier" charset="0"/>
+              </a:rPr>
+              <a:t>Int</a:t>
+            </a:r>
+            <a:r>
+              <a:rPr lang="mr-IN" sz="2000" dirty="0">
+                <a:latin typeface="Courier" charset="0"/>
+                <a:ea typeface="Courier" charset="0"/>
+                <a:cs typeface="Courier" charset="0"/>
+              </a:rPr>
+              <a:t>, </a:t>
+            </a:r>
+            <a:r>
+              <a:rPr lang="mr-IN" sz="2000" dirty="0" err="1">
+                <a:latin typeface="Courier" charset="0"/>
+                <a:ea typeface="Courier" charset="0"/>
+                <a:cs typeface="Courier" charset="0"/>
+              </a:rPr>
+              <a:t>k</a:t>
+            </a:r>
+            <a:r>
+              <a:rPr lang="mr-IN" sz="2000" dirty="0">
+                <a:latin typeface="Courier" charset="0"/>
+                <a:ea typeface="Courier" charset="0"/>
+                <a:cs typeface="Courier" charset="0"/>
+              </a:rPr>
+              <a:t>: </a:t>
+            </a:r>
+            <a:r>
+              <a:rPr lang="mr-IN" sz="2000" dirty="0" err="1">
+                <a:latin typeface="Courier" charset="0"/>
+                <a:ea typeface="Courier" charset="0"/>
+                <a:cs typeface="Courier" charset="0"/>
+              </a:rPr>
+              <a:t>Int</a:t>
+            </a:r>
+            <a:r>
+              <a:rPr lang="mr-IN" sz="2000" dirty="0">
+                <a:latin typeface="Courier" charset="0"/>
+                <a:ea typeface="Courier" charset="0"/>
+                <a:cs typeface="Courier" charset="0"/>
+              </a:rPr>
+              <a:t> =&gt; </a:t>
+            </a:r>
+            <a:r>
+              <a:rPr lang="mr-IN" sz="2000" dirty="0" err="1">
+                <a:latin typeface="Courier" charset="0"/>
+                <a:ea typeface="Courier" charset="0"/>
+                <a:cs typeface="Courier" charset="0"/>
+              </a:rPr>
+              <a:t>Int</a:t>
+            </a:r>
+            <a:r>
+              <a:rPr lang="mr-IN" sz="2000" dirty="0">
+                <a:latin typeface="Courier" charset="0"/>
+                <a:ea typeface="Courier" charset="0"/>
+                <a:cs typeface="Courier" charset="0"/>
+              </a:rPr>
+              <a:t>): </a:t>
+            </a:r>
+            <a:r>
+              <a:rPr lang="mr-IN" sz="2000" dirty="0" err="1">
+                <a:latin typeface="Courier" charset="0"/>
+                <a:ea typeface="Courier" charset="0"/>
+                <a:cs typeface="Courier" charset="0"/>
+              </a:rPr>
+              <a:t>Int</a:t>
+            </a:r>
+            <a:r>
+              <a:rPr lang="mr-IN" sz="2000" dirty="0">
+                <a:latin typeface="Courier" charset="0"/>
+                <a:ea typeface="Courier" charset="0"/>
+                <a:cs typeface="Courier" charset="0"/>
+              </a:rPr>
+              <a:t> = </a:t>
+            </a:r>
+            <a:endParaRPr lang="en-US" sz="2000" dirty="0" smtClean="0">
+              <a:latin typeface="Courier" charset="0"/>
+              <a:ea typeface="Courier" charset="0"/>
+              <a:cs typeface="Courier" charset="0"/>
+            </a:endParaRPr>
+          </a:p>
+          <a:p>
+            <a:r>
+              <a:rPr lang="en-US" sz="2000" dirty="0">
+                <a:latin typeface="Courier" charset="0"/>
+                <a:ea typeface="Courier" charset="0"/>
+                <a:cs typeface="Courier" charset="0"/>
+              </a:rPr>
+              <a:t> </a:t>
+            </a:r>
+            <a:r>
+              <a:rPr lang="en-US" sz="2000" dirty="0" smtClean="0">
+                <a:latin typeface="Courier" charset="0"/>
+                <a:ea typeface="Courier" charset="0"/>
+                <a:cs typeface="Courier" charset="0"/>
+              </a:rPr>
+              <a:t> </a:t>
+            </a:r>
+            <a:r>
+              <a:rPr lang="mr-IN" sz="2000" dirty="0" err="1" smtClean="0">
+                <a:latin typeface="Courier" charset="0"/>
+                <a:ea typeface="Courier" charset="0"/>
+                <a:cs typeface="Courier" charset="0"/>
+              </a:rPr>
+              <a:t>k</a:t>
+            </a:r>
+            <a:r>
+              <a:rPr lang="mr-IN" sz="2000" dirty="0" smtClean="0">
+                <a:latin typeface="Courier" charset="0"/>
+                <a:ea typeface="Courier" charset="0"/>
+                <a:cs typeface="Courier" charset="0"/>
+              </a:rPr>
+              <a:t>(</a:t>
+            </a:r>
+            <a:r>
+              <a:rPr lang="mr-IN" sz="2000" dirty="0" err="1" smtClean="0">
+                <a:latin typeface="Courier" charset="0"/>
+                <a:ea typeface="Courier" charset="0"/>
+                <a:cs typeface="Courier" charset="0"/>
+              </a:rPr>
+              <a:t>x</a:t>
+            </a:r>
+            <a:r>
+              <a:rPr lang="mr-IN" sz="2000" dirty="0" smtClean="0">
+                <a:latin typeface="Courier" charset="0"/>
+                <a:ea typeface="Courier" charset="0"/>
+                <a:cs typeface="Courier" charset="0"/>
+              </a:rPr>
+              <a:t> </a:t>
+            </a:r>
+            <a:r>
+              <a:rPr lang="mr-IN" sz="2000" dirty="0">
+                <a:latin typeface="Courier" charset="0"/>
+                <a:ea typeface="Courier" charset="0"/>
+                <a:cs typeface="Courier" charset="0"/>
+              </a:rPr>
+              <a:t>+ </a:t>
+            </a:r>
+            <a:r>
+              <a:rPr lang="mr-IN" sz="2000" dirty="0" err="1">
+                <a:latin typeface="Courier" charset="0"/>
+                <a:ea typeface="Courier" charset="0"/>
+                <a:cs typeface="Courier" charset="0"/>
+              </a:rPr>
+              <a:t>y</a:t>
+            </a:r>
+            <a:r>
+              <a:rPr lang="mr-IN" sz="2000" dirty="0">
+                <a:latin typeface="Courier" charset="0"/>
+                <a:ea typeface="Courier" charset="0"/>
+                <a:cs typeface="Courier" charset="0"/>
+              </a:rPr>
+              <a:t>)</a:t>
+            </a:r>
+            <a:br>
+              <a:rPr lang="mr-IN" sz="2000" dirty="0">
+                <a:latin typeface="Courier" charset="0"/>
+                <a:ea typeface="Courier" charset="0"/>
+                <a:cs typeface="Courier" charset="0"/>
+              </a:rPr>
+            </a:br>
+            <a:r>
+              <a:rPr lang="mr-IN" sz="2000" dirty="0">
+                <a:latin typeface="Courier" charset="0"/>
+                <a:ea typeface="Courier" charset="0"/>
+                <a:cs typeface="Courier" charset="0"/>
+              </a:rPr>
+              <a:t/>
+            </a:r>
+            <a:br>
+              <a:rPr lang="mr-IN" sz="2000" dirty="0">
+                <a:latin typeface="Courier" charset="0"/>
+                <a:ea typeface="Courier" charset="0"/>
+                <a:cs typeface="Courier" charset="0"/>
+              </a:rPr>
+            </a:br>
+            <a:r>
+              <a:rPr lang="mr-IN" sz="2000" b="1" dirty="0" err="1">
+                <a:solidFill>
+                  <a:srgbClr val="000080"/>
+                </a:solidFill>
+                <a:latin typeface="Courier" charset="0"/>
+                <a:ea typeface="Courier" charset="0"/>
+                <a:cs typeface="Courier" charset="0"/>
+              </a:rPr>
+              <a:t>def</a:t>
+            </a:r>
+            <a:r>
+              <a:rPr lang="mr-IN" sz="2000" b="1" dirty="0">
+                <a:solidFill>
+                  <a:srgbClr val="000080"/>
+                </a:solidFill>
+                <a:latin typeface="Courier" charset="0"/>
+                <a:ea typeface="Courier" charset="0"/>
+                <a:cs typeface="Courier" charset="0"/>
+              </a:rPr>
+              <a:t> </a:t>
+            </a:r>
+            <a:r>
+              <a:rPr lang="mr-IN" sz="2000" dirty="0" err="1">
+                <a:latin typeface="Courier" charset="0"/>
+                <a:ea typeface="Courier" charset="0"/>
+                <a:cs typeface="Courier" charset="0"/>
+              </a:rPr>
+              <a:t>pitagoras</a:t>
+            </a:r>
+            <a:r>
+              <a:rPr lang="mr-IN" sz="2000" dirty="0">
+                <a:latin typeface="Courier" charset="0"/>
+                <a:ea typeface="Courier" charset="0"/>
+                <a:cs typeface="Courier" charset="0"/>
+              </a:rPr>
+              <a:t>(</a:t>
+            </a:r>
+            <a:r>
+              <a:rPr lang="mr-IN" sz="2000" dirty="0" err="1">
+                <a:latin typeface="Courier" charset="0"/>
+                <a:ea typeface="Courier" charset="0"/>
+                <a:cs typeface="Courier" charset="0"/>
+              </a:rPr>
+              <a:t>a</a:t>
+            </a:r>
+            <a:r>
+              <a:rPr lang="mr-IN" sz="2000" dirty="0">
+                <a:latin typeface="Courier" charset="0"/>
+                <a:ea typeface="Courier" charset="0"/>
+                <a:cs typeface="Courier" charset="0"/>
+              </a:rPr>
+              <a:t>: </a:t>
+            </a:r>
+            <a:r>
+              <a:rPr lang="mr-IN" sz="2000" dirty="0" err="1">
+                <a:latin typeface="Courier" charset="0"/>
+                <a:ea typeface="Courier" charset="0"/>
+                <a:cs typeface="Courier" charset="0"/>
+              </a:rPr>
+              <a:t>Int</a:t>
+            </a:r>
+            <a:r>
+              <a:rPr lang="mr-IN" sz="2000" dirty="0">
+                <a:latin typeface="Courier" charset="0"/>
+                <a:ea typeface="Courier" charset="0"/>
+                <a:cs typeface="Courier" charset="0"/>
+              </a:rPr>
+              <a:t>, </a:t>
+            </a:r>
+            <a:r>
+              <a:rPr lang="mr-IN" sz="2000" dirty="0" err="1">
+                <a:latin typeface="Courier" charset="0"/>
+                <a:ea typeface="Courier" charset="0"/>
+                <a:cs typeface="Courier" charset="0"/>
+              </a:rPr>
+              <a:t>b</a:t>
+            </a:r>
+            <a:r>
+              <a:rPr lang="mr-IN" sz="2000" dirty="0">
+                <a:latin typeface="Courier" charset="0"/>
+                <a:ea typeface="Courier" charset="0"/>
+                <a:cs typeface="Courier" charset="0"/>
+              </a:rPr>
+              <a:t>: </a:t>
+            </a:r>
+            <a:r>
+              <a:rPr lang="mr-IN" sz="2000" dirty="0" err="1">
+                <a:latin typeface="Courier" charset="0"/>
+                <a:ea typeface="Courier" charset="0"/>
+                <a:cs typeface="Courier" charset="0"/>
+              </a:rPr>
+              <a:t>Int</a:t>
+            </a:r>
+            <a:r>
+              <a:rPr lang="mr-IN" sz="2000" dirty="0">
+                <a:latin typeface="Courier" charset="0"/>
+                <a:ea typeface="Courier" charset="0"/>
+                <a:cs typeface="Courier" charset="0"/>
+              </a:rPr>
+              <a:t>, </a:t>
+            </a:r>
+            <a:r>
+              <a:rPr lang="mr-IN" sz="2000" dirty="0" err="1">
+                <a:latin typeface="Courier" charset="0"/>
+                <a:ea typeface="Courier" charset="0"/>
+                <a:cs typeface="Courier" charset="0"/>
+              </a:rPr>
+              <a:t>k</a:t>
+            </a:r>
+            <a:r>
+              <a:rPr lang="mr-IN" sz="2000" dirty="0">
+                <a:latin typeface="Courier" charset="0"/>
+                <a:ea typeface="Courier" charset="0"/>
+                <a:cs typeface="Courier" charset="0"/>
+              </a:rPr>
+              <a:t>: </a:t>
+            </a:r>
+            <a:r>
+              <a:rPr lang="mr-IN" sz="2000" dirty="0" err="1">
+                <a:latin typeface="Courier" charset="0"/>
+                <a:ea typeface="Courier" charset="0"/>
+                <a:cs typeface="Courier" charset="0"/>
+              </a:rPr>
+              <a:t>Int</a:t>
+            </a:r>
+            <a:r>
+              <a:rPr lang="mr-IN" sz="2000" dirty="0">
+                <a:latin typeface="Courier" charset="0"/>
+                <a:ea typeface="Courier" charset="0"/>
+                <a:cs typeface="Courier" charset="0"/>
+              </a:rPr>
+              <a:t> =&gt; </a:t>
+            </a:r>
+            <a:r>
+              <a:rPr lang="mr-IN" sz="2000" dirty="0" err="1">
+                <a:latin typeface="Courier" charset="0"/>
+                <a:ea typeface="Courier" charset="0"/>
+                <a:cs typeface="Courier" charset="0"/>
+              </a:rPr>
+              <a:t>Int</a:t>
+            </a:r>
+            <a:r>
+              <a:rPr lang="mr-IN" sz="2000" dirty="0">
+                <a:latin typeface="Courier" charset="0"/>
+                <a:ea typeface="Courier" charset="0"/>
+                <a:cs typeface="Courier" charset="0"/>
+              </a:rPr>
+              <a:t>): </a:t>
+            </a:r>
+            <a:r>
+              <a:rPr lang="mr-IN" sz="2000" dirty="0" err="1">
+                <a:latin typeface="Courier" charset="0"/>
+                <a:ea typeface="Courier" charset="0"/>
+                <a:cs typeface="Courier" charset="0"/>
+              </a:rPr>
+              <a:t>Int</a:t>
+            </a:r>
+            <a:r>
+              <a:rPr lang="mr-IN" sz="2000" dirty="0">
+                <a:latin typeface="Courier" charset="0"/>
+                <a:ea typeface="Courier" charset="0"/>
+                <a:cs typeface="Courier" charset="0"/>
+              </a:rPr>
+              <a:t> =</a:t>
+            </a:r>
+            <a:br>
+              <a:rPr lang="mr-IN" sz="2000" dirty="0">
+                <a:latin typeface="Courier" charset="0"/>
+                <a:ea typeface="Courier" charset="0"/>
+                <a:cs typeface="Courier" charset="0"/>
+              </a:rPr>
+            </a:br>
+            <a:r>
+              <a:rPr lang="mr-IN" sz="2000" dirty="0">
+                <a:latin typeface="Courier" charset="0"/>
+                <a:ea typeface="Courier" charset="0"/>
+                <a:cs typeface="Courier" charset="0"/>
+              </a:rPr>
+              <a:t>  </a:t>
+            </a:r>
+            <a:r>
+              <a:rPr lang="mr-IN" sz="2000" i="1" dirty="0" err="1">
+                <a:latin typeface="Courier" charset="0"/>
+                <a:ea typeface="Courier" charset="0"/>
+                <a:cs typeface="Courier" charset="0"/>
+              </a:rPr>
+              <a:t>square</a:t>
+            </a:r>
+            <a:r>
+              <a:rPr lang="mr-IN" sz="2000" dirty="0">
+                <a:latin typeface="Courier" charset="0"/>
+                <a:ea typeface="Courier" charset="0"/>
+                <a:cs typeface="Courier" charset="0"/>
+              </a:rPr>
+              <a:t>(</a:t>
+            </a:r>
+            <a:r>
+              <a:rPr lang="mr-IN" sz="2000" dirty="0" err="1">
+                <a:latin typeface="Courier" charset="0"/>
+                <a:ea typeface="Courier" charset="0"/>
+                <a:cs typeface="Courier" charset="0"/>
+              </a:rPr>
+              <a:t>a</a:t>
+            </a:r>
+            <a:r>
+              <a:rPr lang="mr-IN" sz="2000" dirty="0">
+                <a:latin typeface="Courier" charset="0"/>
+                <a:ea typeface="Courier" charset="0"/>
+                <a:cs typeface="Courier" charset="0"/>
+              </a:rPr>
+              <a:t>, </a:t>
+            </a:r>
+            <a:r>
+              <a:rPr lang="mr-IN" sz="2000" dirty="0" err="1">
+                <a:latin typeface="Courier" charset="0"/>
+                <a:ea typeface="Courier" charset="0"/>
+                <a:cs typeface="Courier" charset="0"/>
+              </a:rPr>
+              <a:t>aa</a:t>
+            </a:r>
+            <a:r>
+              <a:rPr lang="mr-IN" sz="2000" dirty="0">
+                <a:latin typeface="Courier" charset="0"/>
+                <a:ea typeface="Courier" charset="0"/>
+                <a:cs typeface="Courier" charset="0"/>
+              </a:rPr>
+              <a:t> =&gt;</a:t>
+            </a:r>
+            <a:br>
+              <a:rPr lang="mr-IN" sz="2000" dirty="0">
+                <a:latin typeface="Courier" charset="0"/>
+                <a:ea typeface="Courier" charset="0"/>
+                <a:cs typeface="Courier" charset="0"/>
+              </a:rPr>
+            </a:br>
+            <a:r>
+              <a:rPr lang="mr-IN" sz="2000" dirty="0">
+                <a:latin typeface="Courier" charset="0"/>
+                <a:ea typeface="Courier" charset="0"/>
+                <a:cs typeface="Courier" charset="0"/>
+              </a:rPr>
+              <a:t>    </a:t>
+            </a:r>
+            <a:r>
+              <a:rPr lang="mr-IN" sz="2000" i="1" dirty="0" err="1">
+                <a:latin typeface="Courier" charset="0"/>
+                <a:ea typeface="Courier" charset="0"/>
+                <a:cs typeface="Courier" charset="0"/>
+              </a:rPr>
+              <a:t>square</a:t>
+            </a:r>
+            <a:r>
+              <a:rPr lang="mr-IN" sz="2000" dirty="0">
+                <a:latin typeface="Courier" charset="0"/>
+                <a:ea typeface="Courier" charset="0"/>
+                <a:cs typeface="Courier" charset="0"/>
+              </a:rPr>
+              <a:t>(</a:t>
+            </a:r>
+            <a:r>
+              <a:rPr lang="mr-IN" sz="2000" dirty="0" err="1">
+                <a:latin typeface="Courier" charset="0"/>
+                <a:ea typeface="Courier" charset="0"/>
+                <a:cs typeface="Courier" charset="0"/>
+              </a:rPr>
+              <a:t>b</a:t>
+            </a:r>
+            <a:r>
+              <a:rPr lang="mr-IN" sz="2000" dirty="0">
+                <a:latin typeface="Courier" charset="0"/>
+                <a:ea typeface="Courier" charset="0"/>
+                <a:cs typeface="Courier" charset="0"/>
+              </a:rPr>
+              <a:t>, </a:t>
+            </a:r>
+            <a:r>
+              <a:rPr lang="mr-IN" sz="2000" dirty="0" err="1">
+                <a:latin typeface="Courier" charset="0"/>
+                <a:ea typeface="Courier" charset="0"/>
+                <a:cs typeface="Courier" charset="0"/>
+              </a:rPr>
+              <a:t>bb</a:t>
+            </a:r>
+            <a:r>
+              <a:rPr lang="mr-IN" sz="2000" dirty="0">
+                <a:latin typeface="Courier" charset="0"/>
+                <a:ea typeface="Courier" charset="0"/>
+                <a:cs typeface="Courier" charset="0"/>
+              </a:rPr>
+              <a:t> =&gt;</a:t>
+            </a:r>
+            <a:br>
+              <a:rPr lang="mr-IN" sz="2000" dirty="0">
+                <a:latin typeface="Courier" charset="0"/>
+                <a:ea typeface="Courier" charset="0"/>
+                <a:cs typeface="Courier" charset="0"/>
+              </a:rPr>
+            </a:br>
+            <a:r>
+              <a:rPr lang="mr-IN" sz="2000" dirty="0">
+                <a:latin typeface="Courier" charset="0"/>
+                <a:ea typeface="Courier" charset="0"/>
+                <a:cs typeface="Courier" charset="0"/>
+              </a:rPr>
+              <a:t>      </a:t>
+            </a:r>
+            <a:r>
+              <a:rPr lang="mr-IN" sz="2000" i="1" dirty="0" err="1">
+                <a:latin typeface="Courier" charset="0"/>
+                <a:ea typeface="Courier" charset="0"/>
+                <a:cs typeface="Courier" charset="0"/>
+              </a:rPr>
+              <a:t>sum</a:t>
+            </a:r>
+            <a:r>
+              <a:rPr lang="mr-IN" sz="2000" dirty="0">
+                <a:latin typeface="Courier" charset="0"/>
+                <a:ea typeface="Courier" charset="0"/>
+                <a:cs typeface="Courier" charset="0"/>
+              </a:rPr>
+              <a:t>(</a:t>
+            </a:r>
+            <a:r>
+              <a:rPr lang="mr-IN" sz="2000" dirty="0" err="1">
+                <a:latin typeface="Courier" charset="0"/>
+                <a:ea typeface="Courier" charset="0"/>
+                <a:cs typeface="Courier" charset="0"/>
+              </a:rPr>
+              <a:t>aa</a:t>
+            </a:r>
+            <a:r>
+              <a:rPr lang="mr-IN" sz="2000" dirty="0">
+                <a:latin typeface="Courier" charset="0"/>
+                <a:ea typeface="Courier" charset="0"/>
+                <a:cs typeface="Courier" charset="0"/>
+              </a:rPr>
+              <a:t>, </a:t>
+            </a:r>
+            <a:r>
+              <a:rPr lang="mr-IN" sz="2000" dirty="0" err="1">
+                <a:latin typeface="Courier" charset="0"/>
+                <a:ea typeface="Courier" charset="0"/>
+                <a:cs typeface="Courier" charset="0"/>
+              </a:rPr>
+              <a:t>bb</a:t>
+            </a:r>
+            <a:r>
+              <a:rPr lang="mr-IN" sz="2000" dirty="0">
+                <a:latin typeface="Courier" charset="0"/>
+                <a:ea typeface="Courier" charset="0"/>
+                <a:cs typeface="Courier" charset="0"/>
+              </a:rPr>
+              <a:t>, </a:t>
+            </a:r>
+            <a:r>
+              <a:rPr lang="mr-IN" sz="2000" dirty="0" err="1">
+                <a:latin typeface="Courier" charset="0"/>
+                <a:ea typeface="Courier" charset="0"/>
+                <a:cs typeface="Courier" charset="0"/>
+              </a:rPr>
+              <a:t>k</a:t>
+            </a:r>
+            <a:r>
+              <a:rPr lang="mr-IN" sz="2000" dirty="0">
+                <a:latin typeface="Courier" charset="0"/>
+                <a:ea typeface="Courier" charset="0"/>
+                <a:cs typeface="Courier" charset="0"/>
+              </a:rPr>
+              <a:t>)</a:t>
+            </a:r>
+            <a:br>
+              <a:rPr lang="mr-IN" sz="2000" dirty="0">
+                <a:latin typeface="Courier" charset="0"/>
+                <a:ea typeface="Courier" charset="0"/>
+                <a:cs typeface="Courier" charset="0"/>
+              </a:rPr>
+            </a:br>
+            <a:r>
+              <a:rPr lang="mr-IN" sz="2000" dirty="0">
+                <a:latin typeface="Courier" charset="0"/>
+                <a:ea typeface="Courier" charset="0"/>
+                <a:cs typeface="Courier" charset="0"/>
+              </a:rPr>
+              <a:t>    )</a:t>
+            </a:r>
+            <a:br>
+              <a:rPr lang="mr-IN" sz="2000" dirty="0">
+                <a:latin typeface="Courier" charset="0"/>
+                <a:ea typeface="Courier" charset="0"/>
+                <a:cs typeface="Courier" charset="0"/>
+              </a:rPr>
+            </a:br>
+            <a:r>
+              <a:rPr lang="mr-IN" sz="2000" dirty="0">
+                <a:latin typeface="Courier" charset="0"/>
+                <a:ea typeface="Courier" charset="0"/>
+                <a:cs typeface="Courier" charset="0"/>
+              </a:rPr>
+              <a:t>  </a:t>
+            </a:r>
+            <a:r>
+              <a:rPr lang="mr-IN" sz="2000" dirty="0" smtClean="0">
+                <a:latin typeface="Courier" charset="0"/>
+                <a:ea typeface="Courier" charset="0"/>
+                <a:cs typeface="Courier" charset="0"/>
+              </a:rPr>
+              <a:t>)</a:t>
+            </a:r>
+            <a:endParaRPr lang="en-US" sz="2000" dirty="0" smtClean="0">
+              <a:latin typeface="Courier" charset="0"/>
+              <a:ea typeface="Courier" charset="0"/>
+              <a:cs typeface="Courier" charset="0"/>
+            </a:endParaRPr>
+          </a:p>
+          <a:p>
+            <a:endParaRPr lang="en-US" sz="2000" dirty="0">
+              <a:latin typeface="Courier" charset="0"/>
+              <a:ea typeface="Courier" charset="0"/>
+              <a:cs typeface="Courier" charset="0"/>
+            </a:endParaRPr>
+          </a:p>
+        </p:txBody>
+      </p:sp>
+    </p:spTree>
+    <p:extLst>
+      <p:ext uri="{BB962C8B-B14F-4D97-AF65-F5344CB8AC3E}">
+        <p14:creationId xmlns:p14="http://schemas.microsoft.com/office/powerpoint/2010/main" val="1795022360"/>
+      </p:ext>
+    </p:extLst>
+  </p:cSld>
+  <p:clrMapOvr>
+    <a:masterClrMapping/>
+  </p:clrMapOvr>
+  <p:timing>
+    <p:tnLst>
+      <p:par>
+        <p:cTn id="1" dur="indefinite" restart="never" nodeType="tmRoot"/>
+      </p:par>
+    </p:tnLst>
+  </p:timing>
+</p:sld>
+</file>
+
+<file path=ppt/slides/slide11.xml><?xml version="1.0" encoding="utf-8"?>
+<p:sld xmlns:a="http://schemas.openxmlformats.org/drawingml/2006/main" xmlns:r="http://schemas.openxmlformats.org/officeDocument/2006/relationships" xmlns:p="http://schemas.openxmlformats.org/presentationml/2006/main">
+  <p:cSld>
+    <p:spTree>
+      <p:nvGrpSpPr>
+        <p:cNvPr id="1" name=""/>
+        <p:cNvGrpSpPr/>
+        <p:nvPr/>
+      </p:nvGrpSpPr>
+      <p:grpSpPr>
+        <a:xfrm>
+          <a:off x="0" y="0"/>
+          <a:ext cx="0" cy="0"/>
+          <a:chOff x="0" y="0"/>
+          <a:chExt cx="0" cy="0"/>
+        </a:xfrm>
+      </p:grpSpPr>
+      <p:sp>
+        <p:nvSpPr>
+          <p:cNvPr id="2" name="Title 1"/>
+          <p:cNvSpPr>
+            <a:spLocks noGrp="1"/>
+          </p:cNvSpPr>
+          <p:nvPr>
+            <p:ph type="title"/>
+          </p:nvPr>
+        </p:nvSpPr>
+        <p:spPr>
+          <a:xfrm>
+            <a:off x="596901" y="506124"/>
+            <a:ext cx="10510838" cy="431515"/>
+          </a:xfrm>
+        </p:spPr>
+        <p:txBody>
+          <a:bodyPr/>
+          <a:lstStyle/>
+          <a:p>
+            <a:r>
               <a:rPr lang="en-GB" dirty="0"/>
               <a:t>What is a continuation?</a:t>
             </a:r>
@@ -5452,7 +6683,7 @@
 </p:sld>
 </file>
 
-<file path=ppt/slides/slide11.xml><?xml version="1.0" encoding="utf-8"?>
+<file path=ppt/slides/slide12.xml><?xml version="1.0" encoding="utf-8"?>
 <p:sld xmlns:a="http://schemas.openxmlformats.org/drawingml/2006/main" xmlns:r="http://schemas.openxmlformats.org/officeDocument/2006/relationships" xmlns:p="http://schemas.openxmlformats.org/presentationml/2006/main">
   <p:cSld name="Slide84">
     <p:spTree>
@@ -5648,10 +6879,17 @@
   <p:clrMapOvr>
     <a:masterClrMapping/>
   </p:clrMapOvr>
+  <p:timing>
+    <p:tnLst>
+      <p:par>
+        <p:cTn id="1" dur="indefinite" restart="never" nodeType="tmRoot"/>
+      </p:par>
+    </p:tnLst>
+  </p:timing>
 </p:sld>
 </file>
 
-<file path=ppt/slides/slide12.xml><?xml version="1.0" encoding="utf-8"?>
+<file path=ppt/slides/slide13.xml><?xml version="1.0" encoding="utf-8"?>
 <p:sld xmlns:a="http://schemas.openxmlformats.org/drawingml/2006/main" xmlns:r="http://schemas.openxmlformats.org/officeDocument/2006/relationships" xmlns:p="http://schemas.openxmlformats.org/presentationml/2006/main">
   <p:cSld name="Slide25">
     <p:spTree>
@@ -5862,7 +7100,7 @@
 </p:sld>
 </file>
 
-<file path=ppt/slides/slide13.xml><?xml version="1.0" encoding="utf-8"?>
+<file path=ppt/slides/slide14.xml><?xml version="1.0" encoding="utf-8"?>
 <p:sld xmlns:a="http://schemas.openxmlformats.org/drawingml/2006/main" xmlns:r="http://schemas.openxmlformats.org/officeDocument/2006/relationships" xmlns:p="http://schemas.openxmlformats.org/presentationml/2006/main">
   <p:cSld>
     <p:spTree>
@@ -6040,6 +7278,13 @@
   <p:clrMapOvr>
     <a:masterClrMapping/>
   </p:clrMapOvr>
+  <p:timing>
+    <p:tnLst>
+      <p:par>
+        <p:cTn id="1" dur="indefinite" restart="never" nodeType="tmRoot"/>
+      </p:par>
+    </p:tnLst>
+  </p:timing>
 </p:sld>
 </file>
 
@@ -6114,6 +7359,13 @@
   <p:clrMapOvr>
     <a:masterClrMapping/>
   </p:clrMapOvr>
+  <p:timing>
+    <p:tnLst>
+      <p:par>
+        <p:cTn id="1" dur="indefinite" restart="never" nodeType="tmRoot"/>
+      </p:par>
+    </p:tnLst>
+  </p:timing>
 </p:sld>
 </file>
 
@@ -9723,7 +10975,7 @@
           <a:p>
             <a:r>
               <a:rPr lang="en-US" dirty="0" smtClean="0"/>
-              <a:t>CPS: Continuation Passing Style.</a:t>
+              <a:t>Direct style</a:t>
             </a:r>
             <a:endParaRPr lang="en-US" dirty="0"/>
           </a:p>
@@ -9754,16 +11006,46 @@
           </a:p>
         </p:txBody>
       </p:sp>
+      <p:pic>
+        <p:nvPicPr>
+          <p:cNvPr id="3" name="Picture 2"/>
+          <p:cNvPicPr>
+            <a:picLocks noChangeAspect="1"/>
+          </p:cNvPicPr>
+          <p:nvPr/>
+        </p:nvPicPr>
+        <p:blipFill>
+          <a:blip r:embed="rId3">
+            <a:extLst>
+              <a:ext uri="{28A0092B-C50C-407E-A947-70E740481C1C}">
+                <a14:useLocalDpi xmlns:a14="http://schemas.microsoft.com/office/drawing/2010/main" val="0"/>
+              </a:ext>
+            </a:extLst>
+          </a:blip>
+          <a:stretch>
+            <a:fillRect/>
+          </a:stretch>
+        </p:blipFill>
+        <p:spPr>
+          <a:xfrm>
+            <a:off x="8580438" y="139130"/>
+            <a:ext cx="3124200" cy="2524125"/>
+          </a:xfrm>
+          <a:prstGeom prst="rect">
+            <a:avLst/>
+          </a:prstGeom>
+        </p:spPr>
+      </p:pic>
       <p:sp>
         <p:nvSpPr>
-          <p:cNvPr id="10" name="TextBox 9"/>
+          <p:cNvPr id="5" name="TextBox 4"/>
           <p:cNvSpPr txBox="1"/>
           <p:nvPr/>
         </p:nvSpPr>
         <p:spPr>
           <a:xfrm>
-            <a:off x="648000" y="1872000"/>
-            <a:ext cx="10510838" cy="5709255"/>
+            <a:off x="2345893" y="1900719"/>
+            <a:ext cx="6234545" cy="3477875"/>
           </a:xfrm>
           <a:prstGeom prst="rect">
             <a:avLst/>
@@ -9771,19 +11053,205 @@
           <a:noFill/>
         </p:spPr>
         <p:txBody>
-          <a:bodyPr wrap="square" tIns="0" rtlCol="0">
+          <a:bodyPr wrap="square" rtlCol="0">
             <a:spAutoFit/>
           </a:bodyPr>
           <a:lstStyle/>
           <a:p>
-            <a:endParaRPr lang="en-US" dirty="0" smtClean="0">
+            <a:r>
+              <a:rPr lang="en-US" sz="2000" b="1" dirty="0" err="1">
+                <a:solidFill>
+                  <a:srgbClr val="000080"/>
+                </a:solidFill>
+                <a:latin typeface="Courier" charset="0"/>
+                <a:ea typeface="Courier" charset="0"/>
+                <a:cs typeface="Courier" charset="0"/>
+              </a:rPr>
+              <a:t>def</a:t>
+            </a:r>
+            <a:r>
+              <a:rPr lang="en-US" sz="2000" b="1" dirty="0">
+                <a:solidFill>
+                  <a:srgbClr val="000080"/>
+                </a:solidFill>
+                <a:latin typeface="Courier" charset="0"/>
+                <a:ea typeface="Courier" charset="0"/>
+                <a:cs typeface="Courier" charset="0"/>
+              </a:rPr>
+              <a:t> </a:t>
+            </a:r>
+            <a:r>
+              <a:rPr lang="en-US" sz="2000" dirty="0">
+                <a:latin typeface="Courier" charset="0"/>
+                <a:ea typeface="Courier" charset="0"/>
+                <a:cs typeface="Courier" charset="0"/>
+              </a:rPr>
+              <a:t>square(x: </a:t>
+            </a:r>
+            <a:r>
+              <a:rPr lang="en-US" sz="2000" dirty="0" err="1">
+                <a:latin typeface="Courier" charset="0"/>
+                <a:ea typeface="Courier" charset="0"/>
+                <a:cs typeface="Courier" charset="0"/>
+              </a:rPr>
+              <a:t>Int</a:t>
+            </a:r>
+            <a:r>
+              <a:rPr lang="en-US" sz="2000" dirty="0">
+                <a:latin typeface="Courier" charset="0"/>
+                <a:ea typeface="Courier" charset="0"/>
+                <a:cs typeface="Courier" charset="0"/>
+              </a:rPr>
+              <a:t>): </a:t>
+            </a:r>
+            <a:r>
+              <a:rPr lang="en-US" sz="2000" dirty="0" err="1">
+                <a:latin typeface="Courier" charset="0"/>
+                <a:ea typeface="Courier" charset="0"/>
+                <a:cs typeface="Courier" charset="0"/>
+              </a:rPr>
+              <a:t>Int</a:t>
+            </a:r>
+            <a:r>
+              <a:rPr lang="en-US" sz="2000" dirty="0">
+                <a:latin typeface="Courier" charset="0"/>
+                <a:ea typeface="Courier" charset="0"/>
+                <a:cs typeface="Courier" charset="0"/>
+              </a:rPr>
+              <a:t> = </a:t>
+            </a:r>
+            <a:endParaRPr lang="en-US" sz="2000" dirty="0" smtClean="0">
               <a:latin typeface="Courier" charset="0"/>
               <a:ea typeface="Courier" charset="0"/>
               <a:cs typeface="Courier" charset="0"/>
             </a:endParaRPr>
           </a:p>
           <a:p>
-            <a:endParaRPr lang="en-US" dirty="0" smtClean="0">
+            <a:r>
+              <a:rPr lang="en-US" sz="2000" dirty="0">
+                <a:latin typeface="Courier" charset="0"/>
+                <a:ea typeface="Courier" charset="0"/>
+                <a:cs typeface="Courier" charset="0"/>
+              </a:rPr>
+              <a:t> </a:t>
+            </a:r>
+            <a:r>
+              <a:rPr lang="en-US" sz="2000" dirty="0" smtClean="0">
+                <a:latin typeface="Courier" charset="0"/>
+                <a:ea typeface="Courier" charset="0"/>
+                <a:cs typeface="Courier" charset="0"/>
+              </a:rPr>
+              <a:t> x </a:t>
+            </a:r>
+            <a:r>
+              <a:rPr lang="en-US" sz="2000" dirty="0">
+                <a:latin typeface="Courier" charset="0"/>
+                <a:ea typeface="Courier" charset="0"/>
+                <a:cs typeface="Courier" charset="0"/>
+              </a:rPr>
+              <a:t>* x</a:t>
+            </a:r>
+            <a:br>
+              <a:rPr lang="en-US" sz="2000" dirty="0">
+                <a:latin typeface="Courier" charset="0"/>
+                <a:ea typeface="Courier" charset="0"/>
+                <a:cs typeface="Courier" charset="0"/>
+              </a:rPr>
+            </a:br>
+            <a:r>
+              <a:rPr lang="en-US" sz="2000" dirty="0">
+                <a:latin typeface="Courier" charset="0"/>
+                <a:ea typeface="Courier" charset="0"/>
+                <a:cs typeface="Courier" charset="0"/>
+              </a:rPr>
+              <a:t/>
+            </a:r>
+            <a:br>
+              <a:rPr lang="en-US" sz="2000" dirty="0">
+                <a:latin typeface="Courier" charset="0"/>
+                <a:ea typeface="Courier" charset="0"/>
+                <a:cs typeface="Courier" charset="0"/>
+              </a:rPr>
+            </a:br>
+            <a:r>
+              <a:rPr lang="en-US" sz="2000" b="1" dirty="0" err="1">
+                <a:solidFill>
+                  <a:srgbClr val="000080"/>
+                </a:solidFill>
+                <a:latin typeface="Courier" charset="0"/>
+                <a:ea typeface="Courier" charset="0"/>
+                <a:cs typeface="Courier" charset="0"/>
+              </a:rPr>
+              <a:t>def</a:t>
+            </a:r>
+            <a:r>
+              <a:rPr lang="en-US" sz="2000" b="1" dirty="0">
+                <a:solidFill>
+                  <a:srgbClr val="000080"/>
+                </a:solidFill>
+                <a:latin typeface="Courier" charset="0"/>
+                <a:ea typeface="Courier" charset="0"/>
+                <a:cs typeface="Courier" charset="0"/>
+              </a:rPr>
+              <a:t> </a:t>
+            </a:r>
+            <a:r>
+              <a:rPr lang="en-US" sz="2000" dirty="0">
+                <a:latin typeface="Courier" charset="0"/>
+                <a:ea typeface="Courier" charset="0"/>
+                <a:cs typeface="Courier" charset="0"/>
+              </a:rPr>
+              <a:t>sum(x: </a:t>
+            </a:r>
+            <a:r>
+              <a:rPr lang="en-US" sz="2000" dirty="0" err="1">
+                <a:latin typeface="Courier" charset="0"/>
+                <a:ea typeface="Courier" charset="0"/>
+                <a:cs typeface="Courier" charset="0"/>
+              </a:rPr>
+              <a:t>Int</a:t>
+            </a:r>
+            <a:r>
+              <a:rPr lang="en-US" sz="2000" dirty="0">
+                <a:latin typeface="Courier" charset="0"/>
+                <a:ea typeface="Courier" charset="0"/>
+                <a:cs typeface="Courier" charset="0"/>
+              </a:rPr>
+              <a:t>, y: </a:t>
+            </a:r>
+            <a:r>
+              <a:rPr lang="en-US" sz="2000" dirty="0" err="1">
+                <a:latin typeface="Courier" charset="0"/>
+                <a:ea typeface="Courier" charset="0"/>
+                <a:cs typeface="Courier" charset="0"/>
+              </a:rPr>
+              <a:t>Int</a:t>
+            </a:r>
+            <a:r>
+              <a:rPr lang="en-US" sz="2000" dirty="0">
+                <a:latin typeface="Courier" charset="0"/>
+                <a:ea typeface="Courier" charset="0"/>
+                <a:cs typeface="Courier" charset="0"/>
+              </a:rPr>
+              <a:t>): </a:t>
+            </a:r>
+            <a:r>
+              <a:rPr lang="en-US" sz="2000" dirty="0" err="1">
+                <a:latin typeface="Courier" charset="0"/>
+                <a:ea typeface="Courier" charset="0"/>
+                <a:cs typeface="Courier" charset="0"/>
+              </a:rPr>
+              <a:t>Int</a:t>
+            </a:r>
+            <a:r>
+              <a:rPr lang="en-US" sz="2000" dirty="0">
+                <a:latin typeface="Courier" charset="0"/>
+                <a:ea typeface="Courier" charset="0"/>
+                <a:cs typeface="Courier" charset="0"/>
+              </a:rPr>
+              <a:t> = </a:t>
+            </a:r>
+            <a:endParaRPr lang="en-US" sz="2000" dirty="0" smtClean="0">
               <a:latin typeface="Courier" charset="0"/>
               <a:ea typeface="Courier" charset="0"/>
               <a:cs typeface="Courier" charset="0"/>
@@ -9804,409 +11272,18 @@
                 <a:ea typeface="Courier" charset="0"/>
                 <a:cs typeface="Courier" charset="0"/>
               </a:rPr>
-              <a:t>      </a:t>
-            </a:r>
-            <a:r>
-              <a:rPr lang="mr-IN" sz="2000" i="1" dirty="0" err="1" smtClean="0">
-                <a:solidFill>
-                  <a:srgbClr val="660E7A"/>
-                </a:solidFill>
-                <a:latin typeface="Courier" charset="0"/>
-                <a:ea typeface="Courier" charset="0"/>
-                <a:cs typeface="Courier" charset="0"/>
-              </a:rPr>
-              <a:t>k</a:t>
-            </a:r>
-            <a:r>
-              <a:rPr lang="mr-IN" sz="2000" dirty="0" smtClean="0">
-                <a:latin typeface="Courier" charset="0"/>
-                <a:ea typeface="Courier" charset="0"/>
-                <a:cs typeface="Courier" charset="0"/>
-              </a:rPr>
-              <a:t>(</a:t>
-            </a:r>
-            <a:r>
-              <a:rPr lang="mr-IN" sz="2000" i="1" dirty="0" err="1" smtClean="0">
-                <a:solidFill>
-                  <a:srgbClr val="660E7A"/>
-                </a:solidFill>
-                <a:latin typeface="Courier" charset="0"/>
-                <a:ea typeface="Courier" charset="0"/>
-                <a:cs typeface="Courier" charset="0"/>
-              </a:rPr>
-              <a:t>a</a:t>
-            </a:r>
-            <a:r>
-              <a:rPr lang="en-US" sz="2000" i="1" dirty="0" smtClean="0">
-                <a:solidFill>
-                  <a:srgbClr val="660E7A"/>
-                </a:solidFill>
-                <a:latin typeface="Courier" charset="0"/>
-                <a:ea typeface="Courier" charset="0"/>
-                <a:cs typeface="Courier" charset="0"/>
-              </a:rPr>
-              <a:t>)</a:t>
-            </a:r>
-            <a:r>
-              <a:rPr lang="en-US" sz="2000" dirty="0" smtClean="0">
-                <a:latin typeface="Courier" charset="0"/>
-                <a:ea typeface="Courier" charset="0"/>
-                <a:cs typeface="Courier" charset="0"/>
-              </a:rPr>
-              <a:t> </a:t>
-            </a:r>
-            <a:endParaRPr lang="en-US" sz="2000" dirty="0" smtClean="0">
-              <a:solidFill>
-                <a:srgbClr val="0000FF"/>
-              </a:solidFill>
-              <a:latin typeface="Courier" charset="0"/>
-              <a:ea typeface="Courier" charset="0"/>
-              <a:cs typeface="Courier" charset="0"/>
-            </a:endParaRPr>
-          </a:p>
-          <a:p>
-            <a:endParaRPr lang="en-US" sz="2000" dirty="0">
-              <a:solidFill>
-                <a:srgbClr val="0000FF"/>
-              </a:solidFill>
-              <a:latin typeface="Courier" charset="0"/>
-              <a:ea typeface="Courier" charset="0"/>
-              <a:cs typeface="Courier" charset="0"/>
-            </a:endParaRPr>
-          </a:p>
-          <a:p>
-            <a:endParaRPr lang="en-US" sz="2000" dirty="0" smtClean="0">
-              <a:solidFill>
-                <a:srgbClr val="0000FF"/>
-              </a:solidFill>
-              <a:latin typeface="Courier" charset="0"/>
-              <a:ea typeface="Courier" charset="0"/>
-              <a:cs typeface="Courier" charset="0"/>
-            </a:endParaRPr>
-          </a:p>
-          <a:p>
-            <a:r>
-              <a:rPr lang="mr-IN" sz="2000" b="1" dirty="0" err="1">
-                <a:solidFill>
-                  <a:srgbClr val="000080"/>
-                </a:solidFill>
-                <a:latin typeface="Courier" charset="0"/>
-                <a:ea typeface="Courier" charset="0"/>
-                <a:cs typeface="Courier" charset="0"/>
-              </a:rPr>
-              <a:t>val</a:t>
-            </a:r>
-            <a:r>
-              <a:rPr lang="mr-IN" sz="2000" b="1" dirty="0">
-                <a:solidFill>
-                  <a:srgbClr val="000080"/>
-                </a:solidFill>
-                <a:latin typeface="Courier" charset="0"/>
-                <a:ea typeface="Courier" charset="0"/>
-                <a:cs typeface="Courier" charset="0"/>
-              </a:rPr>
-              <a:t> </a:t>
-            </a:r>
-            <a:r>
-              <a:rPr lang="mr-IN" sz="2000" i="1" dirty="0" err="1">
-                <a:solidFill>
-                  <a:srgbClr val="660E7A"/>
-                </a:solidFill>
-                <a:latin typeface="Courier" charset="0"/>
-                <a:ea typeface="Courier" charset="0"/>
-                <a:cs typeface="Courier" charset="0"/>
-              </a:rPr>
-              <a:t>a</a:t>
-            </a:r>
-            <a:r>
-              <a:rPr lang="mr-IN" sz="2000" i="1" dirty="0">
-                <a:solidFill>
-                  <a:srgbClr val="660E7A"/>
-                </a:solidFill>
-                <a:latin typeface="Courier" charset="0"/>
-                <a:ea typeface="Courier" charset="0"/>
-                <a:cs typeface="Courier" charset="0"/>
-              </a:rPr>
-              <a:t> </a:t>
-            </a:r>
-            <a:r>
-              <a:rPr lang="en-US" sz="2000" i="1" dirty="0" smtClean="0">
-                <a:solidFill>
-                  <a:srgbClr val="660E7A"/>
-                </a:solidFill>
-                <a:latin typeface="Courier" charset="0"/>
-                <a:ea typeface="Courier" charset="0"/>
-                <a:cs typeface="Courier" charset="0"/>
-              </a:rPr>
-              <a:t> </a:t>
-            </a:r>
-            <a:r>
-              <a:rPr lang="mr-IN" sz="2000" dirty="0" smtClean="0">
-                <a:latin typeface="Courier" charset="0"/>
-                <a:ea typeface="Courier" charset="0"/>
-                <a:cs typeface="Courier" charset="0"/>
-              </a:rPr>
-              <a:t>= </a:t>
-            </a:r>
-            <a:r>
-              <a:rPr lang="mr-IN" sz="2000" dirty="0">
-                <a:solidFill>
-                  <a:srgbClr val="0000FF"/>
-                </a:solidFill>
-                <a:latin typeface="Courier" charset="0"/>
-                <a:ea typeface="Courier" charset="0"/>
-                <a:cs typeface="Courier" charset="0"/>
-              </a:rPr>
-              <a:t>4</a:t>
+              <a:t> x </a:t>
+            </a:r>
+            <a:r>
+              <a:rPr lang="en-US" sz="2000" dirty="0">
+                <a:latin typeface="Courier" charset="0"/>
+                <a:ea typeface="Courier" charset="0"/>
+                <a:cs typeface="Courier" charset="0"/>
+              </a:rPr>
+              <a:t>+ y</a:t>
             </a:r>
             <a:br>
-              <a:rPr lang="mr-IN" sz="2000" dirty="0">
-                <a:solidFill>
-                  <a:srgbClr val="0000FF"/>
-                </a:solidFill>
-                <a:latin typeface="Courier" charset="0"/>
-                <a:ea typeface="Courier" charset="0"/>
-                <a:cs typeface="Courier" charset="0"/>
-              </a:rPr>
-            </a:br>
-            <a:r>
-              <a:rPr lang="mr-IN" sz="2000" b="1" dirty="0" err="1">
-                <a:solidFill>
-                  <a:srgbClr val="000080"/>
-                </a:solidFill>
-                <a:latin typeface="Courier" charset="0"/>
-                <a:ea typeface="Courier" charset="0"/>
-                <a:cs typeface="Courier" charset="0"/>
-              </a:rPr>
-              <a:t>val</a:t>
-            </a:r>
-            <a:r>
-              <a:rPr lang="mr-IN" sz="2000" b="1" dirty="0">
-                <a:solidFill>
-                  <a:srgbClr val="000080"/>
-                </a:solidFill>
-                <a:latin typeface="Courier" charset="0"/>
-                <a:ea typeface="Courier" charset="0"/>
-                <a:cs typeface="Courier" charset="0"/>
-              </a:rPr>
-              <a:t> </a:t>
-            </a:r>
-            <a:r>
-              <a:rPr lang="mr-IN" sz="2000" i="1" dirty="0">
-                <a:solidFill>
-                  <a:srgbClr val="660E7A"/>
-                </a:solidFill>
-                <a:latin typeface="Courier" charset="0"/>
-                <a:ea typeface="Courier" charset="0"/>
-                <a:cs typeface="Courier" charset="0"/>
-              </a:rPr>
-              <a:t>k1 </a:t>
-            </a:r>
-            <a:r>
-              <a:rPr lang="mr-IN" sz="2000" dirty="0">
-                <a:latin typeface="Courier" charset="0"/>
-                <a:ea typeface="Courier" charset="0"/>
-                <a:cs typeface="Courier" charset="0"/>
-              </a:rPr>
-              <a:t>= (</a:t>
-            </a:r>
-            <a:r>
-              <a:rPr lang="mr-IN" sz="2000" dirty="0" err="1">
-                <a:latin typeface="Courier" charset="0"/>
-                <a:ea typeface="Courier" charset="0"/>
-                <a:cs typeface="Courier" charset="0"/>
-              </a:rPr>
-              <a:t>x</a:t>
-            </a:r>
-            <a:r>
-              <a:rPr lang="mr-IN" sz="2000" dirty="0">
-                <a:latin typeface="Courier" charset="0"/>
-                <a:ea typeface="Courier" charset="0"/>
-                <a:cs typeface="Courier" charset="0"/>
-              </a:rPr>
-              <a:t>: </a:t>
-            </a:r>
-            <a:r>
-              <a:rPr lang="mr-IN" sz="2000" dirty="0" err="1">
-                <a:latin typeface="Courier" charset="0"/>
-                <a:ea typeface="Courier" charset="0"/>
-                <a:cs typeface="Courier" charset="0"/>
-              </a:rPr>
-              <a:t>Int</a:t>
-            </a:r>
-            <a:r>
-              <a:rPr lang="mr-IN" sz="2000" dirty="0">
-                <a:latin typeface="Courier" charset="0"/>
-                <a:ea typeface="Courier" charset="0"/>
-                <a:cs typeface="Courier" charset="0"/>
-              </a:rPr>
-              <a:t>) =&gt; </a:t>
-            </a:r>
-            <a:r>
-              <a:rPr lang="mr-IN" sz="2000" dirty="0" err="1">
-                <a:latin typeface="Courier" charset="0"/>
-                <a:ea typeface="Courier" charset="0"/>
-                <a:cs typeface="Courier" charset="0"/>
-              </a:rPr>
-              <a:t>x</a:t>
-            </a:r>
-            <a:r>
-              <a:rPr lang="mr-IN" sz="2000" dirty="0">
-                <a:latin typeface="Courier" charset="0"/>
-                <a:ea typeface="Courier" charset="0"/>
-                <a:cs typeface="Courier" charset="0"/>
-              </a:rPr>
-              <a:t> * </a:t>
-            </a:r>
-            <a:r>
-              <a:rPr lang="mr-IN" sz="2000" dirty="0" smtClean="0">
-                <a:solidFill>
-                  <a:srgbClr val="0000FF"/>
-                </a:solidFill>
-                <a:latin typeface="Courier" charset="0"/>
-                <a:ea typeface="Courier" charset="0"/>
-                <a:cs typeface="Courier" charset="0"/>
-              </a:rPr>
-              <a:t>2</a:t>
-            </a:r>
-            <a:endParaRPr lang="en-US" sz="2000" dirty="0" smtClean="0">
-              <a:solidFill>
-                <a:srgbClr val="0000FF"/>
-              </a:solidFill>
-              <a:latin typeface="Courier" charset="0"/>
-              <a:ea typeface="Courier" charset="0"/>
-              <a:cs typeface="Courier" charset="0"/>
-            </a:endParaRPr>
-          </a:p>
-          <a:p>
-            <a:endParaRPr lang="en-US" sz="2000" dirty="0">
-              <a:solidFill>
-                <a:srgbClr val="0000FF"/>
-              </a:solidFill>
-              <a:latin typeface="Courier" charset="0"/>
-              <a:ea typeface="Courier" charset="0"/>
-              <a:cs typeface="Courier" charset="0"/>
-            </a:endParaRPr>
-          </a:p>
-          <a:p>
-            <a:r>
-              <a:rPr lang="mr-IN" sz="2000" b="1" dirty="0" err="1">
-                <a:solidFill>
-                  <a:srgbClr val="000080"/>
-                </a:solidFill>
-                <a:latin typeface="Courier" charset="0"/>
-                <a:ea typeface="Courier" charset="0"/>
-                <a:cs typeface="Courier" charset="0"/>
-              </a:rPr>
-              <a:t>val</a:t>
-            </a:r>
-            <a:r>
-              <a:rPr lang="mr-IN" sz="2000" b="1" dirty="0">
-                <a:solidFill>
-                  <a:srgbClr val="000080"/>
-                </a:solidFill>
-                <a:latin typeface="Courier" charset="0"/>
-                <a:ea typeface="Courier" charset="0"/>
-                <a:cs typeface="Courier" charset="0"/>
-              </a:rPr>
-              <a:t> </a:t>
-            </a:r>
-            <a:r>
-              <a:rPr lang="mr-IN" sz="2000" i="1" dirty="0">
-                <a:solidFill>
-                  <a:srgbClr val="660E7A"/>
-                </a:solidFill>
-                <a:latin typeface="Courier" charset="0"/>
-                <a:ea typeface="Courier" charset="0"/>
-                <a:cs typeface="Courier" charset="0"/>
-              </a:rPr>
-              <a:t>k2 </a:t>
-            </a:r>
-            <a:r>
-              <a:rPr lang="mr-IN" sz="2000" dirty="0">
-                <a:latin typeface="Courier" charset="0"/>
-                <a:ea typeface="Courier" charset="0"/>
-                <a:cs typeface="Courier" charset="0"/>
-              </a:rPr>
-              <a:t>= (</a:t>
-            </a:r>
-            <a:r>
-              <a:rPr lang="mr-IN" sz="2000" dirty="0" err="1">
-                <a:latin typeface="Courier" charset="0"/>
-                <a:ea typeface="Courier" charset="0"/>
-                <a:cs typeface="Courier" charset="0"/>
-              </a:rPr>
-              <a:t>x</a:t>
-            </a:r>
-            <a:r>
-              <a:rPr lang="mr-IN" sz="2000" dirty="0">
-                <a:latin typeface="Courier" charset="0"/>
-                <a:ea typeface="Courier" charset="0"/>
-                <a:cs typeface="Courier" charset="0"/>
-              </a:rPr>
-              <a:t>: </a:t>
-            </a:r>
-            <a:r>
-              <a:rPr lang="mr-IN" sz="2000" dirty="0" err="1">
-                <a:latin typeface="Courier" charset="0"/>
-                <a:ea typeface="Courier" charset="0"/>
-                <a:cs typeface="Courier" charset="0"/>
-              </a:rPr>
-              <a:t>Int</a:t>
-            </a:r>
-            <a:r>
-              <a:rPr lang="mr-IN" sz="2000" dirty="0">
-                <a:latin typeface="Courier" charset="0"/>
-                <a:ea typeface="Courier" charset="0"/>
-                <a:cs typeface="Courier" charset="0"/>
-              </a:rPr>
-              <a:t>) =&gt; </a:t>
-            </a:r>
-            <a:r>
-              <a:rPr lang="mr-IN" sz="2000" dirty="0">
-                <a:solidFill>
-                  <a:srgbClr val="0000FF"/>
-                </a:solidFill>
-                <a:latin typeface="Courier" charset="0"/>
-                <a:ea typeface="Courier" charset="0"/>
-                <a:cs typeface="Courier" charset="0"/>
-              </a:rPr>
-              <a:t>10 </a:t>
-            </a:r>
-            <a:r>
-              <a:rPr lang="mr-IN" sz="2000" dirty="0" smtClean="0">
-                <a:latin typeface="Courier" charset="0"/>
-                <a:ea typeface="Courier" charset="0"/>
-                <a:cs typeface="Courier" charset="0"/>
-              </a:rPr>
-              <a:t>- </a:t>
-            </a:r>
-            <a:r>
-              <a:rPr lang="mr-IN" sz="2000" dirty="0" err="1" smtClean="0">
-                <a:latin typeface="Courier" charset="0"/>
-                <a:ea typeface="Courier" charset="0"/>
-                <a:cs typeface="Courier" charset="0"/>
-              </a:rPr>
-              <a:t>x</a:t>
-            </a:r>
-            <a:r>
-              <a:rPr lang="mr-IN" sz="2000" dirty="0" smtClean="0">
-                <a:latin typeface="Courier" charset="0"/>
-                <a:ea typeface="Courier" charset="0"/>
-                <a:cs typeface="Courier" charset="0"/>
-              </a:rPr>
-              <a:t> </a:t>
-            </a:r>
-            <a:r>
-              <a:rPr lang="mr-IN" sz="2000" dirty="0">
-                <a:latin typeface="Courier" charset="0"/>
-                <a:ea typeface="Courier" charset="0"/>
-                <a:cs typeface="Courier" charset="0"/>
-              </a:rPr>
-              <a:t/>
-            </a:r>
-            <a:br>
-              <a:rPr lang="mr-IN" sz="2000" dirty="0">
+              <a:rPr lang="en-US" sz="2000" dirty="0">
                 <a:latin typeface="Courier" charset="0"/>
                 <a:ea typeface="Courier" charset="0"/>
                 <a:cs typeface="Courier" charset="0"/>
@@ -10220,7 +11297,7 @@
           </a:p>
           <a:p>
             <a:r>
-              <a:rPr lang="mr-IN" sz="2000" b="1" dirty="0" err="1">
+              <a:rPr lang="en-US" sz="2000" b="1" dirty="0" err="1">
                 <a:solidFill>
                   <a:srgbClr val="000080"/>
                 </a:solidFill>
@@ -10228,10 +11305,111 @@
                 <a:ea typeface="Courier" charset="0"/>
                 <a:cs typeface="Courier" charset="0"/>
               </a:rPr>
+              <a:t>def</a:t>
+            </a:r>
+            <a:r>
+              <a:rPr lang="en-US" sz="2000" b="1" dirty="0">
+                <a:solidFill>
+                  <a:srgbClr val="000080"/>
+                </a:solidFill>
+                <a:latin typeface="Courier" charset="0"/>
+                <a:ea typeface="Courier" charset="0"/>
+                <a:cs typeface="Courier" charset="0"/>
+              </a:rPr>
+              <a:t> </a:t>
+            </a:r>
+            <a:r>
+              <a:rPr lang="en-US" sz="2000" dirty="0" err="1">
+                <a:latin typeface="Courier" charset="0"/>
+                <a:ea typeface="Courier" charset="0"/>
+                <a:cs typeface="Courier" charset="0"/>
+              </a:rPr>
+              <a:t>pitagoras</a:t>
+            </a:r>
+            <a:r>
+              <a:rPr lang="en-US" sz="2000" dirty="0">
+                <a:latin typeface="Courier" charset="0"/>
+                <a:ea typeface="Courier" charset="0"/>
+                <a:cs typeface="Courier" charset="0"/>
+              </a:rPr>
+              <a:t>(a: </a:t>
+            </a:r>
+            <a:r>
+              <a:rPr lang="en-US" sz="2000" dirty="0" err="1">
+                <a:latin typeface="Courier" charset="0"/>
+                <a:ea typeface="Courier" charset="0"/>
+                <a:cs typeface="Courier" charset="0"/>
+              </a:rPr>
+              <a:t>Int</a:t>
+            </a:r>
+            <a:r>
+              <a:rPr lang="en-US" sz="2000" dirty="0">
+                <a:latin typeface="Courier" charset="0"/>
+                <a:ea typeface="Courier" charset="0"/>
+                <a:cs typeface="Courier" charset="0"/>
+              </a:rPr>
+              <a:t>, b: </a:t>
+            </a:r>
+            <a:r>
+              <a:rPr lang="en-US" sz="2000" dirty="0" err="1">
+                <a:latin typeface="Courier" charset="0"/>
+                <a:ea typeface="Courier" charset="0"/>
+                <a:cs typeface="Courier" charset="0"/>
+              </a:rPr>
+              <a:t>Int</a:t>
+            </a:r>
+            <a:r>
+              <a:rPr lang="en-US" sz="2000" dirty="0">
+                <a:latin typeface="Courier" charset="0"/>
+                <a:ea typeface="Courier" charset="0"/>
+                <a:cs typeface="Courier" charset="0"/>
+              </a:rPr>
+              <a:t>): </a:t>
+            </a:r>
+            <a:r>
+              <a:rPr lang="en-US" sz="2000" dirty="0" err="1">
+                <a:latin typeface="Courier" charset="0"/>
+                <a:ea typeface="Courier" charset="0"/>
+                <a:cs typeface="Courier" charset="0"/>
+              </a:rPr>
+              <a:t>Int</a:t>
+            </a:r>
+            <a:r>
+              <a:rPr lang="en-US" sz="2000" dirty="0">
+                <a:latin typeface="Courier" charset="0"/>
+                <a:ea typeface="Courier" charset="0"/>
+                <a:cs typeface="Courier" charset="0"/>
+              </a:rPr>
+              <a:t> = {</a:t>
+            </a:r>
+            <a:br>
+              <a:rPr lang="en-US" sz="2000" dirty="0">
+                <a:latin typeface="Courier" charset="0"/>
+                <a:ea typeface="Courier" charset="0"/>
+                <a:cs typeface="Courier" charset="0"/>
+              </a:rPr>
+            </a:br>
+            <a:r>
+              <a:rPr lang="en-US" sz="2000" dirty="0">
+                <a:latin typeface="Courier" charset="0"/>
+                <a:ea typeface="Courier" charset="0"/>
+                <a:cs typeface="Courier" charset="0"/>
+              </a:rPr>
+              <a:t>  </a:t>
+            </a:r>
+            <a:r>
+              <a:rPr lang="en-US" sz="2000" b="1" dirty="0" err="1">
+                <a:solidFill>
+                  <a:srgbClr val="000080"/>
+                </a:solidFill>
+                <a:latin typeface="Courier" charset="0"/>
+                <a:ea typeface="Courier" charset="0"/>
+                <a:cs typeface="Courier" charset="0"/>
+              </a:rPr>
               <a:t>val</a:t>
             </a:r>
             <a:r>
-              <a:rPr lang="mr-IN" sz="2000" b="1" dirty="0">
+              <a:rPr lang="en-US" sz="2000" b="1" dirty="0">
                 <a:solidFill>
                   <a:srgbClr val="000080"/>
                 </a:solidFill>
@@ -10242,103 +11420,44 @@
               <a:t> </a:t>
             </a:r>
             <a:r>
-              <a:rPr lang="mr-IN" sz="2000" i="1" dirty="0">
-                <a:solidFill>
-                  <a:srgbClr val="660E7A"/>
-                </a:solidFill>
-                <a:latin typeface="Courier" charset="0"/>
-                <a:ea typeface="Courier" charset="0"/>
-                <a:cs typeface="Courier" charset="0"/>
-              </a:rPr>
-              <a:t>k3 </a:t>
-            </a:r>
-            <a:r>
-              <a:rPr lang="mr-IN" sz="2000" dirty="0">
-                <a:latin typeface="Courier" charset="0"/>
-                <a:ea typeface="Courier" charset="0"/>
-                <a:cs typeface="Courier" charset="0"/>
-              </a:rPr>
-              <a:t>= (</a:t>
-            </a:r>
-            <a:r>
-              <a:rPr lang="mr-IN" sz="2000" dirty="0" err="1">
-                <a:latin typeface="Courier" charset="0"/>
-                <a:ea typeface="Courier" charset="0"/>
-                <a:cs typeface="Courier" charset="0"/>
-              </a:rPr>
-              <a:t>x</a:t>
-            </a:r>
-            <a:r>
-              <a:rPr lang="mr-IN" sz="2000" dirty="0">
-                <a:latin typeface="Courier" charset="0"/>
-                <a:ea typeface="Courier" charset="0"/>
-                <a:cs typeface="Courier" charset="0"/>
-              </a:rPr>
-              <a:t>: </a:t>
-            </a:r>
-            <a:r>
-              <a:rPr lang="mr-IN" sz="2000" dirty="0" err="1">
-                <a:latin typeface="Courier" charset="0"/>
-                <a:ea typeface="Courier" charset="0"/>
-                <a:cs typeface="Courier" charset="0"/>
-              </a:rPr>
-              <a:t>Int</a:t>
-            </a:r>
-            <a:r>
-              <a:rPr lang="mr-IN" sz="2000" dirty="0">
-                <a:latin typeface="Courier" charset="0"/>
-                <a:ea typeface="Courier" charset="0"/>
-                <a:cs typeface="Courier" charset="0"/>
-              </a:rPr>
-              <a:t>) =&gt; </a:t>
-            </a:r>
-            <a:r>
-              <a:rPr lang="mr-IN" sz="2000" dirty="0" err="1">
-                <a:latin typeface="Courier" charset="0"/>
-                <a:ea typeface="Courier" charset="0"/>
-                <a:cs typeface="Courier" charset="0"/>
-              </a:rPr>
-              <a:t>x</a:t>
-            </a:r>
-            <a:r>
-              <a:rPr lang="mr-IN" sz="2000" dirty="0">
-                <a:latin typeface="Courier" charset="0"/>
-                <a:ea typeface="Courier" charset="0"/>
-                <a:cs typeface="Courier" charset="0"/>
-              </a:rPr>
-              <a:t> + </a:t>
-            </a:r>
-            <a:r>
-              <a:rPr lang="mr-IN" sz="2000" dirty="0">
-                <a:solidFill>
-                  <a:srgbClr val="0000FF"/>
-                </a:solidFill>
-                <a:latin typeface="Courier" charset="0"/>
-                <a:ea typeface="Courier" charset="0"/>
-                <a:cs typeface="Courier" charset="0"/>
-              </a:rPr>
-              <a:t>1</a:t>
-            </a:r>
-            <a:endParaRPr lang="en-US" sz="2000" dirty="0">
-              <a:solidFill>
-                <a:srgbClr val="0000FF"/>
-              </a:solidFill>
-              <a:latin typeface="Courier" charset="0"/>
-              <a:ea typeface="Courier" charset="0"/>
-              <a:cs typeface="Courier" charset="0"/>
-            </a:endParaRPr>
-          </a:p>
-          <a:p>
-            <a:endParaRPr lang="en-US" sz="2000" dirty="0" smtClean="0">
-              <a:solidFill>
-                <a:srgbClr val="0000FF"/>
-              </a:solidFill>
-              <a:latin typeface="Courier" charset="0"/>
-              <a:ea typeface="Courier" charset="0"/>
-              <a:cs typeface="Courier" charset="0"/>
-            </a:endParaRPr>
-          </a:p>
-          <a:p>
+              <a:rPr lang="en-US" sz="2000" dirty="0">
+                <a:latin typeface="Courier" charset="0"/>
+                <a:ea typeface="Courier" charset="0"/>
+                <a:cs typeface="Courier" charset="0"/>
+              </a:rPr>
+              <a:t>aa = </a:t>
+            </a:r>
+            <a:r>
+              <a:rPr lang="en-US" sz="2000" i="1" dirty="0">
+                <a:latin typeface="Courier" charset="0"/>
+                <a:ea typeface="Courier" charset="0"/>
+                <a:cs typeface="Courier" charset="0"/>
+              </a:rPr>
+              <a:t>square</a:t>
+            </a:r>
+            <a:r>
+              <a:rPr lang="en-US" sz="2000" dirty="0">
+                <a:latin typeface="Courier" charset="0"/>
+                <a:ea typeface="Courier" charset="0"/>
+                <a:cs typeface="Courier" charset="0"/>
+              </a:rPr>
+              <a:t>(a)</a:t>
+            </a:r>
+            <a:br>
+              <a:rPr lang="en-US" sz="2000" dirty="0">
+                <a:latin typeface="Courier" charset="0"/>
+                <a:ea typeface="Courier" charset="0"/>
+                <a:cs typeface="Courier" charset="0"/>
+              </a:rPr>
+            </a:br>
+            <a:r>
+              <a:rPr lang="en-US" sz="2000" dirty="0">
+                <a:latin typeface="Courier" charset="0"/>
+                <a:ea typeface="Courier" charset="0"/>
+                <a:cs typeface="Courier" charset="0"/>
+              </a:rPr>
+              <a:t>  </a:t>
+            </a:r>
             <a:r>
               <a:rPr lang="en-US" sz="2000" b="1" dirty="0" err="1">
                 <a:solidFill>
@@ -10362,15 +11481,20 @@
               <a:t> </a:t>
             </a:r>
             <a:r>
+              <a:rPr lang="en-US" sz="2000" dirty="0">
+                <a:latin typeface="Courier" charset="0"/>
+                <a:ea typeface="Courier" charset="0"/>
+                <a:cs typeface="Courier" charset="0"/>
+              </a:rPr>
+              <a:t>bb = </a:t>
+            </a:r>
+            <a:r>
               <a:rPr lang="en-US" sz="2000" i="1" dirty="0">
-                <a:solidFill>
-                  <a:srgbClr val="660E7A"/>
-                </a:solidFill>
-                <a:latin typeface="Courier" charset="0"/>
-                <a:ea typeface="Courier" charset="0"/>
-                <a:cs typeface="Courier" charset="0"/>
-              </a:rPr>
-              <a:t>k </a:t>
+                <a:latin typeface="Courier" charset="0"/>
+                <a:ea typeface="Courier" charset="0"/>
+                <a:cs typeface="Courier" charset="0"/>
+              </a:rPr>
+              <a:t>square</a:t>
             </a:r>
             <a:r>
               <a:rPr lang="en-US" sz="2000" dirty="0">
@@ -10378,18 +11502,30 @@
                 <a:ea typeface="Courier" charset="0"/>
                 <a:cs typeface="Courier" charset="0"/>
               </a:rPr>
-              <a:t>= </a:t>
+              <a:t>(b)</a:t>
+            </a:r>
+            <a:br>
+              <a:rPr lang="en-US" sz="2000" dirty="0">
+                <a:latin typeface="Courier" charset="0"/>
+                <a:ea typeface="Courier" charset="0"/>
+                <a:cs typeface="Courier" charset="0"/>
+              </a:rPr>
+            </a:br>
+            <a:r>
+              <a:rPr lang="en-US" sz="2000" dirty="0">
+                <a:latin typeface="Courier" charset="0"/>
+                <a:ea typeface="Courier" charset="0"/>
+                <a:cs typeface="Courier" charset="0"/>
+              </a:rPr>
+              <a:t>  </a:t>
             </a:r>
             <a:r>
               <a:rPr lang="en-US" sz="2000" i="1" dirty="0">
-                <a:solidFill>
-                  <a:srgbClr val="660E7A"/>
-                </a:solidFill>
-                <a:latin typeface="Courier" charset="0"/>
-                <a:ea typeface="Courier" charset="0"/>
-                <a:cs typeface="Courier" charset="0"/>
-              </a:rPr>
-              <a:t>k3 </a:t>
+                <a:latin typeface="Courier" charset="0"/>
+                <a:ea typeface="Courier" charset="0"/>
+                <a:cs typeface="Courier" charset="0"/>
+              </a:rPr>
+              <a:t>sum</a:t>
             </a:r>
             <a:r>
               <a:rPr lang="en-US" sz="2000" dirty="0">
@@ -10397,233 +11533,28 @@
                 <a:ea typeface="Courier" charset="0"/>
                 <a:cs typeface="Courier" charset="0"/>
               </a:rPr>
-              <a:t>compose </a:t>
-            </a:r>
-            <a:r>
-              <a:rPr lang="en-US" sz="2000" i="1" dirty="0">
-                <a:solidFill>
-                  <a:srgbClr val="660E7A"/>
-                </a:solidFill>
-                <a:latin typeface="Courier" charset="0"/>
-                <a:ea typeface="Courier" charset="0"/>
-                <a:cs typeface="Courier" charset="0"/>
-              </a:rPr>
-              <a:t>k2 </a:t>
-            </a:r>
-            <a:r>
+              <a:t>(aa, bb)</a:t>
+            </a:r>
+            <a:br>
               <a:rPr lang="en-US" sz="2000" dirty="0">
                 <a:latin typeface="Courier" charset="0"/>
                 <a:ea typeface="Courier" charset="0"/>
                 <a:cs typeface="Courier" charset="0"/>
               </a:rPr>
-              <a:t>compose </a:t>
-            </a:r>
-            <a:r>
-              <a:rPr lang="en-US" sz="2000" i="1" dirty="0">
-                <a:solidFill>
-                  <a:srgbClr val="660E7A"/>
-                </a:solidFill>
-                <a:latin typeface="Courier" charset="0"/>
-                <a:ea typeface="Courier" charset="0"/>
-                <a:cs typeface="Courier" charset="0"/>
-              </a:rPr>
-              <a:t>k1</a:t>
-            </a:r>
-            <a:br>
-              <a:rPr lang="en-US" sz="2000" i="1" dirty="0">
-                <a:solidFill>
-                  <a:srgbClr val="660E7A"/>
-                </a:solidFill>
-                <a:latin typeface="Courier" charset="0"/>
-                <a:ea typeface="Courier" charset="0"/>
-                <a:cs typeface="Courier" charset="0"/>
-              </a:rPr>
             </a:br>
-            <a:endParaRPr lang="en-US" sz="2000" dirty="0">
-              <a:solidFill>
-                <a:srgbClr val="0000FF"/>
-              </a:solidFill>
-              <a:latin typeface="Courier" charset="0"/>
-              <a:ea typeface="Courier" charset="0"/>
-              <a:cs typeface="Courier" charset="0"/>
-            </a:endParaRPr>
-          </a:p>
-          <a:p>
-            <a:endParaRPr lang="en-US" sz="2000" dirty="0" smtClean="0">
-              <a:solidFill>
-                <a:srgbClr val="0000FF"/>
-              </a:solidFill>
-              <a:latin typeface="Courier" charset="0"/>
-              <a:ea typeface="Courier" charset="0"/>
-              <a:cs typeface="Courier" charset="0"/>
-            </a:endParaRPr>
-          </a:p>
-          <a:p>
+            <a:r>
+              <a:rPr lang="en-US" sz="2000" dirty="0" smtClean="0">
+                <a:latin typeface="Courier" charset="0"/>
+                <a:ea typeface="Courier" charset="0"/>
+                <a:cs typeface="Courier" charset="0"/>
+              </a:rPr>
+              <a:t>}</a:t>
+            </a:r>
             <a:endParaRPr lang="en-US" sz="2000" dirty="0">
               <a:latin typeface="Courier" charset="0"/>
               <a:ea typeface="Courier" charset="0"/>
               <a:cs typeface="Courier" charset="0"/>
             </a:endParaRPr>
-          </a:p>
-          <a:p>
-            <a:endParaRPr lang="en-US" dirty="0" smtClean="0">
-              <a:latin typeface="Courier" charset="0"/>
-              <a:ea typeface="Courier" charset="0"/>
-              <a:cs typeface="Courier" charset="0"/>
-            </a:endParaRPr>
-          </a:p>
-          <a:p>
-            <a:endParaRPr lang="en-US" dirty="0" smtClean="0">
-              <a:latin typeface="Courier" charset="0"/>
-              <a:ea typeface="Courier" charset="0"/>
-              <a:cs typeface="Courier" charset="0"/>
-            </a:endParaRPr>
-          </a:p>
-          <a:p>
-            <a:endParaRPr lang="en-US" dirty="0">
-              <a:latin typeface="Courier" charset="0"/>
-              <a:ea typeface="Courier" charset="0"/>
-              <a:cs typeface="Courier" charset="0"/>
-            </a:endParaRPr>
-          </a:p>
-        </p:txBody>
-      </p:sp>
-      <p:sp>
-        <p:nvSpPr>
-          <p:cNvPr id="9" name="TextBox 8"/>
-          <p:cNvSpPr txBox="1"/>
-          <p:nvPr/>
-        </p:nvSpPr>
-        <p:spPr>
-          <a:xfrm>
-            <a:off x="596902" y="1260000"/>
-            <a:ext cx="6053901" cy="400110"/>
-          </a:xfrm>
-          <a:prstGeom prst="rect">
-            <a:avLst/>
-          </a:prstGeom>
-          <a:noFill/>
-        </p:spPr>
-        <p:txBody>
-          <a:bodyPr wrap="none" rtlCol="0">
-            <a:spAutoFit/>
-          </a:bodyPr>
-          <a:lstStyle/>
-          <a:p>
-            <a:r>
-              <a:rPr lang="en-US" sz="2000" dirty="0" smtClean="0"/>
-              <a:t>A continuation is </a:t>
-            </a:r>
-            <a:r>
-              <a:rPr lang="en-US" sz="2000" dirty="0" smtClean="0"/>
-              <a:t>the context surrounding </a:t>
-            </a:r>
-            <a:r>
-              <a:rPr lang="en-US" sz="2000" dirty="0" smtClean="0"/>
-              <a:t>an </a:t>
-            </a:r>
-            <a:r>
-              <a:rPr lang="en-US" sz="2000" dirty="0" smtClean="0"/>
-              <a:t>expression.</a:t>
-            </a:r>
-          </a:p>
-        </p:txBody>
-      </p:sp>
-      <p:sp>
-        <p:nvSpPr>
-          <p:cNvPr id="7" name="Rectangle 6"/>
-          <p:cNvSpPr/>
-          <p:nvPr/>
-        </p:nvSpPr>
-        <p:spPr>
-          <a:xfrm>
-            <a:off x="2464386" y="2346992"/>
-            <a:ext cx="612000" cy="410059"/>
-          </a:xfrm>
-          <a:prstGeom prst="rect">
-            <a:avLst/>
-          </a:prstGeom>
-          <a:solidFill>
-            <a:srgbClr val="00B050">
-              <a:alpha val="49000"/>
-            </a:srgbClr>
-          </a:solidFill>
-        </p:spPr>
-        <p:style>
-          <a:lnRef idx="2">
-            <a:schemeClr val="accent1">
-              <a:shade val="50000"/>
-            </a:schemeClr>
-          </a:lnRef>
-          <a:fillRef idx="1">
-            <a:schemeClr val="accent1"/>
-          </a:fillRef>
-          <a:effectRef idx="0">
-            <a:schemeClr val="accent1"/>
-          </a:effectRef>
-          <a:fontRef idx="minor">
-            <a:schemeClr val="lt1"/>
-          </a:fontRef>
-        </p:style>
-        <p:txBody>
-          <a:bodyPr lIns="36000" rtlCol="0" anchor="ctr"/>
-          <a:lstStyle/>
-          <a:p>
-            <a:pPr algn="ctr"/>
-            <a:r>
-              <a:rPr lang="en-US" smtClean="0"/>
-              <a:t> </a:t>
-            </a:r>
-            <a:endParaRPr lang="en-US"/>
-          </a:p>
-        </p:txBody>
-      </p:sp>
-      <p:sp>
-        <p:nvSpPr>
-          <p:cNvPr id="8" name="Rectangle 7"/>
-          <p:cNvSpPr/>
-          <p:nvPr/>
-        </p:nvSpPr>
-        <p:spPr>
-          <a:xfrm>
-            <a:off x="1063637" y="2346993"/>
-            <a:ext cx="612000" cy="410059"/>
-          </a:xfrm>
-          <a:prstGeom prst="rect">
-            <a:avLst/>
-          </a:prstGeom>
-          <a:solidFill>
-            <a:srgbClr val="00B050">
-              <a:alpha val="49000"/>
-            </a:srgbClr>
-          </a:solidFill>
-        </p:spPr>
-        <p:style>
-          <a:lnRef idx="2">
-            <a:schemeClr val="accent1">
-              <a:shade val="50000"/>
-            </a:schemeClr>
-          </a:lnRef>
-          <a:fillRef idx="1">
-            <a:schemeClr val="accent1"/>
-          </a:fillRef>
-          <a:effectRef idx="0">
-            <a:schemeClr val="accent1"/>
-          </a:effectRef>
-          <a:fontRef idx="minor">
-            <a:schemeClr val="lt1"/>
-          </a:fontRef>
-        </p:style>
-        <p:txBody>
-          <a:bodyPr lIns="36000" rtlCol="0" anchor="ctr"/>
-          <a:lstStyle/>
-          <a:p>
-            <a:pPr algn="ctr"/>
-            <a:r>
-              <a:rPr lang="en-US" smtClean="0"/>
-              <a:t> </a:t>
-            </a:r>
-            <a:endParaRPr lang="en-US"/>
           </a:p>
         </p:txBody>
       </p:sp>

--- a/docs/diy-continuations.pptx
+++ b/docs/diy-continuations.pptx
@@ -228,7 +228,7 @@
           <a:p>
             <a:fld id="{B5239E4C-5DBC-4EE5-94B9-2B43250ABC54}" type="datetimeFigureOut">
               <a:rPr lang="en-US"/>
-              <a:t>1/28/19</a:t>
+              <a:t>1/29/19</a:t>
             </a:fld>
             <a:endParaRPr lang="en-US"/>
           </a:p>
@@ -456,7 +456,7 @@
                   <a:uFillTx/>
                 </a:defRPr>
               </a:pPr>
-              <a:t>28/01/2019</a:t>
+              <a:t>29/01/2019</a:t>
             </a:fld>
             <a:endParaRPr lang="en-GB" sz="1200" b="0" i="0" u="none" strike="noStrike" kern="1200" cap="none" spc="0" baseline="0">
               <a:solidFill>
@@ -756,7 +756,7 @@
             <a:fld id="{5C40661A-FF99-43E9-8625-B04CCA98DB49}" type="datetime1">
               <a:rPr lang="en-US"/>
               <a:pPr lvl="0"/>
-              <a:t>1/28/19</a:t>
+              <a:t>1/29/19</a:t>
             </a:fld>
             <a:endParaRPr lang="en-US"/>
           </a:p>
@@ -1052,7 +1052,7 @@
           <a:p>
             <a:fld id="{1387469C-9F68-4097-95C7-42011AAA5201}" type="datetimeFigureOut">
               <a:rPr lang="en-US"/>
-              <a:t>1/28/19</a:t>
+              <a:t>1/29/19</a:t>
             </a:fld>
             <a:endParaRPr lang="en-US"/>
           </a:p>
@@ -2026,7 +2026,6 @@
               <a:rPr lang="en-US" dirty="0" smtClean="0"/>
               <a:t>Green area is the continuation</a:t>
             </a:r>
-            <a:endParaRPr lang="en-US" dirty="0" smtClean="0"/>
           </a:p>
           <a:p>
             <a:endParaRPr lang="en-US" dirty="0" smtClean="0"/>
@@ -2142,7 +2141,6 @@
               <a:rPr lang="en-US" dirty="0" smtClean="0"/>
               <a:t>Green area is the continuation</a:t>
             </a:r>
-            <a:endParaRPr lang="en-US" dirty="0" smtClean="0"/>
           </a:p>
           <a:p>
             <a:endParaRPr lang="en-US" dirty="0" smtClean="0"/>
@@ -2258,7 +2256,6 @@
               <a:rPr lang="en-US" dirty="0" smtClean="0"/>
               <a:t>Green area is the continuation</a:t>
             </a:r>
-            <a:endParaRPr lang="en-US" dirty="0" smtClean="0"/>
           </a:p>
           <a:p>
             <a:endParaRPr lang="en-US" dirty="0" smtClean="0"/>
@@ -2529,6 +2526,73 @@
               <a:rPr lang="en-US" baseline="0" dirty="0" smtClean="0"/>
               <a:t>Every function doesn’t return a value explicitly but rather call the continuation.</a:t>
             </a:r>
+          </a:p>
+          <a:p>
+            <a:pPr marL="0" marR="0" indent="0" algn="l" defTabSz="914400" rtl="0" eaLnBrk="1" fontAlgn="auto" latinLnBrk="0" hangingPunct="1">
+              <a:lnSpc>
+                <a:spcPct val="100000"/>
+              </a:lnSpc>
+              <a:spcBef>
+                <a:spcPts val="0"/>
+              </a:spcBef>
+              <a:spcAft>
+                <a:spcPts val="0"/>
+              </a:spcAft>
+              <a:buClrTx/>
+              <a:buSzTx/>
+              <a:buFontTx/>
+              <a:buNone/>
+              <a:tabLst/>
+              <a:defRPr/>
+            </a:pPr>
+            <a:endParaRPr lang="en-US" baseline="0" dirty="0" smtClean="0"/>
+          </a:p>
+          <a:p>
+            <a:pPr marL="0" marR="0" indent="0" algn="l" defTabSz="914400" rtl="0" eaLnBrk="1" fontAlgn="auto" latinLnBrk="0" hangingPunct="1">
+              <a:lnSpc>
+                <a:spcPct val="100000"/>
+              </a:lnSpc>
+              <a:spcBef>
+                <a:spcPts val="0"/>
+              </a:spcBef>
+              <a:spcAft>
+                <a:spcPts val="0"/>
+              </a:spcAft>
+              <a:buClrTx/>
+              <a:buSzTx/>
+              <a:buFontTx/>
+              <a:buNone/>
+              <a:tabLst/>
+              <a:defRPr/>
+            </a:pPr>
+            <a:r>
+              <a:rPr lang="en-US" baseline="0" dirty="0" smtClean="0"/>
+              <a:t>Turning inside out our world</a:t>
+            </a:r>
+            <a:r>
+              <a:rPr lang="en-US" baseline="0" dirty="0" smtClean="0"/>
+              <a:t>. Or better Turning outside in</a:t>
+            </a:r>
+            <a:endParaRPr lang="en-US" baseline="0" dirty="0" smtClean="0"/>
+          </a:p>
+          <a:p>
+            <a:pPr marL="0" marR="0" indent="0" algn="l" defTabSz="914400" rtl="0" eaLnBrk="1" fontAlgn="auto" latinLnBrk="0" hangingPunct="1">
+              <a:lnSpc>
+                <a:spcPct val="100000"/>
+              </a:lnSpc>
+              <a:spcBef>
+                <a:spcPts val="0"/>
+              </a:spcBef>
+              <a:spcAft>
+                <a:spcPts val="0"/>
+              </a:spcAft>
+              <a:buClrTx/>
+              <a:buSzTx/>
+              <a:buFontTx/>
+              <a:buNone/>
+              <a:tabLst/>
+              <a:defRPr/>
+            </a:pPr>
             <a:endParaRPr lang="en-US" dirty="0" smtClean="0"/>
           </a:p>
           <a:p>
@@ -4560,8 +4624,8 @@
         </p:nvSpPr>
         <p:spPr>
           <a:xfrm>
-            <a:off x="596901" y="1900719"/>
-            <a:ext cx="9212117" cy="4093428"/>
+            <a:off x="1551398" y="1900719"/>
+            <a:ext cx="8257620" cy="4093428"/>
           </a:xfrm>
           <a:prstGeom prst="rect">
             <a:avLst/>
@@ -7712,19 +7776,7 @@
           <a:p>
             <a:r>
               <a:rPr lang="en-US" sz="2000" dirty="0" smtClean="0"/>
-              <a:t>A continuation is </a:t>
-            </a:r>
-            <a:r>
-              <a:rPr lang="en-US" sz="2000" dirty="0" smtClean="0"/>
-              <a:t>the context surrounding </a:t>
-            </a:r>
-            <a:r>
-              <a:rPr lang="en-US" sz="2000" dirty="0" smtClean="0"/>
-              <a:t>an </a:t>
-            </a:r>
-            <a:r>
-              <a:rPr lang="en-US" sz="2000" dirty="0" smtClean="0"/>
-              <a:t>expression.</a:t>
+              <a:t>A continuation is the context surrounding an expression.</a:t>
             </a:r>
           </a:p>
         </p:txBody>
@@ -8276,19 +8328,7 @@
           <a:p>
             <a:r>
               <a:rPr lang="en-US" sz="2000" dirty="0" smtClean="0"/>
-              <a:t>A continuation is </a:t>
-            </a:r>
-            <a:r>
-              <a:rPr lang="en-US" sz="2000" dirty="0" smtClean="0"/>
-              <a:t>the context surrounding </a:t>
-            </a:r>
-            <a:r>
-              <a:rPr lang="en-US" sz="2000" dirty="0" smtClean="0"/>
-              <a:t>an </a:t>
-            </a:r>
-            <a:r>
-              <a:rPr lang="en-US" sz="2000" dirty="0" smtClean="0"/>
-              <a:t>expression.</a:t>
+              <a:t>A continuation is the context surrounding an expression.</a:t>
             </a:r>
           </a:p>
         </p:txBody>
@@ -9017,19 +9057,7 @@
           <a:p>
             <a:r>
               <a:rPr lang="en-US" sz="2000" dirty="0" smtClean="0"/>
-              <a:t>A continuation is </a:t>
-            </a:r>
-            <a:r>
-              <a:rPr lang="en-US" sz="2000" dirty="0" smtClean="0"/>
-              <a:t>the context surrounding </a:t>
-            </a:r>
-            <a:r>
-              <a:rPr lang="en-US" sz="2000" dirty="0" smtClean="0"/>
-              <a:t>an </a:t>
-            </a:r>
-            <a:r>
-              <a:rPr lang="en-US" sz="2000" dirty="0" smtClean="0"/>
-              <a:t>expression.</a:t>
+              <a:t>A continuation is the context surrounding an expression.</a:t>
             </a:r>
           </a:p>
         </p:txBody>
@@ -9884,19 +9912,7 @@
           <a:p>
             <a:r>
               <a:rPr lang="en-US" sz="2000" dirty="0" smtClean="0"/>
-              <a:t>A continuation is </a:t>
-            </a:r>
-            <a:r>
-              <a:rPr lang="en-US" sz="2000" dirty="0" smtClean="0"/>
-              <a:t>the context surrounding </a:t>
-            </a:r>
-            <a:r>
-              <a:rPr lang="en-US" sz="2000" dirty="0" smtClean="0"/>
-              <a:t>an </a:t>
-            </a:r>
-            <a:r>
-              <a:rPr lang="en-US" sz="2000" dirty="0" smtClean="0"/>
-              <a:t>expression.</a:t>
+              <a:t>A continuation is the context surrounding an expression.</a:t>
             </a:r>
           </a:p>
         </p:txBody>
@@ -10801,19 +10817,7 @@
           <a:p>
             <a:r>
               <a:rPr lang="en-US" sz="2000" dirty="0" smtClean="0"/>
-              <a:t>A continuation is </a:t>
-            </a:r>
-            <a:r>
-              <a:rPr lang="en-US" sz="2000" dirty="0" smtClean="0"/>
-              <a:t>the context surrounding </a:t>
-            </a:r>
-            <a:r>
-              <a:rPr lang="en-US" sz="2000" dirty="0" smtClean="0"/>
-              <a:t>an </a:t>
-            </a:r>
-            <a:r>
-              <a:rPr lang="en-US" sz="2000" dirty="0" smtClean="0"/>
-              <a:t>expression.</a:t>
+              <a:t>A continuation is the context surrounding an expression.</a:t>
             </a:r>
           </a:p>
         </p:txBody>

--- a/docs/diy-continuations.pptx
+++ b/docs/diy-continuations.pptx
@@ -161,7 +161,7 @@
           <p:cNvPr id="2" name="Header Placeholder 1">
             <a:extLst>
               <a:ext uri="{FF2B5EF4-FFF2-40B4-BE49-F238E27FC236}">
-                <a16:creationId xmlns="" xmlns:a16="http://schemas.microsoft.com/office/drawing/2014/main" id="{2307D236-EC24-49D4-9F92-5F62A454C349}"/>
+                <a16:creationId xmlns:a16="http://schemas.microsoft.com/office/drawing/2014/main" xmlns="" id="{2307D236-EC24-49D4-9F92-5F62A454C349}"/>
               </a:ext>
             </a:extLst>
           </p:cNvPr>
@@ -198,7 +198,7 @@
           <p:cNvPr id="3" name="Date Placeholder 2">
             <a:extLst>
               <a:ext uri="{FF2B5EF4-FFF2-40B4-BE49-F238E27FC236}">
-                <a16:creationId xmlns="" xmlns:a16="http://schemas.microsoft.com/office/drawing/2014/main" id="{C4A8361D-062B-4882-9622-898F34F418C6}"/>
+                <a16:creationId xmlns:a16="http://schemas.microsoft.com/office/drawing/2014/main" xmlns="" id="{C4A8361D-062B-4882-9622-898F34F418C6}"/>
               </a:ext>
             </a:extLst>
           </p:cNvPr>
@@ -228,7 +228,7 @@
           <a:p>
             <a:fld id="{B5239E4C-5DBC-4EE5-94B9-2B43250ABC54}" type="datetimeFigureOut">
               <a:rPr lang="en-US"/>
-              <a:t>1/29/19</a:t>
+              <a:t>1/30/19</a:t>
             </a:fld>
             <a:endParaRPr lang="en-US"/>
           </a:p>
@@ -239,7 +239,7 @@
           <p:cNvPr id="4" name="Footer Placeholder 3">
             <a:extLst>
               <a:ext uri="{FF2B5EF4-FFF2-40B4-BE49-F238E27FC236}">
-                <a16:creationId xmlns="" xmlns:a16="http://schemas.microsoft.com/office/drawing/2014/main" id="{18BBC38B-3F86-4712-96E2-845CD03C99AD}"/>
+                <a16:creationId xmlns:a16="http://schemas.microsoft.com/office/drawing/2014/main" xmlns="" id="{18BBC38B-3F86-4712-96E2-845CD03C99AD}"/>
               </a:ext>
             </a:extLst>
           </p:cNvPr>
@@ -276,7 +276,7 @@
           <p:cNvPr id="5" name="Slide Number Placeholder 4">
             <a:extLst>
               <a:ext uri="{FF2B5EF4-FFF2-40B4-BE49-F238E27FC236}">
-                <a16:creationId xmlns="" xmlns:a16="http://schemas.microsoft.com/office/drawing/2014/main" id="{A2B4E439-A684-4CF1-8B15-24CE3577A4ED}"/>
+                <a16:creationId xmlns:a16="http://schemas.microsoft.com/office/drawing/2014/main" xmlns="" id="{A2B4E439-A684-4CF1-8B15-24CE3577A4ED}"/>
               </a:ext>
             </a:extLst>
           </p:cNvPr>
@@ -316,7 +316,7 @@
           <p:cNvPr id="6" name="Header Placeholder 1">
             <a:extLst>
               <a:ext uri="{FF2B5EF4-FFF2-40B4-BE49-F238E27FC236}">
-                <a16:creationId xmlns="" xmlns:a16="http://schemas.microsoft.com/office/drawing/2014/main" id="{1652160D-6E4D-493F-A1B8-94436B8D302F}"/>
+                <a16:creationId xmlns:a16="http://schemas.microsoft.com/office/drawing/2014/main" xmlns="" id="{1652160D-6E4D-493F-A1B8-94436B8D302F}"/>
               </a:ext>
             </a:extLst>
           </p:cNvPr>
@@ -380,7 +380,7 @@
           <p:cNvPr id="7" name="Date Placeholder 2">
             <a:extLst>
               <a:ext uri="{FF2B5EF4-FFF2-40B4-BE49-F238E27FC236}">
-                <a16:creationId xmlns="" xmlns:a16="http://schemas.microsoft.com/office/drawing/2014/main" id="{003E91D0-8A5F-4EA7-944D-1242EC30F080}"/>
+                <a16:creationId xmlns:a16="http://schemas.microsoft.com/office/drawing/2014/main" xmlns="" id="{003E91D0-8A5F-4EA7-944D-1242EC30F080}"/>
               </a:ext>
             </a:extLst>
           </p:cNvPr>
@@ -456,7 +456,7 @@
                   <a:uFillTx/>
                 </a:defRPr>
               </a:pPr>
-              <a:t>29/01/2019</a:t>
+              <a:t>30/01/2019</a:t>
             </a:fld>
             <a:endParaRPr lang="en-GB" sz="1200" b="0" i="0" u="none" strike="noStrike" kern="1200" cap="none" spc="0" baseline="0">
               <a:solidFill>
@@ -473,7 +473,7 @@
           <p:cNvPr id="8" name="Footer Placeholder 3">
             <a:extLst>
               <a:ext uri="{FF2B5EF4-FFF2-40B4-BE49-F238E27FC236}">
-                <a16:creationId xmlns="" xmlns:a16="http://schemas.microsoft.com/office/drawing/2014/main" id="{2CECAB09-B1CA-488D-9468-1238D693C4A6}"/>
+                <a16:creationId xmlns:a16="http://schemas.microsoft.com/office/drawing/2014/main" xmlns="" id="{2CECAB09-B1CA-488D-9468-1238D693C4A6}"/>
               </a:ext>
             </a:extLst>
           </p:cNvPr>
@@ -537,7 +537,7 @@
           <p:cNvPr id="9" name="Slide Number Placeholder 4">
             <a:extLst>
               <a:ext uri="{FF2B5EF4-FFF2-40B4-BE49-F238E27FC236}">
-                <a16:creationId xmlns="" xmlns:a16="http://schemas.microsoft.com/office/drawing/2014/main" id="{DBEF0D69-B2F4-4FE0-A167-B7409C881861}"/>
+                <a16:creationId xmlns:a16="http://schemas.microsoft.com/office/drawing/2014/main" xmlns="" id="{DBEF0D69-B2F4-4FE0-A167-B7409C881861}"/>
               </a:ext>
             </a:extLst>
           </p:cNvPr>
@@ -640,7 +640,7 @@
           <p:cNvPr id="8" name="Header Placeholder 1">
             <a:extLst>
               <a:ext uri="{FF2B5EF4-FFF2-40B4-BE49-F238E27FC236}">
-                <a16:creationId xmlns="" xmlns:a16="http://schemas.microsoft.com/office/drawing/2014/main" id="{E3CA4944-91DB-419C-9B85-6B2E48A4C49C}"/>
+                <a16:creationId xmlns:a16="http://schemas.microsoft.com/office/drawing/2014/main" xmlns="" id="{E3CA4944-91DB-419C-9B85-6B2E48A4C49C}"/>
               </a:ext>
             </a:extLst>
           </p:cNvPr>
@@ -701,7 +701,7 @@
           <p:cNvPr id="9" name="Date Placeholder 2">
             <a:extLst>
               <a:ext uri="{FF2B5EF4-FFF2-40B4-BE49-F238E27FC236}">
-                <a16:creationId xmlns="" xmlns:a16="http://schemas.microsoft.com/office/drawing/2014/main" id="{FF35B9FD-E9C3-4A4E-A232-9C350D013696}"/>
+                <a16:creationId xmlns:a16="http://schemas.microsoft.com/office/drawing/2014/main" xmlns="" id="{FF35B9FD-E9C3-4A4E-A232-9C350D013696}"/>
               </a:ext>
             </a:extLst>
           </p:cNvPr>
@@ -756,7 +756,7 @@
             <a:fld id="{5C40661A-FF99-43E9-8625-B04CCA98DB49}" type="datetime1">
               <a:rPr lang="en-US"/>
               <a:pPr lvl="0"/>
-              <a:t>1/29/19</a:t>
+              <a:t>1/30/19</a:t>
             </a:fld>
             <a:endParaRPr lang="en-US"/>
           </a:p>
@@ -767,7 +767,7 @@
           <p:cNvPr id="10" name="Slide Image Placeholder 3">
             <a:extLst>
               <a:ext uri="{FF2B5EF4-FFF2-40B4-BE49-F238E27FC236}">
-                <a16:creationId xmlns="" xmlns:a16="http://schemas.microsoft.com/office/drawing/2014/main" id="{0F45E758-102C-4252-9457-BDC346B25C98}"/>
+                <a16:creationId xmlns:a16="http://schemas.microsoft.com/office/drawing/2014/main" xmlns="" id="{0F45E758-102C-4252-9457-BDC346B25C98}"/>
               </a:ext>
             </a:extLst>
           </p:cNvPr>
@@ -800,7 +800,7 @@
           <p:cNvPr id="11" name="Notes Placeholder 4">
             <a:extLst>
               <a:ext uri="{FF2B5EF4-FFF2-40B4-BE49-F238E27FC236}">
-                <a16:creationId xmlns="" xmlns:a16="http://schemas.microsoft.com/office/drawing/2014/main" id="{D3DF7A88-849E-422C-BEA7-E1BD76F24FDF}"/>
+                <a16:creationId xmlns:a16="http://schemas.microsoft.com/office/drawing/2014/main" xmlns="" id="{D3DF7A88-849E-422C-BEA7-E1BD76F24FDF}"/>
               </a:ext>
             </a:extLst>
           </p:cNvPr>
@@ -872,7 +872,7 @@
           <p:cNvPr id="12" name="Footer Placeholder 5">
             <a:extLst>
               <a:ext uri="{FF2B5EF4-FFF2-40B4-BE49-F238E27FC236}">
-                <a16:creationId xmlns="" xmlns:a16="http://schemas.microsoft.com/office/drawing/2014/main" id="{4FE82BAE-4F41-4154-A441-5B43502F6C33}"/>
+                <a16:creationId xmlns:a16="http://schemas.microsoft.com/office/drawing/2014/main" xmlns="" id="{4FE82BAE-4F41-4154-A441-5B43502F6C33}"/>
               </a:ext>
             </a:extLst>
           </p:cNvPr>
@@ -933,7 +933,7 @@
           <p:cNvPr id="13" name="Slide Number Placeholder 6">
             <a:extLst>
               <a:ext uri="{FF2B5EF4-FFF2-40B4-BE49-F238E27FC236}">
-                <a16:creationId xmlns="" xmlns:a16="http://schemas.microsoft.com/office/drawing/2014/main" id="{CED64587-65A8-466C-BB0B-B812D794A53D}"/>
+                <a16:creationId xmlns:a16="http://schemas.microsoft.com/office/drawing/2014/main" xmlns="" id="{CED64587-65A8-466C-BB0B-B812D794A53D}"/>
               </a:ext>
             </a:extLst>
           </p:cNvPr>
@@ -1052,7 +1052,7 @@
           <a:p>
             <a:fld id="{1387469C-9F68-4097-95C7-42011AAA5201}" type="datetimeFigureOut">
               <a:rPr lang="en-US"/>
-              <a:t>1/29/19</a:t>
+              <a:t>1/30/19</a:t>
             </a:fld>
             <a:endParaRPr lang="en-US"/>
           </a:p>
@@ -1390,7 +1390,7 @@
           <p:cNvPr id="2" name="Slide Image Placeholder 1">
             <a:extLst>
               <a:ext uri="{FF2B5EF4-FFF2-40B4-BE49-F238E27FC236}">
-                <a16:creationId xmlns="" xmlns:a16="http://schemas.microsoft.com/office/drawing/2014/main" id="{C9CBAAC4-33AD-4986-92DF-2C3148E7E13C}"/>
+                <a16:creationId xmlns:a16="http://schemas.microsoft.com/office/drawing/2014/main" xmlns="" id="{C9CBAAC4-33AD-4986-92DF-2C3148E7E13C}"/>
               </a:ext>
             </a:extLst>
           </p:cNvPr>
@@ -1420,7 +1420,7 @@
           <p:cNvPr id="3" name="Notes Placeholder 2">
             <a:extLst>
               <a:ext uri="{FF2B5EF4-FFF2-40B4-BE49-F238E27FC236}">
-                <a16:creationId xmlns="" xmlns:a16="http://schemas.microsoft.com/office/drawing/2014/main" id="{0A794444-6664-48A2-ADFA-6C7059D629F0}"/>
+                <a16:creationId xmlns:a16="http://schemas.microsoft.com/office/drawing/2014/main" xmlns="" id="{0A794444-6664-48A2-ADFA-6C7059D629F0}"/>
               </a:ext>
             </a:extLst>
           </p:cNvPr>
@@ -1456,7 +1456,7 @@
           <p:cNvPr id="4" name="Slide Number Placeholder 3">
             <a:extLst>
               <a:ext uri="{FF2B5EF4-FFF2-40B4-BE49-F238E27FC236}">
-                <a16:creationId xmlns="" xmlns:a16="http://schemas.microsoft.com/office/drawing/2014/main" id="{590AE690-482B-4756-ACDC-87FC96C8FC33}"/>
+                <a16:creationId xmlns:a16="http://schemas.microsoft.com/office/drawing/2014/main" xmlns="" id="{590AE690-482B-4756-ACDC-87FC96C8FC33}"/>
               </a:ext>
             </a:extLst>
           </p:cNvPr>
@@ -1580,7 +1580,7 @@
           <p:cNvPr id="2" name="Slide Image Placeholder 1">
             <a:extLst>
               <a:ext uri="{FF2B5EF4-FFF2-40B4-BE49-F238E27FC236}">
-                <a16:creationId xmlns="" xmlns:a16="http://schemas.microsoft.com/office/drawing/2014/main" id="{46C272AF-405B-4A53-B2DC-4BB6F2F865FC}"/>
+                <a16:creationId xmlns:a16="http://schemas.microsoft.com/office/drawing/2014/main" xmlns="" id="{46C272AF-405B-4A53-B2DC-4BB6F2F865FC}"/>
               </a:ext>
             </a:extLst>
           </p:cNvPr>
@@ -1610,7 +1610,7 @@
           <p:cNvPr id="3" name="Notes Placeholder 2">
             <a:extLst>
               <a:ext uri="{FF2B5EF4-FFF2-40B4-BE49-F238E27FC236}">
-                <a16:creationId xmlns="" xmlns:a16="http://schemas.microsoft.com/office/drawing/2014/main" id="{20E471A3-2DC4-47C1-8171-FAD24340FC84}"/>
+                <a16:creationId xmlns:a16="http://schemas.microsoft.com/office/drawing/2014/main" xmlns="" id="{20E471A3-2DC4-47C1-8171-FAD24340FC84}"/>
               </a:ext>
             </a:extLst>
           </p:cNvPr>
@@ -1646,7 +1646,7 @@
           <p:cNvPr id="4" name="Slide Number Placeholder 3">
             <a:extLst>
               <a:ext uri="{FF2B5EF4-FFF2-40B4-BE49-F238E27FC236}">
-                <a16:creationId xmlns="" xmlns:a16="http://schemas.microsoft.com/office/drawing/2014/main" id="{EEB30ADB-B6E3-4FC0-9F1A-2842C9223A2F}"/>
+                <a16:creationId xmlns:a16="http://schemas.microsoft.com/office/drawing/2014/main" xmlns="" id="{EEB30ADB-B6E3-4FC0-9F1A-2842C9223A2F}"/>
               </a:ext>
             </a:extLst>
           </p:cNvPr>
@@ -1799,11 +1799,23 @@
           <a:p>
             <a:r>
               <a:rPr lang="en-US" dirty="0" smtClean="0"/>
+              <a:t>This expression is composed of</a:t>
+            </a:r>
+            <a:r>
+              <a:rPr lang="en-US" baseline="0" dirty="0" smtClean="0"/>
+              <a:t> simpler expressions, </a:t>
+            </a:r>
+            <a:r>
+              <a:rPr lang="en-US" dirty="0" smtClean="0"/>
               <a:t>How</a:t>
             </a:r>
             <a:r>
               <a:rPr lang="en-US" baseline="0" dirty="0" smtClean="0"/>
-              <a:t> do you </a:t>
+              <a:t> </a:t>
+            </a:r>
+            <a:r>
+              <a:rPr lang="en-US" baseline="0" dirty="0" smtClean="0"/>
+              <a:t>do you </a:t>
             </a:r>
             <a:r>
               <a:rPr lang="en-US" baseline="0" dirty="0" err="1" smtClean="0"/>
@@ -1811,7 +1823,11 @@
             </a:r>
             <a:r>
               <a:rPr lang="en-US" baseline="0" dirty="0" smtClean="0"/>
-              <a:t> this expression?</a:t>
+              <a:t> this expression</a:t>
+            </a:r>
+            <a:r>
+              <a:rPr lang="en-US" baseline="0" dirty="0" smtClean="0"/>
+              <a:t>? After we have a strategy for evaluating (lazy / higher) we reduce to normal form every expression after there is nothing left to reduce </a:t>
             </a:r>
             <a:endParaRPr lang="en-US" dirty="0" smtClean="0"/>
           </a:p>
@@ -2567,13 +2583,8 @@
             </a:pPr>
             <a:r>
               <a:rPr lang="en-US" baseline="0" dirty="0" smtClean="0"/>
-              <a:t>Turning inside out our world</a:t>
-            </a:r>
-            <a:r>
-              <a:rPr lang="en-US" baseline="0" dirty="0" smtClean="0"/>
-              <a:t>. Or better Turning outside in</a:t>
-            </a:r>
-            <a:endParaRPr lang="en-US" baseline="0" dirty="0" smtClean="0"/>
+              <a:t>Turning inside out our world. Or better Turning outside in</a:t>
+            </a:r>
           </a:p>
           <a:p>
             <a:pPr marL="0" marR="0" indent="0" algn="l" defTabSz="914400" rtl="0" eaLnBrk="1" fontAlgn="auto" latinLnBrk="0" hangingPunct="1">
@@ -2776,7 +2787,7 @@
           <p:cNvPr id="2" name="Title 1">
             <a:extLst>
               <a:ext uri="{FF2B5EF4-FFF2-40B4-BE49-F238E27FC236}">
-                <a16:creationId xmlns="" xmlns:a16="http://schemas.microsoft.com/office/drawing/2014/main" id="{C224CFBF-8D11-468E-BBC8-4C90355576F3}"/>
+                <a16:creationId xmlns:a16="http://schemas.microsoft.com/office/drawing/2014/main" xmlns="" id="{C224CFBF-8D11-468E-BBC8-4C90355576F3}"/>
               </a:ext>
             </a:extLst>
           </p:cNvPr>
@@ -2815,7 +2826,7 @@
           <p:cNvPr id="3" name="Subtitle 2">
             <a:extLst>
               <a:ext uri="{FF2B5EF4-FFF2-40B4-BE49-F238E27FC236}">
-                <a16:creationId xmlns="" xmlns:a16="http://schemas.microsoft.com/office/drawing/2014/main" id="{730B18E8-D1BB-4220-BD5E-A3355BF002A2}"/>
+                <a16:creationId xmlns:a16="http://schemas.microsoft.com/office/drawing/2014/main" xmlns="" id="{730B18E8-D1BB-4220-BD5E-A3355BF002A2}"/>
               </a:ext>
             </a:extLst>
           </p:cNvPr>
@@ -2857,7 +2868,7 @@
           <p:cNvPr id="4" name="Picture 4">
             <a:extLst>
               <a:ext uri="{FF2B5EF4-FFF2-40B4-BE49-F238E27FC236}">
-                <a16:creationId xmlns="" xmlns:a16="http://schemas.microsoft.com/office/drawing/2014/main" id="{1F38BF83-9CAE-4C45-9EFD-A6BA12B190C9}"/>
+                <a16:creationId xmlns:a16="http://schemas.microsoft.com/office/drawing/2014/main" xmlns="" id="{1F38BF83-9CAE-4C45-9EFD-A6BA12B190C9}"/>
               </a:ext>
             </a:extLst>
           </p:cNvPr>
@@ -2922,7 +2933,7 @@
           <p:cNvPr id="2" name="Picture 3">
             <a:extLst>
               <a:ext uri="{FF2B5EF4-FFF2-40B4-BE49-F238E27FC236}">
-                <a16:creationId xmlns="" xmlns:a16="http://schemas.microsoft.com/office/drawing/2014/main" id="{7CFB1FD7-D423-4AA6-BC9F-CEE35A35C7A9}"/>
+                <a16:creationId xmlns:a16="http://schemas.microsoft.com/office/drawing/2014/main" xmlns="" id="{7CFB1FD7-D423-4AA6-BC9F-CEE35A35C7A9}"/>
               </a:ext>
             </a:extLst>
           </p:cNvPr>
@@ -2956,7 +2967,7 @@
           <p:cNvPr id="3" name="TextBox 5">
             <a:extLst>
               <a:ext uri="{FF2B5EF4-FFF2-40B4-BE49-F238E27FC236}">
-                <a16:creationId xmlns="" xmlns:a16="http://schemas.microsoft.com/office/drawing/2014/main" id="{2B5BA3C6-F5B9-4BA3-9D83-0648A80C37D0}"/>
+                <a16:creationId xmlns:a16="http://schemas.microsoft.com/office/drawing/2014/main" xmlns="" id="{2B5BA3C6-F5B9-4BA3-9D83-0648A80C37D0}"/>
               </a:ext>
             </a:extLst>
           </p:cNvPr>
@@ -3020,7 +3031,7 @@
           <p:cNvPr id="4" name="Title 1">
             <a:extLst>
               <a:ext uri="{FF2B5EF4-FFF2-40B4-BE49-F238E27FC236}">
-                <a16:creationId xmlns="" xmlns:a16="http://schemas.microsoft.com/office/drawing/2014/main" id="{2388E442-17E8-4F61-9A6A-C188E334C77C}"/>
+                <a16:creationId xmlns:a16="http://schemas.microsoft.com/office/drawing/2014/main" xmlns="" id="{2388E442-17E8-4F61-9A6A-C188E334C77C}"/>
               </a:ext>
             </a:extLst>
           </p:cNvPr>
@@ -3059,7 +3070,7 @@
           <p:cNvPr id="5" name="Content Placeholder 2">
             <a:extLst>
               <a:ext uri="{FF2B5EF4-FFF2-40B4-BE49-F238E27FC236}">
-                <a16:creationId xmlns="" xmlns:a16="http://schemas.microsoft.com/office/drawing/2014/main" id="{CB968BC8-66AB-472B-8797-AB0AB0FBF575}"/>
+                <a16:creationId xmlns:a16="http://schemas.microsoft.com/office/drawing/2014/main" xmlns="" id="{CB968BC8-66AB-472B-8797-AB0AB0FBF575}"/>
               </a:ext>
             </a:extLst>
           </p:cNvPr>
@@ -3127,7 +3138,7 @@
           <p:cNvPr id="6" name="Text Placeholder 4">
             <a:extLst>
               <a:ext uri="{FF2B5EF4-FFF2-40B4-BE49-F238E27FC236}">
-                <a16:creationId xmlns="" xmlns:a16="http://schemas.microsoft.com/office/drawing/2014/main" id="{710437BF-7B3C-4944-9438-F0E72485DA57}"/>
+                <a16:creationId xmlns:a16="http://schemas.microsoft.com/office/drawing/2014/main" xmlns="" id="{710437BF-7B3C-4944-9438-F0E72485DA57}"/>
               </a:ext>
             </a:extLst>
           </p:cNvPr>
@@ -3201,7 +3212,7 @@
           <p:cNvPr id="2" name="Title 1">
             <a:extLst>
               <a:ext uri="{FF2B5EF4-FFF2-40B4-BE49-F238E27FC236}">
-                <a16:creationId xmlns="" xmlns:a16="http://schemas.microsoft.com/office/drawing/2014/main" id="{8DA21D0E-6F86-42A8-AD0F-EAD1F500A7BE}"/>
+                <a16:creationId xmlns:a16="http://schemas.microsoft.com/office/drawing/2014/main" xmlns="" id="{8DA21D0E-6F86-42A8-AD0F-EAD1F500A7BE}"/>
               </a:ext>
             </a:extLst>
           </p:cNvPr>
@@ -3240,7 +3251,7 @@
           <p:cNvPr id="3" name="Content Placeholder 2">
             <a:extLst>
               <a:ext uri="{FF2B5EF4-FFF2-40B4-BE49-F238E27FC236}">
-                <a16:creationId xmlns="" xmlns:a16="http://schemas.microsoft.com/office/drawing/2014/main" id="{A41E4711-D31B-427D-B501-9EF6C1BEE633}"/>
+                <a16:creationId xmlns:a16="http://schemas.microsoft.com/office/drawing/2014/main" xmlns="" id="{A41E4711-D31B-427D-B501-9EF6C1BEE633}"/>
               </a:ext>
             </a:extLst>
           </p:cNvPr>
@@ -3308,7 +3319,7 @@
           <p:cNvPr id="4" name="Content Placeholder 3">
             <a:extLst>
               <a:ext uri="{FF2B5EF4-FFF2-40B4-BE49-F238E27FC236}">
-                <a16:creationId xmlns="" xmlns:a16="http://schemas.microsoft.com/office/drawing/2014/main" id="{9935EB66-D1B6-426D-AB4C-AE5AD7BF3FBD}"/>
+                <a16:creationId xmlns:a16="http://schemas.microsoft.com/office/drawing/2014/main" xmlns="" id="{9935EB66-D1B6-426D-AB4C-AE5AD7BF3FBD}"/>
               </a:ext>
             </a:extLst>
           </p:cNvPr>
@@ -3376,7 +3387,7 @@
           <p:cNvPr id="5" name="TextBox 7">
             <a:extLst>
               <a:ext uri="{FF2B5EF4-FFF2-40B4-BE49-F238E27FC236}">
-                <a16:creationId xmlns="" xmlns:a16="http://schemas.microsoft.com/office/drawing/2014/main" id="{31379DFD-2E96-489A-AFFA-0FACA2B04512}"/>
+                <a16:creationId xmlns:a16="http://schemas.microsoft.com/office/drawing/2014/main" xmlns="" id="{31379DFD-2E96-489A-AFFA-0FACA2B04512}"/>
               </a:ext>
             </a:extLst>
           </p:cNvPr>
@@ -3440,7 +3451,7 @@
           <p:cNvPr id="6" name="Text Placeholder 4">
             <a:extLst>
               <a:ext uri="{FF2B5EF4-FFF2-40B4-BE49-F238E27FC236}">
-                <a16:creationId xmlns="" xmlns:a16="http://schemas.microsoft.com/office/drawing/2014/main" id="{ECF1529D-7B77-4B9A-8DBA-249C98CB5320}"/>
+                <a16:creationId xmlns:a16="http://schemas.microsoft.com/office/drawing/2014/main" xmlns="" id="{ECF1529D-7B77-4B9A-8DBA-249C98CB5320}"/>
               </a:ext>
             </a:extLst>
           </p:cNvPr>
@@ -3483,7 +3494,7 @@
           <p:cNvPr id="7" name="Picture 9">
             <a:extLst>
               <a:ext uri="{FF2B5EF4-FFF2-40B4-BE49-F238E27FC236}">
-                <a16:creationId xmlns="" xmlns:a16="http://schemas.microsoft.com/office/drawing/2014/main" id="{9247F1E8-A1CE-4134-8393-70EBEBD08233}"/>
+                <a16:creationId xmlns:a16="http://schemas.microsoft.com/office/drawing/2014/main" xmlns="" id="{9247F1E8-A1CE-4134-8393-70EBEBD08233}"/>
               </a:ext>
             </a:extLst>
           </p:cNvPr>
@@ -3527,7 +3538,7 @@
 </file>
 
 <file path=ppt/slideLayouts/slideLayout4.xml><?xml version="1.0" encoding="utf-8"?>
-<p:sldLayout xmlns:a="http://schemas.openxmlformats.org/drawingml/2006/main" xmlns:r="http://schemas.openxmlformats.org/officeDocument/2006/relationships" xmlns:p="http://schemas.openxmlformats.org/presentationml/2006/main" preserve="1">
+<p:sldLayout xmlns:a="http://schemas.openxmlformats.org/drawingml/2006/main" xmlns:r="http://schemas.openxmlformats.org/officeDocument/2006/relationships" xmlns:p="http://schemas.openxmlformats.org/presentationml/2006/main" preserve="1" userDrawn="1">
   <p:cSld name="Title Only">
     <p:spTree>
       <p:nvGrpSpPr>
@@ -3548,7 +3559,7 @@
           <p:cNvPr id="2" name="Title 1">
             <a:extLst>
               <a:ext uri="{FF2B5EF4-FFF2-40B4-BE49-F238E27FC236}">
-                <a16:creationId xmlns="" xmlns:a16="http://schemas.microsoft.com/office/drawing/2014/main" id="{5EDF7764-C8B7-4A0C-A362-F9A3AEAD5E62}"/>
+                <a16:creationId xmlns:a16="http://schemas.microsoft.com/office/drawing/2014/main" xmlns="" id="{5EDF7764-C8B7-4A0C-A362-F9A3AEAD5E62}"/>
               </a:ext>
             </a:extLst>
           </p:cNvPr>
@@ -3556,13 +3567,13 @@
             <a:spLocks noGrp="1"/>
           </p:cNvSpPr>
           <p:nvPr>
-            <p:ph type="title"/>
+            <p:ph type="title" hasCustomPrompt="1"/>
           </p:nvPr>
         </p:nvSpPr>
         <p:spPr>
           <a:xfrm>
-            <a:off x="596902" y="584201"/>
-            <a:ext cx="10510835" cy="1017590"/>
+            <a:off x="593728" y="612555"/>
+            <a:ext cx="10510835" cy="468100"/>
           </a:xfrm>
         </p:spPr>
         <p:txBody>
@@ -3575,10 +3586,14 @@
           <a:p>
             <a:pPr lvl="0"/>
             <a:r>
-              <a:rPr lang="en-US"/>
-              <a:t>Click to edit Master title style</a:t>
-            </a:r>
-            <a:endParaRPr lang="en-GB"/>
+              <a:rPr lang="en-US" dirty="0"/>
+              <a:t>Click to edit Master title </a:t>
+            </a:r>
+            <a:r>
+              <a:rPr lang="en-US" dirty="0" smtClean="0"/>
+              <a:t>style with code</a:t>
+            </a:r>
+            <a:endParaRPr lang="en-GB" dirty="0"/>
           </a:p>
         </p:txBody>
       </p:sp>
@@ -3587,7 +3602,7 @@
           <p:cNvPr id="3" name="TextBox 5">
             <a:extLst>
               <a:ext uri="{FF2B5EF4-FFF2-40B4-BE49-F238E27FC236}">
-                <a16:creationId xmlns="" xmlns:a16="http://schemas.microsoft.com/office/drawing/2014/main" id="{1054F63D-6497-4C73-8EDA-4BDCB9B86FED}"/>
+                <a16:creationId xmlns:a16="http://schemas.microsoft.com/office/drawing/2014/main" xmlns="" id="{1054F63D-6497-4C73-8EDA-4BDCB9B86FED}"/>
               </a:ext>
             </a:extLst>
           </p:cNvPr>
@@ -3646,12 +3661,239 @@
           </a:p>
         </p:txBody>
       </p:sp>
+      <p:pic>
+        <p:nvPicPr>
+          <p:cNvPr id="5" name="Picture 6">
+            <a:extLst>
+              <a:ext uri="{FF2B5EF4-FFF2-40B4-BE49-F238E27FC236}">
+                <a16:creationId xmlns:a16="http://schemas.microsoft.com/office/drawing/2014/main" xmlns="" id="{9B53228E-179F-4E23-9F82-58F06247C891}"/>
+              </a:ext>
+            </a:extLst>
+          </p:cNvPr>
+          <p:cNvPicPr>
+            <a:picLocks noChangeAspect="1"/>
+          </p:cNvPicPr>
+          <p:nvPr/>
+        </p:nvPicPr>
+        <p:blipFill>
+          <a:blip r:embed="rId2"/>
+          <a:stretch>
+            <a:fillRect/>
+          </a:stretch>
+        </p:blipFill>
+        <p:spPr>
+          <a:xfrm>
+            <a:off x="10058573" y="5502054"/>
+            <a:ext cx="1052337" cy="645365"/>
+          </a:xfrm>
+          <a:prstGeom prst="rect">
+            <a:avLst/>
+          </a:prstGeom>
+          <a:noFill/>
+          <a:ln cap="flat">
+            <a:noFill/>
+          </a:ln>
+        </p:spPr>
+      </p:pic>
+      <p:sp>
+        <p:nvSpPr>
+          <p:cNvPr id="6" name="TextBox 5"/>
+          <p:cNvSpPr txBox="1"/>
+          <p:nvPr userDrawn="1"/>
+        </p:nvSpPr>
+        <p:spPr>
+          <a:xfrm>
+            <a:off x="583047" y="1080656"/>
+            <a:ext cx="10510834" cy="4935602"/>
+          </a:xfrm>
+          <a:prstGeom prst="rect">
+            <a:avLst/>
+          </a:prstGeom>
+          <a:noFill/>
+        </p:spPr>
+        <p:txBody>
+          <a:bodyPr wrap="square" rtlCol="0">
+            <a:noAutofit/>
+          </a:bodyPr>
+          <a:lstStyle/>
+          <a:p>
+            <a:r>
+              <a:rPr lang="en-US" sz="2000" kern="0" baseline="0" dirty="0" err="1" smtClean="0">
+                <a:latin typeface="Currier" charset="0"/>
+              </a:rPr>
+              <a:t>val</a:t>
+            </a:r>
+            <a:r>
+              <a:rPr lang="en-US" sz="2000" kern="0" baseline="0" dirty="0" smtClean="0">
+                <a:latin typeface="Currier" charset="0"/>
+              </a:rPr>
+              <a:t> a = (x: </a:t>
+            </a:r>
+            <a:r>
+              <a:rPr lang="en-US" sz="2000" kern="0" baseline="0" dirty="0" err="1" smtClean="0">
+                <a:latin typeface="Currier" charset="0"/>
+              </a:rPr>
+              <a:t>Int</a:t>
+            </a:r>
+            <a:r>
+              <a:rPr lang="en-US" sz="2000" kern="0" baseline="0" dirty="0" smtClean="0">
+                <a:latin typeface="Currier" charset="0"/>
+              </a:rPr>
+              <a:t>) =&gt; x</a:t>
+            </a:r>
+          </a:p>
+          <a:p>
+            <a:endParaRPr lang="en-US" sz="2000" kern="0" baseline="0" dirty="0" smtClean="0">
+              <a:latin typeface="Currier" charset="0"/>
+            </a:endParaRPr>
+          </a:p>
+          <a:p>
+            <a:endParaRPr lang="en-US" sz="2000" kern="0" baseline="0" dirty="0">
+              <a:latin typeface="Currier" charset="0"/>
+            </a:endParaRPr>
+          </a:p>
+        </p:txBody>
+      </p:sp>
+    </p:spTree>
+    <p:extLst>
+      <p:ext uri="{BB962C8B-B14F-4D97-AF65-F5344CB8AC3E}">
+        <p14:creationId xmlns:p14="http://schemas.microsoft.com/office/powerpoint/2010/main" val="4186863719"/>
+      </p:ext>
+    </p:extLst>
+  </p:cSld>
+  <p:clrMapOvr>
+    <a:masterClrMapping/>
+  </p:clrMapOvr>
+  <p:hf sldNum="0" hdr="0" ftr="0" dt="0"/>
+</p:sldLayout>
+</file>
+
+<file path=ppt/slideLayouts/slideLayout5.xml><?xml version="1.0" encoding="utf-8"?>
+<p:sldLayout xmlns:a="http://schemas.openxmlformats.org/drawingml/2006/main" xmlns:r="http://schemas.openxmlformats.org/officeDocument/2006/relationships" xmlns:p="http://schemas.openxmlformats.org/presentationml/2006/main" preserve="1">
+  <p:cSld name="1_Title Only">
+    <p:spTree>
+      <p:nvGrpSpPr>
+        <p:cNvPr id="1" name=""/>
+        <p:cNvGrpSpPr/>
+        <p:nvPr/>
+      </p:nvGrpSpPr>
+      <p:grpSpPr>
+        <a:xfrm>
+          <a:off x="0" y="0"/>
+          <a:ext cx="0" cy="0"/>
+          <a:chOff x="0" y="0"/>
+          <a:chExt cx="0" cy="0"/>
+        </a:xfrm>
+      </p:grpSpPr>
+      <p:sp>
+        <p:nvSpPr>
+          <p:cNvPr id="2" name="Title 1">
+            <a:extLst>
+              <a:ext uri="{FF2B5EF4-FFF2-40B4-BE49-F238E27FC236}">
+                <a16:creationId xmlns:a16="http://schemas.microsoft.com/office/drawing/2014/main" xmlns="" id="{5EDF7764-C8B7-4A0C-A362-F9A3AEAD5E62}"/>
+              </a:ext>
+            </a:extLst>
+          </p:cNvPr>
+          <p:cNvSpPr txBox="1">
+            <a:spLocks noGrp="1"/>
+          </p:cNvSpPr>
+          <p:nvPr>
+            <p:ph type="title"/>
+          </p:nvPr>
+        </p:nvSpPr>
+        <p:spPr>
+          <a:xfrm>
+            <a:off x="596902" y="584201"/>
+            <a:ext cx="10510835" cy="1017590"/>
+          </a:xfrm>
+        </p:spPr>
+        <p:txBody>
+          <a:bodyPr/>
+          <a:lstStyle>
+            <a:lvl1pPr>
+              <a:defRPr/>
+            </a:lvl1pPr>
+          </a:lstStyle>
+          <a:p>
+            <a:pPr lvl="0"/>
+            <a:r>
+              <a:rPr lang="en-US" dirty="0"/>
+              <a:t>Click to edit Master title style</a:t>
+            </a:r>
+            <a:endParaRPr lang="en-GB" dirty="0"/>
+          </a:p>
+        </p:txBody>
+      </p:sp>
+      <p:sp>
+        <p:nvSpPr>
+          <p:cNvPr id="3" name="TextBox 5">
+            <a:extLst>
+              <a:ext uri="{FF2B5EF4-FFF2-40B4-BE49-F238E27FC236}">
+                <a16:creationId xmlns:a16="http://schemas.microsoft.com/office/drawing/2014/main" xmlns="" id="{1054F63D-6497-4C73-8EDA-4BDCB9B86FED}"/>
+              </a:ext>
+            </a:extLst>
+          </p:cNvPr>
+          <p:cNvSpPr txBox="1"/>
+          <p:nvPr/>
+        </p:nvSpPr>
+        <p:spPr>
+          <a:xfrm>
+            <a:off x="5542114" y="6016258"/>
+            <a:ext cx="620420" cy="256690"/>
+          </a:xfrm>
+          <a:prstGeom prst="rect">
+            <a:avLst/>
+          </a:prstGeom>
+          <a:noFill/>
+          <a:ln cap="flat">
+            <a:noFill/>
+          </a:ln>
+        </p:spPr>
+        <p:txBody>
+          <a:bodyPr vert="horz" wrap="square" lIns="117043" tIns="58521" rIns="117043" bIns="58521" anchor="b" anchorCtr="1" compatLnSpc="1">
+            <a:spAutoFit/>
+          </a:bodyPr>
+          <a:lstStyle/>
+          <a:p>
+            <a:pPr marL="0" marR="0" lvl="0" indent="0" algn="ctr" defTabSz="1170432" rtl="0" fontAlgn="auto" hangingPunct="1">
+              <a:lnSpc>
+                <a:spcPct val="100000"/>
+              </a:lnSpc>
+              <a:spcBef>
+                <a:spcPts val="0"/>
+              </a:spcBef>
+              <a:spcAft>
+                <a:spcPts val="0"/>
+              </a:spcAft>
+              <a:buNone/>
+              <a:tabLst/>
+              <a:defRPr sz="1800" b="0" i="0" u="none" strike="noStrike" kern="0" cap="none" spc="0" baseline="0">
+                <a:solidFill>
+                  <a:srgbClr val="000000"/>
+                </a:solidFill>
+                <a:uFillTx/>
+              </a:defRPr>
+            </a:pPr>
+            <a:fld id="{29F150FC-8660-449A-A71B-10D000A89E7F}" type="slidenum">
+              <a:t>‹#›</a:t>
+            </a:fld>
+            <a:endParaRPr lang="en-US" sz="900" b="0" i="0" u="none" strike="noStrike" kern="1200" cap="none" spc="0" baseline="0">
+              <a:solidFill>
+                <a:srgbClr val="323232"/>
+              </a:solidFill>
+              <a:uFillTx/>
+              <a:latin typeface="Sky Text Medium"/>
+              <a:ea typeface="Sky Text"/>
+            </a:endParaRPr>
+          </a:p>
+        </p:txBody>
+      </p:sp>
       <p:sp>
         <p:nvSpPr>
           <p:cNvPr id="4" name="Text Placeholder 4">
             <a:extLst>
               <a:ext uri="{FF2B5EF4-FFF2-40B4-BE49-F238E27FC236}">
-                <a16:creationId xmlns="" xmlns:a16="http://schemas.microsoft.com/office/drawing/2014/main" id="{A35768B9-0CFF-4DE1-8FC7-6C6460CDD2E3}"/>
+                <a16:creationId xmlns:a16="http://schemas.microsoft.com/office/drawing/2014/main" xmlns="" id="{A35768B9-0CFF-4DE1-8FC7-6C6460CDD2E3}"/>
               </a:ext>
             </a:extLst>
           </p:cNvPr>
@@ -3683,7 +3925,7 @@
           <a:p>
             <a:pPr lvl="0"/>
             <a:r>
-              <a:rPr lang="en-US"/>
+              <a:rPr lang="en-US" dirty="0"/>
               <a:t>Click to edit Master text styles</a:t>
             </a:r>
           </a:p>
@@ -3694,7 +3936,7 @@
           <p:cNvPr id="5" name="Picture 6">
             <a:extLst>
               <a:ext uri="{FF2B5EF4-FFF2-40B4-BE49-F238E27FC236}">
-                <a16:creationId xmlns="" xmlns:a16="http://schemas.microsoft.com/office/drawing/2014/main" id="{9B53228E-179F-4E23-9F82-58F06247C891}"/>
+                <a16:creationId xmlns:a16="http://schemas.microsoft.com/office/drawing/2014/main" xmlns="" id="{9B53228E-179F-4E23-9F82-58F06247C891}"/>
               </a:ext>
             </a:extLst>
           </p:cNvPr>
@@ -3724,11 +3966,7 @@
         </p:spPr>
       </p:pic>
     </p:spTree>
-    <p:extLst>
-      <p:ext uri="{BB962C8B-B14F-4D97-AF65-F5344CB8AC3E}">
-        <p14:creationId xmlns:p14="http://schemas.microsoft.com/office/powerpoint/2010/main" val="4186863719"/>
-      </p:ext>
-    </p:extLst>
+    <p:extLst/>
   </p:cSld>
   <p:clrMapOvr>
     <a:masterClrMapping/>
@@ -3737,7 +3975,7 @@
 </p:sldLayout>
 </file>
 
-<file path=ppt/slideLayouts/slideLayout5.xml><?xml version="1.0" encoding="utf-8"?>
+<file path=ppt/slideLayouts/slideLayout6.xml><?xml version="1.0" encoding="utf-8"?>
 <p:sldLayout xmlns:a="http://schemas.openxmlformats.org/drawingml/2006/main" xmlns:r="http://schemas.openxmlformats.org/officeDocument/2006/relationships" xmlns:p="http://schemas.openxmlformats.org/presentationml/2006/main" type="blank" preserve="1">
   <p:cSld name="Blank">
     <p:spTree>
@@ -3759,7 +3997,7 @@
           <p:cNvPr id="2" name="TextBox 3">
             <a:extLst>
               <a:ext uri="{FF2B5EF4-FFF2-40B4-BE49-F238E27FC236}">
-                <a16:creationId xmlns="" xmlns:a16="http://schemas.microsoft.com/office/drawing/2014/main" id="{B65F637C-89CC-408A-A6B7-5E62AC56BEBF}"/>
+                <a16:creationId xmlns:a16="http://schemas.microsoft.com/office/drawing/2014/main" xmlns="" id="{B65F637C-89CC-408A-A6B7-5E62AC56BEBF}"/>
               </a:ext>
             </a:extLst>
           </p:cNvPr>
@@ -3823,7 +4061,7 @@
           <p:cNvPr id="3" name="Picture 4">
             <a:extLst>
               <a:ext uri="{FF2B5EF4-FFF2-40B4-BE49-F238E27FC236}">
-                <a16:creationId xmlns="" xmlns:a16="http://schemas.microsoft.com/office/drawing/2014/main" id="{21196BCA-DFA4-465A-A2F2-ECBB1F3B1315}"/>
+                <a16:creationId xmlns:a16="http://schemas.microsoft.com/office/drawing/2014/main" xmlns="" id="{21196BCA-DFA4-465A-A2F2-ECBB1F3B1315}"/>
               </a:ext>
             </a:extLst>
           </p:cNvPr>
@@ -3866,7 +4104,7 @@
 </p:sldLayout>
 </file>
 
-<file path=ppt/slideLayouts/slideLayout6.xml><?xml version="1.0" encoding="utf-8"?>
+<file path=ppt/slideLayouts/slideLayout7.xml><?xml version="1.0" encoding="utf-8"?>
 <p:sldLayout xmlns:a="http://schemas.openxmlformats.org/drawingml/2006/main" xmlns:r="http://schemas.openxmlformats.org/officeDocument/2006/relationships" xmlns:p="http://schemas.openxmlformats.org/presentationml/2006/main" preserve="1">
   <p:cSld name="Section Break Colour">
     <p:bg>
@@ -3904,7 +4142,7 @@
           <p:cNvPr id="2" name="Title 1">
             <a:extLst>
               <a:ext uri="{FF2B5EF4-FFF2-40B4-BE49-F238E27FC236}">
-                <a16:creationId xmlns="" xmlns:a16="http://schemas.microsoft.com/office/drawing/2014/main" id="{6311E8A6-A582-4771-9A94-FCDA8648B504}"/>
+                <a16:creationId xmlns:a16="http://schemas.microsoft.com/office/drawing/2014/main" xmlns="" id="{6311E8A6-A582-4771-9A94-FCDA8648B504}"/>
               </a:ext>
             </a:extLst>
           </p:cNvPr>
@@ -3986,7 +4224,7 @@
           <p:cNvPr id="2" name="Title Placeholder 1">
             <a:extLst>
               <a:ext uri="{FF2B5EF4-FFF2-40B4-BE49-F238E27FC236}">
-                <a16:creationId xmlns="" xmlns:a16="http://schemas.microsoft.com/office/drawing/2014/main" id="{1EC8E5B4-7946-4318-A239-806DA6EEF846}"/>
+                <a16:creationId xmlns:a16="http://schemas.microsoft.com/office/drawing/2014/main" xmlns="" id="{1EC8E5B4-7946-4318-A239-806DA6EEF846}"/>
               </a:ext>
             </a:extLst>
           </p:cNvPr>
@@ -4030,7 +4268,7 @@
           <p:cNvPr id="3" name="Text Placeholder 2">
             <a:extLst>
               <a:ext uri="{FF2B5EF4-FFF2-40B4-BE49-F238E27FC236}">
-                <a16:creationId xmlns="" xmlns:a16="http://schemas.microsoft.com/office/drawing/2014/main" id="{6F332652-3AB5-4321-83D8-6D63FC3AEFDD}"/>
+                <a16:creationId xmlns:a16="http://schemas.microsoft.com/office/drawing/2014/main" xmlns="" id="{6F332652-3AB5-4321-83D8-6D63FC3AEFDD}"/>
               </a:ext>
             </a:extLst>
           </p:cNvPr>
@@ -4097,8 +4335,9 @@
     <p:sldLayoutId id="2147483650" r:id="rId2"/>
     <p:sldLayoutId id="2147483651" r:id="rId3"/>
     <p:sldLayoutId id="2147483652" r:id="rId4"/>
-    <p:sldLayoutId id="2147483653" r:id="rId5"/>
-    <p:sldLayoutId id="2147483654" r:id="rId6"/>
+    <p:sldLayoutId id="2147483655" r:id="rId5"/>
+    <p:sldLayoutId id="2147483653" r:id="rId6"/>
+    <p:sldLayoutId id="2147483654" r:id="rId7"/>
   </p:sldLayoutIdLst>
   <p:txStyles>
     <p:titleStyle>
@@ -4436,7 +4675,7 @@
           <p:cNvPr id="2" name="Title 1">
             <a:extLst>
               <a:ext uri="{FF2B5EF4-FFF2-40B4-BE49-F238E27FC236}">
-                <a16:creationId xmlns="" xmlns:a16="http://schemas.microsoft.com/office/drawing/2014/main" id="{DB10B8D4-3832-41C7-B84A-ABB5BD1158E3}"/>
+                <a16:creationId xmlns:a16="http://schemas.microsoft.com/office/drawing/2014/main" xmlns="" id="{DB10B8D4-3832-41C7-B84A-ABB5BD1158E3}"/>
               </a:ext>
             </a:extLst>
           </p:cNvPr>
@@ -4471,7 +4710,7 @@
           <p:cNvPr id="3" name="Subtitle 2">
             <a:extLst>
               <a:ext uri="{FF2B5EF4-FFF2-40B4-BE49-F238E27FC236}">
-                <a16:creationId xmlns="" xmlns:a16="http://schemas.microsoft.com/office/drawing/2014/main" id="{5C97C450-884A-416F-8121-97A271368A81}"/>
+                <a16:creationId xmlns:a16="http://schemas.microsoft.com/office/drawing/2014/main" xmlns="" id="{5C97C450-884A-416F-8121-97A271368A81}"/>
               </a:ext>
             </a:extLst>
           </p:cNvPr>
@@ -6769,7 +7008,7 @@
           <p:cNvPr id="2" name="Title 5">
             <a:extLst>
               <a:ext uri="{FF2B5EF4-FFF2-40B4-BE49-F238E27FC236}">
-                <a16:creationId xmlns="" xmlns:a16="http://schemas.microsoft.com/office/drawing/2014/main" id="{3BC9B16F-E2BE-48B8-9923-22A13B9A6782}"/>
+                <a16:creationId xmlns:a16="http://schemas.microsoft.com/office/drawing/2014/main" xmlns="" id="{3BC9B16F-E2BE-48B8-9923-22A13B9A6782}"/>
               </a:ext>
             </a:extLst>
           </p:cNvPr>
@@ -6819,7 +7058,7 @@
           <p:cNvPr id="3" name="Content Placeholder 6">
             <a:extLst>
               <a:ext uri="{FF2B5EF4-FFF2-40B4-BE49-F238E27FC236}">
-                <a16:creationId xmlns="" xmlns:a16="http://schemas.microsoft.com/office/drawing/2014/main" id="{356BB5C8-5364-4FB9-A0B5-3A6FAF1CC5D7}"/>
+                <a16:creationId xmlns:a16="http://schemas.microsoft.com/office/drawing/2014/main" xmlns="" id="{356BB5C8-5364-4FB9-A0B5-3A6FAF1CC5D7}"/>
               </a:ext>
             </a:extLst>
           </p:cNvPr>
@@ -6903,7 +7142,7 @@
           <p:cNvPr id="4" name="Text Placeholder 1">
             <a:extLst>
               <a:ext uri="{FF2B5EF4-FFF2-40B4-BE49-F238E27FC236}">
-                <a16:creationId xmlns="" xmlns:a16="http://schemas.microsoft.com/office/drawing/2014/main" id="{AD200C66-4FD0-40D9-978A-EC271B267A15}"/>
+                <a16:creationId xmlns:a16="http://schemas.microsoft.com/office/drawing/2014/main" xmlns="" id="{AD200C66-4FD0-40D9-978A-EC271B267A15}"/>
               </a:ext>
             </a:extLst>
           </p:cNvPr>
@@ -6975,7 +7214,7 @@
           <p:cNvPr id="2" name="Title 5">
             <a:extLst>
               <a:ext uri="{FF2B5EF4-FFF2-40B4-BE49-F238E27FC236}">
-                <a16:creationId xmlns="" xmlns:a16="http://schemas.microsoft.com/office/drawing/2014/main" id="{727F1B19-99A4-4BCA-A689-5D0744656C2E}"/>
+                <a16:creationId xmlns:a16="http://schemas.microsoft.com/office/drawing/2014/main" xmlns="" id="{727F1B19-99A4-4BCA-A689-5D0744656C2E}"/>
               </a:ext>
             </a:extLst>
           </p:cNvPr>
@@ -7025,7 +7264,7 @@
           <p:cNvPr id="3" name="Content Placeholder 6">
             <a:extLst>
               <a:ext uri="{FF2B5EF4-FFF2-40B4-BE49-F238E27FC236}">
-                <a16:creationId xmlns="" xmlns:a16="http://schemas.microsoft.com/office/drawing/2014/main" id="{F90994B4-8C03-4713-B379-AC294BDEC253}"/>
+                <a16:creationId xmlns:a16="http://schemas.microsoft.com/office/drawing/2014/main" xmlns="" id="{F90994B4-8C03-4713-B379-AC294BDEC253}"/>
               </a:ext>
             </a:extLst>
           </p:cNvPr>
@@ -7070,7 +7309,7 @@
           <p:cNvPr id="4" name="Content Placeholder 2">
             <a:extLst>
               <a:ext uri="{FF2B5EF4-FFF2-40B4-BE49-F238E27FC236}">
-                <a16:creationId xmlns="" xmlns:a16="http://schemas.microsoft.com/office/drawing/2014/main" id="{AA65BADF-8AA7-4853-9BDB-8596A08BA6FC}"/>
+                <a16:creationId xmlns:a16="http://schemas.microsoft.com/office/drawing/2014/main" xmlns="" id="{AA65BADF-8AA7-4853-9BDB-8596A08BA6FC}"/>
               </a:ext>
             </a:extLst>
           </p:cNvPr>
@@ -7121,7 +7360,7 @@
           <p:cNvPr id="5" name="Text Placeholder 1">
             <a:extLst>
               <a:ext uri="{FF2B5EF4-FFF2-40B4-BE49-F238E27FC236}">
-                <a16:creationId xmlns="" xmlns:a16="http://schemas.microsoft.com/office/drawing/2014/main" id="{2B5B7BA6-E957-4B32-B370-611541E9491B}"/>
+                <a16:creationId xmlns:a16="http://schemas.microsoft.com/office/drawing/2014/main" xmlns="" id="{2B5B7BA6-E957-4B32-B370-611541E9491B}"/>
               </a:ext>
             </a:extLst>
           </p:cNvPr>
@@ -7186,7 +7425,7 @@
           <p:cNvPr id="2" name="Title 5">
             <a:extLst>
               <a:ext uri="{FF2B5EF4-FFF2-40B4-BE49-F238E27FC236}">
-                <a16:creationId xmlns="" xmlns:a16="http://schemas.microsoft.com/office/drawing/2014/main" id="{7900ACDE-C559-44BB-A95E-7492D895082D}"/>
+                <a16:creationId xmlns:a16="http://schemas.microsoft.com/office/drawing/2014/main" xmlns="" id="{7900ACDE-C559-44BB-A95E-7492D895082D}"/>
               </a:ext>
             </a:extLst>
           </p:cNvPr>
@@ -7266,7 +7505,7 @@
           <p:cNvPr id="2" name="Title 1">
             <a:extLst>
               <a:ext uri="{FF2B5EF4-FFF2-40B4-BE49-F238E27FC236}">
-                <a16:creationId xmlns="" xmlns:a16="http://schemas.microsoft.com/office/drawing/2014/main" id="{76F90B01-370B-4350-9BFD-4E55240D90A6}"/>
+                <a16:creationId xmlns:a16="http://schemas.microsoft.com/office/drawing/2014/main" xmlns="" id="{76F90B01-370B-4350-9BFD-4E55240D90A6}"/>
               </a:ext>
             </a:extLst>
           </p:cNvPr>
@@ -7388,7 +7627,7 @@
           <p:cNvPr id="2" name="Title 1">
             <a:extLst>
               <a:ext uri="{FF2B5EF4-FFF2-40B4-BE49-F238E27FC236}">
-                <a16:creationId xmlns="" xmlns:a16="http://schemas.microsoft.com/office/drawing/2014/main" id="{2EE8C7BA-FED5-4928-BEC3-33D09F746945}"/>
+                <a16:creationId xmlns:a16="http://schemas.microsoft.com/office/drawing/2014/main" xmlns="" id="{2EE8C7BA-FED5-4928-BEC3-33D09F746945}"/>
               </a:ext>
             </a:extLst>
           </p:cNvPr>
@@ -11867,7 +12106,21 @@
       </a:bgFillStyleLst>
     </a:fmtScheme>
   </a:themeElements>
-  <a:objectDefaults/>
+  <a:objectDefaults>
+    <a:txDef>
+      <a:spPr>
+        <a:noFill/>
+      </a:spPr>
+      <a:bodyPr wrap="square" rtlCol="0">
+        <a:noAutofit/>
+      </a:bodyPr>
+      <a:lstStyle>
+        <a:defPPr>
+          <a:defRPr dirty="0" err="1" smtClean="0"/>
+        </a:defPPr>
+      </a:lstStyle>
+    </a:txDef>
+  </a:objectDefaults>
   <a:extraClrSchemeLst/>
   <a:extLst>
     <a:ext uri="{05A4C25C-085E-4340-85A3-A5531E510DB2}">

--- a/docs/diy-continuations.pptx
+++ b/docs/diy-continuations.pptx
@@ -5,10 +5,10 @@
     <p:sldMasterId id="2147483648" r:id="rId1"/>
   </p:sldMasterIdLst>
   <p:notesMasterIdLst>
-    <p:notesMasterId r:id="rId16"/>
+    <p:notesMasterId r:id="rId17"/>
   </p:notesMasterIdLst>
   <p:handoutMasterIdLst>
-    <p:handoutMasterId r:id="rId17"/>
+    <p:handoutMasterId r:id="rId18"/>
   </p:handoutMasterIdLst>
   <p:sldIdLst>
     <p:sldId id="259" r:id="rId2"/>
@@ -21,10 +21,11 @@
     <p:sldId id="350" r:id="rId9"/>
     <p:sldId id="351" r:id="rId10"/>
     <p:sldId id="353" r:id="rId11"/>
-    <p:sldId id="343" r:id="rId12"/>
-    <p:sldId id="339" r:id="rId13"/>
-    <p:sldId id="280" r:id="rId14"/>
-    <p:sldId id="341" r:id="rId15"/>
+    <p:sldId id="355" r:id="rId12"/>
+    <p:sldId id="343" r:id="rId13"/>
+    <p:sldId id="354" r:id="rId14"/>
+    <p:sldId id="339" r:id="rId15"/>
+    <p:sldId id="280" r:id="rId16"/>
   </p:sldIdLst>
   <p:sldSz cx="11704638" cy="6583363"/>
   <p:notesSz cx="6797675" cy="9928225"/>
@@ -1577,6 +1578,236 @@
       </p:grpSpPr>
       <p:sp>
         <p:nvSpPr>
+          <p:cNvPr id="2" name="Slide Image Placeholder 1"/>
+          <p:cNvSpPr>
+            <a:spLocks noGrp="1" noRot="1" noChangeAspect="1"/>
+          </p:cNvSpPr>
+          <p:nvPr>
+            <p:ph type="sldImg"/>
+          </p:nvPr>
+        </p:nvSpPr>
+        <p:spPr>
+          <a:xfrm>
+            <a:off x="90488" y="744538"/>
+            <a:ext cx="6616700" cy="3722687"/>
+          </a:xfrm>
+        </p:spPr>
+      </p:sp>
+      <p:sp>
+        <p:nvSpPr>
+          <p:cNvPr id="3" name="Notes Placeholder 2"/>
+          <p:cNvSpPr>
+            <a:spLocks noGrp="1"/>
+          </p:cNvSpPr>
+          <p:nvPr>
+            <p:ph type="body" idx="1"/>
+          </p:nvPr>
+        </p:nvSpPr>
+        <p:spPr/>
+        <p:txBody>
+          <a:bodyPr/>
+          <a:lstStyle/>
+          <a:p>
+            <a:pPr marL="0" marR="0" indent="0" algn="l" defTabSz="914400" rtl="0" eaLnBrk="1" fontAlgn="auto" latinLnBrk="0" hangingPunct="1">
+              <a:lnSpc>
+                <a:spcPct val="100000"/>
+              </a:lnSpc>
+              <a:spcBef>
+                <a:spcPts val="0"/>
+              </a:spcBef>
+              <a:spcAft>
+                <a:spcPts val="0"/>
+              </a:spcAft>
+              <a:buClrTx/>
+              <a:buSzTx/>
+              <a:buFontTx/>
+              <a:buNone/>
+              <a:tabLst/>
+              <a:defRPr/>
+            </a:pPr>
+            <a:r>
+              <a:rPr lang="en-US" dirty="0" smtClean="0"/>
+              <a:t>mention default clear in constructor injection example</a:t>
+            </a:r>
+          </a:p>
+          <a:p>
+            <a:endParaRPr lang="en-US" dirty="0" smtClean="0"/>
+          </a:p>
+          <a:p>
+            <a:endParaRPr lang="en-US" dirty="0"/>
+          </a:p>
+        </p:txBody>
+      </p:sp>
+      <p:sp>
+        <p:nvSpPr>
+          <p:cNvPr id="4" name="Slide Number Placeholder 3"/>
+          <p:cNvSpPr>
+            <a:spLocks noGrp="1"/>
+          </p:cNvSpPr>
+          <p:nvPr>
+            <p:ph type="sldNum" sz="quarter" idx="10"/>
+          </p:nvPr>
+        </p:nvSpPr>
+        <p:spPr/>
+        <p:txBody>
+          <a:bodyPr/>
+          <a:lstStyle/>
+          <a:p>
+            <a:fld id="{FC59884A-FAD0-DE4F-8C4F-A27A5B8B9F19}" type="slidenum">
+              <a:rPr lang="en-US" smtClean="0"/>
+              <a:t>12</a:t>
+            </a:fld>
+            <a:endParaRPr lang="en-US"/>
+          </a:p>
+        </p:txBody>
+      </p:sp>
+    </p:spTree>
+    <p:extLst>
+      <p:ext uri="{BB962C8B-B14F-4D97-AF65-F5344CB8AC3E}">
+        <p14:creationId xmlns:p14="http://schemas.microsoft.com/office/powerpoint/2010/main" val="825034843"/>
+      </p:ext>
+    </p:extLst>
+  </p:cSld>
+  <p:clrMapOvr>
+    <a:masterClrMapping/>
+  </p:clrMapOvr>
+</p:notes>
+</file>
+
+<file path=ppt/notesSlides/notesSlide11.xml><?xml version="1.0" encoding="utf-8"?>
+<p:notes xmlns:a="http://schemas.openxmlformats.org/drawingml/2006/main" xmlns:r="http://schemas.openxmlformats.org/officeDocument/2006/relationships" xmlns:p="http://schemas.openxmlformats.org/presentationml/2006/main">
+  <p:cSld>
+    <p:spTree>
+      <p:nvGrpSpPr>
+        <p:cNvPr id="1" name=""/>
+        <p:cNvGrpSpPr/>
+        <p:nvPr/>
+      </p:nvGrpSpPr>
+      <p:grpSpPr>
+        <a:xfrm>
+          <a:off x="0" y="0"/>
+          <a:ext cx="0" cy="0"/>
+          <a:chOff x="0" y="0"/>
+          <a:chExt cx="0" cy="0"/>
+        </a:xfrm>
+      </p:grpSpPr>
+      <p:sp>
+        <p:nvSpPr>
+          <p:cNvPr id="2" name="Slide Image Placeholder 1"/>
+          <p:cNvSpPr>
+            <a:spLocks noGrp="1" noRot="1" noChangeAspect="1"/>
+          </p:cNvSpPr>
+          <p:nvPr>
+            <p:ph type="sldImg"/>
+          </p:nvPr>
+        </p:nvSpPr>
+        <p:spPr>
+          <a:xfrm>
+            <a:off x="90488" y="744538"/>
+            <a:ext cx="6616700" cy="3722687"/>
+          </a:xfrm>
+        </p:spPr>
+      </p:sp>
+      <p:sp>
+        <p:nvSpPr>
+          <p:cNvPr id="3" name="Notes Placeholder 2"/>
+          <p:cNvSpPr>
+            <a:spLocks noGrp="1"/>
+          </p:cNvSpPr>
+          <p:nvPr>
+            <p:ph type="body" idx="1"/>
+          </p:nvPr>
+        </p:nvSpPr>
+        <p:spPr/>
+        <p:txBody>
+          <a:bodyPr/>
+          <a:lstStyle/>
+          <a:p>
+            <a:pPr marL="0" marR="0" indent="0" algn="l" defTabSz="914400" rtl="0" eaLnBrk="1" fontAlgn="auto" latinLnBrk="0" hangingPunct="1">
+              <a:lnSpc>
+                <a:spcPct val="100000"/>
+              </a:lnSpc>
+              <a:spcBef>
+                <a:spcPts val="0"/>
+              </a:spcBef>
+              <a:spcAft>
+                <a:spcPts val="0"/>
+              </a:spcAft>
+              <a:buClrTx/>
+              <a:buSzTx/>
+              <a:buFontTx/>
+              <a:buNone/>
+              <a:tabLst/>
+              <a:defRPr/>
+            </a:pPr>
+            <a:r>
+              <a:rPr lang="en-US" dirty="0" smtClean="0"/>
+              <a:t>mention default clear in constructor injection example</a:t>
+            </a:r>
+          </a:p>
+          <a:p>
+            <a:endParaRPr lang="en-US" dirty="0" smtClean="0"/>
+          </a:p>
+          <a:p>
+            <a:endParaRPr lang="en-US" dirty="0"/>
+          </a:p>
+        </p:txBody>
+      </p:sp>
+      <p:sp>
+        <p:nvSpPr>
+          <p:cNvPr id="4" name="Slide Number Placeholder 3"/>
+          <p:cNvSpPr>
+            <a:spLocks noGrp="1"/>
+          </p:cNvSpPr>
+          <p:nvPr>
+            <p:ph type="sldNum" sz="quarter" idx="10"/>
+          </p:nvPr>
+        </p:nvSpPr>
+        <p:spPr/>
+        <p:txBody>
+          <a:bodyPr/>
+          <a:lstStyle/>
+          <a:p>
+            <a:fld id="{FC59884A-FAD0-DE4F-8C4F-A27A5B8B9F19}" type="slidenum">
+              <a:rPr lang="en-US" smtClean="0"/>
+              <a:t>13</a:t>
+            </a:fld>
+            <a:endParaRPr lang="en-US"/>
+          </a:p>
+        </p:txBody>
+      </p:sp>
+    </p:spTree>
+    <p:extLst>
+      <p:ext uri="{BB962C8B-B14F-4D97-AF65-F5344CB8AC3E}">
+        <p14:creationId xmlns:p14="http://schemas.microsoft.com/office/powerpoint/2010/main" val="1440315110"/>
+      </p:ext>
+    </p:extLst>
+  </p:cSld>
+  <p:clrMapOvr>
+    <a:masterClrMapping/>
+  </p:clrMapOvr>
+</p:notes>
+</file>
+
+<file path=ppt/notesSlides/notesSlide12.xml><?xml version="1.0" encoding="utf-8"?>
+<p:notes xmlns:a="http://schemas.openxmlformats.org/drawingml/2006/main" xmlns:r="http://schemas.openxmlformats.org/officeDocument/2006/relationships" xmlns:p="http://schemas.openxmlformats.org/presentationml/2006/main">
+  <p:cSld>
+    <p:spTree>
+      <p:nvGrpSpPr>
+        <p:cNvPr id="1" name=""/>
+        <p:cNvGrpSpPr/>
+        <p:nvPr/>
+      </p:nvGrpSpPr>
+      <p:grpSpPr>
+        <a:xfrm>
+          <a:off x="0" y="0"/>
+          <a:ext cx="0" cy="0"/>
+          <a:chOff x="0" y="0"/>
+          <a:chExt cx="0" cy="0"/>
+        </a:xfrm>
+      </p:grpSpPr>
+      <p:sp>
+        <p:nvSpPr>
           <p:cNvPr id="2" name="Slide Image Placeholder 1">
             <a:extLst>
               <a:ext uri="{FF2B5EF4-FFF2-40B4-BE49-F238E27FC236}">
@@ -1721,7 +1952,7 @@
                 <a:tabLst/>
                 <a:defRPr/>
               </a:pPr>
-              <a:t>12</a:t>
+              <a:t>14</a:t>
             </a:fld>
             <a:endParaRPr kumimoji="0" lang="en-US" sz="1200" b="0" i="0" u="none" strike="noStrike" kern="1200" cap="none" spc="0" normalizeH="0" baseline="0" noProof="0">
               <a:ln>
@@ -2718,8 +2949,98 @@
             </a:pPr>
             <a:r>
               <a:rPr lang="en-US" dirty="0" smtClean="0"/>
-              <a:t>mention default clear in constructor injection example</a:t>
-            </a:r>
+              <a:t>every</a:t>
+            </a:r>
+            <a:r>
+              <a:rPr lang="en-US" baseline="0" dirty="0" smtClean="0"/>
+              <a:t> function takes an extra argument in respect of their direct style, this argument is the continuation.</a:t>
+            </a:r>
+          </a:p>
+          <a:p>
+            <a:pPr marL="0" marR="0" indent="0" algn="l" defTabSz="914400" rtl="0" eaLnBrk="1" fontAlgn="auto" latinLnBrk="0" hangingPunct="1">
+              <a:lnSpc>
+                <a:spcPct val="100000"/>
+              </a:lnSpc>
+              <a:spcBef>
+                <a:spcPts val="0"/>
+              </a:spcBef>
+              <a:spcAft>
+                <a:spcPts val="0"/>
+              </a:spcAft>
+              <a:buClrTx/>
+              <a:buSzTx/>
+              <a:buFontTx/>
+              <a:buNone/>
+              <a:tabLst/>
+              <a:defRPr/>
+            </a:pPr>
+            <a:r>
+              <a:rPr lang="en-US" baseline="0" dirty="0" smtClean="0"/>
+              <a:t>Every function doesn’t return a value explicitly but rather call the continuation.</a:t>
+            </a:r>
+          </a:p>
+          <a:p>
+            <a:pPr marL="0" marR="0" indent="0" algn="l" defTabSz="914400" rtl="0" eaLnBrk="1" fontAlgn="auto" latinLnBrk="0" hangingPunct="1">
+              <a:lnSpc>
+                <a:spcPct val="100000"/>
+              </a:lnSpc>
+              <a:spcBef>
+                <a:spcPts val="0"/>
+              </a:spcBef>
+              <a:spcAft>
+                <a:spcPts val="0"/>
+              </a:spcAft>
+              <a:buClrTx/>
+              <a:buSzTx/>
+              <a:buFontTx/>
+              <a:buNone/>
+              <a:tabLst/>
+              <a:defRPr/>
+            </a:pPr>
+            <a:endParaRPr lang="en-US" baseline="0" dirty="0" smtClean="0"/>
+          </a:p>
+          <a:p>
+            <a:pPr marL="0" marR="0" indent="0" algn="l" defTabSz="914400" rtl="0" eaLnBrk="1" fontAlgn="auto" latinLnBrk="0" hangingPunct="1">
+              <a:lnSpc>
+                <a:spcPct val="100000"/>
+              </a:lnSpc>
+              <a:spcBef>
+                <a:spcPts val="0"/>
+              </a:spcBef>
+              <a:spcAft>
+                <a:spcPts val="0"/>
+              </a:spcAft>
+              <a:buClrTx/>
+              <a:buSzTx/>
+              <a:buFontTx/>
+              <a:buNone/>
+              <a:tabLst/>
+              <a:defRPr/>
+            </a:pPr>
+            <a:r>
+              <a:rPr lang="en-US" baseline="0" dirty="0" smtClean="0"/>
+              <a:t>Turning inside out our world. Or better Turning outside in</a:t>
+            </a:r>
+          </a:p>
+          <a:p>
+            <a:pPr marL="0" marR="0" indent="0" algn="l" defTabSz="914400" rtl="0" eaLnBrk="1" fontAlgn="auto" latinLnBrk="0" hangingPunct="1">
+              <a:lnSpc>
+                <a:spcPct val="100000"/>
+              </a:lnSpc>
+              <a:spcBef>
+                <a:spcPts val="0"/>
+              </a:spcBef>
+              <a:spcAft>
+                <a:spcPts val="0"/>
+              </a:spcAft>
+              <a:buClrTx/>
+              <a:buSzTx/>
+              <a:buFontTx/>
+              <a:buNone/>
+              <a:tabLst/>
+              <a:defRPr/>
+            </a:pPr>
+            <a:endParaRPr lang="en-US" dirty="0" smtClean="0"/>
           </a:p>
           <a:p>
             <a:endParaRPr lang="en-US" dirty="0" smtClean="0"/>
@@ -2755,7 +3076,7 @@
     </p:spTree>
     <p:extLst>
       <p:ext uri="{BB962C8B-B14F-4D97-AF65-F5344CB8AC3E}">
-        <p14:creationId xmlns:p14="http://schemas.microsoft.com/office/powerpoint/2010/main" val="825034843"/>
+        <p14:creationId xmlns:p14="http://schemas.microsoft.com/office/powerpoint/2010/main" val="861204641"/>
       </p:ext>
     </p:extLst>
   </p:cSld>
@@ -5861,8 +6182,513 @@
           <a:lstStyle/>
           <a:p>
             <a:r>
+              <a:rPr lang="en-US" dirty="0" err="1" smtClean="0"/>
+              <a:t>Gotchas</a:t>
+            </a:r>
+            <a:endParaRPr lang="en-US" dirty="0"/>
+          </a:p>
+        </p:txBody>
+      </p:sp>
+      <p:sp>
+        <p:nvSpPr>
+          <p:cNvPr id="6" name="Rectangle 5"/>
+          <p:cNvSpPr/>
+          <p:nvPr/>
+        </p:nvSpPr>
+        <p:spPr>
+          <a:xfrm>
+            <a:off x="2925763" y="1900719"/>
+            <a:ext cx="6043576" cy="446276"/>
+          </a:xfrm>
+          <a:prstGeom prst="rect">
+            <a:avLst/>
+          </a:prstGeom>
+        </p:spPr>
+        <p:txBody>
+          <a:bodyPr wrap="square">
+            <a:spAutoFit/>
+          </a:bodyPr>
+          <a:lstStyle/>
+          <a:p>
+            <a:endParaRPr lang="en-US" dirty="0"/>
+          </a:p>
+        </p:txBody>
+      </p:sp>
+      <p:sp>
+        <p:nvSpPr>
+          <p:cNvPr id="5" name="TextBox 4"/>
+          <p:cNvSpPr txBox="1"/>
+          <p:nvPr/>
+        </p:nvSpPr>
+        <p:spPr>
+          <a:xfrm>
+            <a:off x="463826" y="1900719"/>
+            <a:ext cx="10959548" cy="3477875"/>
+          </a:xfrm>
+          <a:prstGeom prst="rect">
+            <a:avLst/>
+          </a:prstGeom>
+          <a:noFill/>
+        </p:spPr>
+        <p:txBody>
+          <a:bodyPr wrap="square" rtlCol="0">
+            <a:spAutoFit/>
+          </a:bodyPr>
+          <a:lstStyle/>
+          <a:p>
+            <a:r>
+              <a:rPr lang="en-US" sz="2000" dirty="0">
+                <a:solidFill>
+                  <a:srgbClr val="808000"/>
+                </a:solidFill>
+                <a:latin typeface="Courier" charset="0"/>
+                <a:ea typeface="Courier" charset="0"/>
+                <a:cs typeface="Courier" charset="0"/>
+              </a:rPr>
+              <a:t>@</a:t>
+            </a:r>
+            <a:r>
+              <a:rPr lang="en-US" sz="2000" dirty="0" err="1">
+                <a:solidFill>
+                  <a:srgbClr val="808000"/>
+                </a:solidFill>
+                <a:latin typeface="Courier" charset="0"/>
+                <a:ea typeface="Courier" charset="0"/>
+                <a:cs typeface="Courier" charset="0"/>
+              </a:rPr>
+              <a:t>tailrec</a:t>
+            </a:r>
+            <a:r>
+              <a:rPr lang="en-US" sz="2000" dirty="0">
+                <a:solidFill>
+                  <a:srgbClr val="808000"/>
+                </a:solidFill>
+                <a:latin typeface="Courier" charset="0"/>
+                <a:ea typeface="Courier" charset="0"/>
+                <a:cs typeface="Courier" charset="0"/>
+              </a:rPr>
+              <a:t/>
+            </a:r>
+            <a:br>
+              <a:rPr lang="en-US" sz="2000" dirty="0">
+                <a:solidFill>
+                  <a:srgbClr val="808000"/>
+                </a:solidFill>
+                <a:latin typeface="Courier" charset="0"/>
+                <a:ea typeface="Courier" charset="0"/>
+                <a:cs typeface="Courier" charset="0"/>
+              </a:rPr>
+            </a:br>
+            <a:r>
+              <a:rPr lang="en-US" sz="2000" b="1" dirty="0" err="1">
+                <a:solidFill>
+                  <a:srgbClr val="000080"/>
+                </a:solidFill>
+                <a:latin typeface="Courier" charset="0"/>
+                <a:ea typeface="Courier" charset="0"/>
+                <a:cs typeface="Courier" charset="0"/>
+              </a:rPr>
+              <a:t>def</a:t>
+            </a:r>
+            <a:r>
+              <a:rPr lang="en-US" sz="2000" b="1" dirty="0">
+                <a:solidFill>
+                  <a:srgbClr val="000080"/>
+                </a:solidFill>
+                <a:latin typeface="Courier" charset="0"/>
+                <a:ea typeface="Courier" charset="0"/>
+                <a:cs typeface="Courier" charset="0"/>
+              </a:rPr>
+              <a:t> </a:t>
+            </a:r>
+            <a:r>
+              <a:rPr lang="en-US" sz="2000" dirty="0">
+                <a:latin typeface="Courier" charset="0"/>
+                <a:ea typeface="Courier" charset="0"/>
+                <a:cs typeface="Courier" charset="0"/>
+              </a:rPr>
+              <a:t>g(k: Unit =&gt; Unit): Unit = </a:t>
+            </a:r>
+            <a:r>
+              <a:rPr lang="en-US" sz="2000" i="1" dirty="0">
+                <a:latin typeface="Courier" charset="0"/>
+                <a:ea typeface="Courier" charset="0"/>
+                <a:cs typeface="Courier" charset="0"/>
+              </a:rPr>
+              <a:t>g</a:t>
+            </a:r>
+            <a:r>
+              <a:rPr lang="en-US" sz="2000" dirty="0">
+                <a:latin typeface="Courier" charset="0"/>
+                <a:ea typeface="Courier" charset="0"/>
+                <a:cs typeface="Courier" charset="0"/>
+              </a:rPr>
+              <a:t>(x =&gt; </a:t>
+            </a:r>
+            <a:r>
+              <a:rPr lang="en-US" sz="2000" i="1" dirty="0">
+                <a:latin typeface="Courier" charset="0"/>
+                <a:ea typeface="Courier" charset="0"/>
+                <a:cs typeface="Courier" charset="0"/>
+              </a:rPr>
+              <a:t>g</a:t>
+            </a:r>
+            <a:r>
+              <a:rPr lang="en-US" sz="2000" dirty="0">
+                <a:latin typeface="Courier" charset="0"/>
+                <a:ea typeface="Courier" charset="0"/>
+                <a:cs typeface="Courier" charset="0"/>
+              </a:rPr>
+              <a:t>(k</a:t>
+            </a:r>
+            <a:r>
+              <a:rPr lang="en-US" sz="2000" dirty="0" smtClean="0">
+                <a:latin typeface="Courier" charset="0"/>
+                <a:ea typeface="Courier" charset="0"/>
+                <a:cs typeface="Courier" charset="0"/>
+              </a:rPr>
+              <a:t>))</a:t>
+            </a:r>
+          </a:p>
+          <a:p>
+            <a:endParaRPr lang="en-US" sz="2000" dirty="0" smtClean="0">
+              <a:latin typeface="Courier" charset="0"/>
+              <a:ea typeface="Courier" charset="0"/>
+              <a:cs typeface="Courier" charset="0"/>
+            </a:endParaRPr>
+          </a:p>
+          <a:p>
+            <a:endParaRPr lang="en-US" sz="2000" dirty="0">
+              <a:latin typeface="Courier" charset="0"/>
+              <a:ea typeface="Courier" charset="0"/>
+              <a:cs typeface="Courier" charset="0"/>
+            </a:endParaRPr>
+          </a:p>
+          <a:p>
+            <a:r>
+              <a:rPr lang="en-US" sz="2000" dirty="0" smtClean="0">
+                <a:latin typeface="Courier" charset="0"/>
+                <a:ea typeface="Courier" charset="0"/>
+                <a:cs typeface="Courier" charset="0"/>
+              </a:rPr>
+              <a:t>[</a:t>
+            </a:r>
+            <a:r>
+              <a:rPr lang="en-US" sz="2000" dirty="0">
+                <a:latin typeface="Courier" charset="0"/>
+                <a:ea typeface="Courier" charset="0"/>
+                <a:cs typeface="Courier" charset="0"/>
+              </a:rPr>
+              <a:t>info] Compiling 1 Scala </a:t>
+            </a:r>
+            <a:r>
+              <a:rPr lang="en-US" sz="2000" dirty="0" smtClean="0">
+                <a:latin typeface="Courier" charset="0"/>
+                <a:ea typeface="Courier" charset="0"/>
+                <a:cs typeface="Courier" charset="0"/>
+              </a:rPr>
+              <a:t>source </a:t>
+            </a:r>
+            <a:r>
+              <a:rPr lang="mr-IN" sz="2000" dirty="0" smtClean="0">
+                <a:latin typeface="Courier" charset="0"/>
+                <a:ea typeface="Courier" charset="0"/>
+                <a:cs typeface="Courier" charset="0"/>
+              </a:rPr>
+              <a:t>…</a:t>
+            </a:r>
+            <a:endParaRPr lang="en-US" sz="2000" dirty="0" smtClean="0">
+              <a:latin typeface="Courier" charset="0"/>
+              <a:ea typeface="Courier" charset="0"/>
+              <a:cs typeface="Courier" charset="0"/>
+            </a:endParaRPr>
+          </a:p>
+          <a:p>
+            <a:r>
+              <a:rPr lang="en-US" sz="2000" dirty="0" smtClean="0">
+                <a:latin typeface="Courier" charset="0"/>
+                <a:ea typeface="Courier" charset="0"/>
+                <a:cs typeface="Courier" charset="0"/>
+              </a:rPr>
+              <a:t>[</a:t>
+            </a:r>
+            <a:r>
+              <a:rPr lang="en-US" sz="2000" dirty="0">
+                <a:latin typeface="Courier" charset="0"/>
+                <a:ea typeface="Courier" charset="0"/>
+                <a:cs typeface="Courier" charset="0"/>
+              </a:rPr>
+              <a:t>error] </a:t>
+            </a:r>
+            <a:r>
+              <a:rPr lang="en-US" sz="2000" dirty="0" smtClean="0">
+                <a:latin typeface="Courier" charset="0"/>
+                <a:ea typeface="Courier" charset="0"/>
+                <a:cs typeface="Courier" charset="0"/>
+              </a:rPr>
+              <a:t>/</a:t>
+            </a:r>
+            <a:r>
+              <a:rPr lang="mr-IN" sz="2000" dirty="0" smtClean="0">
+                <a:latin typeface="Courier" charset="0"/>
+                <a:ea typeface="Courier" charset="0"/>
+                <a:cs typeface="Courier" charset="0"/>
+              </a:rPr>
+              <a:t>…</a:t>
+            </a:r>
+            <a:r>
+              <a:rPr lang="en-US" sz="2000" dirty="0" smtClean="0">
+                <a:latin typeface="Courier" charset="0"/>
+                <a:ea typeface="Courier" charset="0"/>
+                <a:cs typeface="Courier" charset="0"/>
+              </a:rPr>
+              <a:t>/</a:t>
+            </a:r>
+            <a:r>
+              <a:rPr lang="en-US" sz="2000" dirty="0" err="1" smtClean="0">
+                <a:latin typeface="Courier" charset="0"/>
+                <a:ea typeface="Courier" charset="0"/>
+                <a:cs typeface="Courier" charset="0"/>
+              </a:rPr>
+              <a:t>src</a:t>
+            </a:r>
+            <a:r>
+              <a:rPr lang="en-US" sz="2000" dirty="0" smtClean="0">
+                <a:latin typeface="Courier" charset="0"/>
+                <a:ea typeface="Courier" charset="0"/>
+                <a:cs typeface="Courier" charset="0"/>
+              </a:rPr>
+              <a:t>/main/</a:t>
+            </a:r>
+            <a:r>
+              <a:rPr lang="en-US" sz="2000" dirty="0" err="1" smtClean="0">
+                <a:latin typeface="Courier" charset="0"/>
+                <a:ea typeface="Courier" charset="0"/>
+                <a:cs typeface="Courier" charset="0"/>
+              </a:rPr>
+              <a:t>scala</a:t>
+            </a:r>
+            <a:r>
+              <a:rPr lang="en-US" sz="2000" dirty="0" smtClean="0">
+                <a:latin typeface="Courier" charset="0"/>
+                <a:ea typeface="Courier" charset="0"/>
+                <a:cs typeface="Courier" charset="0"/>
+              </a:rPr>
+              <a:t>/example/Var.scala:12:42</a:t>
+            </a:r>
+            <a:r>
+              <a:rPr lang="en-US" sz="2000" dirty="0">
+                <a:latin typeface="Courier" charset="0"/>
+                <a:ea typeface="Courier" charset="0"/>
+                <a:cs typeface="Courier" charset="0"/>
+              </a:rPr>
+              <a:t>: </a:t>
+            </a:r>
+            <a:endParaRPr lang="en-US" sz="2000" dirty="0" smtClean="0">
+              <a:latin typeface="Courier" charset="0"/>
+              <a:ea typeface="Courier" charset="0"/>
+              <a:cs typeface="Courier" charset="0"/>
+            </a:endParaRPr>
+          </a:p>
+          <a:p>
+            <a:r>
+              <a:rPr lang="en-US" sz="2000" b="1" dirty="0" smtClean="0">
+                <a:latin typeface="Courier" charset="0"/>
+                <a:ea typeface="Courier" charset="0"/>
+                <a:cs typeface="Courier" charset="0"/>
+              </a:rPr>
+              <a:t>could </a:t>
+            </a:r>
+            <a:r>
+              <a:rPr lang="en-US" sz="2000" b="1" dirty="0">
+                <a:latin typeface="Courier" charset="0"/>
+                <a:ea typeface="Courier" charset="0"/>
+                <a:cs typeface="Courier" charset="0"/>
+              </a:rPr>
+              <a:t>not optimize @</a:t>
+            </a:r>
+            <a:r>
+              <a:rPr lang="en-US" sz="2000" b="1" dirty="0" err="1">
+                <a:latin typeface="Courier" charset="0"/>
+                <a:ea typeface="Courier" charset="0"/>
+                <a:cs typeface="Courier" charset="0"/>
+              </a:rPr>
+              <a:t>tailrec</a:t>
+            </a:r>
+            <a:r>
+              <a:rPr lang="en-US" sz="2000" b="1" dirty="0">
+                <a:latin typeface="Courier" charset="0"/>
+                <a:ea typeface="Courier" charset="0"/>
+                <a:cs typeface="Courier" charset="0"/>
+              </a:rPr>
+              <a:t> annotated method g: it contains a recursive call not in tail </a:t>
+            </a:r>
+            <a:r>
+              <a:rPr lang="en-US" sz="2000" b="1" dirty="0" smtClean="0">
+                <a:latin typeface="Courier" charset="0"/>
+                <a:ea typeface="Courier" charset="0"/>
+                <a:cs typeface="Courier" charset="0"/>
+              </a:rPr>
+              <a:t>position</a:t>
+            </a:r>
+          </a:p>
+          <a:p>
+            <a:r>
+              <a:rPr lang="en-US" sz="2000" dirty="0" smtClean="0">
+                <a:latin typeface="Courier" charset="0"/>
+                <a:ea typeface="Courier" charset="0"/>
+                <a:cs typeface="Courier" charset="0"/>
+              </a:rPr>
+              <a:t>[</a:t>
+            </a:r>
+            <a:r>
+              <a:rPr lang="en-US" sz="2000" dirty="0">
+                <a:latin typeface="Courier" charset="0"/>
+                <a:ea typeface="Courier" charset="0"/>
+                <a:cs typeface="Courier" charset="0"/>
+              </a:rPr>
+              <a:t>error]   </a:t>
+            </a:r>
+            <a:r>
+              <a:rPr lang="en-US" sz="2000" dirty="0" err="1">
+                <a:latin typeface="Courier" charset="0"/>
+                <a:ea typeface="Courier" charset="0"/>
+                <a:cs typeface="Courier" charset="0"/>
+              </a:rPr>
+              <a:t>def</a:t>
+            </a:r>
+            <a:r>
+              <a:rPr lang="en-US" sz="2000" dirty="0">
+                <a:latin typeface="Courier" charset="0"/>
+                <a:ea typeface="Courier" charset="0"/>
+                <a:cs typeface="Courier" charset="0"/>
+              </a:rPr>
+              <a:t> g(k: Unit =&gt; Unit): Unit = g(x =&gt; g(k</a:t>
+            </a:r>
+            <a:r>
+              <a:rPr lang="en-US" sz="2000" dirty="0" smtClean="0">
+                <a:latin typeface="Courier" charset="0"/>
+                <a:ea typeface="Courier" charset="0"/>
+                <a:cs typeface="Courier" charset="0"/>
+              </a:rPr>
+              <a:t>))</a:t>
+            </a:r>
+          </a:p>
+          <a:p>
+            <a:r>
+              <a:rPr lang="en-US" sz="2000" dirty="0" smtClean="0">
+                <a:latin typeface="Courier" charset="0"/>
+                <a:ea typeface="Courier" charset="0"/>
+                <a:cs typeface="Courier" charset="0"/>
+              </a:rPr>
+              <a:t>[</a:t>
+            </a:r>
+            <a:r>
+              <a:rPr lang="en-US" sz="2000" dirty="0">
+                <a:latin typeface="Courier" charset="0"/>
+                <a:ea typeface="Courier" charset="0"/>
+                <a:cs typeface="Courier" charset="0"/>
+              </a:rPr>
+              <a:t>error</a:t>
+            </a:r>
+            <a:r>
+              <a:rPr lang="en-US" sz="2000" dirty="0" smtClean="0">
+                <a:latin typeface="Courier" charset="0"/>
+                <a:ea typeface="Courier" charset="0"/>
+                <a:cs typeface="Courier" charset="0"/>
+              </a:rPr>
+              <a:t>]                                         ^</a:t>
+            </a:r>
+          </a:p>
+          <a:p>
+            <a:r>
+              <a:rPr lang="en-US" sz="2000" dirty="0" smtClean="0">
+                <a:latin typeface="Courier" charset="0"/>
+                <a:ea typeface="Courier" charset="0"/>
+                <a:cs typeface="Courier" charset="0"/>
+              </a:rPr>
+              <a:t>[</a:t>
+            </a:r>
+            <a:r>
+              <a:rPr lang="en-US" sz="2000" dirty="0">
+                <a:latin typeface="Courier" charset="0"/>
+                <a:ea typeface="Courier" charset="0"/>
+                <a:cs typeface="Courier" charset="0"/>
+              </a:rPr>
+              <a:t>error] one error found</a:t>
+            </a:r>
+            <a:endParaRPr lang="en-US" sz="2000" dirty="0">
+              <a:latin typeface="Courier" charset="0"/>
+              <a:ea typeface="Courier" charset="0"/>
+              <a:cs typeface="Courier" charset="0"/>
+            </a:endParaRPr>
+          </a:p>
+        </p:txBody>
+      </p:sp>
+    </p:spTree>
+    <p:extLst>
+      <p:ext uri="{BB962C8B-B14F-4D97-AF65-F5344CB8AC3E}">
+        <p14:creationId xmlns:p14="http://schemas.microsoft.com/office/powerpoint/2010/main" val="955794543"/>
+      </p:ext>
+    </p:extLst>
+  </p:cSld>
+  <p:clrMapOvr>
+    <a:masterClrMapping/>
+  </p:clrMapOvr>
+  <p:timing>
+    <p:tnLst>
+      <p:par>
+        <p:cTn id="1" dur="indefinite" restart="never" nodeType="tmRoot"/>
+      </p:par>
+    </p:tnLst>
+  </p:timing>
+</p:sld>
+</file>
+
+<file path=ppt/slides/slide12.xml><?xml version="1.0" encoding="utf-8"?>
+<p:sld xmlns:a="http://schemas.openxmlformats.org/drawingml/2006/main" xmlns:r="http://schemas.openxmlformats.org/officeDocument/2006/relationships" xmlns:p="http://schemas.openxmlformats.org/presentationml/2006/main">
+  <p:cSld>
+    <p:spTree>
+      <p:nvGrpSpPr>
+        <p:cNvPr id="1" name=""/>
+        <p:cNvGrpSpPr/>
+        <p:nvPr/>
+      </p:nvGrpSpPr>
+      <p:grpSpPr>
+        <a:xfrm>
+          <a:off x="0" y="0"/>
+          <a:ext cx="0" cy="0"/>
+          <a:chOff x="0" y="0"/>
+          <a:chExt cx="0" cy="0"/>
+        </a:xfrm>
+      </p:grpSpPr>
+      <p:sp>
+        <p:nvSpPr>
+          <p:cNvPr id="2" name="Title 1"/>
+          <p:cNvSpPr>
+            <a:spLocks noGrp="1"/>
+          </p:cNvSpPr>
+          <p:nvPr>
+            <p:ph type="title"/>
+          </p:nvPr>
+        </p:nvSpPr>
+        <p:spPr>
+          <a:xfrm>
+            <a:off x="596901" y="506124"/>
+            <a:ext cx="10510838" cy="431515"/>
+          </a:xfrm>
+        </p:spPr>
+        <p:txBody>
+          <a:bodyPr/>
+          <a:lstStyle/>
+          <a:p>
+            <a:r>
+              <a:rPr lang="en-GB" dirty="0" smtClean="0"/>
+              <a:t>Recursive data types are not easy.</a:t>
+            </a:r>
+            <a:r>
               <a:rPr lang="en-GB" dirty="0"/>
-              <a:t>What is a continuation?</a:t>
+              <a:t/>
             </a:r>
             <a:br>
               <a:rPr lang="en-GB" dirty="0"/>
@@ -6986,7 +7812,1170 @@
 </p:sld>
 </file>
 
-<file path=ppt/slides/slide12.xml><?xml version="1.0" encoding="utf-8"?>
+<file path=ppt/slides/slide13.xml><?xml version="1.0" encoding="utf-8"?>
+<p:sld xmlns:a="http://schemas.openxmlformats.org/drawingml/2006/main" xmlns:r="http://schemas.openxmlformats.org/officeDocument/2006/relationships" xmlns:p="http://schemas.openxmlformats.org/presentationml/2006/main">
+  <p:cSld>
+    <p:spTree>
+      <p:nvGrpSpPr>
+        <p:cNvPr id="1" name=""/>
+        <p:cNvGrpSpPr/>
+        <p:nvPr/>
+      </p:nvGrpSpPr>
+      <p:grpSpPr>
+        <a:xfrm>
+          <a:off x="0" y="0"/>
+          <a:ext cx="0" cy="0"/>
+          <a:chOff x="0" y="0"/>
+          <a:chExt cx="0" cy="0"/>
+        </a:xfrm>
+      </p:grpSpPr>
+      <p:sp>
+        <p:nvSpPr>
+          <p:cNvPr id="2" name="Title 1"/>
+          <p:cNvSpPr>
+            <a:spLocks noGrp="1"/>
+          </p:cNvSpPr>
+          <p:nvPr>
+            <p:ph type="title"/>
+          </p:nvPr>
+        </p:nvSpPr>
+        <p:spPr>
+          <a:xfrm>
+            <a:off x="596901" y="506124"/>
+            <a:ext cx="10510838" cy="431515"/>
+          </a:xfrm>
+        </p:spPr>
+        <p:txBody>
+          <a:bodyPr/>
+          <a:lstStyle/>
+          <a:p>
+            <a:r>
+              <a:rPr lang="en-GB" dirty="0"/>
+              <a:t>What is a continuation?</a:t>
+            </a:r>
+            <a:br>
+              <a:rPr lang="en-GB" dirty="0"/>
+            </a:br>
+            <a:endParaRPr lang="en-US" dirty="0"/>
+          </a:p>
+        </p:txBody>
+      </p:sp>
+      <p:sp>
+        <p:nvSpPr>
+          <p:cNvPr id="4" name="Text Placeholder 3"/>
+          <p:cNvSpPr>
+            <a:spLocks noGrp="1"/>
+          </p:cNvSpPr>
+          <p:nvPr>
+            <p:ph type="body" sz="quarter" idx="4294967295"/>
+          </p:nvPr>
+        </p:nvSpPr>
+        <p:spPr>
+          <a:xfrm>
+            <a:off x="585788" y="5656262"/>
+            <a:ext cx="5151437" cy="333375"/>
+          </a:xfrm>
+          <a:prstGeom prst="rect">
+            <a:avLst/>
+          </a:prstGeom>
+        </p:spPr>
+        <p:txBody>
+          <a:bodyPr/>
+          <a:lstStyle/>
+          <a:p>
+            <a:endParaRPr lang="en-US"/>
+          </a:p>
+        </p:txBody>
+      </p:sp>
+      <p:sp>
+        <p:nvSpPr>
+          <p:cNvPr id="6" name="Rectangle 5"/>
+          <p:cNvSpPr/>
+          <p:nvPr/>
+        </p:nvSpPr>
+        <p:spPr>
+          <a:xfrm>
+            <a:off x="2925763" y="1900719"/>
+            <a:ext cx="6043576" cy="446276"/>
+          </a:xfrm>
+          <a:prstGeom prst="rect">
+            <a:avLst/>
+          </a:prstGeom>
+        </p:spPr>
+        <p:txBody>
+          <a:bodyPr wrap="square">
+            <a:spAutoFit/>
+          </a:bodyPr>
+          <a:lstStyle/>
+          <a:p>
+            <a:endParaRPr lang="en-US" dirty="0"/>
+          </a:p>
+        </p:txBody>
+      </p:sp>
+      <p:sp>
+        <p:nvSpPr>
+          <p:cNvPr id="10" name="TextBox 9"/>
+          <p:cNvSpPr txBox="1"/>
+          <p:nvPr/>
+        </p:nvSpPr>
+        <p:spPr>
+          <a:xfrm>
+            <a:off x="596901" y="1044000"/>
+            <a:ext cx="10510838" cy="5678478"/>
+          </a:xfrm>
+          <a:prstGeom prst="rect">
+            <a:avLst/>
+          </a:prstGeom>
+          <a:noFill/>
+        </p:spPr>
+        <p:txBody>
+          <a:bodyPr wrap="square" tIns="0" rtlCol="0">
+            <a:spAutoFit/>
+          </a:bodyPr>
+          <a:lstStyle/>
+          <a:p>
+            <a:r>
+              <a:rPr lang="en-US" sz="2000" b="1" dirty="0" smtClean="0">
+                <a:solidFill>
+                  <a:srgbClr val="CC7832"/>
+                </a:solidFill>
+                <a:latin typeface="Andale Mono" charset="0"/>
+                <a:ea typeface="Andale Mono" charset="0"/>
+                <a:cs typeface="Andale Mono" charset="0"/>
+              </a:rPr>
+              <a:t>trait </a:t>
+            </a:r>
+            <a:r>
+              <a:rPr lang="en-US" sz="2000" dirty="0" err="1" smtClean="0">
+                <a:latin typeface="Andale Mono" charset="0"/>
+                <a:ea typeface="Andale Mono" charset="0"/>
+                <a:cs typeface="Andale Mono" charset="0"/>
+              </a:rPr>
+              <a:t>WordDictionary</a:t>
+            </a:r>
+            <a:r>
+              <a:rPr lang="en-US" sz="2000" dirty="0" smtClean="0">
+                <a:latin typeface="Andale Mono" charset="0"/>
+                <a:ea typeface="Andale Mono" charset="0"/>
+                <a:cs typeface="Andale Mono" charset="0"/>
+              </a:rPr>
+              <a:t> {</a:t>
+            </a:r>
+            <a:br>
+              <a:rPr lang="en-US" sz="2000" dirty="0" smtClean="0">
+                <a:latin typeface="Andale Mono" charset="0"/>
+                <a:ea typeface="Andale Mono" charset="0"/>
+                <a:cs typeface="Andale Mono" charset="0"/>
+              </a:rPr>
+            </a:br>
+            <a:r>
+              <a:rPr lang="en-US" sz="2000" dirty="0" smtClean="0">
+                <a:latin typeface="Andale Mono" charset="0"/>
+                <a:ea typeface="Andale Mono" charset="0"/>
+                <a:cs typeface="Andale Mono" charset="0"/>
+              </a:rPr>
+              <a:t>  </a:t>
+            </a:r>
+            <a:r>
+              <a:rPr lang="en-US" sz="2000" b="1" dirty="0" err="1" smtClean="0">
+                <a:solidFill>
+                  <a:srgbClr val="CC7832"/>
+                </a:solidFill>
+                <a:latin typeface="Andale Mono" charset="0"/>
+                <a:ea typeface="Andale Mono" charset="0"/>
+                <a:cs typeface="Andale Mono" charset="0"/>
+              </a:rPr>
+              <a:t>def</a:t>
+            </a:r>
+            <a:r>
+              <a:rPr lang="en-US" sz="2000" b="1" dirty="0" smtClean="0">
+                <a:solidFill>
+                  <a:srgbClr val="CC7832"/>
+                </a:solidFill>
+                <a:latin typeface="Andale Mono" charset="0"/>
+                <a:ea typeface="Andale Mono" charset="0"/>
+                <a:cs typeface="Andale Mono" charset="0"/>
+              </a:rPr>
+              <a:t> </a:t>
+            </a:r>
+            <a:r>
+              <a:rPr lang="en-US" sz="2000" dirty="0" err="1" smtClean="0">
+                <a:solidFill>
+                  <a:srgbClr val="FFC66D"/>
+                </a:solidFill>
+                <a:latin typeface="Andale Mono" charset="0"/>
+                <a:ea typeface="Andale Mono" charset="0"/>
+                <a:cs typeface="Andale Mono" charset="0"/>
+              </a:rPr>
+              <a:t>lang</a:t>
+            </a:r>
+            <a:r>
+              <a:rPr lang="en-US" sz="2000" dirty="0" smtClean="0">
+                <a:latin typeface="Andale Mono" charset="0"/>
+                <a:ea typeface="Andale Mono" charset="0"/>
+                <a:cs typeface="Andale Mono" charset="0"/>
+              </a:rPr>
+              <a:t>: </a:t>
+            </a:r>
+            <a:r>
+              <a:rPr lang="en-US" sz="2000" dirty="0" smtClean="0">
+                <a:solidFill>
+                  <a:srgbClr val="4E807D"/>
+                </a:solidFill>
+                <a:latin typeface="Andale Mono" charset="0"/>
+                <a:ea typeface="Andale Mono" charset="0"/>
+                <a:cs typeface="Andale Mono" charset="0"/>
+              </a:rPr>
+              <a:t>Lang</a:t>
+            </a:r>
+            <a:br>
+              <a:rPr lang="en-US" sz="2000" dirty="0" smtClean="0">
+                <a:solidFill>
+                  <a:srgbClr val="4E807D"/>
+                </a:solidFill>
+                <a:latin typeface="Andale Mono" charset="0"/>
+                <a:ea typeface="Andale Mono" charset="0"/>
+                <a:cs typeface="Andale Mono" charset="0"/>
+              </a:rPr>
+            </a:br>
+            <a:r>
+              <a:rPr lang="en-US" sz="2000" dirty="0" smtClean="0">
+                <a:solidFill>
+                  <a:srgbClr val="4E807D"/>
+                </a:solidFill>
+                <a:latin typeface="Andale Mono" charset="0"/>
+                <a:ea typeface="Andale Mono" charset="0"/>
+                <a:cs typeface="Andale Mono" charset="0"/>
+              </a:rPr>
+              <a:t>  </a:t>
+            </a:r>
+            <a:r>
+              <a:rPr lang="en-US" sz="2000" b="1" dirty="0" err="1" smtClean="0">
+                <a:solidFill>
+                  <a:srgbClr val="CC7832"/>
+                </a:solidFill>
+                <a:latin typeface="Andale Mono" charset="0"/>
+                <a:ea typeface="Andale Mono" charset="0"/>
+                <a:cs typeface="Andale Mono" charset="0"/>
+              </a:rPr>
+              <a:t>def</a:t>
+            </a:r>
+            <a:r>
+              <a:rPr lang="en-US" sz="2000" b="1" dirty="0" smtClean="0">
+                <a:solidFill>
+                  <a:srgbClr val="CC7832"/>
+                </a:solidFill>
+                <a:latin typeface="Andale Mono" charset="0"/>
+                <a:ea typeface="Andale Mono" charset="0"/>
+                <a:cs typeface="Andale Mono" charset="0"/>
+              </a:rPr>
+              <a:t> </a:t>
+            </a:r>
+            <a:r>
+              <a:rPr lang="en-US" sz="2000" dirty="0" err="1" smtClean="0">
+                <a:solidFill>
+                  <a:srgbClr val="FFC66D"/>
+                </a:solidFill>
+                <a:latin typeface="Andale Mono" charset="0"/>
+                <a:ea typeface="Andale Mono" charset="0"/>
+                <a:cs typeface="Andale Mono" charset="0"/>
+              </a:rPr>
+              <a:t>hasWord</a:t>
+            </a:r>
+            <a:r>
+              <a:rPr lang="en-US" sz="2000" dirty="0" smtClean="0">
+                <a:latin typeface="Andale Mono" charset="0"/>
+                <a:ea typeface="Andale Mono" charset="0"/>
+                <a:cs typeface="Andale Mono" charset="0"/>
+              </a:rPr>
+              <a:t>(word: </a:t>
+            </a:r>
+            <a:r>
+              <a:rPr lang="en-US" sz="2000" dirty="0" smtClean="0">
+                <a:solidFill>
+                  <a:srgbClr val="4E807D"/>
+                </a:solidFill>
+                <a:latin typeface="Andale Mono" charset="0"/>
+                <a:ea typeface="Andale Mono" charset="0"/>
+                <a:cs typeface="Andale Mono" charset="0"/>
+              </a:rPr>
+              <a:t>Word</a:t>
+            </a:r>
+            <a:r>
+              <a:rPr lang="en-US" sz="2000" dirty="0" smtClean="0">
+                <a:latin typeface="Andale Mono" charset="0"/>
+                <a:ea typeface="Andale Mono" charset="0"/>
+                <a:cs typeface="Andale Mono" charset="0"/>
+              </a:rPr>
+              <a:t>): </a:t>
+            </a:r>
+            <a:r>
+              <a:rPr lang="en-US" sz="2000" dirty="0" smtClean="0">
+                <a:solidFill>
+                  <a:srgbClr val="CC7832"/>
+                </a:solidFill>
+                <a:latin typeface="Andale Mono" charset="0"/>
+                <a:ea typeface="Andale Mono" charset="0"/>
+                <a:cs typeface="Andale Mono" charset="0"/>
+              </a:rPr>
+              <a:t>Boolean</a:t>
+            </a:r>
+            <a:br>
+              <a:rPr lang="en-US" sz="2000" dirty="0" smtClean="0">
+                <a:solidFill>
+                  <a:srgbClr val="CC7832"/>
+                </a:solidFill>
+                <a:latin typeface="Andale Mono" charset="0"/>
+                <a:ea typeface="Andale Mono" charset="0"/>
+                <a:cs typeface="Andale Mono" charset="0"/>
+              </a:rPr>
+            </a:br>
+            <a:r>
+              <a:rPr lang="en-US" sz="2000" dirty="0" smtClean="0">
+                <a:solidFill>
+                  <a:srgbClr val="CC7832"/>
+                </a:solidFill>
+                <a:latin typeface="Andale Mono" charset="0"/>
+                <a:ea typeface="Andale Mono" charset="0"/>
+                <a:cs typeface="Andale Mono" charset="0"/>
+              </a:rPr>
+              <a:t>  </a:t>
+            </a:r>
+            <a:r>
+              <a:rPr lang="en-US" sz="2000" b="1" dirty="0" err="1" smtClean="0">
+                <a:solidFill>
+                  <a:srgbClr val="CC7832"/>
+                </a:solidFill>
+                <a:latin typeface="Andale Mono" charset="0"/>
+                <a:ea typeface="Andale Mono" charset="0"/>
+                <a:cs typeface="Andale Mono" charset="0"/>
+              </a:rPr>
+              <a:t>def</a:t>
+            </a:r>
+            <a:r>
+              <a:rPr lang="en-US" sz="2000" b="1" dirty="0" smtClean="0">
+                <a:solidFill>
+                  <a:srgbClr val="CC7832"/>
+                </a:solidFill>
+                <a:latin typeface="Andale Mono" charset="0"/>
+                <a:ea typeface="Andale Mono" charset="0"/>
+                <a:cs typeface="Andale Mono" charset="0"/>
+              </a:rPr>
+              <a:t> </a:t>
+            </a:r>
+            <a:r>
+              <a:rPr lang="en-US" sz="2000" dirty="0" smtClean="0">
+                <a:solidFill>
+                  <a:srgbClr val="FFC66D"/>
+                </a:solidFill>
+                <a:latin typeface="Andale Mono" charset="0"/>
+                <a:ea typeface="Andale Mono" charset="0"/>
+                <a:cs typeface="Andale Mono" charset="0"/>
+              </a:rPr>
+              <a:t>definition</a:t>
+            </a:r>
+            <a:r>
+              <a:rPr lang="en-US" sz="2000" dirty="0" smtClean="0">
+                <a:latin typeface="Andale Mono" charset="0"/>
+                <a:ea typeface="Andale Mono" charset="0"/>
+                <a:cs typeface="Andale Mono" charset="0"/>
+              </a:rPr>
+              <a:t>(word: </a:t>
+            </a:r>
+            <a:r>
+              <a:rPr lang="en-US" sz="2000" dirty="0" smtClean="0">
+                <a:solidFill>
+                  <a:srgbClr val="4E807D"/>
+                </a:solidFill>
+                <a:latin typeface="Andale Mono" charset="0"/>
+                <a:ea typeface="Andale Mono" charset="0"/>
+                <a:cs typeface="Andale Mono" charset="0"/>
+              </a:rPr>
+              <a:t>Word</a:t>
+            </a:r>
+            <a:r>
+              <a:rPr lang="en-US" sz="2000" dirty="0" smtClean="0">
+                <a:latin typeface="Andale Mono" charset="0"/>
+                <a:ea typeface="Andale Mono" charset="0"/>
+                <a:cs typeface="Andale Mono" charset="0"/>
+              </a:rPr>
+              <a:t>): Option[</a:t>
+            </a:r>
+            <a:r>
+              <a:rPr lang="en-US" sz="2000" dirty="0" smtClean="0">
+                <a:solidFill>
+                  <a:srgbClr val="4E807D"/>
+                </a:solidFill>
+                <a:latin typeface="Andale Mono" charset="0"/>
+                <a:ea typeface="Andale Mono" charset="0"/>
+                <a:cs typeface="Andale Mono" charset="0"/>
+              </a:rPr>
+              <a:t>Definition</a:t>
+            </a:r>
+            <a:r>
+              <a:rPr lang="en-US" sz="2000" dirty="0" smtClean="0">
+                <a:latin typeface="Andale Mono" charset="0"/>
+                <a:ea typeface="Andale Mono" charset="0"/>
+                <a:cs typeface="Andale Mono" charset="0"/>
+              </a:rPr>
+              <a:t>]</a:t>
+            </a:r>
+            <a:br>
+              <a:rPr lang="en-US" sz="2000" dirty="0" smtClean="0">
+                <a:latin typeface="Andale Mono" charset="0"/>
+                <a:ea typeface="Andale Mono" charset="0"/>
+                <a:cs typeface="Andale Mono" charset="0"/>
+              </a:rPr>
+            </a:br>
+            <a:r>
+              <a:rPr lang="en-US" sz="2000" dirty="0" smtClean="0">
+                <a:latin typeface="Andale Mono" charset="0"/>
+                <a:ea typeface="Andale Mono" charset="0"/>
+                <a:cs typeface="Andale Mono" charset="0"/>
+              </a:rPr>
+              <a:t>  </a:t>
+            </a:r>
+            <a:r>
+              <a:rPr lang="en-US" sz="2000" b="1" dirty="0" err="1" smtClean="0">
+                <a:solidFill>
+                  <a:srgbClr val="CC7832"/>
+                </a:solidFill>
+                <a:latin typeface="Andale Mono" charset="0"/>
+                <a:ea typeface="Andale Mono" charset="0"/>
+                <a:cs typeface="Andale Mono" charset="0"/>
+              </a:rPr>
+              <a:t>def</a:t>
+            </a:r>
+            <a:r>
+              <a:rPr lang="en-US" sz="2000" b="1" dirty="0" smtClean="0">
+                <a:solidFill>
+                  <a:srgbClr val="CC7832"/>
+                </a:solidFill>
+                <a:latin typeface="Andale Mono" charset="0"/>
+                <a:ea typeface="Andale Mono" charset="0"/>
+                <a:cs typeface="Andale Mono" charset="0"/>
+              </a:rPr>
+              <a:t> </a:t>
+            </a:r>
+            <a:r>
+              <a:rPr lang="en-US" sz="2000" dirty="0" err="1" smtClean="0">
+                <a:solidFill>
+                  <a:srgbClr val="FFC66D"/>
+                </a:solidFill>
+                <a:latin typeface="Andale Mono" charset="0"/>
+                <a:ea typeface="Andale Mono" charset="0"/>
+                <a:cs typeface="Andale Mono" charset="0"/>
+              </a:rPr>
+              <a:t>intoSyllables</a:t>
+            </a:r>
+            <a:r>
+              <a:rPr lang="en-US" sz="2000" dirty="0" smtClean="0">
+                <a:latin typeface="Andale Mono" charset="0"/>
+                <a:ea typeface="Andale Mono" charset="0"/>
+                <a:cs typeface="Andale Mono" charset="0"/>
+              </a:rPr>
+              <a:t>(word: </a:t>
+            </a:r>
+            <a:r>
+              <a:rPr lang="en-US" sz="2000" dirty="0" smtClean="0">
+                <a:solidFill>
+                  <a:srgbClr val="4E807D"/>
+                </a:solidFill>
+                <a:latin typeface="Andale Mono" charset="0"/>
+                <a:ea typeface="Andale Mono" charset="0"/>
+                <a:cs typeface="Andale Mono" charset="0"/>
+              </a:rPr>
+              <a:t>Word</a:t>
+            </a:r>
+            <a:r>
+              <a:rPr lang="en-US" sz="2000" dirty="0" smtClean="0">
+                <a:latin typeface="Andale Mono" charset="0"/>
+                <a:ea typeface="Andale Mono" charset="0"/>
+                <a:cs typeface="Andale Mono" charset="0"/>
+              </a:rPr>
+              <a:t>): </a:t>
+            </a:r>
+            <a:r>
+              <a:rPr lang="en-US" sz="2000" dirty="0" smtClean="0">
+                <a:solidFill>
+                  <a:srgbClr val="4E807D"/>
+                </a:solidFill>
+                <a:latin typeface="Andale Mono" charset="0"/>
+                <a:ea typeface="Andale Mono" charset="0"/>
+                <a:cs typeface="Andale Mono" charset="0"/>
+              </a:rPr>
+              <a:t>List</a:t>
+            </a:r>
+            <a:r>
+              <a:rPr lang="en-US" sz="2000" dirty="0" smtClean="0">
+                <a:latin typeface="Andale Mono" charset="0"/>
+                <a:ea typeface="Andale Mono" charset="0"/>
+                <a:cs typeface="Andale Mono" charset="0"/>
+              </a:rPr>
+              <a:t>[</a:t>
+            </a:r>
+            <a:r>
+              <a:rPr lang="en-US" sz="2000" dirty="0" smtClean="0">
+                <a:solidFill>
+                  <a:srgbClr val="4E807D"/>
+                </a:solidFill>
+                <a:latin typeface="Andale Mono" charset="0"/>
+                <a:ea typeface="Andale Mono" charset="0"/>
+                <a:cs typeface="Andale Mono" charset="0"/>
+              </a:rPr>
+              <a:t>Syllable</a:t>
+            </a:r>
+            <a:r>
+              <a:rPr lang="en-US" sz="2000" dirty="0" smtClean="0">
+                <a:latin typeface="Andale Mono" charset="0"/>
+                <a:ea typeface="Andale Mono" charset="0"/>
+                <a:cs typeface="Andale Mono" charset="0"/>
+              </a:rPr>
+              <a:t>]</a:t>
+            </a:r>
+            <a:br>
+              <a:rPr lang="en-US" sz="2000" dirty="0" smtClean="0">
+                <a:latin typeface="Andale Mono" charset="0"/>
+                <a:ea typeface="Andale Mono" charset="0"/>
+                <a:cs typeface="Andale Mono" charset="0"/>
+              </a:rPr>
+            </a:br>
+            <a:r>
+              <a:rPr lang="en-US" sz="2000" dirty="0" smtClean="0">
+                <a:latin typeface="Andale Mono" charset="0"/>
+                <a:ea typeface="Andale Mono" charset="0"/>
+                <a:cs typeface="Andale Mono" charset="0"/>
+              </a:rPr>
+              <a:t>}</a:t>
+            </a:r>
+          </a:p>
+          <a:p>
+            <a:endParaRPr lang="en-US" sz="2000" dirty="0" smtClean="0">
+              <a:latin typeface="Andale Mono" charset="0"/>
+              <a:ea typeface="Andale Mono" charset="0"/>
+              <a:cs typeface="Andale Mono" charset="0"/>
+            </a:endParaRPr>
+          </a:p>
+          <a:p>
+            <a:r>
+              <a:rPr lang="en-US" sz="2000" b="1" dirty="0" smtClean="0">
+                <a:solidFill>
+                  <a:srgbClr val="CC7832"/>
+                </a:solidFill>
+                <a:latin typeface="Andale Mono" charset="0"/>
+                <a:ea typeface="Andale Mono" charset="0"/>
+                <a:cs typeface="Andale Mono" charset="0"/>
+              </a:rPr>
+              <a:t>class </a:t>
+            </a:r>
+            <a:r>
+              <a:rPr lang="en-US" sz="2000" dirty="0" err="1" smtClean="0">
+                <a:latin typeface="Andale Mono" charset="0"/>
+                <a:ea typeface="Andale Mono" charset="0"/>
+                <a:cs typeface="Andale Mono" charset="0"/>
+              </a:rPr>
+              <a:t>DefaultWordDictionary</a:t>
+            </a:r>
+            <a:r>
+              <a:rPr lang="en-US" sz="2000" dirty="0" smtClean="0">
+                <a:latin typeface="Andale Mono" charset="0"/>
+                <a:ea typeface="Andale Mono" charset="0"/>
+                <a:cs typeface="Andale Mono" charset="0"/>
+              </a:rPr>
+              <a:t>(</a:t>
+            </a:r>
+          </a:p>
+          <a:p>
+            <a:r>
+              <a:rPr lang="en-US" sz="2000" dirty="0" smtClean="0">
+                <a:latin typeface="Andale Mono" charset="0"/>
+                <a:ea typeface="Andale Mono" charset="0"/>
+                <a:cs typeface="Andale Mono" charset="0"/>
+              </a:rPr>
+              <a:t>     </a:t>
+            </a:r>
+            <a:r>
+              <a:rPr lang="en-US" sz="2000" b="1" dirty="0" err="1" smtClean="0">
+                <a:solidFill>
+                  <a:srgbClr val="CC7832"/>
+                </a:solidFill>
+                <a:latin typeface="Andale Mono" charset="0"/>
+                <a:ea typeface="Andale Mono" charset="0"/>
+                <a:cs typeface="Andale Mono" charset="0"/>
+              </a:rPr>
+              <a:t>val</a:t>
+            </a:r>
+            <a:r>
+              <a:rPr lang="en-US" sz="2000" b="1" dirty="0" smtClean="0">
+                <a:solidFill>
+                  <a:srgbClr val="CC7832"/>
+                </a:solidFill>
+                <a:latin typeface="Andale Mono" charset="0"/>
+                <a:ea typeface="Andale Mono" charset="0"/>
+                <a:cs typeface="Andale Mono" charset="0"/>
+              </a:rPr>
+              <a:t> </a:t>
+            </a:r>
+            <a:r>
+              <a:rPr lang="en-US" sz="2000" dirty="0" err="1" smtClean="0">
+                <a:latin typeface="Andale Mono" charset="0"/>
+                <a:ea typeface="Andale Mono" charset="0"/>
+                <a:cs typeface="Andale Mono" charset="0"/>
+              </a:rPr>
+              <a:t>lang</a:t>
+            </a:r>
+            <a:r>
+              <a:rPr lang="en-US" sz="2000" dirty="0" smtClean="0">
+                <a:latin typeface="Andale Mono" charset="0"/>
+                <a:ea typeface="Andale Mono" charset="0"/>
+                <a:cs typeface="Andale Mono" charset="0"/>
+              </a:rPr>
+              <a:t>: </a:t>
+            </a:r>
+            <a:r>
+              <a:rPr lang="en-US" sz="2000" dirty="0" smtClean="0">
+                <a:solidFill>
+                  <a:srgbClr val="4E807D"/>
+                </a:solidFill>
+                <a:latin typeface="Andale Mono" charset="0"/>
+                <a:ea typeface="Andale Mono" charset="0"/>
+                <a:cs typeface="Andale Mono" charset="0"/>
+              </a:rPr>
+              <a:t>Lang</a:t>
+            </a:r>
+            <a:r>
+              <a:rPr lang="en-US" sz="2000" dirty="0" smtClean="0">
+                <a:solidFill>
+                  <a:srgbClr val="CC7832"/>
+                </a:solidFill>
+                <a:latin typeface="Andale Mono" charset="0"/>
+                <a:ea typeface="Andale Mono" charset="0"/>
+                <a:cs typeface="Andale Mono" charset="0"/>
+              </a:rPr>
+              <a:t>,</a:t>
+            </a:r>
+          </a:p>
+          <a:p>
+            <a:r>
+              <a:rPr lang="en-US" sz="2000" b="1" dirty="0" smtClean="0">
+                <a:solidFill>
+                  <a:srgbClr val="CC7832"/>
+                </a:solidFill>
+                <a:latin typeface="Andale Mono" charset="0"/>
+                <a:ea typeface="Andale Mono" charset="0"/>
+                <a:cs typeface="Andale Mono" charset="0"/>
+              </a:rPr>
+              <a:t>     private </a:t>
+            </a:r>
+            <a:r>
+              <a:rPr lang="en-US" sz="2000" b="1" dirty="0" err="1" smtClean="0">
+                <a:solidFill>
+                  <a:srgbClr val="CC7832"/>
+                </a:solidFill>
+                <a:latin typeface="Andale Mono" charset="0"/>
+                <a:ea typeface="Andale Mono" charset="0"/>
+                <a:cs typeface="Andale Mono" charset="0"/>
+              </a:rPr>
+              <a:t>val</a:t>
+            </a:r>
+            <a:r>
+              <a:rPr lang="en-US" sz="2000" b="1" dirty="0" smtClean="0">
+                <a:solidFill>
+                  <a:srgbClr val="CC7832"/>
+                </a:solidFill>
+                <a:latin typeface="Andale Mono" charset="0"/>
+                <a:ea typeface="Andale Mono" charset="0"/>
+                <a:cs typeface="Andale Mono" charset="0"/>
+              </a:rPr>
+              <a:t> </a:t>
+            </a:r>
+            <a:r>
+              <a:rPr lang="en-US" sz="2000" dirty="0" smtClean="0">
+                <a:latin typeface="Andale Mono" charset="0"/>
+                <a:ea typeface="Andale Mono" charset="0"/>
+                <a:cs typeface="Andale Mono" charset="0"/>
+              </a:rPr>
+              <a:t>definitions: </a:t>
+            </a:r>
+            <a:r>
+              <a:rPr lang="en-US" sz="2000" dirty="0" smtClean="0">
+                <a:solidFill>
+                  <a:srgbClr val="4E807D"/>
+                </a:solidFill>
+                <a:latin typeface="Andale Mono" charset="0"/>
+                <a:ea typeface="Andale Mono" charset="0"/>
+                <a:cs typeface="Andale Mono" charset="0"/>
+              </a:rPr>
+              <a:t>Map</a:t>
+            </a:r>
+            <a:r>
+              <a:rPr lang="en-US" sz="2000" dirty="0" smtClean="0">
+                <a:latin typeface="Andale Mono" charset="0"/>
+                <a:ea typeface="Andale Mono" charset="0"/>
+                <a:cs typeface="Andale Mono" charset="0"/>
+              </a:rPr>
+              <a:t>[</a:t>
+            </a:r>
+            <a:r>
+              <a:rPr lang="en-US" sz="2000" dirty="0" smtClean="0">
+                <a:solidFill>
+                  <a:srgbClr val="4E807D"/>
+                </a:solidFill>
+                <a:latin typeface="Andale Mono" charset="0"/>
+                <a:ea typeface="Andale Mono" charset="0"/>
+                <a:cs typeface="Andale Mono" charset="0"/>
+              </a:rPr>
+              <a:t>Word</a:t>
+            </a:r>
+            <a:r>
+              <a:rPr lang="en-US" sz="2000" dirty="0" smtClean="0">
+                <a:solidFill>
+                  <a:srgbClr val="CC7832"/>
+                </a:solidFill>
+                <a:latin typeface="Andale Mono" charset="0"/>
+                <a:ea typeface="Andale Mono" charset="0"/>
+                <a:cs typeface="Andale Mono" charset="0"/>
+              </a:rPr>
+              <a:t>, </a:t>
+            </a:r>
+            <a:r>
+              <a:rPr lang="en-US" sz="2000" dirty="0" smtClean="0">
+                <a:solidFill>
+                  <a:srgbClr val="4E807D"/>
+                </a:solidFill>
+                <a:latin typeface="Andale Mono" charset="0"/>
+                <a:ea typeface="Andale Mono" charset="0"/>
+                <a:cs typeface="Andale Mono" charset="0"/>
+              </a:rPr>
+              <a:t>Definition</a:t>
+            </a:r>
+            <a:r>
+              <a:rPr lang="en-US" sz="2000" dirty="0" smtClean="0">
+                <a:latin typeface="Andale Mono" charset="0"/>
+                <a:ea typeface="Andale Mono" charset="0"/>
+                <a:cs typeface="Andale Mono" charset="0"/>
+              </a:rPr>
+              <a:t>]</a:t>
+            </a:r>
+          </a:p>
+          <a:p>
+            <a:r>
+              <a:rPr lang="en-US" sz="2000" dirty="0" smtClean="0">
+                <a:latin typeface="Andale Mono" charset="0"/>
+                <a:ea typeface="Andale Mono" charset="0"/>
+                <a:cs typeface="Andale Mono" charset="0"/>
+              </a:rPr>
+              <a:t> ) </a:t>
+            </a:r>
+            <a:r>
+              <a:rPr lang="en-US" sz="2000" b="1" dirty="0" smtClean="0">
+                <a:solidFill>
+                  <a:srgbClr val="CC7832"/>
+                </a:solidFill>
+                <a:latin typeface="Andale Mono" charset="0"/>
+                <a:ea typeface="Andale Mono" charset="0"/>
+                <a:cs typeface="Andale Mono" charset="0"/>
+              </a:rPr>
+              <a:t>extends </a:t>
+            </a:r>
+            <a:r>
+              <a:rPr lang="en-US" sz="2000" dirty="0" err="1" smtClean="0">
+                <a:latin typeface="Andale Mono" charset="0"/>
+                <a:ea typeface="Andale Mono" charset="0"/>
+                <a:cs typeface="Andale Mono" charset="0"/>
+              </a:rPr>
+              <a:t>WordDictionary</a:t>
+            </a:r>
+            <a:r>
+              <a:rPr lang="en-US" sz="2000" dirty="0" smtClean="0">
+                <a:latin typeface="Andale Mono" charset="0"/>
+                <a:ea typeface="Andale Mono" charset="0"/>
+                <a:cs typeface="Andale Mono" charset="0"/>
+              </a:rPr>
+              <a:t> {</a:t>
+            </a:r>
+            <a:br>
+              <a:rPr lang="en-US" sz="2000" dirty="0" smtClean="0">
+                <a:latin typeface="Andale Mono" charset="0"/>
+                <a:ea typeface="Andale Mono" charset="0"/>
+                <a:cs typeface="Andale Mono" charset="0"/>
+              </a:rPr>
+            </a:br>
+            <a:r>
+              <a:rPr lang="en-US" dirty="0" smtClean="0">
+                <a:latin typeface="Andale Mono" charset="0"/>
+                <a:ea typeface="Andale Mono" charset="0"/>
+                <a:cs typeface="Andale Mono" charset="0"/>
+              </a:rPr>
+              <a:t/>
+            </a:r>
+            <a:br>
+              <a:rPr lang="en-US" dirty="0" smtClean="0">
+                <a:latin typeface="Andale Mono" charset="0"/>
+                <a:ea typeface="Andale Mono" charset="0"/>
+                <a:cs typeface="Andale Mono" charset="0"/>
+              </a:rPr>
+            </a:br>
+            <a:r>
+              <a:rPr lang="en-US" sz="1800" dirty="0" smtClean="0">
+                <a:latin typeface="Andale Mono" charset="0"/>
+                <a:ea typeface="Andale Mono" charset="0"/>
+                <a:cs typeface="Andale Mono" charset="0"/>
+              </a:rPr>
+              <a:t>  </a:t>
+            </a:r>
+            <a:r>
+              <a:rPr lang="en-US" sz="1800" b="1" dirty="0" err="1" smtClean="0">
+                <a:solidFill>
+                  <a:srgbClr val="CC7832"/>
+                </a:solidFill>
+                <a:latin typeface="Andale Mono" charset="0"/>
+                <a:ea typeface="Andale Mono" charset="0"/>
+                <a:cs typeface="Andale Mono" charset="0"/>
+              </a:rPr>
+              <a:t>def</a:t>
+            </a:r>
+            <a:r>
+              <a:rPr lang="en-US" sz="1800" b="1" dirty="0" smtClean="0">
+                <a:solidFill>
+                  <a:srgbClr val="CC7832"/>
+                </a:solidFill>
+                <a:latin typeface="Andale Mono" charset="0"/>
+                <a:ea typeface="Andale Mono" charset="0"/>
+                <a:cs typeface="Andale Mono" charset="0"/>
+              </a:rPr>
+              <a:t> </a:t>
+            </a:r>
+            <a:r>
+              <a:rPr lang="en-US" sz="1800" dirty="0" err="1" smtClean="0">
+                <a:solidFill>
+                  <a:srgbClr val="FFC66D"/>
+                </a:solidFill>
+                <a:latin typeface="Andale Mono" charset="0"/>
+                <a:ea typeface="Andale Mono" charset="0"/>
+                <a:cs typeface="Andale Mono" charset="0"/>
+              </a:rPr>
+              <a:t>hasWord</a:t>
+            </a:r>
+            <a:r>
+              <a:rPr lang="en-US" sz="1800" dirty="0" smtClean="0">
+                <a:latin typeface="Andale Mono" charset="0"/>
+                <a:ea typeface="Andale Mono" charset="0"/>
+                <a:cs typeface="Andale Mono" charset="0"/>
+              </a:rPr>
+              <a:t>(word: </a:t>
+            </a:r>
+            <a:r>
+              <a:rPr lang="en-US" sz="1800" dirty="0" smtClean="0">
+                <a:solidFill>
+                  <a:srgbClr val="4E807D"/>
+                </a:solidFill>
+                <a:latin typeface="Andale Mono" charset="0"/>
+                <a:ea typeface="Andale Mono" charset="0"/>
+                <a:cs typeface="Andale Mono" charset="0"/>
+              </a:rPr>
+              <a:t>Word</a:t>
+            </a:r>
+            <a:r>
+              <a:rPr lang="en-US" sz="1800" dirty="0" smtClean="0">
+                <a:latin typeface="Andale Mono" charset="0"/>
+                <a:ea typeface="Andale Mono" charset="0"/>
+                <a:cs typeface="Andale Mono" charset="0"/>
+              </a:rPr>
+              <a:t>): </a:t>
+            </a:r>
+            <a:r>
+              <a:rPr lang="en-US" sz="1800" dirty="0" smtClean="0">
+                <a:solidFill>
+                  <a:srgbClr val="CC7832"/>
+                </a:solidFill>
+                <a:latin typeface="Andale Mono" charset="0"/>
+                <a:ea typeface="Andale Mono" charset="0"/>
+                <a:cs typeface="Andale Mono" charset="0"/>
+              </a:rPr>
+              <a:t>Boolean </a:t>
+            </a:r>
+            <a:r>
+              <a:rPr lang="en-US" sz="1800" dirty="0" smtClean="0">
+                <a:latin typeface="Andale Mono" charset="0"/>
+                <a:ea typeface="Andale Mono" charset="0"/>
+                <a:cs typeface="Andale Mono" charset="0"/>
+              </a:rPr>
+              <a:t>= ???</a:t>
+            </a:r>
+            <a:br>
+              <a:rPr lang="en-US" sz="1800" dirty="0" smtClean="0">
+                <a:latin typeface="Andale Mono" charset="0"/>
+                <a:ea typeface="Andale Mono" charset="0"/>
+                <a:cs typeface="Andale Mono" charset="0"/>
+              </a:rPr>
+            </a:br>
+            <a:r>
+              <a:rPr lang="en-US" sz="1800" dirty="0" smtClean="0">
+                <a:latin typeface="Andale Mono" charset="0"/>
+                <a:ea typeface="Andale Mono" charset="0"/>
+                <a:cs typeface="Andale Mono" charset="0"/>
+              </a:rPr>
+              <a:t>  </a:t>
+            </a:r>
+            <a:r>
+              <a:rPr lang="en-US" sz="1800" b="1" dirty="0" err="1" smtClean="0">
+                <a:solidFill>
+                  <a:srgbClr val="CC7832"/>
+                </a:solidFill>
+                <a:latin typeface="Andale Mono" charset="0"/>
+                <a:ea typeface="Andale Mono" charset="0"/>
+                <a:cs typeface="Andale Mono" charset="0"/>
+              </a:rPr>
+              <a:t>def</a:t>
+            </a:r>
+            <a:r>
+              <a:rPr lang="en-US" sz="1800" b="1" dirty="0" smtClean="0">
+                <a:solidFill>
+                  <a:srgbClr val="CC7832"/>
+                </a:solidFill>
+                <a:latin typeface="Andale Mono" charset="0"/>
+                <a:ea typeface="Andale Mono" charset="0"/>
+                <a:cs typeface="Andale Mono" charset="0"/>
+              </a:rPr>
+              <a:t> </a:t>
+            </a:r>
+            <a:r>
+              <a:rPr lang="en-US" sz="1800" dirty="0" smtClean="0">
+                <a:solidFill>
+                  <a:srgbClr val="FFC66D"/>
+                </a:solidFill>
+                <a:latin typeface="Andale Mono" charset="0"/>
+                <a:ea typeface="Andale Mono" charset="0"/>
+                <a:cs typeface="Andale Mono" charset="0"/>
+              </a:rPr>
+              <a:t>definition</a:t>
+            </a:r>
+            <a:r>
+              <a:rPr lang="en-US" sz="1800" dirty="0" smtClean="0">
+                <a:latin typeface="Andale Mono" charset="0"/>
+                <a:ea typeface="Andale Mono" charset="0"/>
+                <a:cs typeface="Andale Mono" charset="0"/>
+              </a:rPr>
+              <a:t>(word: </a:t>
+            </a:r>
+            <a:r>
+              <a:rPr lang="en-US" sz="1800" dirty="0" smtClean="0">
+                <a:solidFill>
+                  <a:srgbClr val="4E807D"/>
+                </a:solidFill>
+                <a:latin typeface="Andale Mono" charset="0"/>
+                <a:ea typeface="Andale Mono" charset="0"/>
+                <a:cs typeface="Andale Mono" charset="0"/>
+              </a:rPr>
+              <a:t>Word</a:t>
+            </a:r>
+            <a:r>
+              <a:rPr lang="en-US" sz="1800" dirty="0" smtClean="0">
+                <a:latin typeface="Andale Mono" charset="0"/>
+                <a:ea typeface="Andale Mono" charset="0"/>
+                <a:cs typeface="Andale Mono" charset="0"/>
+              </a:rPr>
+              <a:t>): Option[</a:t>
+            </a:r>
+            <a:r>
+              <a:rPr lang="en-US" sz="1800" dirty="0" smtClean="0">
+                <a:solidFill>
+                  <a:srgbClr val="4E807D"/>
+                </a:solidFill>
+                <a:latin typeface="Andale Mono" charset="0"/>
+                <a:ea typeface="Andale Mono" charset="0"/>
+                <a:cs typeface="Andale Mono" charset="0"/>
+              </a:rPr>
+              <a:t>Definition</a:t>
+            </a:r>
+            <a:r>
+              <a:rPr lang="en-US" sz="1800" dirty="0" smtClean="0">
+                <a:latin typeface="Andale Mono" charset="0"/>
+                <a:ea typeface="Andale Mono" charset="0"/>
+                <a:cs typeface="Andale Mono" charset="0"/>
+              </a:rPr>
+              <a:t>] = ???</a:t>
+            </a:r>
+            <a:br>
+              <a:rPr lang="en-US" sz="1800" dirty="0" smtClean="0">
+                <a:latin typeface="Andale Mono" charset="0"/>
+                <a:ea typeface="Andale Mono" charset="0"/>
+                <a:cs typeface="Andale Mono" charset="0"/>
+              </a:rPr>
+            </a:br>
+            <a:r>
+              <a:rPr lang="en-US" sz="1800" dirty="0" smtClean="0">
+                <a:latin typeface="Andale Mono" charset="0"/>
+                <a:ea typeface="Andale Mono" charset="0"/>
+                <a:cs typeface="Andale Mono" charset="0"/>
+              </a:rPr>
+              <a:t>  </a:t>
+            </a:r>
+            <a:r>
+              <a:rPr lang="en-US" sz="1800" b="1" dirty="0" err="1" smtClean="0">
+                <a:solidFill>
+                  <a:srgbClr val="CC7832"/>
+                </a:solidFill>
+                <a:latin typeface="Andale Mono" charset="0"/>
+                <a:ea typeface="Andale Mono" charset="0"/>
+                <a:cs typeface="Andale Mono" charset="0"/>
+              </a:rPr>
+              <a:t>def</a:t>
+            </a:r>
+            <a:r>
+              <a:rPr lang="en-US" sz="1800" b="1" dirty="0" smtClean="0">
+                <a:solidFill>
+                  <a:srgbClr val="CC7832"/>
+                </a:solidFill>
+                <a:latin typeface="Andale Mono" charset="0"/>
+                <a:ea typeface="Andale Mono" charset="0"/>
+                <a:cs typeface="Andale Mono" charset="0"/>
+              </a:rPr>
+              <a:t> </a:t>
+            </a:r>
+            <a:r>
+              <a:rPr lang="en-US" sz="1800" dirty="0" err="1" smtClean="0">
+                <a:solidFill>
+                  <a:srgbClr val="FFC66D"/>
+                </a:solidFill>
+                <a:latin typeface="Andale Mono" charset="0"/>
+                <a:ea typeface="Andale Mono" charset="0"/>
+                <a:cs typeface="Andale Mono" charset="0"/>
+              </a:rPr>
+              <a:t>intoSyllables</a:t>
+            </a:r>
+            <a:r>
+              <a:rPr lang="en-US" sz="1800" dirty="0" smtClean="0">
+                <a:latin typeface="Andale Mono" charset="0"/>
+                <a:ea typeface="Andale Mono" charset="0"/>
+                <a:cs typeface="Andale Mono" charset="0"/>
+              </a:rPr>
+              <a:t>(word: </a:t>
+            </a:r>
+            <a:r>
+              <a:rPr lang="en-US" sz="1800" dirty="0" smtClean="0">
+                <a:solidFill>
+                  <a:srgbClr val="4E807D"/>
+                </a:solidFill>
+                <a:latin typeface="Andale Mono" charset="0"/>
+                <a:ea typeface="Andale Mono" charset="0"/>
+                <a:cs typeface="Andale Mono" charset="0"/>
+              </a:rPr>
+              <a:t>Word</a:t>
+            </a:r>
+            <a:r>
+              <a:rPr lang="en-US" sz="1800" dirty="0" smtClean="0">
+                <a:latin typeface="Andale Mono" charset="0"/>
+                <a:ea typeface="Andale Mono" charset="0"/>
+                <a:cs typeface="Andale Mono" charset="0"/>
+              </a:rPr>
+              <a:t>): </a:t>
+            </a:r>
+            <a:r>
+              <a:rPr lang="en-US" sz="1800" dirty="0" smtClean="0">
+                <a:solidFill>
+                  <a:srgbClr val="4E807D"/>
+                </a:solidFill>
+                <a:latin typeface="Andale Mono" charset="0"/>
+                <a:ea typeface="Andale Mono" charset="0"/>
+                <a:cs typeface="Andale Mono" charset="0"/>
+              </a:rPr>
+              <a:t>List</a:t>
+            </a:r>
+            <a:r>
+              <a:rPr lang="en-US" sz="1800" dirty="0" smtClean="0">
+                <a:latin typeface="Andale Mono" charset="0"/>
+                <a:ea typeface="Andale Mono" charset="0"/>
+                <a:cs typeface="Andale Mono" charset="0"/>
+              </a:rPr>
+              <a:t>[</a:t>
+            </a:r>
+            <a:r>
+              <a:rPr lang="en-US" sz="1800" dirty="0" smtClean="0">
+                <a:solidFill>
+                  <a:srgbClr val="4E807D"/>
+                </a:solidFill>
+                <a:latin typeface="Andale Mono" charset="0"/>
+                <a:ea typeface="Andale Mono" charset="0"/>
+                <a:cs typeface="Andale Mono" charset="0"/>
+              </a:rPr>
+              <a:t>Syllable</a:t>
+            </a:r>
+            <a:r>
+              <a:rPr lang="en-US" sz="1800" dirty="0" smtClean="0">
+                <a:latin typeface="Andale Mono" charset="0"/>
+                <a:ea typeface="Andale Mono" charset="0"/>
+                <a:cs typeface="Andale Mono" charset="0"/>
+              </a:rPr>
+              <a:t>] = ???</a:t>
+            </a:r>
+            <a:br>
+              <a:rPr lang="en-US" sz="1800" dirty="0" smtClean="0">
+                <a:latin typeface="Andale Mono" charset="0"/>
+                <a:ea typeface="Andale Mono" charset="0"/>
+                <a:cs typeface="Andale Mono" charset="0"/>
+              </a:rPr>
+            </a:br>
+            <a:r>
+              <a:rPr lang="en-US" dirty="0" smtClean="0">
+                <a:latin typeface="Andale Mono" charset="0"/>
+                <a:ea typeface="Andale Mono" charset="0"/>
+                <a:cs typeface="Andale Mono" charset="0"/>
+              </a:rPr>
+              <a:t>}</a:t>
+            </a:r>
+            <a:br>
+              <a:rPr lang="en-US" dirty="0" smtClean="0">
+                <a:latin typeface="Andale Mono" charset="0"/>
+                <a:ea typeface="Andale Mono" charset="0"/>
+                <a:cs typeface="Andale Mono" charset="0"/>
+              </a:rPr>
+            </a:br>
+            <a:r>
+              <a:rPr lang="en-US" dirty="0" smtClean="0">
+                <a:latin typeface="Andale Mono" charset="0"/>
+                <a:ea typeface="Andale Mono" charset="0"/>
+                <a:cs typeface="Andale Mono" charset="0"/>
+              </a:rPr>
+              <a:t/>
+            </a:r>
+            <a:br>
+              <a:rPr lang="en-US" dirty="0" smtClean="0">
+                <a:latin typeface="Andale Mono" charset="0"/>
+                <a:ea typeface="Andale Mono" charset="0"/>
+                <a:cs typeface="Andale Mono" charset="0"/>
+              </a:rPr>
+            </a:br>
+            <a:endParaRPr lang="en-US" dirty="0">
+              <a:latin typeface="Andale Mono" charset="0"/>
+              <a:ea typeface="Andale Mono" charset="0"/>
+              <a:cs typeface="Andale Mono" charset="0"/>
+            </a:endParaRPr>
+          </a:p>
+        </p:txBody>
+      </p:sp>
+    </p:spTree>
+    <p:extLst>
+      <p:ext uri="{BB962C8B-B14F-4D97-AF65-F5344CB8AC3E}">
+        <p14:creationId xmlns:p14="http://schemas.microsoft.com/office/powerpoint/2010/main" val="267131620"/>
+      </p:ext>
+    </p:extLst>
+  </p:cSld>
+  <p:clrMapOvr>
+    <a:masterClrMapping/>
+  </p:clrMapOvr>
+  <p:timing>
+    <p:tnLst>
+      <p:par>
+        <p:cTn id="1" dur="indefinite" restart="never" nodeType="tmRoot"/>
+      </p:par>
+    </p:tnLst>
+  </p:timing>
+</p:sld>
+</file>
+
+<file path=ppt/slides/slide14.xml><?xml version="1.0" encoding="utf-8"?>
 <p:sld xmlns:a="http://schemas.openxmlformats.org/drawingml/2006/main" xmlns:r="http://schemas.openxmlformats.org/officeDocument/2006/relationships" xmlns:p="http://schemas.openxmlformats.org/presentationml/2006/main">
   <p:cSld name="Slide84">
     <p:spTree>
@@ -7192,7 +9181,7 @@
 </p:sld>
 </file>
 
-<file path=ppt/slides/slide13.xml><?xml version="1.0" encoding="utf-8"?>
+<file path=ppt/slides/slide15.xml><?xml version="1.0" encoding="utf-8"?>
 <p:sld xmlns:a="http://schemas.openxmlformats.org/drawingml/2006/main" xmlns:r="http://schemas.openxmlformats.org/officeDocument/2006/relationships" xmlns:p="http://schemas.openxmlformats.org/presentationml/2006/main">
   <p:cSld name="Slide25">
     <p:spTree>
@@ -7396,86 +9385,6 @@
         </p:txBody>
       </p:sp>
     </p:spTree>
-  </p:cSld>
-  <p:clrMapOvr>
-    <a:masterClrMapping/>
-  </p:clrMapOvr>
-</p:sld>
-</file>
-
-<file path=ppt/slides/slide14.xml><?xml version="1.0" encoding="utf-8"?>
-<p:sld xmlns:a="http://schemas.openxmlformats.org/drawingml/2006/main" xmlns:r="http://schemas.openxmlformats.org/officeDocument/2006/relationships" xmlns:p="http://schemas.openxmlformats.org/presentationml/2006/main">
-  <p:cSld>
-    <p:spTree>
-      <p:nvGrpSpPr>
-        <p:cNvPr id="1" name=""/>
-        <p:cNvGrpSpPr/>
-        <p:nvPr/>
-      </p:nvGrpSpPr>
-      <p:grpSpPr>
-        <a:xfrm>
-          <a:off x="0" y="0"/>
-          <a:ext cx="0" cy="0"/>
-          <a:chOff x="0" y="0"/>
-          <a:chExt cx="0" cy="0"/>
-        </a:xfrm>
-      </p:grpSpPr>
-      <p:sp>
-        <p:nvSpPr>
-          <p:cNvPr id="2" name="Title 5">
-            <a:extLst>
-              <a:ext uri="{FF2B5EF4-FFF2-40B4-BE49-F238E27FC236}">
-                <a16:creationId xmlns:a16="http://schemas.microsoft.com/office/drawing/2014/main" xmlns="" id="{7900ACDE-C559-44BB-A95E-7492D895082D}"/>
-              </a:ext>
-            </a:extLst>
-          </p:cNvPr>
-          <p:cNvSpPr txBox="1">
-            <a:spLocks noGrp="1"/>
-          </p:cNvSpPr>
-          <p:nvPr>
-            <p:ph type="title"/>
-          </p:nvPr>
-        </p:nvSpPr>
-        <p:spPr>
-          <a:xfrm>
-            <a:off x="596902" y="584201"/>
-            <a:ext cx="10510835" cy="1017590"/>
-          </a:xfrm>
-        </p:spPr>
-        <p:txBody>
-          <a:bodyPr/>
-          <a:lstStyle/>
-          <a:p>
-            <a:pPr lvl="0"/>
-            <a:r>
-              <a:rPr lang="en-GB" dirty="0"/>
-              <a:t>Heading Sky text medium 28pt </a:t>
-            </a:r>
-            <a:br>
-              <a:rPr lang="en-GB" dirty="0"/>
-            </a:br>
-            <a:r>
-              <a:rPr lang="en-GB" sz="2000" dirty="0">
-                <a:solidFill>
-                  <a:srgbClr val="000000"/>
-                </a:solidFill>
-              </a:rPr>
-              <a:t>Sub header Sky text medium 20pt</a:t>
-            </a:r>
-            <a:endParaRPr lang="en-US" sz="2000" dirty="0">
-              <a:solidFill>
-                <a:srgbClr val="000000"/>
-              </a:solidFill>
-            </a:endParaRPr>
-          </a:p>
-        </p:txBody>
-      </p:sp>
-    </p:spTree>
-    <p:extLst>
-      <p:ext uri="{BB962C8B-B14F-4D97-AF65-F5344CB8AC3E}">
-        <p14:creationId xmlns:p14="http://schemas.microsoft.com/office/powerpoint/2010/main" val="390491024"/>
-      </p:ext>
-    </p:extLst>
   </p:cSld>
   <p:clrMapOvr>
     <a:masterClrMapping/>

--- a/docs/diy-continuations.pptx
+++ b/docs/diy-continuations.pptx
@@ -5,10 +5,10 @@
     <p:sldMasterId id="2147483648" r:id="rId1"/>
   </p:sldMasterIdLst>
   <p:notesMasterIdLst>
-    <p:notesMasterId r:id="rId25"/>
+    <p:notesMasterId r:id="rId26"/>
   </p:notesMasterIdLst>
   <p:handoutMasterIdLst>
-    <p:handoutMasterId r:id="rId26"/>
+    <p:handoutMasterId r:id="rId27"/>
   </p:handoutMasterIdLst>
   <p:sldIdLst>
     <p:sldId id="259" r:id="rId2"/>
@@ -29,11 +29,12 @@
     <p:sldId id="361" r:id="rId17"/>
     <p:sldId id="364" r:id="rId18"/>
     <p:sldId id="362" r:id="rId19"/>
-    <p:sldId id="355" r:id="rId20"/>
-    <p:sldId id="343" r:id="rId21"/>
-    <p:sldId id="354" r:id="rId22"/>
-    <p:sldId id="339" r:id="rId23"/>
-    <p:sldId id="280" r:id="rId24"/>
+    <p:sldId id="365" r:id="rId20"/>
+    <p:sldId id="355" r:id="rId21"/>
+    <p:sldId id="343" r:id="rId22"/>
+    <p:sldId id="354" r:id="rId23"/>
+    <p:sldId id="339" r:id="rId24"/>
+    <p:sldId id="280" r:id="rId25"/>
   </p:sldIdLst>
   <p:sldSz cx="11704638" cy="6583363"/>
   <p:notesSz cx="6797675" cy="9928225"/>
@@ -2568,7 +2569,90 @@
             </a:r>
             <a:r>
               <a:rPr lang="en-US" baseline="0" dirty="0" smtClean="0"/>
-              <a:t>.</a:t>
+              <a:t> </a:t>
+            </a:r>
+            <a:r>
+              <a:rPr lang="en-US" baseline="0" dirty="0" err="1" smtClean="0"/>
+              <a:t>almos</a:t>
+            </a:r>
+            <a:r>
+              <a:rPr lang="en-US" baseline="0" dirty="0" smtClean="0"/>
+              <a:t> true </a:t>
+            </a:r>
+            <a:r>
+              <a:rPr lang="en-US" baseline="0" dirty="0" smtClean="0">
+                <a:sym typeface="Wingdings"/>
+              </a:rPr>
+              <a:t></a:t>
+            </a:r>
+          </a:p>
+          <a:p>
+            <a:pPr marL="0" marR="0" indent="0" algn="l" defTabSz="914400" rtl="0" eaLnBrk="1" fontAlgn="auto" latinLnBrk="0" hangingPunct="1">
+              <a:lnSpc>
+                <a:spcPct val="100000"/>
+              </a:lnSpc>
+              <a:spcBef>
+                <a:spcPts val="0"/>
+              </a:spcBef>
+              <a:spcAft>
+                <a:spcPts val="0"/>
+              </a:spcAft>
+              <a:buClrTx/>
+              <a:buSzTx/>
+              <a:buFontTx/>
+              <a:buNone/>
+              <a:tabLst/>
+              <a:defRPr/>
+            </a:pPr>
+            <a:endParaRPr lang="en-US" baseline="0" dirty="0" smtClean="0">
+              <a:sym typeface="Wingdings"/>
+            </a:endParaRPr>
+          </a:p>
+          <a:p>
+            <a:pPr marL="0" marR="0" indent="0" algn="l" defTabSz="914400" rtl="0" eaLnBrk="1" fontAlgn="auto" latinLnBrk="0" hangingPunct="1">
+              <a:lnSpc>
+                <a:spcPct val="100000"/>
+              </a:lnSpc>
+              <a:spcBef>
+                <a:spcPts val="0"/>
+              </a:spcBef>
+              <a:spcAft>
+                <a:spcPts val="0"/>
+              </a:spcAft>
+              <a:buClrTx/>
+              <a:buSzTx/>
+              <a:buFontTx/>
+              <a:buNone/>
+              <a:tabLst/>
+              <a:defRPr/>
+            </a:pPr>
+            <a:endParaRPr lang="en-US" baseline="0" dirty="0" smtClean="0">
+              <a:sym typeface="Wingdings"/>
+            </a:endParaRPr>
+          </a:p>
+          <a:p>
+            <a:pPr marL="0" marR="0" indent="0" algn="l" defTabSz="914400" rtl="0" eaLnBrk="1" fontAlgn="auto" latinLnBrk="0" hangingPunct="1">
+              <a:lnSpc>
+                <a:spcPct val="100000"/>
+              </a:lnSpc>
+              <a:spcBef>
+                <a:spcPts val="0"/>
+              </a:spcBef>
+              <a:spcAft>
+                <a:spcPts val="0"/>
+              </a:spcAft>
+              <a:buClrTx/>
+              <a:buSzTx/>
+              <a:buFontTx/>
+              <a:buNone/>
+              <a:tabLst/>
+              <a:defRPr/>
+            </a:pPr>
+            <a:r>
+              <a:rPr lang="en-US" baseline="0" dirty="0" smtClean="0">
+                <a:sym typeface="Wingdings"/>
+              </a:rPr>
+              <a:t>But the code is pretty UGLY and difficult to read!!</a:t>
             </a:r>
             <a:endParaRPr lang="en-US" dirty="0" smtClean="0"/>
           </a:p>
@@ -2684,97 +2768,12 @@
             </a:pPr>
             <a:r>
               <a:rPr lang="en-US" dirty="0" smtClean="0"/>
-              <a:t>every</a:t>
+              <a:t>Play with the signature</a:t>
             </a:r>
             <a:r>
               <a:rPr lang="en-US" baseline="0" dirty="0" smtClean="0"/>
-              <a:t> function takes an extra argument in respect of their direct style, this argument is the continuation.</a:t>
-            </a:r>
-          </a:p>
-          <a:p>
-            <a:pPr marL="0" marR="0" indent="0" algn="l" defTabSz="914400" rtl="0" eaLnBrk="1" fontAlgn="auto" latinLnBrk="0" hangingPunct="1">
-              <a:lnSpc>
-                <a:spcPct val="100000"/>
-              </a:lnSpc>
-              <a:spcBef>
-                <a:spcPts val="0"/>
-              </a:spcBef>
-              <a:spcAft>
-                <a:spcPts val="0"/>
-              </a:spcAft>
-              <a:buClrTx/>
-              <a:buSzTx/>
-              <a:buFontTx/>
-              <a:buNone/>
-              <a:tabLst/>
-              <a:defRPr/>
-            </a:pPr>
-            <a:r>
-              <a:rPr lang="en-US" baseline="0" dirty="0" smtClean="0"/>
-              <a:t>Every function doesn’t return a value explicitly but rather call the continuation.</a:t>
-            </a:r>
-          </a:p>
-          <a:p>
-            <a:pPr marL="0" marR="0" indent="0" algn="l" defTabSz="914400" rtl="0" eaLnBrk="1" fontAlgn="auto" latinLnBrk="0" hangingPunct="1">
-              <a:lnSpc>
-                <a:spcPct val="100000"/>
-              </a:lnSpc>
-              <a:spcBef>
-                <a:spcPts val="0"/>
-              </a:spcBef>
-              <a:spcAft>
-                <a:spcPts val="0"/>
-              </a:spcAft>
-              <a:buClrTx/>
-              <a:buSzTx/>
-              <a:buFontTx/>
-              <a:buNone/>
-              <a:tabLst/>
-              <a:defRPr/>
-            </a:pPr>
-            <a:endParaRPr lang="en-US" baseline="0" dirty="0" smtClean="0"/>
-          </a:p>
-          <a:p>
-            <a:pPr marL="0" marR="0" indent="0" algn="l" defTabSz="914400" rtl="0" eaLnBrk="1" fontAlgn="auto" latinLnBrk="0" hangingPunct="1">
-              <a:lnSpc>
-                <a:spcPct val="100000"/>
-              </a:lnSpc>
-              <a:spcBef>
-                <a:spcPts val="0"/>
-              </a:spcBef>
-              <a:spcAft>
-                <a:spcPts val="0"/>
-              </a:spcAft>
-              <a:buClrTx/>
-              <a:buSzTx/>
-              <a:buFontTx/>
-              <a:buNone/>
-              <a:tabLst/>
-              <a:defRPr/>
-            </a:pPr>
-            <a:r>
-              <a:rPr lang="en-US" baseline="0" dirty="0" smtClean="0"/>
-              <a:t>Turning inside out our world. Or better Turning outside in</a:t>
-            </a:r>
-          </a:p>
-          <a:p>
-            <a:pPr marL="0" marR="0" indent="0" algn="l" defTabSz="914400" rtl="0" eaLnBrk="1" fontAlgn="auto" latinLnBrk="0" hangingPunct="1">
-              <a:lnSpc>
-                <a:spcPct val="100000"/>
-              </a:lnSpc>
-              <a:spcBef>
-                <a:spcPts val="0"/>
-              </a:spcBef>
-              <a:spcAft>
-                <a:spcPts val="0"/>
-              </a:spcAft>
-              <a:buClrTx/>
-              <a:buSzTx/>
-              <a:buFontTx/>
-              <a:buNone/>
-              <a:tabLst/>
-              <a:defRPr/>
-            </a:pPr>
+              <a:t> and move the continuation outside the argument of our function.</a:t>
+            </a:r>
             <a:endParaRPr lang="en-US" dirty="0" smtClean="0"/>
           </a:p>
           <a:p>
@@ -2811,7 +2810,7 @@
     </p:spTree>
     <p:extLst>
       <p:ext uri="{BB962C8B-B14F-4D97-AF65-F5344CB8AC3E}">
-        <p14:creationId xmlns:p14="http://schemas.microsoft.com/office/powerpoint/2010/main" val="861204641"/>
+        <p14:creationId xmlns:p14="http://schemas.microsoft.com/office/powerpoint/2010/main" val="1983596740"/>
       </p:ext>
     </p:extLst>
   </p:cSld>
@@ -2889,8 +2888,98 @@
             </a:pPr>
             <a:r>
               <a:rPr lang="en-US" dirty="0" smtClean="0"/>
-              <a:t>mention default clear in constructor injection example</a:t>
-            </a:r>
+              <a:t>every</a:t>
+            </a:r>
+            <a:r>
+              <a:rPr lang="en-US" baseline="0" dirty="0" smtClean="0"/>
+              <a:t> function takes an extra argument in respect of their direct style, this argument is the continuation.</a:t>
+            </a:r>
+          </a:p>
+          <a:p>
+            <a:pPr marL="0" marR="0" indent="0" algn="l" defTabSz="914400" rtl="0" eaLnBrk="1" fontAlgn="auto" latinLnBrk="0" hangingPunct="1">
+              <a:lnSpc>
+                <a:spcPct val="100000"/>
+              </a:lnSpc>
+              <a:spcBef>
+                <a:spcPts val="0"/>
+              </a:spcBef>
+              <a:spcAft>
+                <a:spcPts val="0"/>
+              </a:spcAft>
+              <a:buClrTx/>
+              <a:buSzTx/>
+              <a:buFontTx/>
+              <a:buNone/>
+              <a:tabLst/>
+              <a:defRPr/>
+            </a:pPr>
+            <a:r>
+              <a:rPr lang="en-US" baseline="0" dirty="0" smtClean="0"/>
+              <a:t>Every function doesn’t return a value explicitly but rather call the continuation.</a:t>
+            </a:r>
+          </a:p>
+          <a:p>
+            <a:pPr marL="0" marR="0" indent="0" algn="l" defTabSz="914400" rtl="0" eaLnBrk="1" fontAlgn="auto" latinLnBrk="0" hangingPunct="1">
+              <a:lnSpc>
+                <a:spcPct val="100000"/>
+              </a:lnSpc>
+              <a:spcBef>
+                <a:spcPts val="0"/>
+              </a:spcBef>
+              <a:spcAft>
+                <a:spcPts val="0"/>
+              </a:spcAft>
+              <a:buClrTx/>
+              <a:buSzTx/>
+              <a:buFontTx/>
+              <a:buNone/>
+              <a:tabLst/>
+              <a:defRPr/>
+            </a:pPr>
+            <a:endParaRPr lang="en-US" baseline="0" dirty="0" smtClean="0"/>
+          </a:p>
+          <a:p>
+            <a:pPr marL="0" marR="0" indent="0" algn="l" defTabSz="914400" rtl="0" eaLnBrk="1" fontAlgn="auto" latinLnBrk="0" hangingPunct="1">
+              <a:lnSpc>
+                <a:spcPct val="100000"/>
+              </a:lnSpc>
+              <a:spcBef>
+                <a:spcPts val="0"/>
+              </a:spcBef>
+              <a:spcAft>
+                <a:spcPts val="0"/>
+              </a:spcAft>
+              <a:buClrTx/>
+              <a:buSzTx/>
+              <a:buFontTx/>
+              <a:buNone/>
+              <a:tabLst/>
+              <a:defRPr/>
+            </a:pPr>
+            <a:r>
+              <a:rPr lang="en-US" baseline="0" dirty="0" smtClean="0"/>
+              <a:t>Turning inside out our world. Or better Turning outside in</a:t>
+            </a:r>
+          </a:p>
+          <a:p>
+            <a:pPr marL="0" marR="0" indent="0" algn="l" defTabSz="914400" rtl="0" eaLnBrk="1" fontAlgn="auto" latinLnBrk="0" hangingPunct="1">
+              <a:lnSpc>
+                <a:spcPct val="100000"/>
+              </a:lnSpc>
+              <a:spcBef>
+                <a:spcPts val="0"/>
+              </a:spcBef>
+              <a:spcAft>
+                <a:spcPts val="0"/>
+              </a:spcAft>
+              <a:buClrTx/>
+              <a:buSzTx/>
+              <a:buFontTx/>
+              <a:buNone/>
+              <a:tabLst/>
+              <a:defRPr/>
+            </a:pPr>
+            <a:endParaRPr lang="en-US" dirty="0" smtClean="0"/>
           </a:p>
           <a:p>
             <a:endParaRPr lang="en-US" dirty="0" smtClean="0"/>
@@ -2926,7 +3015,7 @@
     </p:spTree>
     <p:extLst>
       <p:ext uri="{BB962C8B-B14F-4D97-AF65-F5344CB8AC3E}">
-        <p14:creationId xmlns:p14="http://schemas.microsoft.com/office/powerpoint/2010/main" val="825034843"/>
+        <p14:creationId xmlns:p14="http://schemas.microsoft.com/office/powerpoint/2010/main" val="861204641"/>
       </p:ext>
     </p:extLst>
   </p:cSld>
@@ -3231,6 +3320,121 @@
     </p:spTree>
     <p:extLst>
       <p:ext uri="{BB962C8B-B14F-4D97-AF65-F5344CB8AC3E}">
+        <p14:creationId xmlns:p14="http://schemas.microsoft.com/office/powerpoint/2010/main" val="825034843"/>
+      </p:ext>
+    </p:extLst>
+  </p:cSld>
+  <p:clrMapOvr>
+    <a:masterClrMapping/>
+  </p:clrMapOvr>
+</p:notes>
+</file>
+
+<file path=ppt/notesSlides/notesSlide21.xml><?xml version="1.0" encoding="utf-8"?>
+<p:notes xmlns:a="http://schemas.openxmlformats.org/drawingml/2006/main" xmlns:r="http://schemas.openxmlformats.org/officeDocument/2006/relationships" xmlns:p="http://schemas.openxmlformats.org/presentationml/2006/main">
+  <p:cSld>
+    <p:spTree>
+      <p:nvGrpSpPr>
+        <p:cNvPr id="1" name=""/>
+        <p:cNvGrpSpPr/>
+        <p:nvPr/>
+      </p:nvGrpSpPr>
+      <p:grpSpPr>
+        <a:xfrm>
+          <a:off x="0" y="0"/>
+          <a:ext cx="0" cy="0"/>
+          <a:chOff x="0" y="0"/>
+          <a:chExt cx="0" cy="0"/>
+        </a:xfrm>
+      </p:grpSpPr>
+      <p:sp>
+        <p:nvSpPr>
+          <p:cNvPr id="2" name="Slide Image Placeholder 1"/>
+          <p:cNvSpPr>
+            <a:spLocks noGrp="1" noRot="1" noChangeAspect="1"/>
+          </p:cNvSpPr>
+          <p:nvPr>
+            <p:ph type="sldImg"/>
+          </p:nvPr>
+        </p:nvSpPr>
+        <p:spPr>
+          <a:xfrm>
+            <a:off x="90488" y="744538"/>
+            <a:ext cx="6616700" cy="3722687"/>
+          </a:xfrm>
+        </p:spPr>
+      </p:sp>
+      <p:sp>
+        <p:nvSpPr>
+          <p:cNvPr id="3" name="Notes Placeholder 2"/>
+          <p:cNvSpPr>
+            <a:spLocks noGrp="1"/>
+          </p:cNvSpPr>
+          <p:nvPr>
+            <p:ph type="body" idx="1"/>
+          </p:nvPr>
+        </p:nvSpPr>
+        <p:spPr/>
+        <p:txBody>
+          <a:bodyPr/>
+          <a:lstStyle/>
+          <a:p>
+            <a:pPr marL="0" marR="0" indent="0" algn="l" defTabSz="914400" rtl="0" eaLnBrk="1" fontAlgn="auto" latinLnBrk="0" hangingPunct="1">
+              <a:lnSpc>
+                <a:spcPct val="100000"/>
+              </a:lnSpc>
+              <a:spcBef>
+                <a:spcPts val="0"/>
+              </a:spcBef>
+              <a:spcAft>
+                <a:spcPts val="0"/>
+              </a:spcAft>
+              <a:buClrTx/>
+              <a:buSzTx/>
+              <a:buFontTx/>
+              <a:buNone/>
+              <a:tabLst/>
+              <a:defRPr/>
+            </a:pPr>
+            <a:r>
+              <a:rPr lang="en-US" dirty="0" smtClean="0"/>
+              <a:t>mention default clear in constructor injection example</a:t>
+            </a:r>
+          </a:p>
+          <a:p>
+            <a:endParaRPr lang="en-US" dirty="0" smtClean="0"/>
+          </a:p>
+          <a:p>
+            <a:endParaRPr lang="en-US" dirty="0"/>
+          </a:p>
+        </p:txBody>
+      </p:sp>
+      <p:sp>
+        <p:nvSpPr>
+          <p:cNvPr id="4" name="Slide Number Placeholder 3"/>
+          <p:cNvSpPr>
+            <a:spLocks noGrp="1"/>
+          </p:cNvSpPr>
+          <p:nvPr>
+            <p:ph type="sldNum" sz="quarter" idx="10"/>
+          </p:nvPr>
+        </p:nvSpPr>
+        <p:spPr/>
+        <p:txBody>
+          <a:bodyPr/>
+          <a:lstStyle/>
+          <a:p>
+            <a:fld id="{FC59884A-FAD0-DE4F-8C4F-A27A5B8B9F19}" type="slidenum">
+              <a:rPr lang="en-US" smtClean="0"/>
+              <a:t>22</a:t>
+            </a:fld>
+            <a:endParaRPr lang="en-US"/>
+          </a:p>
+        </p:txBody>
+      </p:sp>
+    </p:spTree>
+    <p:extLst>
+      <p:ext uri="{BB962C8B-B14F-4D97-AF65-F5344CB8AC3E}">
         <p14:creationId xmlns:p14="http://schemas.microsoft.com/office/powerpoint/2010/main" val="1440315110"/>
       </p:ext>
     </p:extLst>
@@ -3241,7 +3445,7 @@
 </p:notes>
 </file>
 
-<file path=ppt/notesSlides/notesSlide21.xml><?xml version="1.0" encoding="utf-8"?>
+<file path=ppt/notesSlides/notesSlide22.xml><?xml version="1.0" encoding="utf-8"?>
 <p:notes xmlns:a="http://schemas.openxmlformats.org/drawingml/2006/main" xmlns:r="http://schemas.openxmlformats.org/officeDocument/2006/relationships" xmlns:p="http://schemas.openxmlformats.org/presentationml/2006/main">
   <p:cSld>
     <p:spTree>
@@ -3404,7 +3608,7 @@
                 <a:tabLst/>
                 <a:defRPr/>
               </a:pPr>
-              <a:t>22</a:t>
+              <a:t>23</a:t>
             </a:fld>
             <a:endParaRPr kumimoji="0" lang="en-US" sz="1200" b="0" i="0" u="none" strike="noStrike" kern="1200" cap="none" spc="0" normalizeH="0" baseline="0" noProof="0">
               <a:ln>
@@ -16723,8 +16927,8 @@
           <a:lstStyle/>
           <a:p>
             <a:r>
-              <a:rPr lang="en-US" dirty="0" err="1" smtClean="0"/>
-              <a:t>Gotchas</a:t>
+              <a:rPr lang="en-US" dirty="0" smtClean="0"/>
+              <a:t>Converting CPS in a data type</a:t>
             </a:r>
             <a:endParaRPr lang="en-US" dirty="0"/>
           </a:p>
@@ -16763,13 +16967,20 @@
         </p:nvSpPr>
         <p:spPr>
           <a:xfrm>
-            <a:off x="463826" y="1900719"/>
-            <a:ext cx="10959548" cy="3477875"/>
+            <a:off x="347731" y="1377499"/>
+            <a:ext cx="11681138" cy="4401205"/>
           </a:xfrm>
           <a:prstGeom prst="rect">
             <a:avLst/>
           </a:prstGeom>
           <a:noFill/>
+          <a:effectLst>
+            <a:outerShdw blurRad="50800" dist="50800" dir="5400000" algn="ctr" rotWithShape="0">
+              <a:srgbClr val="000000">
+                <a:alpha val="2000"/>
+              </a:srgbClr>
+            </a:outerShdw>
+          </a:effectLst>
         </p:spPr>
         <p:txBody>
           <a:bodyPr wrap="square" rtlCol="0">
@@ -16778,32 +16989,7 @@
           <a:lstStyle/>
           <a:p>
             <a:r>
-              <a:rPr lang="en-US" sz="2000" dirty="0">
-                <a:solidFill>
-                  <a:srgbClr val="808000"/>
-                </a:solidFill>
-                <a:latin typeface="Courier" charset="0"/>
-                <a:ea typeface="Courier" charset="0"/>
-                <a:cs typeface="Courier" charset="0"/>
-              </a:rPr>
-              <a:t>@</a:t>
-            </a:r>
-            <a:r>
-              <a:rPr lang="en-US" sz="2000" dirty="0" err="1">
-                <a:solidFill>
-                  <a:srgbClr val="808000"/>
-                </a:solidFill>
-                <a:latin typeface="Courier" charset="0"/>
-                <a:ea typeface="Courier" charset="0"/>
-                <a:cs typeface="Courier" charset="0"/>
-              </a:rPr>
-              <a:t>tailrec</a:t>
-            </a:r>
-            <a:r>
-              <a:rPr lang="en-US" sz="2000" dirty="0">
-                <a:solidFill>
-                  <a:srgbClr val="808000"/>
-                </a:solidFill>
+              <a:rPr lang="mr-IN" sz="2000" dirty="0">
                 <a:latin typeface="Courier" charset="0"/>
                 <a:ea typeface="Courier" charset="0"/>
                 <a:cs typeface="Courier" charset="0"/>
@@ -16811,17 +16997,14 @@
               <a:t/>
             </a:r>
             <a:br>
-              <a:rPr lang="en-US" sz="2000" dirty="0">
-                <a:solidFill>
-                  <a:srgbClr val="808000"/>
-                </a:solidFill>
+              <a:rPr lang="mr-IN" sz="2000" dirty="0">
                 <a:latin typeface="Courier" charset="0"/>
                 <a:ea typeface="Courier" charset="0"/>
                 <a:cs typeface="Courier" charset="0"/>
               </a:rPr>
             </a:br>
             <a:r>
-              <a:rPr lang="en-US" sz="2000" b="1" dirty="0" err="1">
+              <a:rPr lang="mr-IN" sz="2000" b="1" dirty="0" err="1" smtClean="0">
                 <a:solidFill>
                   <a:srgbClr val="000080"/>
                 </a:solidFill>
@@ -16832,7 +17015,7 @@
               <a:t>def</a:t>
             </a:r>
             <a:r>
-              <a:rPr lang="en-US" sz="2000" b="1" dirty="0">
+              <a:rPr lang="mr-IN" sz="2000" b="1" dirty="0" smtClean="0">
                 <a:solidFill>
                   <a:srgbClr val="000080"/>
                 </a:solidFill>
@@ -16843,55 +17026,193 @@
               <a:t> </a:t>
             </a:r>
             <a:r>
-              <a:rPr lang="en-US" sz="2000" dirty="0">
-                <a:latin typeface="Courier" charset="0"/>
-                <a:ea typeface="Courier" charset="0"/>
-                <a:cs typeface="Courier" charset="0"/>
-              </a:rPr>
-              <a:t>g(k: Unit =&gt; Unit): Unit = </a:t>
-            </a:r>
-            <a:r>
-              <a:rPr lang="en-US" sz="2000" i="1" dirty="0">
-                <a:latin typeface="Courier" charset="0"/>
-                <a:ea typeface="Courier" charset="0"/>
-                <a:cs typeface="Courier" charset="0"/>
-              </a:rPr>
-              <a:t>g</a:t>
-            </a:r>
-            <a:r>
-              <a:rPr lang="en-US" sz="2000" dirty="0">
-                <a:latin typeface="Courier" charset="0"/>
-                <a:ea typeface="Courier" charset="0"/>
-                <a:cs typeface="Courier" charset="0"/>
-              </a:rPr>
-              <a:t>(x =&gt; </a:t>
-            </a:r>
-            <a:r>
-              <a:rPr lang="en-US" sz="2000" i="1" dirty="0">
-                <a:latin typeface="Courier" charset="0"/>
-                <a:ea typeface="Courier" charset="0"/>
-                <a:cs typeface="Courier" charset="0"/>
-              </a:rPr>
-              <a:t>g</a:t>
-            </a:r>
-            <a:r>
-              <a:rPr lang="en-US" sz="2000" dirty="0">
-                <a:latin typeface="Courier" charset="0"/>
-                <a:ea typeface="Courier" charset="0"/>
-                <a:cs typeface="Courier" charset="0"/>
-              </a:rPr>
-              <a:t>(k</a:t>
-            </a:r>
-            <a:r>
-              <a:rPr lang="en-US" sz="2000" dirty="0" smtClean="0">
-                <a:latin typeface="Courier" charset="0"/>
-                <a:ea typeface="Courier" charset="0"/>
-                <a:cs typeface="Courier" charset="0"/>
-              </a:rPr>
-              <a:t>))</a:t>
-            </a:r>
-          </a:p>
-          <a:p>
+              <a:rPr lang="mr-IN" sz="2000" dirty="0" err="1">
+                <a:latin typeface="Courier" charset="0"/>
+                <a:ea typeface="Courier" charset="0"/>
+                <a:cs typeface="Courier" charset="0"/>
+              </a:rPr>
+              <a:t>mapping</a:t>
+            </a:r>
+            <a:r>
+              <a:rPr lang="mr-IN" sz="2000" dirty="0">
+                <a:latin typeface="Courier" charset="0"/>
+                <a:ea typeface="Courier" charset="0"/>
+                <a:cs typeface="Courier" charset="0"/>
+              </a:rPr>
+              <a:t>(</a:t>
+            </a:r>
+            <a:r>
+              <a:rPr lang="mr-IN" sz="2000" dirty="0" err="1">
+                <a:latin typeface="Courier" charset="0"/>
+                <a:ea typeface="Courier" charset="0"/>
+                <a:cs typeface="Courier" charset="0"/>
+              </a:rPr>
+              <a:t>tt</a:t>
+            </a:r>
+            <a:r>
+              <a:rPr lang="mr-IN" sz="2000" dirty="0">
+                <a:latin typeface="Courier" charset="0"/>
+                <a:ea typeface="Courier" charset="0"/>
+                <a:cs typeface="Courier" charset="0"/>
+              </a:rPr>
+              <a:t>: </a:t>
+            </a:r>
+            <a:r>
+              <a:rPr lang="mr-IN" sz="2000" dirty="0" err="1">
+                <a:latin typeface="Courier" charset="0"/>
+                <a:ea typeface="Courier" charset="0"/>
+                <a:cs typeface="Courier" charset="0"/>
+              </a:rPr>
+              <a:t>Tree</a:t>
+            </a:r>
+            <a:r>
+              <a:rPr lang="mr-IN" sz="2000" dirty="0">
+                <a:latin typeface="Courier" charset="0"/>
+                <a:ea typeface="Courier" charset="0"/>
+                <a:cs typeface="Courier" charset="0"/>
+              </a:rPr>
+              <a:t>[</a:t>
+            </a:r>
+            <a:r>
+              <a:rPr lang="mr-IN" sz="2000" dirty="0" err="1">
+                <a:solidFill>
+                  <a:srgbClr val="20999D"/>
+                </a:solidFill>
+                <a:latin typeface="Courier" charset="0"/>
+                <a:ea typeface="Courier" charset="0"/>
+                <a:cs typeface="Courier" charset="0"/>
+              </a:rPr>
+              <a:t>A</a:t>
+            </a:r>
+            <a:r>
+              <a:rPr lang="mr-IN" sz="2000" dirty="0">
+                <a:latin typeface="Courier" charset="0"/>
+                <a:ea typeface="Courier" charset="0"/>
+                <a:cs typeface="Courier" charset="0"/>
+              </a:rPr>
+              <a:t>], </a:t>
+            </a:r>
+            <a:r>
+              <a:rPr lang="mr-IN" sz="2000" dirty="0" err="1">
+                <a:latin typeface="Courier" charset="0"/>
+                <a:ea typeface="Courier" charset="0"/>
+                <a:cs typeface="Courier" charset="0"/>
+              </a:rPr>
+              <a:t>k</a:t>
+            </a:r>
+            <a:r>
+              <a:rPr lang="mr-IN" sz="2000" dirty="0">
+                <a:latin typeface="Courier" charset="0"/>
+                <a:ea typeface="Courier" charset="0"/>
+                <a:cs typeface="Courier" charset="0"/>
+              </a:rPr>
+              <a:t>: </a:t>
+            </a:r>
+            <a:r>
+              <a:rPr lang="mr-IN" sz="2000" dirty="0" err="1">
+                <a:latin typeface="Courier" charset="0"/>
+                <a:ea typeface="Courier" charset="0"/>
+                <a:cs typeface="Courier" charset="0"/>
+              </a:rPr>
+              <a:t>Tree</a:t>
+            </a:r>
+            <a:r>
+              <a:rPr lang="mr-IN" sz="2000" dirty="0">
+                <a:latin typeface="Courier" charset="0"/>
+                <a:ea typeface="Courier" charset="0"/>
+                <a:cs typeface="Courier" charset="0"/>
+              </a:rPr>
+              <a:t>[</a:t>
+            </a:r>
+            <a:r>
+              <a:rPr lang="mr-IN" sz="2000" dirty="0" err="1">
+                <a:solidFill>
+                  <a:srgbClr val="20999D"/>
+                </a:solidFill>
+                <a:latin typeface="Courier" charset="0"/>
+                <a:ea typeface="Courier" charset="0"/>
+                <a:cs typeface="Courier" charset="0"/>
+              </a:rPr>
+              <a:t>B</a:t>
+            </a:r>
+            <a:r>
+              <a:rPr lang="mr-IN" sz="2000" dirty="0">
+                <a:latin typeface="Courier" charset="0"/>
+                <a:ea typeface="Courier" charset="0"/>
+                <a:cs typeface="Courier" charset="0"/>
+              </a:rPr>
+              <a:t>] =&gt; </a:t>
+            </a:r>
+            <a:r>
+              <a:rPr lang="mr-IN" sz="2000" dirty="0" err="1">
+                <a:latin typeface="Courier" charset="0"/>
+                <a:ea typeface="Courier" charset="0"/>
+                <a:cs typeface="Courier" charset="0"/>
+              </a:rPr>
+              <a:t>Tree</a:t>
+            </a:r>
+            <a:r>
+              <a:rPr lang="mr-IN" sz="2000" dirty="0">
+                <a:latin typeface="Courier" charset="0"/>
+                <a:ea typeface="Courier" charset="0"/>
+                <a:cs typeface="Courier" charset="0"/>
+              </a:rPr>
+              <a:t>[</a:t>
+            </a:r>
+            <a:r>
+              <a:rPr lang="mr-IN" sz="2000" dirty="0" err="1">
+                <a:solidFill>
+                  <a:srgbClr val="20999D"/>
+                </a:solidFill>
+                <a:latin typeface="Courier" charset="0"/>
+                <a:ea typeface="Courier" charset="0"/>
+                <a:cs typeface="Courier" charset="0"/>
+              </a:rPr>
+              <a:t>B</a:t>
+            </a:r>
+            <a:r>
+              <a:rPr lang="mr-IN" sz="2000" dirty="0">
+                <a:latin typeface="Courier" charset="0"/>
+                <a:ea typeface="Courier" charset="0"/>
+                <a:cs typeface="Courier" charset="0"/>
+              </a:rPr>
+              <a:t>]): </a:t>
+            </a:r>
+            <a:r>
+              <a:rPr lang="mr-IN" sz="2000" dirty="0" err="1">
+                <a:latin typeface="Courier" charset="0"/>
+                <a:ea typeface="Courier" charset="0"/>
+                <a:cs typeface="Courier" charset="0"/>
+              </a:rPr>
+              <a:t>Tree</a:t>
+            </a:r>
+            <a:r>
+              <a:rPr lang="mr-IN" sz="2000" dirty="0">
+                <a:latin typeface="Courier" charset="0"/>
+                <a:ea typeface="Courier" charset="0"/>
+                <a:cs typeface="Courier" charset="0"/>
+              </a:rPr>
+              <a:t>[</a:t>
+            </a:r>
+            <a:r>
+              <a:rPr lang="mr-IN" sz="2000" dirty="0" err="1">
+                <a:solidFill>
+                  <a:srgbClr val="20999D"/>
+                </a:solidFill>
+                <a:latin typeface="Courier" charset="0"/>
+                <a:ea typeface="Courier" charset="0"/>
+                <a:cs typeface="Courier" charset="0"/>
+              </a:rPr>
+              <a:t>B</a:t>
+            </a:r>
+            <a:r>
+              <a:rPr lang="mr-IN" sz="2000" dirty="0">
+                <a:latin typeface="Courier" charset="0"/>
+                <a:ea typeface="Courier" charset="0"/>
+                <a:cs typeface="Courier" charset="0"/>
+              </a:rPr>
+              <a:t>] </a:t>
+            </a:r>
             <a:endParaRPr lang="en-US" sz="2000" dirty="0" smtClean="0">
               <a:latin typeface="Courier" charset="0"/>
               <a:ea typeface="Courier" charset="0"/>
@@ -16899,6 +17220,727 @@
             </a:endParaRPr>
           </a:p>
           <a:p>
+            <a:r>
+              <a:rPr lang="mr-IN" sz="2000" dirty="0">
+                <a:latin typeface="Courier" charset="0"/>
+                <a:ea typeface="Courier" charset="0"/>
+                <a:cs typeface="Courier" charset="0"/>
+              </a:rPr>
+              <a:t/>
+            </a:r>
+            <a:br>
+              <a:rPr lang="mr-IN" sz="2000" dirty="0">
+                <a:latin typeface="Courier" charset="0"/>
+                <a:ea typeface="Courier" charset="0"/>
+                <a:cs typeface="Courier" charset="0"/>
+              </a:rPr>
+            </a:br>
+            <a:r>
+              <a:rPr lang="mr-IN" sz="2000" dirty="0">
+                <a:latin typeface="Courier" charset="0"/>
+                <a:ea typeface="Courier" charset="0"/>
+                <a:cs typeface="Courier" charset="0"/>
+              </a:rPr>
+              <a:t/>
+            </a:r>
+            <a:br>
+              <a:rPr lang="mr-IN" sz="2000" dirty="0">
+                <a:latin typeface="Courier" charset="0"/>
+                <a:ea typeface="Courier" charset="0"/>
+                <a:cs typeface="Courier" charset="0"/>
+              </a:rPr>
+            </a:br>
+            <a:r>
+              <a:rPr lang="mr-IN" sz="2000" b="1" dirty="0" err="1" smtClean="0">
+                <a:solidFill>
+                  <a:schemeClr val="accent1">
+                    <a:lumMod val="75000"/>
+                  </a:schemeClr>
+                </a:solidFill>
+                <a:latin typeface="Courier" charset="0"/>
+                <a:ea typeface="Courier" charset="0"/>
+                <a:cs typeface="Courier" charset="0"/>
+              </a:rPr>
+              <a:t>def</a:t>
+            </a:r>
+            <a:r>
+              <a:rPr lang="mr-IN" sz="2000" b="1" dirty="0" smtClean="0">
+                <a:solidFill>
+                  <a:schemeClr val="accent1">
+                    <a:lumMod val="75000"/>
+                  </a:schemeClr>
+                </a:solidFill>
+                <a:latin typeface="Courier" charset="0"/>
+                <a:ea typeface="Courier" charset="0"/>
+                <a:cs typeface="Courier" charset="0"/>
+              </a:rPr>
+              <a:t> </a:t>
+            </a:r>
+            <a:r>
+              <a:rPr lang="mr-IN" sz="2000" dirty="0" err="1">
+                <a:solidFill>
+                  <a:schemeClr val="accent1">
+                    <a:lumMod val="75000"/>
+                  </a:schemeClr>
+                </a:solidFill>
+                <a:latin typeface="Courier" charset="0"/>
+                <a:ea typeface="Courier" charset="0"/>
+                <a:cs typeface="Courier" charset="0"/>
+              </a:rPr>
+              <a:t>mapping</a:t>
+            </a:r>
+            <a:r>
+              <a:rPr lang="mr-IN" sz="2000" dirty="0">
+                <a:solidFill>
+                  <a:schemeClr val="accent1">
+                    <a:lumMod val="75000"/>
+                  </a:schemeClr>
+                </a:solidFill>
+                <a:latin typeface="Courier" charset="0"/>
+                <a:ea typeface="Courier" charset="0"/>
+                <a:cs typeface="Courier" charset="0"/>
+              </a:rPr>
+              <a:t>(</a:t>
+            </a:r>
+            <a:r>
+              <a:rPr lang="mr-IN" sz="2000" dirty="0" err="1">
+                <a:solidFill>
+                  <a:schemeClr val="accent1">
+                    <a:lumMod val="75000"/>
+                  </a:schemeClr>
+                </a:solidFill>
+                <a:latin typeface="Courier" charset="0"/>
+                <a:ea typeface="Courier" charset="0"/>
+                <a:cs typeface="Courier" charset="0"/>
+              </a:rPr>
+              <a:t>tt</a:t>
+            </a:r>
+            <a:r>
+              <a:rPr lang="mr-IN" sz="2000" dirty="0">
+                <a:solidFill>
+                  <a:schemeClr val="accent1">
+                    <a:lumMod val="75000"/>
+                  </a:schemeClr>
+                </a:solidFill>
+                <a:latin typeface="Courier" charset="0"/>
+                <a:ea typeface="Courier" charset="0"/>
+                <a:cs typeface="Courier" charset="0"/>
+              </a:rPr>
+              <a:t>: </a:t>
+            </a:r>
+            <a:r>
+              <a:rPr lang="mr-IN" sz="2000" dirty="0" err="1">
+                <a:solidFill>
+                  <a:schemeClr val="accent1">
+                    <a:lumMod val="75000"/>
+                  </a:schemeClr>
+                </a:solidFill>
+                <a:latin typeface="Courier" charset="0"/>
+                <a:ea typeface="Courier" charset="0"/>
+                <a:cs typeface="Courier" charset="0"/>
+              </a:rPr>
+              <a:t>Tree</a:t>
+            </a:r>
+            <a:r>
+              <a:rPr lang="mr-IN" sz="2000" dirty="0">
+                <a:solidFill>
+                  <a:schemeClr val="accent1">
+                    <a:lumMod val="75000"/>
+                  </a:schemeClr>
+                </a:solidFill>
+                <a:latin typeface="Courier" charset="0"/>
+                <a:ea typeface="Courier" charset="0"/>
+                <a:cs typeface="Courier" charset="0"/>
+              </a:rPr>
+              <a:t>[</a:t>
+            </a:r>
+            <a:r>
+              <a:rPr lang="mr-IN" sz="2000" dirty="0" err="1">
+                <a:solidFill>
+                  <a:schemeClr val="accent1">
+                    <a:lumMod val="75000"/>
+                  </a:schemeClr>
+                </a:solidFill>
+                <a:latin typeface="Courier" charset="0"/>
+                <a:ea typeface="Courier" charset="0"/>
+                <a:cs typeface="Courier" charset="0"/>
+              </a:rPr>
+              <a:t>A</a:t>
+            </a:r>
+            <a:r>
+              <a:rPr lang="mr-IN" sz="2000" dirty="0">
+                <a:solidFill>
+                  <a:schemeClr val="accent1">
+                    <a:lumMod val="75000"/>
+                  </a:schemeClr>
+                </a:solidFill>
+                <a:latin typeface="Courier" charset="0"/>
+                <a:ea typeface="Courier" charset="0"/>
+                <a:cs typeface="Courier" charset="0"/>
+              </a:rPr>
+              <a:t>]): </a:t>
+            </a:r>
+            <a:r>
+              <a:rPr lang="mr-IN" sz="2000" dirty="0">
+                <a:latin typeface="Courier" charset="0"/>
+                <a:ea typeface="Courier" charset="0"/>
+                <a:cs typeface="Courier" charset="0"/>
+              </a:rPr>
+              <a:t>(</a:t>
+            </a:r>
+            <a:r>
+              <a:rPr lang="mr-IN" sz="2000" dirty="0" err="1">
+                <a:latin typeface="Courier" charset="0"/>
+                <a:ea typeface="Courier" charset="0"/>
+                <a:cs typeface="Courier" charset="0"/>
+              </a:rPr>
+              <a:t>Tree</a:t>
+            </a:r>
+            <a:r>
+              <a:rPr lang="mr-IN" sz="2000" dirty="0">
+                <a:latin typeface="Courier" charset="0"/>
+                <a:ea typeface="Courier" charset="0"/>
+                <a:cs typeface="Courier" charset="0"/>
+              </a:rPr>
+              <a:t>[</a:t>
+            </a:r>
+            <a:r>
+              <a:rPr lang="mr-IN" sz="2000" dirty="0" err="1">
+                <a:solidFill>
+                  <a:srgbClr val="20999D"/>
+                </a:solidFill>
+                <a:latin typeface="Courier" charset="0"/>
+                <a:ea typeface="Courier" charset="0"/>
+                <a:cs typeface="Courier" charset="0"/>
+              </a:rPr>
+              <a:t>B</a:t>
+            </a:r>
+            <a:r>
+              <a:rPr lang="mr-IN" sz="2000" dirty="0">
+                <a:latin typeface="Courier" charset="0"/>
+                <a:ea typeface="Courier" charset="0"/>
+                <a:cs typeface="Courier" charset="0"/>
+              </a:rPr>
+              <a:t>] =&gt; </a:t>
+            </a:r>
+            <a:r>
+              <a:rPr lang="mr-IN" sz="2000" dirty="0" err="1">
+                <a:latin typeface="Courier" charset="0"/>
+                <a:ea typeface="Courier" charset="0"/>
+                <a:cs typeface="Courier" charset="0"/>
+              </a:rPr>
+              <a:t>Tree</a:t>
+            </a:r>
+            <a:r>
+              <a:rPr lang="mr-IN" sz="2000" dirty="0">
+                <a:latin typeface="Courier" charset="0"/>
+                <a:ea typeface="Courier" charset="0"/>
+                <a:cs typeface="Courier" charset="0"/>
+              </a:rPr>
+              <a:t>[</a:t>
+            </a:r>
+            <a:r>
+              <a:rPr lang="mr-IN" sz="2000" dirty="0" err="1">
+                <a:solidFill>
+                  <a:srgbClr val="20999D"/>
+                </a:solidFill>
+                <a:latin typeface="Courier" charset="0"/>
+                <a:ea typeface="Courier" charset="0"/>
+                <a:cs typeface="Courier" charset="0"/>
+              </a:rPr>
+              <a:t>B</a:t>
+            </a:r>
+            <a:r>
+              <a:rPr lang="mr-IN" sz="2000" dirty="0">
+                <a:latin typeface="Courier" charset="0"/>
+                <a:ea typeface="Courier" charset="0"/>
+                <a:cs typeface="Courier" charset="0"/>
+              </a:rPr>
+              <a:t>]) =&gt; </a:t>
+            </a:r>
+            <a:r>
+              <a:rPr lang="mr-IN" sz="2000" dirty="0" err="1">
+                <a:latin typeface="Courier" charset="0"/>
+                <a:ea typeface="Courier" charset="0"/>
+                <a:cs typeface="Courier" charset="0"/>
+              </a:rPr>
+              <a:t>Tree</a:t>
+            </a:r>
+            <a:r>
+              <a:rPr lang="mr-IN" sz="2000" dirty="0">
+                <a:latin typeface="Courier" charset="0"/>
+                <a:ea typeface="Courier" charset="0"/>
+                <a:cs typeface="Courier" charset="0"/>
+              </a:rPr>
+              <a:t>[</a:t>
+            </a:r>
+            <a:r>
+              <a:rPr lang="mr-IN" sz="2000" dirty="0" err="1">
+                <a:solidFill>
+                  <a:srgbClr val="20999D"/>
+                </a:solidFill>
+                <a:latin typeface="Courier" charset="0"/>
+                <a:ea typeface="Courier" charset="0"/>
+                <a:cs typeface="Courier" charset="0"/>
+              </a:rPr>
+              <a:t>B</a:t>
+            </a:r>
+            <a:r>
+              <a:rPr lang="mr-IN" sz="2000" dirty="0" smtClean="0">
+                <a:latin typeface="Courier" charset="0"/>
+                <a:ea typeface="Courier" charset="0"/>
+                <a:cs typeface="Courier" charset="0"/>
+              </a:rPr>
+              <a:t>]</a:t>
+            </a:r>
+            <a:r>
+              <a:rPr lang="mr-IN" sz="2000" i="1" dirty="0">
+                <a:latin typeface="Courier" charset="0"/>
+                <a:ea typeface="Courier" charset="0"/>
+                <a:cs typeface="Courier" charset="0"/>
+              </a:rPr>
+              <a:t/>
+            </a:r>
+            <a:br>
+              <a:rPr lang="mr-IN" sz="2000" i="1" dirty="0">
+                <a:latin typeface="Courier" charset="0"/>
+                <a:ea typeface="Courier" charset="0"/>
+                <a:cs typeface="Courier" charset="0"/>
+              </a:rPr>
+            </a:br>
+            <a:endParaRPr lang="en-US" sz="2000" i="1" dirty="0" smtClean="0">
+              <a:latin typeface="Courier" charset="0"/>
+              <a:ea typeface="Courier" charset="0"/>
+              <a:cs typeface="Courier" charset="0"/>
+            </a:endParaRPr>
+          </a:p>
+          <a:p>
+            <a:endParaRPr lang="en-US" sz="2000" i="1" dirty="0">
+              <a:latin typeface="Courier" charset="0"/>
+              <a:ea typeface="Courier" charset="0"/>
+              <a:cs typeface="Courier" charset="0"/>
+            </a:endParaRPr>
+          </a:p>
+          <a:p>
+            <a:r>
+              <a:rPr lang="mr-IN" sz="2000" b="1" dirty="0" err="1" smtClean="0">
+                <a:solidFill>
+                  <a:schemeClr val="accent1">
+                    <a:lumMod val="40000"/>
+                    <a:lumOff val="60000"/>
+                  </a:schemeClr>
+                </a:solidFill>
+                <a:latin typeface="Courier" charset="0"/>
+                <a:ea typeface="Courier" charset="0"/>
+                <a:cs typeface="Courier" charset="0"/>
+              </a:rPr>
+              <a:t>def</a:t>
+            </a:r>
+            <a:r>
+              <a:rPr lang="mr-IN" sz="2000" b="1" dirty="0" smtClean="0">
+                <a:solidFill>
+                  <a:schemeClr val="accent1">
+                    <a:lumMod val="40000"/>
+                    <a:lumOff val="60000"/>
+                  </a:schemeClr>
+                </a:solidFill>
+                <a:latin typeface="Courier" charset="0"/>
+                <a:ea typeface="Courier" charset="0"/>
+                <a:cs typeface="Courier" charset="0"/>
+              </a:rPr>
+              <a:t> </a:t>
+            </a:r>
+            <a:r>
+              <a:rPr lang="mr-IN" sz="2000" dirty="0" err="1" smtClean="0">
+                <a:solidFill>
+                  <a:schemeClr val="accent1">
+                    <a:lumMod val="40000"/>
+                    <a:lumOff val="60000"/>
+                  </a:schemeClr>
+                </a:solidFill>
+                <a:latin typeface="Courier" charset="0"/>
+                <a:ea typeface="Courier" charset="0"/>
+                <a:cs typeface="Courier" charset="0"/>
+              </a:rPr>
+              <a:t>mapping</a:t>
+            </a:r>
+            <a:r>
+              <a:rPr lang="mr-IN" sz="2000" dirty="0" smtClean="0">
+                <a:solidFill>
+                  <a:schemeClr val="accent1">
+                    <a:lumMod val="40000"/>
+                    <a:lumOff val="60000"/>
+                  </a:schemeClr>
+                </a:solidFill>
+                <a:latin typeface="Courier" charset="0"/>
+                <a:ea typeface="Courier" charset="0"/>
+                <a:cs typeface="Courier" charset="0"/>
+              </a:rPr>
+              <a:t>(</a:t>
+            </a:r>
+            <a:r>
+              <a:rPr lang="mr-IN" sz="2000" dirty="0" err="1" smtClean="0">
+                <a:solidFill>
+                  <a:schemeClr val="accent1">
+                    <a:lumMod val="40000"/>
+                    <a:lumOff val="60000"/>
+                  </a:schemeClr>
+                </a:solidFill>
+                <a:latin typeface="Courier" charset="0"/>
+                <a:ea typeface="Courier" charset="0"/>
+                <a:cs typeface="Courier" charset="0"/>
+              </a:rPr>
+              <a:t>tt</a:t>
+            </a:r>
+            <a:r>
+              <a:rPr lang="mr-IN" sz="2000" dirty="0" smtClean="0">
+                <a:solidFill>
+                  <a:schemeClr val="accent1">
+                    <a:lumMod val="40000"/>
+                    <a:lumOff val="60000"/>
+                  </a:schemeClr>
+                </a:solidFill>
+                <a:latin typeface="Courier" charset="0"/>
+                <a:ea typeface="Courier" charset="0"/>
+                <a:cs typeface="Courier" charset="0"/>
+              </a:rPr>
+              <a:t>: </a:t>
+            </a:r>
+            <a:r>
+              <a:rPr lang="mr-IN" sz="2000" dirty="0" err="1" smtClean="0">
+                <a:solidFill>
+                  <a:schemeClr val="accent1">
+                    <a:lumMod val="40000"/>
+                    <a:lumOff val="60000"/>
+                  </a:schemeClr>
+                </a:solidFill>
+                <a:latin typeface="Courier" charset="0"/>
+                <a:ea typeface="Courier" charset="0"/>
+                <a:cs typeface="Courier" charset="0"/>
+              </a:rPr>
+              <a:t>Tree</a:t>
+            </a:r>
+            <a:r>
+              <a:rPr lang="mr-IN" sz="2000" dirty="0" smtClean="0">
+                <a:solidFill>
+                  <a:schemeClr val="accent1">
+                    <a:lumMod val="40000"/>
+                    <a:lumOff val="60000"/>
+                  </a:schemeClr>
+                </a:solidFill>
+                <a:latin typeface="Courier" charset="0"/>
+                <a:ea typeface="Courier" charset="0"/>
+                <a:cs typeface="Courier" charset="0"/>
+              </a:rPr>
+              <a:t>[</a:t>
+            </a:r>
+            <a:r>
+              <a:rPr lang="mr-IN" sz="2000" dirty="0" err="1" smtClean="0">
+                <a:solidFill>
+                  <a:schemeClr val="accent1">
+                    <a:lumMod val="40000"/>
+                    <a:lumOff val="60000"/>
+                  </a:schemeClr>
+                </a:solidFill>
+                <a:latin typeface="Courier" charset="0"/>
+                <a:ea typeface="Courier" charset="0"/>
+                <a:cs typeface="Courier" charset="0"/>
+              </a:rPr>
+              <a:t>A</a:t>
+            </a:r>
+            <a:r>
+              <a:rPr lang="mr-IN" sz="2000" dirty="0" smtClean="0">
+                <a:solidFill>
+                  <a:schemeClr val="accent1">
+                    <a:lumMod val="40000"/>
+                    <a:lumOff val="60000"/>
+                  </a:schemeClr>
+                </a:solidFill>
+                <a:latin typeface="Courier" charset="0"/>
+                <a:ea typeface="Courier" charset="0"/>
+                <a:cs typeface="Courier" charset="0"/>
+              </a:rPr>
+              <a:t>]): </a:t>
+            </a:r>
+            <a:r>
+              <a:rPr lang="en-US" sz="2000" dirty="0" smtClean="0">
+                <a:latin typeface="Courier" charset="0"/>
+                <a:ea typeface="Courier" charset="0"/>
+                <a:cs typeface="Courier" charset="0"/>
+              </a:rPr>
+              <a:t>(</a:t>
+            </a:r>
+            <a:r>
+              <a:rPr lang="en-US" sz="2000" dirty="0" smtClean="0">
+                <a:solidFill>
+                  <a:srgbClr val="20999D"/>
+                </a:solidFill>
+                <a:latin typeface="Courier" charset="0"/>
+                <a:ea typeface="Courier" charset="0"/>
+                <a:cs typeface="Courier" charset="0"/>
+              </a:rPr>
+              <a:t>C</a:t>
+            </a:r>
+            <a:r>
+              <a:rPr lang="mr-IN" sz="2000" dirty="0" smtClean="0">
+                <a:latin typeface="Courier" charset="0"/>
+                <a:ea typeface="Courier" charset="0"/>
+                <a:cs typeface="Courier" charset="0"/>
+              </a:rPr>
+              <a:t> </a:t>
+            </a:r>
+            <a:r>
+              <a:rPr lang="mr-IN" sz="2000" dirty="0">
+                <a:latin typeface="Courier" charset="0"/>
+                <a:ea typeface="Courier" charset="0"/>
+                <a:cs typeface="Courier" charset="0"/>
+              </a:rPr>
+              <a:t>=&gt; </a:t>
+            </a:r>
+            <a:r>
+              <a:rPr lang="en-US" sz="2000" dirty="0" smtClean="0">
+                <a:solidFill>
+                  <a:srgbClr val="20999D"/>
+                </a:solidFill>
+                <a:latin typeface="Courier" charset="0"/>
+                <a:ea typeface="Courier" charset="0"/>
+                <a:cs typeface="Courier" charset="0"/>
+              </a:rPr>
+              <a:t>D</a:t>
+            </a:r>
+            <a:r>
+              <a:rPr lang="mr-IN" sz="2000" dirty="0" smtClean="0">
+                <a:latin typeface="Courier" charset="0"/>
+                <a:ea typeface="Courier" charset="0"/>
+                <a:cs typeface="Courier" charset="0"/>
+              </a:rPr>
+              <a:t>) </a:t>
+            </a:r>
+            <a:r>
+              <a:rPr lang="mr-IN" sz="2000" dirty="0">
+                <a:latin typeface="Courier" charset="0"/>
+                <a:ea typeface="Courier" charset="0"/>
+                <a:cs typeface="Courier" charset="0"/>
+              </a:rPr>
+              <a:t>=&gt; </a:t>
+            </a:r>
+            <a:r>
+              <a:rPr lang="en-US" sz="2000" dirty="0" smtClean="0">
+                <a:solidFill>
+                  <a:srgbClr val="20999D"/>
+                </a:solidFill>
+                <a:latin typeface="Courier" charset="0"/>
+                <a:ea typeface="Courier" charset="0"/>
+                <a:cs typeface="Courier" charset="0"/>
+              </a:rPr>
+              <a:t>D</a:t>
+            </a:r>
+            <a:r>
+              <a:rPr lang="mr-IN" sz="2000" i="1" dirty="0">
+                <a:latin typeface="Courier" charset="0"/>
+                <a:ea typeface="Courier" charset="0"/>
+                <a:cs typeface="Courier" charset="0"/>
+              </a:rPr>
+              <a:t/>
+            </a:r>
+            <a:br>
+              <a:rPr lang="mr-IN" sz="2000" i="1" dirty="0">
+                <a:latin typeface="Courier" charset="0"/>
+                <a:ea typeface="Courier" charset="0"/>
+                <a:cs typeface="Courier" charset="0"/>
+              </a:rPr>
+            </a:br>
+            <a:r>
+              <a:rPr lang="mr-IN" sz="2000" i="1" dirty="0">
+                <a:latin typeface="Courier" charset="0"/>
+                <a:ea typeface="Courier" charset="0"/>
+                <a:cs typeface="Courier" charset="0"/>
+              </a:rPr>
+              <a:t/>
+            </a:r>
+            <a:br>
+              <a:rPr lang="mr-IN" sz="2000" i="1" dirty="0">
+                <a:latin typeface="Courier" charset="0"/>
+                <a:ea typeface="Courier" charset="0"/>
+                <a:cs typeface="Courier" charset="0"/>
+              </a:rPr>
+            </a:br>
+            <a:endParaRPr lang="en-US" sz="2000" i="1" dirty="0" smtClean="0">
+              <a:latin typeface="Courier" charset="0"/>
+              <a:ea typeface="Courier" charset="0"/>
+              <a:cs typeface="Courier" charset="0"/>
+            </a:endParaRPr>
+          </a:p>
+          <a:p>
+            <a:r>
+              <a:rPr lang="mr-IN" sz="2000" b="1" dirty="0" err="1" smtClean="0">
+                <a:solidFill>
+                  <a:schemeClr val="accent1">
+                    <a:lumMod val="20000"/>
+                    <a:lumOff val="80000"/>
+                  </a:schemeClr>
+                </a:solidFill>
+                <a:latin typeface="Courier" charset="0"/>
+                <a:ea typeface="Courier" charset="0"/>
+                <a:cs typeface="Courier" charset="0"/>
+              </a:rPr>
+              <a:t>def</a:t>
+            </a:r>
+            <a:r>
+              <a:rPr lang="mr-IN" sz="2000" b="1" dirty="0" smtClean="0">
+                <a:solidFill>
+                  <a:schemeClr val="accent1">
+                    <a:lumMod val="20000"/>
+                    <a:lumOff val="80000"/>
+                  </a:schemeClr>
+                </a:solidFill>
+                <a:latin typeface="Courier" charset="0"/>
+                <a:ea typeface="Courier" charset="0"/>
+                <a:cs typeface="Courier" charset="0"/>
+              </a:rPr>
+              <a:t> </a:t>
+            </a:r>
+            <a:r>
+              <a:rPr lang="mr-IN" sz="2000" dirty="0" err="1" smtClean="0">
+                <a:solidFill>
+                  <a:schemeClr val="accent1">
+                    <a:lumMod val="20000"/>
+                    <a:lumOff val="80000"/>
+                  </a:schemeClr>
+                </a:solidFill>
+                <a:latin typeface="Courier" charset="0"/>
+                <a:ea typeface="Courier" charset="0"/>
+                <a:cs typeface="Courier" charset="0"/>
+              </a:rPr>
+              <a:t>mapping</a:t>
+            </a:r>
+            <a:r>
+              <a:rPr lang="mr-IN" sz="2000" dirty="0" smtClean="0">
+                <a:solidFill>
+                  <a:schemeClr val="accent1">
+                    <a:lumMod val="20000"/>
+                    <a:lumOff val="80000"/>
+                  </a:schemeClr>
+                </a:solidFill>
+                <a:latin typeface="Courier" charset="0"/>
+                <a:ea typeface="Courier" charset="0"/>
+                <a:cs typeface="Courier" charset="0"/>
+              </a:rPr>
+              <a:t>(</a:t>
+            </a:r>
+            <a:r>
+              <a:rPr lang="mr-IN" sz="2000" dirty="0" err="1" smtClean="0">
+                <a:solidFill>
+                  <a:schemeClr val="accent1">
+                    <a:lumMod val="20000"/>
+                    <a:lumOff val="80000"/>
+                  </a:schemeClr>
+                </a:solidFill>
+                <a:latin typeface="Courier" charset="0"/>
+                <a:ea typeface="Courier" charset="0"/>
+                <a:cs typeface="Courier" charset="0"/>
+              </a:rPr>
+              <a:t>tt</a:t>
+            </a:r>
+            <a:r>
+              <a:rPr lang="mr-IN" sz="2000" dirty="0" smtClean="0">
+                <a:solidFill>
+                  <a:schemeClr val="accent1">
+                    <a:lumMod val="20000"/>
+                    <a:lumOff val="80000"/>
+                  </a:schemeClr>
+                </a:solidFill>
+                <a:latin typeface="Courier" charset="0"/>
+                <a:ea typeface="Courier" charset="0"/>
+                <a:cs typeface="Courier" charset="0"/>
+              </a:rPr>
+              <a:t>: </a:t>
+            </a:r>
+            <a:r>
+              <a:rPr lang="mr-IN" sz="2000" dirty="0" err="1" smtClean="0">
+                <a:solidFill>
+                  <a:schemeClr val="accent1">
+                    <a:lumMod val="20000"/>
+                    <a:lumOff val="80000"/>
+                  </a:schemeClr>
+                </a:solidFill>
+                <a:latin typeface="Courier" charset="0"/>
+                <a:ea typeface="Courier" charset="0"/>
+                <a:cs typeface="Courier" charset="0"/>
+              </a:rPr>
+              <a:t>Tree</a:t>
+            </a:r>
+            <a:r>
+              <a:rPr lang="mr-IN" sz="2000" dirty="0" smtClean="0">
+                <a:solidFill>
+                  <a:schemeClr val="accent1">
+                    <a:lumMod val="20000"/>
+                    <a:lumOff val="80000"/>
+                  </a:schemeClr>
+                </a:solidFill>
+                <a:latin typeface="Courier" charset="0"/>
+                <a:ea typeface="Courier" charset="0"/>
+                <a:cs typeface="Courier" charset="0"/>
+              </a:rPr>
+              <a:t>[</a:t>
+            </a:r>
+            <a:r>
+              <a:rPr lang="mr-IN" sz="2000" dirty="0" err="1" smtClean="0">
+                <a:solidFill>
+                  <a:schemeClr val="accent1">
+                    <a:lumMod val="20000"/>
+                    <a:lumOff val="80000"/>
+                  </a:schemeClr>
+                </a:solidFill>
+                <a:latin typeface="Courier" charset="0"/>
+                <a:ea typeface="Courier" charset="0"/>
+                <a:cs typeface="Courier" charset="0"/>
+              </a:rPr>
+              <a:t>A</a:t>
+            </a:r>
+            <a:r>
+              <a:rPr lang="mr-IN" sz="2000" dirty="0" smtClean="0">
+                <a:solidFill>
+                  <a:schemeClr val="accent1">
+                    <a:lumMod val="20000"/>
+                    <a:lumOff val="80000"/>
+                  </a:schemeClr>
+                </a:solidFill>
+                <a:latin typeface="Courier" charset="0"/>
+                <a:ea typeface="Courier" charset="0"/>
+                <a:cs typeface="Courier" charset="0"/>
+              </a:rPr>
+              <a:t>]): </a:t>
+            </a:r>
+            <a:r>
+              <a:rPr lang="en-US" sz="2000" dirty="0" smtClean="0">
+                <a:solidFill>
+                  <a:schemeClr val="accent1">
+                    <a:lumMod val="20000"/>
+                    <a:lumOff val="80000"/>
+                  </a:schemeClr>
+                </a:solidFill>
+                <a:latin typeface="Courier" charset="0"/>
+                <a:ea typeface="Courier" charset="0"/>
+                <a:cs typeface="Courier" charset="0"/>
+              </a:rPr>
+              <a:t>      </a:t>
+            </a:r>
+            <a:r>
+              <a:rPr lang="en-US" sz="2000" dirty="0" err="1" smtClean="0">
+                <a:latin typeface="Courier" charset="0"/>
+                <a:ea typeface="Courier" charset="0"/>
+                <a:cs typeface="Courier" charset="0"/>
+              </a:rPr>
+              <a:t>Cont</a:t>
+            </a:r>
+            <a:endParaRPr lang="en-US" sz="2000" dirty="0" smtClean="0">
+              <a:latin typeface="Courier" charset="0"/>
+              <a:ea typeface="Courier" charset="0"/>
+              <a:cs typeface="Courier" charset="0"/>
+            </a:endParaRPr>
+          </a:p>
+          <a:p>
             <a:endParaRPr lang="en-US" sz="2000" dirty="0">
               <a:latin typeface="Courier" charset="0"/>
               <a:ea typeface="Courier" charset="0"/>
@@ -16906,38 +17948,6 @@
             </a:endParaRPr>
           </a:p>
           <a:p>
-            <a:r>
-              <a:rPr lang="en-US" sz="2000" dirty="0" smtClean="0">
-                <a:latin typeface="Courier" charset="0"/>
-                <a:ea typeface="Courier" charset="0"/>
-                <a:cs typeface="Courier" charset="0"/>
-              </a:rPr>
-              <a:t>[</a:t>
-            </a:r>
-            <a:r>
-              <a:rPr lang="en-US" sz="2000" dirty="0">
-                <a:latin typeface="Courier" charset="0"/>
-                <a:ea typeface="Courier" charset="0"/>
-                <a:cs typeface="Courier" charset="0"/>
-              </a:rPr>
-              <a:t>info] Compiling 1 Scala </a:t>
-            </a:r>
-            <a:r>
-              <a:rPr lang="en-US" sz="2000" dirty="0" smtClean="0">
-                <a:latin typeface="Courier" charset="0"/>
-                <a:ea typeface="Courier" charset="0"/>
-                <a:cs typeface="Courier" charset="0"/>
-              </a:rPr>
-              <a:t>source </a:t>
-            </a:r>
-            <a:r>
-              <a:rPr lang="mr-IN" sz="2000" dirty="0" smtClean="0">
-                <a:latin typeface="Courier" charset="0"/>
-                <a:ea typeface="Courier" charset="0"/>
-                <a:cs typeface="Courier" charset="0"/>
-              </a:rPr>
-              <a:t>…</a:t>
-            </a:r>
             <a:endParaRPr lang="en-US" sz="2000" dirty="0" smtClean="0">
               <a:latin typeface="Courier" charset="0"/>
               <a:ea typeface="Courier" charset="0"/>
@@ -16951,220 +17961,278 @@
                 <a:ea typeface="Courier" charset="0"/>
                 <a:cs typeface="Courier" charset="0"/>
               </a:rPr>
+              <a:t>				</a:t>
+            </a:r>
+            <a:r>
+              <a:rPr lang="mr-IN" sz="2000" dirty="0" err="1" smtClean="0">
+                <a:latin typeface="Courier" charset="0"/>
+                <a:ea typeface="Courier" charset="0"/>
+                <a:cs typeface="Courier" charset="0"/>
+              </a:rPr>
+              <a:t>Cont</a:t>
+            </a:r>
+            <a:r>
+              <a:rPr lang="mr-IN" sz="2000" dirty="0" smtClean="0">
+                <a:latin typeface="Courier" charset="0"/>
+                <a:ea typeface="Courier" charset="0"/>
+                <a:cs typeface="Courier" charset="0"/>
+              </a:rPr>
               <a:t>[</a:t>
             </a:r>
             <a:r>
-              <a:rPr lang="en-US" sz="2000" dirty="0">
-                <a:latin typeface="Courier" charset="0"/>
-                <a:ea typeface="Courier" charset="0"/>
-                <a:cs typeface="Courier" charset="0"/>
-              </a:rPr>
-              <a:t>error] </a:t>
-            </a:r>
-            <a:r>
-              <a:rPr lang="en-US" sz="2000" dirty="0" smtClean="0">
-                <a:latin typeface="Courier" charset="0"/>
-                <a:ea typeface="Courier" charset="0"/>
-                <a:cs typeface="Courier" charset="0"/>
-              </a:rPr>
-              <a:t>/</a:t>
-            </a:r>
-            <a:r>
-              <a:rPr lang="mr-IN" sz="2000" dirty="0" smtClean="0">
-                <a:latin typeface="Courier" charset="0"/>
-                <a:ea typeface="Courier" charset="0"/>
-                <a:cs typeface="Courier" charset="0"/>
-              </a:rPr>
-              <a:t>…</a:t>
-            </a:r>
-            <a:r>
-              <a:rPr lang="en-US" sz="2000" dirty="0" smtClean="0">
-                <a:latin typeface="Courier" charset="0"/>
-                <a:ea typeface="Courier" charset="0"/>
-                <a:cs typeface="Courier" charset="0"/>
-              </a:rPr>
-              <a:t>/</a:t>
-            </a:r>
-            <a:r>
-              <a:rPr lang="en-US" sz="2000" dirty="0" err="1" smtClean="0">
-                <a:latin typeface="Courier" charset="0"/>
-                <a:ea typeface="Courier" charset="0"/>
-                <a:cs typeface="Courier" charset="0"/>
-              </a:rPr>
-              <a:t>src</a:t>
-            </a:r>
-            <a:r>
-              <a:rPr lang="en-US" sz="2000" dirty="0" smtClean="0">
-                <a:latin typeface="Courier" charset="0"/>
-                <a:ea typeface="Courier" charset="0"/>
-                <a:cs typeface="Courier" charset="0"/>
-              </a:rPr>
-              <a:t>/main/</a:t>
-            </a:r>
-            <a:r>
-              <a:rPr lang="en-US" sz="2000" dirty="0" err="1" smtClean="0">
-                <a:latin typeface="Courier" charset="0"/>
-                <a:ea typeface="Courier" charset="0"/>
-                <a:cs typeface="Courier" charset="0"/>
-              </a:rPr>
-              <a:t>scala</a:t>
-            </a:r>
-            <a:r>
-              <a:rPr lang="en-US" sz="2000" dirty="0" smtClean="0">
-                <a:latin typeface="Courier" charset="0"/>
-                <a:ea typeface="Courier" charset="0"/>
-                <a:cs typeface="Courier" charset="0"/>
-              </a:rPr>
-              <a:t>/example/Var.scala:12:42</a:t>
-            </a:r>
-            <a:r>
-              <a:rPr lang="en-US" sz="2000" dirty="0">
-                <a:latin typeface="Courier" charset="0"/>
-                <a:ea typeface="Courier" charset="0"/>
-                <a:cs typeface="Courier" charset="0"/>
-              </a:rPr>
-              <a:t>: </a:t>
-            </a:r>
-            <a:endParaRPr lang="en-US" sz="2000" dirty="0" smtClean="0">
+              <a:rPr lang="mr-IN" sz="2000" dirty="0" err="1" smtClean="0">
+                <a:solidFill>
+                  <a:srgbClr val="20999D"/>
+                </a:solidFill>
+                <a:latin typeface="Courier" charset="0"/>
+                <a:ea typeface="Courier" charset="0"/>
+                <a:cs typeface="Courier" charset="0"/>
+              </a:rPr>
+              <a:t>A</a:t>
+            </a:r>
+            <a:r>
+              <a:rPr lang="mr-IN" sz="2000" dirty="0">
+                <a:latin typeface="Courier" charset="0"/>
+                <a:ea typeface="Courier" charset="0"/>
+                <a:cs typeface="Courier" charset="0"/>
+              </a:rPr>
+              <a:t>, </a:t>
+            </a:r>
+            <a:r>
+              <a:rPr lang="mr-IN" sz="2000" dirty="0" err="1">
+                <a:solidFill>
+                  <a:srgbClr val="20999D"/>
+                </a:solidFill>
+                <a:latin typeface="Courier" charset="0"/>
+                <a:ea typeface="Courier" charset="0"/>
+                <a:cs typeface="Courier" charset="0"/>
+              </a:rPr>
+              <a:t>R</a:t>
+            </a:r>
+            <a:r>
+              <a:rPr lang="mr-IN" sz="2000" dirty="0">
+                <a:latin typeface="Courier" charset="0"/>
+                <a:ea typeface="Courier" charset="0"/>
+                <a:cs typeface="Courier" charset="0"/>
+              </a:rPr>
+              <a:t>](</a:t>
+            </a:r>
+            <a:r>
+              <a:rPr lang="mr-IN" sz="2000" dirty="0" err="1">
+                <a:latin typeface="Courier" charset="0"/>
+                <a:ea typeface="Courier" charset="0"/>
+                <a:cs typeface="Courier" charset="0"/>
+              </a:rPr>
+              <a:t>k</a:t>
+            </a:r>
+            <a:r>
+              <a:rPr lang="mr-IN" sz="2000" dirty="0">
+                <a:latin typeface="Courier" charset="0"/>
+                <a:ea typeface="Courier" charset="0"/>
+                <a:cs typeface="Courier" charset="0"/>
+              </a:rPr>
+              <a:t>: (</a:t>
+            </a:r>
+            <a:r>
+              <a:rPr lang="mr-IN" sz="2000" dirty="0" err="1">
+                <a:solidFill>
+                  <a:srgbClr val="20999D"/>
+                </a:solidFill>
+                <a:latin typeface="Courier" charset="0"/>
+                <a:ea typeface="Courier" charset="0"/>
+                <a:cs typeface="Courier" charset="0"/>
+              </a:rPr>
+              <a:t>A</a:t>
+            </a:r>
+            <a:r>
+              <a:rPr lang="mr-IN" sz="2000" dirty="0">
+                <a:solidFill>
+                  <a:srgbClr val="20999D"/>
+                </a:solidFill>
+                <a:latin typeface="Courier" charset="0"/>
+                <a:ea typeface="Courier" charset="0"/>
+                <a:cs typeface="Courier" charset="0"/>
+              </a:rPr>
+              <a:t> </a:t>
+            </a:r>
+            <a:r>
+              <a:rPr lang="mr-IN" sz="2000" dirty="0">
+                <a:latin typeface="Courier" charset="0"/>
+                <a:ea typeface="Courier" charset="0"/>
+                <a:cs typeface="Courier" charset="0"/>
+              </a:rPr>
+              <a:t>=&gt; </a:t>
+            </a:r>
+            <a:r>
+              <a:rPr lang="mr-IN" sz="2000" dirty="0" err="1">
+                <a:solidFill>
+                  <a:srgbClr val="20999D"/>
+                </a:solidFill>
+                <a:latin typeface="Courier" charset="0"/>
+                <a:ea typeface="Courier" charset="0"/>
+                <a:cs typeface="Courier" charset="0"/>
+              </a:rPr>
+              <a:t>R</a:t>
+            </a:r>
+            <a:r>
+              <a:rPr lang="mr-IN" sz="2000" dirty="0">
+                <a:latin typeface="Courier" charset="0"/>
+                <a:ea typeface="Courier" charset="0"/>
+                <a:cs typeface="Courier" charset="0"/>
+              </a:rPr>
+              <a:t>) =&gt; </a:t>
+            </a:r>
+            <a:r>
+              <a:rPr lang="mr-IN" sz="2000" dirty="0" err="1">
+                <a:solidFill>
+                  <a:srgbClr val="20999D"/>
+                </a:solidFill>
+                <a:latin typeface="Courier" charset="0"/>
+                <a:ea typeface="Courier" charset="0"/>
+                <a:cs typeface="Courier" charset="0"/>
+              </a:rPr>
+              <a:t>R</a:t>
+            </a:r>
+            <a:r>
+              <a:rPr lang="mr-IN" sz="2000" dirty="0">
+                <a:latin typeface="Courier" charset="0"/>
+                <a:ea typeface="Courier" charset="0"/>
+                <a:cs typeface="Courier" charset="0"/>
+              </a:rPr>
+              <a:t>)</a:t>
+            </a:r>
+            <a:endParaRPr lang="en-US" sz="2000" dirty="0">
               <a:latin typeface="Courier" charset="0"/>
               <a:ea typeface="Courier" charset="0"/>
               <a:cs typeface="Courier" charset="0"/>
             </a:endParaRPr>
           </a:p>
-          <a:p>
-            <a:r>
-              <a:rPr lang="en-US" sz="2000" b="1" dirty="0" smtClean="0">
-                <a:latin typeface="Courier" charset="0"/>
-                <a:ea typeface="Courier" charset="0"/>
-                <a:cs typeface="Courier" charset="0"/>
-              </a:rPr>
-              <a:t>could </a:t>
-            </a:r>
-            <a:r>
-              <a:rPr lang="en-US" sz="2000" b="1" dirty="0">
-                <a:latin typeface="Courier" charset="0"/>
-                <a:ea typeface="Courier" charset="0"/>
-                <a:cs typeface="Courier" charset="0"/>
-              </a:rPr>
-              <a:t>not optimize @</a:t>
-            </a:r>
-            <a:r>
-              <a:rPr lang="en-US" sz="2000" b="1" dirty="0" err="1">
-                <a:latin typeface="Courier" charset="0"/>
-                <a:ea typeface="Courier" charset="0"/>
-                <a:cs typeface="Courier" charset="0"/>
-              </a:rPr>
-              <a:t>tailrec</a:t>
-            </a:r>
-            <a:r>
-              <a:rPr lang="en-US" sz="2000" b="1" dirty="0">
-                <a:latin typeface="Courier" charset="0"/>
-                <a:ea typeface="Courier" charset="0"/>
-                <a:cs typeface="Courier" charset="0"/>
-              </a:rPr>
-              <a:t> annotated method g: it contains a recursive call not in tail </a:t>
-            </a:r>
-            <a:r>
-              <a:rPr lang="en-US" sz="2000" b="1" dirty="0" smtClean="0">
-                <a:latin typeface="Courier" charset="0"/>
-                <a:ea typeface="Courier" charset="0"/>
-                <a:cs typeface="Courier" charset="0"/>
-              </a:rPr>
-              <a:t>position</a:t>
-            </a:r>
-          </a:p>
-          <a:p>
-            <a:r>
-              <a:rPr lang="en-US" sz="2000" dirty="0" smtClean="0">
-                <a:latin typeface="Courier" charset="0"/>
-                <a:ea typeface="Courier" charset="0"/>
-                <a:cs typeface="Courier" charset="0"/>
-              </a:rPr>
-              <a:t>[</a:t>
-            </a:r>
-            <a:r>
-              <a:rPr lang="en-US" sz="2000" dirty="0">
-                <a:latin typeface="Courier" charset="0"/>
-                <a:ea typeface="Courier" charset="0"/>
-                <a:cs typeface="Courier" charset="0"/>
-              </a:rPr>
-              <a:t>error]   </a:t>
-            </a:r>
-            <a:r>
-              <a:rPr lang="en-US" sz="2000" dirty="0" err="1">
-                <a:latin typeface="Courier" charset="0"/>
-                <a:ea typeface="Courier" charset="0"/>
-                <a:cs typeface="Courier" charset="0"/>
-              </a:rPr>
-              <a:t>def</a:t>
-            </a:r>
-            <a:r>
-              <a:rPr lang="en-US" sz="2000" dirty="0">
-                <a:latin typeface="Courier" charset="0"/>
-                <a:ea typeface="Courier" charset="0"/>
-                <a:cs typeface="Courier" charset="0"/>
-              </a:rPr>
-              <a:t> g(k: Unit =&gt; Unit): Unit = g(x =&gt; g(k</a:t>
-            </a:r>
-            <a:r>
-              <a:rPr lang="en-US" sz="2000" dirty="0" smtClean="0">
-                <a:latin typeface="Courier" charset="0"/>
-                <a:ea typeface="Courier" charset="0"/>
-                <a:cs typeface="Courier" charset="0"/>
-              </a:rPr>
-              <a:t>))</a:t>
-            </a:r>
-          </a:p>
-          <a:p>
-            <a:r>
-              <a:rPr lang="en-US" sz="2000" dirty="0" smtClean="0">
-                <a:latin typeface="Courier" charset="0"/>
-                <a:ea typeface="Courier" charset="0"/>
-                <a:cs typeface="Courier" charset="0"/>
-              </a:rPr>
-              <a:t>[</a:t>
-            </a:r>
-            <a:r>
-              <a:rPr lang="en-US" sz="2000" dirty="0">
-                <a:latin typeface="Courier" charset="0"/>
-                <a:ea typeface="Courier" charset="0"/>
-                <a:cs typeface="Courier" charset="0"/>
-              </a:rPr>
-              <a:t>error</a:t>
-            </a:r>
-            <a:r>
-              <a:rPr lang="en-US" sz="2000" dirty="0" smtClean="0">
-                <a:latin typeface="Courier" charset="0"/>
-                <a:ea typeface="Courier" charset="0"/>
-                <a:cs typeface="Courier" charset="0"/>
-              </a:rPr>
-              <a:t>]                                         ^</a:t>
-            </a:r>
-          </a:p>
-          <a:p>
-            <a:r>
-              <a:rPr lang="en-US" sz="2000" dirty="0" smtClean="0">
-                <a:latin typeface="Courier" charset="0"/>
-                <a:ea typeface="Courier" charset="0"/>
-                <a:cs typeface="Courier" charset="0"/>
-              </a:rPr>
-              <a:t>[</a:t>
-            </a:r>
-            <a:r>
-              <a:rPr lang="en-US" sz="2000" dirty="0">
-                <a:latin typeface="Courier" charset="0"/>
-                <a:ea typeface="Courier" charset="0"/>
-                <a:cs typeface="Courier" charset="0"/>
-              </a:rPr>
-              <a:t>error] one error found</a:t>
-            </a:r>
+        </p:txBody>
+      </p:sp>
+      <p:sp>
+        <p:nvSpPr>
+          <p:cNvPr id="3" name="Down Arrow 2"/>
+          <p:cNvSpPr/>
+          <p:nvPr/>
+        </p:nvSpPr>
+        <p:spPr>
+          <a:xfrm>
+            <a:off x="5448786" y="2165871"/>
+            <a:ext cx="277091" cy="387927"/>
+          </a:xfrm>
+          <a:prstGeom prst="downArrow">
+            <a:avLst/>
+          </a:prstGeom>
+        </p:spPr>
+        <p:style>
+          <a:lnRef idx="2">
+            <a:schemeClr val="accent1">
+              <a:shade val="50000"/>
+            </a:schemeClr>
+          </a:lnRef>
+          <a:fillRef idx="1">
+            <a:schemeClr val="accent1"/>
+          </a:fillRef>
+          <a:effectRef idx="0">
+            <a:schemeClr val="accent1"/>
+          </a:effectRef>
+          <a:fontRef idx="minor">
+            <a:schemeClr val="lt1"/>
+          </a:fontRef>
+        </p:style>
+        <p:txBody>
+          <a:bodyPr rtlCol="0" anchor="ctr"/>
+          <a:lstStyle/>
+          <a:p>
+            <a:pPr algn="ctr"/>
+            <a:endParaRPr lang="en-US"/>
+          </a:p>
+        </p:txBody>
+      </p:sp>
+      <p:sp>
+        <p:nvSpPr>
+          <p:cNvPr id="7" name="Down Arrow 6"/>
+          <p:cNvSpPr/>
+          <p:nvPr/>
+        </p:nvSpPr>
+        <p:spPr>
+          <a:xfrm>
+            <a:off x="5448786" y="3054591"/>
+            <a:ext cx="277091" cy="387927"/>
+          </a:xfrm>
+          <a:prstGeom prst="downArrow">
+            <a:avLst/>
+          </a:prstGeom>
+        </p:spPr>
+        <p:style>
+          <a:lnRef idx="2">
+            <a:schemeClr val="accent1">
+              <a:shade val="50000"/>
+            </a:schemeClr>
+          </a:lnRef>
+          <a:fillRef idx="1">
+            <a:schemeClr val="accent1"/>
+          </a:fillRef>
+          <a:effectRef idx="0">
+            <a:schemeClr val="accent1"/>
+          </a:effectRef>
+          <a:fontRef idx="minor">
+            <a:schemeClr val="lt1"/>
+          </a:fontRef>
+        </p:style>
+        <p:txBody>
+          <a:bodyPr rtlCol="0" anchor="ctr"/>
+          <a:lstStyle/>
+          <a:p>
+            <a:pPr algn="ctr"/>
+            <a:endParaRPr lang="en-US"/>
+          </a:p>
+        </p:txBody>
+      </p:sp>
+      <p:sp>
+        <p:nvSpPr>
+          <p:cNvPr id="8" name="Down Arrow 7"/>
+          <p:cNvSpPr/>
+          <p:nvPr/>
+        </p:nvSpPr>
+        <p:spPr>
+          <a:xfrm>
+            <a:off x="5448786" y="3990279"/>
+            <a:ext cx="277091" cy="387927"/>
+          </a:xfrm>
+          <a:prstGeom prst="downArrow">
+            <a:avLst/>
+          </a:prstGeom>
+        </p:spPr>
+        <p:style>
+          <a:lnRef idx="2">
+            <a:schemeClr val="accent1">
+              <a:shade val="50000"/>
+            </a:schemeClr>
+          </a:lnRef>
+          <a:fillRef idx="1">
+            <a:schemeClr val="accent1"/>
+          </a:fillRef>
+          <a:effectRef idx="0">
+            <a:schemeClr val="accent1"/>
+          </a:effectRef>
+          <a:fontRef idx="minor">
+            <a:schemeClr val="lt1"/>
+          </a:fontRef>
+        </p:style>
+        <p:txBody>
+          <a:bodyPr rtlCol="0" anchor="ctr"/>
+          <a:lstStyle/>
+          <a:p>
+            <a:pPr algn="ctr"/>
+            <a:endParaRPr lang="en-US"/>
           </a:p>
         </p:txBody>
       </p:sp>
     </p:spTree>
     <p:extLst>
       <p:ext uri="{BB962C8B-B14F-4D97-AF65-F5344CB8AC3E}">
-        <p14:creationId xmlns:p14="http://schemas.microsoft.com/office/powerpoint/2010/main" val="955794543"/>
+        <p14:creationId xmlns:p14="http://schemas.microsoft.com/office/powerpoint/2010/main" val="695204060"/>
       </p:ext>
     </p:extLst>
   </p:cSld>
@@ -17327,44 +18395,10 @@
           <a:lstStyle/>
           <a:p>
             <a:r>
-              <a:rPr lang="en-GB" dirty="0" smtClean="0"/>
-              <a:t>Recursive data types are not easy.</a:t>
-            </a:r>
-            <a:r>
-              <a:rPr lang="en-GB" dirty="0"/>
-              <a:t/>
-            </a:r>
-            <a:br>
-              <a:rPr lang="en-GB" dirty="0"/>
-            </a:br>
+              <a:rPr lang="en-US" dirty="0" err="1" smtClean="0"/>
+              <a:t>Gotchas</a:t>
+            </a:r>
             <a:endParaRPr lang="en-US" dirty="0"/>
-          </a:p>
-        </p:txBody>
-      </p:sp>
-      <p:sp>
-        <p:nvSpPr>
-          <p:cNvPr id="4" name="Text Placeholder 3"/>
-          <p:cNvSpPr>
-            <a:spLocks noGrp="1"/>
-          </p:cNvSpPr>
-          <p:nvPr>
-            <p:ph type="body" sz="quarter" idx="4294967295"/>
-          </p:nvPr>
-        </p:nvSpPr>
-        <p:spPr>
-          <a:xfrm>
-            <a:off x="585788" y="5656262"/>
-            <a:ext cx="5151437" cy="333375"/>
-          </a:xfrm>
-          <a:prstGeom prst="rect">
-            <a:avLst/>
-          </a:prstGeom>
-        </p:spPr>
-        <p:txBody>
-          <a:bodyPr/>
-          <a:lstStyle/>
-          <a:p>
-            <a:endParaRPr lang="en-US"/>
           </a:p>
         </p:txBody>
       </p:sp>
@@ -17395,14 +18429,14 @@
       </p:sp>
       <p:sp>
         <p:nvSpPr>
-          <p:cNvPr id="10" name="TextBox 9"/>
+          <p:cNvPr id="5" name="TextBox 4"/>
           <p:cNvSpPr txBox="1"/>
           <p:nvPr/>
         </p:nvSpPr>
         <p:spPr>
           <a:xfrm>
-            <a:off x="596901" y="1044000"/>
-            <a:ext cx="10510838" cy="5678478"/>
+            <a:off x="463826" y="1900719"/>
+            <a:ext cx="10959548" cy="3477875"/>
           </a:xfrm>
           <a:prstGeom prst="rect">
             <a:avLst/>
@@ -17410,1036 +18444,399 @@
           <a:noFill/>
         </p:spPr>
         <p:txBody>
-          <a:bodyPr wrap="square" tIns="0" rtlCol="0">
+          <a:bodyPr wrap="square" rtlCol="0">
             <a:spAutoFit/>
           </a:bodyPr>
           <a:lstStyle/>
           <a:p>
             <a:r>
+              <a:rPr lang="en-US" sz="2000" dirty="0">
+                <a:solidFill>
+                  <a:srgbClr val="808000"/>
+                </a:solidFill>
+                <a:latin typeface="Courier" charset="0"/>
+                <a:ea typeface="Courier" charset="0"/>
+                <a:cs typeface="Courier" charset="0"/>
+              </a:rPr>
+              <a:t>@</a:t>
+            </a:r>
+            <a:r>
+              <a:rPr lang="en-US" sz="2000" dirty="0" err="1">
+                <a:solidFill>
+                  <a:srgbClr val="808000"/>
+                </a:solidFill>
+                <a:latin typeface="Courier" charset="0"/>
+                <a:ea typeface="Courier" charset="0"/>
+                <a:cs typeface="Courier" charset="0"/>
+              </a:rPr>
+              <a:t>tailrec</a:t>
+            </a:r>
+            <a:r>
+              <a:rPr lang="en-US" sz="2000" dirty="0">
+                <a:solidFill>
+                  <a:srgbClr val="808000"/>
+                </a:solidFill>
+                <a:latin typeface="Courier" charset="0"/>
+                <a:ea typeface="Courier" charset="0"/>
+                <a:cs typeface="Courier" charset="0"/>
+              </a:rPr>
+              <a:t/>
+            </a:r>
+            <a:br>
+              <a:rPr lang="en-US" sz="2000" dirty="0">
+                <a:solidFill>
+                  <a:srgbClr val="808000"/>
+                </a:solidFill>
+                <a:latin typeface="Courier" charset="0"/>
+                <a:ea typeface="Courier" charset="0"/>
+                <a:cs typeface="Courier" charset="0"/>
+              </a:rPr>
+            </a:br>
+            <a:r>
+              <a:rPr lang="en-US" sz="2000" b="1" dirty="0" err="1">
+                <a:solidFill>
+                  <a:srgbClr val="000080"/>
+                </a:solidFill>
+                <a:latin typeface="Courier" charset="0"/>
+                <a:ea typeface="Courier" charset="0"/>
+                <a:cs typeface="Courier" charset="0"/>
+              </a:rPr>
+              <a:t>def</a:t>
+            </a:r>
+            <a:r>
+              <a:rPr lang="en-US" sz="2000" b="1" dirty="0">
+                <a:solidFill>
+                  <a:srgbClr val="000080"/>
+                </a:solidFill>
+                <a:latin typeface="Courier" charset="0"/>
+                <a:ea typeface="Courier" charset="0"/>
+                <a:cs typeface="Courier" charset="0"/>
+              </a:rPr>
+              <a:t> </a:t>
+            </a:r>
+            <a:r>
+              <a:rPr lang="en-US" sz="2000" dirty="0">
+                <a:latin typeface="Courier" charset="0"/>
+                <a:ea typeface="Courier" charset="0"/>
+                <a:cs typeface="Courier" charset="0"/>
+              </a:rPr>
+              <a:t>g(k: Unit =&gt; Unit): Unit = </a:t>
+            </a:r>
+            <a:r>
+              <a:rPr lang="en-US" sz="2000" i="1" dirty="0">
+                <a:latin typeface="Courier" charset="0"/>
+                <a:ea typeface="Courier" charset="0"/>
+                <a:cs typeface="Courier" charset="0"/>
+              </a:rPr>
+              <a:t>g</a:t>
+            </a:r>
+            <a:r>
+              <a:rPr lang="en-US" sz="2000" dirty="0">
+                <a:latin typeface="Courier" charset="0"/>
+                <a:ea typeface="Courier" charset="0"/>
+                <a:cs typeface="Courier" charset="0"/>
+              </a:rPr>
+              <a:t>(x =&gt; </a:t>
+            </a:r>
+            <a:r>
+              <a:rPr lang="en-US" sz="2000" i="1" dirty="0">
+                <a:latin typeface="Courier" charset="0"/>
+                <a:ea typeface="Courier" charset="0"/>
+                <a:cs typeface="Courier" charset="0"/>
+              </a:rPr>
+              <a:t>g</a:t>
+            </a:r>
+            <a:r>
+              <a:rPr lang="en-US" sz="2000" dirty="0">
+                <a:latin typeface="Courier" charset="0"/>
+                <a:ea typeface="Courier" charset="0"/>
+                <a:cs typeface="Courier" charset="0"/>
+              </a:rPr>
+              <a:t>(k</a:t>
+            </a:r>
+            <a:r>
+              <a:rPr lang="en-US" sz="2000" dirty="0" smtClean="0">
+                <a:latin typeface="Courier" charset="0"/>
+                <a:ea typeface="Courier" charset="0"/>
+                <a:cs typeface="Courier" charset="0"/>
+              </a:rPr>
+              <a:t>))</a:t>
+            </a:r>
+          </a:p>
+          <a:p>
+            <a:endParaRPr lang="en-US" sz="2000" dirty="0" smtClean="0">
+              <a:latin typeface="Courier" charset="0"/>
+              <a:ea typeface="Courier" charset="0"/>
+              <a:cs typeface="Courier" charset="0"/>
+            </a:endParaRPr>
+          </a:p>
+          <a:p>
+            <a:endParaRPr lang="en-US" sz="2000" dirty="0">
+              <a:latin typeface="Courier" charset="0"/>
+              <a:ea typeface="Courier" charset="0"/>
+              <a:cs typeface="Courier" charset="0"/>
+            </a:endParaRPr>
+          </a:p>
+          <a:p>
+            <a:r>
+              <a:rPr lang="en-US" sz="2000" dirty="0" smtClean="0">
+                <a:latin typeface="Courier" charset="0"/>
+                <a:ea typeface="Courier" charset="0"/>
+                <a:cs typeface="Courier" charset="0"/>
+              </a:rPr>
+              <a:t>[</a:t>
+            </a:r>
+            <a:r>
+              <a:rPr lang="en-US" sz="2000" dirty="0">
+                <a:latin typeface="Courier" charset="0"/>
+                <a:ea typeface="Courier" charset="0"/>
+                <a:cs typeface="Courier" charset="0"/>
+              </a:rPr>
+              <a:t>info] Compiling 1 Scala </a:t>
+            </a:r>
+            <a:r>
+              <a:rPr lang="en-US" sz="2000" dirty="0" smtClean="0">
+                <a:latin typeface="Courier" charset="0"/>
+                <a:ea typeface="Courier" charset="0"/>
+                <a:cs typeface="Courier" charset="0"/>
+              </a:rPr>
+              <a:t>source </a:t>
+            </a:r>
+            <a:r>
+              <a:rPr lang="mr-IN" sz="2000" dirty="0" smtClean="0">
+                <a:latin typeface="Courier" charset="0"/>
+                <a:ea typeface="Courier" charset="0"/>
+                <a:cs typeface="Courier" charset="0"/>
+              </a:rPr>
+              <a:t>…</a:t>
+            </a:r>
+            <a:endParaRPr lang="en-US" sz="2000" dirty="0" smtClean="0">
+              <a:latin typeface="Courier" charset="0"/>
+              <a:ea typeface="Courier" charset="0"/>
+              <a:cs typeface="Courier" charset="0"/>
+            </a:endParaRPr>
+          </a:p>
+          <a:p>
+            <a:r>
+              <a:rPr lang="en-US" sz="2000" dirty="0" smtClean="0">
+                <a:latin typeface="Courier" charset="0"/>
+                <a:ea typeface="Courier" charset="0"/>
+                <a:cs typeface="Courier" charset="0"/>
+              </a:rPr>
+              <a:t>[</a:t>
+            </a:r>
+            <a:r>
+              <a:rPr lang="en-US" sz="2000" dirty="0">
+                <a:latin typeface="Courier" charset="0"/>
+                <a:ea typeface="Courier" charset="0"/>
+                <a:cs typeface="Courier" charset="0"/>
+              </a:rPr>
+              <a:t>error] </a:t>
+            </a:r>
+            <a:r>
+              <a:rPr lang="en-US" sz="2000" dirty="0" smtClean="0">
+                <a:latin typeface="Courier" charset="0"/>
+                <a:ea typeface="Courier" charset="0"/>
+                <a:cs typeface="Courier" charset="0"/>
+              </a:rPr>
+              <a:t>/</a:t>
+            </a:r>
+            <a:r>
+              <a:rPr lang="mr-IN" sz="2000" dirty="0" smtClean="0">
+                <a:latin typeface="Courier" charset="0"/>
+                <a:ea typeface="Courier" charset="0"/>
+                <a:cs typeface="Courier" charset="0"/>
+              </a:rPr>
+              <a:t>…</a:t>
+            </a:r>
+            <a:r>
+              <a:rPr lang="en-US" sz="2000" dirty="0" smtClean="0">
+                <a:latin typeface="Courier" charset="0"/>
+                <a:ea typeface="Courier" charset="0"/>
+                <a:cs typeface="Courier" charset="0"/>
+              </a:rPr>
+              <a:t>/</a:t>
+            </a:r>
+            <a:r>
+              <a:rPr lang="en-US" sz="2000" dirty="0" err="1" smtClean="0">
+                <a:latin typeface="Courier" charset="0"/>
+                <a:ea typeface="Courier" charset="0"/>
+                <a:cs typeface="Courier" charset="0"/>
+              </a:rPr>
+              <a:t>src</a:t>
+            </a:r>
+            <a:r>
+              <a:rPr lang="en-US" sz="2000" dirty="0" smtClean="0">
+                <a:latin typeface="Courier" charset="0"/>
+                <a:ea typeface="Courier" charset="0"/>
+                <a:cs typeface="Courier" charset="0"/>
+              </a:rPr>
+              <a:t>/main/</a:t>
+            </a:r>
+            <a:r>
+              <a:rPr lang="en-US" sz="2000" dirty="0" err="1" smtClean="0">
+                <a:latin typeface="Courier" charset="0"/>
+                <a:ea typeface="Courier" charset="0"/>
+                <a:cs typeface="Courier" charset="0"/>
+              </a:rPr>
+              <a:t>scala</a:t>
+            </a:r>
+            <a:r>
+              <a:rPr lang="en-US" sz="2000" dirty="0" smtClean="0">
+                <a:latin typeface="Courier" charset="0"/>
+                <a:ea typeface="Courier" charset="0"/>
+                <a:cs typeface="Courier" charset="0"/>
+              </a:rPr>
+              <a:t>/example/Var.scala:12:42</a:t>
+            </a:r>
+            <a:r>
+              <a:rPr lang="en-US" sz="2000" dirty="0">
+                <a:latin typeface="Courier" charset="0"/>
+                <a:ea typeface="Courier" charset="0"/>
+                <a:cs typeface="Courier" charset="0"/>
+              </a:rPr>
+              <a:t>: </a:t>
+            </a:r>
+            <a:endParaRPr lang="en-US" sz="2000" dirty="0" smtClean="0">
+              <a:latin typeface="Courier" charset="0"/>
+              <a:ea typeface="Courier" charset="0"/>
+              <a:cs typeface="Courier" charset="0"/>
+            </a:endParaRPr>
+          </a:p>
+          <a:p>
+            <a:r>
               <a:rPr lang="en-US" sz="2000" b="1" dirty="0" smtClean="0">
-                <a:solidFill>
-                  <a:srgbClr val="CC7832"/>
-                </a:solidFill>
-                <a:latin typeface="Andale Mono" charset="0"/>
-                <a:ea typeface="Andale Mono" charset="0"/>
-                <a:cs typeface="Andale Mono" charset="0"/>
-              </a:rPr>
-              <a:t>trait </a:t>
-            </a:r>
-            <a:r>
-              <a:rPr lang="en-US" sz="2000" dirty="0" err="1" smtClean="0">
-                <a:latin typeface="Andale Mono" charset="0"/>
-                <a:ea typeface="Andale Mono" charset="0"/>
-                <a:cs typeface="Andale Mono" charset="0"/>
-              </a:rPr>
-              <a:t>WordDictionary</a:t>
-            </a:r>
+                <a:latin typeface="Courier" charset="0"/>
+                <a:ea typeface="Courier" charset="0"/>
+                <a:cs typeface="Courier" charset="0"/>
+              </a:rPr>
+              <a:t>could </a:t>
+            </a:r>
+            <a:r>
+              <a:rPr lang="en-US" sz="2000" b="1" dirty="0">
+                <a:latin typeface="Courier" charset="0"/>
+                <a:ea typeface="Courier" charset="0"/>
+                <a:cs typeface="Courier" charset="0"/>
+              </a:rPr>
+              <a:t>not optimize @</a:t>
+            </a:r>
+            <a:r>
+              <a:rPr lang="en-US" sz="2000" b="1" dirty="0" err="1">
+                <a:latin typeface="Courier" charset="0"/>
+                <a:ea typeface="Courier" charset="0"/>
+                <a:cs typeface="Courier" charset="0"/>
+              </a:rPr>
+              <a:t>tailrec</a:t>
+            </a:r>
+            <a:r>
+              <a:rPr lang="en-US" sz="2000" b="1" dirty="0">
+                <a:latin typeface="Courier" charset="0"/>
+                <a:ea typeface="Courier" charset="0"/>
+                <a:cs typeface="Courier" charset="0"/>
+              </a:rPr>
+              <a:t> annotated method g: it contains a recursive call not in tail </a:t>
+            </a:r>
+            <a:r>
+              <a:rPr lang="en-US" sz="2000" b="1" dirty="0" smtClean="0">
+                <a:latin typeface="Courier" charset="0"/>
+                <a:ea typeface="Courier" charset="0"/>
+                <a:cs typeface="Courier" charset="0"/>
+              </a:rPr>
+              <a:t>position</a:t>
+            </a:r>
+          </a:p>
+          <a:p>
             <a:r>
               <a:rPr lang="en-US" sz="2000" dirty="0" smtClean="0">
-                <a:latin typeface="Andale Mono" charset="0"/>
-                <a:ea typeface="Andale Mono" charset="0"/>
-                <a:cs typeface="Andale Mono" charset="0"/>
-              </a:rPr>
-              <a:t> {</a:t>
-            </a:r>
-            <a:br>
+                <a:latin typeface="Courier" charset="0"/>
+                <a:ea typeface="Courier" charset="0"/>
+                <a:cs typeface="Courier" charset="0"/>
+              </a:rPr>
+              <a:t>[</a:t>
+            </a:r>
+            <a:r>
+              <a:rPr lang="en-US" sz="2000" dirty="0">
+                <a:latin typeface="Courier" charset="0"/>
+                <a:ea typeface="Courier" charset="0"/>
+                <a:cs typeface="Courier" charset="0"/>
+              </a:rPr>
+              <a:t>error]   </a:t>
+            </a:r>
+            <a:r>
+              <a:rPr lang="en-US" sz="2000" dirty="0" err="1">
+                <a:latin typeface="Courier" charset="0"/>
+                <a:ea typeface="Courier" charset="0"/>
+                <a:cs typeface="Courier" charset="0"/>
+              </a:rPr>
+              <a:t>def</a:t>
+            </a:r>
+            <a:r>
+              <a:rPr lang="en-US" sz="2000" dirty="0">
+                <a:latin typeface="Courier" charset="0"/>
+                <a:ea typeface="Courier" charset="0"/>
+                <a:cs typeface="Courier" charset="0"/>
+              </a:rPr>
+              <a:t> g(k: Unit =&gt; Unit): Unit = g(x =&gt; g(k</a:t>
+            </a:r>
+            <a:r>
               <a:rPr lang="en-US" sz="2000" dirty="0" smtClean="0">
-                <a:latin typeface="Andale Mono" charset="0"/>
-                <a:ea typeface="Andale Mono" charset="0"/>
-                <a:cs typeface="Andale Mono" charset="0"/>
-              </a:rPr>
-            </a:br>
+                <a:latin typeface="Courier" charset="0"/>
+                <a:ea typeface="Courier" charset="0"/>
+                <a:cs typeface="Courier" charset="0"/>
+              </a:rPr>
+              <a:t>))</a:t>
+            </a:r>
+          </a:p>
+          <a:p>
             <a:r>
               <a:rPr lang="en-US" sz="2000" dirty="0" smtClean="0">
-                <a:latin typeface="Andale Mono" charset="0"/>
-                <a:ea typeface="Andale Mono" charset="0"/>
-                <a:cs typeface="Andale Mono" charset="0"/>
-              </a:rPr>
-              <a:t>  </a:t>
-            </a:r>
-            <a:r>
-              <a:rPr lang="en-US" sz="2000" b="1" dirty="0" err="1" smtClean="0">
-                <a:solidFill>
-                  <a:srgbClr val="CC7832"/>
-                </a:solidFill>
-                <a:latin typeface="Andale Mono" charset="0"/>
-                <a:ea typeface="Andale Mono" charset="0"/>
-                <a:cs typeface="Andale Mono" charset="0"/>
-              </a:rPr>
-              <a:t>def</a:t>
-            </a:r>
-            <a:r>
-              <a:rPr lang="en-US" sz="2000" b="1" dirty="0" smtClean="0">
-                <a:solidFill>
-                  <a:srgbClr val="CC7832"/>
-                </a:solidFill>
-                <a:latin typeface="Andale Mono" charset="0"/>
-                <a:ea typeface="Andale Mono" charset="0"/>
-                <a:cs typeface="Andale Mono" charset="0"/>
-              </a:rPr>
-              <a:t> </a:t>
-            </a:r>
-            <a:r>
-              <a:rPr lang="en-US" sz="2000" dirty="0" err="1" smtClean="0">
-                <a:solidFill>
-                  <a:srgbClr val="FFC66D"/>
-                </a:solidFill>
-                <a:latin typeface="Andale Mono" charset="0"/>
-                <a:ea typeface="Andale Mono" charset="0"/>
-                <a:cs typeface="Andale Mono" charset="0"/>
-              </a:rPr>
-              <a:t>lang</a:t>
+                <a:latin typeface="Courier" charset="0"/>
+                <a:ea typeface="Courier" charset="0"/>
+                <a:cs typeface="Courier" charset="0"/>
+              </a:rPr>
+              <a:t>[</a:t>
+            </a:r>
+            <a:r>
+              <a:rPr lang="en-US" sz="2000" dirty="0">
+                <a:latin typeface="Courier" charset="0"/>
+                <a:ea typeface="Courier" charset="0"/>
+                <a:cs typeface="Courier" charset="0"/>
+              </a:rPr>
+              <a:t>error</a:t>
             </a:r>
             <a:r>
               <a:rPr lang="en-US" sz="2000" dirty="0" smtClean="0">
-                <a:latin typeface="Andale Mono" charset="0"/>
-                <a:ea typeface="Andale Mono" charset="0"/>
-                <a:cs typeface="Andale Mono" charset="0"/>
-              </a:rPr>
-              <a:t>: </a:t>
-            </a:r>
+                <a:latin typeface="Courier" charset="0"/>
+                <a:ea typeface="Courier" charset="0"/>
+                <a:cs typeface="Courier" charset="0"/>
+              </a:rPr>
+              <a:t>]                                         ^</a:t>
+            </a:r>
+          </a:p>
+          <a:p>
             <a:r>
               <a:rPr lang="en-US" sz="2000" dirty="0" smtClean="0">
-                <a:solidFill>
-                  <a:srgbClr val="4E807D"/>
-                </a:solidFill>
-                <a:latin typeface="Andale Mono" charset="0"/>
-                <a:ea typeface="Andale Mono" charset="0"/>
-                <a:cs typeface="Andale Mono" charset="0"/>
-              </a:rPr>
-              <a:t>Lang</a:t>
-            </a:r>
-            <a:br>
-              <a:rPr lang="en-US" sz="2000" dirty="0" smtClean="0">
-                <a:solidFill>
-                  <a:srgbClr val="4E807D"/>
-                </a:solidFill>
-                <a:latin typeface="Andale Mono" charset="0"/>
-                <a:ea typeface="Andale Mono" charset="0"/>
-                <a:cs typeface="Andale Mono" charset="0"/>
-              </a:rPr>
-            </a:br>
-            <a:r>
-              <a:rPr lang="en-US" sz="2000" dirty="0" smtClean="0">
-                <a:solidFill>
-                  <a:srgbClr val="4E807D"/>
-                </a:solidFill>
-                <a:latin typeface="Andale Mono" charset="0"/>
-                <a:ea typeface="Andale Mono" charset="0"/>
-                <a:cs typeface="Andale Mono" charset="0"/>
-              </a:rPr>
-              <a:t>  </a:t>
-            </a:r>
-            <a:r>
-              <a:rPr lang="en-US" sz="2000" b="1" dirty="0" err="1" smtClean="0">
-                <a:solidFill>
-                  <a:srgbClr val="CC7832"/>
-                </a:solidFill>
-                <a:latin typeface="Andale Mono" charset="0"/>
-                <a:ea typeface="Andale Mono" charset="0"/>
-                <a:cs typeface="Andale Mono" charset="0"/>
-              </a:rPr>
-              <a:t>def</a:t>
-            </a:r>
-            <a:r>
-              <a:rPr lang="en-US" sz="2000" b="1" dirty="0" smtClean="0">
-                <a:solidFill>
-                  <a:srgbClr val="CC7832"/>
-                </a:solidFill>
-                <a:latin typeface="Andale Mono" charset="0"/>
-                <a:ea typeface="Andale Mono" charset="0"/>
-                <a:cs typeface="Andale Mono" charset="0"/>
-              </a:rPr>
-              <a:t> </a:t>
-            </a:r>
-            <a:r>
-              <a:rPr lang="en-US" sz="2000" dirty="0" err="1" smtClean="0">
-                <a:solidFill>
-                  <a:srgbClr val="FFC66D"/>
-                </a:solidFill>
-                <a:latin typeface="Andale Mono" charset="0"/>
-                <a:ea typeface="Andale Mono" charset="0"/>
-                <a:cs typeface="Andale Mono" charset="0"/>
-              </a:rPr>
-              <a:t>hasWord</a:t>
-            </a:r>
-            <a:r>
-              <a:rPr lang="en-US" sz="2000" dirty="0" smtClean="0">
-                <a:latin typeface="Andale Mono" charset="0"/>
-                <a:ea typeface="Andale Mono" charset="0"/>
-                <a:cs typeface="Andale Mono" charset="0"/>
-              </a:rPr>
-              <a:t>(word: </a:t>
-            </a:r>
-            <a:r>
-              <a:rPr lang="en-US" sz="2000" dirty="0" smtClean="0">
-                <a:solidFill>
-                  <a:srgbClr val="4E807D"/>
-                </a:solidFill>
-                <a:latin typeface="Andale Mono" charset="0"/>
-                <a:ea typeface="Andale Mono" charset="0"/>
-                <a:cs typeface="Andale Mono" charset="0"/>
-              </a:rPr>
-              <a:t>Word</a:t>
-            </a:r>
-            <a:r>
-              <a:rPr lang="en-US" sz="2000" dirty="0" smtClean="0">
-                <a:latin typeface="Andale Mono" charset="0"/>
-                <a:ea typeface="Andale Mono" charset="0"/>
-                <a:cs typeface="Andale Mono" charset="0"/>
-              </a:rPr>
-              <a:t>): </a:t>
-            </a:r>
-            <a:r>
-              <a:rPr lang="en-US" sz="2000" dirty="0" smtClean="0">
-                <a:solidFill>
-                  <a:srgbClr val="CC7832"/>
-                </a:solidFill>
-                <a:latin typeface="Andale Mono" charset="0"/>
-                <a:ea typeface="Andale Mono" charset="0"/>
-                <a:cs typeface="Andale Mono" charset="0"/>
-              </a:rPr>
-              <a:t>Boolean</a:t>
-            </a:r>
-            <a:br>
-              <a:rPr lang="en-US" sz="2000" dirty="0" smtClean="0">
-                <a:solidFill>
-                  <a:srgbClr val="CC7832"/>
-                </a:solidFill>
-                <a:latin typeface="Andale Mono" charset="0"/>
-                <a:ea typeface="Andale Mono" charset="0"/>
-                <a:cs typeface="Andale Mono" charset="0"/>
-              </a:rPr>
-            </a:br>
-            <a:r>
-              <a:rPr lang="en-US" sz="2000" dirty="0" smtClean="0">
-                <a:solidFill>
-                  <a:srgbClr val="CC7832"/>
-                </a:solidFill>
-                <a:latin typeface="Andale Mono" charset="0"/>
-                <a:ea typeface="Andale Mono" charset="0"/>
-                <a:cs typeface="Andale Mono" charset="0"/>
-              </a:rPr>
-              <a:t>  </a:t>
-            </a:r>
-            <a:r>
-              <a:rPr lang="en-US" sz="2000" b="1" dirty="0" err="1" smtClean="0">
-                <a:solidFill>
-                  <a:srgbClr val="CC7832"/>
-                </a:solidFill>
-                <a:latin typeface="Andale Mono" charset="0"/>
-                <a:ea typeface="Andale Mono" charset="0"/>
-                <a:cs typeface="Andale Mono" charset="0"/>
-              </a:rPr>
-              <a:t>def</a:t>
-            </a:r>
-            <a:r>
-              <a:rPr lang="en-US" sz="2000" b="1" dirty="0" smtClean="0">
-                <a:solidFill>
-                  <a:srgbClr val="CC7832"/>
-                </a:solidFill>
-                <a:latin typeface="Andale Mono" charset="0"/>
-                <a:ea typeface="Andale Mono" charset="0"/>
-                <a:cs typeface="Andale Mono" charset="0"/>
-              </a:rPr>
-              <a:t> </a:t>
-            </a:r>
-            <a:r>
-              <a:rPr lang="en-US" sz="2000" dirty="0" smtClean="0">
-                <a:solidFill>
-                  <a:srgbClr val="FFC66D"/>
-                </a:solidFill>
-                <a:latin typeface="Andale Mono" charset="0"/>
-                <a:ea typeface="Andale Mono" charset="0"/>
-                <a:cs typeface="Andale Mono" charset="0"/>
-              </a:rPr>
-              <a:t>definition</a:t>
-            </a:r>
-            <a:r>
-              <a:rPr lang="en-US" sz="2000" dirty="0" smtClean="0">
-                <a:latin typeface="Andale Mono" charset="0"/>
-                <a:ea typeface="Andale Mono" charset="0"/>
-                <a:cs typeface="Andale Mono" charset="0"/>
-              </a:rPr>
-              <a:t>(word: </a:t>
-            </a:r>
-            <a:r>
-              <a:rPr lang="en-US" sz="2000" dirty="0" smtClean="0">
-                <a:solidFill>
-                  <a:srgbClr val="4E807D"/>
-                </a:solidFill>
-                <a:latin typeface="Andale Mono" charset="0"/>
-                <a:ea typeface="Andale Mono" charset="0"/>
-                <a:cs typeface="Andale Mono" charset="0"/>
-              </a:rPr>
-              <a:t>Word</a:t>
-            </a:r>
-            <a:r>
-              <a:rPr lang="en-US" sz="2000" dirty="0" smtClean="0">
-                <a:latin typeface="Andale Mono" charset="0"/>
-                <a:ea typeface="Andale Mono" charset="0"/>
-                <a:cs typeface="Andale Mono" charset="0"/>
-              </a:rPr>
-              <a:t>): Option[</a:t>
-            </a:r>
-            <a:r>
-              <a:rPr lang="en-US" sz="2000" dirty="0" smtClean="0">
-                <a:solidFill>
-                  <a:srgbClr val="4E807D"/>
-                </a:solidFill>
-                <a:latin typeface="Andale Mono" charset="0"/>
-                <a:ea typeface="Andale Mono" charset="0"/>
-                <a:cs typeface="Andale Mono" charset="0"/>
-              </a:rPr>
-              <a:t>Definition</a:t>
-            </a:r>
-            <a:r>
-              <a:rPr lang="en-US" sz="2000" dirty="0" smtClean="0">
-                <a:latin typeface="Andale Mono" charset="0"/>
-                <a:ea typeface="Andale Mono" charset="0"/>
-                <a:cs typeface="Andale Mono" charset="0"/>
-              </a:rPr>
-              <a:t>]</a:t>
-            </a:r>
-            <a:br>
-              <a:rPr lang="en-US" sz="2000" dirty="0" smtClean="0">
-                <a:latin typeface="Andale Mono" charset="0"/>
-                <a:ea typeface="Andale Mono" charset="0"/>
-                <a:cs typeface="Andale Mono" charset="0"/>
-              </a:rPr>
-            </a:br>
-            <a:r>
-              <a:rPr lang="en-US" sz="2000" dirty="0" smtClean="0">
-                <a:latin typeface="Andale Mono" charset="0"/>
-                <a:ea typeface="Andale Mono" charset="0"/>
-                <a:cs typeface="Andale Mono" charset="0"/>
-              </a:rPr>
-              <a:t>  </a:t>
-            </a:r>
-            <a:r>
-              <a:rPr lang="en-US" sz="2000" b="1" dirty="0" err="1" smtClean="0">
-                <a:solidFill>
-                  <a:srgbClr val="CC7832"/>
-                </a:solidFill>
-                <a:latin typeface="Andale Mono" charset="0"/>
-                <a:ea typeface="Andale Mono" charset="0"/>
-                <a:cs typeface="Andale Mono" charset="0"/>
-              </a:rPr>
-              <a:t>def</a:t>
-            </a:r>
-            <a:r>
-              <a:rPr lang="en-US" sz="2000" b="1" dirty="0" smtClean="0">
-                <a:solidFill>
-                  <a:srgbClr val="CC7832"/>
-                </a:solidFill>
-                <a:latin typeface="Andale Mono" charset="0"/>
-                <a:ea typeface="Andale Mono" charset="0"/>
-                <a:cs typeface="Andale Mono" charset="0"/>
-              </a:rPr>
-              <a:t> </a:t>
-            </a:r>
-            <a:r>
-              <a:rPr lang="en-US" sz="2000" dirty="0" err="1" smtClean="0">
-                <a:solidFill>
-                  <a:srgbClr val="FFC66D"/>
-                </a:solidFill>
-                <a:latin typeface="Andale Mono" charset="0"/>
-                <a:ea typeface="Andale Mono" charset="0"/>
-                <a:cs typeface="Andale Mono" charset="0"/>
-              </a:rPr>
-              <a:t>intoSyllables</a:t>
-            </a:r>
-            <a:r>
-              <a:rPr lang="en-US" sz="2000" dirty="0" smtClean="0">
-                <a:latin typeface="Andale Mono" charset="0"/>
-                <a:ea typeface="Andale Mono" charset="0"/>
-                <a:cs typeface="Andale Mono" charset="0"/>
-              </a:rPr>
-              <a:t>(word: </a:t>
-            </a:r>
-            <a:r>
-              <a:rPr lang="en-US" sz="2000" dirty="0" smtClean="0">
-                <a:solidFill>
-                  <a:srgbClr val="4E807D"/>
-                </a:solidFill>
-                <a:latin typeface="Andale Mono" charset="0"/>
-                <a:ea typeface="Andale Mono" charset="0"/>
-                <a:cs typeface="Andale Mono" charset="0"/>
-              </a:rPr>
-              <a:t>Word</a:t>
-            </a:r>
-            <a:r>
-              <a:rPr lang="en-US" sz="2000" dirty="0" smtClean="0">
-                <a:latin typeface="Andale Mono" charset="0"/>
-                <a:ea typeface="Andale Mono" charset="0"/>
-                <a:cs typeface="Andale Mono" charset="0"/>
-              </a:rPr>
-              <a:t>): </a:t>
-            </a:r>
-            <a:r>
-              <a:rPr lang="en-US" sz="2000" dirty="0" smtClean="0">
-                <a:solidFill>
-                  <a:srgbClr val="4E807D"/>
-                </a:solidFill>
-                <a:latin typeface="Andale Mono" charset="0"/>
-                <a:ea typeface="Andale Mono" charset="0"/>
-                <a:cs typeface="Andale Mono" charset="0"/>
-              </a:rPr>
-              <a:t>List</a:t>
-            </a:r>
-            <a:r>
-              <a:rPr lang="en-US" sz="2000" dirty="0" smtClean="0">
-                <a:latin typeface="Andale Mono" charset="0"/>
-                <a:ea typeface="Andale Mono" charset="0"/>
-                <a:cs typeface="Andale Mono" charset="0"/>
+                <a:latin typeface="Courier" charset="0"/>
+                <a:ea typeface="Courier" charset="0"/>
+                <a:cs typeface="Courier" charset="0"/>
               </a:rPr>
               <a:t>[</a:t>
             </a:r>
             <a:r>
-              <a:rPr lang="en-US" sz="2000" dirty="0" smtClean="0">
-                <a:solidFill>
-                  <a:srgbClr val="4E807D"/>
-                </a:solidFill>
-                <a:latin typeface="Andale Mono" charset="0"/>
-                <a:ea typeface="Andale Mono" charset="0"/>
-                <a:cs typeface="Andale Mono" charset="0"/>
-              </a:rPr>
-              <a:t>Syllable</a:t>
-            </a:r>
-            <a:r>
-              <a:rPr lang="en-US" sz="2000" dirty="0" smtClean="0">
-                <a:latin typeface="Andale Mono" charset="0"/>
-                <a:ea typeface="Andale Mono" charset="0"/>
-                <a:cs typeface="Andale Mono" charset="0"/>
-              </a:rPr>
-              <a:t>]</a:t>
-            </a:r>
-            <a:br>
-              <a:rPr lang="en-US" sz="2000" dirty="0" smtClean="0">
-                <a:latin typeface="Andale Mono" charset="0"/>
-                <a:ea typeface="Andale Mono" charset="0"/>
-                <a:cs typeface="Andale Mono" charset="0"/>
-              </a:rPr>
-            </a:br>
-            <a:r>
-              <a:rPr lang="en-US" sz="2000" dirty="0" smtClean="0">
-                <a:latin typeface="Andale Mono" charset="0"/>
-                <a:ea typeface="Andale Mono" charset="0"/>
-                <a:cs typeface="Andale Mono" charset="0"/>
-              </a:rPr>
-              <a:t>}</a:t>
-            </a:r>
-          </a:p>
-          <a:p>
-            <a:endParaRPr lang="en-US" sz="2000" dirty="0" smtClean="0">
-              <a:latin typeface="Andale Mono" charset="0"/>
-              <a:ea typeface="Andale Mono" charset="0"/>
-              <a:cs typeface="Andale Mono" charset="0"/>
-            </a:endParaRPr>
-          </a:p>
-          <a:p>
-            <a:r>
-              <a:rPr lang="en-US" sz="2000" b="1" dirty="0" smtClean="0">
-                <a:solidFill>
-                  <a:srgbClr val="CC7832"/>
-                </a:solidFill>
-                <a:latin typeface="Andale Mono" charset="0"/>
-                <a:ea typeface="Andale Mono" charset="0"/>
-                <a:cs typeface="Andale Mono" charset="0"/>
-              </a:rPr>
-              <a:t>class </a:t>
-            </a:r>
-            <a:r>
-              <a:rPr lang="en-US" sz="2000" dirty="0" err="1" smtClean="0">
-                <a:latin typeface="Andale Mono" charset="0"/>
-                <a:ea typeface="Andale Mono" charset="0"/>
-                <a:cs typeface="Andale Mono" charset="0"/>
-              </a:rPr>
-              <a:t>DefaultWordDictionary</a:t>
-            </a:r>
-            <a:r>
-              <a:rPr lang="en-US" sz="2000" dirty="0" smtClean="0">
-                <a:latin typeface="Andale Mono" charset="0"/>
-                <a:ea typeface="Andale Mono" charset="0"/>
-                <a:cs typeface="Andale Mono" charset="0"/>
-              </a:rPr>
-              <a:t>(</a:t>
-            </a:r>
-          </a:p>
-          <a:p>
-            <a:r>
-              <a:rPr lang="en-US" sz="2000" dirty="0" smtClean="0">
-                <a:latin typeface="Andale Mono" charset="0"/>
-                <a:ea typeface="Andale Mono" charset="0"/>
-                <a:cs typeface="Andale Mono" charset="0"/>
-              </a:rPr>
-              <a:t>     </a:t>
-            </a:r>
-            <a:r>
-              <a:rPr lang="en-US" sz="2000" b="1" dirty="0" err="1" smtClean="0">
-                <a:solidFill>
-                  <a:srgbClr val="CC7832"/>
-                </a:solidFill>
-                <a:latin typeface="Andale Mono" charset="0"/>
-                <a:ea typeface="Andale Mono" charset="0"/>
-                <a:cs typeface="Andale Mono" charset="0"/>
-              </a:rPr>
-              <a:t>val</a:t>
-            </a:r>
-            <a:r>
-              <a:rPr lang="en-US" sz="2000" b="1" dirty="0" smtClean="0">
-                <a:solidFill>
-                  <a:srgbClr val="CC7832"/>
-                </a:solidFill>
-                <a:latin typeface="Andale Mono" charset="0"/>
-                <a:ea typeface="Andale Mono" charset="0"/>
-                <a:cs typeface="Andale Mono" charset="0"/>
-              </a:rPr>
-              <a:t> </a:t>
-            </a:r>
-            <a:r>
-              <a:rPr lang="en-US" sz="2000" dirty="0" err="1" smtClean="0">
-                <a:latin typeface="Andale Mono" charset="0"/>
-                <a:ea typeface="Andale Mono" charset="0"/>
-                <a:cs typeface="Andale Mono" charset="0"/>
-              </a:rPr>
-              <a:t>lang</a:t>
-            </a:r>
-            <a:r>
-              <a:rPr lang="en-US" sz="2000" dirty="0" smtClean="0">
-                <a:latin typeface="Andale Mono" charset="0"/>
-                <a:ea typeface="Andale Mono" charset="0"/>
-                <a:cs typeface="Andale Mono" charset="0"/>
-              </a:rPr>
-              <a:t>: </a:t>
-            </a:r>
-            <a:r>
-              <a:rPr lang="en-US" sz="2000" dirty="0" smtClean="0">
-                <a:solidFill>
-                  <a:srgbClr val="4E807D"/>
-                </a:solidFill>
-                <a:latin typeface="Andale Mono" charset="0"/>
-                <a:ea typeface="Andale Mono" charset="0"/>
-                <a:cs typeface="Andale Mono" charset="0"/>
-              </a:rPr>
-              <a:t>Lang</a:t>
-            </a:r>
-            <a:r>
-              <a:rPr lang="en-US" sz="2000" dirty="0" smtClean="0">
-                <a:solidFill>
-                  <a:srgbClr val="CC7832"/>
-                </a:solidFill>
-                <a:latin typeface="Andale Mono" charset="0"/>
-                <a:ea typeface="Andale Mono" charset="0"/>
-                <a:cs typeface="Andale Mono" charset="0"/>
-              </a:rPr>
-              <a:t>,</a:t>
-            </a:r>
-          </a:p>
-          <a:p>
-            <a:r>
-              <a:rPr lang="en-US" sz="2000" b="1" dirty="0" smtClean="0">
-                <a:solidFill>
-                  <a:srgbClr val="CC7832"/>
-                </a:solidFill>
-                <a:latin typeface="Andale Mono" charset="0"/>
-                <a:ea typeface="Andale Mono" charset="0"/>
-                <a:cs typeface="Andale Mono" charset="0"/>
-              </a:rPr>
-              <a:t>     private </a:t>
-            </a:r>
-            <a:r>
-              <a:rPr lang="en-US" sz="2000" b="1" dirty="0" err="1" smtClean="0">
-                <a:solidFill>
-                  <a:srgbClr val="CC7832"/>
-                </a:solidFill>
-                <a:latin typeface="Andale Mono" charset="0"/>
-                <a:ea typeface="Andale Mono" charset="0"/>
-                <a:cs typeface="Andale Mono" charset="0"/>
-              </a:rPr>
-              <a:t>val</a:t>
-            </a:r>
-            <a:r>
-              <a:rPr lang="en-US" sz="2000" b="1" dirty="0" smtClean="0">
-                <a:solidFill>
-                  <a:srgbClr val="CC7832"/>
-                </a:solidFill>
-                <a:latin typeface="Andale Mono" charset="0"/>
-                <a:ea typeface="Andale Mono" charset="0"/>
-                <a:cs typeface="Andale Mono" charset="0"/>
-              </a:rPr>
-              <a:t> </a:t>
-            </a:r>
-            <a:r>
-              <a:rPr lang="en-US" sz="2000" dirty="0" smtClean="0">
-                <a:latin typeface="Andale Mono" charset="0"/>
-                <a:ea typeface="Andale Mono" charset="0"/>
-                <a:cs typeface="Andale Mono" charset="0"/>
-              </a:rPr>
-              <a:t>definitions: </a:t>
-            </a:r>
-            <a:r>
-              <a:rPr lang="en-US" sz="2000" dirty="0" smtClean="0">
-                <a:solidFill>
-                  <a:srgbClr val="4E807D"/>
-                </a:solidFill>
-                <a:latin typeface="Andale Mono" charset="0"/>
-                <a:ea typeface="Andale Mono" charset="0"/>
-                <a:cs typeface="Andale Mono" charset="0"/>
-              </a:rPr>
-              <a:t>Map</a:t>
-            </a:r>
-            <a:r>
-              <a:rPr lang="en-US" sz="2000" dirty="0" smtClean="0">
-                <a:latin typeface="Andale Mono" charset="0"/>
-                <a:ea typeface="Andale Mono" charset="0"/>
-                <a:cs typeface="Andale Mono" charset="0"/>
-              </a:rPr>
-              <a:t>[</a:t>
-            </a:r>
-            <a:r>
-              <a:rPr lang="en-US" sz="2000" dirty="0" smtClean="0">
-                <a:solidFill>
-                  <a:srgbClr val="4E807D"/>
-                </a:solidFill>
-                <a:latin typeface="Andale Mono" charset="0"/>
-                <a:ea typeface="Andale Mono" charset="0"/>
-                <a:cs typeface="Andale Mono" charset="0"/>
-              </a:rPr>
-              <a:t>Word</a:t>
-            </a:r>
-            <a:r>
-              <a:rPr lang="en-US" sz="2000" dirty="0" smtClean="0">
-                <a:solidFill>
-                  <a:srgbClr val="CC7832"/>
-                </a:solidFill>
-                <a:latin typeface="Andale Mono" charset="0"/>
-                <a:ea typeface="Andale Mono" charset="0"/>
-                <a:cs typeface="Andale Mono" charset="0"/>
-              </a:rPr>
-              <a:t>, </a:t>
-            </a:r>
-            <a:r>
-              <a:rPr lang="en-US" sz="2000" dirty="0" smtClean="0">
-                <a:solidFill>
-                  <a:srgbClr val="4E807D"/>
-                </a:solidFill>
-                <a:latin typeface="Andale Mono" charset="0"/>
-                <a:ea typeface="Andale Mono" charset="0"/>
-                <a:cs typeface="Andale Mono" charset="0"/>
-              </a:rPr>
-              <a:t>Definition</a:t>
-            </a:r>
-            <a:r>
-              <a:rPr lang="en-US" sz="2000" dirty="0" smtClean="0">
-                <a:latin typeface="Andale Mono" charset="0"/>
-                <a:ea typeface="Andale Mono" charset="0"/>
-                <a:cs typeface="Andale Mono" charset="0"/>
-              </a:rPr>
-              <a:t>]</a:t>
-            </a:r>
-          </a:p>
-          <a:p>
-            <a:r>
-              <a:rPr lang="en-US" sz="2000" dirty="0" smtClean="0">
-                <a:latin typeface="Andale Mono" charset="0"/>
-                <a:ea typeface="Andale Mono" charset="0"/>
-                <a:cs typeface="Andale Mono" charset="0"/>
-              </a:rPr>
-              <a:t> ) </a:t>
-            </a:r>
-            <a:r>
-              <a:rPr lang="en-US" sz="2000" b="1" dirty="0" smtClean="0">
-                <a:solidFill>
-                  <a:srgbClr val="CC7832"/>
-                </a:solidFill>
-                <a:latin typeface="Andale Mono" charset="0"/>
-                <a:ea typeface="Andale Mono" charset="0"/>
-                <a:cs typeface="Andale Mono" charset="0"/>
-              </a:rPr>
-              <a:t>extends </a:t>
-            </a:r>
-            <a:r>
-              <a:rPr lang="en-US" sz="2000" dirty="0" err="1" smtClean="0">
-                <a:latin typeface="Andale Mono" charset="0"/>
-                <a:ea typeface="Andale Mono" charset="0"/>
-                <a:cs typeface="Andale Mono" charset="0"/>
-              </a:rPr>
-              <a:t>WordDictionary</a:t>
-            </a:r>
-            <a:r>
-              <a:rPr lang="en-US" sz="2000" dirty="0" smtClean="0">
-                <a:latin typeface="Andale Mono" charset="0"/>
-                <a:ea typeface="Andale Mono" charset="0"/>
-                <a:cs typeface="Andale Mono" charset="0"/>
-              </a:rPr>
-              <a:t> {</a:t>
-            </a:r>
-            <a:br>
-              <a:rPr lang="en-US" sz="2000" dirty="0" smtClean="0">
-                <a:latin typeface="Andale Mono" charset="0"/>
-                <a:ea typeface="Andale Mono" charset="0"/>
-                <a:cs typeface="Andale Mono" charset="0"/>
-              </a:rPr>
-            </a:br>
-            <a:r>
-              <a:rPr lang="en-US" dirty="0" smtClean="0">
-                <a:latin typeface="Andale Mono" charset="0"/>
-                <a:ea typeface="Andale Mono" charset="0"/>
-                <a:cs typeface="Andale Mono" charset="0"/>
-              </a:rPr>
-              <a:t/>
-            </a:r>
-            <a:br>
-              <a:rPr lang="en-US" dirty="0" smtClean="0">
-                <a:latin typeface="Andale Mono" charset="0"/>
-                <a:ea typeface="Andale Mono" charset="0"/>
-                <a:cs typeface="Andale Mono" charset="0"/>
-              </a:rPr>
-            </a:br>
-            <a:r>
-              <a:rPr lang="en-US" sz="1800" dirty="0" smtClean="0">
-                <a:latin typeface="Andale Mono" charset="0"/>
-                <a:ea typeface="Andale Mono" charset="0"/>
-                <a:cs typeface="Andale Mono" charset="0"/>
-              </a:rPr>
-              <a:t>  </a:t>
-            </a:r>
-            <a:r>
-              <a:rPr lang="en-US" sz="1800" b="1" dirty="0" err="1" smtClean="0">
-                <a:solidFill>
-                  <a:srgbClr val="CC7832"/>
-                </a:solidFill>
-                <a:latin typeface="Andale Mono" charset="0"/>
-                <a:ea typeface="Andale Mono" charset="0"/>
-                <a:cs typeface="Andale Mono" charset="0"/>
-              </a:rPr>
-              <a:t>def</a:t>
-            </a:r>
-            <a:r>
-              <a:rPr lang="en-US" sz="1800" b="1" dirty="0" smtClean="0">
-                <a:solidFill>
-                  <a:srgbClr val="CC7832"/>
-                </a:solidFill>
-                <a:latin typeface="Andale Mono" charset="0"/>
-                <a:ea typeface="Andale Mono" charset="0"/>
-                <a:cs typeface="Andale Mono" charset="0"/>
-              </a:rPr>
-              <a:t> </a:t>
-            </a:r>
-            <a:r>
-              <a:rPr lang="en-US" sz="1800" dirty="0" err="1" smtClean="0">
-                <a:solidFill>
-                  <a:srgbClr val="FFC66D"/>
-                </a:solidFill>
-                <a:latin typeface="Andale Mono" charset="0"/>
-                <a:ea typeface="Andale Mono" charset="0"/>
-                <a:cs typeface="Andale Mono" charset="0"/>
-              </a:rPr>
-              <a:t>hasWord</a:t>
-            </a:r>
-            <a:r>
-              <a:rPr lang="en-US" sz="1800" dirty="0" smtClean="0">
-                <a:latin typeface="Andale Mono" charset="0"/>
-                <a:ea typeface="Andale Mono" charset="0"/>
-                <a:cs typeface="Andale Mono" charset="0"/>
-              </a:rPr>
-              <a:t>(word: </a:t>
-            </a:r>
-            <a:r>
-              <a:rPr lang="en-US" sz="1800" dirty="0" smtClean="0">
-                <a:solidFill>
-                  <a:srgbClr val="4E807D"/>
-                </a:solidFill>
-                <a:latin typeface="Andale Mono" charset="0"/>
-                <a:ea typeface="Andale Mono" charset="0"/>
-                <a:cs typeface="Andale Mono" charset="0"/>
-              </a:rPr>
-              <a:t>Word</a:t>
-            </a:r>
-            <a:r>
-              <a:rPr lang="en-US" sz="1800" dirty="0" smtClean="0">
-                <a:latin typeface="Andale Mono" charset="0"/>
-                <a:ea typeface="Andale Mono" charset="0"/>
-                <a:cs typeface="Andale Mono" charset="0"/>
-              </a:rPr>
-              <a:t>): </a:t>
-            </a:r>
-            <a:r>
-              <a:rPr lang="en-US" sz="1800" dirty="0" smtClean="0">
-                <a:solidFill>
-                  <a:srgbClr val="CC7832"/>
-                </a:solidFill>
-                <a:latin typeface="Andale Mono" charset="0"/>
-                <a:ea typeface="Andale Mono" charset="0"/>
-                <a:cs typeface="Andale Mono" charset="0"/>
-              </a:rPr>
-              <a:t>Boolean </a:t>
-            </a:r>
-            <a:r>
-              <a:rPr lang="en-US" sz="1800" dirty="0" smtClean="0">
-                <a:latin typeface="Andale Mono" charset="0"/>
-                <a:ea typeface="Andale Mono" charset="0"/>
-                <a:cs typeface="Andale Mono" charset="0"/>
-              </a:rPr>
-              <a:t>= ???</a:t>
-            </a:r>
-            <a:br>
-              <a:rPr lang="en-US" sz="1800" dirty="0" smtClean="0">
-                <a:latin typeface="Andale Mono" charset="0"/>
-                <a:ea typeface="Andale Mono" charset="0"/>
-                <a:cs typeface="Andale Mono" charset="0"/>
-              </a:rPr>
-            </a:br>
-            <a:r>
-              <a:rPr lang="en-US" sz="1800" dirty="0" smtClean="0">
-                <a:latin typeface="Andale Mono" charset="0"/>
-                <a:ea typeface="Andale Mono" charset="0"/>
-                <a:cs typeface="Andale Mono" charset="0"/>
-              </a:rPr>
-              <a:t>  </a:t>
-            </a:r>
-            <a:r>
-              <a:rPr lang="en-US" sz="1800" b="1" dirty="0" err="1" smtClean="0">
-                <a:solidFill>
-                  <a:srgbClr val="CC7832"/>
-                </a:solidFill>
-                <a:latin typeface="Andale Mono" charset="0"/>
-                <a:ea typeface="Andale Mono" charset="0"/>
-                <a:cs typeface="Andale Mono" charset="0"/>
-              </a:rPr>
-              <a:t>def</a:t>
-            </a:r>
-            <a:r>
-              <a:rPr lang="en-US" sz="1800" b="1" dirty="0" smtClean="0">
-                <a:solidFill>
-                  <a:srgbClr val="CC7832"/>
-                </a:solidFill>
-                <a:latin typeface="Andale Mono" charset="0"/>
-                <a:ea typeface="Andale Mono" charset="0"/>
-                <a:cs typeface="Andale Mono" charset="0"/>
-              </a:rPr>
-              <a:t> </a:t>
-            </a:r>
-            <a:r>
-              <a:rPr lang="en-US" sz="1800" dirty="0" smtClean="0">
-                <a:solidFill>
-                  <a:srgbClr val="FFC66D"/>
-                </a:solidFill>
-                <a:latin typeface="Andale Mono" charset="0"/>
-                <a:ea typeface="Andale Mono" charset="0"/>
-                <a:cs typeface="Andale Mono" charset="0"/>
-              </a:rPr>
-              <a:t>definition</a:t>
-            </a:r>
-            <a:r>
-              <a:rPr lang="en-US" sz="1800" dirty="0" smtClean="0">
-                <a:latin typeface="Andale Mono" charset="0"/>
-                <a:ea typeface="Andale Mono" charset="0"/>
-                <a:cs typeface="Andale Mono" charset="0"/>
-              </a:rPr>
-              <a:t>(word: </a:t>
-            </a:r>
-            <a:r>
-              <a:rPr lang="en-US" sz="1800" dirty="0" smtClean="0">
-                <a:solidFill>
-                  <a:srgbClr val="4E807D"/>
-                </a:solidFill>
-                <a:latin typeface="Andale Mono" charset="0"/>
-                <a:ea typeface="Andale Mono" charset="0"/>
-                <a:cs typeface="Andale Mono" charset="0"/>
-              </a:rPr>
-              <a:t>Word</a:t>
-            </a:r>
-            <a:r>
-              <a:rPr lang="en-US" sz="1800" dirty="0" smtClean="0">
-                <a:latin typeface="Andale Mono" charset="0"/>
-                <a:ea typeface="Andale Mono" charset="0"/>
-                <a:cs typeface="Andale Mono" charset="0"/>
-              </a:rPr>
-              <a:t>): Option[</a:t>
-            </a:r>
-            <a:r>
-              <a:rPr lang="en-US" sz="1800" dirty="0" smtClean="0">
-                <a:solidFill>
-                  <a:srgbClr val="4E807D"/>
-                </a:solidFill>
-                <a:latin typeface="Andale Mono" charset="0"/>
-                <a:ea typeface="Andale Mono" charset="0"/>
-                <a:cs typeface="Andale Mono" charset="0"/>
-              </a:rPr>
-              <a:t>Definition</a:t>
-            </a:r>
-            <a:r>
-              <a:rPr lang="en-US" sz="1800" dirty="0" smtClean="0">
-                <a:latin typeface="Andale Mono" charset="0"/>
-                <a:ea typeface="Andale Mono" charset="0"/>
-                <a:cs typeface="Andale Mono" charset="0"/>
-              </a:rPr>
-              <a:t>] = ???</a:t>
-            </a:r>
-            <a:br>
-              <a:rPr lang="en-US" sz="1800" dirty="0" smtClean="0">
-                <a:latin typeface="Andale Mono" charset="0"/>
-                <a:ea typeface="Andale Mono" charset="0"/>
-                <a:cs typeface="Andale Mono" charset="0"/>
-              </a:rPr>
-            </a:br>
-            <a:r>
-              <a:rPr lang="en-US" sz="1800" dirty="0" smtClean="0">
-                <a:latin typeface="Andale Mono" charset="0"/>
-                <a:ea typeface="Andale Mono" charset="0"/>
-                <a:cs typeface="Andale Mono" charset="0"/>
-              </a:rPr>
-              <a:t>  </a:t>
-            </a:r>
-            <a:r>
-              <a:rPr lang="en-US" sz="1800" b="1" dirty="0" err="1" smtClean="0">
-                <a:solidFill>
-                  <a:srgbClr val="CC7832"/>
-                </a:solidFill>
-                <a:latin typeface="Andale Mono" charset="0"/>
-                <a:ea typeface="Andale Mono" charset="0"/>
-                <a:cs typeface="Andale Mono" charset="0"/>
-              </a:rPr>
-              <a:t>def</a:t>
-            </a:r>
-            <a:r>
-              <a:rPr lang="en-US" sz="1800" b="1" dirty="0" smtClean="0">
-                <a:solidFill>
-                  <a:srgbClr val="CC7832"/>
-                </a:solidFill>
-                <a:latin typeface="Andale Mono" charset="0"/>
-                <a:ea typeface="Andale Mono" charset="0"/>
-                <a:cs typeface="Andale Mono" charset="0"/>
-              </a:rPr>
-              <a:t> </a:t>
-            </a:r>
-            <a:r>
-              <a:rPr lang="en-US" sz="1800" dirty="0" err="1" smtClean="0">
-                <a:solidFill>
-                  <a:srgbClr val="FFC66D"/>
-                </a:solidFill>
-                <a:latin typeface="Andale Mono" charset="0"/>
-                <a:ea typeface="Andale Mono" charset="0"/>
-                <a:cs typeface="Andale Mono" charset="0"/>
-              </a:rPr>
-              <a:t>intoSyllables</a:t>
-            </a:r>
-            <a:r>
-              <a:rPr lang="en-US" sz="1800" dirty="0" smtClean="0">
-                <a:latin typeface="Andale Mono" charset="0"/>
-                <a:ea typeface="Andale Mono" charset="0"/>
-                <a:cs typeface="Andale Mono" charset="0"/>
-              </a:rPr>
-              <a:t>(word: </a:t>
-            </a:r>
-            <a:r>
-              <a:rPr lang="en-US" sz="1800" dirty="0" smtClean="0">
-                <a:solidFill>
-                  <a:srgbClr val="4E807D"/>
-                </a:solidFill>
-                <a:latin typeface="Andale Mono" charset="0"/>
-                <a:ea typeface="Andale Mono" charset="0"/>
-                <a:cs typeface="Andale Mono" charset="0"/>
-              </a:rPr>
-              <a:t>Word</a:t>
-            </a:r>
-            <a:r>
-              <a:rPr lang="en-US" sz="1800" dirty="0" smtClean="0">
-                <a:latin typeface="Andale Mono" charset="0"/>
-                <a:ea typeface="Andale Mono" charset="0"/>
-                <a:cs typeface="Andale Mono" charset="0"/>
-              </a:rPr>
-              <a:t>): </a:t>
-            </a:r>
-            <a:r>
-              <a:rPr lang="en-US" sz="1800" dirty="0" smtClean="0">
-                <a:solidFill>
-                  <a:srgbClr val="4E807D"/>
-                </a:solidFill>
-                <a:latin typeface="Andale Mono" charset="0"/>
-                <a:ea typeface="Andale Mono" charset="0"/>
-                <a:cs typeface="Andale Mono" charset="0"/>
-              </a:rPr>
-              <a:t>List</a:t>
-            </a:r>
-            <a:r>
-              <a:rPr lang="en-US" sz="1800" dirty="0" smtClean="0">
-                <a:latin typeface="Andale Mono" charset="0"/>
-                <a:ea typeface="Andale Mono" charset="0"/>
-                <a:cs typeface="Andale Mono" charset="0"/>
-              </a:rPr>
-              <a:t>[</a:t>
-            </a:r>
-            <a:r>
-              <a:rPr lang="en-US" sz="1800" dirty="0" smtClean="0">
-                <a:solidFill>
-                  <a:srgbClr val="4E807D"/>
-                </a:solidFill>
-                <a:latin typeface="Andale Mono" charset="0"/>
-                <a:ea typeface="Andale Mono" charset="0"/>
-                <a:cs typeface="Andale Mono" charset="0"/>
-              </a:rPr>
-              <a:t>Syllable</a:t>
-            </a:r>
-            <a:r>
-              <a:rPr lang="en-US" sz="1800" dirty="0" smtClean="0">
-                <a:latin typeface="Andale Mono" charset="0"/>
-                <a:ea typeface="Andale Mono" charset="0"/>
-                <a:cs typeface="Andale Mono" charset="0"/>
-              </a:rPr>
-              <a:t>] = ???</a:t>
-            </a:r>
-            <a:br>
-              <a:rPr lang="en-US" sz="1800" dirty="0" smtClean="0">
-                <a:latin typeface="Andale Mono" charset="0"/>
-                <a:ea typeface="Andale Mono" charset="0"/>
-                <a:cs typeface="Andale Mono" charset="0"/>
-              </a:rPr>
-            </a:br>
-            <a:r>
-              <a:rPr lang="en-US" dirty="0" smtClean="0">
-                <a:latin typeface="Andale Mono" charset="0"/>
-                <a:ea typeface="Andale Mono" charset="0"/>
-                <a:cs typeface="Andale Mono" charset="0"/>
-              </a:rPr>
-              <a:t>}</a:t>
-            </a:r>
-            <a:br>
-              <a:rPr lang="en-US" dirty="0" smtClean="0">
-                <a:latin typeface="Andale Mono" charset="0"/>
-                <a:ea typeface="Andale Mono" charset="0"/>
-                <a:cs typeface="Andale Mono" charset="0"/>
-              </a:rPr>
-            </a:br>
-            <a:r>
-              <a:rPr lang="en-US" dirty="0" smtClean="0">
-                <a:latin typeface="Andale Mono" charset="0"/>
-                <a:ea typeface="Andale Mono" charset="0"/>
-                <a:cs typeface="Andale Mono" charset="0"/>
-              </a:rPr>
-              <a:t/>
-            </a:r>
-            <a:br>
-              <a:rPr lang="en-US" dirty="0" smtClean="0">
-                <a:latin typeface="Andale Mono" charset="0"/>
-                <a:ea typeface="Andale Mono" charset="0"/>
-                <a:cs typeface="Andale Mono" charset="0"/>
-              </a:rPr>
-            </a:br>
-            <a:endParaRPr lang="en-US" dirty="0">
-              <a:latin typeface="Andale Mono" charset="0"/>
-              <a:ea typeface="Andale Mono" charset="0"/>
-              <a:cs typeface="Andale Mono" charset="0"/>
-            </a:endParaRPr>
+              <a:rPr lang="en-US" sz="2000" dirty="0">
+                <a:latin typeface="Courier" charset="0"/>
+                <a:ea typeface="Courier" charset="0"/>
+                <a:cs typeface="Courier" charset="0"/>
+              </a:rPr>
+              <a:t>error] one error found</a:t>
+            </a:r>
           </a:p>
         </p:txBody>
       </p:sp>
     </p:spTree>
     <p:extLst>
       <p:ext uri="{BB962C8B-B14F-4D97-AF65-F5344CB8AC3E}">
-        <p14:creationId xmlns:p14="http://schemas.microsoft.com/office/powerpoint/2010/main" val="230424112"/>
+        <p14:creationId xmlns:p14="http://schemas.microsoft.com/office/powerpoint/2010/main" val="955794543"/>
       </p:ext>
     </p:extLst>
   </p:cSld>
@@ -18494,8 +18891,12 @@
           <a:lstStyle/>
           <a:p>
             <a:r>
+              <a:rPr lang="en-GB" dirty="0" smtClean="0"/>
+              <a:t>Recursive data types are not easy.</a:t>
+            </a:r>
+            <a:r>
               <a:rPr lang="en-GB" dirty="0"/>
-              <a:t>What is a continuation?</a:t>
+              <a:t/>
             </a:r>
             <a:br>
               <a:rPr lang="en-GB" dirty="0"/>
@@ -19602,6 +20003,1169 @@
     </p:spTree>
     <p:extLst>
       <p:ext uri="{BB962C8B-B14F-4D97-AF65-F5344CB8AC3E}">
+        <p14:creationId xmlns:p14="http://schemas.microsoft.com/office/powerpoint/2010/main" val="230424112"/>
+      </p:ext>
+    </p:extLst>
+  </p:cSld>
+  <p:clrMapOvr>
+    <a:masterClrMapping/>
+  </p:clrMapOvr>
+  <p:timing>
+    <p:tnLst>
+      <p:par>
+        <p:cTn id="1" dur="indefinite" restart="never" nodeType="tmRoot"/>
+      </p:par>
+    </p:tnLst>
+  </p:timing>
+</p:sld>
+</file>
+
+<file path=ppt/slides/slide22.xml><?xml version="1.0" encoding="utf-8"?>
+<p:sld xmlns:a="http://schemas.openxmlformats.org/drawingml/2006/main" xmlns:r="http://schemas.openxmlformats.org/officeDocument/2006/relationships" xmlns:p="http://schemas.openxmlformats.org/presentationml/2006/main">
+  <p:cSld>
+    <p:spTree>
+      <p:nvGrpSpPr>
+        <p:cNvPr id="1" name=""/>
+        <p:cNvGrpSpPr/>
+        <p:nvPr/>
+      </p:nvGrpSpPr>
+      <p:grpSpPr>
+        <a:xfrm>
+          <a:off x="0" y="0"/>
+          <a:ext cx="0" cy="0"/>
+          <a:chOff x="0" y="0"/>
+          <a:chExt cx="0" cy="0"/>
+        </a:xfrm>
+      </p:grpSpPr>
+      <p:sp>
+        <p:nvSpPr>
+          <p:cNvPr id="2" name="Title 1"/>
+          <p:cNvSpPr>
+            <a:spLocks noGrp="1"/>
+          </p:cNvSpPr>
+          <p:nvPr>
+            <p:ph type="title"/>
+          </p:nvPr>
+        </p:nvSpPr>
+        <p:spPr>
+          <a:xfrm>
+            <a:off x="596901" y="506124"/>
+            <a:ext cx="10510838" cy="431515"/>
+          </a:xfrm>
+        </p:spPr>
+        <p:txBody>
+          <a:bodyPr/>
+          <a:lstStyle/>
+          <a:p>
+            <a:r>
+              <a:rPr lang="en-GB" dirty="0"/>
+              <a:t>What is a continuation?</a:t>
+            </a:r>
+            <a:br>
+              <a:rPr lang="en-GB" dirty="0"/>
+            </a:br>
+            <a:endParaRPr lang="en-US" dirty="0"/>
+          </a:p>
+        </p:txBody>
+      </p:sp>
+      <p:sp>
+        <p:nvSpPr>
+          <p:cNvPr id="4" name="Text Placeholder 3"/>
+          <p:cNvSpPr>
+            <a:spLocks noGrp="1"/>
+          </p:cNvSpPr>
+          <p:nvPr>
+            <p:ph type="body" sz="quarter" idx="4294967295"/>
+          </p:nvPr>
+        </p:nvSpPr>
+        <p:spPr>
+          <a:xfrm>
+            <a:off x="585788" y="5656262"/>
+            <a:ext cx="5151437" cy="333375"/>
+          </a:xfrm>
+          <a:prstGeom prst="rect">
+            <a:avLst/>
+          </a:prstGeom>
+        </p:spPr>
+        <p:txBody>
+          <a:bodyPr/>
+          <a:lstStyle/>
+          <a:p>
+            <a:endParaRPr lang="en-US"/>
+          </a:p>
+        </p:txBody>
+      </p:sp>
+      <p:sp>
+        <p:nvSpPr>
+          <p:cNvPr id="6" name="Rectangle 5"/>
+          <p:cNvSpPr/>
+          <p:nvPr/>
+        </p:nvSpPr>
+        <p:spPr>
+          <a:xfrm>
+            <a:off x="2925763" y="1900719"/>
+            <a:ext cx="6043576" cy="446276"/>
+          </a:xfrm>
+          <a:prstGeom prst="rect">
+            <a:avLst/>
+          </a:prstGeom>
+        </p:spPr>
+        <p:txBody>
+          <a:bodyPr wrap="square">
+            <a:spAutoFit/>
+          </a:bodyPr>
+          <a:lstStyle/>
+          <a:p>
+            <a:endParaRPr lang="en-US" dirty="0"/>
+          </a:p>
+        </p:txBody>
+      </p:sp>
+      <p:sp>
+        <p:nvSpPr>
+          <p:cNvPr id="10" name="TextBox 9"/>
+          <p:cNvSpPr txBox="1"/>
+          <p:nvPr/>
+        </p:nvSpPr>
+        <p:spPr>
+          <a:xfrm>
+            <a:off x="596901" y="1044000"/>
+            <a:ext cx="10510838" cy="5678478"/>
+          </a:xfrm>
+          <a:prstGeom prst="rect">
+            <a:avLst/>
+          </a:prstGeom>
+          <a:noFill/>
+        </p:spPr>
+        <p:txBody>
+          <a:bodyPr wrap="square" tIns="0" rtlCol="0">
+            <a:spAutoFit/>
+          </a:bodyPr>
+          <a:lstStyle/>
+          <a:p>
+            <a:r>
+              <a:rPr lang="en-US" sz="2000" b="1" dirty="0" smtClean="0">
+                <a:solidFill>
+                  <a:srgbClr val="CC7832"/>
+                </a:solidFill>
+                <a:latin typeface="Andale Mono" charset="0"/>
+                <a:ea typeface="Andale Mono" charset="0"/>
+                <a:cs typeface="Andale Mono" charset="0"/>
+              </a:rPr>
+              <a:t>trait </a:t>
+            </a:r>
+            <a:r>
+              <a:rPr lang="en-US" sz="2000" dirty="0" err="1" smtClean="0">
+                <a:latin typeface="Andale Mono" charset="0"/>
+                <a:ea typeface="Andale Mono" charset="0"/>
+                <a:cs typeface="Andale Mono" charset="0"/>
+              </a:rPr>
+              <a:t>WordDictionary</a:t>
+            </a:r>
+            <a:r>
+              <a:rPr lang="en-US" sz="2000" dirty="0" smtClean="0">
+                <a:latin typeface="Andale Mono" charset="0"/>
+                <a:ea typeface="Andale Mono" charset="0"/>
+                <a:cs typeface="Andale Mono" charset="0"/>
+              </a:rPr>
+              <a:t> {</a:t>
+            </a:r>
+            <a:br>
+              <a:rPr lang="en-US" sz="2000" dirty="0" smtClean="0">
+                <a:latin typeface="Andale Mono" charset="0"/>
+                <a:ea typeface="Andale Mono" charset="0"/>
+                <a:cs typeface="Andale Mono" charset="0"/>
+              </a:rPr>
+            </a:br>
+            <a:r>
+              <a:rPr lang="en-US" sz="2000" dirty="0" smtClean="0">
+                <a:latin typeface="Andale Mono" charset="0"/>
+                <a:ea typeface="Andale Mono" charset="0"/>
+                <a:cs typeface="Andale Mono" charset="0"/>
+              </a:rPr>
+              <a:t>  </a:t>
+            </a:r>
+            <a:r>
+              <a:rPr lang="en-US" sz="2000" b="1" dirty="0" err="1" smtClean="0">
+                <a:solidFill>
+                  <a:srgbClr val="CC7832"/>
+                </a:solidFill>
+                <a:latin typeface="Andale Mono" charset="0"/>
+                <a:ea typeface="Andale Mono" charset="0"/>
+                <a:cs typeface="Andale Mono" charset="0"/>
+              </a:rPr>
+              <a:t>def</a:t>
+            </a:r>
+            <a:r>
+              <a:rPr lang="en-US" sz="2000" b="1" dirty="0" smtClean="0">
+                <a:solidFill>
+                  <a:srgbClr val="CC7832"/>
+                </a:solidFill>
+                <a:latin typeface="Andale Mono" charset="0"/>
+                <a:ea typeface="Andale Mono" charset="0"/>
+                <a:cs typeface="Andale Mono" charset="0"/>
+              </a:rPr>
+              <a:t> </a:t>
+            </a:r>
+            <a:r>
+              <a:rPr lang="en-US" sz="2000" dirty="0" err="1" smtClean="0">
+                <a:solidFill>
+                  <a:srgbClr val="FFC66D"/>
+                </a:solidFill>
+                <a:latin typeface="Andale Mono" charset="0"/>
+                <a:ea typeface="Andale Mono" charset="0"/>
+                <a:cs typeface="Andale Mono" charset="0"/>
+              </a:rPr>
+              <a:t>lang</a:t>
+            </a:r>
+            <a:r>
+              <a:rPr lang="en-US" sz="2000" dirty="0" smtClean="0">
+                <a:latin typeface="Andale Mono" charset="0"/>
+                <a:ea typeface="Andale Mono" charset="0"/>
+                <a:cs typeface="Andale Mono" charset="0"/>
+              </a:rPr>
+              <a:t>: </a:t>
+            </a:r>
+            <a:r>
+              <a:rPr lang="en-US" sz="2000" dirty="0" smtClean="0">
+                <a:solidFill>
+                  <a:srgbClr val="4E807D"/>
+                </a:solidFill>
+                <a:latin typeface="Andale Mono" charset="0"/>
+                <a:ea typeface="Andale Mono" charset="0"/>
+                <a:cs typeface="Andale Mono" charset="0"/>
+              </a:rPr>
+              <a:t>Lang</a:t>
+            </a:r>
+            <a:br>
+              <a:rPr lang="en-US" sz="2000" dirty="0" smtClean="0">
+                <a:solidFill>
+                  <a:srgbClr val="4E807D"/>
+                </a:solidFill>
+                <a:latin typeface="Andale Mono" charset="0"/>
+                <a:ea typeface="Andale Mono" charset="0"/>
+                <a:cs typeface="Andale Mono" charset="0"/>
+              </a:rPr>
+            </a:br>
+            <a:r>
+              <a:rPr lang="en-US" sz="2000" dirty="0" smtClean="0">
+                <a:solidFill>
+                  <a:srgbClr val="4E807D"/>
+                </a:solidFill>
+                <a:latin typeface="Andale Mono" charset="0"/>
+                <a:ea typeface="Andale Mono" charset="0"/>
+                <a:cs typeface="Andale Mono" charset="0"/>
+              </a:rPr>
+              <a:t>  </a:t>
+            </a:r>
+            <a:r>
+              <a:rPr lang="en-US" sz="2000" b="1" dirty="0" err="1" smtClean="0">
+                <a:solidFill>
+                  <a:srgbClr val="CC7832"/>
+                </a:solidFill>
+                <a:latin typeface="Andale Mono" charset="0"/>
+                <a:ea typeface="Andale Mono" charset="0"/>
+                <a:cs typeface="Andale Mono" charset="0"/>
+              </a:rPr>
+              <a:t>def</a:t>
+            </a:r>
+            <a:r>
+              <a:rPr lang="en-US" sz="2000" b="1" dirty="0" smtClean="0">
+                <a:solidFill>
+                  <a:srgbClr val="CC7832"/>
+                </a:solidFill>
+                <a:latin typeface="Andale Mono" charset="0"/>
+                <a:ea typeface="Andale Mono" charset="0"/>
+                <a:cs typeface="Andale Mono" charset="0"/>
+              </a:rPr>
+              <a:t> </a:t>
+            </a:r>
+            <a:r>
+              <a:rPr lang="en-US" sz="2000" dirty="0" err="1" smtClean="0">
+                <a:solidFill>
+                  <a:srgbClr val="FFC66D"/>
+                </a:solidFill>
+                <a:latin typeface="Andale Mono" charset="0"/>
+                <a:ea typeface="Andale Mono" charset="0"/>
+                <a:cs typeface="Andale Mono" charset="0"/>
+              </a:rPr>
+              <a:t>hasWord</a:t>
+            </a:r>
+            <a:r>
+              <a:rPr lang="en-US" sz="2000" dirty="0" smtClean="0">
+                <a:latin typeface="Andale Mono" charset="0"/>
+                <a:ea typeface="Andale Mono" charset="0"/>
+                <a:cs typeface="Andale Mono" charset="0"/>
+              </a:rPr>
+              <a:t>(word: </a:t>
+            </a:r>
+            <a:r>
+              <a:rPr lang="en-US" sz="2000" dirty="0" smtClean="0">
+                <a:solidFill>
+                  <a:srgbClr val="4E807D"/>
+                </a:solidFill>
+                <a:latin typeface="Andale Mono" charset="0"/>
+                <a:ea typeface="Andale Mono" charset="0"/>
+                <a:cs typeface="Andale Mono" charset="0"/>
+              </a:rPr>
+              <a:t>Word</a:t>
+            </a:r>
+            <a:r>
+              <a:rPr lang="en-US" sz="2000" dirty="0" smtClean="0">
+                <a:latin typeface="Andale Mono" charset="0"/>
+                <a:ea typeface="Andale Mono" charset="0"/>
+                <a:cs typeface="Andale Mono" charset="0"/>
+              </a:rPr>
+              <a:t>): </a:t>
+            </a:r>
+            <a:r>
+              <a:rPr lang="en-US" sz="2000" dirty="0" smtClean="0">
+                <a:solidFill>
+                  <a:srgbClr val="CC7832"/>
+                </a:solidFill>
+                <a:latin typeface="Andale Mono" charset="0"/>
+                <a:ea typeface="Andale Mono" charset="0"/>
+                <a:cs typeface="Andale Mono" charset="0"/>
+              </a:rPr>
+              <a:t>Boolean</a:t>
+            </a:r>
+            <a:br>
+              <a:rPr lang="en-US" sz="2000" dirty="0" smtClean="0">
+                <a:solidFill>
+                  <a:srgbClr val="CC7832"/>
+                </a:solidFill>
+                <a:latin typeface="Andale Mono" charset="0"/>
+                <a:ea typeface="Andale Mono" charset="0"/>
+                <a:cs typeface="Andale Mono" charset="0"/>
+              </a:rPr>
+            </a:br>
+            <a:r>
+              <a:rPr lang="en-US" sz="2000" dirty="0" smtClean="0">
+                <a:solidFill>
+                  <a:srgbClr val="CC7832"/>
+                </a:solidFill>
+                <a:latin typeface="Andale Mono" charset="0"/>
+                <a:ea typeface="Andale Mono" charset="0"/>
+                <a:cs typeface="Andale Mono" charset="0"/>
+              </a:rPr>
+              <a:t>  </a:t>
+            </a:r>
+            <a:r>
+              <a:rPr lang="en-US" sz="2000" b="1" dirty="0" err="1" smtClean="0">
+                <a:solidFill>
+                  <a:srgbClr val="CC7832"/>
+                </a:solidFill>
+                <a:latin typeface="Andale Mono" charset="0"/>
+                <a:ea typeface="Andale Mono" charset="0"/>
+                <a:cs typeface="Andale Mono" charset="0"/>
+              </a:rPr>
+              <a:t>def</a:t>
+            </a:r>
+            <a:r>
+              <a:rPr lang="en-US" sz="2000" b="1" dirty="0" smtClean="0">
+                <a:solidFill>
+                  <a:srgbClr val="CC7832"/>
+                </a:solidFill>
+                <a:latin typeface="Andale Mono" charset="0"/>
+                <a:ea typeface="Andale Mono" charset="0"/>
+                <a:cs typeface="Andale Mono" charset="0"/>
+              </a:rPr>
+              <a:t> </a:t>
+            </a:r>
+            <a:r>
+              <a:rPr lang="en-US" sz="2000" dirty="0" smtClean="0">
+                <a:solidFill>
+                  <a:srgbClr val="FFC66D"/>
+                </a:solidFill>
+                <a:latin typeface="Andale Mono" charset="0"/>
+                <a:ea typeface="Andale Mono" charset="0"/>
+                <a:cs typeface="Andale Mono" charset="0"/>
+              </a:rPr>
+              <a:t>definition</a:t>
+            </a:r>
+            <a:r>
+              <a:rPr lang="en-US" sz="2000" dirty="0" smtClean="0">
+                <a:latin typeface="Andale Mono" charset="0"/>
+                <a:ea typeface="Andale Mono" charset="0"/>
+                <a:cs typeface="Andale Mono" charset="0"/>
+              </a:rPr>
+              <a:t>(word: </a:t>
+            </a:r>
+            <a:r>
+              <a:rPr lang="en-US" sz="2000" dirty="0" smtClean="0">
+                <a:solidFill>
+                  <a:srgbClr val="4E807D"/>
+                </a:solidFill>
+                <a:latin typeface="Andale Mono" charset="0"/>
+                <a:ea typeface="Andale Mono" charset="0"/>
+                <a:cs typeface="Andale Mono" charset="0"/>
+              </a:rPr>
+              <a:t>Word</a:t>
+            </a:r>
+            <a:r>
+              <a:rPr lang="en-US" sz="2000" dirty="0" smtClean="0">
+                <a:latin typeface="Andale Mono" charset="0"/>
+                <a:ea typeface="Andale Mono" charset="0"/>
+                <a:cs typeface="Andale Mono" charset="0"/>
+              </a:rPr>
+              <a:t>): Option[</a:t>
+            </a:r>
+            <a:r>
+              <a:rPr lang="en-US" sz="2000" dirty="0" smtClean="0">
+                <a:solidFill>
+                  <a:srgbClr val="4E807D"/>
+                </a:solidFill>
+                <a:latin typeface="Andale Mono" charset="0"/>
+                <a:ea typeface="Andale Mono" charset="0"/>
+                <a:cs typeface="Andale Mono" charset="0"/>
+              </a:rPr>
+              <a:t>Definition</a:t>
+            </a:r>
+            <a:r>
+              <a:rPr lang="en-US" sz="2000" dirty="0" smtClean="0">
+                <a:latin typeface="Andale Mono" charset="0"/>
+                <a:ea typeface="Andale Mono" charset="0"/>
+                <a:cs typeface="Andale Mono" charset="0"/>
+              </a:rPr>
+              <a:t>]</a:t>
+            </a:r>
+            <a:br>
+              <a:rPr lang="en-US" sz="2000" dirty="0" smtClean="0">
+                <a:latin typeface="Andale Mono" charset="0"/>
+                <a:ea typeface="Andale Mono" charset="0"/>
+                <a:cs typeface="Andale Mono" charset="0"/>
+              </a:rPr>
+            </a:br>
+            <a:r>
+              <a:rPr lang="en-US" sz="2000" dirty="0" smtClean="0">
+                <a:latin typeface="Andale Mono" charset="0"/>
+                <a:ea typeface="Andale Mono" charset="0"/>
+                <a:cs typeface="Andale Mono" charset="0"/>
+              </a:rPr>
+              <a:t>  </a:t>
+            </a:r>
+            <a:r>
+              <a:rPr lang="en-US" sz="2000" b="1" dirty="0" err="1" smtClean="0">
+                <a:solidFill>
+                  <a:srgbClr val="CC7832"/>
+                </a:solidFill>
+                <a:latin typeface="Andale Mono" charset="0"/>
+                <a:ea typeface="Andale Mono" charset="0"/>
+                <a:cs typeface="Andale Mono" charset="0"/>
+              </a:rPr>
+              <a:t>def</a:t>
+            </a:r>
+            <a:r>
+              <a:rPr lang="en-US" sz="2000" b="1" dirty="0" smtClean="0">
+                <a:solidFill>
+                  <a:srgbClr val="CC7832"/>
+                </a:solidFill>
+                <a:latin typeface="Andale Mono" charset="0"/>
+                <a:ea typeface="Andale Mono" charset="0"/>
+                <a:cs typeface="Andale Mono" charset="0"/>
+              </a:rPr>
+              <a:t> </a:t>
+            </a:r>
+            <a:r>
+              <a:rPr lang="en-US" sz="2000" dirty="0" err="1" smtClean="0">
+                <a:solidFill>
+                  <a:srgbClr val="FFC66D"/>
+                </a:solidFill>
+                <a:latin typeface="Andale Mono" charset="0"/>
+                <a:ea typeface="Andale Mono" charset="0"/>
+                <a:cs typeface="Andale Mono" charset="0"/>
+              </a:rPr>
+              <a:t>intoSyllables</a:t>
+            </a:r>
+            <a:r>
+              <a:rPr lang="en-US" sz="2000" dirty="0" smtClean="0">
+                <a:latin typeface="Andale Mono" charset="0"/>
+                <a:ea typeface="Andale Mono" charset="0"/>
+                <a:cs typeface="Andale Mono" charset="0"/>
+              </a:rPr>
+              <a:t>(word: </a:t>
+            </a:r>
+            <a:r>
+              <a:rPr lang="en-US" sz="2000" dirty="0" smtClean="0">
+                <a:solidFill>
+                  <a:srgbClr val="4E807D"/>
+                </a:solidFill>
+                <a:latin typeface="Andale Mono" charset="0"/>
+                <a:ea typeface="Andale Mono" charset="0"/>
+                <a:cs typeface="Andale Mono" charset="0"/>
+              </a:rPr>
+              <a:t>Word</a:t>
+            </a:r>
+            <a:r>
+              <a:rPr lang="en-US" sz="2000" dirty="0" smtClean="0">
+                <a:latin typeface="Andale Mono" charset="0"/>
+                <a:ea typeface="Andale Mono" charset="0"/>
+                <a:cs typeface="Andale Mono" charset="0"/>
+              </a:rPr>
+              <a:t>): </a:t>
+            </a:r>
+            <a:r>
+              <a:rPr lang="en-US" sz="2000" dirty="0" smtClean="0">
+                <a:solidFill>
+                  <a:srgbClr val="4E807D"/>
+                </a:solidFill>
+                <a:latin typeface="Andale Mono" charset="0"/>
+                <a:ea typeface="Andale Mono" charset="0"/>
+                <a:cs typeface="Andale Mono" charset="0"/>
+              </a:rPr>
+              <a:t>List</a:t>
+            </a:r>
+            <a:r>
+              <a:rPr lang="en-US" sz="2000" dirty="0" smtClean="0">
+                <a:latin typeface="Andale Mono" charset="0"/>
+                <a:ea typeface="Andale Mono" charset="0"/>
+                <a:cs typeface="Andale Mono" charset="0"/>
+              </a:rPr>
+              <a:t>[</a:t>
+            </a:r>
+            <a:r>
+              <a:rPr lang="en-US" sz="2000" dirty="0" smtClean="0">
+                <a:solidFill>
+                  <a:srgbClr val="4E807D"/>
+                </a:solidFill>
+                <a:latin typeface="Andale Mono" charset="0"/>
+                <a:ea typeface="Andale Mono" charset="0"/>
+                <a:cs typeface="Andale Mono" charset="0"/>
+              </a:rPr>
+              <a:t>Syllable</a:t>
+            </a:r>
+            <a:r>
+              <a:rPr lang="en-US" sz="2000" dirty="0" smtClean="0">
+                <a:latin typeface="Andale Mono" charset="0"/>
+                <a:ea typeface="Andale Mono" charset="0"/>
+                <a:cs typeface="Andale Mono" charset="0"/>
+              </a:rPr>
+              <a:t>]</a:t>
+            </a:r>
+            <a:br>
+              <a:rPr lang="en-US" sz="2000" dirty="0" smtClean="0">
+                <a:latin typeface="Andale Mono" charset="0"/>
+                <a:ea typeface="Andale Mono" charset="0"/>
+                <a:cs typeface="Andale Mono" charset="0"/>
+              </a:rPr>
+            </a:br>
+            <a:r>
+              <a:rPr lang="en-US" sz="2000" dirty="0" smtClean="0">
+                <a:latin typeface="Andale Mono" charset="0"/>
+                <a:ea typeface="Andale Mono" charset="0"/>
+                <a:cs typeface="Andale Mono" charset="0"/>
+              </a:rPr>
+              <a:t>}</a:t>
+            </a:r>
+          </a:p>
+          <a:p>
+            <a:endParaRPr lang="en-US" sz="2000" dirty="0" smtClean="0">
+              <a:latin typeface="Andale Mono" charset="0"/>
+              <a:ea typeface="Andale Mono" charset="0"/>
+              <a:cs typeface="Andale Mono" charset="0"/>
+            </a:endParaRPr>
+          </a:p>
+          <a:p>
+            <a:r>
+              <a:rPr lang="en-US" sz="2000" b="1" dirty="0" smtClean="0">
+                <a:solidFill>
+                  <a:srgbClr val="CC7832"/>
+                </a:solidFill>
+                <a:latin typeface="Andale Mono" charset="0"/>
+                <a:ea typeface="Andale Mono" charset="0"/>
+                <a:cs typeface="Andale Mono" charset="0"/>
+              </a:rPr>
+              <a:t>class </a:t>
+            </a:r>
+            <a:r>
+              <a:rPr lang="en-US" sz="2000" dirty="0" err="1" smtClean="0">
+                <a:latin typeface="Andale Mono" charset="0"/>
+                <a:ea typeface="Andale Mono" charset="0"/>
+                <a:cs typeface="Andale Mono" charset="0"/>
+              </a:rPr>
+              <a:t>DefaultWordDictionary</a:t>
+            </a:r>
+            <a:r>
+              <a:rPr lang="en-US" sz="2000" dirty="0" smtClean="0">
+                <a:latin typeface="Andale Mono" charset="0"/>
+                <a:ea typeface="Andale Mono" charset="0"/>
+                <a:cs typeface="Andale Mono" charset="0"/>
+              </a:rPr>
+              <a:t>(</a:t>
+            </a:r>
+          </a:p>
+          <a:p>
+            <a:r>
+              <a:rPr lang="en-US" sz="2000" dirty="0" smtClean="0">
+                <a:latin typeface="Andale Mono" charset="0"/>
+                <a:ea typeface="Andale Mono" charset="0"/>
+                <a:cs typeface="Andale Mono" charset="0"/>
+              </a:rPr>
+              <a:t>     </a:t>
+            </a:r>
+            <a:r>
+              <a:rPr lang="en-US" sz="2000" b="1" dirty="0" err="1" smtClean="0">
+                <a:solidFill>
+                  <a:srgbClr val="CC7832"/>
+                </a:solidFill>
+                <a:latin typeface="Andale Mono" charset="0"/>
+                <a:ea typeface="Andale Mono" charset="0"/>
+                <a:cs typeface="Andale Mono" charset="0"/>
+              </a:rPr>
+              <a:t>val</a:t>
+            </a:r>
+            <a:r>
+              <a:rPr lang="en-US" sz="2000" b="1" dirty="0" smtClean="0">
+                <a:solidFill>
+                  <a:srgbClr val="CC7832"/>
+                </a:solidFill>
+                <a:latin typeface="Andale Mono" charset="0"/>
+                <a:ea typeface="Andale Mono" charset="0"/>
+                <a:cs typeface="Andale Mono" charset="0"/>
+              </a:rPr>
+              <a:t> </a:t>
+            </a:r>
+            <a:r>
+              <a:rPr lang="en-US" sz="2000" dirty="0" err="1" smtClean="0">
+                <a:latin typeface="Andale Mono" charset="0"/>
+                <a:ea typeface="Andale Mono" charset="0"/>
+                <a:cs typeface="Andale Mono" charset="0"/>
+              </a:rPr>
+              <a:t>lang</a:t>
+            </a:r>
+            <a:r>
+              <a:rPr lang="en-US" sz="2000" dirty="0" smtClean="0">
+                <a:latin typeface="Andale Mono" charset="0"/>
+                <a:ea typeface="Andale Mono" charset="0"/>
+                <a:cs typeface="Andale Mono" charset="0"/>
+              </a:rPr>
+              <a:t>: </a:t>
+            </a:r>
+            <a:r>
+              <a:rPr lang="en-US" sz="2000" dirty="0" smtClean="0">
+                <a:solidFill>
+                  <a:srgbClr val="4E807D"/>
+                </a:solidFill>
+                <a:latin typeface="Andale Mono" charset="0"/>
+                <a:ea typeface="Andale Mono" charset="0"/>
+                <a:cs typeface="Andale Mono" charset="0"/>
+              </a:rPr>
+              <a:t>Lang</a:t>
+            </a:r>
+            <a:r>
+              <a:rPr lang="en-US" sz="2000" dirty="0" smtClean="0">
+                <a:solidFill>
+                  <a:srgbClr val="CC7832"/>
+                </a:solidFill>
+                <a:latin typeface="Andale Mono" charset="0"/>
+                <a:ea typeface="Andale Mono" charset="0"/>
+                <a:cs typeface="Andale Mono" charset="0"/>
+              </a:rPr>
+              <a:t>,</a:t>
+            </a:r>
+          </a:p>
+          <a:p>
+            <a:r>
+              <a:rPr lang="en-US" sz="2000" b="1" dirty="0" smtClean="0">
+                <a:solidFill>
+                  <a:srgbClr val="CC7832"/>
+                </a:solidFill>
+                <a:latin typeface="Andale Mono" charset="0"/>
+                <a:ea typeface="Andale Mono" charset="0"/>
+                <a:cs typeface="Andale Mono" charset="0"/>
+              </a:rPr>
+              <a:t>     private </a:t>
+            </a:r>
+            <a:r>
+              <a:rPr lang="en-US" sz="2000" b="1" dirty="0" err="1" smtClean="0">
+                <a:solidFill>
+                  <a:srgbClr val="CC7832"/>
+                </a:solidFill>
+                <a:latin typeface="Andale Mono" charset="0"/>
+                <a:ea typeface="Andale Mono" charset="0"/>
+                <a:cs typeface="Andale Mono" charset="0"/>
+              </a:rPr>
+              <a:t>val</a:t>
+            </a:r>
+            <a:r>
+              <a:rPr lang="en-US" sz="2000" b="1" dirty="0" smtClean="0">
+                <a:solidFill>
+                  <a:srgbClr val="CC7832"/>
+                </a:solidFill>
+                <a:latin typeface="Andale Mono" charset="0"/>
+                <a:ea typeface="Andale Mono" charset="0"/>
+                <a:cs typeface="Andale Mono" charset="0"/>
+              </a:rPr>
+              <a:t> </a:t>
+            </a:r>
+            <a:r>
+              <a:rPr lang="en-US" sz="2000" dirty="0" smtClean="0">
+                <a:latin typeface="Andale Mono" charset="0"/>
+                <a:ea typeface="Andale Mono" charset="0"/>
+                <a:cs typeface="Andale Mono" charset="0"/>
+              </a:rPr>
+              <a:t>definitions: </a:t>
+            </a:r>
+            <a:r>
+              <a:rPr lang="en-US" sz="2000" dirty="0" smtClean="0">
+                <a:solidFill>
+                  <a:srgbClr val="4E807D"/>
+                </a:solidFill>
+                <a:latin typeface="Andale Mono" charset="0"/>
+                <a:ea typeface="Andale Mono" charset="0"/>
+                <a:cs typeface="Andale Mono" charset="0"/>
+              </a:rPr>
+              <a:t>Map</a:t>
+            </a:r>
+            <a:r>
+              <a:rPr lang="en-US" sz="2000" dirty="0" smtClean="0">
+                <a:latin typeface="Andale Mono" charset="0"/>
+                <a:ea typeface="Andale Mono" charset="0"/>
+                <a:cs typeface="Andale Mono" charset="0"/>
+              </a:rPr>
+              <a:t>[</a:t>
+            </a:r>
+            <a:r>
+              <a:rPr lang="en-US" sz="2000" dirty="0" smtClean="0">
+                <a:solidFill>
+                  <a:srgbClr val="4E807D"/>
+                </a:solidFill>
+                <a:latin typeface="Andale Mono" charset="0"/>
+                <a:ea typeface="Andale Mono" charset="0"/>
+                <a:cs typeface="Andale Mono" charset="0"/>
+              </a:rPr>
+              <a:t>Word</a:t>
+            </a:r>
+            <a:r>
+              <a:rPr lang="en-US" sz="2000" dirty="0" smtClean="0">
+                <a:solidFill>
+                  <a:srgbClr val="CC7832"/>
+                </a:solidFill>
+                <a:latin typeface="Andale Mono" charset="0"/>
+                <a:ea typeface="Andale Mono" charset="0"/>
+                <a:cs typeface="Andale Mono" charset="0"/>
+              </a:rPr>
+              <a:t>, </a:t>
+            </a:r>
+            <a:r>
+              <a:rPr lang="en-US" sz="2000" dirty="0" smtClean="0">
+                <a:solidFill>
+                  <a:srgbClr val="4E807D"/>
+                </a:solidFill>
+                <a:latin typeface="Andale Mono" charset="0"/>
+                <a:ea typeface="Andale Mono" charset="0"/>
+                <a:cs typeface="Andale Mono" charset="0"/>
+              </a:rPr>
+              <a:t>Definition</a:t>
+            </a:r>
+            <a:r>
+              <a:rPr lang="en-US" sz="2000" dirty="0" smtClean="0">
+                <a:latin typeface="Andale Mono" charset="0"/>
+                <a:ea typeface="Andale Mono" charset="0"/>
+                <a:cs typeface="Andale Mono" charset="0"/>
+              </a:rPr>
+              <a:t>]</a:t>
+            </a:r>
+          </a:p>
+          <a:p>
+            <a:r>
+              <a:rPr lang="en-US" sz="2000" dirty="0" smtClean="0">
+                <a:latin typeface="Andale Mono" charset="0"/>
+                <a:ea typeface="Andale Mono" charset="0"/>
+                <a:cs typeface="Andale Mono" charset="0"/>
+              </a:rPr>
+              <a:t> ) </a:t>
+            </a:r>
+            <a:r>
+              <a:rPr lang="en-US" sz="2000" b="1" dirty="0" smtClean="0">
+                <a:solidFill>
+                  <a:srgbClr val="CC7832"/>
+                </a:solidFill>
+                <a:latin typeface="Andale Mono" charset="0"/>
+                <a:ea typeface="Andale Mono" charset="0"/>
+                <a:cs typeface="Andale Mono" charset="0"/>
+              </a:rPr>
+              <a:t>extends </a:t>
+            </a:r>
+            <a:r>
+              <a:rPr lang="en-US" sz="2000" dirty="0" err="1" smtClean="0">
+                <a:latin typeface="Andale Mono" charset="0"/>
+                <a:ea typeface="Andale Mono" charset="0"/>
+                <a:cs typeface="Andale Mono" charset="0"/>
+              </a:rPr>
+              <a:t>WordDictionary</a:t>
+            </a:r>
+            <a:r>
+              <a:rPr lang="en-US" sz="2000" dirty="0" smtClean="0">
+                <a:latin typeface="Andale Mono" charset="0"/>
+                <a:ea typeface="Andale Mono" charset="0"/>
+                <a:cs typeface="Andale Mono" charset="0"/>
+              </a:rPr>
+              <a:t> {</a:t>
+            </a:r>
+            <a:br>
+              <a:rPr lang="en-US" sz="2000" dirty="0" smtClean="0">
+                <a:latin typeface="Andale Mono" charset="0"/>
+                <a:ea typeface="Andale Mono" charset="0"/>
+                <a:cs typeface="Andale Mono" charset="0"/>
+              </a:rPr>
+            </a:br>
+            <a:r>
+              <a:rPr lang="en-US" dirty="0" smtClean="0">
+                <a:latin typeface="Andale Mono" charset="0"/>
+                <a:ea typeface="Andale Mono" charset="0"/>
+                <a:cs typeface="Andale Mono" charset="0"/>
+              </a:rPr>
+              <a:t/>
+            </a:r>
+            <a:br>
+              <a:rPr lang="en-US" dirty="0" smtClean="0">
+                <a:latin typeface="Andale Mono" charset="0"/>
+                <a:ea typeface="Andale Mono" charset="0"/>
+                <a:cs typeface="Andale Mono" charset="0"/>
+              </a:rPr>
+            </a:br>
+            <a:r>
+              <a:rPr lang="en-US" sz="1800" dirty="0" smtClean="0">
+                <a:latin typeface="Andale Mono" charset="0"/>
+                <a:ea typeface="Andale Mono" charset="0"/>
+                <a:cs typeface="Andale Mono" charset="0"/>
+              </a:rPr>
+              <a:t>  </a:t>
+            </a:r>
+            <a:r>
+              <a:rPr lang="en-US" sz="1800" b="1" dirty="0" err="1" smtClean="0">
+                <a:solidFill>
+                  <a:srgbClr val="CC7832"/>
+                </a:solidFill>
+                <a:latin typeface="Andale Mono" charset="0"/>
+                <a:ea typeface="Andale Mono" charset="0"/>
+                <a:cs typeface="Andale Mono" charset="0"/>
+              </a:rPr>
+              <a:t>def</a:t>
+            </a:r>
+            <a:r>
+              <a:rPr lang="en-US" sz="1800" b="1" dirty="0" smtClean="0">
+                <a:solidFill>
+                  <a:srgbClr val="CC7832"/>
+                </a:solidFill>
+                <a:latin typeface="Andale Mono" charset="0"/>
+                <a:ea typeface="Andale Mono" charset="0"/>
+                <a:cs typeface="Andale Mono" charset="0"/>
+              </a:rPr>
+              <a:t> </a:t>
+            </a:r>
+            <a:r>
+              <a:rPr lang="en-US" sz="1800" dirty="0" err="1" smtClean="0">
+                <a:solidFill>
+                  <a:srgbClr val="FFC66D"/>
+                </a:solidFill>
+                <a:latin typeface="Andale Mono" charset="0"/>
+                <a:ea typeface="Andale Mono" charset="0"/>
+                <a:cs typeface="Andale Mono" charset="0"/>
+              </a:rPr>
+              <a:t>hasWord</a:t>
+            </a:r>
+            <a:r>
+              <a:rPr lang="en-US" sz="1800" dirty="0" smtClean="0">
+                <a:latin typeface="Andale Mono" charset="0"/>
+                <a:ea typeface="Andale Mono" charset="0"/>
+                <a:cs typeface="Andale Mono" charset="0"/>
+              </a:rPr>
+              <a:t>(word: </a:t>
+            </a:r>
+            <a:r>
+              <a:rPr lang="en-US" sz="1800" dirty="0" smtClean="0">
+                <a:solidFill>
+                  <a:srgbClr val="4E807D"/>
+                </a:solidFill>
+                <a:latin typeface="Andale Mono" charset="0"/>
+                <a:ea typeface="Andale Mono" charset="0"/>
+                <a:cs typeface="Andale Mono" charset="0"/>
+              </a:rPr>
+              <a:t>Word</a:t>
+            </a:r>
+            <a:r>
+              <a:rPr lang="en-US" sz="1800" dirty="0" smtClean="0">
+                <a:latin typeface="Andale Mono" charset="0"/>
+                <a:ea typeface="Andale Mono" charset="0"/>
+                <a:cs typeface="Andale Mono" charset="0"/>
+              </a:rPr>
+              <a:t>): </a:t>
+            </a:r>
+            <a:r>
+              <a:rPr lang="en-US" sz="1800" dirty="0" smtClean="0">
+                <a:solidFill>
+                  <a:srgbClr val="CC7832"/>
+                </a:solidFill>
+                <a:latin typeface="Andale Mono" charset="0"/>
+                <a:ea typeface="Andale Mono" charset="0"/>
+                <a:cs typeface="Andale Mono" charset="0"/>
+              </a:rPr>
+              <a:t>Boolean </a:t>
+            </a:r>
+            <a:r>
+              <a:rPr lang="en-US" sz="1800" dirty="0" smtClean="0">
+                <a:latin typeface="Andale Mono" charset="0"/>
+                <a:ea typeface="Andale Mono" charset="0"/>
+                <a:cs typeface="Andale Mono" charset="0"/>
+              </a:rPr>
+              <a:t>= ???</a:t>
+            </a:r>
+            <a:br>
+              <a:rPr lang="en-US" sz="1800" dirty="0" smtClean="0">
+                <a:latin typeface="Andale Mono" charset="0"/>
+                <a:ea typeface="Andale Mono" charset="0"/>
+                <a:cs typeface="Andale Mono" charset="0"/>
+              </a:rPr>
+            </a:br>
+            <a:r>
+              <a:rPr lang="en-US" sz="1800" dirty="0" smtClean="0">
+                <a:latin typeface="Andale Mono" charset="0"/>
+                <a:ea typeface="Andale Mono" charset="0"/>
+                <a:cs typeface="Andale Mono" charset="0"/>
+              </a:rPr>
+              <a:t>  </a:t>
+            </a:r>
+            <a:r>
+              <a:rPr lang="en-US" sz="1800" b="1" dirty="0" err="1" smtClean="0">
+                <a:solidFill>
+                  <a:srgbClr val="CC7832"/>
+                </a:solidFill>
+                <a:latin typeface="Andale Mono" charset="0"/>
+                <a:ea typeface="Andale Mono" charset="0"/>
+                <a:cs typeface="Andale Mono" charset="0"/>
+              </a:rPr>
+              <a:t>def</a:t>
+            </a:r>
+            <a:r>
+              <a:rPr lang="en-US" sz="1800" b="1" dirty="0" smtClean="0">
+                <a:solidFill>
+                  <a:srgbClr val="CC7832"/>
+                </a:solidFill>
+                <a:latin typeface="Andale Mono" charset="0"/>
+                <a:ea typeface="Andale Mono" charset="0"/>
+                <a:cs typeface="Andale Mono" charset="0"/>
+              </a:rPr>
+              <a:t> </a:t>
+            </a:r>
+            <a:r>
+              <a:rPr lang="en-US" sz="1800" dirty="0" smtClean="0">
+                <a:solidFill>
+                  <a:srgbClr val="FFC66D"/>
+                </a:solidFill>
+                <a:latin typeface="Andale Mono" charset="0"/>
+                <a:ea typeface="Andale Mono" charset="0"/>
+                <a:cs typeface="Andale Mono" charset="0"/>
+              </a:rPr>
+              <a:t>definition</a:t>
+            </a:r>
+            <a:r>
+              <a:rPr lang="en-US" sz="1800" dirty="0" smtClean="0">
+                <a:latin typeface="Andale Mono" charset="0"/>
+                <a:ea typeface="Andale Mono" charset="0"/>
+                <a:cs typeface="Andale Mono" charset="0"/>
+              </a:rPr>
+              <a:t>(word: </a:t>
+            </a:r>
+            <a:r>
+              <a:rPr lang="en-US" sz="1800" dirty="0" smtClean="0">
+                <a:solidFill>
+                  <a:srgbClr val="4E807D"/>
+                </a:solidFill>
+                <a:latin typeface="Andale Mono" charset="0"/>
+                <a:ea typeface="Andale Mono" charset="0"/>
+                <a:cs typeface="Andale Mono" charset="0"/>
+              </a:rPr>
+              <a:t>Word</a:t>
+            </a:r>
+            <a:r>
+              <a:rPr lang="en-US" sz="1800" dirty="0" smtClean="0">
+                <a:latin typeface="Andale Mono" charset="0"/>
+                <a:ea typeface="Andale Mono" charset="0"/>
+                <a:cs typeface="Andale Mono" charset="0"/>
+              </a:rPr>
+              <a:t>): Option[</a:t>
+            </a:r>
+            <a:r>
+              <a:rPr lang="en-US" sz="1800" dirty="0" smtClean="0">
+                <a:solidFill>
+                  <a:srgbClr val="4E807D"/>
+                </a:solidFill>
+                <a:latin typeface="Andale Mono" charset="0"/>
+                <a:ea typeface="Andale Mono" charset="0"/>
+                <a:cs typeface="Andale Mono" charset="0"/>
+              </a:rPr>
+              <a:t>Definition</a:t>
+            </a:r>
+            <a:r>
+              <a:rPr lang="en-US" sz="1800" dirty="0" smtClean="0">
+                <a:latin typeface="Andale Mono" charset="0"/>
+                <a:ea typeface="Andale Mono" charset="0"/>
+                <a:cs typeface="Andale Mono" charset="0"/>
+              </a:rPr>
+              <a:t>] = ???</a:t>
+            </a:r>
+            <a:br>
+              <a:rPr lang="en-US" sz="1800" dirty="0" smtClean="0">
+                <a:latin typeface="Andale Mono" charset="0"/>
+                <a:ea typeface="Andale Mono" charset="0"/>
+                <a:cs typeface="Andale Mono" charset="0"/>
+              </a:rPr>
+            </a:br>
+            <a:r>
+              <a:rPr lang="en-US" sz="1800" dirty="0" smtClean="0">
+                <a:latin typeface="Andale Mono" charset="0"/>
+                <a:ea typeface="Andale Mono" charset="0"/>
+                <a:cs typeface="Andale Mono" charset="0"/>
+              </a:rPr>
+              <a:t>  </a:t>
+            </a:r>
+            <a:r>
+              <a:rPr lang="en-US" sz="1800" b="1" dirty="0" err="1" smtClean="0">
+                <a:solidFill>
+                  <a:srgbClr val="CC7832"/>
+                </a:solidFill>
+                <a:latin typeface="Andale Mono" charset="0"/>
+                <a:ea typeface="Andale Mono" charset="0"/>
+                <a:cs typeface="Andale Mono" charset="0"/>
+              </a:rPr>
+              <a:t>def</a:t>
+            </a:r>
+            <a:r>
+              <a:rPr lang="en-US" sz="1800" b="1" dirty="0" smtClean="0">
+                <a:solidFill>
+                  <a:srgbClr val="CC7832"/>
+                </a:solidFill>
+                <a:latin typeface="Andale Mono" charset="0"/>
+                <a:ea typeface="Andale Mono" charset="0"/>
+                <a:cs typeface="Andale Mono" charset="0"/>
+              </a:rPr>
+              <a:t> </a:t>
+            </a:r>
+            <a:r>
+              <a:rPr lang="en-US" sz="1800" dirty="0" err="1" smtClean="0">
+                <a:solidFill>
+                  <a:srgbClr val="FFC66D"/>
+                </a:solidFill>
+                <a:latin typeface="Andale Mono" charset="0"/>
+                <a:ea typeface="Andale Mono" charset="0"/>
+                <a:cs typeface="Andale Mono" charset="0"/>
+              </a:rPr>
+              <a:t>intoSyllables</a:t>
+            </a:r>
+            <a:r>
+              <a:rPr lang="en-US" sz="1800" dirty="0" smtClean="0">
+                <a:latin typeface="Andale Mono" charset="0"/>
+                <a:ea typeface="Andale Mono" charset="0"/>
+                <a:cs typeface="Andale Mono" charset="0"/>
+              </a:rPr>
+              <a:t>(word: </a:t>
+            </a:r>
+            <a:r>
+              <a:rPr lang="en-US" sz="1800" dirty="0" smtClean="0">
+                <a:solidFill>
+                  <a:srgbClr val="4E807D"/>
+                </a:solidFill>
+                <a:latin typeface="Andale Mono" charset="0"/>
+                <a:ea typeface="Andale Mono" charset="0"/>
+                <a:cs typeface="Andale Mono" charset="0"/>
+              </a:rPr>
+              <a:t>Word</a:t>
+            </a:r>
+            <a:r>
+              <a:rPr lang="en-US" sz="1800" dirty="0" smtClean="0">
+                <a:latin typeface="Andale Mono" charset="0"/>
+                <a:ea typeface="Andale Mono" charset="0"/>
+                <a:cs typeface="Andale Mono" charset="0"/>
+              </a:rPr>
+              <a:t>): </a:t>
+            </a:r>
+            <a:r>
+              <a:rPr lang="en-US" sz="1800" dirty="0" smtClean="0">
+                <a:solidFill>
+                  <a:srgbClr val="4E807D"/>
+                </a:solidFill>
+                <a:latin typeface="Andale Mono" charset="0"/>
+                <a:ea typeface="Andale Mono" charset="0"/>
+                <a:cs typeface="Andale Mono" charset="0"/>
+              </a:rPr>
+              <a:t>List</a:t>
+            </a:r>
+            <a:r>
+              <a:rPr lang="en-US" sz="1800" dirty="0" smtClean="0">
+                <a:latin typeface="Andale Mono" charset="0"/>
+                <a:ea typeface="Andale Mono" charset="0"/>
+                <a:cs typeface="Andale Mono" charset="0"/>
+              </a:rPr>
+              <a:t>[</a:t>
+            </a:r>
+            <a:r>
+              <a:rPr lang="en-US" sz="1800" dirty="0" smtClean="0">
+                <a:solidFill>
+                  <a:srgbClr val="4E807D"/>
+                </a:solidFill>
+                <a:latin typeface="Andale Mono" charset="0"/>
+                <a:ea typeface="Andale Mono" charset="0"/>
+                <a:cs typeface="Andale Mono" charset="0"/>
+              </a:rPr>
+              <a:t>Syllable</a:t>
+            </a:r>
+            <a:r>
+              <a:rPr lang="en-US" sz="1800" dirty="0" smtClean="0">
+                <a:latin typeface="Andale Mono" charset="0"/>
+                <a:ea typeface="Andale Mono" charset="0"/>
+                <a:cs typeface="Andale Mono" charset="0"/>
+              </a:rPr>
+              <a:t>] = ???</a:t>
+            </a:r>
+            <a:br>
+              <a:rPr lang="en-US" sz="1800" dirty="0" smtClean="0">
+                <a:latin typeface="Andale Mono" charset="0"/>
+                <a:ea typeface="Andale Mono" charset="0"/>
+                <a:cs typeface="Andale Mono" charset="0"/>
+              </a:rPr>
+            </a:br>
+            <a:r>
+              <a:rPr lang="en-US" dirty="0" smtClean="0">
+                <a:latin typeface="Andale Mono" charset="0"/>
+                <a:ea typeface="Andale Mono" charset="0"/>
+                <a:cs typeface="Andale Mono" charset="0"/>
+              </a:rPr>
+              <a:t>}</a:t>
+            </a:r>
+            <a:br>
+              <a:rPr lang="en-US" dirty="0" smtClean="0">
+                <a:latin typeface="Andale Mono" charset="0"/>
+                <a:ea typeface="Andale Mono" charset="0"/>
+                <a:cs typeface="Andale Mono" charset="0"/>
+              </a:rPr>
+            </a:br>
+            <a:r>
+              <a:rPr lang="en-US" dirty="0" smtClean="0">
+                <a:latin typeface="Andale Mono" charset="0"/>
+                <a:ea typeface="Andale Mono" charset="0"/>
+                <a:cs typeface="Andale Mono" charset="0"/>
+              </a:rPr>
+              <a:t/>
+            </a:r>
+            <a:br>
+              <a:rPr lang="en-US" dirty="0" smtClean="0">
+                <a:latin typeface="Andale Mono" charset="0"/>
+                <a:ea typeface="Andale Mono" charset="0"/>
+                <a:cs typeface="Andale Mono" charset="0"/>
+              </a:rPr>
+            </a:br>
+            <a:endParaRPr lang="en-US" dirty="0">
+              <a:latin typeface="Andale Mono" charset="0"/>
+              <a:ea typeface="Andale Mono" charset="0"/>
+              <a:cs typeface="Andale Mono" charset="0"/>
+            </a:endParaRPr>
+          </a:p>
+        </p:txBody>
+      </p:sp>
+    </p:spTree>
+    <p:extLst>
+      <p:ext uri="{BB962C8B-B14F-4D97-AF65-F5344CB8AC3E}">
         <p14:creationId xmlns:p14="http://schemas.microsoft.com/office/powerpoint/2010/main" val="267131620"/>
       </p:ext>
     </p:extLst>
@@ -19619,7 +21183,7 @@
 </p:sld>
 </file>
 
-<file path=ppt/slides/slide22.xml><?xml version="1.0" encoding="utf-8"?>
+<file path=ppt/slides/slide23.xml><?xml version="1.0" encoding="utf-8"?>
 <p:sld xmlns:a="http://schemas.openxmlformats.org/drawingml/2006/main" xmlns:r="http://schemas.openxmlformats.org/officeDocument/2006/relationships" xmlns:p="http://schemas.openxmlformats.org/presentationml/2006/main">
   <p:cSld name="Slide84">
     <p:spTree>
@@ -19825,7 +21389,7 @@
 </p:sld>
 </file>
 
-<file path=ppt/slides/slide23.xml><?xml version="1.0" encoding="utf-8"?>
+<file path=ppt/slides/slide24.xml><?xml version="1.0" encoding="utf-8"?>
 <p:sld xmlns:a="http://schemas.openxmlformats.org/drawingml/2006/main" xmlns:r="http://schemas.openxmlformats.org/officeDocument/2006/relationships" xmlns:p="http://schemas.openxmlformats.org/presentationml/2006/main">
   <p:cSld name="Slide25">
     <p:spTree>
